--- a/doc/MakePES/usage_MakePES.pptx
+++ b/doc/MakePES/usage_MakePES.pptx
@@ -5,17 +5,21 @@
     <p:sldMasterId id="2147483660" r:id="rId1"/>
   </p:sldMasterIdLst>
   <p:notesMasterIdLst>
-    <p:notesMasterId r:id="rId10"/>
+    <p:notesMasterId r:id="rId14"/>
   </p:notesMasterIdLst>
   <p:sldIdLst>
     <p:sldId id="256" r:id="rId2"/>
-    <p:sldId id="273" r:id="rId3"/>
-    <p:sldId id="274" r:id="rId4"/>
-    <p:sldId id="275" r:id="rId5"/>
-    <p:sldId id="276" r:id="rId6"/>
-    <p:sldId id="277" r:id="rId7"/>
-    <p:sldId id="278" r:id="rId8"/>
-    <p:sldId id="279" r:id="rId9"/>
+    <p:sldId id="281" r:id="rId3"/>
+    <p:sldId id="284" r:id="rId4"/>
+    <p:sldId id="273" r:id="rId5"/>
+    <p:sldId id="274" r:id="rId6"/>
+    <p:sldId id="280" r:id="rId7"/>
+    <p:sldId id="275" r:id="rId8"/>
+    <p:sldId id="276" r:id="rId9"/>
+    <p:sldId id="277" r:id="rId10"/>
+    <p:sldId id="278" r:id="rId11"/>
+    <p:sldId id="282" r:id="rId12"/>
+    <p:sldId id="279" r:id="rId13"/>
   </p:sldIdLst>
   <p:sldSz cx="9144000" cy="6858000" type="screen4x3"/>
   <p:notesSz cx="6858000" cy="9144000"/>
@@ -215,7 +219,7 @@
           <a:p>
             <a:fld id="{E169DC26-B38B-F143-8CF0-891C5D30D367}" type="datetimeFigureOut">
               <a:rPr kumimoji="1" lang="ja-JP" altLang="en-US" smtClean="0"/>
-              <a:t>2019/1/6</a:t>
+              <a:t>2019/1/19</a:t>
             </a:fld>
             <a:endParaRPr kumimoji="1" lang="ja-JP" altLang="en-US"/>
           </a:p>
@@ -580,7 +584,7 @@
           <a:p>
             <a:fld id="{CB330B12-DA10-564A-B315-552E0E80E3C6}" type="slidenum">
               <a:rPr kumimoji="1" lang="ja-JP" altLang="en-US" smtClean="0"/>
-              <a:t>2</a:t>
+              <a:t>4</a:t>
             </a:fld>
             <a:endParaRPr kumimoji="1" lang="ja-JP" altLang="en-US"/>
           </a:p>
@@ -730,7 +734,7 @@
           <a:p>
             <a:fld id="{EE7860AB-3E3A-634E-9588-3634E3BE52A0}" type="datetime1">
               <a:rPr kumimoji="1" lang="ja-JP" altLang="en-US" smtClean="0"/>
-              <a:t>2019/1/6</a:t>
+              <a:t>2019/1/19</a:t>
             </a:fld>
             <a:endParaRPr kumimoji="1" lang="ja-JP" altLang="en-US"/>
           </a:p>
@@ -927,7 +931,7 @@
           <a:p>
             <a:fld id="{9F997464-49D2-A046-AC0E-5FDFD3DF665B}" type="datetime1">
               <a:rPr kumimoji="1" lang="ja-JP" altLang="en-US" smtClean="0"/>
-              <a:t>2019/1/6</a:t>
+              <a:t>2019/1/19</a:t>
             </a:fld>
             <a:endParaRPr kumimoji="1" lang="ja-JP" altLang="en-US"/>
           </a:p>
@@ -1134,7 +1138,7 @@
           <a:p>
             <a:fld id="{2CBD1245-BC8C-4342-A14F-D901B9B13210}" type="datetime1">
               <a:rPr kumimoji="1" lang="ja-JP" altLang="en-US" smtClean="0"/>
-              <a:t>2019/1/6</a:t>
+              <a:t>2019/1/19</a:t>
             </a:fld>
             <a:endParaRPr kumimoji="1" lang="ja-JP" altLang="en-US"/>
           </a:p>
@@ -1331,7 +1335,7 @@
           <a:p>
             <a:fld id="{E0FF5DFC-0E6C-E144-A5DD-E851AA0EE050}" type="datetime1">
               <a:rPr kumimoji="1" lang="ja-JP" altLang="en-US" smtClean="0"/>
-              <a:t>2019/1/6</a:t>
+              <a:t>2019/1/19</a:t>
             </a:fld>
             <a:endParaRPr kumimoji="1" lang="ja-JP" altLang="en-US"/>
           </a:p>
@@ -1570,7 +1574,7 @@
           <a:p>
             <a:fld id="{1373E6F4-CB37-3348-B268-694CC61CFDE2}" type="datetime1">
               <a:rPr kumimoji="1" lang="ja-JP" altLang="en-US" smtClean="0"/>
-              <a:t>2019/1/6</a:t>
+              <a:t>2019/1/19</a:t>
             </a:fld>
             <a:endParaRPr kumimoji="1" lang="ja-JP" altLang="en-US"/>
           </a:p>
@@ -1861,7 +1865,7 @@
           <a:p>
             <a:fld id="{83203CE9-A62D-D54F-B5B8-E5081BC50FF5}" type="datetime1">
               <a:rPr kumimoji="1" lang="ja-JP" altLang="en-US" smtClean="0"/>
-              <a:t>2019/1/6</a:t>
+              <a:t>2019/1/19</a:t>
             </a:fld>
             <a:endParaRPr kumimoji="1" lang="ja-JP" altLang="en-US"/>
           </a:p>
@@ -2287,7 +2291,7 @@
           <a:p>
             <a:fld id="{8DF792D3-1EAE-B941-8FA8-A45BDC58D538}" type="datetime1">
               <a:rPr kumimoji="1" lang="ja-JP" altLang="en-US" smtClean="0"/>
-              <a:t>2019/1/6</a:t>
+              <a:t>2019/1/19</a:t>
             </a:fld>
             <a:endParaRPr kumimoji="1" lang="ja-JP" altLang="en-US"/>
           </a:p>
@@ -2400,7 +2404,7 @@
           <a:p>
             <a:fld id="{A2976D4D-D591-7843-A186-DB885C000B62}" type="datetime1">
               <a:rPr kumimoji="1" lang="ja-JP" altLang="en-US" smtClean="0"/>
-              <a:t>2019/1/6</a:t>
+              <a:t>2019/1/19</a:t>
             </a:fld>
             <a:endParaRPr kumimoji="1" lang="ja-JP" altLang="en-US"/>
           </a:p>
@@ -2490,7 +2494,7 @@
           <a:p>
             <a:fld id="{71E10034-284E-534E-87ED-A26A40A9A5A4}" type="datetime1">
               <a:rPr kumimoji="1" lang="ja-JP" altLang="en-US" smtClean="0"/>
-              <a:t>2019/1/6</a:t>
+              <a:t>2019/1/19</a:t>
             </a:fld>
             <a:endParaRPr kumimoji="1" lang="ja-JP" altLang="en-US"/>
           </a:p>
@@ -2794,7 +2798,7 @@
           <a:p>
             <a:fld id="{1FB2FB92-4CFC-BF4B-81B2-16888C599581}" type="datetime1">
               <a:rPr kumimoji="1" lang="ja-JP" altLang="en-US" smtClean="0"/>
-              <a:t>2019/1/6</a:t>
+              <a:t>2019/1/19</a:t>
             </a:fld>
             <a:endParaRPr kumimoji="1" lang="ja-JP" altLang="en-US"/>
           </a:p>
@@ -3046,7 +3050,7 @@
           <a:p>
             <a:fld id="{43AF2432-0CDD-C544-BAB3-85372DA356EC}" type="datetime1">
               <a:rPr kumimoji="1" lang="ja-JP" altLang="en-US" smtClean="0"/>
-              <a:t>2019/1/6</a:t>
+              <a:t>2019/1/19</a:t>
             </a:fld>
             <a:endParaRPr kumimoji="1" lang="ja-JP" altLang="en-US"/>
           </a:p>
@@ -3286,7 +3290,7 @@
           <a:p>
             <a:fld id="{4A801117-FCED-794E-BE88-16E7FC9A3D9F}" type="datetime1">
               <a:rPr kumimoji="1" lang="ja-JP" altLang="en-US" smtClean="0"/>
-              <a:t>2019/1/6</a:t>
+              <a:t>2019/1/19</a:t>
             </a:fld>
             <a:endParaRPr kumimoji="1" lang="ja-JP" altLang="en-US"/>
           </a:p>
@@ -3734,8 +3738,8 @@
         </p:nvSpPr>
         <p:spPr>
           <a:xfrm>
-            <a:off x="2409225" y="4020685"/>
-            <a:ext cx="4070923" cy="1200329"/>
+            <a:off x="2397781" y="4020685"/>
+            <a:ext cx="4093813" cy="1200329"/>
           </a:xfrm>
           <a:prstGeom prst="rect">
             <a:avLst/>
@@ -3757,9 +3761,10 @@
           <a:p>
             <a:pPr algn="ctr"/>
             <a:r>
-              <a:rPr kumimoji="1" lang="en-US" altLang="ja-JP" dirty="0" smtClean="0"/>
-              <a:t>RIKEN Pioneering Research Cluster</a:t>
-            </a:r>
+              <a:rPr kumimoji="1" lang="en-US" altLang="ja-JP" smtClean="0"/>
+              <a:t>RIKEN Cluster for Pioneering Research</a:t>
+            </a:r>
+            <a:endParaRPr kumimoji="1" lang="en-US" altLang="ja-JP" dirty="0" smtClean="0"/>
           </a:p>
           <a:p>
             <a:pPr algn="ctr"/>
@@ -3844,6 +3849,912 @@
     <p:extLst>
       <p:ext uri="{BB962C8B-B14F-4D97-AF65-F5344CB8AC3E}">
         <p14:creationId xmlns:p14="http://schemas.microsoft.com/office/powerpoint/2010/main" val="1712084345"/>
+      </p:ext>
+    </p:extLst>
+  </p:cSld>
+  <p:clrMapOvr>
+    <a:masterClrMapping/>
+  </p:clrMapOvr>
+</p:sld>
+</file>
+
+<file path=ppt/slides/slide10.xml><?xml version="1.0" encoding="utf-8"?>
+<p:sld xmlns:a="http://schemas.openxmlformats.org/drawingml/2006/main" xmlns:r="http://schemas.openxmlformats.org/officeDocument/2006/relationships" xmlns:p="http://schemas.openxmlformats.org/presentationml/2006/main">
+  <p:cSld>
+    <p:spTree>
+      <p:nvGrpSpPr>
+        <p:cNvPr id="1" name=""/>
+        <p:cNvGrpSpPr/>
+        <p:nvPr/>
+      </p:nvGrpSpPr>
+      <p:grpSpPr>
+        <a:xfrm>
+          <a:off x="0" y="0"/>
+          <a:ext cx="0" cy="0"/>
+          <a:chOff x="0" y="0"/>
+          <a:chExt cx="0" cy="0"/>
+        </a:xfrm>
+      </p:grpSpPr>
+      <p:sp>
+        <p:nvSpPr>
+          <p:cNvPr id="2" name="スライド番号プレースホルダー 1"/>
+          <p:cNvSpPr>
+            <a:spLocks noGrp="1"/>
+          </p:cNvSpPr>
+          <p:nvPr>
+            <p:ph type="sldNum" sz="quarter" idx="12"/>
+          </p:nvPr>
+        </p:nvSpPr>
+        <p:spPr/>
+        <p:txBody>
+          <a:bodyPr/>
+          <a:lstStyle/>
+          <a:p>
+            <a:fld id="{7D34BB6B-1E1A-9541-9560-488905BF54FF}" type="slidenum">
+              <a:rPr kumimoji="1" lang="ja-JP" altLang="en-US" smtClean="0"/>
+              <a:t>9</a:t>
+            </a:fld>
+            <a:endParaRPr kumimoji="1" lang="ja-JP" altLang="en-US"/>
+          </a:p>
+        </p:txBody>
+      </p:sp>
+      <p:sp>
+        <p:nvSpPr>
+          <p:cNvPr id="4" name="テキスト ボックス 3"/>
+          <p:cNvSpPr txBox="1"/>
+          <p:nvPr/>
+        </p:nvSpPr>
+        <p:spPr>
+          <a:xfrm>
+            <a:off x="914401" y="334237"/>
+            <a:ext cx="7827665" cy="1446550"/>
+          </a:xfrm>
+          <a:prstGeom prst="rect">
+            <a:avLst/>
+          </a:prstGeom>
+          <a:noFill/>
+        </p:spPr>
+        <p:txBody>
+          <a:bodyPr wrap="square">
+            <a:spAutoFit/>
+          </a:bodyPr>
+          <a:lstStyle/>
+          <a:p>
+            <a:pPr marL="285750" indent="-285750">
+              <a:buFont typeface="Arial" charset="0"/>
+              <a:buChar char="•"/>
+              <a:defRPr/>
+            </a:pPr>
+            <a:r>
+              <a:rPr lang="en-US" altLang="ja-JP" sz="1400" dirty="0" err="1" smtClean="0"/>
+              <a:t>genhs</a:t>
+            </a:r>
+            <a:r>
+              <a:rPr lang="en-US" altLang="ja-JP" sz="1400" dirty="0"/>
+              <a:t>: true/false</a:t>
+            </a:r>
+          </a:p>
+          <a:p>
+            <a:pPr lvl="1">
+              <a:defRPr/>
+            </a:pPr>
+            <a:r>
+              <a:rPr lang="en-US" altLang="ja-JP" sz="1400" dirty="0"/>
+              <a:t>Generate the 001.hs file. (default = false)</a:t>
+            </a:r>
+            <a:br>
+              <a:rPr lang="en-US" altLang="ja-JP" sz="1400" dirty="0"/>
+            </a:br>
+            <a:r>
+              <a:rPr lang="en-US" altLang="ja-JP" sz="1400" dirty="0"/>
+              <a:t>001.hs is a file which contains the QFF coefficients in the old format; however, this format is deprecated and not recommended to use unless for a debugging purpose to compare the result with the previous version of SINDO. </a:t>
+            </a:r>
+          </a:p>
+          <a:p>
+            <a:pPr>
+              <a:defRPr/>
+            </a:pPr>
+            <a:endParaRPr lang="en-US" altLang="ja-JP" dirty="0" smtClean="0"/>
+          </a:p>
+        </p:txBody>
+      </p:sp>
+    </p:spTree>
+    <p:extLst>
+      <p:ext uri="{BB962C8B-B14F-4D97-AF65-F5344CB8AC3E}">
+        <p14:creationId xmlns:p14="http://schemas.microsoft.com/office/powerpoint/2010/main" val="891480015"/>
+      </p:ext>
+    </p:extLst>
+  </p:cSld>
+  <p:clrMapOvr>
+    <a:masterClrMapping/>
+  </p:clrMapOvr>
+</p:sld>
+</file>
+
+<file path=ppt/slides/slide11.xml><?xml version="1.0" encoding="utf-8"?>
+<p:sld xmlns:a="http://schemas.openxmlformats.org/drawingml/2006/main" xmlns:r="http://schemas.openxmlformats.org/officeDocument/2006/relationships" xmlns:p="http://schemas.openxmlformats.org/presentationml/2006/main">
+  <p:cSld>
+    <p:spTree>
+      <p:nvGrpSpPr>
+        <p:cNvPr id="1" name=""/>
+        <p:cNvGrpSpPr/>
+        <p:nvPr/>
+      </p:nvGrpSpPr>
+      <p:grpSpPr>
+        <a:xfrm>
+          <a:off x="0" y="0"/>
+          <a:ext cx="0" cy="0"/>
+          <a:chOff x="0" y="0"/>
+          <a:chExt cx="0" cy="0"/>
+        </a:xfrm>
+      </p:grpSpPr>
+      <p:sp>
+        <p:nvSpPr>
+          <p:cNvPr id="2" name="スライド番号プレースホルダー 1"/>
+          <p:cNvSpPr>
+            <a:spLocks noGrp="1"/>
+          </p:cNvSpPr>
+          <p:nvPr>
+            <p:ph type="sldNum" sz="quarter" idx="12"/>
+          </p:nvPr>
+        </p:nvSpPr>
+        <p:spPr/>
+        <p:txBody>
+          <a:bodyPr/>
+          <a:lstStyle/>
+          <a:p>
+            <a:fld id="{7D34BB6B-1E1A-9541-9560-488905BF54FF}" type="slidenum">
+              <a:rPr kumimoji="1" lang="ja-JP" altLang="en-US" smtClean="0"/>
+              <a:t>10</a:t>
+            </a:fld>
+            <a:endParaRPr kumimoji="1" lang="ja-JP" altLang="en-US"/>
+          </a:p>
+        </p:txBody>
+      </p:sp>
+      <p:sp>
+        <p:nvSpPr>
+          <p:cNvPr id="3" name="テキスト ボックス 2"/>
+          <p:cNvSpPr txBox="1"/>
+          <p:nvPr/>
+        </p:nvSpPr>
+        <p:spPr>
+          <a:xfrm>
+            <a:off x="914401" y="117693"/>
+            <a:ext cx="7827665" cy="6740307"/>
+          </a:xfrm>
+          <a:prstGeom prst="rect">
+            <a:avLst/>
+          </a:prstGeom>
+          <a:noFill/>
+        </p:spPr>
+        <p:txBody>
+          <a:bodyPr wrap="square">
+            <a:spAutoFit/>
+          </a:bodyPr>
+          <a:lstStyle/>
+          <a:p>
+            <a:pPr>
+              <a:defRPr/>
+            </a:pPr>
+            <a:r>
+              <a:rPr lang="en-US" altLang="ja-JP" dirty="0" smtClean="0"/>
+              <a:t>GRID </a:t>
+            </a:r>
+            <a:r>
+              <a:rPr lang="en-US" altLang="ja-JP" dirty="0"/>
+              <a:t>keys</a:t>
+            </a:r>
+          </a:p>
+          <a:p>
+            <a:pPr>
+              <a:defRPr/>
+            </a:pPr>
+            <a:endParaRPr lang="en-US" altLang="ja-JP" sz="1800" dirty="0">
+              <a:latin typeface="+mn-lt"/>
+            </a:endParaRPr>
+          </a:p>
+          <a:p>
+            <a:pPr marL="285750" indent="-285750">
+              <a:buFont typeface="Arial" charset="0"/>
+              <a:buChar char="•"/>
+              <a:defRPr/>
+            </a:pPr>
+            <a:r>
+              <a:rPr lang="en-US" altLang="ja-JP" sz="1400" dirty="0" err="1" smtClean="0"/>
+              <a:t>ngrid</a:t>
+            </a:r>
+            <a:r>
+              <a:rPr lang="en-US" altLang="ja-JP" sz="1400" dirty="0" smtClean="0"/>
+              <a:t>: integer number</a:t>
+            </a:r>
+            <a:endParaRPr lang="en-US" altLang="ja-JP" sz="1400" dirty="0"/>
+          </a:p>
+          <a:p>
+            <a:pPr lvl="1">
+              <a:defRPr/>
+            </a:pPr>
+            <a:r>
+              <a:rPr lang="en-US" altLang="ja-JP" sz="1400" dirty="0"/>
+              <a:t>The number of grid points along each </a:t>
+            </a:r>
+            <a:r>
+              <a:rPr lang="en-US" altLang="ja-JP" sz="1400" dirty="0" smtClean="0"/>
+              <a:t>coordinates. </a:t>
+            </a:r>
+            <a:r>
+              <a:rPr lang="en-US" altLang="ja-JP" sz="1400" dirty="0"/>
+              <a:t>(default = </a:t>
+            </a:r>
+            <a:r>
+              <a:rPr lang="en-US" altLang="ja-JP" sz="1400" dirty="0" smtClean="0"/>
+              <a:t>11)  </a:t>
+            </a:r>
+          </a:p>
+          <a:p>
+            <a:pPr lvl="2">
+              <a:defRPr/>
+            </a:pPr>
+            <a:endParaRPr lang="en-US" altLang="ja-JP" sz="1400" dirty="0"/>
+          </a:p>
+          <a:p>
+            <a:pPr marL="285750" indent="-285750">
+              <a:buFont typeface="Arial" charset="0"/>
+              <a:buChar char="•"/>
+              <a:defRPr/>
+            </a:pPr>
+            <a:r>
+              <a:rPr lang="en-US" altLang="ja-JP" sz="1400" dirty="0" err="1" smtClean="0"/>
+              <a:t>fullmc</a:t>
+            </a:r>
+            <a:r>
+              <a:rPr lang="en-US" altLang="ja-JP" sz="1400" dirty="0" smtClean="0"/>
+              <a:t>:  true/false</a:t>
+            </a:r>
+            <a:endParaRPr lang="en-US" altLang="ja-JP" sz="1400" dirty="0"/>
+          </a:p>
+          <a:p>
+            <a:pPr lvl="1">
+              <a:defRPr/>
+            </a:pPr>
+            <a:r>
+              <a:rPr lang="en-US" altLang="ja-JP" sz="1400" dirty="0"/>
+              <a:t>All the mode coupling up to the MR-</a:t>
+            </a:r>
+            <a:r>
+              <a:rPr lang="en-US" altLang="ja-JP" sz="1400" dirty="0" err="1"/>
+              <a:t>th</a:t>
+            </a:r>
+            <a:r>
+              <a:rPr lang="en-US" altLang="ja-JP" sz="1400" dirty="0"/>
+              <a:t> order is generated, when true. (default = false) </a:t>
+            </a:r>
+          </a:p>
+          <a:p>
+            <a:pPr lvl="2">
+              <a:defRPr/>
+            </a:pPr>
+            <a:endParaRPr lang="en-US" altLang="ja-JP" sz="1400" dirty="0"/>
+          </a:p>
+          <a:p>
+            <a:pPr marL="285750" indent="-285750">
+              <a:buFont typeface="Arial" charset="0"/>
+              <a:buChar char="•"/>
+              <a:defRPr/>
+            </a:pPr>
+            <a:r>
+              <a:rPr lang="en-US" altLang="ja-JP" sz="1400" dirty="0" smtClean="0"/>
+              <a:t>mc1, mc2, mc3: string of mode </a:t>
+            </a:r>
+            <a:r>
+              <a:rPr lang="en-US" altLang="ja-JP" sz="1400" dirty="0"/>
+              <a:t>index</a:t>
+            </a:r>
+          </a:p>
+          <a:p>
+            <a:pPr lvl="1">
+              <a:defRPr/>
+            </a:pPr>
+            <a:r>
+              <a:rPr lang="en-US" altLang="ja-JP" sz="1400" dirty="0"/>
+              <a:t>The </a:t>
+            </a:r>
+            <a:r>
+              <a:rPr lang="en-US" altLang="ja-JP" sz="1400" dirty="0" smtClean="0"/>
+              <a:t>1, 2, or 3MR </a:t>
+            </a:r>
+            <a:r>
+              <a:rPr lang="en-US" altLang="ja-JP" sz="1400" dirty="0"/>
+              <a:t>terms separated by </a:t>
+            </a:r>
+            <a:r>
+              <a:rPr lang="en-US" altLang="ja-JP" sz="1400" dirty="0" err="1"/>
+              <a:t>camma</a:t>
+            </a:r>
+            <a:r>
+              <a:rPr lang="en-US" altLang="ja-JP" sz="1400" dirty="0"/>
+              <a:t> or space. </a:t>
+            </a:r>
+            <a:r>
+              <a:rPr lang="en-US" altLang="ja-JP" sz="1400" dirty="0" smtClean="0"/>
+              <a:t>For example,</a:t>
+            </a:r>
+          </a:p>
+          <a:p>
+            <a:pPr lvl="1">
+              <a:defRPr/>
+            </a:pPr>
+            <a:endParaRPr lang="en-US" altLang="ja-JP" sz="1400" dirty="0"/>
+          </a:p>
+          <a:p>
+            <a:pPr lvl="1">
+              <a:defRPr/>
+            </a:pPr>
+            <a:r>
+              <a:rPr lang="en-US" altLang="ja-JP" sz="1400" dirty="0" smtClean="0"/>
+              <a:t>mc1: </a:t>
+            </a:r>
+          </a:p>
+          <a:p>
+            <a:pPr lvl="2">
+              <a:defRPr/>
+            </a:pPr>
+            <a:r>
+              <a:rPr lang="en-US" altLang="ja-JP" sz="1200" dirty="0" smtClean="0">
+                <a:latin typeface="Courier" charset="0"/>
+                <a:ea typeface="Courier" charset="0"/>
+                <a:cs typeface="Courier" charset="0"/>
+              </a:rPr>
+              <a:t>&lt;</a:t>
+            </a:r>
+            <a:r>
+              <a:rPr lang="en-US" altLang="ja-JP" sz="1200" dirty="0">
+                <a:latin typeface="Courier" charset="0"/>
+                <a:ea typeface="Courier" charset="0"/>
+                <a:cs typeface="Courier" charset="0"/>
+              </a:rPr>
+              <a:t>entry key="mc1"&gt; 1,2,3,5 &lt;/entry&gt; </a:t>
+            </a:r>
+            <a:endParaRPr lang="en-US" altLang="ja-JP" sz="1400" dirty="0"/>
+          </a:p>
+          <a:p>
+            <a:pPr lvl="1">
+              <a:defRPr/>
+            </a:pPr>
+            <a:r>
+              <a:rPr lang="en-US" altLang="ja-JP" sz="1400" dirty="0" smtClean="0"/>
+              <a:t>or </a:t>
+            </a:r>
+          </a:p>
+          <a:p>
+            <a:pPr lvl="2">
+              <a:defRPr/>
+            </a:pPr>
+            <a:r>
+              <a:rPr lang="en-US" altLang="ja-JP" sz="1200" dirty="0" smtClean="0">
+                <a:latin typeface="Courier" charset="0"/>
+                <a:ea typeface="Courier" charset="0"/>
+                <a:cs typeface="Courier" charset="0"/>
+              </a:rPr>
+              <a:t>&lt;</a:t>
+            </a:r>
+            <a:r>
+              <a:rPr lang="en-US" altLang="ja-JP" sz="1200" dirty="0">
+                <a:latin typeface="Courier" charset="0"/>
+                <a:ea typeface="Courier" charset="0"/>
+                <a:cs typeface="Courier" charset="0"/>
+              </a:rPr>
+              <a:t>entry key="mc1"&gt; 1-3 5 &lt;/entry&gt; </a:t>
+            </a:r>
+            <a:endParaRPr lang="en-US" altLang="ja-JP" sz="1200" dirty="0" smtClean="0">
+              <a:latin typeface="Courier" charset="0"/>
+              <a:ea typeface="Courier" charset="0"/>
+              <a:cs typeface="Courier" charset="0"/>
+            </a:endParaRPr>
+          </a:p>
+          <a:p>
+            <a:pPr lvl="1">
+              <a:defRPr/>
+            </a:pPr>
+            <a:endParaRPr lang="en-US" altLang="ja-JP" sz="1400" dirty="0"/>
+          </a:p>
+          <a:p>
+            <a:pPr lvl="1">
+              <a:defRPr/>
+            </a:pPr>
+            <a:r>
+              <a:rPr lang="en-US" altLang="ja-JP" sz="1400" dirty="0" smtClean="0"/>
+              <a:t>generates grid </a:t>
+            </a:r>
+            <a:r>
+              <a:rPr lang="en-US" altLang="ja-JP" sz="1400" dirty="0"/>
+              <a:t>points for Q1,Q2,Q3, and Q5. </a:t>
+            </a:r>
+            <a:endParaRPr lang="en-US" altLang="ja-JP" sz="1400" dirty="0" smtClean="0"/>
+          </a:p>
+          <a:p>
+            <a:pPr lvl="1">
+              <a:defRPr/>
+            </a:pPr>
+            <a:endParaRPr lang="en-US" altLang="ja-JP" sz="1400" dirty="0" smtClean="0"/>
+          </a:p>
+          <a:p>
+            <a:pPr lvl="1">
+              <a:defRPr/>
+            </a:pPr>
+            <a:r>
+              <a:rPr lang="en-US" altLang="ja-JP" sz="1400" dirty="0" smtClean="0"/>
+              <a:t>mc2:</a:t>
+            </a:r>
+          </a:p>
+          <a:p>
+            <a:pPr lvl="2">
+              <a:defRPr/>
+            </a:pPr>
+            <a:r>
+              <a:rPr lang="en-US" altLang="ja-JP" sz="1200" dirty="0">
+                <a:latin typeface="Courier" charset="0"/>
+                <a:ea typeface="Courier" charset="0"/>
+                <a:cs typeface="Courier" charset="0"/>
+              </a:rPr>
+              <a:t>&lt;entry key="mc2"&gt; 1,2, 1,4, 2,4, 3,4 &lt;/entry&gt; </a:t>
+            </a:r>
+            <a:r>
+              <a:rPr lang="en-US" altLang="ja-JP" sz="1200" dirty="0" smtClean="0">
+                <a:latin typeface="Courier" charset="0"/>
+                <a:ea typeface="Courier" charset="0"/>
+                <a:cs typeface="Courier" charset="0"/>
+              </a:rPr>
+              <a:t> </a:t>
+            </a:r>
+            <a:endParaRPr lang="en-US" altLang="ja-JP" sz="1400" dirty="0"/>
+          </a:p>
+          <a:p>
+            <a:pPr lvl="1">
+              <a:defRPr/>
+            </a:pPr>
+            <a:r>
+              <a:rPr lang="en-US" altLang="ja-JP" sz="1400" dirty="0" smtClean="0"/>
+              <a:t>or</a:t>
+            </a:r>
+            <a:endParaRPr lang="en-US" altLang="ja-JP" sz="1400" dirty="0"/>
+          </a:p>
+          <a:p>
+            <a:pPr lvl="2">
+              <a:defRPr/>
+            </a:pPr>
+            <a:r>
+              <a:rPr lang="en-US" altLang="ja-JP" sz="1200" dirty="0">
+                <a:latin typeface="Courier" charset="0"/>
+                <a:ea typeface="Courier" charset="0"/>
+                <a:cs typeface="Courier" charset="0"/>
+              </a:rPr>
+              <a:t>&lt;entry key="mc2"&gt; 1,2, 1-3,4 &lt;/entry&gt; </a:t>
+            </a:r>
+            <a:endParaRPr lang="en-US" altLang="ja-JP" sz="1200" dirty="0" smtClean="0">
+              <a:latin typeface="Courier" charset="0"/>
+              <a:ea typeface="Courier" charset="0"/>
+              <a:cs typeface="Courier" charset="0"/>
+            </a:endParaRPr>
+          </a:p>
+          <a:p>
+            <a:pPr lvl="1">
+              <a:defRPr/>
+            </a:pPr>
+            <a:endParaRPr lang="en-US" altLang="ja-JP" sz="1400" dirty="0" smtClean="0"/>
+          </a:p>
+          <a:p>
+            <a:pPr lvl="1">
+              <a:defRPr/>
+            </a:pPr>
+            <a:r>
+              <a:rPr lang="en-US" altLang="ja-JP" sz="1400" dirty="0" smtClean="0"/>
+              <a:t>generates </a:t>
+            </a:r>
+            <a:r>
+              <a:rPr lang="en-US" altLang="ja-JP" sz="1400" dirty="0"/>
+              <a:t>the grid points for (Q2, Q1),(Q4, Q1),(Q4, Q2), and (Q4, Q3). </a:t>
+            </a:r>
+            <a:endParaRPr lang="en-US" altLang="ja-JP" sz="1400" dirty="0" smtClean="0"/>
+          </a:p>
+          <a:p>
+            <a:pPr lvl="1">
+              <a:defRPr/>
+            </a:pPr>
+            <a:endParaRPr lang="en-US" altLang="ja-JP" sz="1400" dirty="0" smtClean="0"/>
+          </a:p>
+          <a:p>
+            <a:pPr lvl="1">
+              <a:defRPr/>
+            </a:pPr>
+            <a:r>
+              <a:rPr lang="en-US" altLang="ja-JP" sz="1400" dirty="0" smtClean="0"/>
+              <a:t>mc3</a:t>
+            </a:r>
+            <a:r>
+              <a:rPr lang="en-US" altLang="ja-JP" sz="1400" dirty="0"/>
+              <a:t>:</a:t>
+            </a:r>
+          </a:p>
+          <a:p>
+            <a:pPr lvl="2">
+              <a:defRPr/>
+            </a:pPr>
+            <a:r>
+              <a:rPr lang="en-US" altLang="ja-JP" sz="1200" dirty="0">
+                <a:latin typeface="Courier" charset="0"/>
+                <a:ea typeface="Courier" charset="0"/>
+                <a:cs typeface="Courier" charset="0"/>
+              </a:rPr>
+              <a:t>&lt;entry key="mc3"&gt; 1,2,3, 1,2,4 &lt;/entry&gt; </a:t>
+            </a:r>
+          </a:p>
+          <a:p>
+            <a:pPr lvl="1">
+              <a:defRPr/>
+            </a:pPr>
+            <a:endParaRPr lang="en-US" altLang="ja-JP" sz="1400" dirty="0"/>
+          </a:p>
+          <a:p>
+            <a:pPr lvl="1">
+              <a:defRPr/>
+            </a:pPr>
+            <a:r>
+              <a:rPr lang="en-US" altLang="ja-JP" sz="1400" dirty="0"/>
+              <a:t>generates the grid points for (Q3, Q2, Q1) and (Q4, Q2, Q1).</a:t>
+            </a:r>
+            <a:br>
+              <a:rPr lang="en-US" altLang="ja-JP" sz="1400" dirty="0"/>
+            </a:br>
+            <a:endParaRPr lang="en-US" altLang="ja-JP" sz="1400" dirty="0"/>
+          </a:p>
+          <a:p>
+            <a:pPr>
+              <a:defRPr/>
+            </a:pPr>
+            <a:r>
+              <a:rPr lang="en-US" altLang="ja-JP" sz="1400" dirty="0"/>
+              <a:t>NOTE: One of </a:t>
+            </a:r>
+            <a:r>
+              <a:rPr lang="en-US" altLang="ja-JP" sz="1400" dirty="0" err="1"/>
+              <a:t>fullmc</a:t>
+            </a:r>
+            <a:r>
+              <a:rPr lang="en-US" altLang="ja-JP" sz="1400" dirty="0"/>
+              <a:t>, mc1, mc2, or mc3 must be present in the input file. </a:t>
+            </a:r>
+          </a:p>
+        </p:txBody>
+      </p:sp>
+    </p:spTree>
+    <p:extLst>
+      <p:ext uri="{BB962C8B-B14F-4D97-AF65-F5344CB8AC3E}">
+        <p14:creationId xmlns:p14="http://schemas.microsoft.com/office/powerpoint/2010/main" val="694449296"/>
+      </p:ext>
+    </p:extLst>
+  </p:cSld>
+  <p:clrMapOvr>
+    <a:masterClrMapping/>
+  </p:clrMapOvr>
+</p:sld>
+</file>
+
+<file path=ppt/slides/slide12.xml><?xml version="1.0" encoding="utf-8"?>
+<p:sld xmlns:a="http://schemas.openxmlformats.org/drawingml/2006/main" xmlns:r="http://schemas.openxmlformats.org/officeDocument/2006/relationships" xmlns:p="http://schemas.openxmlformats.org/presentationml/2006/main">
+  <p:cSld>
+    <p:spTree>
+      <p:nvGrpSpPr>
+        <p:cNvPr id="1" name=""/>
+        <p:cNvGrpSpPr/>
+        <p:nvPr/>
+      </p:nvGrpSpPr>
+      <p:grpSpPr>
+        <a:xfrm>
+          <a:off x="0" y="0"/>
+          <a:ext cx="0" cy="0"/>
+          <a:chOff x="0" y="0"/>
+          <a:chExt cx="0" cy="0"/>
+        </a:xfrm>
+      </p:grpSpPr>
+      <p:sp>
+        <p:nvSpPr>
+          <p:cNvPr id="2" name="スライド番号プレースホルダー 1"/>
+          <p:cNvSpPr>
+            <a:spLocks noGrp="1"/>
+          </p:cNvSpPr>
+          <p:nvPr>
+            <p:ph type="sldNum" sz="quarter" idx="12"/>
+          </p:nvPr>
+        </p:nvSpPr>
+        <p:spPr/>
+        <p:txBody>
+          <a:bodyPr/>
+          <a:lstStyle/>
+          <a:p>
+            <a:fld id="{7D34BB6B-1E1A-9541-9560-488905BF54FF}" type="slidenum">
+              <a:rPr kumimoji="1" lang="ja-JP" altLang="en-US" smtClean="0"/>
+              <a:t>11</a:t>
+            </a:fld>
+            <a:endParaRPr kumimoji="1" lang="ja-JP" altLang="en-US"/>
+          </a:p>
+        </p:txBody>
+      </p:sp>
+      <mc:AlternateContent xmlns:mc="http://schemas.openxmlformats.org/markup-compatibility/2006" xmlns:a14="http://schemas.microsoft.com/office/drawing/2010/main">
+        <mc:Choice Requires="a14">
+          <p:sp>
+            <p:nvSpPr>
+              <p:cNvPr id="3" name="テキスト ボックス 2"/>
+              <p:cNvSpPr txBox="1"/>
+              <p:nvPr/>
+            </p:nvSpPr>
+            <p:spPr>
+              <a:xfrm>
+                <a:off x="914401" y="232637"/>
+                <a:ext cx="7827665" cy="4354334"/>
+              </a:xfrm>
+              <a:prstGeom prst="rect">
+                <a:avLst/>
+              </a:prstGeom>
+              <a:noFill/>
+            </p:spPr>
+            <p:txBody>
+              <a:bodyPr wrap="square">
+                <a:spAutoFit/>
+              </a:bodyPr>
+              <a:lstStyle/>
+              <a:p>
+                <a:pPr>
+                  <a:defRPr/>
+                </a:pPr>
+                <a:r>
+                  <a:rPr lang="en-US" altLang="ja-JP" dirty="0" smtClean="0"/>
+                  <a:t>HYBRID </a:t>
+                </a:r>
+                <a:r>
+                  <a:rPr lang="en-US" altLang="ja-JP" dirty="0"/>
+                  <a:t>keys</a:t>
+                </a:r>
+              </a:p>
+              <a:p>
+                <a:pPr>
+                  <a:defRPr/>
+                </a:pPr>
+                <a:endParaRPr lang="en-US" altLang="ja-JP" dirty="0"/>
+              </a:p>
+              <a:p>
+                <a:pPr marL="285750" indent="-285750">
+                  <a:buFont typeface="Arial" charset="0"/>
+                  <a:buChar char="•"/>
+                  <a:defRPr/>
+                </a:pPr>
+                <a:r>
+                  <a:rPr lang="en-US" altLang="ja-JP" sz="1400" dirty="0"/>
+                  <a:t>stepsize: real number</a:t>
+                </a:r>
+              </a:p>
+              <a:p>
+                <a:pPr lvl="1">
+                  <a:defRPr/>
+                </a:pPr>
+                <a:r>
+                  <a:rPr lang="en-US" altLang="ja-JP" sz="1400" dirty="0"/>
+                  <a:t>The step size for numerical differentiations in dimensionless unit (</a:t>
+                </a:r>
+                <a14:m>
+                  <m:oMath xmlns:m="http://schemas.openxmlformats.org/officeDocument/2006/math">
+                    <m:rad>
+                      <m:radPr>
+                        <m:degHide m:val="on"/>
+                        <m:ctrlPr>
+                          <a:rPr lang="en-US" altLang="ja-JP" sz="1400" i="1">
+                            <a:latin typeface="Cambria Math" charset="0"/>
+                          </a:rPr>
+                        </m:ctrlPr>
+                      </m:radPr>
+                      <m:deg/>
+                      <m:e>
+                        <m:r>
+                          <a:rPr lang="en-US" altLang="ja-JP" sz="1400" i="1">
+                            <a:latin typeface="Cambria Math" charset="0"/>
+                          </a:rPr>
+                          <m:t>𝜔</m:t>
+                        </m:r>
+                        <m:r>
+                          <a:rPr lang="en-US" altLang="ja-JP" sz="1400" i="1">
+                            <a:latin typeface="Cambria Math" charset="0"/>
+                          </a:rPr>
+                          <m:t>/ℏ</m:t>
+                        </m:r>
+                      </m:e>
+                    </m:rad>
+                  </m:oMath>
+                </a14:m>
+                <a:r>
+                  <a:rPr lang="en-US" altLang="ja-JP" sz="1400" dirty="0"/>
+                  <a:t> ∗ Q). (default = 0.5)  </a:t>
+                </a:r>
+              </a:p>
+              <a:p>
+                <a:pPr lvl="2">
+                  <a:defRPr/>
+                </a:pPr>
+                <a:endParaRPr lang="en-US" altLang="ja-JP" sz="1400" dirty="0"/>
+              </a:p>
+              <a:p>
+                <a:pPr marL="285750" indent="-285750">
+                  <a:buFont typeface="Arial" charset="0"/>
+                  <a:buChar char="•"/>
+                  <a:defRPr/>
+                </a:pPr>
+                <a:r>
+                  <a:rPr lang="en-US" altLang="ja-JP" sz="1400" dirty="0" err="1"/>
+                  <a:t>mopfile</a:t>
+                </a:r>
+                <a:r>
+                  <a:rPr lang="en-US" altLang="ja-JP" sz="1400" dirty="0"/>
+                  <a:t>: file name</a:t>
+                </a:r>
+              </a:p>
+              <a:p>
+                <a:pPr lvl="1">
+                  <a:defRPr/>
+                </a:pPr>
+                <a:r>
+                  <a:rPr lang="en-US" altLang="ja-JP" sz="1400" dirty="0"/>
+                  <a:t>The name of mop file, in which the QFF coefficients are written. (default = prop_no_1.mop) </a:t>
+                </a:r>
+              </a:p>
+              <a:p>
+                <a:pPr lvl="1">
+                  <a:defRPr/>
+                </a:pPr>
+                <a:endParaRPr lang="en-US" altLang="ja-JP" sz="1400" dirty="0"/>
+              </a:p>
+              <a:p>
+                <a:pPr marL="285750" indent="-285750">
+                  <a:buFont typeface="Arial" charset="0"/>
+                  <a:buChar char="•"/>
+                  <a:defRPr/>
+                </a:pPr>
+                <a:r>
+                  <a:rPr lang="en-US" altLang="ja-JP" sz="1400" dirty="0" err="1" smtClean="0"/>
+                  <a:t>ngrid</a:t>
+                </a:r>
+                <a:r>
+                  <a:rPr lang="en-US" altLang="ja-JP" sz="1400" dirty="0"/>
+                  <a:t>: integer number</a:t>
+                </a:r>
+              </a:p>
+              <a:p>
+                <a:pPr lvl="1">
+                  <a:defRPr/>
+                </a:pPr>
+                <a:r>
+                  <a:rPr lang="en-US" altLang="ja-JP" sz="1400" dirty="0"/>
+                  <a:t>The number of grid points along each coordinates. (default = 11)  </a:t>
+                </a:r>
+                <a:endParaRPr lang="en-US" altLang="ja-JP" sz="1400" dirty="0" smtClean="0"/>
+              </a:p>
+              <a:p>
+                <a:pPr lvl="1">
+                  <a:defRPr/>
+                </a:pPr>
+                <a:endParaRPr lang="en-US" altLang="ja-JP" sz="1400" dirty="0"/>
+              </a:p>
+              <a:p>
+                <a:pPr marL="285750" indent="-285750">
+                  <a:buFont typeface="Arial" charset="0"/>
+                  <a:buChar char="•"/>
+                  <a:defRPr/>
+                </a:pPr>
+                <a:r>
+                  <a:rPr lang="en-US" altLang="ja-JP" sz="1400" dirty="0" err="1" smtClean="0"/>
+                  <a:t>mcsstrength</a:t>
+                </a:r>
+                <a:r>
+                  <a:rPr lang="en-US" altLang="ja-JP" sz="1400" dirty="0" smtClean="0"/>
+                  <a:t>: real number</a:t>
+                </a:r>
+                <a:endParaRPr lang="en-US" altLang="ja-JP" sz="1400" dirty="0"/>
+              </a:p>
+              <a:p>
+                <a:pPr lvl="1">
+                  <a:defRPr/>
+                </a:pPr>
+                <a:r>
+                  <a:rPr lang="en-US" altLang="ja-JP" sz="1400" dirty="0"/>
+                  <a:t>The threshold value (in cm</a:t>
+                </a:r>
+                <a:r>
+                  <a:rPr lang="en-US" altLang="ja-JP" sz="1400" baseline="30000" dirty="0"/>
+                  <a:t>−1</a:t>
+                </a:r>
+                <a:r>
+                  <a:rPr lang="en-US" altLang="ja-JP" sz="1400" dirty="0"/>
+                  <a:t>) to select the mode coupling term for generating the grid potential. The coupling terms with MCS larger than this value are generated. </a:t>
+                </a:r>
+              </a:p>
+              <a:p>
+                <a:pPr lvl="1">
+                  <a:defRPr/>
+                </a:pPr>
+                <a:endParaRPr lang="en-US" altLang="ja-JP" sz="1400" dirty="0" smtClean="0"/>
+              </a:p>
+              <a:p>
+                <a:pPr lvl="1">
+                  <a:defRPr/>
+                </a:pPr>
+                <a:endParaRPr lang="en-US" altLang="ja-JP" sz="1400" dirty="0" smtClean="0"/>
+              </a:p>
+              <a:p>
+                <a:pPr>
+                  <a:defRPr/>
+                </a:pPr>
+                <a:r>
+                  <a:rPr lang="en-US" altLang="ja-JP" sz="1400" dirty="0"/>
+                  <a:t>NOTE: Hybrid PES requires two lines in </a:t>
+                </a:r>
+                <a:r>
+                  <a:rPr lang="en-US" altLang="ja-JP" sz="1400" dirty="0" err="1"/>
+                  <a:t>qchem</a:t>
+                </a:r>
+                <a:r>
+                  <a:rPr lang="en-US" altLang="ja-JP" sz="1400" dirty="0"/>
+                  <a:t> entry, where the first and second line specifies the quantum chemistry jobs for QFF and Grid, respectively. </a:t>
+                </a:r>
+              </a:p>
+              <a:p>
+                <a:pPr lvl="1">
+                  <a:defRPr/>
+                </a:pPr>
+                <a:endParaRPr lang="en-US" altLang="ja-JP" sz="1400" dirty="0"/>
+              </a:p>
+            </p:txBody>
+          </p:sp>
+        </mc:Choice>
+        <mc:Fallback xmlns="">
+          <p:sp>
+            <p:nvSpPr>
+              <p:cNvPr id="3" name="テキスト ボックス 2"/>
+              <p:cNvSpPr txBox="1">
+                <a:spLocks noRot="1" noChangeAspect="1" noMove="1" noResize="1" noEditPoints="1" noAdjustHandles="1" noChangeArrowheads="1" noChangeShapeType="1" noTextEdit="1"/>
+              </p:cNvSpPr>
+              <p:nvPr/>
+            </p:nvSpPr>
+            <p:spPr>
+              <a:xfrm>
+                <a:off x="914401" y="232637"/>
+                <a:ext cx="7827665" cy="4354334"/>
+              </a:xfrm>
+              <a:prstGeom prst="rect">
+                <a:avLst/>
+              </a:prstGeom>
+              <a:blipFill rotWithShape="0">
+                <a:blip r:embed="rId2"/>
+                <a:stretch>
+                  <a:fillRect l="-623" t="-700"/>
+                </a:stretch>
+              </a:blipFill>
+            </p:spPr>
+            <p:txBody>
+              <a:bodyPr/>
+              <a:lstStyle/>
+              <a:p>
+                <a:r>
+                  <a:rPr lang="ja-JP" altLang="en-US">
+                    <a:noFill/>
+                  </a:rPr>
+                  <a:t> </a:t>
+                </a:r>
+              </a:p>
+            </p:txBody>
+          </p:sp>
+        </mc:Fallback>
+      </mc:AlternateContent>
+    </p:spTree>
+    <p:extLst>
+      <p:ext uri="{BB962C8B-B14F-4D97-AF65-F5344CB8AC3E}">
+        <p14:creationId xmlns:p14="http://schemas.microsoft.com/office/powerpoint/2010/main" val="1812047942"/>
       </p:ext>
     </p:extLst>
   </p:cSld>
@@ -3872,12 +4783,12 @@
       </p:grpSpPr>
       <p:sp>
         <p:nvSpPr>
-          <p:cNvPr id="2" name="タイトル 1"/>
+          <p:cNvPr id="2" name="スライド番号プレースホルダー 1"/>
           <p:cNvSpPr>
             <a:spLocks noGrp="1"/>
           </p:cNvSpPr>
           <p:nvPr>
-            <p:ph type="title"/>
+            <p:ph type="sldNum" sz="quarter" idx="12"/>
           </p:nvPr>
         </p:nvSpPr>
         <p:spPr/>
@@ -3885,24 +4796,24 @@
           <a:bodyPr/>
           <a:lstStyle/>
           <a:p>
-            <a:r>
-              <a:rPr kumimoji="1" lang="en-US" altLang="ja-JP" dirty="0" smtClean="0"/>
-              <a:t>1. Basic Usage</a:t>
-            </a:r>
-            <a:endParaRPr kumimoji="1" lang="ja-JP" altLang="en-US" dirty="0"/>
-          </a:p>
-        </p:txBody>
-      </p:sp>
-      <p:sp>
-        <p:nvSpPr>
-          <p:cNvPr id="26" name="テキスト ボックス 25"/>
+            <a:fld id="{7D34BB6B-1E1A-9541-9560-488905BF54FF}" type="slidenum">
+              <a:rPr kumimoji="1" lang="ja-JP" altLang="en-US" smtClean="0"/>
+              <a:t>1</a:t>
+            </a:fld>
+            <a:endParaRPr kumimoji="1" lang="ja-JP" altLang="en-US"/>
+          </a:p>
+        </p:txBody>
+      </p:sp>
+      <p:sp>
+        <p:nvSpPr>
+          <p:cNvPr id="3" name="テキスト ボックス 2"/>
           <p:cNvSpPr txBox="1"/>
           <p:nvPr/>
         </p:nvSpPr>
         <p:spPr>
           <a:xfrm>
-            <a:off x="370551" y="1428868"/>
-            <a:ext cx="8315022" cy="3323987"/>
+            <a:off x="2285998" y="789708"/>
+            <a:ext cx="5095626" cy="5078313"/>
           </a:xfrm>
           <a:prstGeom prst="rect">
             <a:avLst/>
@@ -3910,134 +4821,228 @@
           <a:noFill/>
         </p:spPr>
         <p:txBody>
-          <a:bodyPr wrap="square" rtlCol="0">
-            <a:spAutoFit/>
-          </a:bodyPr>
-          <a:lstStyle/>
-          <a:p>
-            <a:r>
-              <a:rPr lang="en-US" altLang="ja-JP" sz="1600" dirty="0"/>
-              <a:t>This section lists the keys and values used in </a:t>
-            </a:r>
-            <a:r>
-              <a:rPr lang="en-US" altLang="ja-JP" sz="1600" dirty="0" err="1"/>
-              <a:t>RunMakePES</a:t>
-            </a:r>
-            <a:r>
-              <a:rPr lang="en-US" altLang="ja-JP" sz="1600" dirty="0"/>
-              <a:t> program. They appear in </a:t>
-            </a:r>
-            <a:r>
-              <a:rPr lang="en-US" altLang="ja-JP" sz="1600" dirty="0" err="1"/>
-              <a:t>makePES.xml</a:t>
-            </a:r>
-            <a:r>
-              <a:rPr lang="en-US" altLang="ja-JP" sz="1600" dirty="0"/>
-              <a:t> in the form of, </a:t>
-            </a:r>
-          </a:p>
-          <a:p>
-            <a:endParaRPr kumimoji="1" lang="en-US" altLang="ja-JP" sz="1600" dirty="0" smtClean="0"/>
-          </a:p>
-          <a:p>
-            <a:pPr lvl="1"/>
-            <a:r>
-              <a:rPr lang="en-US" altLang="ja-JP" sz="1200" dirty="0">
-                <a:latin typeface="Courier" charset="0"/>
-                <a:ea typeface="Courier" charset="0"/>
-                <a:cs typeface="Courier" charset="0"/>
-              </a:rPr>
-              <a:t>&lt;entry key=‘‘key’’&gt; key value &lt;/entry&gt; </a:t>
-            </a:r>
-          </a:p>
-          <a:p>
-            <a:endParaRPr kumimoji="1" lang="en-US" altLang="ja-JP" sz="1600" dirty="0" smtClean="0"/>
-          </a:p>
-          <a:p>
-            <a:r>
-              <a:rPr lang="en-US" altLang="ja-JP" sz="1600" dirty="0"/>
-              <a:t>The keys in red indicate that they are mandatory. The values are case insensitive except when it is noted. </a:t>
-            </a:r>
-          </a:p>
-          <a:p>
-            <a:endParaRPr lang="en-US" altLang="ja-JP" sz="1600" dirty="0" smtClean="0"/>
-          </a:p>
-          <a:p>
-            <a:r>
-              <a:rPr lang="en-US" altLang="ja-JP" sz="1600" dirty="0" smtClean="0"/>
-              <a:t>In </a:t>
-            </a:r>
-            <a:r>
-              <a:rPr lang="en-US" altLang="ja-JP" sz="1600" dirty="0"/>
-              <a:t>the following, the keys are divided into four sections. General Keys (Sec. 1.1) are common input for all types of run, while those in QFF Keys (Sec. 1.2), Grid Keys (Sec. 1.3), and Hybrid Keys (Sec. 1.4) are relevant input parameters for generating the QFF, grid potential, and hybrid potential, respectively. </a:t>
-            </a:r>
-          </a:p>
-          <a:p>
-            <a:endParaRPr kumimoji="1" lang="en-US" altLang="ja-JP" sz="1600" dirty="0"/>
-          </a:p>
-        </p:txBody>
-      </p:sp>
-      <p:sp>
-        <p:nvSpPr>
-          <p:cNvPr id="5" name="テキスト ボックス 4"/>
-          <p:cNvSpPr txBox="1"/>
-          <p:nvPr/>
-        </p:nvSpPr>
-        <p:spPr>
-          <a:xfrm>
-            <a:off x="391885" y="914403"/>
-            <a:ext cx="3492495" cy="461665"/>
-          </a:xfrm>
-          <a:prstGeom prst="rect">
-            <a:avLst/>
-          </a:prstGeom>
-          <a:noFill/>
-        </p:spPr>
-        <p:txBody>
           <a:bodyPr wrap="none" rtlCol="0">
             <a:spAutoFit/>
           </a:bodyPr>
           <a:lstStyle/>
           <a:p>
-            <a:r>
-              <a:rPr kumimoji="1" lang="en-US" altLang="ja-JP" sz="2400" u="sng" dirty="0" smtClean="0"/>
-              <a:t>1.1. </a:t>
-            </a:r>
-            <a:r>
-              <a:rPr lang="en-US" altLang="ja-JP" sz="2400" u="sng" dirty="0" smtClean="0"/>
-              <a:t>Preparing an input file</a:t>
-            </a:r>
-            <a:endParaRPr kumimoji="1" lang="ja-JP" altLang="en-US" sz="2400" u="sng" dirty="0"/>
-          </a:p>
-        </p:txBody>
-      </p:sp>
-      <p:sp>
-        <p:nvSpPr>
-          <p:cNvPr id="3" name="スライド番号プレースホルダー 2"/>
-          <p:cNvSpPr>
-            <a:spLocks noGrp="1"/>
-          </p:cNvSpPr>
-          <p:nvPr>
-            <p:ph type="sldNum" sz="quarter" idx="12"/>
-          </p:nvPr>
-        </p:nvSpPr>
-        <p:spPr/>
-        <p:txBody>
-          <a:bodyPr/>
-          <a:lstStyle/>
-          <a:p>
-            <a:fld id="{7D34BB6B-1E1A-9541-9560-488905BF54FF}" type="slidenum">
-              <a:rPr kumimoji="1" lang="ja-JP" altLang="en-US" smtClean="0"/>
-              <a:t>1</a:t>
-            </a:fld>
-            <a:endParaRPr kumimoji="1" lang="ja-JP" altLang="en-US"/>
+            <a:pPr marL="342900" indent="-342900">
+              <a:buAutoNum type="arabicPeriod"/>
+            </a:pPr>
+            <a:r>
+              <a:rPr lang="ja-JP" altLang="en-US" dirty="0" smtClean="0"/>
+              <a:t>準備：用意</a:t>
+            </a:r>
+            <a:r>
+              <a:rPr lang="ja-JP" altLang="en-US" dirty="0"/>
+              <a:t>する</a:t>
+            </a:r>
+            <a:r>
+              <a:rPr lang="ja-JP" altLang="en-US" dirty="0" smtClean="0"/>
+              <a:t>ファイルと実行</a:t>
+            </a:r>
+            <a:endParaRPr lang="en-US" altLang="ja-JP" dirty="0" smtClean="0"/>
+          </a:p>
+          <a:p>
+            <a:pPr lvl="1"/>
+            <a:r>
+              <a:rPr lang="en-US" altLang="ja-JP" dirty="0" smtClean="0"/>
+              <a:t>xml</a:t>
+            </a:r>
+            <a:r>
+              <a:rPr kumimoji="1" lang="ja-JP" altLang="en-US" dirty="0" smtClean="0"/>
+              <a:t>ファイル</a:t>
+            </a:r>
+            <a:r>
+              <a:rPr lang="ja-JP" altLang="en-US" dirty="0" smtClean="0"/>
+              <a:t>、コメントアウト</a:t>
+            </a:r>
+            <a:endParaRPr kumimoji="1" lang="en-US" altLang="ja-JP" dirty="0" smtClean="0"/>
+          </a:p>
+          <a:p>
+            <a:pPr lvl="1"/>
+            <a:r>
+              <a:rPr kumimoji="1" lang="en-US" altLang="ja-JP" dirty="0" err="1" smtClean="0"/>
+              <a:t>resources.info</a:t>
+            </a:r>
+            <a:endParaRPr kumimoji="1" lang="en-US" altLang="ja-JP" dirty="0" smtClean="0"/>
+          </a:p>
+          <a:p>
+            <a:pPr lvl="1"/>
+            <a:r>
+              <a:rPr lang="en-US" altLang="ja-JP" dirty="0" smtClean="0"/>
+              <a:t>QM</a:t>
+            </a:r>
+            <a:r>
+              <a:rPr lang="ja-JP" altLang="en-US" dirty="0" smtClean="0"/>
+              <a:t>計算用の</a:t>
+            </a:r>
+            <a:r>
+              <a:rPr lang="en-US" altLang="ja-JP" dirty="0" smtClean="0"/>
+              <a:t>Template</a:t>
+            </a:r>
+            <a:r>
+              <a:rPr lang="ja-JP" altLang="en-US" dirty="0" smtClean="0"/>
+              <a:t>ファイル</a:t>
+            </a:r>
+            <a:r>
+              <a:rPr lang="ja-JP" altLang="en-US" dirty="0" smtClean="0"/>
+              <a:t>と</a:t>
+            </a:r>
+            <a:r>
+              <a:rPr lang="ja-JP" altLang="en-US" dirty="0" smtClean="0"/>
+              <a:t>スクリプト</a:t>
+            </a:r>
+            <a:endParaRPr lang="en-US" altLang="ja-JP" dirty="0" smtClean="0"/>
+          </a:p>
+          <a:p>
+            <a:pPr lvl="1"/>
+            <a:r>
+              <a:rPr lang="ja-JP" altLang="en-US" dirty="0" smtClean="0"/>
+              <a:t>実行</a:t>
+            </a:r>
+            <a:endParaRPr lang="en-US" altLang="ja-JP" dirty="0"/>
+          </a:p>
+          <a:p>
+            <a:pPr lvl="1"/>
+            <a:endParaRPr kumimoji="1" lang="en-US" altLang="ja-JP" dirty="0" smtClean="0"/>
+          </a:p>
+          <a:p>
+            <a:pPr marL="342900" indent="-342900">
+              <a:buAutoNum type="arabicPeriod"/>
+            </a:pPr>
+            <a:r>
+              <a:rPr kumimoji="1" lang="en-US" altLang="ja-JP" dirty="0" smtClean="0"/>
+              <a:t>H2CO</a:t>
+            </a:r>
+            <a:r>
+              <a:rPr lang="ja-JP" altLang="en-US" dirty="0" smtClean="0"/>
+              <a:t>・・基本的な使い方</a:t>
+            </a:r>
+            <a:endParaRPr lang="en-US" altLang="ja-JP" dirty="0" smtClean="0"/>
+          </a:p>
+          <a:p>
+            <a:pPr lvl="1"/>
+            <a:r>
+              <a:rPr kumimoji="1" lang="en-US" altLang="ja-JP" dirty="0" smtClean="0"/>
+              <a:t>QFF</a:t>
+            </a:r>
+          </a:p>
+          <a:p>
+            <a:pPr lvl="1"/>
+            <a:r>
+              <a:rPr kumimoji="1" lang="en-US" altLang="ja-JP" dirty="0" smtClean="0"/>
+              <a:t>3MR-Grid</a:t>
+            </a:r>
+          </a:p>
+          <a:p>
+            <a:pPr lvl="1"/>
+            <a:r>
+              <a:rPr kumimoji="1" lang="en-US" altLang="ja-JP" dirty="0" smtClean="0"/>
+              <a:t>3MR-mrpes</a:t>
+            </a:r>
+          </a:p>
+          <a:p>
+            <a:pPr marL="342900" indent="-342900">
+              <a:buAutoNum type="arabicPeriod"/>
+            </a:pPr>
+            <a:endParaRPr kumimoji="1" lang="en-US" altLang="ja-JP" dirty="0" smtClean="0"/>
+          </a:p>
+          <a:p>
+            <a:pPr marL="342900" indent="-342900">
+              <a:buAutoNum type="arabicPeriod"/>
+            </a:pPr>
+            <a:r>
+              <a:rPr lang="en-US" altLang="ja-JP" dirty="0" smtClean="0"/>
+              <a:t>(H2O)6</a:t>
+            </a:r>
+            <a:r>
+              <a:rPr lang="ja-JP" altLang="en-US" dirty="0" smtClean="0"/>
+              <a:t>・・</a:t>
+            </a:r>
+            <a:r>
+              <a:rPr lang="en-US" altLang="ja-JP" dirty="0" err="1" smtClean="0"/>
+              <a:t>activemode</a:t>
+            </a:r>
+            <a:r>
+              <a:rPr lang="ja-JP" altLang="en-US" dirty="0" smtClean="0"/>
+              <a:t>と</a:t>
+            </a:r>
+            <a:r>
+              <a:rPr lang="en-US" altLang="ja-JP" dirty="0" smtClean="0"/>
+              <a:t>local mode</a:t>
+            </a:r>
+            <a:r>
+              <a:rPr lang="ja-JP" altLang="en-US" dirty="0" smtClean="0"/>
+              <a:t>の使い方</a:t>
+            </a:r>
+            <a:endParaRPr lang="en-US" altLang="ja-JP" dirty="0" smtClean="0"/>
+          </a:p>
+          <a:p>
+            <a:pPr lvl="1"/>
+            <a:r>
+              <a:rPr lang="en-US" altLang="ja-JP" dirty="0" err="1" smtClean="0"/>
+              <a:t>QFF_normal</a:t>
+            </a:r>
+            <a:endParaRPr lang="en-US" altLang="ja-JP" dirty="0" smtClean="0"/>
+          </a:p>
+          <a:p>
+            <a:pPr lvl="1"/>
+            <a:r>
+              <a:rPr kumimoji="1" lang="en-US" altLang="ja-JP" dirty="0" err="1" smtClean="0"/>
+              <a:t>QFF_local</a:t>
+            </a:r>
+            <a:endParaRPr kumimoji="1" lang="en-US" altLang="ja-JP" dirty="0"/>
+          </a:p>
+          <a:p>
+            <a:pPr marL="342900" indent="-342900">
+              <a:buAutoNum type="arabicPeriod"/>
+            </a:pPr>
+            <a:endParaRPr kumimoji="1" lang="en-US" altLang="ja-JP" dirty="0" smtClean="0"/>
+          </a:p>
+          <a:p>
+            <a:pPr marL="342900" indent="-342900">
+              <a:buAutoNum type="arabicPeriod"/>
+            </a:pPr>
+            <a:r>
+              <a:rPr kumimoji="1" lang="en-US" altLang="ja-JP" dirty="0" err="1" smtClean="0"/>
+              <a:t>bR</a:t>
+            </a:r>
+            <a:r>
+              <a:rPr kumimoji="1" lang="ja-JP" altLang="en-US" dirty="0" smtClean="0"/>
+              <a:t>・・</a:t>
+            </a:r>
+            <a:r>
+              <a:rPr lang="en-US" altLang="ja-JP" dirty="0" smtClean="0"/>
+              <a:t>GENESIS, QM/MM</a:t>
+            </a:r>
+            <a:r>
+              <a:rPr lang="ja-JP" altLang="en-US" dirty="0" smtClean="0"/>
+              <a:t>との連携</a:t>
+            </a:r>
+            <a:endParaRPr lang="en-US" altLang="ja-JP" dirty="0" smtClean="0"/>
+          </a:p>
+          <a:p>
+            <a:pPr lvl="1"/>
+            <a:r>
+              <a:rPr kumimoji="1" lang="en-US" altLang="ja-JP" dirty="0" smtClean="0"/>
+              <a:t>QFF</a:t>
+            </a:r>
+          </a:p>
+          <a:p>
+            <a:pPr lvl="1"/>
+            <a:r>
+              <a:rPr lang="en-US" altLang="ja-JP" dirty="0" smtClean="0"/>
+              <a:t>GRID</a:t>
+            </a:r>
+            <a:endParaRPr kumimoji="1" lang="en-US" altLang="ja-JP" dirty="0" smtClean="0"/>
           </a:p>
         </p:txBody>
       </p:sp>
     </p:spTree>
     <p:extLst>
       <p:ext uri="{BB962C8B-B14F-4D97-AF65-F5344CB8AC3E}">
-        <p14:creationId xmlns:p14="http://schemas.microsoft.com/office/powerpoint/2010/main" val="112085760"/>
+        <p14:creationId xmlns:p14="http://schemas.microsoft.com/office/powerpoint/2010/main" val="1233805520"/>
       </p:ext>
     </p:extLst>
   </p:cSld>
@@ -4066,12 +5071,12 @@
       </p:grpSpPr>
       <p:sp>
         <p:nvSpPr>
-          <p:cNvPr id="35841" name="タイトル 2"/>
+          <p:cNvPr id="2" name="スライド番号プレースホルダー 1"/>
           <p:cNvSpPr>
             <a:spLocks noGrp="1"/>
           </p:cNvSpPr>
           <p:nvPr>
-            <p:ph type="title"/>
+            <p:ph type="sldNum" sz="quarter" idx="12"/>
           </p:nvPr>
         </p:nvSpPr>
         <p:spPr/>
@@ -4079,34 +5084,24 @@
           <a:bodyPr/>
           <a:lstStyle/>
           <a:p>
-            <a:r>
-              <a:rPr lang="en-US" altLang="ja-JP" dirty="0">
-                <a:cs typeface="メイリオ" charset="-128"/>
-              </a:rPr>
-              <a:t>List of all </a:t>
-            </a:r>
-            <a:r>
-              <a:rPr lang="en-US" altLang="ja-JP" dirty="0" smtClean="0">
-                <a:cs typeface="メイリオ" charset="-128"/>
-              </a:rPr>
-              <a:t>keys</a:t>
-            </a:r>
-            <a:endParaRPr lang="ja-JP" altLang="en-US" dirty="0">
-              <a:cs typeface="メイリオ" charset="-128"/>
-            </a:endParaRPr>
-          </a:p>
-        </p:txBody>
-      </p:sp>
-      <p:sp>
-        <p:nvSpPr>
-          <p:cNvPr id="4" name="テキスト ボックス 3"/>
+            <a:fld id="{7D34BB6B-1E1A-9541-9560-488905BF54FF}" type="slidenum">
+              <a:rPr kumimoji="1" lang="ja-JP" altLang="en-US" smtClean="0"/>
+              <a:t>2</a:t>
+            </a:fld>
+            <a:endParaRPr kumimoji="1" lang="ja-JP" altLang="en-US"/>
+          </a:p>
+        </p:txBody>
+      </p:sp>
+      <p:sp>
+        <p:nvSpPr>
+          <p:cNvPr id="3" name="テキスト ボックス 2"/>
           <p:cNvSpPr txBox="1"/>
           <p:nvPr/>
         </p:nvSpPr>
         <p:spPr>
           <a:xfrm>
-            <a:off x="914401" y="1050054"/>
-            <a:ext cx="7827665" cy="5324535"/>
+            <a:off x="1439333" y="4351868"/>
+            <a:ext cx="620426" cy="338554"/>
           </a:xfrm>
           <a:prstGeom prst="rect">
             <a:avLst/>
@@ -4114,381 +5109,332 @@
           <a:noFill/>
         </p:spPr>
         <p:txBody>
-          <a:bodyPr wrap="square">
+          <a:bodyPr wrap="none" rtlCol="0">
             <a:spAutoFit/>
           </a:bodyPr>
           <a:lstStyle/>
           <a:p>
-            <a:pPr>
-              <a:defRPr/>
-            </a:pPr>
-            <a:r>
-              <a:rPr lang="en-US" altLang="ja-JP" sz="1800" dirty="0" smtClean="0">
-                <a:latin typeface="+mn-lt"/>
-              </a:rPr>
-              <a:t>General </a:t>
-            </a:r>
-            <a:r>
-              <a:rPr lang="en-US" altLang="ja-JP" sz="1800" dirty="0" smtClean="0">
-                <a:latin typeface="+mn-lt"/>
-              </a:rPr>
-              <a:t>keys</a:t>
-            </a:r>
-          </a:p>
-          <a:p>
-            <a:pPr>
-              <a:defRPr/>
-            </a:pPr>
-            <a:endParaRPr lang="en-US" altLang="ja-JP" sz="1800" dirty="0">
-              <a:latin typeface="+mn-lt"/>
-            </a:endParaRPr>
-          </a:p>
-          <a:p>
-            <a:pPr marL="285750" indent="-285750">
-              <a:buFont typeface="Arial" charset="0"/>
-              <a:buChar char="•"/>
-              <a:defRPr/>
-            </a:pPr>
-            <a:r>
-              <a:rPr lang="en-US" altLang="ja-JP" sz="1400" dirty="0" err="1" smtClean="0"/>
-              <a:t>runtype</a:t>
-            </a:r>
-            <a:r>
-              <a:rPr lang="en-US" altLang="ja-JP" sz="1400" dirty="0" smtClean="0"/>
-              <a:t>: QFF/GRID/HYBRID</a:t>
-            </a:r>
-            <a:endParaRPr lang="en-US" altLang="ja-JP" sz="1400" dirty="0"/>
-          </a:p>
-          <a:p>
-            <a:pPr lvl="1">
-              <a:defRPr/>
-            </a:pPr>
-            <a:r>
-              <a:rPr lang="en-US" altLang="ja-JP" sz="1400" dirty="0"/>
-              <a:t>The type of run. One of the following must be specified. </a:t>
-            </a:r>
-            <a:endParaRPr lang="en-US" altLang="ja-JP" sz="1400" dirty="0" smtClean="0"/>
-          </a:p>
-          <a:p>
-            <a:pPr lvl="2">
-              <a:defRPr/>
-            </a:pPr>
-            <a:endParaRPr lang="en-US" altLang="ja-JP" sz="1400" dirty="0"/>
-          </a:p>
-          <a:p>
-            <a:pPr marL="285750" indent="-285750">
-              <a:buFont typeface="Arial" charset="0"/>
-              <a:buChar char="•"/>
-              <a:defRPr/>
-            </a:pPr>
-            <a:r>
-              <a:rPr lang="en-US" altLang="ja-JP" sz="1400" dirty="0" smtClean="0"/>
-              <a:t>molecule:  </a:t>
-            </a:r>
-            <a:r>
-              <a:rPr lang="en-US" altLang="ja-JP" sz="1400" dirty="0" smtClean="0"/>
-              <a:t>file name</a:t>
-            </a:r>
-            <a:endParaRPr lang="en-US" altLang="ja-JP" sz="1400" dirty="0"/>
-          </a:p>
-          <a:p>
-            <a:pPr lvl="1">
-              <a:defRPr/>
-            </a:pPr>
-            <a:r>
-              <a:rPr lang="en-US" altLang="ja-JP" sz="1400" dirty="0"/>
-              <a:t>The name of </a:t>
-            </a:r>
-            <a:r>
-              <a:rPr lang="en-US" altLang="ja-JP" sz="1400" dirty="0" err="1"/>
-              <a:t>minfo</a:t>
-            </a:r>
-            <a:r>
-              <a:rPr lang="en-US" altLang="ja-JP" sz="1400" dirty="0"/>
-              <a:t> file containing the vibrational data. The value is </a:t>
-            </a:r>
-            <a:r>
-              <a:rPr lang="en-US" altLang="ja-JP" sz="1400" u="sng" dirty="0"/>
-              <a:t>case sensitive</a:t>
-            </a:r>
-            <a:r>
-              <a:rPr lang="en-US" altLang="ja-JP" sz="1400" dirty="0"/>
-              <a:t>. </a:t>
-            </a:r>
-            <a:r>
-              <a:rPr lang="en-US" altLang="ja-JP" sz="1400" dirty="0" smtClean="0"/>
-              <a:t> </a:t>
-            </a:r>
-          </a:p>
-          <a:p>
-            <a:pPr lvl="2">
-              <a:defRPr/>
-            </a:pPr>
-            <a:endParaRPr lang="en-US" altLang="ja-JP" sz="1400" dirty="0"/>
-          </a:p>
-          <a:p>
-            <a:pPr marL="285750" indent="-285750">
-              <a:buFont typeface="Arial" charset="0"/>
-              <a:buChar char="•"/>
-              <a:defRPr/>
-            </a:pPr>
-            <a:r>
-              <a:rPr lang="en-US" altLang="ja-JP" sz="1400" dirty="0" smtClean="0"/>
-              <a:t>MR:  1/2/3</a:t>
-            </a:r>
-            <a:endParaRPr lang="en-US" altLang="ja-JP" sz="1400" dirty="0"/>
-          </a:p>
-          <a:p>
-            <a:pPr lvl="1">
-              <a:defRPr/>
-            </a:pPr>
-            <a:r>
-              <a:rPr lang="en-US" altLang="ja-JP" sz="1400" dirty="0"/>
-              <a:t>The order of mode coupling expansion. Can take 1, 2, or 3. (default = 3) </a:t>
-            </a:r>
-            <a:endParaRPr lang="en-US" altLang="ja-JP" sz="1400" dirty="0" smtClean="0"/>
-          </a:p>
-          <a:p>
-            <a:pPr lvl="2">
-              <a:defRPr/>
-            </a:pPr>
-            <a:endParaRPr lang="en-US" altLang="ja-JP" sz="1400" dirty="0" smtClean="0"/>
-          </a:p>
-          <a:p>
-            <a:pPr marL="285750" indent="-285750">
-              <a:buFont typeface="Arial" charset="0"/>
-              <a:buChar char="•"/>
-              <a:defRPr/>
-            </a:pPr>
-            <a:r>
-              <a:rPr lang="en-US" altLang="ja-JP" sz="1400" dirty="0" err="1" smtClean="0"/>
-              <a:t>activemode</a:t>
-            </a:r>
-            <a:r>
-              <a:rPr lang="en-US" altLang="ja-JP" sz="1400" dirty="0" smtClean="0"/>
-              <a:t>:  </a:t>
-            </a:r>
-            <a:r>
-              <a:rPr lang="en-US" altLang="ja-JP" sz="1400" dirty="0" smtClean="0"/>
-              <a:t>string of mode </a:t>
-            </a:r>
-            <a:r>
-              <a:rPr lang="en-US" altLang="ja-JP" sz="1400" dirty="0" smtClean="0"/>
-              <a:t>index</a:t>
-            </a:r>
-            <a:endParaRPr lang="en-US" altLang="ja-JP" sz="1400" dirty="0"/>
-          </a:p>
-          <a:p>
-            <a:pPr lvl="1">
-              <a:defRPr/>
-            </a:pPr>
-            <a:r>
-              <a:rPr lang="en-US" altLang="ja-JP" sz="1400" dirty="0"/>
-              <a:t>Specifies active modes for PES generation. All modes are active by default. The mode numbers should be separated by </a:t>
-            </a:r>
-            <a:r>
-              <a:rPr lang="en-US" altLang="ja-JP" sz="1400" dirty="0" err="1"/>
-              <a:t>camma</a:t>
-            </a:r>
-            <a:r>
-              <a:rPr lang="en-US" altLang="ja-JP" sz="1400" dirty="0"/>
-              <a:t> or space. A hyphen can be used for a sequence of mode number. For example, </a:t>
-            </a:r>
-            <a:endParaRPr lang="en-US" altLang="ja-JP" sz="1400" dirty="0" smtClean="0"/>
-          </a:p>
-          <a:p>
-            <a:pPr lvl="1">
-              <a:defRPr/>
-            </a:pPr>
-            <a:endParaRPr lang="en-US" altLang="ja-JP" sz="1400" dirty="0"/>
-          </a:p>
-          <a:p>
-            <a:pPr lvl="2">
-              <a:defRPr/>
-            </a:pPr>
-            <a:r>
-              <a:rPr lang="en-US" altLang="ja-JP" sz="1200" dirty="0">
-                <a:latin typeface="Courier" charset="0"/>
-                <a:ea typeface="Courier" charset="0"/>
-                <a:cs typeface="Courier" charset="0"/>
-              </a:rPr>
-              <a:t>&lt;entry key="</a:t>
-            </a:r>
-            <a:r>
-              <a:rPr lang="en-US" altLang="ja-JP" sz="1200" dirty="0" err="1">
-                <a:latin typeface="Courier" charset="0"/>
-                <a:ea typeface="Courier" charset="0"/>
-                <a:cs typeface="Courier" charset="0"/>
-              </a:rPr>
-              <a:t>activemode</a:t>
-            </a:r>
-            <a:r>
-              <a:rPr lang="en-US" altLang="ja-JP" sz="1200" dirty="0">
-                <a:latin typeface="Courier" charset="0"/>
-                <a:ea typeface="Courier" charset="0"/>
-                <a:cs typeface="Courier" charset="0"/>
-              </a:rPr>
-              <a:t>"&gt; 1,2,3,5 &lt;/entry&gt; </a:t>
-            </a:r>
-          </a:p>
-          <a:p>
-            <a:pPr lvl="1">
-              <a:defRPr/>
-            </a:pPr>
-            <a:endParaRPr lang="en-US" altLang="ja-JP" sz="1400" dirty="0" smtClean="0"/>
-          </a:p>
-          <a:p>
-            <a:pPr lvl="1">
-              <a:defRPr/>
-            </a:pPr>
-            <a:r>
-              <a:rPr lang="en-US" altLang="ja-JP" sz="1400" dirty="0"/>
-              <a:t>is </a:t>
-            </a:r>
-            <a:r>
-              <a:rPr lang="en-US" altLang="ja-JP" sz="1400" dirty="0" err="1"/>
-              <a:t>equivalnet</a:t>
-            </a:r>
-            <a:r>
-              <a:rPr lang="en-US" altLang="ja-JP" sz="1400" dirty="0"/>
-              <a:t> to, </a:t>
-            </a:r>
-            <a:endParaRPr lang="en-US" altLang="ja-JP" sz="1400" dirty="0" smtClean="0"/>
-          </a:p>
-          <a:p>
-            <a:pPr lvl="1">
-              <a:defRPr/>
-            </a:pPr>
-            <a:endParaRPr lang="en-US" altLang="ja-JP" sz="1400" dirty="0"/>
-          </a:p>
-          <a:p>
-            <a:pPr lvl="2">
-              <a:defRPr/>
-            </a:pPr>
-            <a:r>
-              <a:rPr lang="en-US" altLang="ja-JP" sz="1200" dirty="0">
-                <a:latin typeface="Courier" charset="0"/>
-                <a:ea typeface="Courier" charset="0"/>
-                <a:cs typeface="Courier" charset="0"/>
-              </a:rPr>
-              <a:t>&lt;entry key="</a:t>
-            </a:r>
-            <a:r>
-              <a:rPr lang="en-US" altLang="ja-JP" sz="1200" dirty="0" err="1">
-                <a:latin typeface="Courier" charset="0"/>
-                <a:ea typeface="Courier" charset="0"/>
-                <a:cs typeface="Courier" charset="0"/>
-              </a:rPr>
-              <a:t>activemode</a:t>
-            </a:r>
-            <a:r>
-              <a:rPr lang="en-US" altLang="ja-JP" sz="1200" dirty="0">
-                <a:latin typeface="Courier" charset="0"/>
-                <a:ea typeface="Courier" charset="0"/>
-                <a:cs typeface="Courier" charset="0"/>
-              </a:rPr>
-              <a:t>"&gt; 1-3 5 &lt;/entry&gt; </a:t>
-            </a:r>
-            <a:endParaRPr lang="en-US" altLang="ja-JP" sz="1200" dirty="0" smtClean="0">
-              <a:latin typeface="Courier" charset="0"/>
-              <a:ea typeface="Courier" charset="0"/>
-              <a:cs typeface="Courier" charset="0"/>
-            </a:endParaRPr>
-          </a:p>
-          <a:p>
-            <a:pPr lvl="1">
-              <a:defRPr/>
-            </a:pPr>
-            <a:endParaRPr lang="en-US" altLang="ja-JP" sz="1400" dirty="0"/>
-          </a:p>
-          <a:p>
-            <a:pPr lvl="1">
-              <a:defRPr/>
-            </a:pPr>
-            <a:r>
-              <a:rPr lang="en-US" altLang="ja-JP" sz="1400" dirty="0" smtClean="0"/>
-              <a:t>which </a:t>
-            </a:r>
-            <a:r>
-              <a:rPr lang="en-US" altLang="ja-JP" sz="1400" dirty="0"/>
-              <a:t>means Q</a:t>
-            </a:r>
-            <a:r>
-              <a:rPr lang="en-US" altLang="ja-JP" sz="1400" baseline="-25000" dirty="0"/>
-              <a:t>1</a:t>
-            </a:r>
-            <a:r>
-              <a:rPr lang="en-US" altLang="ja-JP" sz="1400" dirty="0"/>
-              <a:t>,Q</a:t>
-            </a:r>
-            <a:r>
-              <a:rPr lang="en-US" altLang="ja-JP" sz="1400" baseline="-25000" dirty="0"/>
-              <a:t>2</a:t>
-            </a:r>
-            <a:r>
-              <a:rPr lang="en-US" altLang="ja-JP" sz="1400" dirty="0"/>
-              <a:t>,Q</a:t>
-            </a:r>
-            <a:r>
-              <a:rPr lang="en-US" altLang="ja-JP" sz="1400" baseline="-25000" dirty="0"/>
-              <a:t>3</a:t>
-            </a:r>
-            <a:r>
-              <a:rPr lang="en-US" altLang="ja-JP" sz="1400" dirty="0"/>
-              <a:t>, and Q</a:t>
-            </a:r>
-            <a:r>
-              <a:rPr lang="en-US" altLang="ja-JP" sz="1400" baseline="-25000" dirty="0"/>
-              <a:t>5</a:t>
-            </a:r>
-            <a:r>
-              <a:rPr lang="en-US" altLang="ja-JP" sz="1400" dirty="0"/>
-              <a:t> are active, and Q</a:t>
-            </a:r>
-            <a:r>
-              <a:rPr lang="en-US" altLang="ja-JP" sz="1400" baseline="-25000" dirty="0"/>
-              <a:t>4</a:t>
-            </a:r>
-            <a:r>
-              <a:rPr lang="en-US" altLang="ja-JP" sz="1400" dirty="0"/>
-              <a:t> isn’t. </a:t>
-            </a:r>
-          </a:p>
-          <a:p>
-            <a:pPr lvl="1">
-              <a:defRPr/>
-            </a:pPr>
-            <a:endParaRPr lang="en-US" altLang="ja-JP" sz="1400" dirty="0" smtClean="0"/>
-          </a:p>
-        </p:txBody>
-      </p:sp>
-      <p:sp>
-        <p:nvSpPr>
-          <p:cNvPr id="2" name="スライド番号プレースホルダー 1"/>
-          <p:cNvSpPr>
-            <a:spLocks noGrp="1"/>
-          </p:cNvSpPr>
-          <p:nvPr>
-            <p:ph type="sldNum" sz="quarter" idx="12"/>
-          </p:nvPr>
-        </p:nvSpPr>
-        <p:spPr/>
-        <p:txBody>
-          <a:bodyPr/>
-          <a:lstStyle/>
-          <a:p>
-            <a:fld id="{7D34BB6B-1E1A-9541-9560-488905BF54FF}" type="slidenum">
-              <a:rPr kumimoji="1" lang="ja-JP" altLang="en-US" smtClean="0"/>
-              <a:t>2</a:t>
-            </a:fld>
-            <a:endParaRPr kumimoji="1" lang="ja-JP" altLang="en-US"/>
+            <a:r>
+              <a:rPr kumimoji="1" lang="en-US" altLang="ja-JP" sz="1600" dirty="0" smtClean="0"/>
+              <a:t>&lt;</a:t>
+            </a:r>
+            <a:r>
+              <a:rPr kumimoji="1" lang="en-US" altLang="ja-JP" sz="1600" dirty="0" err="1" smtClean="0"/>
+              <a:t>qff</a:t>
+            </a:r>
+            <a:r>
+              <a:rPr kumimoji="1" lang="en-US" altLang="ja-JP" sz="1600" dirty="0" smtClean="0"/>
+              <a:t>&gt;</a:t>
+            </a:r>
+            <a:endParaRPr kumimoji="1" lang="ja-JP" altLang="en-US" sz="1600" dirty="0"/>
+          </a:p>
+        </p:txBody>
+      </p:sp>
+      <p:sp>
+        <p:nvSpPr>
+          <p:cNvPr id="4" name="テキスト ボックス 3"/>
+          <p:cNvSpPr txBox="1"/>
+          <p:nvPr/>
+        </p:nvSpPr>
+        <p:spPr>
+          <a:xfrm>
+            <a:off x="1676400" y="812800"/>
+            <a:ext cx="4131580" cy="338554"/>
+          </a:xfrm>
+          <a:prstGeom prst="rect">
+            <a:avLst/>
+          </a:prstGeom>
+          <a:noFill/>
+        </p:spPr>
+        <p:txBody>
+          <a:bodyPr wrap="none" rtlCol="0">
+            <a:spAutoFit/>
+          </a:bodyPr>
+          <a:lstStyle/>
+          <a:p>
+            <a:r>
+              <a:rPr kumimoji="1" lang="en-US" altLang="ja-JP" sz="1600" dirty="0" smtClean="0"/>
+              <a:t>key and value are case insensitive unless noted.</a:t>
+            </a:r>
+            <a:endParaRPr kumimoji="1" lang="ja-JP" altLang="en-US" sz="1600" dirty="0"/>
+          </a:p>
+        </p:txBody>
+      </p:sp>
+      <p:sp>
+        <p:nvSpPr>
+          <p:cNvPr id="5" name="テキスト ボックス 4"/>
+          <p:cNvSpPr txBox="1"/>
+          <p:nvPr/>
+        </p:nvSpPr>
+        <p:spPr>
+          <a:xfrm>
+            <a:off x="1049867" y="457200"/>
+            <a:ext cx="2053063" cy="338554"/>
+          </a:xfrm>
+          <a:prstGeom prst="rect">
+            <a:avLst/>
+          </a:prstGeom>
+          <a:noFill/>
+        </p:spPr>
+        <p:txBody>
+          <a:bodyPr wrap="none" rtlCol="0">
+            <a:spAutoFit/>
+          </a:bodyPr>
+          <a:lstStyle/>
+          <a:p>
+            <a:r>
+              <a:rPr kumimoji="1" lang="en-US" altLang="ja-JP" sz="1600" dirty="0" smtClean="0"/>
+              <a:t>&lt;key  value=“value” /&gt;</a:t>
+            </a:r>
+            <a:endParaRPr kumimoji="1" lang="ja-JP" altLang="en-US" sz="1600" dirty="0"/>
+          </a:p>
+        </p:txBody>
+      </p:sp>
+      <p:sp>
+        <p:nvSpPr>
+          <p:cNvPr id="6" name="テキスト ボックス 5"/>
+          <p:cNvSpPr txBox="1"/>
+          <p:nvPr/>
+        </p:nvSpPr>
+        <p:spPr>
+          <a:xfrm>
+            <a:off x="1693334" y="2929467"/>
+            <a:ext cx="1142108" cy="338554"/>
+          </a:xfrm>
+          <a:prstGeom prst="rect">
+            <a:avLst/>
+          </a:prstGeom>
+          <a:noFill/>
+        </p:spPr>
+        <p:txBody>
+          <a:bodyPr wrap="none" rtlCol="0">
+            <a:spAutoFit/>
+          </a:bodyPr>
+          <a:lstStyle/>
+          <a:p>
+            <a:r>
+              <a:rPr kumimoji="1" lang="en-US" altLang="ja-JP" sz="1600" dirty="0" smtClean="0"/>
+              <a:t>&lt;template&gt;</a:t>
+            </a:r>
+            <a:endParaRPr kumimoji="1" lang="ja-JP" altLang="en-US" sz="1600" dirty="0"/>
+          </a:p>
+        </p:txBody>
+      </p:sp>
+      <p:sp>
+        <p:nvSpPr>
+          <p:cNvPr id="7" name="テキスト ボックス 6"/>
+          <p:cNvSpPr txBox="1"/>
+          <p:nvPr/>
+        </p:nvSpPr>
+        <p:spPr>
+          <a:xfrm>
+            <a:off x="1964267" y="3183467"/>
+            <a:ext cx="2369559" cy="338554"/>
+          </a:xfrm>
+          <a:prstGeom prst="rect">
+            <a:avLst/>
+          </a:prstGeom>
+          <a:noFill/>
+        </p:spPr>
+        <p:txBody>
+          <a:bodyPr wrap="none" rtlCol="0">
+            <a:spAutoFit/>
+          </a:bodyPr>
+          <a:lstStyle/>
+          <a:p>
+            <a:r>
+              <a:rPr kumimoji="1" lang="en-US" altLang="ja-JP" sz="1600" smtClean="0"/>
+              <a:t>xml: yes or no (default no)</a:t>
+            </a:r>
+            <a:endParaRPr kumimoji="1" lang="ja-JP" altLang="en-US" sz="1600" dirty="0"/>
+          </a:p>
+        </p:txBody>
+      </p:sp>
+      <p:sp>
+        <p:nvSpPr>
+          <p:cNvPr id="8" name="テキスト ボックス 7"/>
+          <p:cNvSpPr txBox="1"/>
+          <p:nvPr/>
+        </p:nvSpPr>
+        <p:spPr>
+          <a:xfrm>
+            <a:off x="1337734" y="2099733"/>
+            <a:ext cx="957313" cy="338554"/>
+          </a:xfrm>
+          <a:prstGeom prst="rect">
+            <a:avLst/>
+          </a:prstGeom>
+          <a:noFill/>
+        </p:spPr>
+        <p:txBody>
+          <a:bodyPr wrap="none" rtlCol="0">
+            <a:spAutoFit/>
+          </a:bodyPr>
+          <a:lstStyle/>
+          <a:p>
+            <a:r>
+              <a:rPr kumimoji="1" lang="en-US" altLang="ja-JP" sz="1600" dirty="0" smtClean="0"/>
+              <a:t>&lt;</a:t>
+            </a:r>
+            <a:r>
+              <a:rPr kumimoji="1" lang="en-US" altLang="ja-JP" sz="1600" dirty="0" err="1" smtClean="0"/>
+              <a:t>qchem</a:t>
+            </a:r>
+            <a:r>
+              <a:rPr kumimoji="1" lang="en-US" altLang="ja-JP" sz="1600" dirty="0" smtClean="0"/>
+              <a:t>&gt;</a:t>
+            </a:r>
+            <a:endParaRPr kumimoji="1" lang="ja-JP" altLang="en-US" sz="1600" dirty="0"/>
+          </a:p>
+        </p:txBody>
+      </p:sp>
+      <p:sp>
+        <p:nvSpPr>
+          <p:cNvPr id="11" name="テキスト ボックス 10"/>
+          <p:cNvSpPr txBox="1"/>
+          <p:nvPr/>
+        </p:nvSpPr>
+        <p:spPr>
+          <a:xfrm>
+            <a:off x="1049867" y="1540934"/>
+            <a:ext cx="1139671" cy="338554"/>
+          </a:xfrm>
+          <a:prstGeom prst="rect">
+            <a:avLst/>
+          </a:prstGeom>
+          <a:noFill/>
+        </p:spPr>
+        <p:txBody>
+          <a:bodyPr wrap="none" rtlCol="0">
+            <a:spAutoFit/>
+          </a:bodyPr>
+          <a:lstStyle/>
+          <a:p>
+            <a:r>
+              <a:rPr kumimoji="1" lang="en-US" altLang="ja-JP" sz="1600" dirty="0" smtClean="0"/>
+              <a:t>&lt;</a:t>
+            </a:r>
+            <a:r>
+              <a:rPr kumimoji="1" lang="en-US" altLang="ja-JP" sz="1600" dirty="0" err="1" smtClean="0"/>
+              <a:t>makePES</a:t>
+            </a:r>
+            <a:r>
+              <a:rPr kumimoji="1" lang="en-US" altLang="ja-JP" sz="1600" dirty="0" smtClean="0"/>
+              <a:t>&gt;</a:t>
+            </a:r>
+            <a:endParaRPr kumimoji="1" lang="ja-JP" altLang="en-US" sz="1600" dirty="0"/>
+          </a:p>
+        </p:txBody>
+      </p:sp>
+      <p:sp>
+        <p:nvSpPr>
+          <p:cNvPr id="13" name="テキスト ボックス 12"/>
+          <p:cNvSpPr txBox="1"/>
+          <p:nvPr/>
+        </p:nvSpPr>
+        <p:spPr>
+          <a:xfrm>
+            <a:off x="1676401" y="2370666"/>
+            <a:ext cx="5439887" cy="338554"/>
+          </a:xfrm>
+          <a:prstGeom prst="rect">
+            <a:avLst/>
+          </a:prstGeom>
+          <a:noFill/>
+        </p:spPr>
+        <p:txBody>
+          <a:bodyPr wrap="none" rtlCol="0">
+            <a:spAutoFit/>
+          </a:bodyPr>
+          <a:lstStyle/>
+          <a:p>
+            <a:r>
+              <a:rPr kumimoji="1" lang="en-US" altLang="ja-JP" sz="1600" dirty="0" smtClean="0"/>
+              <a:t>id: ID of this </a:t>
+            </a:r>
+            <a:r>
+              <a:rPr kumimoji="1" lang="en-US" altLang="ja-JP" sz="1600" dirty="0" err="1" smtClean="0"/>
+              <a:t>qchem</a:t>
+            </a:r>
+            <a:r>
+              <a:rPr kumimoji="1" lang="en-US" altLang="ja-JP" sz="1600" dirty="0" smtClean="0"/>
+              <a:t> (default = the number it appears in the file)</a:t>
+            </a:r>
+          </a:p>
+        </p:txBody>
+      </p:sp>
+      <p:sp>
+        <p:nvSpPr>
+          <p:cNvPr id="16" name="テキスト ボックス 15"/>
+          <p:cNvSpPr txBox="1"/>
+          <p:nvPr/>
+        </p:nvSpPr>
+        <p:spPr>
+          <a:xfrm>
+            <a:off x="1693334" y="3539067"/>
+            <a:ext cx="908326" cy="338554"/>
+          </a:xfrm>
+          <a:prstGeom prst="rect">
+            <a:avLst/>
+          </a:prstGeom>
+          <a:noFill/>
+        </p:spPr>
+        <p:txBody>
+          <a:bodyPr wrap="none" rtlCol="0">
+            <a:spAutoFit/>
+          </a:bodyPr>
+          <a:lstStyle/>
+          <a:p>
+            <a:r>
+              <a:rPr kumimoji="1" lang="en-US" altLang="ja-JP" sz="1600" dirty="0" smtClean="0"/>
+              <a:t>&lt;</a:t>
+            </a:r>
+            <a:r>
+              <a:rPr kumimoji="1" lang="en-US" altLang="ja-JP" sz="1600" dirty="0" err="1" smtClean="0"/>
+              <a:t>xyzfile</a:t>
+            </a:r>
+            <a:r>
+              <a:rPr kumimoji="1" lang="en-US" altLang="ja-JP" sz="1600" dirty="0" smtClean="0"/>
+              <a:t>&gt;</a:t>
+            </a:r>
+            <a:endParaRPr kumimoji="1" lang="ja-JP" altLang="en-US" sz="1600" dirty="0"/>
+          </a:p>
+        </p:txBody>
+      </p:sp>
+      <p:sp>
+        <p:nvSpPr>
+          <p:cNvPr id="17" name="テキスト ボックス 16"/>
+          <p:cNvSpPr txBox="1"/>
+          <p:nvPr/>
+        </p:nvSpPr>
+        <p:spPr>
+          <a:xfrm>
+            <a:off x="1964267" y="3793067"/>
+            <a:ext cx="2369559" cy="338554"/>
+          </a:xfrm>
+          <a:prstGeom prst="rect">
+            <a:avLst/>
+          </a:prstGeom>
+          <a:noFill/>
+        </p:spPr>
+        <p:txBody>
+          <a:bodyPr wrap="none" rtlCol="0">
+            <a:spAutoFit/>
+          </a:bodyPr>
+          <a:lstStyle/>
+          <a:p>
+            <a:r>
+              <a:rPr kumimoji="1" lang="en-US" altLang="ja-JP" sz="1600" smtClean="0"/>
+              <a:t>xml: yes or no (default no)</a:t>
+            </a:r>
+            <a:endParaRPr kumimoji="1" lang="ja-JP" altLang="en-US" sz="1600" dirty="0"/>
           </a:p>
         </p:txBody>
       </p:sp>
     </p:spTree>
     <p:extLst>
       <p:ext uri="{BB962C8B-B14F-4D97-AF65-F5344CB8AC3E}">
-        <p14:creationId xmlns:p14="http://schemas.microsoft.com/office/powerpoint/2010/main" val="1274043496"/>
+        <p14:creationId xmlns:p14="http://schemas.microsoft.com/office/powerpoint/2010/main" val="250048734"/>
       </p:ext>
     </p:extLst>
   </p:cSld>
@@ -4517,14 +5463,37 @@
       </p:grpSpPr>
       <p:sp>
         <p:nvSpPr>
-          <p:cNvPr id="4" name="テキスト ボックス 3"/>
+          <p:cNvPr id="2" name="タイトル 1"/>
+          <p:cNvSpPr>
+            <a:spLocks noGrp="1"/>
+          </p:cNvSpPr>
+          <p:nvPr>
+            <p:ph type="title"/>
+          </p:nvPr>
+        </p:nvSpPr>
+        <p:spPr/>
+        <p:txBody>
+          <a:bodyPr/>
+          <a:lstStyle/>
+          <a:p>
+            <a:r>
+              <a:rPr kumimoji="1" lang="en-US" altLang="ja-JP" dirty="0" smtClean="0"/>
+              <a:t>1. Basic Usage</a:t>
+            </a:r>
+            <a:endParaRPr kumimoji="1" lang="ja-JP" altLang="en-US" dirty="0"/>
+          </a:p>
+        </p:txBody>
+      </p:sp>
+      <p:sp>
+        <p:nvSpPr>
+          <p:cNvPr id="26" name="テキスト ボックス 25"/>
           <p:cNvSpPr txBox="1"/>
           <p:nvPr/>
         </p:nvSpPr>
         <p:spPr>
           <a:xfrm>
-            <a:off x="914401" y="137872"/>
-            <a:ext cx="7827665" cy="6432530"/>
+            <a:off x="370551" y="1428868"/>
+            <a:ext cx="8315022" cy="3323987"/>
           </a:xfrm>
           <a:prstGeom prst="rect">
             <a:avLst/>
@@ -4532,421 +5501,110 @@
           <a:noFill/>
         </p:spPr>
         <p:txBody>
-          <a:bodyPr wrap="square">
+          <a:bodyPr wrap="square" rtlCol="0">
             <a:spAutoFit/>
           </a:bodyPr>
           <a:lstStyle/>
           <a:p>
-            <a:pPr marL="285750" indent="-285750">
-              <a:buFont typeface="Arial" charset="0"/>
-              <a:buChar char="•"/>
-              <a:defRPr/>
-            </a:pPr>
-            <a:r>
-              <a:rPr lang="en-US" altLang="ja-JP" sz="1400" dirty="0" err="1"/>
-              <a:t>removefiles</a:t>
-            </a:r>
-            <a:r>
-              <a:rPr lang="en-US" altLang="ja-JP" sz="1400" dirty="0"/>
-              <a:t>: true/false</a:t>
-            </a:r>
-          </a:p>
-          <a:p>
-            <a:pPr lvl="1">
-              <a:defRPr/>
-            </a:pPr>
-            <a:r>
-              <a:rPr lang="en-US" altLang="ja-JP" sz="1400" dirty="0"/>
-              <a:t>Removes the input/output files of the quantum chemistry program, when true. (default = false</a:t>
-            </a:r>
-            <a:r>
-              <a:rPr lang="en-US" altLang="ja-JP" sz="1400" dirty="0" smtClean="0"/>
-              <a:t>)</a:t>
-            </a:r>
-          </a:p>
-          <a:p>
-            <a:pPr lvl="1">
-              <a:defRPr/>
-            </a:pPr>
-            <a:endParaRPr lang="en-US" altLang="ja-JP" sz="1400" dirty="0"/>
-          </a:p>
-          <a:p>
-            <a:pPr marL="285750" indent="-285750">
-              <a:buFont typeface="Arial" charset="0"/>
-              <a:buChar char="•"/>
-              <a:defRPr/>
-            </a:pPr>
-            <a:r>
-              <a:rPr lang="en-US" altLang="ja-JP" sz="1400" dirty="0" smtClean="0"/>
-              <a:t>dipole</a:t>
-            </a:r>
-            <a:r>
-              <a:rPr lang="en-US" altLang="ja-JP" sz="1400" dirty="0" smtClean="0"/>
-              <a:t>: true/false</a:t>
-            </a:r>
-            <a:endParaRPr lang="en-US" altLang="ja-JP" sz="1400" dirty="0"/>
-          </a:p>
-          <a:p>
-            <a:pPr lvl="1">
-              <a:defRPr/>
-            </a:pPr>
-            <a:r>
-              <a:rPr lang="en-US" altLang="ja-JP" sz="1400" dirty="0"/>
-              <a:t>Generates the dipole moment surface in addition to the PES, when true. (default = false) </a:t>
-            </a:r>
-            <a:r>
-              <a:rPr lang="en-US" altLang="ja-JP" sz="1400" dirty="0" smtClean="0"/>
-              <a:t> </a:t>
-            </a:r>
-          </a:p>
-          <a:p>
-            <a:pPr lvl="2">
-              <a:defRPr/>
-            </a:pPr>
-            <a:endParaRPr lang="en-US" altLang="ja-JP" sz="1400" dirty="0"/>
-          </a:p>
-          <a:p>
-            <a:pPr marL="285750" indent="-285750">
-              <a:buFont typeface="Arial" charset="0"/>
-              <a:buChar char="•"/>
-              <a:defRPr/>
-            </a:pPr>
-            <a:r>
-              <a:rPr lang="en-US" altLang="ja-JP" sz="1400" dirty="0" err="1" smtClean="0"/>
-              <a:t>dryrun</a:t>
-            </a:r>
-            <a:r>
-              <a:rPr lang="en-US" altLang="ja-JP" sz="1400" dirty="0" smtClean="0"/>
-              <a:t>: true/false</a:t>
-            </a:r>
-            <a:endParaRPr lang="en-US" altLang="ja-JP" sz="1400" dirty="0"/>
-          </a:p>
-          <a:p>
-            <a:pPr lvl="1">
-              <a:defRPr/>
-            </a:pPr>
-            <a:r>
-              <a:rPr lang="en-US" altLang="ja-JP" sz="1400" dirty="0"/>
-              <a:t>Generates the input files for the quantum chemistry program and exit without </a:t>
-            </a:r>
-            <a:r>
-              <a:rPr lang="en-US" altLang="ja-JP" sz="1400" dirty="0" smtClean="0"/>
-              <a:t>execution. </a:t>
-            </a:r>
-            <a:r>
-              <a:rPr lang="en-US" altLang="ja-JP" sz="1400" dirty="0"/>
-              <a:t>(default = false</a:t>
-            </a:r>
-            <a:r>
-              <a:rPr lang="en-US" altLang="ja-JP" sz="1400" dirty="0" smtClean="0"/>
-              <a:t>) </a:t>
-            </a:r>
-          </a:p>
-          <a:p>
-            <a:pPr lvl="2">
-              <a:defRPr/>
-            </a:pPr>
-            <a:endParaRPr lang="en-US" altLang="ja-JP" sz="1400" dirty="0"/>
-          </a:p>
-          <a:p>
-            <a:pPr marL="285750" indent="-285750">
-              <a:buFont typeface="Arial" charset="0"/>
-              <a:buChar char="•"/>
-              <a:defRPr/>
-            </a:pPr>
-            <a:r>
-              <a:rPr lang="en-US" altLang="ja-JP" sz="1400" dirty="0" err="1" smtClean="0"/>
-              <a:t>qchem</a:t>
-            </a:r>
-            <a:r>
-              <a:rPr lang="en-US" altLang="ja-JP" sz="1400" dirty="0" smtClean="0"/>
-              <a:t>:  command lines (see below)</a:t>
-            </a:r>
-            <a:endParaRPr lang="en-US" altLang="ja-JP" sz="1400" dirty="0"/>
-          </a:p>
-          <a:p>
-            <a:pPr lvl="1">
-              <a:defRPr/>
-            </a:pPr>
-            <a:r>
-              <a:rPr lang="en-US" altLang="ja-JP" sz="1400" dirty="0"/>
-              <a:t>In each line after the entry tag of this key follows the type of the quantum chemistry program, a template file to generate input files for the program, and a label. The three components may be separated by space or </a:t>
-            </a:r>
-            <a:r>
-              <a:rPr lang="en-US" altLang="ja-JP" sz="1400" dirty="0" err="1"/>
-              <a:t>camma</a:t>
-            </a:r>
-            <a:r>
-              <a:rPr lang="en-US" altLang="ja-JP" sz="1400" dirty="0"/>
-              <a:t>. For example, the input looks like, </a:t>
-            </a:r>
-          </a:p>
-          <a:p>
-            <a:pPr lvl="2">
-              <a:defRPr/>
-            </a:pPr>
-            <a:endParaRPr lang="en-US" altLang="ja-JP" sz="1200" dirty="0" smtClean="0">
-              <a:latin typeface="Courier" charset="0"/>
-              <a:ea typeface="Courier" charset="0"/>
-              <a:cs typeface="Courier" charset="0"/>
-            </a:endParaRPr>
-          </a:p>
-          <a:p>
-            <a:pPr lvl="2">
-              <a:defRPr/>
-            </a:pPr>
-            <a:r>
-              <a:rPr lang="en-US" altLang="ja-JP" sz="1200" dirty="0" smtClean="0">
-                <a:latin typeface="Courier" charset="0"/>
-                <a:ea typeface="Courier" charset="0"/>
-                <a:cs typeface="Courier" charset="0"/>
-              </a:rPr>
-              <a:t>&lt;</a:t>
-            </a:r>
+            <a:r>
+              <a:rPr lang="en-US" altLang="ja-JP" sz="1600" dirty="0"/>
+              <a:t>This section lists the keys and values used in </a:t>
+            </a:r>
+            <a:r>
+              <a:rPr lang="en-US" altLang="ja-JP" sz="1600" dirty="0" err="1"/>
+              <a:t>RunMakePES</a:t>
+            </a:r>
+            <a:r>
+              <a:rPr lang="en-US" altLang="ja-JP" sz="1600" dirty="0"/>
+              <a:t> program. They appear in </a:t>
+            </a:r>
+            <a:r>
+              <a:rPr lang="en-US" altLang="ja-JP" sz="1600" dirty="0" err="1"/>
+              <a:t>makePES.xml</a:t>
+            </a:r>
+            <a:r>
+              <a:rPr lang="en-US" altLang="ja-JP" sz="1600" dirty="0"/>
+              <a:t> in the form of, </a:t>
+            </a:r>
+          </a:p>
+          <a:p>
+            <a:endParaRPr kumimoji="1" lang="en-US" altLang="ja-JP" sz="1600" dirty="0" smtClean="0"/>
+          </a:p>
+          <a:p>
+            <a:pPr lvl="1"/>
             <a:r>
               <a:rPr lang="en-US" altLang="ja-JP" sz="1200" dirty="0">
                 <a:latin typeface="Courier" charset="0"/>
                 <a:ea typeface="Courier" charset="0"/>
                 <a:cs typeface="Courier" charset="0"/>
               </a:rPr>
-              <a:t>entry key="</a:t>
-            </a:r>
-            <a:r>
-              <a:rPr lang="en-US" altLang="ja-JP" sz="1200" dirty="0" err="1">
-                <a:latin typeface="Courier" charset="0"/>
-                <a:ea typeface="Courier" charset="0"/>
-                <a:cs typeface="Courier" charset="0"/>
-              </a:rPr>
-              <a:t>qchem</a:t>
-            </a:r>
-            <a:r>
-              <a:rPr lang="en-US" altLang="ja-JP" sz="1200" dirty="0">
-                <a:latin typeface="Courier" charset="0"/>
-                <a:ea typeface="Courier" charset="0"/>
-                <a:cs typeface="Courier" charset="0"/>
-              </a:rPr>
-              <a:t>"&gt; </a:t>
-            </a:r>
-            <a:endParaRPr lang="en-US" altLang="ja-JP" sz="1200" dirty="0" smtClean="0">
-              <a:latin typeface="Courier" charset="0"/>
-              <a:ea typeface="Courier" charset="0"/>
-              <a:cs typeface="Courier" charset="0"/>
-            </a:endParaRPr>
-          </a:p>
-          <a:p>
-            <a:pPr lvl="2">
-              <a:defRPr/>
-            </a:pPr>
-            <a:r>
-              <a:rPr lang="en-US" altLang="ja-JP" sz="1200" dirty="0" smtClean="0">
-                <a:latin typeface="Courier" charset="0"/>
-                <a:ea typeface="Courier" charset="0"/>
-                <a:cs typeface="Courier" charset="0"/>
-              </a:rPr>
-              <a:t>Gaussian </a:t>
-            </a:r>
-            <a:r>
-              <a:rPr lang="en-US" altLang="ja-JP" sz="1200" dirty="0" err="1">
-                <a:latin typeface="Courier" charset="0"/>
-                <a:ea typeface="Courier" charset="0"/>
-                <a:cs typeface="Courier" charset="0"/>
-              </a:rPr>
-              <a:t>GaussianInput.xml</a:t>
-            </a:r>
-            <a:r>
-              <a:rPr lang="en-US" altLang="ja-JP" sz="1200" dirty="0">
-                <a:latin typeface="Courier" charset="0"/>
-                <a:ea typeface="Courier" charset="0"/>
-                <a:cs typeface="Courier" charset="0"/>
-              </a:rPr>
-              <a:t> MP2/</a:t>
-            </a:r>
-            <a:r>
-              <a:rPr lang="en-US" altLang="ja-JP" sz="1200" dirty="0" err="1">
-                <a:latin typeface="Courier" charset="0"/>
-                <a:ea typeface="Courier" charset="0"/>
-                <a:cs typeface="Courier" charset="0"/>
-              </a:rPr>
-              <a:t>aug</a:t>
-            </a:r>
-            <a:r>
-              <a:rPr lang="en-US" altLang="ja-JP" sz="1200" dirty="0">
-                <a:latin typeface="Courier" charset="0"/>
-                <a:ea typeface="Courier" charset="0"/>
-                <a:cs typeface="Courier" charset="0"/>
-              </a:rPr>
-              <a:t>-cc-</a:t>
-            </a:r>
-            <a:r>
-              <a:rPr lang="en-US" altLang="ja-JP" sz="1200" dirty="0" err="1">
-                <a:latin typeface="Courier" charset="0"/>
-                <a:ea typeface="Courier" charset="0"/>
-                <a:cs typeface="Courier" charset="0"/>
-              </a:rPr>
-              <a:t>pVTZ</a:t>
-            </a:r>
-            <a:r>
-              <a:rPr lang="en-US" altLang="ja-JP" sz="1200" dirty="0">
-                <a:latin typeface="Courier" charset="0"/>
-                <a:ea typeface="Courier" charset="0"/>
-                <a:cs typeface="Courier" charset="0"/>
-              </a:rPr>
-              <a:t> (11) </a:t>
-            </a:r>
-            <a:endParaRPr lang="en-US" altLang="ja-JP" sz="1200" dirty="0" smtClean="0">
-              <a:latin typeface="Courier" charset="0"/>
-              <a:ea typeface="Courier" charset="0"/>
-              <a:cs typeface="Courier" charset="0"/>
-            </a:endParaRPr>
-          </a:p>
-          <a:p>
-            <a:pPr lvl="2">
-              <a:defRPr/>
-            </a:pPr>
-            <a:r>
-              <a:rPr lang="en-US" altLang="ja-JP" sz="1200" dirty="0" smtClean="0">
-                <a:latin typeface="Courier" charset="0"/>
-                <a:ea typeface="Courier" charset="0"/>
-                <a:cs typeface="Courier" charset="0"/>
-              </a:rPr>
-              <a:t>&lt;/</a:t>
-            </a:r>
-            <a:r>
-              <a:rPr lang="en-US" altLang="ja-JP" sz="1200" dirty="0">
-                <a:latin typeface="Courier" charset="0"/>
-                <a:ea typeface="Courier" charset="0"/>
-                <a:cs typeface="Courier" charset="0"/>
-              </a:rPr>
-              <a:t>entry&gt; </a:t>
-            </a:r>
-          </a:p>
-          <a:p>
-            <a:pPr lvl="1">
-              <a:defRPr/>
-            </a:pPr>
-            <a:endParaRPr lang="en-US" altLang="ja-JP" sz="1400" dirty="0" smtClean="0"/>
-          </a:p>
-          <a:p>
-            <a:pPr lvl="1">
-              <a:defRPr/>
-            </a:pPr>
-            <a:r>
-              <a:rPr lang="en-US" altLang="ja-JP" sz="1400" dirty="0"/>
-              <a:t>The first value (Gaussian) specifies the quantum chemistry program, which may take one of the following: </a:t>
-            </a:r>
-          </a:p>
-          <a:p>
-            <a:pPr lvl="1">
-              <a:defRPr/>
-            </a:pPr>
-            <a:endParaRPr lang="en-US" altLang="ja-JP" sz="1400" dirty="0" smtClean="0"/>
-          </a:p>
-          <a:p>
-            <a:pPr lvl="2">
-              <a:defRPr/>
-            </a:pPr>
-            <a:r>
-              <a:rPr lang="en-US" altLang="ja-JP" sz="1400" dirty="0" smtClean="0"/>
-              <a:t>Gaussian </a:t>
-            </a:r>
-            <a:r>
-              <a:rPr lang="en-US" altLang="ja-JP" sz="1400" dirty="0"/>
-              <a:t>: </a:t>
-            </a:r>
-            <a:r>
-              <a:rPr lang="en-US" altLang="ja-JP" sz="1400" dirty="0" smtClean="0"/>
-              <a:t>Gaussian03/09/16</a:t>
-            </a:r>
-          </a:p>
-          <a:p>
-            <a:pPr lvl="2">
-              <a:defRPr/>
-            </a:pPr>
-            <a:r>
-              <a:rPr lang="en-US" altLang="ja-JP" sz="1400" dirty="0" err="1" smtClean="0"/>
-              <a:t>Molpro</a:t>
-            </a:r>
-            <a:r>
-              <a:rPr lang="en-US" altLang="ja-JP" sz="1400" dirty="0" smtClean="0"/>
-              <a:t> </a:t>
-            </a:r>
-            <a:r>
-              <a:rPr lang="en-US" altLang="ja-JP" sz="1400" dirty="0"/>
-              <a:t>: Molpro2012 </a:t>
-            </a:r>
-            <a:endParaRPr lang="en-US" altLang="ja-JP" sz="1400" dirty="0" smtClean="0"/>
-          </a:p>
-          <a:p>
-            <a:pPr lvl="2">
-              <a:defRPr/>
-            </a:pPr>
-            <a:r>
-              <a:rPr lang="en-US" altLang="ja-JP" sz="1400" dirty="0" smtClean="0"/>
-              <a:t>ACESII </a:t>
-            </a:r>
-            <a:r>
-              <a:rPr lang="en-US" altLang="ja-JP" sz="1400" dirty="0"/>
-              <a:t>: ACESII</a:t>
-            </a:r>
-            <a:br>
-              <a:rPr lang="en-US" altLang="ja-JP" sz="1400" dirty="0"/>
-            </a:br>
-            <a:r>
-              <a:rPr lang="en-US" altLang="ja-JP" sz="1400" dirty="0" err="1"/>
-              <a:t>QChem</a:t>
-            </a:r>
-            <a:r>
-              <a:rPr lang="en-US" altLang="ja-JP" sz="1400" dirty="0"/>
-              <a:t> : Q-Chem4.3 </a:t>
-            </a:r>
-            <a:endParaRPr lang="en-US" altLang="ja-JP" sz="1400" dirty="0" smtClean="0"/>
-          </a:p>
-          <a:p>
-            <a:pPr lvl="2">
-              <a:defRPr/>
-            </a:pPr>
-            <a:r>
-              <a:rPr lang="en-US" altLang="ja-JP" sz="1400" dirty="0" smtClean="0"/>
-              <a:t>Generic </a:t>
-            </a:r>
-            <a:r>
-              <a:rPr lang="en-US" altLang="ja-JP" sz="1400" dirty="0"/>
-              <a:t>: Generic (see below) </a:t>
-            </a:r>
-          </a:p>
-          <a:p>
-            <a:pPr lvl="1">
-              <a:defRPr/>
-            </a:pPr>
-            <a:endParaRPr lang="en-US" altLang="ja-JP" sz="1400" dirty="0" smtClean="0"/>
-          </a:p>
-          <a:p>
-            <a:pPr lvl="1">
-              <a:defRPr/>
-            </a:pPr>
-            <a:r>
-              <a:rPr lang="en-US" altLang="ja-JP" sz="1400" dirty="0" smtClean="0"/>
-              <a:t>The </a:t>
-            </a:r>
-            <a:r>
-              <a:rPr lang="en-US" altLang="ja-JP" sz="1400" dirty="0"/>
-              <a:t>second value (</a:t>
-            </a:r>
-            <a:r>
-              <a:rPr lang="en-US" altLang="ja-JP" sz="1400" dirty="0" err="1"/>
-              <a:t>GaussianInput.xml</a:t>
-            </a:r>
-            <a:r>
-              <a:rPr lang="en-US" altLang="ja-JP" sz="1400" dirty="0"/>
-              <a:t>) is the name of the XML file, which contains the information to generate the input files for the program. This value is case sensitive. </a:t>
-            </a:r>
-            <a:endParaRPr lang="en-US" altLang="ja-JP" sz="1400" dirty="0" smtClean="0"/>
-          </a:p>
-        </p:txBody>
-      </p:sp>
-      <p:sp>
-        <p:nvSpPr>
-          <p:cNvPr id="2" name="スライド番号プレースホルダー 1"/>
+              <a:t>&lt;entry key=‘‘key’’&gt; key value &lt;/entry&gt; </a:t>
+            </a:r>
+          </a:p>
+          <a:p>
+            <a:endParaRPr kumimoji="1" lang="en-US" altLang="ja-JP" sz="1600" dirty="0" smtClean="0"/>
+          </a:p>
+          <a:p>
+            <a:r>
+              <a:rPr lang="en-US" altLang="ja-JP" sz="1600" dirty="0"/>
+              <a:t>The keys in red indicate that they are mandatory. The values are case insensitive except when it is noted. </a:t>
+            </a:r>
+          </a:p>
+          <a:p>
+            <a:endParaRPr lang="en-US" altLang="ja-JP" sz="1600" dirty="0" smtClean="0"/>
+          </a:p>
+          <a:p>
+            <a:r>
+              <a:rPr lang="en-US" altLang="ja-JP" sz="1600" dirty="0" smtClean="0"/>
+              <a:t>In </a:t>
+            </a:r>
+            <a:r>
+              <a:rPr lang="en-US" altLang="ja-JP" sz="1600" dirty="0"/>
+              <a:t>the following, the keys are divided into four sections. General Keys (Sec. 1.1) are common input for all types of run, while those in QFF Keys (Sec. 1.2), Grid Keys (Sec. 1.3), and Hybrid Keys (Sec. 1.4) are relevant input parameters for generating the QFF, grid potential, and hybrid potential, respectively. </a:t>
+            </a:r>
+          </a:p>
+          <a:p>
+            <a:endParaRPr kumimoji="1" lang="en-US" altLang="ja-JP" sz="1600" dirty="0"/>
+          </a:p>
+        </p:txBody>
+      </p:sp>
+      <p:sp>
+        <p:nvSpPr>
+          <p:cNvPr id="5" name="テキスト ボックス 4"/>
+          <p:cNvSpPr txBox="1"/>
+          <p:nvPr/>
+        </p:nvSpPr>
+        <p:spPr>
+          <a:xfrm>
+            <a:off x="391885" y="914403"/>
+            <a:ext cx="3492495" cy="461665"/>
+          </a:xfrm>
+          <a:prstGeom prst="rect">
+            <a:avLst/>
+          </a:prstGeom>
+          <a:noFill/>
+        </p:spPr>
+        <p:txBody>
+          <a:bodyPr wrap="none" rtlCol="0">
+            <a:spAutoFit/>
+          </a:bodyPr>
+          <a:lstStyle/>
+          <a:p>
+            <a:r>
+              <a:rPr kumimoji="1" lang="en-US" altLang="ja-JP" sz="2400" u="sng" dirty="0" smtClean="0"/>
+              <a:t>1.1. </a:t>
+            </a:r>
+            <a:r>
+              <a:rPr lang="en-US" altLang="ja-JP" sz="2400" u="sng" dirty="0" smtClean="0"/>
+              <a:t>Preparing an input file</a:t>
+            </a:r>
+            <a:endParaRPr kumimoji="1" lang="ja-JP" altLang="en-US" sz="2400" u="sng" dirty="0"/>
+          </a:p>
+        </p:txBody>
+      </p:sp>
+      <p:sp>
+        <p:nvSpPr>
+          <p:cNvPr id="3" name="スライド番号プレースホルダー 2"/>
           <p:cNvSpPr>
             <a:spLocks noGrp="1"/>
           </p:cNvSpPr>
@@ -4970,7 +5628,7 @@
     </p:spTree>
     <p:extLst>
       <p:ext uri="{BB962C8B-B14F-4D97-AF65-F5344CB8AC3E}">
-        <p14:creationId xmlns:p14="http://schemas.microsoft.com/office/powerpoint/2010/main" val="1025583675"/>
+        <p14:creationId xmlns:p14="http://schemas.microsoft.com/office/powerpoint/2010/main" val="112085760"/>
       </p:ext>
     </p:extLst>
   </p:cSld>
@@ -4999,14 +5657,47 @@
       </p:grpSpPr>
       <p:sp>
         <p:nvSpPr>
-          <p:cNvPr id="2" name="テキスト ボックス 1"/>
+          <p:cNvPr id="35841" name="タイトル 2"/>
+          <p:cNvSpPr>
+            <a:spLocks noGrp="1"/>
+          </p:cNvSpPr>
+          <p:nvPr>
+            <p:ph type="title"/>
+          </p:nvPr>
+        </p:nvSpPr>
+        <p:spPr/>
+        <p:txBody>
+          <a:bodyPr/>
+          <a:lstStyle/>
+          <a:p>
+            <a:r>
+              <a:rPr lang="en-US" altLang="ja-JP" dirty="0">
+                <a:cs typeface="メイリオ" charset="-128"/>
+              </a:rPr>
+              <a:t>List of all </a:t>
+            </a:r>
+            <a:r>
+              <a:rPr lang="en-US" altLang="ja-JP" dirty="0" smtClean="0">
+                <a:cs typeface="メイリオ" charset="-128"/>
+              </a:rPr>
+              <a:t>keys</a:t>
+            </a:r>
+            <a:endParaRPr lang="ja-JP" altLang="en-US" dirty="0">
+              <a:cs typeface="メイリオ" charset="-128"/>
+            </a:endParaRPr>
+          </a:p>
+        </p:txBody>
+      </p:sp>
+      <p:sp>
+        <p:nvSpPr>
+          <p:cNvPr id="4" name="テキスト ボックス 3"/>
           <p:cNvSpPr txBox="1"/>
           <p:nvPr/>
         </p:nvSpPr>
         <p:spPr>
           <a:xfrm>
-            <a:off x="914401" y="137872"/>
-            <a:ext cx="7827665" cy="6217087"/>
+            <a:off x="914401" y="887135"/>
+            <a:ext cx="7827665" cy="5970865"/>
           </a:xfrm>
           <a:prstGeom prst="rect">
             <a:avLst/>
@@ -5019,82 +5710,182 @@
           </a:bodyPr>
           <a:lstStyle/>
           <a:p>
+            <a:pPr>
+              <a:defRPr/>
+            </a:pPr>
+            <a:r>
+              <a:rPr lang="en-US" altLang="ja-JP" sz="1800" dirty="0" smtClean="0">
+                <a:latin typeface="+mn-lt"/>
+              </a:rPr>
+              <a:t>General keys</a:t>
+            </a:r>
+          </a:p>
+          <a:p>
+            <a:pPr>
+              <a:defRPr/>
+            </a:pPr>
+            <a:endParaRPr lang="en-US" altLang="ja-JP" sz="1800" dirty="0">
+              <a:latin typeface="+mn-lt"/>
+            </a:endParaRPr>
+          </a:p>
+          <a:p>
+            <a:pPr marL="285750" indent="-285750">
+              <a:buFont typeface="Arial" charset="0"/>
+              <a:buChar char="•"/>
+              <a:defRPr/>
+            </a:pPr>
+            <a:r>
+              <a:rPr lang="en-US" altLang="ja-JP" sz="1400" dirty="0" err="1" smtClean="0"/>
+              <a:t>runtype</a:t>
+            </a:r>
+            <a:r>
+              <a:rPr lang="en-US" altLang="ja-JP" sz="1400" dirty="0" smtClean="0"/>
+              <a:t>: QFF/GRID/HYBRID</a:t>
+            </a:r>
+            <a:endParaRPr lang="en-US" altLang="ja-JP" sz="1400" dirty="0"/>
+          </a:p>
+          <a:p>
             <a:pPr lvl="1">
               <a:defRPr/>
             </a:pPr>
             <a:r>
               <a:rPr lang="en-US" altLang="ja-JP" sz="1400" dirty="0"/>
-              <a:t>The third value (MP2/</a:t>
+              <a:t>The type of run. One of the following must be specified. </a:t>
+            </a:r>
+            <a:endParaRPr lang="en-US" altLang="ja-JP" sz="1400" dirty="0" smtClean="0"/>
+          </a:p>
+          <a:p>
+            <a:pPr lvl="2">
+              <a:defRPr/>
+            </a:pPr>
+            <a:endParaRPr lang="en-US" altLang="ja-JP" sz="1400" dirty="0"/>
+          </a:p>
+          <a:p>
+            <a:pPr marL="285750" indent="-285750">
+              <a:buFont typeface="Arial" charset="0"/>
+              <a:buChar char="•"/>
+              <a:defRPr/>
+            </a:pPr>
+            <a:r>
+              <a:rPr lang="en-US" altLang="ja-JP" sz="1400" dirty="0" smtClean="0"/>
+              <a:t>molecule:  file name</a:t>
+            </a:r>
+            <a:endParaRPr lang="en-US" altLang="ja-JP" sz="1400" dirty="0"/>
+          </a:p>
+          <a:p>
+            <a:pPr lvl="1">
+              <a:defRPr/>
+            </a:pPr>
+            <a:r>
+              <a:rPr lang="en-US" altLang="ja-JP" sz="1400" dirty="0"/>
+              <a:t>The name of </a:t>
             </a:r>
             <a:r>
               <a:rPr lang="en-US" altLang="ja-JP" sz="1400" dirty="0" err="1"/>
-              <a:t>aug</a:t>
+              <a:t>minfo</a:t>
             </a:r>
             <a:r>
               <a:rPr lang="en-US" altLang="ja-JP" sz="1400" dirty="0"/>
-              <a:t>-cc-</a:t>
+              <a:t> file containing the vibrational data. The value is </a:t>
+            </a:r>
+            <a:r>
+              <a:rPr lang="en-US" altLang="ja-JP" sz="1400" u="sng" dirty="0"/>
+              <a:t>case sensitive</a:t>
+            </a:r>
+            <a:r>
+              <a:rPr lang="en-US" altLang="ja-JP" sz="1400" dirty="0"/>
+              <a:t>. </a:t>
+            </a:r>
+            <a:r>
+              <a:rPr lang="en-US" altLang="ja-JP" sz="1400" dirty="0" smtClean="0"/>
+              <a:t> </a:t>
+            </a:r>
+          </a:p>
+          <a:p>
+            <a:pPr lvl="2">
+              <a:defRPr/>
+            </a:pPr>
+            <a:endParaRPr lang="en-US" altLang="ja-JP" sz="1400" dirty="0"/>
+          </a:p>
+          <a:p>
+            <a:pPr marL="285750" indent="-285750">
+              <a:buFont typeface="Arial" charset="0"/>
+              <a:buChar char="•"/>
+              <a:defRPr/>
+            </a:pPr>
+            <a:r>
+              <a:rPr lang="en-US" altLang="ja-JP" sz="1400" dirty="0" smtClean="0"/>
+              <a:t>MR:  1/2/3</a:t>
+            </a:r>
+            <a:endParaRPr lang="en-US" altLang="ja-JP" sz="1400" dirty="0"/>
+          </a:p>
+          <a:p>
+            <a:pPr lvl="1">
+              <a:defRPr/>
+            </a:pPr>
+            <a:r>
+              <a:rPr lang="en-US" altLang="ja-JP" sz="1400" dirty="0"/>
+              <a:t>The order of mode coupling expansion. Can take 1, 2, or 3. (default = 3) </a:t>
+            </a:r>
+            <a:endParaRPr lang="en-US" altLang="ja-JP" sz="1400" dirty="0" smtClean="0"/>
+          </a:p>
+          <a:p>
+            <a:pPr lvl="2">
+              <a:defRPr/>
+            </a:pPr>
+            <a:endParaRPr lang="en-US" altLang="ja-JP" sz="1400" dirty="0" smtClean="0"/>
+          </a:p>
+          <a:p>
+            <a:pPr marL="285750" indent="-285750">
+              <a:buFont typeface="Arial" charset="0"/>
+              <a:buChar char="•"/>
+              <a:defRPr/>
+            </a:pPr>
+            <a:r>
+              <a:rPr lang="en-US" altLang="ja-JP" sz="1400" dirty="0" err="1" smtClean="0"/>
+              <a:t>activemode</a:t>
+            </a:r>
+            <a:r>
+              <a:rPr lang="en-US" altLang="ja-JP" sz="1400" dirty="0" smtClean="0"/>
+              <a:t>:  string of mode index</a:t>
+            </a:r>
+            <a:endParaRPr lang="en-US" altLang="ja-JP" sz="1400" dirty="0"/>
+          </a:p>
+          <a:p>
+            <a:pPr lvl="1">
+              <a:defRPr/>
+            </a:pPr>
+            <a:r>
+              <a:rPr lang="en-US" altLang="ja-JP" sz="1400" dirty="0"/>
+              <a:t>Specifies active modes for PES generation. All modes are active by default. The mode numbers should be separated by </a:t>
             </a:r>
             <a:r>
               <a:rPr lang="en-US" altLang="ja-JP" sz="1400" dirty="0" err="1"/>
-              <a:t>pVTZ</a:t>
+              <a:t>camma</a:t>
             </a:r>
             <a:r>
               <a:rPr lang="en-US" altLang="ja-JP" sz="1400" dirty="0"/>
-              <a:t> (11)) is a label that is tagged to the PES data files. This name will be printed in the output of SINDO, so it is recommended to give a name, for example, the level of the electronic structure calculation, the number of grid points, etc. </a:t>
-            </a:r>
+              <a:t> or space. A hyphen can be used for a sequence of mode number. For example, </a:t>
+            </a:r>
+            <a:endParaRPr lang="en-US" altLang="ja-JP" sz="1400" dirty="0" smtClean="0"/>
           </a:p>
           <a:p>
             <a:pPr lvl="1">
               <a:defRPr/>
             </a:pPr>
-            <a:endParaRPr lang="en-US" altLang="ja-JP" sz="1400" dirty="0" smtClean="0"/>
-          </a:p>
-          <a:p>
-            <a:pPr lvl="1">
-              <a:defRPr/>
-            </a:pPr>
-            <a:r>
-              <a:rPr lang="en-US" altLang="ja-JP" sz="1400" dirty="0" smtClean="0"/>
-              <a:t>This </a:t>
-            </a:r>
-            <a:r>
-              <a:rPr lang="en-US" altLang="ja-JP" sz="1400" dirty="0"/>
-              <a:t>key extends to two lines when the hybrid PES is specified for the </a:t>
-            </a:r>
-            <a:r>
-              <a:rPr lang="en-US" altLang="ja-JP" sz="1400" dirty="0" err="1"/>
-              <a:t>runtyp</a:t>
-            </a:r>
-            <a:r>
-              <a:rPr lang="en-US" altLang="ja-JP" sz="1400" dirty="0"/>
-              <a:t>. The first and the second lines specify the quantum chemistry calculations for the QFF and Grid PES generation, respectively. In this case, the input would look like, </a:t>
-            </a:r>
-          </a:p>
-          <a:p>
-            <a:pPr lvl="1">
-              <a:defRPr/>
-            </a:pPr>
-            <a:endParaRPr lang="en-US" altLang="ja-JP" sz="1400" dirty="0" smtClean="0"/>
+            <a:endParaRPr lang="en-US" altLang="ja-JP" sz="1400" dirty="0"/>
           </a:p>
           <a:p>
             <a:pPr lvl="2">
               <a:defRPr/>
             </a:pPr>
-            <a:r>
-              <a:rPr lang="en-US" altLang="ja-JP" sz="1200" dirty="0" smtClean="0">
-                <a:latin typeface="Courier" charset="0"/>
-                <a:ea typeface="Courier" charset="0"/>
-                <a:cs typeface="Courier" charset="0"/>
-              </a:rPr>
-              <a:t>&lt;</a:t>
-            </a:r>
             <a:r>
               <a:rPr lang="en-US" altLang="ja-JP" sz="1200" dirty="0">
                 <a:latin typeface="Courier" charset="0"/>
                 <a:ea typeface="Courier" charset="0"/>
                 <a:cs typeface="Courier" charset="0"/>
               </a:rPr>
-              <a:t>entry key="</a:t>
+              <a:t>&lt;entry key="</a:t>
             </a:r>
             <a:r>
               <a:rPr lang="en-US" altLang="ja-JP" sz="1200" dirty="0" err="1">
@@ -5102,7 +5893,7 @@
                 <a:ea typeface="Courier" charset="0"/>
                 <a:cs typeface="Courier" charset="0"/>
               </a:rPr>
-              <a:t>qchem</a:t>
+              <a:t>activemode</a:t>
             </a:r>
             <a:r>
               <a:rPr lang="en-US" altLang="ja-JP" sz="1200" dirty="0">
@@ -5110,7 +5901,66 @@
                 <a:ea typeface="Courier" charset="0"/>
                 <a:cs typeface="Courier" charset="0"/>
               </a:rPr>
-              <a:t>"&gt; </a:t>
+              <a:t>"&gt; 1,2,3,5 &lt;/entry&gt; </a:t>
+            </a:r>
+          </a:p>
+          <a:p>
+            <a:pPr lvl="1">
+              <a:defRPr/>
+            </a:pPr>
+            <a:endParaRPr lang="en-US" altLang="ja-JP" sz="1400" dirty="0" smtClean="0"/>
+          </a:p>
+          <a:p>
+            <a:pPr lvl="1">
+              <a:defRPr/>
+            </a:pPr>
+            <a:r>
+              <a:rPr lang="en-US" altLang="ja-JP" sz="1400" dirty="0"/>
+              <a:t>is </a:t>
+            </a:r>
+            <a:r>
+              <a:rPr lang="en-US" altLang="ja-JP" sz="1400" dirty="0" err="1"/>
+              <a:t>equivalnet</a:t>
+            </a:r>
+            <a:r>
+              <a:rPr lang="en-US" altLang="ja-JP" sz="1400" dirty="0"/>
+              <a:t> to, </a:t>
+            </a:r>
+            <a:endParaRPr lang="en-US" altLang="ja-JP" sz="1400" dirty="0" smtClean="0"/>
+          </a:p>
+          <a:p>
+            <a:pPr lvl="1">
+              <a:defRPr/>
+            </a:pPr>
+            <a:endParaRPr lang="en-US" altLang="ja-JP" sz="1400" dirty="0"/>
+          </a:p>
+          <a:p>
+            <a:pPr lvl="2">
+              <a:defRPr/>
+            </a:pPr>
+            <a:r>
+              <a:rPr lang="en-US" altLang="ja-JP" sz="1200" dirty="0">
+                <a:latin typeface="Courier" charset="0"/>
+                <a:ea typeface="Courier" charset="0"/>
+                <a:cs typeface="Courier" charset="0"/>
+              </a:rPr>
+              <a:t>&lt;entry key="</a:t>
+            </a:r>
+            <a:r>
+              <a:rPr lang="en-US" altLang="ja-JP" sz="1200" dirty="0" err="1">
+                <a:latin typeface="Courier" charset="0"/>
+                <a:ea typeface="Courier" charset="0"/>
+                <a:cs typeface="Courier" charset="0"/>
+              </a:rPr>
+              <a:t>activemode</a:t>
+            </a:r>
+            <a:r>
+              <a:rPr lang="en-US" altLang="ja-JP" sz="1200" dirty="0">
+                <a:latin typeface="Courier" charset="0"/>
+                <a:ea typeface="Courier" charset="0"/>
+                <a:cs typeface="Courier" charset="0"/>
+              </a:rPr>
+              <a:t>"&gt; 1-3 5 &lt;/entry&gt; </a:t>
             </a:r>
             <a:endParaRPr lang="en-US" altLang="ja-JP" sz="1200" dirty="0" smtClean="0">
               <a:latin typeface="Courier" charset="0"/>
@@ -5119,387 +5969,101 @@
             </a:endParaRPr>
           </a:p>
           <a:p>
-            <a:pPr lvl="2">
-              <a:defRPr/>
-            </a:pPr>
-            <a:r>
-              <a:rPr lang="en-US" altLang="ja-JP" sz="1200" dirty="0" smtClean="0">
-                <a:latin typeface="Courier" charset="0"/>
-                <a:ea typeface="Courier" charset="0"/>
-                <a:cs typeface="Courier" charset="0"/>
-              </a:rPr>
-              <a:t>Gaussian</a:t>
-            </a:r>
-            <a:r>
-              <a:rPr lang="en-US" altLang="ja-JP" sz="1200" dirty="0">
-                <a:latin typeface="Courier" charset="0"/>
-                <a:ea typeface="Courier" charset="0"/>
-                <a:cs typeface="Courier" charset="0"/>
-              </a:rPr>
-              <a:t>, MP2Input.xml, MP2/cc-</a:t>
-            </a:r>
-            <a:r>
-              <a:rPr lang="en-US" altLang="ja-JP" sz="1200" dirty="0" err="1">
-                <a:latin typeface="Courier" charset="0"/>
-                <a:ea typeface="Courier" charset="0"/>
-                <a:cs typeface="Courier" charset="0"/>
-              </a:rPr>
-              <a:t>pVDZ</a:t>
-            </a:r>
-            <a:r>
-              <a:rPr lang="en-US" altLang="ja-JP" sz="1200" dirty="0">
-                <a:latin typeface="Courier" charset="0"/>
-                <a:ea typeface="Courier" charset="0"/>
-                <a:cs typeface="Courier" charset="0"/>
-              </a:rPr>
-              <a:t> </a:t>
-            </a:r>
-            <a:endParaRPr lang="en-US" altLang="ja-JP" sz="1200" dirty="0" smtClean="0">
-              <a:latin typeface="Courier" charset="0"/>
-              <a:ea typeface="Courier" charset="0"/>
-              <a:cs typeface="Courier" charset="0"/>
-            </a:endParaRPr>
-          </a:p>
-          <a:p>
-            <a:pPr lvl="2">
-              <a:defRPr/>
-            </a:pPr>
-            <a:r>
-              <a:rPr lang="en-US" altLang="ja-JP" sz="1200" dirty="0" smtClean="0">
-                <a:latin typeface="Courier" charset="0"/>
-                <a:ea typeface="Courier" charset="0"/>
-                <a:cs typeface="Courier" charset="0"/>
-              </a:rPr>
-              <a:t>Gaussian</a:t>
-            </a:r>
-            <a:r>
-              <a:rPr lang="en-US" altLang="ja-JP" sz="1200" dirty="0">
-                <a:latin typeface="Courier" charset="0"/>
-                <a:ea typeface="Courier" charset="0"/>
-                <a:cs typeface="Courier" charset="0"/>
-              </a:rPr>
-              <a:t>, </a:t>
-            </a:r>
-            <a:r>
-              <a:rPr lang="en-US" altLang="ja-JP" sz="1200" dirty="0" err="1">
-                <a:latin typeface="Courier" charset="0"/>
-                <a:ea typeface="Courier" charset="0"/>
-                <a:cs typeface="Courier" charset="0"/>
-              </a:rPr>
-              <a:t>CCInput.xml</a:t>
-            </a:r>
-            <a:r>
-              <a:rPr lang="en-US" altLang="ja-JP" sz="1200" dirty="0">
-                <a:latin typeface="Courier" charset="0"/>
-                <a:ea typeface="Courier" charset="0"/>
-                <a:cs typeface="Courier" charset="0"/>
-              </a:rPr>
-              <a:t>, CCSD(T)/</a:t>
-            </a:r>
-            <a:r>
-              <a:rPr lang="en-US" altLang="ja-JP" sz="1200" dirty="0" err="1">
-                <a:latin typeface="Courier" charset="0"/>
-                <a:ea typeface="Courier" charset="0"/>
-                <a:cs typeface="Courier" charset="0"/>
-              </a:rPr>
-              <a:t>aug</a:t>
-            </a:r>
-            <a:r>
-              <a:rPr lang="en-US" altLang="ja-JP" sz="1200" dirty="0">
-                <a:latin typeface="Courier" charset="0"/>
-                <a:ea typeface="Courier" charset="0"/>
-                <a:cs typeface="Courier" charset="0"/>
-              </a:rPr>
-              <a:t>-cc-</a:t>
-            </a:r>
-            <a:r>
-              <a:rPr lang="en-US" altLang="ja-JP" sz="1200" dirty="0" err="1">
-                <a:latin typeface="Courier" charset="0"/>
-                <a:ea typeface="Courier" charset="0"/>
-                <a:cs typeface="Courier" charset="0"/>
-              </a:rPr>
-              <a:t>pVTZ</a:t>
-            </a:r>
-            <a:r>
-              <a:rPr lang="en-US" altLang="ja-JP" sz="1200" dirty="0">
-                <a:latin typeface="Courier" charset="0"/>
-                <a:ea typeface="Courier" charset="0"/>
-                <a:cs typeface="Courier" charset="0"/>
-              </a:rPr>
-              <a:t> (11) </a:t>
-            </a:r>
-            <a:endParaRPr lang="en-US" altLang="ja-JP" sz="1200" dirty="0" smtClean="0">
-              <a:latin typeface="Courier" charset="0"/>
-              <a:ea typeface="Courier" charset="0"/>
-              <a:cs typeface="Courier" charset="0"/>
-            </a:endParaRPr>
-          </a:p>
-          <a:p>
-            <a:pPr lvl="2">
-              <a:defRPr/>
-            </a:pPr>
-            <a:r>
-              <a:rPr lang="en-US" altLang="ja-JP" sz="1200" dirty="0" smtClean="0">
-                <a:latin typeface="Courier" charset="0"/>
-                <a:ea typeface="Courier" charset="0"/>
-                <a:cs typeface="Courier" charset="0"/>
-              </a:rPr>
-              <a:t>&lt;/</a:t>
-            </a:r>
-            <a:r>
-              <a:rPr lang="en-US" altLang="ja-JP" sz="1200" dirty="0">
-                <a:latin typeface="Courier" charset="0"/>
-                <a:ea typeface="Courier" charset="0"/>
-                <a:cs typeface="Courier" charset="0"/>
-              </a:rPr>
-              <a:t>entry&gt; </a:t>
-            </a:r>
-          </a:p>
-          <a:p>
             <a:pPr lvl="1">
               <a:defRPr/>
             </a:pPr>
+            <a:endParaRPr lang="en-US" altLang="ja-JP" sz="1400" dirty="0"/>
+          </a:p>
+          <a:p>
+            <a:pPr lvl="1">
+              <a:defRPr/>
+            </a:pPr>
+            <a:r>
+              <a:rPr lang="en-US" altLang="ja-JP" sz="1400" dirty="0" smtClean="0"/>
+              <a:t>which </a:t>
+            </a:r>
+            <a:r>
+              <a:rPr lang="en-US" altLang="ja-JP" sz="1400" dirty="0"/>
+              <a:t>means Q</a:t>
+            </a:r>
+            <a:r>
+              <a:rPr lang="en-US" altLang="ja-JP" sz="1400" baseline="-25000" dirty="0"/>
+              <a:t>1</a:t>
+            </a:r>
+            <a:r>
+              <a:rPr lang="en-US" altLang="ja-JP" sz="1400" dirty="0"/>
+              <a:t>,Q</a:t>
+            </a:r>
+            <a:r>
+              <a:rPr lang="en-US" altLang="ja-JP" sz="1400" baseline="-25000" dirty="0"/>
+              <a:t>2</a:t>
+            </a:r>
+            <a:r>
+              <a:rPr lang="en-US" altLang="ja-JP" sz="1400" dirty="0"/>
+              <a:t>,Q</a:t>
+            </a:r>
+            <a:r>
+              <a:rPr lang="en-US" altLang="ja-JP" sz="1400" baseline="-25000" dirty="0"/>
+              <a:t>3</a:t>
+            </a:r>
+            <a:r>
+              <a:rPr lang="en-US" altLang="ja-JP" sz="1400" dirty="0"/>
+              <a:t>, and Q</a:t>
+            </a:r>
+            <a:r>
+              <a:rPr lang="en-US" altLang="ja-JP" sz="1400" baseline="-25000" dirty="0"/>
+              <a:t>5</a:t>
+            </a:r>
+            <a:r>
+              <a:rPr lang="en-US" altLang="ja-JP" sz="1400" dirty="0"/>
+              <a:t> are active, and Q</a:t>
+            </a:r>
+            <a:r>
+              <a:rPr lang="en-US" altLang="ja-JP" sz="1400" baseline="-25000" dirty="0"/>
+              <a:t>4</a:t>
+            </a:r>
+            <a:r>
+              <a:rPr lang="en-US" altLang="ja-JP" sz="1400" dirty="0"/>
+              <a:t> isn’t. </a:t>
+            </a:r>
+          </a:p>
+          <a:p>
+            <a:pPr marL="285750" indent="-285750">
+              <a:buFont typeface="Arial" charset="0"/>
+              <a:buChar char="•"/>
+              <a:defRPr/>
+            </a:pPr>
             <a:endParaRPr lang="en-US" altLang="ja-JP" sz="1400" dirty="0" smtClean="0"/>
           </a:p>
           <a:p>
+            <a:pPr marL="285750" indent="-285750">
+              <a:buFont typeface="Arial" charset="0"/>
+              <a:buChar char="•"/>
+              <a:defRPr/>
+            </a:pPr>
+            <a:r>
+              <a:rPr lang="en-US" altLang="ja-JP" sz="1400" dirty="0" smtClean="0"/>
+              <a:t>dipole</a:t>
+            </a:r>
+            <a:r>
+              <a:rPr lang="en-US" altLang="ja-JP" sz="1400" dirty="0"/>
+              <a:t>: true/false</a:t>
+            </a:r>
+          </a:p>
+          <a:p>
             <a:pPr lvl="1">
               <a:defRPr/>
             </a:pPr>
             <a:r>
               <a:rPr lang="en-US" altLang="ja-JP" sz="1400" dirty="0"/>
-              <a:t>When the first value is specified as “generic”, </a:t>
-            </a:r>
-            <a:r>
-              <a:rPr lang="en-US" altLang="ja-JP" sz="1400" dirty="0" err="1"/>
-              <a:t>MakePES</a:t>
-            </a:r>
-            <a:r>
-              <a:rPr lang="en-US" altLang="ja-JP" sz="1400" dirty="0"/>
-              <a:t> creates a file (ending with </a:t>
-            </a:r>
-            <a:r>
-              <a:rPr lang="en-US" altLang="ja-JP" sz="1400" dirty="0" smtClean="0"/>
-              <a:t>.xyz</a:t>
-            </a:r>
-            <a:r>
-              <a:rPr lang="en-US" altLang="ja-JP" sz="1400" dirty="0"/>
-              <a:t>), which contains the xyz coordinates of all grid points. This option is intended for users who want to create input files in their own way for the electronic structure calculation. In this case, the work flow is the following, </a:t>
-            </a:r>
-          </a:p>
-          <a:p>
-            <a:pPr lvl="1">
-              <a:defRPr/>
-            </a:pPr>
-            <a:endParaRPr lang="en-US" altLang="ja-JP" sz="1400" dirty="0" smtClean="0"/>
-          </a:p>
-          <a:p>
-            <a:pPr marL="800100" lvl="1" indent="-342900">
-              <a:buFont typeface="+mj-lt"/>
-              <a:buAutoNum type="arabicPeriod"/>
-              <a:defRPr/>
-            </a:pPr>
-            <a:r>
-              <a:rPr lang="en-US" altLang="ja-JP" sz="1400" dirty="0" smtClean="0"/>
-              <a:t>Execute </a:t>
-            </a:r>
-            <a:r>
-              <a:rPr lang="en-US" altLang="ja-JP" sz="1400" dirty="0" err="1"/>
-              <a:t>RunMakePES</a:t>
-            </a:r>
-            <a:r>
-              <a:rPr lang="en-US" altLang="ja-JP" sz="1400" dirty="0"/>
-              <a:t> with </a:t>
-            </a:r>
-            <a:r>
-              <a:rPr lang="en-US" altLang="ja-JP" sz="1400" dirty="0" err="1" smtClean="0"/>
-              <a:t>qchem</a:t>
-            </a:r>
-            <a:r>
-              <a:rPr lang="en-US" altLang="ja-JP" sz="1400" dirty="0" smtClean="0"/>
-              <a:t> </a:t>
-            </a:r>
-            <a:r>
-              <a:rPr lang="en-US" altLang="ja-JP" sz="1400" dirty="0"/>
-              <a:t>= generic to create a </a:t>
-            </a:r>
-            <a:r>
-              <a:rPr lang="en-US" altLang="ja-JP" sz="1400" dirty="0" smtClean="0"/>
-              <a:t>xyz </a:t>
-            </a:r>
-            <a:r>
-              <a:rPr lang="en-US" altLang="ja-JP" sz="1400" dirty="0"/>
-              <a:t>file. </a:t>
-            </a:r>
-            <a:r>
-              <a:rPr lang="en-US" altLang="ja-JP" sz="1400" dirty="0" smtClean="0"/>
-              <a:t> </a:t>
-            </a:r>
-          </a:p>
-          <a:p>
-            <a:pPr marL="800100" lvl="1" indent="-342900">
-              <a:buFont typeface="+mj-lt"/>
-              <a:buAutoNum type="arabicPeriod"/>
-              <a:defRPr/>
-            </a:pPr>
-            <a:r>
-              <a:rPr lang="en-US" altLang="ja-JP" sz="1400" dirty="0" smtClean="0"/>
-              <a:t>Get </a:t>
-            </a:r>
-            <a:r>
-              <a:rPr lang="en-US" altLang="ja-JP" sz="1400" dirty="0"/>
-              <a:t>the grid ID and xyz coordinates from the </a:t>
-            </a:r>
-            <a:r>
-              <a:rPr lang="en-US" altLang="ja-JP" sz="1400" dirty="0" smtClean="0"/>
-              <a:t>xyz </a:t>
-            </a:r>
-            <a:r>
-              <a:rPr lang="en-US" altLang="ja-JP" sz="1400" dirty="0"/>
-              <a:t>file, and create by yourself input files for the electronic structure program. </a:t>
-            </a:r>
-          </a:p>
-          <a:p>
-            <a:pPr marL="800100" lvl="1" indent="-342900">
-              <a:buFont typeface="+mj-lt"/>
-              <a:buAutoNum type="arabicPeriod"/>
-              <a:defRPr/>
-            </a:pPr>
-            <a:r>
-              <a:rPr lang="en-US" altLang="ja-JP" sz="1400" dirty="0" smtClean="0"/>
-              <a:t>Run </a:t>
-            </a:r>
-            <a:r>
-              <a:rPr lang="en-US" altLang="ja-JP" sz="1400" dirty="0"/>
-              <a:t>the electronic structure calculations. </a:t>
-            </a:r>
-            <a:endParaRPr lang="en-US" altLang="ja-JP" sz="1400" dirty="0" smtClean="0"/>
-          </a:p>
-          <a:p>
-            <a:pPr marL="800100" lvl="1" indent="-342900">
-              <a:buFont typeface="+mj-lt"/>
-              <a:buAutoNum type="arabicPeriod"/>
-              <a:defRPr/>
-            </a:pPr>
-            <a:r>
-              <a:rPr lang="en-US" altLang="ja-JP" sz="1400" dirty="0" smtClean="0"/>
-              <a:t>Convert </a:t>
-            </a:r>
-            <a:r>
-              <a:rPr lang="en-US" altLang="ja-JP" sz="1400" dirty="0"/>
-              <a:t>by yourself the output information to a </a:t>
-            </a:r>
-            <a:r>
-              <a:rPr lang="en-US" altLang="ja-JP" sz="1400" dirty="0" err="1"/>
-              <a:t>minfo</a:t>
-            </a:r>
-            <a:r>
-              <a:rPr lang="en-US" altLang="ja-JP" sz="1400" dirty="0"/>
-              <a:t> format, and save as (grid ID).</a:t>
-            </a:r>
-            <a:r>
-              <a:rPr lang="en-US" altLang="ja-JP" sz="1400" dirty="0" err="1"/>
-              <a:t>minfo</a:t>
-            </a:r>
-            <a:r>
-              <a:rPr lang="en-US" altLang="ja-JP" sz="1400" dirty="0"/>
-              <a:t>. Note that only the [ Electronic Data ] section is needed. </a:t>
-            </a:r>
-            <a:endParaRPr lang="en-US" altLang="ja-JP" sz="1400" dirty="0" smtClean="0"/>
-          </a:p>
-          <a:p>
-            <a:pPr marL="800100" lvl="1" indent="-342900">
-              <a:buFont typeface="+mj-lt"/>
-              <a:buAutoNum type="arabicPeriod"/>
-              <a:defRPr/>
-            </a:pPr>
-            <a:r>
-              <a:rPr lang="en-US" altLang="ja-JP" sz="1400" dirty="0" smtClean="0"/>
-              <a:t>Place </a:t>
-            </a:r>
-            <a:r>
-              <a:rPr lang="en-US" altLang="ja-JP" sz="1400" dirty="0"/>
-              <a:t>the </a:t>
-            </a:r>
-            <a:r>
-              <a:rPr lang="en-US" altLang="ja-JP" sz="1400" dirty="0" err="1"/>
-              <a:t>minfo</a:t>
-            </a:r>
-            <a:r>
-              <a:rPr lang="en-US" altLang="ja-JP" sz="1400" dirty="0"/>
-              <a:t> files to </a:t>
-            </a:r>
-            <a:r>
-              <a:rPr lang="en-US" altLang="ja-JP" sz="1400" dirty="0" err="1"/>
-              <a:t>minfo.files</a:t>
-            </a:r>
-            <a:r>
-              <a:rPr lang="en-US" altLang="ja-JP" sz="1400" dirty="0"/>
-              <a:t> folder. </a:t>
-            </a:r>
-            <a:endParaRPr lang="en-US" altLang="ja-JP" sz="1400" dirty="0" smtClean="0"/>
-          </a:p>
-          <a:p>
-            <a:pPr marL="800100" lvl="1" indent="-342900">
-              <a:buFont typeface="+mj-lt"/>
-              <a:buAutoNum type="arabicPeriod"/>
-              <a:defRPr/>
-            </a:pPr>
-            <a:r>
-              <a:rPr lang="en-US" altLang="ja-JP" sz="1400" dirty="0" smtClean="0"/>
-              <a:t>Re-run </a:t>
-            </a:r>
-            <a:r>
-              <a:rPr lang="en-US" altLang="ja-JP" sz="1400" dirty="0" err="1" smtClean="0"/>
-              <a:t>RunMakePES</a:t>
-            </a:r>
-            <a:r>
-              <a:rPr lang="en-US" altLang="ja-JP" sz="1400" dirty="0" smtClean="0"/>
-              <a:t>. </a:t>
-            </a:r>
-            <a:endParaRPr lang="en-US" altLang="ja-JP" sz="1400" dirty="0"/>
-          </a:p>
-          <a:p>
-            <a:pPr lvl="1">
-              <a:defRPr/>
-            </a:pPr>
-            <a:endParaRPr lang="en-US" altLang="ja-JP" sz="1400" dirty="0" smtClean="0"/>
-          </a:p>
-          <a:p>
-            <a:pPr lvl="1">
-              <a:defRPr/>
-            </a:pPr>
-            <a:r>
-              <a:rPr lang="en-US" altLang="ja-JP" sz="1400" dirty="0" smtClean="0"/>
-              <a:t>Then</a:t>
-            </a:r>
-            <a:r>
-              <a:rPr lang="en-US" altLang="ja-JP" sz="1400" dirty="0"/>
-              <a:t>, one should obtain the mop file </a:t>
-            </a:r>
-            <a:r>
-              <a:rPr lang="en-US" altLang="ja-JP" sz="1400" dirty="0" smtClean="0"/>
-              <a:t>and</a:t>
-            </a:r>
-            <a:r>
-              <a:rPr lang="en-US" altLang="ja-JP" sz="1400" dirty="0" smtClean="0"/>
-              <a:t> </a:t>
-            </a:r>
-            <a:r>
-              <a:rPr lang="en-US" altLang="ja-JP" sz="1400" dirty="0"/>
-              <a:t>pot files for QFF and Grid, respectively. </a:t>
-            </a:r>
-          </a:p>
-          <a:p>
-            <a:pPr lvl="1">
-              <a:defRPr/>
-            </a:pPr>
-            <a:endParaRPr lang="en-US" altLang="ja-JP" sz="1400" dirty="0" smtClean="0"/>
-          </a:p>
-        </p:txBody>
-      </p:sp>
-      <p:sp>
-        <p:nvSpPr>
-          <p:cNvPr id="4" name="スライド番号プレースホルダー 3"/>
+              <a:t>Generates the dipole moment surface in addition to the PES, when true. (default = false)  </a:t>
+            </a:r>
+          </a:p>
+        </p:txBody>
+      </p:sp>
+      <p:sp>
+        <p:nvSpPr>
+          <p:cNvPr id="2" name="スライド番号プレースホルダー 1"/>
           <p:cNvSpPr>
             <a:spLocks noGrp="1"/>
           </p:cNvSpPr>
@@ -5523,7 +6087,7 @@
     </p:spTree>
     <p:extLst>
       <p:ext uri="{BB962C8B-B14F-4D97-AF65-F5344CB8AC3E}">
-        <p14:creationId xmlns:p14="http://schemas.microsoft.com/office/powerpoint/2010/main" val="1860810041"/>
+        <p14:creationId xmlns:p14="http://schemas.microsoft.com/office/powerpoint/2010/main" val="1274043496"/>
       </p:ext>
     </p:extLst>
   </p:cSld>
@@ -5550,8 +6114,1298 @@
           <a:chExt cx="0" cy="0"/>
         </a:xfrm>
       </p:grpSpPr>
-      <mc:AlternateContent xmlns:mc="http://schemas.openxmlformats.org/markup-compatibility/2006">
-        <mc:Choice xmlns:a14="http://schemas.microsoft.com/office/drawing/2010/main" Requires="a14">
+      <p:sp>
+        <p:nvSpPr>
+          <p:cNvPr id="2" name="スライド番号プレースホルダー 1"/>
+          <p:cNvSpPr>
+            <a:spLocks noGrp="1"/>
+          </p:cNvSpPr>
+          <p:nvPr>
+            <p:ph type="sldNum" sz="quarter" idx="12"/>
+          </p:nvPr>
+        </p:nvSpPr>
+        <p:spPr/>
+        <p:txBody>
+          <a:bodyPr/>
+          <a:lstStyle/>
+          <a:p>
+            <a:fld id="{7D34BB6B-1E1A-9541-9560-488905BF54FF}" type="slidenum">
+              <a:rPr kumimoji="1" lang="ja-JP" altLang="en-US" smtClean="0"/>
+              <a:t>5</a:t>
+            </a:fld>
+            <a:endParaRPr kumimoji="1" lang="ja-JP" altLang="en-US"/>
+          </a:p>
+        </p:txBody>
+      </p:sp>
+      <p:sp>
+        <p:nvSpPr>
+          <p:cNvPr id="3" name="テキスト ボックス 2"/>
+          <p:cNvSpPr txBox="1"/>
+          <p:nvPr/>
+        </p:nvSpPr>
+        <p:spPr>
+          <a:xfrm>
+            <a:off x="914401" y="137872"/>
+            <a:ext cx="7827665" cy="3323987"/>
+          </a:xfrm>
+          <a:prstGeom prst="rect">
+            <a:avLst/>
+          </a:prstGeom>
+          <a:noFill/>
+        </p:spPr>
+        <p:txBody>
+          <a:bodyPr wrap="square">
+            <a:spAutoFit/>
+          </a:bodyPr>
+          <a:lstStyle/>
+          <a:p>
+            <a:pPr marL="285750" indent="-285750">
+              <a:buFont typeface="Arial" charset="0"/>
+              <a:buChar char="•"/>
+              <a:defRPr/>
+            </a:pPr>
+            <a:r>
+              <a:rPr lang="en-US" altLang="ja-JP" sz="1400" dirty="0" err="1" smtClean="0"/>
+              <a:t>interdomain</a:t>
+            </a:r>
+            <a:r>
+              <a:rPr lang="en-US" altLang="ja-JP" sz="1400" dirty="0" smtClean="0"/>
+              <a:t>: none/harmonic/all</a:t>
+            </a:r>
+            <a:endParaRPr lang="en-US" altLang="ja-JP" sz="1400" dirty="0"/>
+          </a:p>
+          <a:p>
+            <a:pPr lvl="1">
+              <a:defRPr/>
+            </a:pPr>
+            <a:r>
+              <a:rPr lang="en-US" altLang="ja-JP" sz="1400" dirty="0" smtClean="0"/>
+              <a:t>controls the way inter-domain coupling is treated.</a:t>
+            </a:r>
+          </a:p>
+          <a:p>
+            <a:pPr lvl="1">
+              <a:defRPr/>
+            </a:pPr>
+            <a:endParaRPr lang="en-US" altLang="ja-JP" sz="1400" dirty="0"/>
+          </a:p>
+          <a:p>
+            <a:pPr lvl="1">
+              <a:defRPr/>
+            </a:pPr>
+            <a:r>
+              <a:rPr lang="en-US" altLang="ja-JP" sz="1400" dirty="0" smtClean="0"/>
+              <a:t>= none:  no coupling is included.</a:t>
+            </a:r>
+            <a:endParaRPr lang="en-US" altLang="ja-JP" sz="1400" dirty="0"/>
+          </a:p>
+          <a:p>
+            <a:pPr lvl="1">
+              <a:defRPr/>
+            </a:pPr>
+            <a:r>
+              <a:rPr lang="en-US" altLang="ja-JP" sz="1400" dirty="0" smtClean="0"/>
+              <a:t>= harmonic (default): harmonic coupling is included in QFF / no </a:t>
+            </a:r>
+            <a:r>
+              <a:rPr lang="en-US" altLang="ja-JP" sz="1400" dirty="0" err="1" smtClean="0"/>
+              <a:t>couping</a:t>
+            </a:r>
+            <a:r>
+              <a:rPr lang="en-US" altLang="ja-JP" sz="1400" dirty="0" smtClean="0"/>
+              <a:t> in grid PES.</a:t>
+            </a:r>
+          </a:p>
+          <a:p>
+            <a:pPr lvl="1">
+              <a:defRPr/>
+            </a:pPr>
+            <a:r>
+              <a:rPr lang="en-US" altLang="ja-JP" sz="1400" dirty="0" smtClean="0"/>
+              <a:t>= all: all couplings are included</a:t>
+            </a:r>
+            <a:endParaRPr lang="en-US" altLang="ja-JP" sz="1400" dirty="0"/>
+          </a:p>
+          <a:p>
+            <a:pPr lvl="1">
+              <a:defRPr/>
+            </a:pPr>
+            <a:endParaRPr lang="en-US" altLang="ja-JP" sz="1400" dirty="0" smtClean="0"/>
+          </a:p>
+          <a:p>
+            <a:pPr lvl="1">
+              <a:defRPr/>
+            </a:pPr>
+            <a:r>
+              <a:rPr lang="en-US" altLang="ja-JP" sz="1400" dirty="0" smtClean="0"/>
+              <a:t>QFF</a:t>
+            </a:r>
+            <a:r>
+              <a:rPr lang="ja-JP" altLang="en-US" sz="1400" dirty="0" smtClean="0"/>
+              <a:t>計算では、実行された量子化学計算の情報から、</a:t>
+            </a:r>
+            <a:r>
+              <a:rPr lang="en-US" altLang="ja-JP" sz="1400" dirty="0" smtClean="0"/>
+              <a:t>Gradient</a:t>
+            </a:r>
+            <a:r>
+              <a:rPr lang="ja-JP" altLang="en-US" sz="1400" dirty="0"/>
+              <a:t>で数値微分の</a:t>
+            </a:r>
+            <a:r>
+              <a:rPr lang="ja-JP" altLang="en-US" sz="1400" dirty="0" smtClean="0"/>
+              <a:t>場合は</a:t>
+            </a:r>
+            <a:r>
+              <a:rPr lang="en-US" altLang="ja-JP" sz="1400" dirty="0" err="1" smtClean="0"/>
+              <a:t>tiij</a:t>
+            </a:r>
+            <a:r>
+              <a:rPr lang="en-US" altLang="ja-JP" sz="1400" dirty="0" smtClean="0"/>
+              <a:t>, </a:t>
+            </a:r>
+            <a:r>
+              <a:rPr lang="en-US" altLang="ja-JP" sz="1400" dirty="0" err="1" smtClean="0"/>
+              <a:t>uiiij</a:t>
+            </a:r>
+            <a:r>
+              <a:rPr lang="ja-JP" altLang="en-US" sz="1400" dirty="0" smtClean="0"/>
+              <a:t>、</a:t>
+            </a:r>
+            <a:r>
+              <a:rPr lang="en-US" altLang="ja-JP" sz="1400" dirty="0" smtClean="0"/>
+              <a:t>Hessian</a:t>
+            </a:r>
+            <a:r>
+              <a:rPr lang="ja-JP" altLang="en-US" sz="1400" dirty="0" smtClean="0"/>
+              <a:t>で数値微分の場合は</a:t>
+            </a:r>
+            <a:r>
+              <a:rPr lang="en-US" altLang="ja-JP" sz="1400" dirty="0" smtClean="0"/>
+              <a:t>3MR</a:t>
+            </a:r>
+            <a:r>
+              <a:rPr lang="ja-JP" altLang="en-US" sz="1400" dirty="0" smtClean="0"/>
+              <a:t>までドメイン間カップリングが計算可能だが、</a:t>
+            </a:r>
+            <a:r>
+              <a:rPr lang="en-US" altLang="ja-JP" sz="1400" dirty="0" err="1" smtClean="0"/>
+              <a:t>interdomain</a:t>
+            </a:r>
+            <a:r>
+              <a:rPr lang="en-US" altLang="ja-JP" sz="1400" dirty="0" smtClean="0"/>
+              <a:t> = none/harmonic</a:t>
+            </a:r>
+            <a:r>
+              <a:rPr lang="ja-JP" altLang="en-US" sz="1400" dirty="0" smtClean="0"/>
+              <a:t>ではこれらは出力されない。出力したい場合は、</a:t>
+            </a:r>
+            <a:r>
+              <a:rPr lang="en-US" altLang="ja-JP" sz="1400" dirty="0" err="1" smtClean="0"/>
+              <a:t>interdomain</a:t>
+            </a:r>
+            <a:r>
+              <a:rPr lang="en-US" altLang="ja-JP" sz="1400" dirty="0" smtClean="0"/>
+              <a:t>=all</a:t>
+            </a:r>
+            <a:r>
+              <a:rPr lang="ja-JP" altLang="en-US" sz="1400" dirty="0" smtClean="0"/>
+              <a:t>で再計算する。</a:t>
+            </a:r>
+            <a:endParaRPr lang="en-US" altLang="ja-JP" sz="1400" dirty="0" smtClean="0"/>
+          </a:p>
+          <a:p>
+            <a:pPr lvl="1">
+              <a:defRPr/>
+            </a:pPr>
+            <a:endParaRPr lang="en-US" altLang="ja-JP" sz="1400" dirty="0"/>
+          </a:p>
+          <a:p>
+            <a:pPr lvl="1">
+              <a:defRPr/>
+            </a:pPr>
+            <a:r>
+              <a:rPr lang="en-US" altLang="ja-JP" sz="1400" dirty="0" smtClean="0"/>
+              <a:t>Hessian</a:t>
+            </a:r>
+            <a:r>
+              <a:rPr lang="ja-JP" altLang="en-US" sz="1400" dirty="0" smtClean="0"/>
+              <a:t>の場合、</a:t>
+            </a:r>
+            <a:r>
+              <a:rPr lang="en-US" altLang="ja-JP" sz="1400" dirty="0" err="1" smtClean="0"/>
+              <a:t>minfo.files</a:t>
+            </a:r>
+            <a:r>
+              <a:rPr lang="ja-JP" altLang="en-US" sz="1400" dirty="0" smtClean="0"/>
+              <a:t>からデータを読み込めば、追加の量子化学計算なく</a:t>
+            </a:r>
+            <a:r>
+              <a:rPr lang="en-US" altLang="ja-JP" sz="1400" dirty="0" smtClean="0"/>
+              <a:t>3MR</a:t>
+            </a:r>
+            <a:r>
+              <a:rPr lang="ja-JP" altLang="en-US" sz="1400" dirty="0" smtClean="0"/>
+              <a:t>まで計算できため、実は計算負荷の軽減にはならない。</a:t>
+            </a:r>
+            <a:r>
+              <a:rPr lang="en-US" altLang="ja-JP" sz="1400" dirty="0" smtClean="0"/>
+              <a:t>4MR</a:t>
+            </a:r>
+            <a:r>
+              <a:rPr lang="ja-JP" altLang="en-US" sz="1400" dirty="0"/>
+              <a:t>は追加計算が</a:t>
+            </a:r>
+            <a:r>
+              <a:rPr lang="ja-JP" altLang="en-US" sz="1400" dirty="0" smtClean="0"/>
+              <a:t>必要となる。</a:t>
+            </a:r>
+            <a:endParaRPr lang="en-US" altLang="ja-JP" sz="1400" dirty="0" smtClean="0"/>
+          </a:p>
+          <a:p>
+            <a:pPr lvl="1">
+              <a:defRPr/>
+            </a:pPr>
+            <a:endParaRPr lang="en-US" altLang="ja-JP" sz="1400" dirty="0" smtClean="0"/>
+          </a:p>
+        </p:txBody>
+      </p:sp>
+    </p:spTree>
+    <p:extLst>
+      <p:ext uri="{BB962C8B-B14F-4D97-AF65-F5344CB8AC3E}">
+        <p14:creationId xmlns:p14="http://schemas.microsoft.com/office/powerpoint/2010/main" val="962116655"/>
+      </p:ext>
+    </p:extLst>
+  </p:cSld>
+  <p:clrMapOvr>
+    <a:masterClrMapping/>
+  </p:clrMapOvr>
+</p:sld>
+</file>
+
+<file path=ppt/slides/slide7.xml><?xml version="1.0" encoding="utf-8"?>
+<p:sld xmlns:a="http://schemas.openxmlformats.org/drawingml/2006/main" xmlns:r="http://schemas.openxmlformats.org/officeDocument/2006/relationships" xmlns:p="http://schemas.openxmlformats.org/presentationml/2006/main">
+  <p:cSld>
+    <p:spTree>
+      <p:nvGrpSpPr>
+        <p:cNvPr id="1" name=""/>
+        <p:cNvGrpSpPr/>
+        <p:nvPr/>
+      </p:nvGrpSpPr>
+      <p:grpSpPr>
+        <a:xfrm>
+          <a:off x="0" y="0"/>
+          <a:ext cx="0" cy="0"/>
+          <a:chOff x="0" y="0"/>
+          <a:chExt cx="0" cy="0"/>
+        </a:xfrm>
+      </p:grpSpPr>
+      <p:sp>
+        <p:nvSpPr>
+          <p:cNvPr id="4" name="テキスト ボックス 3"/>
+          <p:cNvSpPr txBox="1"/>
+          <p:nvPr/>
+        </p:nvSpPr>
+        <p:spPr>
+          <a:xfrm>
+            <a:off x="914401" y="137872"/>
+            <a:ext cx="7827665" cy="6001643"/>
+          </a:xfrm>
+          <a:prstGeom prst="rect">
+            <a:avLst/>
+          </a:prstGeom>
+          <a:noFill/>
+        </p:spPr>
+        <p:txBody>
+          <a:bodyPr wrap="square">
+            <a:spAutoFit/>
+          </a:bodyPr>
+          <a:lstStyle/>
+          <a:p>
+            <a:pPr marL="285750" indent="-285750">
+              <a:buFont typeface="Arial" charset="0"/>
+              <a:buChar char="•"/>
+              <a:defRPr/>
+            </a:pPr>
+            <a:r>
+              <a:rPr lang="en-US" altLang="ja-JP" sz="1400" dirty="0" err="1" smtClean="0"/>
+              <a:t>removefiles</a:t>
+            </a:r>
+            <a:r>
+              <a:rPr lang="en-US" altLang="ja-JP" sz="1400" dirty="0"/>
+              <a:t>: true/false</a:t>
+            </a:r>
+          </a:p>
+          <a:p>
+            <a:pPr lvl="1">
+              <a:defRPr/>
+            </a:pPr>
+            <a:r>
+              <a:rPr lang="en-US" altLang="ja-JP" sz="1400" dirty="0"/>
+              <a:t>Removes the input/output files of the quantum chemistry program, when true. (default = false</a:t>
+            </a:r>
+            <a:r>
+              <a:rPr lang="en-US" altLang="ja-JP" sz="1400" dirty="0" smtClean="0"/>
+              <a:t>)</a:t>
+            </a:r>
+          </a:p>
+          <a:p>
+            <a:pPr lvl="2">
+              <a:defRPr/>
+            </a:pPr>
+            <a:endParaRPr lang="en-US" altLang="ja-JP" sz="1400" dirty="0"/>
+          </a:p>
+          <a:p>
+            <a:pPr marL="285750" indent="-285750">
+              <a:buFont typeface="Arial" charset="0"/>
+              <a:buChar char="•"/>
+              <a:defRPr/>
+            </a:pPr>
+            <a:r>
+              <a:rPr lang="en-US" altLang="ja-JP" sz="1400" dirty="0" err="1" smtClean="0"/>
+              <a:t>dryrun</a:t>
+            </a:r>
+            <a:r>
+              <a:rPr lang="en-US" altLang="ja-JP" sz="1400" dirty="0" smtClean="0"/>
+              <a:t>: true/false</a:t>
+            </a:r>
+            <a:endParaRPr lang="en-US" altLang="ja-JP" sz="1400" dirty="0"/>
+          </a:p>
+          <a:p>
+            <a:pPr lvl="1">
+              <a:defRPr/>
+            </a:pPr>
+            <a:r>
+              <a:rPr lang="en-US" altLang="ja-JP" sz="1400" dirty="0"/>
+              <a:t>Generates the input files for the quantum chemistry program and exit without </a:t>
+            </a:r>
+            <a:r>
+              <a:rPr lang="en-US" altLang="ja-JP" sz="1400" dirty="0" smtClean="0"/>
+              <a:t>execution. </a:t>
+            </a:r>
+            <a:r>
+              <a:rPr lang="en-US" altLang="ja-JP" sz="1400" dirty="0"/>
+              <a:t>(default = false</a:t>
+            </a:r>
+            <a:r>
+              <a:rPr lang="en-US" altLang="ja-JP" sz="1400" dirty="0" smtClean="0"/>
+              <a:t>) </a:t>
+            </a:r>
+          </a:p>
+          <a:p>
+            <a:pPr lvl="1">
+              <a:defRPr/>
+            </a:pPr>
+            <a:endParaRPr lang="en-US" altLang="ja-JP" sz="1400" dirty="0" smtClean="0"/>
+          </a:p>
+          <a:p>
+            <a:pPr marL="285750" indent="-285750">
+              <a:buFont typeface="Arial" charset="0"/>
+              <a:buChar char="•"/>
+              <a:defRPr/>
+            </a:pPr>
+            <a:r>
+              <a:rPr lang="en-US" altLang="ja-JP" sz="1400" dirty="0" err="1"/>
+              <a:t>xyzfile</a:t>
+            </a:r>
+            <a:r>
+              <a:rPr lang="en-US" altLang="ja-JP" sz="1400" dirty="0"/>
+              <a:t>: filename</a:t>
+            </a:r>
+          </a:p>
+          <a:p>
+            <a:pPr lvl="1">
+              <a:defRPr/>
+            </a:pPr>
+            <a:r>
+              <a:rPr lang="en-US" altLang="ja-JP" sz="1400" dirty="0"/>
+              <a:t>Name of a xyz file, where the coordinates are written. (default = </a:t>
+            </a:r>
+            <a:r>
+              <a:rPr lang="en-US" altLang="ja-JP" sz="1400" dirty="0" err="1"/>
+              <a:t>m</a:t>
+            </a:r>
+            <a:r>
+              <a:rPr lang="en-US" altLang="ja-JP" sz="1400" dirty="0" err="1" smtClean="0"/>
+              <a:t>akeQFF</a:t>
+            </a:r>
+            <a:r>
+              <a:rPr lang="en-US" altLang="ja-JP" sz="1400" dirty="0" smtClean="0"/>
+              <a:t> for QFF and </a:t>
+            </a:r>
+            <a:r>
+              <a:rPr lang="en-US" altLang="ja-JP" sz="1400" dirty="0" err="1" smtClean="0"/>
+              <a:t>makeGrid</a:t>
+            </a:r>
+            <a:r>
+              <a:rPr lang="en-US" altLang="ja-JP" sz="1400" dirty="0" smtClean="0"/>
+              <a:t> for GRID)</a:t>
+            </a:r>
+            <a:endParaRPr lang="en-US" altLang="ja-JP" dirty="0"/>
+          </a:p>
+          <a:p>
+            <a:pPr lvl="2">
+              <a:defRPr/>
+            </a:pPr>
+            <a:endParaRPr lang="en-US" altLang="ja-JP" sz="1400" dirty="0"/>
+          </a:p>
+          <a:p>
+            <a:pPr marL="285750" indent="-285750">
+              <a:buFont typeface="Arial" charset="0"/>
+              <a:buChar char="•"/>
+              <a:defRPr/>
+            </a:pPr>
+            <a:r>
+              <a:rPr lang="en-US" altLang="ja-JP" sz="1400" dirty="0" err="1" smtClean="0"/>
+              <a:t>qchem</a:t>
+            </a:r>
+            <a:r>
+              <a:rPr lang="en-US" altLang="ja-JP" sz="1400" dirty="0" smtClean="0"/>
+              <a:t>:  command lines (see below)</a:t>
+            </a:r>
+            <a:endParaRPr lang="en-US" altLang="ja-JP" sz="1400" dirty="0"/>
+          </a:p>
+          <a:p>
+            <a:pPr lvl="1">
+              <a:defRPr/>
+            </a:pPr>
+            <a:r>
+              <a:rPr lang="en-US" altLang="ja-JP" sz="1400" dirty="0"/>
+              <a:t>In each line after the entry tag of this key follows the type of the quantum chemistry program, a template file to generate input files for the program, and a label. The three components may be separated by space or </a:t>
+            </a:r>
+            <a:r>
+              <a:rPr lang="en-US" altLang="ja-JP" sz="1400" dirty="0" err="1"/>
+              <a:t>camma</a:t>
+            </a:r>
+            <a:r>
+              <a:rPr lang="en-US" altLang="ja-JP" sz="1400" dirty="0"/>
+              <a:t>. For example, the input looks like, </a:t>
+            </a:r>
+          </a:p>
+          <a:p>
+            <a:pPr lvl="2">
+              <a:defRPr/>
+            </a:pPr>
+            <a:endParaRPr lang="en-US" altLang="ja-JP" sz="1200" dirty="0" smtClean="0">
+              <a:latin typeface="Courier" charset="0"/>
+              <a:ea typeface="Courier" charset="0"/>
+              <a:cs typeface="Courier" charset="0"/>
+            </a:endParaRPr>
+          </a:p>
+          <a:p>
+            <a:pPr lvl="2">
+              <a:defRPr/>
+            </a:pPr>
+            <a:r>
+              <a:rPr lang="en-US" altLang="ja-JP" sz="1200" dirty="0" smtClean="0">
+                <a:latin typeface="Courier" charset="0"/>
+                <a:ea typeface="Courier" charset="0"/>
+                <a:cs typeface="Courier" charset="0"/>
+              </a:rPr>
+              <a:t>&lt;</a:t>
+            </a:r>
+            <a:r>
+              <a:rPr lang="en-US" altLang="ja-JP" sz="1200" dirty="0">
+                <a:latin typeface="Courier" charset="0"/>
+                <a:ea typeface="Courier" charset="0"/>
+                <a:cs typeface="Courier" charset="0"/>
+              </a:rPr>
+              <a:t>entry key="</a:t>
+            </a:r>
+            <a:r>
+              <a:rPr lang="en-US" altLang="ja-JP" sz="1200" dirty="0" err="1">
+                <a:latin typeface="Courier" charset="0"/>
+                <a:ea typeface="Courier" charset="0"/>
+                <a:cs typeface="Courier" charset="0"/>
+              </a:rPr>
+              <a:t>qchem</a:t>
+            </a:r>
+            <a:r>
+              <a:rPr lang="en-US" altLang="ja-JP" sz="1200" dirty="0">
+                <a:latin typeface="Courier" charset="0"/>
+                <a:ea typeface="Courier" charset="0"/>
+                <a:cs typeface="Courier" charset="0"/>
+              </a:rPr>
+              <a:t>"&gt; </a:t>
+            </a:r>
+            <a:endParaRPr lang="en-US" altLang="ja-JP" sz="1200" dirty="0" smtClean="0">
+              <a:latin typeface="Courier" charset="0"/>
+              <a:ea typeface="Courier" charset="0"/>
+              <a:cs typeface="Courier" charset="0"/>
+            </a:endParaRPr>
+          </a:p>
+          <a:p>
+            <a:pPr lvl="2">
+              <a:defRPr/>
+            </a:pPr>
+            <a:r>
+              <a:rPr lang="en-US" altLang="ja-JP" sz="1200" dirty="0" smtClean="0">
+                <a:latin typeface="Courier" charset="0"/>
+                <a:ea typeface="Courier" charset="0"/>
+                <a:cs typeface="Courier" charset="0"/>
+              </a:rPr>
+              <a:t>Gaussian </a:t>
+            </a:r>
+            <a:r>
+              <a:rPr lang="en-US" altLang="ja-JP" sz="1200" dirty="0" err="1">
+                <a:latin typeface="Courier" charset="0"/>
+                <a:ea typeface="Courier" charset="0"/>
+                <a:cs typeface="Courier" charset="0"/>
+              </a:rPr>
+              <a:t>GaussianInput.xml</a:t>
+            </a:r>
+            <a:r>
+              <a:rPr lang="en-US" altLang="ja-JP" sz="1200" dirty="0">
+                <a:latin typeface="Courier" charset="0"/>
+                <a:ea typeface="Courier" charset="0"/>
+                <a:cs typeface="Courier" charset="0"/>
+              </a:rPr>
+              <a:t> MP2/</a:t>
+            </a:r>
+            <a:r>
+              <a:rPr lang="en-US" altLang="ja-JP" sz="1200" dirty="0" err="1">
+                <a:latin typeface="Courier" charset="0"/>
+                <a:ea typeface="Courier" charset="0"/>
+                <a:cs typeface="Courier" charset="0"/>
+              </a:rPr>
+              <a:t>aug</a:t>
+            </a:r>
+            <a:r>
+              <a:rPr lang="en-US" altLang="ja-JP" sz="1200" dirty="0">
+                <a:latin typeface="Courier" charset="0"/>
+                <a:ea typeface="Courier" charset="0"/>
+                <a:cs typeface="Courier" charset="0"/>
+              </a:rPr>
+              <a:t>-cc-</a:t>
+            </a:r>
+            <a:r>
+              <a:rPr lang="en-US" altLang="ja-JP" sz="1200" dirty="0" err="1">
+                <a:latin typeface="Courier" charset="0"/>
+                <a:ea typeface="Courier" charset="0"/>
+                <a:cs typeface="Courier" charset="0"/>
+              </a:rPr>
+              <a:t>pVTZ</a:t>
+            </a:r>
+            <a:r>
+              <a:rPr lang="en-US" altLang="ja-JP" sz="1200" dirty="0">
+                <a:latin typeface="Courier" charset="0"/>
+                <a:ea typeface="Courier" charset="0"/>
+                <a:cs typeface="Courier" charset="0"/>
+              </a:rPr>
+              <a:t> (11) </a:t>
+            </a:r>
+            <a:endParaRPr lang="en-US" altLang="ja-JP" sz="1200" dirty="0" smtClean="0">
+              <a:latin typeface="Courier" charset="0"/>
+              <a:ea typeface="Courier" charset="0"/>
+              <a:cs typeface="Courier" charset="0"/>
+            </a:endParaRPr>
+          </a:p>
+          <a:p>
+            <a:pPr lvl="2">
+              <a:defRPr/>
+            </a:pPr>
+            <a:r>
+              <a:rPr lang="en-US" altLang="ja-JP" sz="1200" dirty="0" smtClean="0">
+                <a:latin typeface="Courier" charset="0"/>
+                <a:ea typeface="Courier" charset="0"/>
+                <a:cs typeface="Courier" charset="0"/>
+              </a:rPr>
+              <a:t>&lt;/</a:t>
+            </a:r>
+            <a:r>
+              <a:rPr lang="en-US" altLang="ja-JP" sz="1200" dirty="0">
+                <a:latin typeface="Courier" charset="0"/>
+                <a:ea typeface="Courier" charset="0"/>
+                <a:cs typeface="Courier" charset="0"/>
+              </a:rPr>
+              <a:t>entry&gt; </a:t>
+            </a:r>
+          </a:p>
+          <a:p>
+            <a:pPr lvl="1">
+              <a:defRPr/>
+            </a:pPr>
+            <a:endParaRPr lang="en-US" altLang="ja-JP" sz="1400" dirty="0" smtClean="0"/>
+          </a:p>
+          <a:p>
+            <a:pPr lvl="1">
+              <a:defRPr/>
+            </a:pPr>
+            <a:r>
+              <a:rPr lang="en-US" altLang="ja-JP" sz="1400" dirty="0"/>
+              <a:t>The first value (Gaussian) specifies the quantum chemistry program, which may take one of the following: </a:t>
+            </a:r>
+          </a:p>
+          <a:p>
+            <a:pPr lvl="1">
+              <a:defRPr/>
+            </a:pPr>
+            <a:endParaRPr lang="en-US" altLang="ja-JP" sz="1400" dirty="0" smtClean="0"/>
+          </a:p>
+          <a:p>
+            <a:pPr lvl="2">
+              <a:defRPr/>
+            </a:pPr>
+            <a:r>
+              <a:rPr lang="en-US" altLang="ja-JP" sz="1400" dirty="0" smtClean="0"/>
+              <a:t>Gaussian </a:t>
+            </a:r>
+            <a:r>
+              <a:rPr lang="en-US" altLang="ja-JP" sz="1400" dirty="0"/>
+              <a:t>: </a:t>
+            </a:r>
+            <a:r>
+              <a:rPr lang="en-US" altLang="ja-JP" sz="1400" dirty="0" smtClean="0"/>
+              <a:t>Gaussian03/09/16</a:t>
+            </a:r>
+          </a:p>
+          <a:p>
+            <a:pPr lvl="2">
+              <a:defRPr/>
+            </a:pPr>
+            <a:r>
+              <a:rPr lang="en-US" altLang="ja-JP" sz="1400" dirty="0" smtClean="0"/>
+              <a:t>Generic </a:t>
+            </a:r>
+            <a:r>
+              <a:rPr lang="en-US" altLang="ja-JP" sz="1400" dirty="0"/>
+              <a:t>: Generic (see below) </a:t>
+            </a:r>
+          </a:p>
+          <a:p>
+            <a:pPr lvl="1">
+              <a:defRPr/>
+            </a:pPr>
+            <a:endParaRPr lang="en-US" altLang="ja-JP" sz="1400" dirty="0" smtClean="0"/>
+          </a:p>
+          <a:p>
+            <a:pPr lvl="1">
+              <a:defRPr/>
+            </a:pPr>
+            <a:r>
+              <a:rPr lang="en-US" altLang="ja-JP" sz="1400" dirty="0" smtClean="0"/>
+              <a:t>The </a:t>
+            </a:r>
+            <a:r>
+              <a:rPr lang="en-US" altLang="ja-JP" sz="1400" dirty="0"/>
+              <a:t>second value (</a:t>
+            </a:r>
+            <a:r>
+              <a:rPr lang="en-US" altLang="ja-JP" sz="1400" dirty="0" err="1"/>
+              <a:t>GaussianInput.xml</a:t>
+            </a:r>
+            <a:r>
+              <a:rPr lang="en-US" altLang="ja-JP" sz="1400" dirty="0"/>
+              <a:t>) is the name of the XML file, which contains the information to generate the input files for the program. This value is case sensitive. </a:t>
+            </a:r>
+            <a:endParaRPr lang="en-US" altLang="ja-JP" sz="1400" dirty="0" smtClean="0"/>
+          </a:p>
+        </p:txBody>
+      </p:sp>
+      <p:sp>
+        <p:nvSpPr>
+          <p:cNvPr id="2" name="スライド番号プレースホルダー 1"/>
+          <p:cNvSpPr>
+            <a:spLocks noGrp="1"/>
+          </p:cNvSpPr>
+          <p:nvPr>
+            <p:ph type="sldNum" sz="quarter" idx="12"/>
+          </p:nvPr>
+        </p:nvSpPr>
+        <p:spPr/>
+        <p:txBody>
+          <a:bodyPr/>
+          <a:lstStyle/>
+          <a:p>
+            <a:fld id="{7D34BB6B-1E1A-9541-9560-488905BF54FF}" type="slidenum">
+              <a:rPr kumimoji="1" lang="ja-JP" altLang="en-US" smtClean="0"/>
+              <a:t>6</a:t>
+            </a:fld>
+            <a:endParaRPr kumimoji="1" lang="ja-JP" altLang="en-US"/>
+          </a:p>
+        </p:txBody>
+      </p:sp>
+    </p:spTree>
+    <p:extLst>
+      <p:ext uri="{BB962C8B-B14F-4D97-AF65-F5344CB8AC3E}">
+        <p14:creationId xmlns:p14="http://schemas.microsoft.com/office/powerpoint/2010/main" val="1025583675"/>
+      </p:ext>
+    </p:extLst>
+  </p:cSld>
+  <p:clrMapOvr>
+    <a:masterClrMapping/>
+  </p:clrMapOvr>
+</p:sld>
+</file>
+
+<file path=ppt/slides/slide8.xml><?xml version="1.0" encoding="utf-8"?>
+<p:sld xmlns:a="http://schemas.openxmlformats.org/drawingml/2006/main" xmlns:r="http://schemas.openxmlformats.org/officeDocument/2006/relationships" xmlns:p="http://schemas.openxmlformats.org/presentationml/2006/main">
+  <p:cSld>
+    <p:spTree>
+      <p:nvGrpSpPr>
+        <p:cNvPr id="1" name=""/>
+        <p:cNvGrpSpPr/>
+        <p:nvPr/>
+      </p:nvGrpSpPr>
+      <p:grpSpPr>
+        <a:xfrm>
+          <a:off x="0" y="0"/>
+          <a:ext cx="0" cy="0"/>
+          <a:chOff x="0" y="0"/>
+          <a:chExt cx="0" cy="0"/>
+        </a:xfrm>
+      </p:grpSpPr>
+      <p:sp>
+        <p:nvSpPr>
+          <p:cNvPr id="2" name="テキスト ボックス 1"/>
+          <p:cNvSpPr txBox="1"/>
+          <p:nvPr/>
+        </p:nvSpPr>
+        <p:spPr>
+          <a:xfrm>
+            <a:off x="914401" y="137872"/>
+            <a:ext cx="7827665" cy="6217087"/>
+          </a:xfrm>
+          <a:prstGeom prst="rect">
+            <a:avLst/>
+          </a:prstGeom>
+          <a:noFill/>
+        </p:spPr>
+        <p:txBody>
+          <a:bodyPr wrap="square">
+            <a:spAutoFit/>
+          </a:bodyPr>
+          <a:lstStyle/>
+          <a:p>
+            <a:pPr lvl="1">
+              <a:defRPr/>
+            </a:pPr>
+            <a:r>
+              <a:rPr lang="en-US" altLang="ja-JP" sz="1400" dirty="0"/>
+              <a:t>The third value (MP2/</a:t>
+            </a:r>
+            <a:r>
+              <a:rPr lang="en-US" altLang="ja-JP" sz="1400" dirty="0" err="1"/>
+              <a:t>aug</a:t>
+            </a:r>
+            <a:r>
+              <a:rPr lang="en-US" altLang="ja-JP" sz="1400" dirty="0"/>
+              <a:t>-cc-</a:t>
+            </a:r>
+            <a:r>
+              <a:rPr lang="en-US" altLang="ja-JP" sz="1400" dirty="0" err="1"/>
+              <a:t>pVTZ</a:t>
+            </a:r>
+            <a:r>
+              <a:rPr lang="en-US" altLang="ja-JP" sz="1400" dirty="0"/>
+              <a:t> (11)) is a label that is tagged to the PES data files. This name will be printed in the output of SINDO, so it is recommended to give a name, for example, the level of the electronic structure calculation, the number of grid points, etc. </a:t>
+            </a:r>
+          </a:p>
+          <a:p>
+            <a:pPr lvl="1">
+              <a:defRPr/>
+            </a:pPr>
+            <a:endParaRPr lang="en-US" altLang="ja-JP" sz="1400" dirty="0" smtClean="0"/>
+          </a:p>
+          <a:p>
+            <a:pPr lvl="1">
+              <a:defRPr/>
+            </a:pPr>
+            <a:r>
+              <a:rPr lang="en-US" altLang="ja-JP" sz="1400" dirty="0" smtClean="0"/>
+              <a:t>This </a:t>
+            </a:r>
+            <a:r>
+              <a:rPr lang="en-US" altLang="ja-JP" sz="1400" dirty="0"/>
+              <a:t>key extends to two lines when the hybrid PES is specified for the </a:t>
+            </a:r>
+            <a:r>
+              <a:rPr lang="en-US" altLang="ja-JP" sz="1400" dirty="0" err="1"/>
+              <a:t>runtyp</a:t>
+            </a:r>
+            <a:r>
+              <a:rPr lang="en-US" altLang="ja-JP" sz="1400" dirty="0"/>
+              <a:t>. The first and the second lines specify the quantum chemistry calculations for the QFF and Grid PES generation, respectively. In this case, the input would look like, </a:t>
+            </a:r>
+          </a:p>
+          <a:p>
+            <a:pPr lvl="1">
+              <a:defRPr/>
+            </a:pPr>
+            <a:endParaRPr lang="en-US" altLang="ja-JP" sz="1400" dirty="0" smtClean="0"/>
+          </a:p>
+          <a:p>
+            <a:pPr lvl="2">
+              <a:defRPr/>
+            </a:pPr>
+            <a:r>
+              <a:rPr lang="en-US" altLang="ja-JP" sz="1200" dirty="0" smtClean="0">
+                <a:latin typeface="Courier" charset="0"/>
+                <a:ea typeface="Courier" charset="0"/>
+                <a:cs typeface="Courier" charset="0"/>
+              </a:rPr>
+              <a:t>&lt;</a:t>
+            </a:r>
+            <a:r>
+              <a:rPr lang="en-US" altLang="ja-JP" sz="1200" dirty="0">
+                <a:latin typeface="Courier" charset="0"/>
+                <a:ea typeface="Courier" charset="0"/>
+                <a:cs typeface="Courier" charset="0"/>
+              </a:rPr>
+              <a:t>entry key="</a:t>
+            </a:r>
+            <a:r>
+              <a:rPr lang="en-US" altLang="ja-JP" sz="1200" dirty="0" err="1">
+                <a:latin typeface="Courier" charset="0"/>
+                <a:ea typeface="Courier" charset="0"/>
+                <a:cs typeface="Courier" charset="0"/>
+              </a:rPr>
+              <a:t>qchem</a:t>
+            </a:r>
+            <a:r>
+              <a:rPr lang="en-US" altLang="ja-JP" sz="1200" dirty="0">
+                <a:latin typeface="Courier" charset="0"/>
+                <a:ea typeface="Courier" charset="0"/>
+                <a:cs typeface="Courier" charset="0"/>
+              </a:rPr>
+              <a:t>"&gt; </a:t>
+            </a:r>
+            <a:endParaRPr lang="en-US" altLang="ja-JP" sz="1200" dirty="0" smtClean="0">
+              <a:latin typeface="Courier" charset="0"/>
+              <a:ea typeface="Courier" charset="0"/>
+              <a:cs typeface="Courier" charset="0"/>
+            </a:endParaRPr>
+          </a:p>
+          <a:p>
+            <a:pPr lvl="2">
+              <a:defRPr/>
+            </a:pPr>
+            <a:r>
+              <a:rPr lang="en-US" altLang="ja-JP" sz="1200" dirty="0" smtClean="0">
+                <a:latin typeface="Courier" charset="0"/>
+                <a:ea typeface="Courier" charset="0"/>
+                <a:cs typeface="Courier" charset="0"/>
+              </a:rPr>
+              <a:t>Gaussian</a:t>
+            </a:r>
+            <a:r>
+              <a:rPr lang="en-US" altLang="ja-JP" sz="1200" dirty="0">
+                <a:latin typeface="Courier" charset="0"/>
+                <a:ea typeface="Courier" charset="0"/>
+                <a:cs typeface="Courier" charset="0"/>
+              </a:rPr>
+              <a:t>, MP2Input.xml, MP2/cc-</a:t>
+            </a:r>
+            <a:r>
+              <a:rPr lang="en-US" altLang="ja-JP" sz="1200" dirty="0" err="1">
+                <a:latin typeface="Courier" charset="0"/>
+                <a:ea typeface="Courier" charset="0"/>
+                <a:cs typeface="Courier" charset="0"/>
+              </a:rPr>
+              <a:t>pVDZ</a:t>
+            </a:r>
+            <a:r>
+              <a:rPr lang="en-US" altLang="ja-JP" sz="1200" dirty="0">
+                <a:latin typeface="Courier" charset="0"/>
+                <a:ea typeface="Courier" charset="0"/>
+                <a:cs typeface="Courier" charset="0"/>
+              </a:rPr>
+              <a:t> </a:t>
+            </a:r>
+            <a:endParaRPr lang="en-US" altLang="ja-JP" sz="1200" dirty="0" smtClean="0">
+              <a:latin typeface="Courier" charset="0"/>
+              <a:ea typeface="Courier" charset="0"/>
+              <a:cs typeface="Courier" charset="0"/>
+            </a:endParaRPr>
+          </a:p>
+          <a:p>
+            <a:pPr lvl="2">
+              <a:defRPr/>
+            </a:pPr>
+            <a:r>
+              <a:rPr lang="en-US" altLang="ja-JP" sz="1200" dirty="0" smtClean="0">
+                <a:latin typeface="Courier" charset="0"/>
+                <a:ea typeface="Courier" charset="0"/>
+                <a:cs typeface="Courier" charset="0"/>
+              </a:rPr>
+              <a:t>Gaussian</a:t>
+            </a:r>
+            <a:r>
+              <a:rPr lang="en-US" altLang="ja-JP" sz="1200" dirty="0">
+                <a:latin typeface="Courier" charset="0"/>
+                <a:ea typeface="Courier" charset="0"/>
+                <a:cs typeface="Courier" charset="0"/>
+              </a:rPr>
+              <a:t>, </a:t>
+            </a:r>
+            <a:r>
+              <a:rPr lang="en-US" altLang="ja-JP" sz="1200" dirty="0" err="1">
+                <a:latin typeface="Courier" charset="0"/>
+                <a:ea typeface="Courier" charset="0"/>
+                <a:cs typeface="Courier" charset="0"/>
+              </a:rPr>
+              <a:t>CCInput.xml</a:t>
+            </a:r>
+            <a:r>
+              <a:rPr lang="en-US" altLang="ja-JP" sz="1200" dirty="0">
+                <a:latin typeface="Courier" charset="0"/>
+                <a:ea typeface="Courier" charset="0"/>
+                <a:cs typeface="Courier" charset="0"/>
+              </a:rPr>
+              <a:t>, CCSD(T)/</a:t>
+            </a:r>
+            <a:r>
+              <a:rPr lang="en-US" altLang="ja-JP" sz="1200" dirty="0" err="1">
+                <a:latin typeface="Courier" charset="0"/>
+                <a:ea typeface="Courier" charset="0"/>
+                <a:cs typeface="Courier" charset="0"/>
+              </a:rPr>
+              <a:t>aug</a:t>
+            </a:r>
+            <a:r>
+              <a:rPr lang="en-US" altLang="ja-JP" sz="1200" dirty="0">
+                <a:latin typeface="Courier" charset="0"/>
+                <a:ea typeface="Courier" charset="0"/>
+                <a:cs typeface="Courier" charset="0"/>
+              </a:rPr>
+              <a:t>-cc-</a:t>
+            </a:r>
+            <a:r>
+              <a:rPr lang="en-US" altLang="ja-JP" sz="1200" dirty="0" err="1">
+                <a:latin typeface="Courier" charset="0"/>
+                <a:ea typeface="Courier" charset="0"/>
+                <a:cs typeface="Courier" charset="0"/>
+              </a:rPr>
+              <a:t>pVTZ</a:t>
+            </a:r>
+            <a:r>
+              <a:rPr lang="en-US" altLang="ja-JP" sz="1200" dirty="0">
+                <a:latin typeface="Courier" charset="0"/>
+                <a:ea typeface="Courier" charset="0"/>
+                <a:cs typeface="Courier" charset="0"/>
+              </a:rPr>
+              <a:t> (11) </a:t>
+            </a:r>
+            <a:endParaRPr lang="en-US" altLang="ja-JP" sz="1200" dirty="0" smtClean="0">
+              <a:latin typeface="Courier" charset="0"/>
+              <a:ea typeface="Courier" charset="0"/>
+              <a:cs typeface="Courier" charset="0"/>
+            </a:endParaRPr>
+          </a:p>
+          <a:p>
+            <a:pPr lvl="2">
+              <a:defRPr/>
+            </a:pPr>
+            <a:r>
+              <a:rPr lang="en-US" altLang="ja-JP" sz="1200" dirty="0" smtClean="0">
+                <a:latin typeface="Courier" charset="0"/>
+                <a:ea typeface="Courier" charset="0"/>
+                <a:cs typeface="Courier" charset="0"/>
+              </a:rPr>
+              <a:t>&lt;/</a:t>
+            </a:r>
+            <a:r>
+              <a:rPr lang="en-US" altLang="ja-JP" sz="1200" dirty="0">
+                <a:latin typeface="Courier" charset="0"/>
+                <a:ea typeface="Courier" charset="0"/>
+                <a:cs typeface="Courier" charset="0"/>
+              </a:rPr>
+              <a:t>entry&gt; </a:t>
+            </a:r>
+          </a:p>
+          <a:p>
+            <a:pPr lvl="1">
+              <a:defRPr/>
+            </a:pPr>
+            <a:endParaRPr lang="en-US" altLang="ja-JP" sz="1400" dirty="0" smtClean="0"/>
+          </a:p>
+          <a:p>
+            <a:pPr lvl="1">
+              <a:defRPr/>
+            </a:pPr>
+            <a:r>
+              <a:rPr lang="en-US" altLang="ja-JP" sz="1400" dirty="0"/>
+              <a:t>When the first value is specified as “generic”, </a:t>
+            </a:r>
+            <a:r>
+              <a:rPr lang="en-US" altLang="ja-JP" sz="1400" dirty="0" err="1"/>
+              <a:t>MakePES</a:t>
+            </a:r>
+            <a:r>
+              <a:rPr lang="en-US" altLang="ja-JP" sz="1400" dirty="0"/>
+              <a:t> creates a file (ending with </a:t>
+            </a:r>
+            <a:r>
+              <a:rPr lang="en-US" altLang="ja-JP" sz="1400" dirty="0" smtClean="0"/>
+              <a:t>.xyz</a:t>
+            </a:r>
+            <a:r>
+              <a:rPr lang="en-US" altLang="ja-JP" sz="1400" dirty="0"/>
+              <a:t>), which contains the xyz coordinates of all grid points. This option is intended for users who want to create input files in their own way for the electronic structure calculation. In this case, the work flow is the following, </a:t>
+            </a:r>
+          </a:p>
+          <a:p>
+            <a:pPr lvl="1">
+              <a:defRPr/>
+            </a:pPr>
+            <a:endParaRPr lang="en-US" altLang="ja-JP" sz="1400" dirty="0" smtClean="0"/>
+          </a:p>
+          <a:p>
+            <a:pPr marL="800100" lvl="1" indent="-342900">
+              <a:buFont typeface="+mj-lt"/>
+              <a:buAutoNum type="arabicPeriod"/>
+              <a:defRPr/>
+            </a:pPr>
+            <a:r>
+              <a:rPr lang="en-US" altLang="ja-JP" sz="1400" dirty="0" smtClean="0"/>
+              <a:t>Execute </a:t>
+            </a:r>
+            <a:r>
+              <a:rPr lang="en-US" altLang="ja-JP" sz="1400" dirty="0" err="1"/>
+              <a:t>RunMakePES</a:t>
+            </a:r>
+            <a:r>
+              <a:rPr lang="en-US" altLang="ja-JP" sz="1400" dirty="0"/>
+              <a:t> with </a:t>
+            </a:r>
+            <a:r>
+              <a:rPr lang="en-US" altLang="ja-JP" sz="1400" dirty="0" err="1" smtClean="0"/>
+              <a:t>qchem</a:t>
+            </a:r>
+            <a:r>
+              <a:rPr lang="en-US" altLang="ja-JP" sz="1400" dirty="0" smtClean="0"/>
+              <a:t> </a:t>
+            </a:r>
+            <a:r>
+              <a:rPr lang="en-US" altLang="ja-JP" sz="1400" dirty="0"/>
+              <a:t>= generic to create a </a:t>
+            </a:r>
+            <a:r>
+              <a:rPr lang="en-US" altLang="ja-JP" sz="1400" dirty="0" smtClean="0"/>
+              <a:t>xyz </a:t>
+            </a:r>
+            <a:r>
+              <a:rPr lang="en-US" altLang="ja-JP" sz="1400" dirty="0"/>
+              <a:t>file. </a:t>
+            </a:r>
+            <a:r>
+              <a:rPr lang="en-US" altLang="ja-JP" sz="1400" dirty="0" smtClean="0"/>
+              <a:t> </a:t>
+            </a:r>
+          </a:p>
+          <a:p>
+            <a:pPr marL="800100" lvl="1" indent="-342900">
+              <a:buFont typeface="+mj-lt"/>
+              <a:buAutoNum type="arabicPeriod"/>
+              <a:defRPr/>
+            </a:pPr>
+            <a:r>
+              <a:rPr lang="en-US" altLang="ja-JP" sz="1400" dirty="0" smtClean="0"/>
+              <a:t>Get </a:t>
+            </a:r>
+            <a:r>
+              <a:rPr lang="en-US" altLang="ja-JP" sz="1400" dirty="0"/>
+              <a:t>the grid ID and xyz coordinates from the </a:t>
+            </a:r>
+            <a:r>
+              <a:rPr lang="en-US" altLang="ja-JP" sz="1400" dirty="0" smtClean="0"/>
+              <a:t>xyz </a:t>
+            </a:r>
+            <a:r>
+              <a:rPr lang="en-US" altLang="ja-JP" sz="1400" dirty="0"/>
+              <a:t>file, and create by yourself input files for the electronic structure program. </a:t>
+            </a:r>
+          </a:p>
+          <a:p>
+            <a:pPr marL="800100" lvl="1" indent="-342900">
+              <a:buFont typeface="+mj-lt"/>
+              <a:buAutoNum type="arabicPeriod"/>
+              <a:defRPr/>
+            </a:pPr>
+            <a:r>
+              <a:rPr lang="en-US" altLang="ja-JP" sz="1400" dirty="0" smtClean="0"/>
+              <a:t>Run </a:t>
+            </a:r>
+            <a:r>
+              <a:rPr lang="en-US" altLang="ja-JP" sz="1400" dirty="0"/>
+              <a:t>the electronic structure calculations. </a:t>
+            </a:r>
+            <a:endParaRPr lang="en-US" altLang="ja-JP" sz="1400" dirty="0" smtClean="0"/>
+          </a:p>
+          <a:p>
+            <a:pPr marL="800100" lvl="1" indent="-342900">
+              <a:buFont typeface="+mj-lt"/>
+              <a:buAutoNum type="arabicPeriod"/>
+              <a:defRPr/>
+            </a:pPr>
+            <a:r>
+              <a:rPr lang="en-US" altLang="ja-JP" sz="1400" dirty="0" smtClean="0"/>
+              <a:t>Convert </a:t>
+            </a:r>
+            <a:r>
+              <a:rPr lang="en-US" altLang="ja-JP" sz="1400" dirty="0"/>
+              <a:t>by yourself the output information to a </a:t>
+            </a:r>
+            <a:r>
+              <a:rPr lang="en-US" altLang="ja-JP" sz="1400" dirty="0" err="1"/>
+              <a:t>minfo</a:t>
+            </a:r>
+            <a:r>
+              <a:rPr lang="en-US" altLang="ja-JP" sz="1400" dirty="0"/>
+              <a:t> format, and save as (grid ID).</a:t>
+            </a:r>
+            <a:r>
+              <a:rPr lang="en-US" altLang="ja-JP" sz="1400" dirty="0" err="1"/>
+              <a:t>minfo</a:t>
+            </a:r>
+            <a:r>
+              <a:rPr lang="en-US" altLang="ja-JP" sz="1400" dirty="0"/>
+              <a:t>. Note that only the [ Electronic Data ] section is needed. </a:t>
+            </a:r>
+            <a:endParaRPr lang="en-US" altLang="ja-JP" sz="1400" dirty="0" smtClean="0"/>
+          </a:p>
+          <a:p>
+            <a:pPr marL="800100" lvl="1" indent="-342900">
+              <a:buFont typeface="+mj-lt"/>
+              <a:buAutoNum type="arabicPeriod"/>
+              <a:defRPr/>
+            </a:pPr>
+            <a:r>
+              <a:rPr lang="en-US" altLang="ja-JP" sz="1400" dirty="0" smtClean="0"/>
+              <a:t>Place </a:t>
+            </a:r>
+            <a:r>
+              <a:rPr lang="en-US" altLang="ja-JP" sz="1400" dirty="0"/>
+              <a:t>the </a:t>
+            </a:r>
+            <a:r>
+              <a:rPr lang="en-US" altLang="ja-JP" sz="1400" dirty="0" err="1"/>
+              <a:t>minfo</a:t>
+            </a:r>
+            <a:r>
+              <a:rPr lang="en-US" altLang="ja-JP" sz="1400" dirty="0"/>
+              <a:t> files to </a:t>
+            </a:r>
+            <a:r>
+              <a:rPr lang="en-US" altLang="ja-JP" sz="1400" dirty="0" err="1"/>
+              <a:t>minfo.files</a:t>
+            </a:r>
+            <a:r>
+              <a:rPr lang="en-US" altLang="ja-JP" sz="1400" dirty="0"/>
+              <a:t> folder. </a:t>
+            </a:r>
+            <a:endParaRPr lang="en-US" altLang="ja-JP" sz="1400" dirty="0" smtClean="0"/>
+          </a:p>
+          <a:p>
+            <a:pPr marL="800100" lvl="1" indent="-342900">
+              <a:buFont typeface="+mj-lt"/>
+              <a:buAutoNum type="arabicPeriod"/>
+              <a:defRPr/>
+            </a:pPr>
+            <a:r>
+              <a:rPr lang="en-US" altLang="ja-JP" sz="1400" dirty="0" smtClean="0"/>
+              <a:t>Re-run </a:t>
+            </a:r>
+            <a:r>
+              <a:rPr lang="en-US" altLang="ja-JP" sz="1400" dirty="0" err="1" smtClean="0"/>
+              <a:t>RunMakePES</a:t>
+            </a:r>
+            <a:r>
+              <a:rPr lang="en-US" altLang="ja-JP" sz="1400" dirty="0" smtClean="0"/>
+              <a:t>. </a:t>
+            </a:r>
+            <a:endParaRPr lang="en-US" altLang="ja-JP" sz="1400" dirty="0"/>
+          </a:p>
+          <a:p>
+            <a:pPr lvl="1">
+              <a:defRPr/>
+            </a:pPr>
+            <a:endParaRPr lang="en-US" altLang="ja-JP" sz="1400" dirty="0" smtClean="0"/>
+          </a:p>
+          <a:p>
+            <a:pPr lvl="1">
+              <a:defRPr/>
+            </a:pPr>
+            <a:r>
+              <a:rPr lang="en-US" altLang="ja-JP" sz="1400" dirty="0" smtClean="0"/>
+              <a:t>Then</a:t>
+            </a:r>
+            <a:r>
+              <a:rPr lang="en-US" altLang="ja-JP" sz="1400" dirty="0"/>
+              <a:t>, one should obtain the mop file </a:t>
+            </a:r>
+            <a:r>
+              <a:rPr lang="en-US" altLang="ja-JP" sz="1400" dirty="0" smtClean="0"/>
+              <a:t>and </a:t>
+            </a:r>
+            <a:r>
+              <a:rPr lang="en-US" altLang="ja-JP" sz="1400" dirty="0"/>
+              <a:t>pot files for QFF and Grid, respectively. </a:t>
+            </a:r>
+          </a:p>
+          <a:p>
+            <a:pPr lvl="1">
+              <a:defRPr/>
+            </a:pPr>
+            <a:endParaRPr lang="en-US" altLang="ja-JP" sz="1400" dirty="0" smtClean="0"/>
+          </a:p>
+        </p:txBody>
+      </p:sp>
+      <p:sp>
+        <p:nvSpPr>
+          <p:cNvPr id="4" name="スライド番号プレースホルダー 3"/>
+          <p:cNvSpPr>
+            <a:spLocks noGrp="1"/>
+          </p:cNvSpPr>
+          <p:nvPr>
+            <p:ph type="sldNum" sz="quarter" idx="12"/>
+          </p:nvPr>
+        </p:nvSpPr>
+        <p:spPr/>
+        <p:txBody>
+          <a:bodyPr/>
+          <a:lstStyle/>
+          <a:p>
+            <a:fld id="{7D34BB6B-1E1A-9541-9560-488905BF54FF}" type="slidenum">
+              <a:rPr kumimoji="1" lang="ja-JP" altLang="en-US" smtClean="0"/>
+              <a:t>7</a:t>
+            </a:fld>
+            <a:endParaRPr kumimoji="1" lang="ja-JP" altLang="en-US"/>
+          </a:p>
+        </p:txBody>
+      </p:sp>
+    </p:spTree>
+    <p:extLst>
+      <p:ext uri="{BB962C8B-B14F-4D97-AF65-F5344CB8AC3E}">
+        <p14:creationId xmlns:p14="http://schemas.microsoft.com/office/powerpoint/2010/main" val="1860810041"/>
+      </p:ext>
+    </p:extLst>
+  </p:cSld>
+  <p:clrMapOvr>
+    <a:masterClrMapping/>
+  </p:clrMapOvr>
+</p:sld>
+</file>
+
+<file path=ppt/slides/slide9.xml><?xml version="1.0" encoding="utf-8"?>
+<p:sld xmlns:a="http://schemas.openxmlformats.org/drawingml/2006/main" xmlns:r="http://schemas.openxmlformats.org/officeDocument/2006/relationships" xmlns:p="http://schemas.openxmlformats.org/presentationml/2006/main">
+  <p:cSld>
+    <p:spTree>
+      <p:nvGrpSpPr>
+        <p:cNvPr id="1" name=""/>
+        <p:cNvGrpSpPr/>
+        <p:nvPr/>
+      </p:nvGrpSpPr>
+      <p:grpSpPr>
+        <a:xfrm>
+          <a:off x="0" y="0"/>
+          <a:ext cx="0" cy="0"/>
+          <a:chOff x="0" y="0"/>
+          <a:chExt cx="0" cy="0"/>
+        </a:xfrm>
+      </p:grpSpPr>
+      <mc:AlternateContent xmlns:mc="http://schemas.openxmlformats.org/markup-compatibility/2006" xmlns:a14="http://schemas.microsoft.com/office/drawing/2010/main">
+        <mc:Choice Requires="a14">
           <p:sp>
             <p:nvSpPr>
               <p:cNvPr id="2" name="テキスト ボックス 1"/>
@@ -5561,7 +7415,7 @@
             <p:spPr>
               <a:xfrm>
                 <a:off x="914401" y="232637"/>
-                <a:ext cx="7827665" cy="6293326"/>
+                <a:ext cx="7827665" cy="6077882"/>
               </a:xfrm>
               <a:prstGeom prst="rect">
                 <a:avLst/>
@@ -5661,7 +7515,6 @@
                   <a:rPr lang="en-US" altLang="ja-JP" sz="1400" dirty="0" smtClean="0"/>
                   <a:t> </a:t>
                 </a:r>
-                <a:endParaRPr lang="en-US" altLang="ja-JP" sz="1400" dirty="0" smtClean="0"/>
               </a:p>
               <a:p>
                 <a:pPr lvl="2">
@@ -5701,7 +7554,6 @@
                   <a:rPr lang="en-US" altLang="ja-JP" sz="1400" dirty="0" smtClean="0"/>
                   <a:t>.</a:t>
                 </a:r>
-                <a:endParaRPr lang="en-US" altLang="ja-JP" sz="1400" dirty="0" smtClean="0"/>
               </a:p>
               <a:p>
                 <a:pPr lvl="2">
@@ -5729,7 +7581,6 @@
                   <a:rPr lang="en-US" altLang="ja-JP" sz="1400" dirty="0"/>
                   <a:t>Numerical 2nd-order diff. of hessian. </a:t>
                 </a:r>
-                <a:endParaRPr lang="en-US" altLang="ja-JP" sz="1400" dirty="0"/>
               </a:p>
               <a:p>
                 <a:pPr lvl="2">
@@ -5759,11 +7610,7 @@
                 </a:pPr>
                 <a:r>
                   <a:rPr lang="en-US" altLang="ja-JP" sz="1400" dirty="0"/>
-                  <a:t>The name of mop file, in which the QFF coefficients are written. (default = </a:t>
-                </a:r>
-                <a:r>
-                  <a:rPr lang="en-US" altLang="ja-JP" sz="1400" dirty="0"/>
-                  <a:t>prop_no_1</a:t>
+                  <a:t>The name of mop file, in which the QFF coefficients are written. (default = prop_no_1</a:t>
                 </a:r>
                 <a:r>
                   <a:rPr lang="en-US" altLang="ja-JP" sz="1400" dirty="0" smtClean="0"/>
@@ -5777,7 +7624,6 @@
                   <a:rPr lang="en-US" altLang="ja-JP" sz="1400" dirty="0" smtClean="0"/>
                   <a:t> </a:t>
                 </a:r>
-                <a:endParaRPr lang="en-US" altLang="ja-JP" sz="1400" dirty="0" smtClean="0"/>
               </a:p>
               <a:p>
                 <a:pPr lvl="2">
@@ -5792,53 +7638,17 @@
                   <a:defRPr/>
                 </a:pPr>
                 <a:r>
-                  <a:rPr lang="en-US" altLang="ja-JP" sz="1400" dirty="0" err="1" smtClean="0"/>
-                  <a:t>genhs</a:t>
+                  <a:rPr lang="en-US" altLang="ja-JP" sz="1400" dirty="0" smtClean="0"/>
+                  <a:t>gradient </a:t>
                 </a:r>
                 <a:r>
-                  <a:rPr lang="en-US" altLang="ja-JP" sz="1400" dirty="0" smtClean="0"/>
-                  <a:t>: true/false</a:t>
-                </a:r>
-                <a:endParaRPr lang="en-US" altLang="ja-JP" sz="1400" dirty="0"/>
-              </a:p>
-              <a:p>
-                <a:pPr lvl="1">
-                  <a:defRPr/>
-                </a:pPr>
-                <a:r>
                   <a:rPr lang="en-US" altLang="ja-JP" sz="1400" dirty="0"/>
-                  <a:t>Generate the 001.hs file. (default = false)</a:t>
-                </a:r>
-                <a:br>
-                  <a:rPr lang="en-US" altLang="ja-JP" sz="1400" dirty="0"/>
-                </a:br>
-                <a:r>
-                  <a:rPr lang="en-US" altLang="ja-JP" sz="1400" dirty="0"/>
-                  <a:t>001.hs is a file which contains the QFF coefficients in the old format; however, this format is deprecated and not recommended to use unless for a debugging purpose to compare the result with the previous version of SINDO. </a:t>
-                </a:r>
-                <a:endParaRPr lang="en-US" altLang="ja-JP" sz="1400" dirty="0"/>
-              </a:p>
-              <a:p>
-                <a:pPr lvl="1">
-                  <a:defRPr/>
-                </a:pPr>
-                <a:endParaRPr lang="en-US" altLang="ja-JP" sz="1400" dirty="0" smtClean="0"/>
-              </a:p>
-              <a:p>
-                <a:pPr marL="285750" indent="-285750">
-                  <a:buFont typeface="Arial" charset="0"/>
-                  <a:buChar char="•"/>
-                  <a:defRPr/>
-                </a:pPr>
-                <a:r>
-                  <a:rPr lang="en-US" altLang="ja-JP" sz="1400" dirty="0"/>
-                  <a:t>gradient and </a:t>
+                  <a:t>and </a:t>
                 </a:r>
                 <a:r>
                   <a:rPr lang="en-US" altLang="ja-JP" sz="1400" dirty="0" smtClean="0"/>
                   <a:t>hessian: input/current</a:t>
                 </a:r>
-                <a:endParaRPr lang="en-US" altLang="ja-JP" sz="1400" dirty="0" smtClean="0"/>
               </a:p>
               <a:p>
                 <a:pPr lvl="1">
@@ -5970,10 +7780,25 @@
                   <a:t> module. </a:t>
                 </a:r>
               </a:p>
+              <a:p>
+                <a:pPr lvl="1">
+                  <a:defRPr/>
+                </a:pPr>
+                <a:endParaRPr lang="en-US" altLang="ja-JP" sz="1400" dirty="0"/>
+              </a:p>
+              <a:p>
+                <a:pPr lvl="1">
+                  <a:defRPr/>
+                </a:pPr>
+                <a:r>
+                  <a:rPr lang="en-US" altLang="ja-JP" sz="1400" dirty="0"/>
+                  <a:t>On the other hand, one might think of another strategy, where the geometry and coordinates are derived from a low-level of theory, and the QFF at a higher-level of theory. In that case, this option should be set to “current”, which incorporates the gradient and Hessian obtained from the current calculation. </a:t>
+                </a:r>
+              </a:p>
             </p:txBody>
           </p:sp>
         </mc:Choice>
-        <mc:Fallback>
+        <mc:Fallback xmlns="">
           <p:sp>
             <p:nvSpPr>
               <p:cNvPr id="2" name="テキスト ボックス 1"/>
@@ -5985,7 +7810,7 @@
             <p:spPr>
               <a:xfrm>
                 <a:off x="914401" y="232637"/>
-                <a:ext cx="7827665" cy="6293326"/>
+                <a:ext cx="7827665" cy="6077882"/>
               </a:xfrm>
               <a:prstGeom prst="rect">
                 <a:avLst/>
@@ -5993,7 +7818,7 @@
               <a:blipFill rotWithShape="0">
                 <a:blip r:embed="rId2"/>
                 <a:stretch>
-                  <a:fillRect l="-623" t="-484"/>
+                  <a:fillRect l="-623" t="-502"/>
                 </a:stretch>
               </a:blipFill>
             </p:spPr>
@@ -6029,7 +7854,7 @@
           <a:p>
             <a:fld id="{7D34BB6B-1E1A-9541-9560-488905BF54FF}" type="slidenum">
               <a:rPr kumimoji="1" lang="ja-JP" altLang="en-US" smtClean="0"/>
-              <a:t>5</a:t>
+              <a:t>8</a:t>
             </a:fld>
             <a:endParaRPr kumimoji="1" lang="ja-JP" altLang="en-US"/>
           </a:p>
@@ -6039,769 +7864,6 @@
     <p:extLst>
       <p:ext uri="{BB962C8B-B14F-4D97-AF65-F5344CB8AC3E}">
         <p14:creationId xmlns:p14="http://schemas.microsoft.com/office/powerpoint/2010/main" val="1524324311"/>
-      </p:ext>
-    </p:extLst>
-  </p:cSld>
-  <p:clrMapOvr>
-    <a:masterClrMapping/>
-  </p:clrMapOvr>
-</p:sld>
-</file>
-
-<file path=ppt/slides/slide7.xml><?xml version="1.0" encoding="utf-8"?>
-<p:sld xmlns:a="http://schemas.openxmlformats.org/drawingml/2006/main" xmlns:r="http://schemas.openxmlformats.org/officeDocument/2006/relationships" xmlns:p="http://schemas.openxmlformats.org/presentationml/2006/main">
-  <p:cSld>
-    <p:spTree>
-      <p:nvGrpSpPr>
-        <p:cNvPr id="1" name=""/>
-        <p:cNvGrpSpPr/>
-        <p:nvPr/>
-      </p:nvGrpSpPr>
-      <p:grpSpPr>
-        <a:xfrm>
-          <a:off x="0" y="0"/>
-          <a:ext cx="0" cy="0"/>
-          <a:chOff x="0" y="0"/>
-          <a:chExt cx="0" cy="0"/>
-        </a:xfrm>
-      </p:grpSpPr>
-      <p:sp>
-        <p:nvSpPr>
-          <p:cNvPr id="2" name="スライド番号プレースホルダー 1"/>
-          <p:cNvSpPr>
-            <a:spLocks noGrp="1"/>
-          </p:cNvSpPr>
-          <p:nvPr>
-            <p:ph type="sldNum" sz="quarter" idx="12"/>
-          </p:nvPr>
-        </p:nvSpPr>
-        <p:spPr/>
-        <p:txBody>
-          <a:bodyPr/>
-          <a:lstStyle/>
-          <a:p>
-            <a:fld id="{7D34BB6B-1E1A-9541-9560-488905BF54FF}" type="slidenum">
-              <a:rPr kumimoji="1" lang="ja-JP" altLang="en-US" smtClean="0"/>
-              <a:t>6</a:t>
-            </a:fld>
-            <a:endParaRPr kumimoji="1" lang="ja-JP" altLang="en-US"/>
-          </a:p>
-        </p:txBody>
-      </p:sp>
-      <p:sp>
-        <p:nvSpPr>
-          <p:cNvPr id="4" name="テキスト ボックス 3"/>
-          <p:cNvSpPr txBox="1"/>
-          <p:nvPr/>
-        </p:nvSpPr>
-        <p:spPr>
-          <a:xfrm>
-            <a:off x="914401" y="232637"/>
-            <a:ext cx="7827665" cy="6340197"/>
-          </a:xfrm>
-          <a:prstGeom prst="rect">
-            <a:avLst/>
-          </a:prstGeom>
-          <a:noFill/>
-        </p:spPr>
-        <p:txBody>
-          <a:bodyPr wrap="square">
-            <a:spAutoFit/>
-          </a:bodyPr>
-          <a:lstStyle/>
-          <a:p>
-            <a:pPr marL="457200" lvl="2">
-              <a:defRPr/>
-            </a:pPr>
-            <a:r>
-              <a:rPr lang="en-US" altLang="ja-JP" sz="1400" dirty="0"/>
-              <a:t>On the other hand, one might think of another strategy, where the geometry and </a:t>
-            </a:r>
-            <a:r>
-              <a:rPr lang="en-US" altLang="ja-JP" sz="1400" dirty="0" smtClean="0"/>
-              <a:t>coordinates </a:t>
-            </a:r>
-            <a:r>
-              <a:rPr lang="en-US" altLang="ja-JP" sz="1400" dirty="0"/>
-              <a:t>are derived from a low-level of theory, and the QFF at a higher-level of theory. In that case, this option should be set to “current”, which incorporates the gradient and Hessian obtained from the current calculation. </a:t>
-            </a:r>
-          </a:p>
-          <a:p>
-            <a:pPr marL="457200" lvl="2">
-              <a:defRPr/>
-            </a:pPr>
-            <a:endParaRPr lang="en-US" altLang="ja-JP" sz="1400" dirty="0"/>
-          </a:p>
-          <a:p>
-            <a:pPr>
-              <a:defRPr/>
-            </a:pPr>
-            <a:r>
-              <a:rPr lang="en-US" altLang="ja-JP" dirty="0" smtClean="0"/>
-              <a:t>GRID </a:t>
-            </a:r>
-            <a:r>
-              <a:rPr lang="en-US" altLang="ja-JP" dirty="0"/>
-              <a:t>keys</a:t>
-            </a:r>
-          </a:p>
-          <a:p>
-            <a:pPr>
-              <a:defRPr/>
-            </a:pPr>
-            <a:endParaRPr lang="en-US" altLang="ja-JP" sz="1800" dirty="0">
-              <a:latin typeface="+mn-lt"/>
-            </a:endParaRPr>
-          </a:p>
-          <a:p>
-            <a:pPr marL="285750" indent="-285750">
-              <a:buFont typeface="Arial" charset="0"/>
-              <a:buChar char="•"/>
-              <a:defRPr/>
-            </a:pPr>
-            <a:r>
-              <a:rPr lang="en-US" altLang="ja-JP" sz="1400" dirty="0" err="1" smtClean="0"/>
-              <a:t>ngrid</a:t>
-            </a:r>
-            <a:r>
-              <a:rPr lang="en-US" altLang="ja-JP" sz="1400" dirty="0" smtClean="0"/>
-              <a:t>: integer number</a:t>
-            </a:r>
-            <a:endParaRPr lang="en-US" altLang="ja-JP" sz="1400" dirty="0"/>
-          </a:p>
-          <a:p>
-            <a:pPr lvl="1">
-              <a:defRPr/>
-            </a:pPr>
-            <a:r>
-              <a:rPr lang="en-US" altLang="ja-JP" sz="1400" dirty="0"/>
-              <a:t>The number of grid points along each </a:t>
-            </a:r>
-            <a:r>
-              <a:rPr lang="en-US" altLang="ja-JP" sz="1400" dirty="0" smtClean="0"/>
-              <a:t>coordinates. </a:t>
-            </a:r>
-            <a:r>
-              <a:rPr lang="en-US" altLang="ja-JP" sz="1400" dirty="0"/>
-              <a:t>(default = </a:t>
-            </a:r>
-            <a:r>
-              <a:rPr lang="en-US" altLang="ja-JP" sz="1400" dirty="0" smtClean="0"/>
-              <a:t>11) </a:t>
-            </a:r>
-            <a:r>
-              <a:rPr lang="en-US" altLang="ja-JP" sz="1400" dirty="0" smtClean="0"/>
-              <a:t> </a:t>
-            </a:r>
-            <a:endParaRPr lang="en-US" altLang="ja-JP" sz="1400" dirty="0" smtClean="0"/>
-          </a:p>
-          <a:p>
-            <a:pPr lvl="2">
-              <a:defRPr/>
-            </a:pPr>
-            <a:endParaRPr lang="en-US" altLang="ja-JP" sz="1400" dirty="0"/>
-          </a:p>
-          <a:p>
-            <a:pPr marL="285750" indent="-285750">
-              <a:buFont typeface="Arial" charset="0"/>
-              <a:buChar char="•"/>
-              <a:defRPr/>
-            </a:pPr>
-            <a:r>
-              <a:rPr lang="en-US" altLang="ja-JP" sz="1400" dirty="0" err="1" smtClean="0"/>
-              <a:t>fullmc</a:t>
-            </a:r>
-            <a:r>
-              <a:rPr lang="en-US" altLang="ja-JP" sz="1400" dirty="0" smtClean="0"/>
-              <a:t>:  true/false</a:t>
-            </a:r>
-            <a:endParaRPr lang="en-US" altLang="ja-JP" sz="1400" dirty="0"/>
-          </a:p>
-          <a:p>
-            <a:pPr lvl="1">
-              <a:defRPr/>
-            </a:pPr>
-            <a:r>
-              <a:rPr lang="en-US" altLang="ja-JP" sz="1400" dirty="0"/>
-              <a:t>All the mode coupling up to the MR-</a:t>
-            </a:r>
-            <a:r>
-              <a:rPr lang="en-US" altLang="ja-JP" sz="1400" dirty="0" err="1"/>
-              <a:t>th</a:t>
-            </a:r>
-            <a:r>
-              <a:rPr lang="en-US" altLang="ja-JP" sz="1400" dirty="0"/>
-              <a:t> order is generated, when true. (default = false) </a:t>
-            </a:r>
-          </a:p>
-          <a:p>
-            <a:pPr lvl="2">
-              <a:defRPr/>
-            </a:pPr>
-            <a:endParaRPr lang="en-US" altLang="ja-JP" sz="1400" dirty="0"/>
-          </a:p>
-          <a:p>
-            <a:pPr marL="285750" indent="-285750">
-              <a:buFont typeface="Arial" charset="0"/>
-              <a:buChar char="•"/>
-              <a:defRPr/>
-            </a:pPr>
-            <a:r>
-              <a:rPr lang="en-US" altLang="ja-JP" sz="1400" dirty="0" smtClean="0"/>
-              <a:t>mc1, mc2, mc3: string of mode </a:t>
-            </a:r>
-            <a:r>
-              <a:rPr lang="en-US" altLang="ja-JP" sz="1400" dirty="0"/>
-              <a:t>index</a:t>
-            </a:r>
-            <a:endParaRPr lang="en-US" altLang="ja-JP" sz="1400" dirty="0"/>
-          </a:p>
-          <a:p>
-            <a:pPr lvl="1">
-              <a:defRPr/>
-            </a:pPr>
-            <a:r>
-              <a:rPr lang="en-US" altLang="ja-JP" sz="1400" dirty="0"/>
-              <a:t>The </a:t>
-            </a:r>
-            <a:r>
-              <a:rPr lang="en-US" altLang="ja-JP" sz="1400" dirty="0" smtClean="0"/>
-              <a:t>1, 2, or 3MR </a:t>
-            </a:r>
-            <a:r>
-              <a:rPr lang="en-US" altLang="ja-JP" sz="1400" dirty="0"/>
-              <a:t>terms separated by </a:t>
-            </a:r>
-            <a:r>
-              <a:rPr lang="en-US" altLang="ja-JP" sz="1400" dirty="0" err="1"/>
-              <a:t>camma</a:t>
-            </a:r>
-            <a:r>
-              <a:rPr lang="en-US" altLang="ja-JP" sz="1400" dirty="0"/>
-              <a:t> or space. </a:t>
-            </a:r>
-            <a:r>
-              <a:rPr lang="en-US" altLang="ja-JP" sz="1400" dirty="0" smtClean="0"/>
-              <a:t>For example,</a:t>
-            </a:r>
-          </a:p>
-          <a:p>
-            <a:pPr lvl="1">
-              <a:defRPr/>
-            </a:pPr>
-            <a:endParaRPr lang="en-US" altLang="ja-JP" sz="1400" dirty="0"/>
-          </a:p>
-          <a:p>
-            <a:pPr lvl="1">
-              <a:defRPr/>
-            </a:pPr>
-            <a:r>
-              <a:rPr lang="en-US" altLang="ja-JP" sz="1400" dirty="0" smtClean="0"/>
-              <a:t>mc1: </a:t>
-            </a:r>
-          </a:p>
-          <a:p>
-            <a:pPr lvl="2">
-              <a:defRPr/>
-            </a:pPr>
-            <a:r>
-              <a:rPr lang="en-US" altLang="ja-JP" sz="1200" dirty="0" smtClean="0">
-                <a:latin typeface="Courier" charset="0"/>
-                <a:ea typeface="Courier" charset="0"/>
-                <a:cs typeface="Courier" charset="0"/>
-              </a:rPr>
-              <a:t>&lt;</a:t>
-            </a:r>
-            <a:r>
-              <a:rPr lang="en-US" altLang="ja-JP" sz="1200" dirty="0">
-                <a:latin typeface="Courier" charset="0"/>
-                <a:ea typeface="Courier" charset="0"/>
-                <a:cs typeface="Courier" charset="0"/>
-              </a:rPr>
-              <a:t>entry key="mc1"&gt; 1,2,3,5 &lt;/entry&gt; </a:t>
-            </a:r>
-            <a:endParaRPr lang="en-US" altLang="ja-JP" sz="1400" dirty="0"/>
-          </a:p>
-          <a:p>
-            <a:pPr lvl="1">
-              <a:defRPr/>
-            </a:pPr>
-            <a:r>
-              <a:rPr lang="en-US" altLang="ja-JP" sz="1400" dirty="0" smtClean="0"/>
-              <a:t>or </a:t>
-            </a:r>
-          </a:p>
-          <a:p>
-            <a:pPr lvl="2">
-              <a:defRPr/>
-            </a:pPr>
-            <a:r>
-              <a:rPr lang="en-US" altLang="ja-JP" sz="1200" dirty="0" smtClean="0">
-                <a:latin typeface="Courier" charset="0"/>
-                <a:ea typeface="Courier" charset="0"/>
-                <a:cs typeface="Courier" charset="0"/>
-              </a:rPr>
-              <a:t>&lt;</a:t>
-            </a:r>
-            <a:r>
-              <a:rPr lang="en-US" altLang="ja-JP" sz="1200" dirty="0">
-                <a:latin typeface="Courier" charset="0"/>
-                <a:ea typeface="Courier" charset="0"/>
-                <a:cs typeface="Courier" charset="0"/>
-              </a:rPr>
-              <a:t>entry key="mc1"&gt; 1-3 5 &lt;/entry&gt; </a:t>
-            </a:r>
-            <a:endParaRPr lang="en-US" altLang="ja-JP" sz="1200" dirty="0" smtClean="0">
-              <a:latin typeface="Courier" charset="0"/>
-              <a:ea typeface="Courier" charset="0"/>
-              <a:cs typeface="Courier" charset="0"/>
-            </a:endParaRPr>
-          </a:p>
-          <a:p>
-            <a:pPr lvl="1">
-              <a:defRPr/>
-            </a:pPr>
-            <a:endParaRPr lang="en-US" altLang="ja-JP" sz="1400" dirty="0"/>
-          </a:p>
-          <a:p>
-            <a:pPr lvl="1">
-              <a:defRPr/>
-            </a:pPr>
-            <a:r>
-              <a:rPr lang="en-US" altLang="ja-JP" sz="1400" dirty="0" smtClean="0"/>
-              <a:t>generates grid </a:t>
-            </a:r>
-            <a:r>
-              <a:rPr lang="en-US" altLang="ja-JP" sz="1400" dirty="0"/>
-              <a:t>points for Q1,Q2,Q3, and Q5. </a:t>
-            </a:r>
-            <a:endParaRPr lang="en-US" altLang="ja-JP" sz="1400" dirty="0" smtClean="0"/>
-          </a:p>
-          <a:p>
-            <a:pPr lvl="1">
-              <a:defRPr/>
-            </a:pPr>
-            <a:endParaRPr lang="en-US" altLang="ja-JP" sz="1400" dirty="0" smtClean="0"/>
-          </a:p>
-          <a:p>
-            <a:pPr lvl="1">
-              <a:defRPr/>
-            </a:pPr>
-            <a:r>
-              <a:rPr lang="en-US" altLang="ja-JP" sz="1400" dirty="0" smtClean="0"/>
-              <a:t>mc2:</a:t>
-            </a:r>
-          </a:p>
-          <a:p>
-            <a:pPr lvl="2">
-              <a:defRPr/>
-            </a:pPr>
-            <a:r>
-              <a:rPr lang="en-US" altLang="ja-JP" sz="1200" dirty="0">
-                <a:latin typeface="Courier" charset="0"/>
-                <a:ea typeface="Courier" charset="0"/>
-                <a:cs typeface="Courier" charset="0"/>
-              </a:rPr>
-              <a:t>&lt;entry key="mc2"&gt; 1,2, 1,4, 2,4, 3,4 &lt;/entry&gt; </a:t>
-            </a:r>
-            <a:r>
-              <a:rPr lang="en-US" altLang="ja-JP" sz="1200" dirty="0" smtClean="0">
-                <a:latin typeface="Courier" charset="0"/>
-                <a:ea typeface="Courier" charset="0"/>
-                <a:cs typeface="Courier" charset="0"/>
-              </a:rPr>
-              <a:t> </a:t>
-            </a:r>
-            <a:endParaRPr lang="en-US" altLang="ja-JP" sz="1400" dirty="0"/>
-          </a:p>
-          <a:p>
-            <a:pPr lvl="1">
-              <a:defRPr/>
-            </a:pPr>
-            <a:r>
-              <a:rPr lang="en-US" altLang="ja-JP" sz="1400" dirty="0" smtClean="0"/>
-              <a:t>or</a:t>
-            </a:r>
-            <a:endParaRPr lang="en-US" altLang="ja-JP" sz="1400" dirty="0"/>
-          </a:p>
-          <a:p>
-            <a:pPr lvl="2">
-              <a:defRPr/>
-            </a:pPr>
-            <a:r>
-              <a:rPr lang="en-US" altLang="ja-JP" sz="1200" dirty="0">
-                <a:latin typeface="Courier" charset="0"/>
-                <a:ea typeface="Courier" charset="0"/>
-                <a:cs typeface="Courier" charset="0"/>
-              </a:rPr>
-              <a:t>&lt;entry key="mc2"&gt; 1,2, 1-3,4 &lt;/entry&gt; </a:t>
-            </a:r>
-            <a:endParaRPr lang="en-US" altLang="ja-JP" sz="1200" dirty="0" smtClean="0">
-              <a:latin typeface="Courier" charset="0"/>
-              <a:ea typeface="Courier" charset="0"/>
-              <a:cs typeface="Courier" charset="0"/>
-            </a:endParaRPr>
-          </a:p>
-          <a:p>
-            <a:pPr lvl="1">
-              <a:defRPr/>
-            </a:pPr>
-            <a:endParaRPr lang="en-US" altLang="ja-JP" sz="1400" dirty="0" smtClean="0"/>
-          </a:p>
-          <a:p>
-            <a:pPr lvl="1">
-              <a:defRPr/>
-            </a:pPr>
-            <a:r>
-              <a:rPr lang="en-US" altLang="ja-JP" sz="1400" dirty="0" smtClean="0"/>
-              <a:t>generates </a:t>
-            </a:r>
-            <a:r>
-              <a:rPr lang="en-US" altLang="ja-JP" sz="1400" dirty="0"/>
-              <a:t>the grid points for (Q2, Q1),(Q4, Q1),(Q4, Q2), and (Q4, Q3). </a:t>
-            </a:r>
-          </a:p>
-        </p:txBody>
-      </p:sp>
-    </p:spTree>
-    <p:extLst>
-      <p:ext uri="{BB962C8B-B14F-4D97-AF65-F5344CB8AC3E}">
-        <p14:creationId xmlns:p14="http://schemas.microsoft.com/office/powerpoint/2010/main" val="891480015"/>
-      </p:ext>
-    </p:extLst>
-  </p:cSld>
-  <p:clrMapOvr>
-    <a:masterClrMapping/>
-  </p:clrMapOvr>
-</p:sld>
-</file>
-
-<file path=ppt/slides/slide8.xml><?xml version="1.0" encoding="utf-8"?>
-<p:sld xmlns:a="http://schemas.openxmlformats.org/drawingml/2006/main" xmlns:r="http://schemas.openxmlformats.org/officeDocument/2006/relationships" xmlns:p="http://schemas.openxmlformats.org/presentationml/2006/main">
-  <p:cSld>
-    <p:spTree>
-      <p:nvGrpSpPr>
-        <p:cNvPr id="1" name=""/>
-        <p:cNvGrpSpPr/>
-        <p:nvPr/>
-      </p:nvGrpSpPr>
-      <p:grpSpPr>
-        <a:xfrm>
-          <a:off x="0" y="0"/>
-          <a:ext cx="0" cy="0"/>
-          <a:chOff x="0" y="0"/>
-          <a:chExt cx="0" cy="0"/>
-        </a:xfrm>
-      </p:grpSpPr>
-      <p:sp>
-        <p:nvSpPr>
-          <p:cNvPr id="2" name="スライド番号プレースホルダー 1"/>
-          <p:cNvSpPr>
-            <a:spLocks noGrp="1"/>
-          </p:cNvSpPr>
-          <p:nvPr>
-            <p:ph type="sldNum" sz="quarter" idx="12"/>
-          </p:nvPr>
-        </p:nvSpPr>
-        <p:spPr/>
-        <p:txBody>
-          <a:bodyPr/>
-          <a:lstStyle/>
-          <a:p>
-            <a:fld id="{7D34BB6B-1E1A-9541-9560-488905BF54FF}" type="slidenum">
-              <a:rPr kumimoji="1" lang="ja-JP" altLang="en-US" smtClean="0"/>
-              <a:t>7</a:t>
-            </a:fld>
-            <a:endParaRPr kumimoji="1" lang="ja-JP" altLang="en-US"/>
-          </a:p>
-        </p:txBody>
-      </p:sp>
-      <p:sp>
-        <p:nvSpPr>
-          <p:cNvPr id="3" name="テキスト ボックス 2"/>
-          <p:cNvSpPr txBox="1"/>
-          <p:nvPr/>
-        </p:nvSpPr>
-        <p:spPr>
-          <a:xfrm>
-            <a:off x="914401" y="232637"/>
-            <a:ext cx="7827665" cy="5786199"/>
-          </a:xfrm>
-          <a:prstGeom prst="rect">
-            <a:avLst/>
-          </a:prstGeom>
-          <a:noFill/>
-        </p:spPr>
-        <p:txBody>
-          <a:bodyPr wrap="square">
-            <a:spAutoFit/>
-          </a:bodyPr>
-          <a:lstStyle/>
-          <a:p>
-            <a:pPr lvl="1">
-              <a:defRPr/>
-            </a:pPr>
-            <a:endParaRPr lang="en-US" altLang="ja-JP" sz="1400" dirty="0"/>
-          </a:p>
-          <a:p>
-            <a:pPr lvl="1">
-              <a:defRPr/>
-            </a:pPr>
-            <a:r>
-              <a:rPr lang="en-US" altLang="ja-JP" sz="1400" dirty="0" smtClean="0"/>
-              <a:t>mc3:</a:t>
-            </a:r>
-            <a:endParaRPr lang="en-US" altLang="ja-JP" sz="1400" dirty="0"/>
-          </a:p>
-          <a:p>
-            <a:pPr lvl="2">
-              <a:defRPr/>
-            </a:pPr>
-            <a:r>
-              <a:rPr lang="en-US" altLang="ja-JP" sz="1200" dirty="0" smtClean="0">
-                <a:latin typeface="Courier" charset="0"/>
-                <a:ea typeface="Courier" charset="0"/>
-                <a:cs typeface="Courier" charset="0"/>
-              </a:rPr>
-              <a:t>&lt;</a:t>
-            </a:r>
-            <a:r>
-              <a:rPr lang="en-US" altLang="ja-JP" sz="1200" dirty="0">
-                <a:latin typeface="Courier" charset="0"/>
-                <a:ea typeface="Courier" charset="0"/>
-                <a:cs typeface="Courier" charset="0"/>
-              </a:rPr>
-              <a:t>entry key="mc3"&gt; 1,2,3, 1,2,4 &lt;/entry&gt; </a:t>
-            </a:r>
-            <a:endParaRPr lang="en-US" altLang="ja-JP" sz="1200" dirty="0" smtClean="0">
-              <a:latin typeface="Courier" charset="0"/>
-              <a:ea typeface="Courier" charset="0"/>
-              <a:cs typeface="Courier" charset="0"/>
-            </a:endParaRPr>
-          </a:p>
-          <a:p>
-            <a:pPr lvl="1">
-              <a:defRPr/>
-            </a:pPr>
-            <a:endParaRPr lang="en-US" altLang="ja-JP" sz="1400" dirty="0"/>
-          </a:p>
-          <a:p>
-            <a:pPr lvl="1">
-              <a:defRPr/>
-            </a:pPr>
-            <a:r>
-              <a:rPr lang="en-US" altLang="ja-JP" sz="1400" dirty="0" smtClean="0"/>
-              <a:t>generates </a:t>
-            </a:r>
-            <a:r>
-              <a:rPr lang="en-US" altLang="ja-JP" sz="1400" dirty="0"/>
-              <a:t>the grid points for (Q3, Q2, Q1) and (Q4, Q2, Q1).</a:t>
-            </a:r>
-            <a:br>
-              <a:rPr lang="en-US" altLang="ja-JP" sz="1400" dirty="0"/>
-            </a:br>
-            <a:endParaRPr lang="en-US" altLang="ja-JP" sz="1400" dirty="0" smtClean="0"/>
-          </a:p>
-          <a:p>
-            <a:pPr>
-              <a:defRPr/>
-            </a:pPr>
-            <a:r>
-              <a:rPr lang="en-US" altLang="ja-JP" sz="1400" dirty="0" smtClean="0"/>
-              <a:t>NOTE</a:t>
-            </a:r>
-            <a:r>
-              <a:rPr lang="en-US" altLang="ja-JP" sz="1400" dirty="0"/>
-              <a:t>: One of </a:t>
-            </a:r>
-            <a:r>
-              <a:rPr lang="en-US" altLang="ja-JP" sz="1400" dirty="0" err="1"/>
-              <a:t>fullmc</a:t>
-            </a:r>
-            <a:r>
-              <a:rPr lang="en-US" altLang="ja-JP" sz="1400" dirty="0"/>
-              <a:t>, mc1, mc2, or mc3 must be present in the input file. </a:t>
-            </a:r>
-          </a:p>
-          <a:p>
-            <a:pPr lvl="1">
-              <a:defRPr/>
-            </a:pPr>
-            <a:endParaRPr lang="en-US" altLang="ja-JP" sz="1400" dirty="0"/>
-          </a:p>
-          <a:p>
-            <a:pPr marL="457200" lvl="2">
-              <a:defRPr/>
-            </a:pPr>
-            <a:r>
-              <a:rPr lang="en-US" altLang="ja-JP" sz="1400" dirty="0" smtClean="0"/>
-              <a:t> </a:t>
-            </a:r>
-            <a:endParaRPr lang="en-US" altLang="ja-JP" sz="1400" dirty="0"/>
-          </a:p>
-          <a:p>
-            <a:pPr>
-              <a:defRPr/>
-            </a:pPr>
-            <a:r>
-              <a:rPr lang="en-US" altLang="ja-JP" dirty="0" smtClean="0"/>
-              <a:t>HYBRID </a:t>
-            </a:r>
-            <a:r>
-              <a:rPr lang="en-US" altLang="ja-JP" dirty="0"/>
-              <a:t>keys</a:t>
-            </a:r>
-          </a:p>
-          <a:p>
-            <a:pPr>
-              <a:defRPr/>
-            </a:pPr>
-            <a:endParaRPr lang="en-US" altLang="ja-JP" dirty="0"/>
-          </a:p>
-          <a:p>
-            <a:pPr marL="285750" indent="-285750">
-              <a:buFont typeface="Arial" charset="0"/>
-              <a:buChar char="•"/>
-              <a:defRPr/>
-            </a:pPr>
-            <a:r>
-              <a:rPr lang="en-US" altLang="ja-JP" sz="1400" dirty="0" err="1"/>
-              <a:t>ngrid</a:t>
-            </a:r>
-            <a:r>
-              <a:rPr lang="en-US" altLang="ja-JP" sz="1400" dirty="0"/>
-              <a:t>: integer number</a:t>
-            </a:r>
-          </a:p>
-          <a:p>
-            <a:pPr lvl="1">
-              <a:defRPr/>
-            </a:pPr>
-            <a:r>
-              <a:rPr lang="en-US" altLang="ja-JP" sz="1400" dirty="0"/>
-              <a:t>The number of grid points along each coordinates. (default = 11)  </a:t>
-            </a:r>
-            <a:endParaRPr lang="en-US" altLang="ja-JP" sz="1400" dirty="0" smtClean="0"/>
-          </a:p>
-          <a:p>
-            <a:pPr lvl="1">
-              <a:defRPr/>
-            </a:pPr>
-            <a:endParaRPr lang="en-US" altLang="ja-JP" sz="1400" dirty="0"/>
-          </a:p>
-          <a:p>
-            <a:pPr marL="285750" indent="-285750">
-              <a:buFont typeface="Arial" charset="0"/>
-              <a:buChar char="•"/>
-              <a:defRPr/>
-            </a:pPr>
-            <a:r>
-              <a:rPr lang="en-US" altLang="ja-JP" sz="1400" dirty="0" err="1"/>
-              <a:t>mopfile</a:t>
-            </a:r>
-            <a:r>
-              <a:rPr lang="en-US" altLang="ja-JP" sz="1400" dirty="0"/>
-              <a:t>: file name</a:t>
-            </a:r>
-          </a:p>
-          <a:p>
-            <a:pPr lvl="1">
-              <a:defRPr/>
-            </a:pPr>
-            <a:r>
-              <a:rPr lang="en-US" altLang="ja-JP" sz="1400" dirty="0"/>
-              <a:t>The name of mop file, in which the QFF coefficients are written. (default = </a:t>
-            </a:r>
-            <a:r>
-              <a:rPr lang="en-US" altLang="ja-JP" sz="1400" dirty="0" smtClean="0"/>
-              <a:t>prop_no_1.mop</a:t>
-            </a:r>
-            <a:r>
-              <a:rPr lang="en-US" altLang="ja-JP" sz="1400" dirty="0"/>
-              <a:t>) </a:t>
-            </a:r>
-          </a:p>
-          <a:p>
-            <a:pPr lvl="1">
-              <a:defRPr/>
-            </a:pPr>
-            <a:endParaRPr lang="en-US" altLang="ja-JP" sz="1400" dirty="0" smtClean="0"/>
-          </a:p>
-          <a:p>
-            <a:pPr marL="285750" indent="-285750">
-              <a:buFont typeface="Arial" charset="0"/>
-              <a:buChar char="•"/>
-              <a:defRPr/>
-            </a:pPr>
-            <a:r>
-              <a:rPr lang="en-US" altLang="ja-JP" sz="1400" dirty="0" err="1" smtClean="0"/>
-              <a:t>mcsstrength</a:t>
-            </a:r>
-            <a:r>
-              <a:rPr lang="en-US" altLang="ja-JP" sz="1400" dirty="0" smtClean="0"/>
-              <a:t>: real number</a:t>
-            </a:r>
-            <a:endParaRPr lang="en-US" altLang="ja-JP" sz="1400" dirty="0"/>
-          </a:p>
-          <a:p>
-            <a:pPr lvl="1">
-              <a:defRPr/>
-            </a:pPr>
-            <a:r>
-              <a:rPr lang="en-US" altLang="ja-JP" sz="1400" dirty="0"/>
-              <a:t>The threshold value (in cm</a:t>
-            </a:r>
-            <a:r>
-              <a:rPr lang="en-US" altLang="ja-JP" sz="1400" baseline="30000" dirty="0"/>
-              <a:t>−1</a:t>
-            </a:r>
-            <a:r>
-              <a:rPr lang="en-US" altLang="ja-JP" sz="1400" dirty="0"/>
-              <a:t>) to select the mode coupling term for generating the grid potential. The coupling terms with MCS larger than this value are generated. </a:t>
-            </a:r>
-          </a:p>
-          <a:p>
-            <a:pPr lvl="1">
-              <a:defRPr/>
-            </a:pPr>
-            <a:endParaRPr lang="en-US" altLang="ja-JP" sz="1400" dirty="0" smtClean="0"/>
-          </a:p>
-          <a:p>
-            <a:pPr lvl="1">
-              <a:defRPr/>
-            </a:pPr>
-            <a:endParaRPr lang="en-US" altLang="ja-JP" sz="1400" dirty="0" smtClean="0"/>
-          </a:p>
-          <a:p>
-            <a:pPr>
-              <a:defRPr/>
-            </a:pPr>
-            <a:r>
-              <a:rPr lang="en-US" altLang="ja-JP" sz="1400" dirty="0"/>
-              <a:t>NOTE: Hybrid PES requires two lines in </a:t>
-            </a:r>
-            <a:r>
-              <a:rPr lang="en-US" altLang="ja-JP" sz="1400" dirty="0" err="1"/>
-              <a:t>qchem</a:t>
-            </a:r>
-            <a:r>
-              <a:rPr lang="en-US" altLang="ja-JP" sz="1400" dirty="0"/>
-              <a:t> entry, where the first and second line specifies the quantum chemistry jobs for QFF and Grid, respectively. </a:t>
-            </a:r>
-            <a:endParaRPr lang="en-US" altLang="ja-JP" sz="1400" dirty="0"/>
-          </a:p>
-          <a:p>
-            <a:pPr lvl="1">
-              <a:defRPr/>
-            </a:pPr>
-            <a:endParaRPr lang="en-US" altLang="ja-JP" sz="1400" dirty="0"/>
-          </a:p>
-        </p:txBody>
-      </p:sp>
-    </p:spTree>
-    <p:extLst>
-      <p:ext uri="{BB962C8B-B14F-4D97-AF65-F5344CB8AC3E}">
-        <p14:creationId xmlns:p14="http://schemas.microsoft.com/office/powerpoint/2010/main" val="1812047942"/>
       </p:ext>
     </p:extLst>
   </p:cSld>

--- a/doc/MakePES/usage_MakePES.pptx
+++ b/doc/MakePES/usage_MakePES.pptx
@@ -5,21 +5,24 @@
     <p:sldMasterId id="2147483660" r:id="rId1"/>
   </p:sldMasterIdLst>
   <p:notesMasterIdLst>
-    <p:notesMasterId r:id="rId14"/>
+    <p:notesMasterId r:id="rId17"/>
   </p:notesMasterIdLst>
   <p:sldIdLst>
     <p:sldId id="256" r:id="rId2"/>
     <p:sldId id="281" r:id="rId3"/>
-    <p:sldId id="284" r:id="rId4"/>
-    <p:sldId id="273" r:id="rId5"/>
-    <p:sldId id="274" r:id="rId6"/>
-    <p:sldId id="280" r:id="rId7"/>
-    <p:sldId id="275" r:id="rId8"/>
-    <p:sldId id="276" r:id="rId9"/>
-    <p:sldId id="277" r:id="rId10"/>
-    <p:sldId id="278" r:id="rId11"/>
-    <p:sldId id="282" r:id="rId12"/>
-    <p:sldId id="279" r:id="rId13"/>
+    <p:sldId id="257" r:id="rId4"/>
+    <p:sldId id="286" r:id="rId5"/>
+    <p:sldId id="290" r:id="rId6"/>
+    <p:sldId id="284" r:id="rId7"/>
+    <p:sldId id="273" r:id="rId8"/>
+    <p:sldId id="274" r:id="rId9"/>
+    <p:sldId id="280" r:id="rId10"/>
+    <p:sldId id="275" r:id="rId11"/>
+    <p:sldId id="276" r:id="rId12"/>
+    <p:sldId id="277" r:id="rId13"/>
+    <p:sldId id="278" r:id="rId14"/>
+    <p:sldId id="282" r:id="rId15"/>
+    <p:sldId id="279" r:id="rId16"/>
   </p:sldIdLst>
   <p:sldSz cx="9144000" cy="6858000" type="screen4x3"/>
   <p:notesSz cx="6858000" cy="9144000"/>
@@ -126,7 +129,7 @@
             <a:srgbClr val="A4A3A4"/>
           </p15:clr>
         </p15:guide>
-        <p15:guide id="2" pos="499" userDrawn="1">
+        <p15:guide id="2" pos="975" userDrawn="1">
           <p15:clr>
             <a:srgbClr val="A4A3A4"/>
           </p15:clr>
@@ -219,7 +222,7 @@
           <a:p>
             <a:fld id="{E169DC26-B38B-F143-8CF0-891C5D30D367}" type="datetimeFigureOut">
               <a:rPr kumimoji="1" lang="ja-JP" altLang="en-US" smtClean="0"/>
-              <a:t>2019/1/19</a:t>
+              <a:t>2019/5/3</a:t>
             </a:fld>
             <a:endParaRPr kumimoji="1" lang="ja-JP" altLang="en-US"/>
           </a:p>
@@ -283,70 +286,69 @@
           <a:p>
             <a:pPr lvl="0"/>
             <a:r>
-              <a:rPr kumimoji="1" lang="ja-JP" altLang="en-US" smtClean="0"/>
+              <a:rPr kumimoji="1" lang="ja-JP" altLang="en-US"/>
               <a:t>マスター テキストの書式設定</a:t>
             </a:r>
           </a:p>
           <a:p>
             <a:pPr lvl="1"/>
             <a:r>
-              <a:rPr kumimoji="1" lang="ja-JP" altLang="en-US" smtClean="0"/>
+              <a:rPr kumimoji="1" lang="ja-JP" altLang="en-US"/>
               <a:t>第 </a:t>
             </a:r>
             <a:r>
-              <a:rPr kumimoji="1" lang="en-US" altLang="ja-JP" smtClean="0"/>
+              <a:rPr kumimoji="1" lang="en-US" altLang="ja-JP"/>
               <a:t>2 </a:t>
             </a:r>
             <a:r>
-              <a:rPr kumimoji="1" lang="ja-JP" altLang="en-US" smtClean="0"/>
+              <a:rPr kumimoji="1" lang="ja-JP" altLang="en-US"/>
               <a:t>レベル</a:t>
             </a:r>
           </a:p>
           <a:p>
             <a:pPr lvl="2"/>
             <a:r>
-              <a:rPr kumimoji="1" lang="ja-JP" altLang="en-US" smtClean="0"/>
+              <a:rPr kumimoji="1" lang="ja-JP" altLang="en-US"/>
               <a:t>第 </a:t>
             </a:r>
             <a:r>
-              <a:rPr kumimoji="1" lang="en-US" altLang="ja-JP" smtClean="0"/>
+              <a:rPr kumimoji="1" lang="en-US" altLang="ja-JP"/>
               <a:t>3 </a:t>
             </a:r>
             <a:r>
-              <a:rPr kumimoji="1" lang="ja-JP" altLang="en-US" smtClean="0"/>
+              <a:rPr kumimoji="1" lang="ja-JP" altLang="en-US"/>
               <a:t>レベル</a:t>
             </a:r>
           </a:p>
           <a:p>
             <a:pPr lvl="3"/>
             <a:r>
-              <a:rPr kumimoji="1" lang="ja-JP" altLang="en-US" smtClean="0"/>
+              <a:rPr kumimoji="1" lang="ja-JP" altLang="en-US"/>
               <a:t>第 </a:t>
             </a:r>
             <a:r>
-              <a:rPr kumimoji="1" lang="en-US" altLang="ja-JP" smtClean="0"/>
+              <a:rPr kumimoji="1" lang="en-US" altLang="ja-JP"/>
               <a:t>4 </a:t>
             </a:r>
             <a:r>
-              <a:rPr kumimoji="1" lang="ja-JP" altLang="en-US" smtClean="0"/>
+              <a:rPr kumimoji="1" lang="ja-JP" altLang="en-US"/>
               <a:t>レベル</a:t>
             </a:r>
           </a:p>
           <a:p>
             <a:pPr lvl="4"/>
             <a:r>
-              <a:rPr kumimoji="1" lang="ja-JP" altLang="en-US" smtClean="0"/>
+              <a:rPr kumimoji="1" lang="ja-JP" altLang="en-US"/>
               <a:t>第 </a:t>
             </a:r>
             <a:r>
-              <a:rPr kumimoji="1" lang="en-US" altLang="ja-JP" smtClean="0"/>
+              <a:rPr kumimoji="1" lang="en-US" altLang="ja-JP"/>
               <a:t>5 </a:t>
             </a:r>
             <a:r>
-              <a:rPr kumimoji="1" lang="ja-JP" altLang="en-US" smtClean="0"/>
+              <a:rPr kumimoji="1" lang="ja-JP" altLang="en-US"/>
               <a:t>レベル</a:t>
             </a:r>
-            <a:endParaRPr kumimoji="1" lang="ja-JP" altLang="en-US"/>
           </a:p>
         </p:txBody>
       </p:sp>
@@ -584,7 +586,7 @@
           <a:p>
             <a:fld id="{CB330B12-DA10-564A-B315-552E0E80E3C6}" type="slidenum">
               <a:rPr kumimoji="1" lang="ja-JP" altLang="en-US" smtClean="0"/>
-              <a:t>4</a:t>
+              <a:t>7</a:t>
             </a:fld>
             <a:endParaRPr kumimoji="1" lang="ja-JP" altLang="en-US"/>
           </a:p>
@@ -645,7 +647,7 @@
           </a:lstStyle>
           <a:p>
             <a:r>
-              <a:rPr lang="ja-JP" altLang="en-US" smtClean="0"/>
+              <a:rPr lang="ja-JP" altLang="en-US"/>
               <a:t>マスター タイトルの書式設定</a:t>
             </a:r>
             <a:endParaRPr lang="en-US" dirty="0"/>
@@ -710,7 +712,7 @@
           </a:lstStyle>
           <a:p>
             <a:r>
-              <a:rPr lang="ja-JP" altLang="en-US" smtClean="0"/>
+              <a:rPr lang="ja-JP" altLang="en-US"/>
               <a:t>マスター サブタイトルの書式設定</a:t>
             </a:r>
             <a:endParaRPr lang="en-US" dirty="0"/>
@@ -734,7 +736,7 @@
           <a:p>
             <a:fld id="{EE7860AB-3E3A-634E-9588-3634E3BE52A0}" type="datetime1">
               <a:rPr kumimoji="1" lang="ja-JP" altLang="en-US" smtClean="0"/>
-              <a:t>2019/1/19</a:t>
+              <a:t>2019/5/3</a:t>
             </a:fld>
             <a:endParaRPr kumimoji="1" lang="ja-JP" altLang="en-US"/>
           </a:p>
@@ -823,7 +825,7 @@
           <a:lstStyle/>
           <a:p>
             <a:r>
-              <a:rPr lang="ja-JP" altLang="en-US" smtClean="0"/>
+              <a:rPr lang="ja-JP" altLang="en-US"/>
               <a:t>マスター タイトルの書式設定</a:t>
             </a:r>
             <a:endParaRPr lang="en-US" dirty="0"/>
@@ -847,67 +849,67 @@
           <a:p>
             <a:pPr lvl="0"/>
             <a:r>
-              <a:rPr lang="ja-JP" altLang="en-US" smtClean="0"/>
+              <a:rPr lang="ja-JP" altLang="en-US"/>
               <a:t>マスター テキストの書式設定</a:t>
             </a:r>
           </a:p>
           <a:p>
             <a:pPr lvl="1"/>
             <a:r>
-              <a:rPr lang="ja-JP" altLang="en-US" smtClean="0"/>
+              <a:rPr lang="ja-JP" altLang="en-US"/>
               <a:t>第 </a:t>
             </a:r>
             <a:r>
-              <a:rPr lang="en-US" altLang="ja-JP" smtClean="0"/>
+              <a:rPr lang="en-US" altLang="ja-JP"/>
               <a:t>2 </a:t>
             </a:r>
             <a:r>
-              <a:rPr lang="ja-JP" altLang="en-US" smtClean="0"/>
+              <a:rPr lang="ja-JP" altLang="en-US"/>
               <a:t>レベル</a:t>
             </a:r>
           </a:p>
           <a:p>
             <a:pPr lvl="2"/>
             <a:r>
-              <a:rPr lang="ja-JP" altLang="en-US" smtClean="0"/>
+              <a:rPr lang="ja-JP" altLang="en-US"/>
               <a:t>第 </a:t>
             </a:r>
             <a:r>
-              <a:rPr lang="en-US" altLang="ja-JP" smtClean="0"/>
+              <a:rPr lang="en-US" altLang="ja-JP"/>
               <a:t>3 </a:t>
             </a:r>
             <a:r>
-              <a:rPr lang="ja-JP" altLang="en-US" smtClean="0"/>
+              <a:rPr lang="ja-JP" altLang="en-US"/>
               <a:t>レベル</a:t>
             </a:r>
           </a:p>
           <a:p>
             <a:pPr lvl="3"/>
             <a:r>
-              <a:rPr lang="ja-JP" altLang="en-US" smtClean="0"/>
+              <a:rPr lang="ja-JP" altLang="en-US"/>
               <a:t>第 </a:t>
             </a:r>
             <a:r>
-              <a:rPr lang="en-US" altLang="ja-JP" smtClean="0"/>
+              <a:rPr lang="en-US" altLang="ja-JP"/>
               <a:t>4 </a:t>
             </a:r>
             <a:r>
-              <a:rPr lang="ja-JP" altLang="en-US" smtClean="0"/>
+              <a:rPr lang="ja-JP" altLang="en-US"/>
               <a:t>レベル</a:t>
             </a:r>
           </a:p>
           <a:p>
             <a:pPr lvl="4"/>
             <a:r>
-              <a:rPr lang="ja-JP" altLang="en-US" smtClean="0"/>
+              <a:rPr lang="ja-JP" altLang="en-US"/>
               <a:t>第 </a:t>
             </a:r>
             <a:r>
-              <a:rPr lang="en-US" altLang="ja-JP" smtClean="0"/>
+              <a:rPr lang="en-US" altLang="ja-JP"/>
               <a:t>5 </a:t>
             </a:r>
             <a:r>
-              <a:rPr lang="ja-JP" altLang="en-US" smtClean="0"/>
+              <a:rPr lang="ja-JP" altLang="en-US"/>
               <a:t>レベル</a:t>
             </a:r>
             <a:endParaRPr lang="en-US" dirty="0"/>
@@ -931,7 +933,7 @@
           <a:p>
             <a:fld id="{9F997464-49D2-A046-AC0E-5FDFD3DF665B}" type="datetime1">
               <a:rPr kumimoji="1" lang="ja-JP" altLang="en-US" smtClean="0"/>
-              <a:t>2019/1/19</a:t>
+              <a:t>2019/5/3</a:t>
             </a:fld>
             <a:endParaRPr kumimoji="1" lang="ja-JP" altLang="en-US"/>
           </a:p>
@@ -1025,7 +1027,7 @@
           <a:lstStyle/>
           <a:p>
             <a:r>
-              <a:rPr lang="ja-JP" altLang="en-US" smtClean="0"/>
+              <a:rPr lang="ja-JP" altLang="en-US"/>
               <a:t>マスター タイトルの書式設定</a:t>
             </a:r>
             <a:endParaRPr lang="en-US" dirty="0"/>
@@ -1054,67 +1056,67 @@
           <a:p>
             <a:pPr lvl="0"/>
             <a:r>
-              <a:rPr lang="ja-JP" altLang="en-US" smtClean="0"/>
+              <a:rPr lang="ja-JP" altLang="en-US"/>
               <a:t>マスター テキストの書式設定</a:t>
             </a:r>
           </a:p>
           <a:p>
             <a:pPr lvl="1"/>
             <a:r>
-              <a:rPr lang="ja-JP" altLang="en-US" smtClean="0"/>
+              <a:rPr lang="ja-JP" altLang="en-US"/>
               <a:t>第 </a:t>
             </a:r>
             <a:r>
-              <a:rPr lang="en-US" altLang="ja-JP" smtClean="0"/>
+              <a:rPr lang="en-US" altLang="ja-JP"/>
               <a:t>2 </a:t>
             </a:r>
             <a:r>
-              <a:rPr lang="ja-JP" altLang="en-US" smtClean="0"/>
+              <a:rPr lang="ja-JP" altLang="en-US"/>
               <a:t>レベル</a:t>
             </a:r>
           </a:p>
           <a:p>
             <a:pPr lvl="2"/>
             <a:r>
-              <a:rPr lang="ja-JP" altLang="en-US" smtClean="0"/>
+              <a:rPr lang="ja-JP" altLang="en-US"/>
               <a:t>第 </a:t>
             </a:r>
             <a:r>
-              <a:rPr lang="en-US" altLang="ja-JP" smtClean="0"/>
+              <a:rPr lang="en-US" altLang="ja-JP"/>
               <a:t>3 </a:t>
             </a:r>
             <a:r>
-              <a:rPr lang="ja-JP" altLang="en-US" smtClean="0"/>
+              <a:rPr lang="ja-JP" altLang="en-US"/>
               <a:t>レベル</a:t>
             </a:r>
           </a:p>
           <a:p>
             <a:pPr lvl="3"/>
             <a:r>
-              <a:rPr lang="ja-JP" altLang="en-US" smtClean="0"/>
+              <a:rPr lang="ja-JP" altLang="en-US"/>
               <a:t>第 </a:t>
             </a:r>
             <a:r>
-              <a:rPr lang="en-US" altLang="ja-JP" smtClean="0"/>
+              <a:rPr lang="en-US" altLang="ja-JP"/>
               <a:t>4 </a:t>
             </a:r>
             <a:r>
-              <a:rPr lang="ja-JP" altLang="en-US" smtClean="0"/>
+              <a:rPr lang="ja-JP" altLang="en-US"/>
               <a:t>レベル</a:t>
             </a:r>
           </a:p>
           <a:p>
             <a:pPr lvl="4"/>
             <a:r>
-              <a:rPr lang="ja-JP" altLang="en-US" smtClean="0"/>
+              <a:rPr lang="ja-JP" altLang="en-US"/>
               <a:t>第 </a:t>
             </a:r>
             <a:r>
-              <a:rPr lang="en-US" altLang="ja-JP" smtClean="0"/>
+              <a:rPr lang="en-US" altLang="ja-JP"/>
               <a:t>5 </a:t>
             </a:r>
             <a:r>
-              <a:rPr lang="ja-JP" altLang="en-US" smtClean="0"/>
+              <a:rPr lang="ja-JP" altLang="en-US"/>
               <a:t>レベル</a:t>
             </a:r>
             <a:endParaRPr lang="en-US" dirty="0"/>
@@ -1138,7 +1140,7 @@
           <a:p>
             <a:fld id="{2CBD1245-BC8C-4342-A14F-D901B9B13210}" type="datetime1">
               <a:rPr kumimoji="1" lang="ja-JP" altLang="en-US" smtClean="0"/>
-              <a:t>2019/1/19</a:t>
+              <a:t>2019/5/3</a:t>
             </a:fld>
             <a:endParaRPr kumimoji="1" lang="ja-JP" altLang="en-US"/>
           </a:p>
@@ -1227,7 +1229,7 @@
           <a:lstStyle/>
           <a:p>
             <a:r>
-              <a:rPr lang="ja-JP" altLang="en-US" smtClean="0"/>
+              <a:rPr lang="ja-JP" altLang="en-US"/>
               <a:t>マスター タイトルの書式設定</a:t>
             </a:r>
             <a:endParaRPr lang="en-US" dirty="0"/>
@@ -1251,67 +1253,67 @@
           <a:p>
             <a:pPr lvl="0"/>
             <a:r>
-              <a:rPr lang="ja-JP" altLang="en-US" smtClean="0"/>
+              <a:rPr lang="ja-JP" altLang="en-US"/>
               <a:t>マスター テキストの書式設定</a:t>
             </a:r>
           </a:p>
           <a:p>
             <a:pPr lvl="1"/>
             <a:r>
-              <a:rPr lang="ja-JP" altLang="en-US" smtClean="0"/>
+              <a:rPr lang="ja-JP" altLang="en-US"/>
               <a:t>第 </a:t>
             </a:r>
             <a:r>
-              <a:rPr lang="en-US" altLang="ja-JP" smtClean="0"/>
+              <a:rPr lang="en-US" altLang="ja-JP"/>
               <a:t>2 </a:t>
             </a:r>
             <a:r>
-              <a:rPr lang="ja-JP" altLang="en-US" smtClean="0"/>
+              <a:rPr lang="ja-JP" altLang="en-US"/>
               <a:t>レベル</a:t>
             </a:r>
           </a:p>
           <a:p>
             <a:pPr lvl="2"/>
             <a:r>
-              <a:rPr lang="ja-JP" altLang="en-US" smtClean="0"/>
+              <a:rPr lang="ja-JP" altLang="en-US"/>
               <a:t>第 </a:t>
             </a:r>
             <a:r>
-              <a:rPr lang="en-US" altLang="ja-JP" smtClean="0"/>
+              <a:rPr lang="en-US" altLang="ja-JP"/>
               <a:t>3 </a:t>
             </a:r>
             <a:r>
-              <a:rPr lang="ja-JP" altLang="en-US" smtClean="0"/>
+              <a:rPr lang="ja-JP" altLang="en-US"/>
               <a:t>レベル</a:t>
             </a:r>
           </a:p>
           <a:p>
             <a:pPr lvl="3"/>
             <a:r>
-              <a:rPr lang="ja-JP" altLang="en-US" smtClean="0"/>
+              <a:rPr lang="ja-JP" altLang="en-US"/>
               <a:t>第 </a:t>
             </a:r>
             <a:r>
-              <a:rPr lang="en-US" altLang="ja-JP" smtClean="0"/>
+              <a:rPr lang="en-US" altLang="ja-JP"/>
               <a:t>4 </a:t>
             </a:r>
             <a:r>
-              <a:rPr lang="ja-JP" altLang="en-US" smtClean="0"/>
+              <a:rPr lang="ja-JP" altLang="en-US"/>
               <a:t>レベル</a:t>
             </a:r>
           </a:p>
           <a:p>
             <a:pPr lvl="4"/>
             <a:r>
-              <a:rPr lang="ja-JP" altLang="en-US" smtClean="0"/>
+              <a:rPr lang="ja-JP" altLang="en-US"/>
               <a:t>第 </a:t>
             </a:r>
             <a:r>
-              <a:rPr lang="en-US" altLang="ja-JP" smtClean="0"/>
+              <a:rPr lang="en-US" altLang="ja-JP"/>
               <a:t>5 </a:t>
             </a:r>
             <a:r>
-              <a:rPr lang="ja-JP" altLang="en-US" smtClean="0"/>
+              <a:rPr lang="ja-JP" altLang="en-US"/>
               <a:t>レベル</a:t>
             </a:r>
             <a:endParaRPr lang="en-US" dirty="0"/>
@@ -1335,7 +1337,7 @@
           <a:p>
             <a:fld id="{E0FF5DFC-0E6C-E144-A5DD-E851AA0EE050}" type="datetime1">
               <a:rPr kumimoji="1" lang="ja-JP" altLang="en-US" smtClean="0"/>
-              <a:t>2019/1/19</a:t>
+              <a:t>2019/5/3</a:t>
             </a:fld>
             <a:endParaRPr kumimoji="1" lang="ja-JP" altLang="en-US"/>
           </a:p>
@@ -1433,7 +1435,7 @@
           </a:lstStyle>
           <a:p>
             <a:r>
-              <a:rPr lang="ja-JP" altLang="en-US" smtClean="0"/>
+              <a:rPr lang="ja-JP" altLang="en-US"/>
               <a:t>マスター タイトルの書式設定</a:t>
             </a:r>
             <a:endParaRPr lang="en-US" dirty="0"/>
@@ -1551,7 +1553,7 @@
           <a:p>
             <a:pPr lvl="0"/>
             <a:r>
-              <a:rPr lang="ja-JP" altLang="en-US" smtClean="0"/>
+              <a:rPr lang="ja-JP" altLang="en-US"/>
               <a:t>マスター テキストの書式設定</a:t>
             </a:r>
           </a:p>
@@ -1574,7 +1576,7 @@
           <a:p>
             <a:fld id="{1373E6F4-CB37-3348-B268-694CC61CFDE2}" type="datetime1">
               <a:rPr kumimoji="1" lang="ja-JP" altLang="en-US" smtClean="0"/>
-              <a:t>2019/1/19</a:t>
+              <a:t>2019/5/3</a:t>
             </a:fld>
             <a:endParaRPr kumimoji="1" lang="ja-JP" altLang="en-US"/>
           </a:p>
@@ -1663,7 +1665,7 @@
           <a:lstStyle/>
           <a:p>
             <a:r>
-              <a:rPr lang="ja-JP" altLang="en-US" smtClean="0"/>
+              <a:rPr lang="ja-JP" altLang="en-US"/>
               <a:t>マスター タイトルの書式設定</a:t>
             </a:r>
             <a:endParaRPr lang="en-US" dirty="0"/>
@@ -1692,67 +1694,67 @@
           <a:p>
             <a:pPr lvl="0"/>
             <a:r>
-              <a:rPr lang="ja-JP" altLang="en-US" smtClean="0"/>
+              <a:rPr lang="ja-JP" altLang="en-US"/>
               <a:t>マスター テキストの書式設定</a:t>
             </a:r>
           </a:p>
           <a:p>
             <a:pPr lvl="1"/>
             <a:r>
-              <a:rPr lang="ja-JP" altLang="en-US" smtClean="0"/>
+              <a:rPr lang="ja-JP" altLang="en-US"/>
               <a:t>第 </a:t>
             </a:r>
             <a:r>
-              <a:rPr lang="en-US" altLang="ja-JP" smtClean="0"/>
+              <a:rPr lang="en-US" altLang="ja-JP"/>
               <a:t>2 </a:t>
             </a:r>
             <a:r>
-              <a:rPr lang="ja-JP" altLang="en-US" smtClean="0"/>
+              <a:rPr lang="ja-JP" altLang="en-US"/>
               <a:t>レベル</a:t>
             </a:r>
           </a:p>
           <a:p>
             <a:pPr lvl="2"/>
             <a:r>
-              <a:rPr lang="ja-JP" altLang="en-US" smtClean="0"/>
+              <a:rPr lang="ja-JP" altLang="en-US"/>
               <a:t>第 </a:t>
             </a:r>
             <a:r>
-              <a:rPr lang="en-US" altLang="ja-JP" smtClean="0"/>
+              <a:rPr lang="en-US" altLang="ja-JP"/>
               <a:t>3 </a:t>
             </a:r>
             <a:r>
-              <a:rPr lang="ja-JP" altLang="en-US" smtClean="0"/>
+              <a:rPr lang="ja-JP" altLang="en-US"/>
               <a:t>レベル</a:t>
             </a:r>
           </a:p>
           <a:p>
             <a:pPr lvl="3"/>
             <a:r>
-              <a:rPr lang="ja-JP" altLang="en-US" smtClean="0"/>
+              <a:rPr lang="ja-JP" altLang="en-US"/>
               <a:t>第 </a:t>
             </a:r>
             <a:r>
-              <a:rPr lang="en-US" altLang="ja-JP" smtClean="0"/>
+              <a:rPr lang="en-US" altLang="ja-JP"/>
               <a:t>4 </a:t>
             </a:r>
             <a:r>
-              <a:rPr lang="ja-JP" altLang="en-US" smtClean="0"/>
+              <a:rPr lang="ja-JP" altLang="en-US"/>
               <a:t>レベル</a:t>
             </a:r>
           </a:p>
           <a:p>
             <a:pPr lvl="4"/>
             <a:r>
-              <a:rPr lang="ja-JP" altLang="en-US" smtClean="0"/>
+              <a:rPr lang="ja-JP" altLang="en-US"/>
               <a:t>第 </a:t>
             </a:r>
             <a:r>
-              <a:rPr lang="en-US" altLang="ja-JP" smtClean="0"/>
+              <a:rPr lang="en-US" altLang="ja-JP"/>
               <a:t>5 </a:t>
             </a:r>
             <a:r>
-              <a:rPr lang="ja-JP" altLang="en-US" smtClean="0"/>
+              <a:rPr lang="ja-JP" altLang="en-US"/>
               <a:t>レベル</a:t>
             </a:r>
             <a:endParaRPr lang="en-US" dirty="0"/>
@@ -1781,67 +1783,67 @@
           <a:p>
             <a:pPr lvl="0"/>
             <a:r>
-              <a:rPr lang="ja-JP" altLang="en-US" smtClean="0"/>
+              <a:rPr lang="ja-JP" altLang="en-US"/>
               <a:t>マスター テキストの書式設定</a:t>
             </a:r>
           </a:p>
           <a:p>
             <a:pPr lvl="1"/>
             <a:r>
-              <a:rPr lang="ja-JP" altLang="en-US" smtClean="0"/>
+              <a:rPr lang="ja-JP" altLang="en-US"/>
               <a:t>第 </a:t>
             </a:r>
             <a:r>
-              <a:rPr lang="en-US" altLang="ja-JP" smtClean="0"/>
+              <a:rPr lang="en-US" altLang="ja-JP"/>
               <a:t>2 </a:t>
             </a:r>
             <a:r>
-              <a:rPr lang="ja-JP" altLang="en-US" smtClean="0"/>
+              <a:rPr lang="ja-JP" altLang="en-US"/>
               <a:t>レベル</a:t>
             </a:r>
           </a:p>
           <a:p>
             <a:pPr lvl="2"/>
             <a:r>
-              <a:rPr lang="ja-JP" altLang="en-US" smtClean="0"/>
+              <a:rPr lang="ja-JP" altLang="en-US"/>
               <a:t>第 </a:t>
             </a:r>
             <a:r>
-              <a:rPr lang="en-US" altLang="ja-JP" smtClean="0"/>
+              <a:rPr lang="en-US" altLang="ja-JP"/>
               <a:t>3 </a:t>
             </a:r>
             <a:r>
-              <a:rPr lang="ja-JP" altLang="en-US" smtClean="0"/>
+              <a:rPr lang="ja-JP" altLang="en-US"/>
               <a:t>レベル</a:t>
             </a:r>
           </a:p>
           <a:p>
             <a:pPr lvl="3"/>
             <a:r>
-              <a:rPr lang="ja-JP" altLang="en-US" smtClean="0"/>
+              <a:rPr lang="ja-JP" altLang="en-US"/>
               <a:t>第 </a:t>
             </a:r>
             <a:r>
-              <a:rPr lang="en-US" altLang="ja-JP" smtClean="0"/>
+              <a:rPr lang="en-US" altLang="ja-JP"/>
               <a:t>4 </a:t>
             </a:r>
             <a:r>
-              <a:rPr lang="ja-JP" altLang="en-US" smtClean="0"/>
+              <a:rPr lang="ja-JP" altLang="en-US"/>
               <a:t>レベル</a:t>
             </a:r>
           </a:p>
           <a:p>
             <a:pPr lvl="4"/>
             <a:r>
-              <a:rPr lang="ja-JP" altLang="en-US" smtClean="0"/>
+              <a:rPr lang="ja-JP" altLang="en-US"/>
               <a:t>第 </a:t>
             </a:r>
             <a:r>
-              <a:rPr lang="en-US" altLang="ja-JP" smtClean="0"/>
+              <a:rPr lang="en-US" altLang="ja-JP"/>
               <a:t>5 </a:t>
             </a:r>
             <a:r>
-              <a:rPr lang="ja-JP" altLang="en-US" smtClean="0"/>
+              <a:rPr lang="ja-JP" altLang="en-US"/>
               <a:t>レベル</a:t>
             </a:r>
             <a:endParaRPr lang="en-US" dirty="0"/>
@@ -1865,7 +1867,7 @@
           <a:p>
             <a:fld id="{83203CE9-A62D-D54F-B5B8-E5081BC50FF5}" type="datetime1">
               <a:rPr kumimoji="1" lang="ja-JP" altLang="en-US" smtClean="0"/>
-              <a:t>2019/1/19</a:t>
+              <a:t>2019/5/3</a:t>
             </a:fld>
             <a:endParaRPr kumimoji="1" lang="ja-JP" altLang="en-US"/>
           </a:p>
@@ -1959,7 +1961,7 @@
           <a:lstStyle/>
           <a:p>
             <a:r>
-              <a:rPr lang="ja-JP" altLang="en-US" smtClean="0"/>
+              <a:rPr lang="ja-JP" altLang="en-US"/>
               <a:t>マスター タイトルの書式設定</a:t>
             </a:r>
             <a:endParaRPr lang="en-US" dirty="0"/>
@@ -2025,7 +2027,7 @@
           <a:p>
             <a:pPr lvl="0"/>
             <a:r>
-              <a:rPr lang="ja-JP" altLang="en-US" smtClean="0"/>
+              <a:rPr lang="ja-JP" altLang="en-US"/>
               <a:t>マスター テキストの書式設定</a:t>
             </a:r>
           </a:p>
@@ -2053,67 +2055,67 @@
           <a:p>
             <a:pPr lvl="0"/>
             <a:r>
-              <a:rPr lang="ja-JP" altLang="en-US" smtClean="0"/>
+              <a:rPr lang="ja-JP" altLang="en-US"/>
               <a:t>マスター テキストの書式設定</a:t>
             </a:r>
           </a:p>
           <a:p>
             <a:pPr lvl="1"/>
             <a:r>
-              <a:rPr lang="ja-JP" altLang="en-US" smtClean="0"/>
+              <a:rPr lang="ja-JP" altLang="en-US"/>
               <a:t>第 </a:t>
             </a:r>
             <a:r>
-              <a:rPr lang="en-US" altLang="ja-JP" smtClean="0"/>
+              <a:rPr lang="en-US" altLang="ja-JP"/>
               <a:t>2 </a:t>
             </a:r>
             <a:r>
-              <a:rPr lang="ja-JP" altLang="en-US" smtClean="0"/>
+              <a:rPr lang="ja-JP" altLang="en-US"/>
               <a:t>レベル</a:t>
             </a:r>
           </a:p>
           <a:p>
             <a:pPr lvl="2"/>
             <a:r>
-              <a:rPr lang="ja-JP" altLang="en-US" smtClean="0"/>
+              <a:rPr lang="ja-JP" altLang="en-US"/>
               <a:t>第 </a:t>
             </a:r>
             <a:r>
-              <a:rPr lang="en-US" altLang="ja-JP" smtClean="0"/>
+              <a:rPr lang="en-US" altLang="ja-JP"/>
               <a:t>3 </a:t>
             </a:r>
             <a:r>
-              <a:rPr lang="ja-JP" altLang="en-US" smtClean="0"/>
+              <a:rPr lang="ja-JP" altLang="en-US"/>
               <a:t>レベル</a:t>
             </a:r>
           </a:p>
           <a:p>
             <a:pPr lvl="3"/>
             <a:r>
-              <a:rPr lang="ja-JP" altLang="en-US" smtClean="0"/>
+              <a:rPr lang="ja-JP" altLang="en-US"/>
               <a:t>第 </a:t>
             </a:r>
             <a:r>
-              <a:rPr lang="en-US" altLang="ja-JP" smtClean="0"/>
+              <a:rPr lang="en-US" altLang="ja-JP"/>
               <a:t>4 </a:t>
             </a:r>
             <a:r>
-              <a:rPr lang="ja-JP" altLang="en-US" smtClean="0"/>
+              <a:rPr lang="ja-JP" altLang="en-US"/>
               <a:t>レベル</a:t>
             </a:r>
           </a:p>
           <a:p>
             <a:pPr lvl="4"/>
             <a:r>
-              <a:rPr lang="ja-JP" altLang="en-US" smtClean="0"/>
+              <a:rPr lang="ja-JP" altLang="en-US"/>
               <a:t>第 </a:t>
             </a:r>
             <a:r>
-              <a:rPr lang="en-US" altLang="ja-JP" smtClean="0"/>
+              <a:rPr lang="en-US" altLang="ja-JP"/>
               <a:t>5 </a:t>
             </a:r>
             <a:r>
-              <a:rPr lang="ja-JP" altLang="en-US" smtClean="0"/>
+              <a:rPr lang="ja-JP" altLang="en-US"/>
               <a:t>レベル</a:t>
             </a:r>
             <a:endParaRPr lang="en-US" dirty="0"/>
@@ -2179,7 +2181,7 @@
           <a:p>
             <a:pPr lvl="0"/>
             <a:r>
-              <a:rPr lang="ja-JP" altLang="en-US" smtClean="0"/>
+              <a:rPr lang="ja-JP" altLang="en-US"/>
               <a:t>マスター テキストの書式設定</a:t>
             </a:r>
           </a:p>
@@ -2207,67 +2209,67 @@
           <a:p>
             <a:pPr lvl="0"/>
             <a:r>
-              <a:rPr lang="ja-JP" altLang="en-US" smtClean="0"/>
+              <a:rPr lang="ja-JP" altLang="en-US"/>
               <a:t>マスター テキストの書式設定</a:t>
             </a:r>
           </a:p>
           <a:p>
             <a:pPr lvl="1"/>
             <a:r>
-              <a:rPr lang="ja-JP" altLang="en-US" smtClean="0"/>
+              <a:rPr lang="ja-JP" altLang="en-US"/>
               <a:t>第 </a:t>
             </a:r>
             <a:r>
-              <a:rPr lang="en-US" altLang="ja-JP" smtClean="0"/>
+              <a:rPr lang="en-US" altLang="ja-JP"/>
               <a:t>2 </a:t>
             </a:r>
             <a:r>
-              <a:rPr lang="ja-JP" altLang="en-US" smtClean="0"/>
+              <a:rPr lang="ja-JP" altLang="en-US"/>
               <a:t>レベル</a:t>
             </a:r>
           </a:p>
           <a:p>
             <a:pPr lvl="2"/>
             <a:r>
-              <a:rPr lang="ja-JP" altLang="en-US" smtClean="0"/>
+              <a:rPr lang="ja-JP" altLang="en-US"/>
               <a:t>第 </a:t>
             </a:r>
             <a:r>
-              <a:rPr lang="en-US" altLang="ja-JP" smtClean="0"/>
+              <a:rPr lang="en-US" altLang="ja-JP"/>
               <a:t>3 </a:t>
             </a:r>
             <a:r>
-              <a:rPr lang="ja-JP" altLang="en-US" smtClean="0"/>
+              <a:rPr lang="ja-JP" altLang="en-US"/>
               <a:t>レベル</a:t>
             </a:r>
           </a:p>
           <a:p>
             <a:pPr lvl="3"/>
             <a:r>
-              <a:rPr lang="ja-JP" altLang="en-US" smtClean="0"/>
+              <a:rPr lang="ja-JP" altLang="en-US"/>
               <a:t>第 </a:t>
             </a:r>
             <a:r>
-              <a:rPr lang="en-US" altLang="ja-JP" smtClean="0"/>
+              <a:rPr lang="en-US" altLang="ja-JP"/>
               <a:t>4 </a:t>
             </a:r>
             <a:r>
-              <a:rPr lang="ja-JP" altLang="en-US" smtClean="0"/>
+              <a:rPr lang="ja-JP" altLang="en-US"/>
               <a:t>レベル</a:t>
             </a:r>
           </a:p>
           <a:p>
             <a:pPr lvl="4"/>
             <a:r>
-              <a:rPr lang="ja-JP" altLang="en-US" smtClean="0"/>
+              <a:rPr lang="ja-JP" altLang="en-US"/>
               <a:t>第 </a:t>
             </a:r>
             <a:r>
-              <a:rPr lang="en-US" altLang="ja-JP" smtClean="0"/>
+              <a:rPr lang="en-US" altLang="ja-JP"/>
               <a:t>5 </a:t>
             </a:r>
             <a:r>
-              <a:rPr lang="ja-JP" altLang="en-US" smtClean="0"/>
+              <a:rPr lang="ja-JP" altLang="en-US"/>
               <a:t>レベル</a:t>
             </a:r>
             <a:endParaRPr lang="en-US" dirty="0"/>
@@ -2291,7 +2293,7 @@
           <a:p>
             <a:fld id="{8DF792D3-1EAE-B941-8FA8-A45BDC58D538}" type="datetime1">
               <a:rPr kumimoji="1" lang="ja-JP" altLang="en-US" smtClean="0"/>
-              <a:t>2019/1/19</a:t>
+              <a:t>2019/5/3</a:t>
             </a:fld>
             <a:endParaRPr kumimoji="1" lang="ja-JP" altLang="en-US"/>
           </a:p>
@@ -2380,7 +2382,7 @@
           <a:lstStyle/>
           <a:p>
             <a:r>
-              <a:rPr lang="ja-JP" altLang="en-US" smtClean="0"/>
+              <a:rPr lang="ja-JP" altLang="en-US"/>
               <a:t>マスター タイトルの書式設定</a:t>
             </a:r>
             <a:endParaRPr lang="en-US" dirty="0"/>
@@ -2404,7 +2406,7 @@
           <a:p>
             <a:fld id="{A2976D4D-D591-7843-A186-DB885C000B62}" type="datetime1">
               <a:rPr kumimoji="1" lang="ja-JP" altLang="en-US" smtClean="0"/>
-              <a:t>2019/1/19</a:t>
+              <a:t>2019/5/3</a:t>
             </a:fld>
             <a:endParaRPr kumimoji="1" lang="ja-JP" altLang="en-US"/>
           </a:p>
@@ -2494,7 +2496,7 @@
           <a:p>
             <a:fld id="{71E10034-284E-534E-87ED-A26A40A9A5A4}" type="datetime1">
               <a:rPr kumimoji="1" lang="ja-JP" altLang="en-US" smtClean="0"/>
-              <a:t>2019/1/19</a:t>
+              <a:t>2019/5/3</a:t>
             </a:fld>
             <a:endParaRPr kumimoji="1" lang="ja-JP" altLang="en-US"/>
           </a:p>
@@ -2592,7 +2594,7 @@
           </a:lstStyle>
           <a:p>
             <a:r>
-              <a:rPr lang="ja-JP" altLang="en-US" smtClean="0"/>
+              <a:rPr lang="ja-JP" altLang="en-US"/>
               <a:t>マスター タイトルの書式設定</a:t>
             </a:r>
             <a:endParaRPr lang="en-US" dirty="0"/>
@@ -2649,67 +2651,67 @@
           <a:p>
             <a:pPr lvl="0"/>
             <a:r>
-              <a:rPr lang="ja-JP" altLang="en-US" smtClean="0"/>
+              <a:rPr lang="ja-JP" altLang="en-US"/>
               <a:t>マスター テキストの書式設定</a:t>
             </a:r>
           </a:p>
           <a:p>
             <a:pPr lvl="1"/>
             <a:r>
-              <a:rPr lang="ja-JP" altLang="en-US" smtClean="0"/>
+              <a:rPr lang="ja-JP" altLang="en-US"/>
               <a:t>第 </a:t>
             </a:r>
             <a:r>
-              <a:rPr lang="en-US" altLang="ja-JP" smtClean="0"/>
+              <a:rPr lang="en-US" altLang="ja-JP"/>
               <a:t>2 </a:t>
             </a:r>
             <a:r>
-              <a:rPr lang="ja-JP" altLang="en-US" smtClean="0"/>
+              <a:rPr lang="ja-JP" altLang="en-US"/>
               <a:t>レベル</a:t>
             </a:r>
           </a:p>
           <a:p>
             <a:pPr lvl="2"/>
             <a:r>
-              <a:rPr lang="ja-JP" altLang="en-US" smtClean="0"/>
+              <a:rPr lang="ja-JP" altLang="en-US"/>
               <a:t>第 </a:t>
             </a:r>
             <a:r>
-              <a:rPr lang="en-US" altLang="ja-JP" smtClean="0"/>
+              <a:rPr lang="en-US" altLang="ja-JP"/>
               <a:t>3 </a:t>
             </a:r>
             <a:r>
-              <a:rPr lang="ja-JP" altLang="en-US" smtClean="0"/>
+              <a:rPr lang="ja-JP" altLang="en-US"/>
               <a:t>レベル</a:t>
             </a:r>
           </a:p>
           <a:p>
             <a:pPr lvl="3"/>
             <a:r>
-              <a:rPr lang="ja-JP" altLang="en-US" smtClean="0"/>
+              <a:rPr lang="ja-JP" altLang="en-US"/>
               <a:t>第 </a:t>
             </a:r>
             <a:r>
-              <a:rPr lang="en-US" altLang="ja-JP" smtClean="0"/>
+              <a:rPr lang="en-US" altLang="ja-JP"/>
               <a:t>4 </a:t>
             </a:r>
             <a:r>
-              <a:rPr lang="ja-JP" altLang="en-US" smtClean="0"/>
+              <a:rPr lang="ja-JP" altLang="en-US"/>
               <a:t>レベル</a:t>
             </a:r>
           </a:p>
           <a:p>
             <a:pPr lvl="4"/>
             <a:r>
-              <a:rPr lang="ja-JP" altLang="en-US" smtClean="0"/>
+              <a:rPr lang="ja-JP" altLang="en-US"/>
               <a:t>第 </a:t>
             </a:r>
             <a:r>
-              <a:rPr lang="en-US" altLang="ja-JP" smtClean="0"/>
+              <a:rPr lang="en-US" altLang="ja-JP"/>
               <a:t>5 </a:t>
             </a:r>
             <a:r>
-              <a:rPr lang="ja-JP" altLang="en-US" smtClean="0"/>
+              <a:rPr lang="ja-JP" altLang="en-US"/>
               <a:t>レベル</a:t>
             </a:r>
             <a:endParaRPr lang="en-US" dirty="0"/>
@@ -2775,7 +2777,7 @@
           <a:p>
             <a:pPr lvl="0"/>
             <a:r>
-              <a:rPr lang="ja-JP" altLang="en-US" smtClean="0"/>
+              <a:rPr lang="ja-JP" altLang="en-US"/>
               <a:t>マスター テキストの書式設定</a:t>
             </a:r>
           </a:p>
@@ -2798,7 +2800,7 @@
           <a:p>
             <a:fld id="{1FB2FB92-4CFC-BF4B-81B2-16888C599581}" type="datetime1">
               <a:rPr kumimoji="1" lang="ja-JP" altLang="en-US" smtClean="0"/>
-              <a:t>2019/1/19</a:t>
+              <a:t>2019/5/3</a:t>
             </a:fld>
             <a:endParaRPr kumimoji="1" lang="ja-JP" altLang="en-US"/>
           </a:p>
@@ -2896,7 +2898,7 @@
           </a:lstStyle>
           <a:p>
             <a:r>
-              <a:rPr lang="ja-JP" altLang="en-US" smtClean="0"/>
+              <a:rPr lang="ja-JP" altLang="en-US"/>
               <a:t>マスター タイトルの書式設定</a:t>
             </a:r>
             <a:endParaRPr lang="en-US" dirty="0"/>
@@ -2961,7 +2963,7 @@
           </a:lstStyle>
           <a:p>
             <a:r>
-              <a:rPr lang="ja-JP" altLang="en-US" smtClean="0"/>
+              <a:rPr lang="ja-JP" altLang="en-US"/>
               <a:t>プレースホルダーまでドラッグするかアイコンをクリックして図を追加</a:t>
             </a:r>
             <a:endParaRPr lang="en-US" dirty="0"/>
@@ -3027,7 +3029,7 @@
           <a:p>
             <a:pPr lvl="0"/>
             <a:r>
-              <a:rPr lang="ja-JP" altLang="en-US" smtClean="0"/>
+              <a:rPr lang="ja-JP" altLang="en-US"/>
               <a:t>マスター テキストの書式設定</a:t>
             </a:r>
           </a:p>
@@ -3050,7 +3052,7 @@
           <a:p>
             <a:fld id="{43AF2432-0CDD-C544-BAB3-85372DA356EC}" type="datetime1">
               <a:rPr kumimoji="1" lang="ja-JP" altLang="en-US" smtClean="0"/>
-              <a:t>2019/1/19</a:t>
+              <a:t>2019/5/3</a:t>
             </a:fld>
             <a:endParaRPr kumimoji="1" lang="ja-JP" altLang="en-US"/>
           </a:p>
@@ -3154,7 +3156,7 @@
           <a:lstStyle/>
           <a:p>
             <a:r>
-              <a:rPr lang="ja-JP" altLang="en-US" smtClean="0"/>
+              <a:rPr lang="ja-JP" altLang="en-US"/>
               <a:t>マスター タイトルの書式設定</a:t>
             </a:r>
             <a:endParaRPr lang="en-US" dirty="0"/>
@@ -3188,67 +3190,67 @@
           <a:p>
             <a:pPr lvl="0"/>
             <a:r>
-              <a:rPr lang="ja-JP" altLang="en-US" smtClean="0"/>
+              <a:rPr lang="ja-JP" altLang="en-US"/>
               <a:t>マスター テキストの書式設定</a:t>
             </a:r>
           </a:p>
           <a:p>
             <a:pPr lvl="1"/>
             <a:r>
-              <a:rPr lang="ja-JP" altLang="en-US" smtClean="0"/>
+              <a:rPr lang="ja-JP" altLang="en-US"/>
               <a:t>第 </a:t>
             </a:r>
             <a:r>
-              <a:rPr lang="en-US" altLang="ja-JP" smtClean="0"/>
+              <a:rPr lang="en-US" altLang="ja-JP"/>
               <a:t>2 </a:t>
             </a:r>
             <a:r>
-              <a:rPr lang="ja-JP" altLang="en-US" smtClean="0"/>
+              <a:rPr lang="ja-JP" altLang="en-US"/>
               <a:t>レベル</a:t>
             </a:r>
           </a:p>
           <a:p>
             <a:pPr lvl="2"/>
             <a:r>
-              <a:rPr lang="ja-JP" altLang="en-US" smtClean="0"/>
+              <a:rPr lang="ja-JP" altLang="en-US"/>
               <a:t>第 </a:t>
             </a:r>
             <a:r>
-              <a:rPr lang="en-US" altLang="ja-JP" smtClean="0"/>
+              <a:rPr lang="en-US" altLang="ja-JP"/>
               <a:t>3 </a:t>
             </a:r>
             <a:r>
-              <a:rPr lang="ja-JP" altLang="en-US" smtClean="0"/>
+              <a:rPr lang="ja-JP" altLang="en-US"/>
               <a:t>レベル</a:t>
             </a:r>
           </a:p>
           <a:p>
             <a:pPr lvl="3"/>
             <a:r>
-              <a:rPr lang="ja-JP" altLang="en-US" smtClean="0"/>
+              <a:rPr lang="ja-JP" altLang="en-US"/>
               <a:t>第 </a:t>
             </a:r>
             <a:r>
-              <a:rPr lang="en-US" altLang="ja-JP" smtClean="0"/>
+              <a:rPr lang="en-US" altLang="ja-JP"/>
               <a:t>4 </a:t>
             </a:r>
             <a:r>
-              <a:rPr lang="ja-JP" altLang="en-US" smtClean="0"/>
+              <a:rPr lang="ja-JP" altLang="en-US"/>
               <a:t>レベル</a:t>
             </a:r>
           </a:p>
           <a:p>
             <a:pPr lvl="4"/>
             <a:r>
-              <a:rPr lang="ja-JP" altLang="en-US" smtClean="0"/>
+              <a:rPr lang="ja-JP" altLang="en-US"/>
               <a:t>第 </a:t>
             </a:r>
             <a:r>
-              <a:rPr lang="en-US" altLang="ja-JP" smtClean="0"/>
+              <a:rPr lang="en-US" altLang="ja-JP"/>
               <a:t>5 </a:t>
             </a:r>
             <a:r>
-              <a:rPr lang="ja-JP" altLang="en-US" smtClean="0"/>
+              <a:rPr lang="ja-JP" altLang="en-US"/>
               <a:t>レベル</a:t>
             </a:r>
             <a:endParaRPr lang="en-US" dirty="0"/>
@@ -3290,7 +3292,7 @@
           <a:p>
             <a:fld id="{4A801117-FCED-794E-BE88-16E7FC9A3D9F}" type="datetime1">
               <a:rPr kumimoji="1" lang="ja-JP" altLang="en-US" smtClean="0"/>
-              <a:t>2019/1/19</a:t>
+              <a:t>2019/5/3</a:t>
             </a:fld>
             <a:endParaRPr kumimoji="1" lang="ja-JP" altLang="en-US"/>
           </a:p>
@@ -3719,11 +3721,11 @@
           <a:lstStyle/>
           <a:p>
             <a:r>
-              <a:rPr kumimoji="1" lang="en-US" altLang="ja-JP" sz="4400" dirty="0" smtClean="0"/>
+              <a:rPr kumimoji="1" lang="en-US" altLang="ja-JP" sz="4400" dirty="0"/>
               <a:t>Users’ guide of </a:t>
             </a:r>
             <a:r>
-              <a:rPr lang="en-US" altLang="ja-JP" sz="4400" dirty="0" err="1" smtClean="0"/>
+              <a:rPr lang="en-US" altLang="ja-JP" sz="4400" dirty="0" err="1"/>
               <a:t>MakePES</a:t>
             </a:r>
             <a:endParaRPr kumimoji="1" lang="ja-JP" altLang="en-US" sz="4400" dirty="0"/>
@@ -3754,17 +3756,16 @@
           <a:p>
             <a:pPr algn="ctr"/>
             <a:r>
-              <a:rPr lang="en-US" altLang="ja-JP" dirty="0" smtClean="0"/>
+              <a:rPr lang="en-US" altLang="ja-JP" dirty="0"/>
               <a:t>Theoretical Molecular Science Laboratory</a:t>
             </a:r>
           </a:p>
           <a:p>
             <a:pPr algn="ctr"/>
             <a:r>
-              <a:rPr kumimoji="1" lang="en-US" altLang="ja-JP" smtClean="0"/>
+              <a:rPr kumimoji="1" lang="en-US" altLang="ja-JP" dirty="0"/>
               <a:t>RIKEN Cluster for Pioneering Research</a:t>
             </a:r>
-            <a:endParaRPr kumimoji="1" lang="en-US" altLang="ja-JP" dirty="0" smtClean="0"/>
           </a:p>
           <a:p>
             <a:pPr algn="ctr"/>
@@ -3773,12 +3774,16 @@
           <a:p>
             <a:pPr algn="ctr"/>
             <a:r>
-              <a:rPr kumimoji="1" lang="en-US" altLang="ja-JP" dirty="0" smtClean="0"/>
-              <a:t>2019/xx/</a:t>
-            </a:r>
-            <a:r>
-              <a:rPr kumimoji="1" lang="en-US" altLang="ja-JP" dirty="0" err="1" smtClean="0"/>
-              <a:t>yy</a:t>
+              <a:rPr kumimoji="1" lang="en-US" altLang="ja-JP" dirty="0"/>
+              <a:t>2019/</a:t>
+            </a:r>
+            <a:r>
+              <a:rPr lang="en-US" altLang="ja-JP" dirty="0"/>
+              <a:t>05</a:t>
+            </a:r>
+            <a:r>
+              <a:rPr kumimoji="1" lang="en-US" altLang="ja-JP" dirty="0"/>
+              <a:t>/14</a:t>
             </a:r>
             <a:endParaRPr kumimoji="1" lang="ja-JP" altLang="en-US" dirty="0"/>
           </a:p>
@@ -3808,40 +3813,17 @@
           <a:p>
             <a:pPr algn="ctr"/>
             <a:r>
-              <a:rPr kumimoji="1" lang="en-US" altLang="ja-JP" dirty="0" smtClean="0"/>
+              <a:rPr kumimoji="1" lang="en-US" altLang="ja-JP" dirty="0"/>
               <a:t>Kiyoshi Yagi</a:t>
             </a:r>
           </a:p>
           <a:p>
             <a:pPr algn="ctr"/>
             <a:r>
-              <a:rPr kumimoji="1" lang="en-US" altLang="ja-JP" dirty="0" err="1" smtClean="0"/>
+              <a:rPr kumimoji="1" lang="en-US" altLang="ja-JP" dirty="0" err="1"/>
               <a:t>kiyoshi.yagi@riken.jp</a:t>
             </a:r>
-            <a:endParaRPr kumimoji="1" lang="en-US" altLang="ja-JP" dirty="0" smtClean="0"/>
-          </a:p>
-        </p:txBody>
-      </p:sp>
-      <p:sp>
-        <p:nvSpPr>
-          <p:cNvPr id="2" name="スライド番号プレースホルダー 1"/>
-          <p:cNvSpPr>
-            <a:spLocks noGrp="1"/>
-          </p:cNvSpPr>
-          <p:nvPr>
-            <p:ph type="sldNum" sz="quarter" idx="12"/>
-          </p:nvPr>
-        </p:nvSpPr>
-        <p:spPr/>
-        <p:txBody>
-          <a:bodyPr/>
-          <a:lstStyle/>
-          <a:p>
-            <a:fld id="{7D34BB6B-1E1A-9541-9560-488905BF54FF}" type="slidenum">
-              <a:rPr kumimoji="1" lang="ja-JP" altLang="en-US" smtClean="0"/>
-              <a:t>0</a:t>
-            </a:fld>
-            <a:endParaRPr kumimoji="1" lang="ja-JP" altLang="en-US"/>
+            <a:endParaRPr kumimoji="1" lang="en-US" altLang="ja-JP" dirty="0"/>
           </a:p>
         </p:txBody>
       </p:sp>
@@ -3877,6 +3859,343 @@
       </p:grpSpPr>
       <p:sp>
         <p:nvSpPr>
+          <p:cNvPr id="4" name="テキスト ボックス 3"/>
+          <p:cNvSpPr txBox="1"/>
+          <p:nvPr/>
+        </p:nvSpPr>
+        <p:spPr>
+          <a:xfrm>
+            <a:off x="914401" y="137872"/>
+            <a:ext cx="7827665" cy="6001643"/>
+          </a:xfrm>
+          <a:prstGeom prst="rect">
+            <a:avLst/>
+          </a:prstGeom>
+          <a:noFill/>
+        </p:spPr>
+        <p:txBody>
+          <a:bodyPr wrap="square">
+            <a:spAutoFit/>
+          </a:bodyPr>
+          <a:lstStyle/>
+          <a:p>
+            <a:pPr marL="285750" indent="-285750">
+              <a:buFont typeface="Arial" charset="0"/>
+              <a:buChar char="•"/>
+              <a:defRPr/>
+            </a:pPr>
+            <a:r>
+              <a:rPr lang="en-US" altLang="ja-JP" sz="1400" dirty="0" err="1"/>
+              <a:t>removefiles</a:t>
+            </a:r>
+            <a:r>
+              <a:rPr lang="en-US" altLang="ja-JP" sz="1400" dirty="0"/>
+              <a:t>: true/false</a:t>
+            </a:r>
+          </a:p>
+          <a:p>
+            <a:pPr lvl="1">
+              <a:defRPr/>
+            </a:pPr>
+            <a:r>
+              <a:rPr lang="en-US" altLang="ja-JP" sz="1400" dirty="0"/>
+              <a:t>Removes the input/output files of the quantum chemistry program, when true. (default = false)</a:t>
+            </a:r>
+          </a:p>
+          <a:p>
+            <a:pPr lvl="2">
+              <a:defRPr/>
+            </a:pPr>
+            <a:endParaRPr lang="en-US" altLang="ja-JP" sz="1400" dirty="0"/>
+          </a:p>
+          <a:p>
+            <a:pPr marL="285750" indent="-285750">
+              <a:buFont typeface="Arial" charset="0"/>
+              <a:buChar char="•"/>
+              <a:defRPr/>
+            </a:pPr>
+            <a:r>
+              <a:rPr lang="en-US" altLang="ja-JP" sz="1400" dirty="0" err="1"/>
+              <a:t>dryrun</a:t>
+            </a:r>
+            <a:r>
+              <a:rPr lang="en-US" altLang="ja-JP" sz="1400" dirty="0"/>
+              <a:t>: true/false</a:t>
+            </a:r>
+          </a:p>
+          <a:p>
+            <a:pPr lvl="1">
+              <a:defRPr/>
+            </a:pPr>
+            <a:r>
+              <a:rPr lang="en-US" altLang="ja-JP" sz="1400" dirty="0"/>
+              <a:t>Generates the input files for the quantum chemistry program and exits without execution, when true. (default = false) </a:t>
+            </a:r>
+          </a:p>
+          <a:p>
+            <a:pPr lvl="1">
+              <a:defRPr/>
+            </a:pPr>
+            <a:endParaRPr lang="en-US" altLang="ja-JP" sz="1400" dirty="0"/>
+          </a:p>
+          <a:p>
+            <a:pPr marL="285750" indent="-285750">
+              <a:buFont typeface="Arial" charset="0"/>
+              <a:buChar char="•"/>
+              <a:defRPr/>
+            </a:pPr>
+            <a:r>
+              <a:rPr lang="en-US" altLang="ja-JP" sz="1400" dirty="0" err="1"/>
+              <a:t>xyzfile</a:t>
+            </a:r>
+            <a:r>
+              <a:rPr lang="en-US" altLang="ja-JP" sz="1400" dirty="0"/>
+              <a:t>: filename</a:t>
+            </a:r>
+          </a:p>
+          <a:p>
+            <a:pPr lvl="1">
+              <a:defRPr/>
+            </a:pPr>
+            <a:r>
+              <a:rPr lang="en-US" altLang="ja-JP" sz="1400" dirty="0"/>
+              <a:t>Name of a xyz file, where the coordinates are written. (default = </a:t>
+            </a:r>
+            <a:r>
+              <a:rPr lang="en-US" altLang="ja-JP" sz="1400" dirty="0" err="1"/>
+              <a:t>makeQFF</a:t>
+            </a:r>
+            <a:r>
+              <a:rPr lang="en-US" altLang="ja-JP" sz="1400" dirty="0"/>
+              <a:t> for QFF and </a:t>
+            </a:r>
+            <a:r>
+              <a:rPr lang="en-US" altLang="ja-JP" sz="1400" dirty="0" err="1"/>
+              <a:t>makeGrid</a:t>
+            </a:r>
+            <a:r>
+              <a:rPr lang="en-US" altLang="ja-JP" sz="1400" dirty="0"/>
+              <a:t> for GRID)</a:t>
+            </a:r>
+            <a:endParaRPr lang="en-US" altLang="ja-JP" dirty="0"/>
+          </a:p>
+          <a:p>
+            <a:pPr lvl="2">
+              <a:defRPr/>
+            </a:pPr>
+            <a:endParaRPr lang="en-US" altLang="ja-JP" sz="1400" dirty="0"/>
+          </a:p>
+          <a:p>
+            <a:pPr marL="285750" indent="-285750">
+              <a:buFont typeface="Arial" charset="0"/>
+              <a:buChar char="•"/>
+              <a:defRPr/>
+            </a:pPr>
+            <a:r>
+              <a:rPr lang="en-US" altLang="ja-JP" sz="1400" dirty="0" err="1"/>
+              <a:t>qchem</a:t>
+            </a:r>
+            <a:r>
+              <a:rPr lang="en-US" altLang="ja-JP" sz="1400" dirty="0"/>
+              <a:t>:  command lines (see below)</a:t>
+            </a:r>
+          </a:p>
+          <a:p>
+            <a:pPr lvl="1">
+              <a:defRPr/>
+            </a:pPr>
+            <a:r>
+              <a:rPr lang="en-US" altLang="ja-JP" sz="1400" dirty="0"/>
+              <a:t>In each line after the entry tag of this key follows the type of the quantum chemistry program, a template file to generate input files for the program, and a label. The three components may be separated by space or </a:t>
+            </a:r>
+            <a:r>
+              <a:rPr lang="en-US" altLang="ja-JP" sz="1400" dirty="0" err="1"/>
+              <a:t>camma</a:t>
+            </a:r>
+            <a:r>
+              <a:rPr lang="en-US" altLang="ja-JP" sz="1400" dirty="0"/>
+              <a:t>. For example, the input looks like, </a:t>
+            </a:r>
+          </a:p>
+          <a:p>
+            <a:pPr lvl="2">
+              <a:defRPr/>
+            </a:pPr>
+            <a:endParaRPr lang="en-US" altLang="ja-JP" sz="1200" dirty="0">
+              <a:latin typeface="Courier" charset="0"/>
+              <a:ea typeface="Courier" charset="0"/>
+              <a:cs typeface="Courier" charset="0"/>
+            </a:endParaRPr>
+          </a:p>
+          <a:p>
+            <a:pPr lvl="2">
+              <a:defRPr/>
+            </a:pPr>
+            <a:r>
+              <a:rPr lang="en-US" altLang="ja-JP" sz="1200" dirty="0">
+                <a:latin typeface="Courier" charset="0"/>
+                <a:ea typeface="Courier" charset="0"/>
+                <a:cs typeface="Courier" charset="0"/>
+              </a:rPr>
+              <a:t>&lt;entry key="</a:t>
+            </a:r>
+            <a:r>
+              <a:rPr lang="en-US" altLang="ja-JP" sz="1200" dirty="0" err="1">
+                <a:latin typeface="Courier" charset="0"/>
+                <a:ea typeface="Courier" charset="0"/>
+                <a:cs typeface="Courier" charset="0"/>
+              </a:rPr>
+              <a:t>qchem</a:t>
+            </a:r>
+            <a:r>
+              <a:rPr lang="en-US" altLang="ja-JP" sz="1200" dirty="0">
+                <a:latin typeface="Courier" charset="0"/>
+                <a:ea typeface="Courier" charset="0"/>
+                <a:cs typeface="Courier" charset="0"/>
+              </a:rPr>
+              <a:t>"&gt; </a:t>
+            </a:r>
+          </a:p>
+          <a:p>
+            <a:pPr lvl="2">
+              <a:defRPr/>
+            </a:pPr>
+            <a:r>
+              <a:rPr lang="en-US" altLang="ja-JP" sz="1200" dirty="0">
+                <a:latin typeface="Courier" charset="0"/>
+                <a:ea typeface="Courier" charset="0"/>
+                <a:cs typeface="Courier" charset="0"/>
+              </a:rPr>
+              <a:t>Gaussian </a:t>
+            </a:r>
+            <a:r>
+              <a:rPr lang="en-US" altLang="ja-JP" sz="1200" dirty="0" err="1">
+                <a:latin typeface="Courier" charset="0"/>
+                <a:ea typeface="Courier" charset="0"/>
+                <a:cs typeface="Courier" charset="0"/>
+              </a:rPr>
+              <a:t>GaussianInput.xml</a:t>
+            </a:r>
+            <a:r>
+              <a:rPr lang="en-US" altLang="ja-JP" sz="1200" dirty="0">
+                <a:latin typeface="Courier" charset="0"/>
+                <a:ea typeface="Courier" charset="0"/>
+                <a:cs typeface="Courier" charset="0"/>
+              </a:rPr>
+              <a:t> MP2/</a:t>
+            </a:r>
+            <a:r>
+              <a:rPr lang="en-US" altLang="ja-JP" sz="1200" dirty="0" err="1">
+                <a:latin typeface="Courier" charset="0"/>
+                <a:ea typeface="Courier" charset="0"/>
+                <a:cs typeface="Courier" charset="0"/>
+              </a:rPr>
+              <a:t>aug</a:t>
+            </a:r>
+            <a:r>
+              <a:rPr lang="en-US" altLang="ja-JP" sz="1200" dirty="0">
+                <a:latin typeface="Courier" charset="0"/>
+                <a:ea typeface="Courier" charset="0"/>
+                <a:cs typeface="Courier" charset="0"/>
+              </a:rPr>
+              <a:t>-cc-</a:t>
+            </a:r>
+            <a:r>
+              <a:rPr lang="en-US" altLang="ja-JP" sz="1200" dirty="0" err="1">
+                <a:latin typeface="Courier" charset="0"/>
+                <a:ea typeface="Courier" charset="0"/>
+                <a:cs typeface="Courier" charset="0"/>
+              </a:rPr>
+              <a:t>pVTZ</a:t>
+            </a:r>
+            <a:r>
+              <a:rPr lang="en-US" altLang="ja-JP" sz="1200" dirty="0">
+                <a:latin typeface="Courier" charset="0"/>
+                <a:ea typeface="Courier" charset="0"/>
+                <a:cs typeface="Courier" charset="0"/>
+              </a:rPr>
+              <a:t> (11) </a:t>
+            </a:r>
+          </a:p>
+          <a:p>
+            <a:pPr lvl="2">
+              <a:defRPr/>
+            </a:pPr>
+            <a:r>
+              <a:rPr lang="en-US" altLang="ja-JP" sz="1200" dirty="0">
+                <a:latin typeface="Courier" charset="0"/>
+                <a:ea typeface="Courier" charset="0"/>
+                <a:cs typeface="Courier" charset="0"/>
+              </a:rPr>
+              <a:t>&lt;/entry&gt; </a:t>
+            </a:r>
+          </a:p>
+          <a:p>
+            <a:pPr lvl="1">
+              <a:defRPr/>
+            </a:pPr>
+            <a:endParaRPr lang="en-US" altLang="ja-JP" sz="1400" dirty="0"/>
+          </a:p>
+          <a:p>
+            <a:pPr lvl="1">
+              <a:defRPr/>
+            </a:pPr>
+            <a:r>
+              <a:rPr lang="en-US" altLang="ja-JP" sz="1400" dirty="0"/>
+              <a:t>The first value (Gaussian) specifies the quantum chemistry program, which may take one of the following: </a:t>
+            </a:r>
+          </a:p>
+          <a:p>
+            <a:pPr lvl="1">
+              <a:defRPr/>
+            </a:pPr>
+            <a:endParaRPr lang="en-US" altLang="ja-JP" sz="1400" dirty="0"/>
+          </a:p>
+          <a:p>
+            <a:pPr lvl="2">
+              <a:defRPr/>
+            </a:pPr>
+            <a:r>
+              <a:rPr lang="en-US" altLang="ja-JP" sz="1400" dirty="0"/>
+              <a:t>Gaussian : Gaussian03/09/16</a:t>
+            </a:r>
+          </a:p>
+          <a:p>
+            <a:pPr lvl="2">
+              <a:defRPr/>
+            </a:pPr>
+            <a:r>
+              <a:rPr lang="en-US" altLang="ja-JP" sz="1400" dirty="0"/>
+              <a:t>Generic : Generic (see below) </a:t>
+            </a:r>
+          </a:p>
+          <a:p>
+            <a:pPr lvl="1">
+              <a:defRPr/>
+            </a:pPr>
+            <a:endParaRPr lang="en-US" altLang="ja-JP" sz="1400" dirty="0"/>
+          </a:p>
+          <a:p>
+            <a:pPr lvl="1">
+              <a:defRPr/>
+            </a:pPr>
+            <a:r>
+              <a:rPr lang="en-US" altLang="ja-JP" sz="1400" dirty="0"/>
+              <a:t>The second value (</a:t>
+            </a:r>
+            <a:r>
+              <a:rPr lang="en-US" altLang="ja-JP" sz="1400" dirty="0" err="1"/>
+              <a:t>GaussianInput.xml</a:t>
+            </a:r>
+            <a:r>
+              <a:rPr lang="en-US" altLang="ja-JP" sz="1400" dirty="0"/>
+              <a:t>) is the name of the XML file, which contains the information to generate the input files for the program. This value is case sensitive. </a:t>
+            </a:r>
+          </a:p>
+        </p:txBody>
+      </p:sp>
+      <p:sp>
+        <p:nvSpPr>
           <p:cNvPr id="2" name="スライド番号プレースホルダー 1"/>
           <p:cNvSpPr>
             <a:spLocks noGrp="1"/>
@@ -3898,70 +4217,10 @@
           </a:p>
         </p:txBody>
       </p:sp>
-      <p:sp>
-        <p:nvSpPr>
-          <p:cNvPr id="4" name="テキスト ボックス 3"/>
-          <p:cNvSpPr txBox="1"/>
-          <p:nvPr/>
-        </p:nvSpPr>
-        <p:spPr>
-          <a:xfrm>
-            <a:off x="914401" y="334237"/>
-            <a:ext cx="7827665" cy="1446550"/>
-          </a:xfrm>
-          <a:prstGeom prst="rect">
-            <a:avLst/>
-          </a:prstGeom>
-          <a:noFill/>
-        </p:spPr>
-        <p:txBody>
-          <a:bodyPr wrap="square">
-            <a:spAutoFit/>
-          </a:bodyPr>
-          <a:lstStyle/>
-          <a:p>
-            <a:pPr marL="285750" indent="-285750">
-              <a:buFont typeface="Arial" charset="0"/>
-              <a:buChar char="•"/>
-              <a:defRPr/>
-            </a:pPr>
-            <a:r>
-              <a:rPr lang="en-US" altLang="ja-JP" sz="1400" dirty="0" err="1" smtClean="0"/>
-              <a:t>genhs</a:t>
-            </a:r>
-            <a:r>
-              <a:rPr lang="en-US" altLang="ja-JP" sz="1400" dirty="0"/>
-              <a:t>: true/false</a:t>
-            </a:r>
-          </a:p>
-          <a:p>
-            <a:pPr lvl="1">
-              <a:defRPr/>
-            </a:pPr>
-            <a:r>
-              <a:rPr lang="en-US" altLang="ja-JP" sz="1400" dirty="0"/>
-              <a:t>Generate the 001.hs file. (default = false)</a:t>
-            </a:r>
-            <a:br>
-              <a:rPr lang="en-US" altLang="ja-JP" sz="1400" dirty="0"/>
-            </a:br>
-            <a:r>
-              <a:rPr lang="en-US" altLang="ja-JP" sz="1400" dirty="0"/>
-              <a:t>001.hs is a file which contains the QFF coefficients in the old format; however, this format is deprecated and not recommended to use unless for a debugging purpose to compare the result with the previous version of SINDO. </a:t>
-            </a:r>
-          </a:p>
-          <a:p>
-            <a:pPr>
-              <a:defRPr/>
-            </a:pPr>
-            <a:endParaRPr lang="en-US" altLang="ja-JP" dirty="0" smtClean="0"/>
-          </a:p>
-        </p:txBody>
-      </p:sp>
     </p:spTree>
     <p:extLst>
       <p:ext uri="{BB962C8B-B14F-4D97-AF65-F5344CB8AC3E}">
-        <p14:creationId xmlns:p14="http://schemas.microsoft.com/office/powerpoint/2010/main" val="891480015"/>
+        <p14:creationId xmlns:p14="http://schemas.microsoft.com/office/powerpoint/2010/main" val="1025583675"/>
       </p:ext>
     </p:extLst>
   </p:cSld>
@@ -3990,7 +4249,388 @@
       </p:grpSpPr>
       <p:sp>
         <p:nvSpPr>
-          <p:cNvPr id="2" name="スライド番号プレースホルダー 1"/>
+          <p:cNvPr id="2" name="テキスト ボックス 1"/>
+          <p:cNvSpPr txBox="1"/>
+          <p:nvPr/>
+        </p:nvSpPr>
+        <p:spPr>
+          <a:xfrm>
+            <a:off x="914401" y="137872"/>
+            <a:ext cx="7827665" cy="6217087"/>
+          </a:xfrm>
+          <a:prstGeom prst="rect">
+            <a:avLst/>
+          </a:prstGeom>
+          <a:noFill/>
+        </p:spPr>
+        <p:txBody>
+          <a:bodyPr wrap="square">
+            <a:spAutoFit/>
+          </a:bodyPr>
+          <a:lstStyle/>
+          <a:p>
+            <a:pPr lvl="1">
+              <a:defRPr/>
+            </a:pPr>
+            <a:r>
+              <a:rPr lang="en-US" altLang="ja-JP" sz="1400" dirty="0"/>
+              <a:t>The third value (MP2/</a:t>
+            </a:r>
+            <a:r>
+              <a:rPr lang="en-US" altLang="ja-JP" sz="1400" dirty="0" err="1"/>
+              <a:t>aug</a:t>
+            </a:r>
+            <a:r>
+              <a:rPr lang="en-US" altLang="ja-JP" sz="1400" dirty="0"/>
+              <a:t>-cc-</a:t>
+            </a:r>
+            <a:r>
+              <a:rPr lang="en-US" altLang="ja-JP" sz="1400" dirty="0" err="1"/>
+              <a:t>pVTZ</a:t>
+            </a:r>
+            <a:r>
+              <a:rPr lang="en-US" altLang="ja-JP" sz="1400" dirty="0"/>
+              <a:t> (11)) is a label that is tagged to the PES data files. This name will be printed in the output of SINDO, so it is recommended to give a name, for example, the level of the electronic structure calculation, the number of grid points, etc. </a:t>
+            </a:r>
+          </a:p>
+          <a:p>
+            <a:pPr lvl="1">
+              <a:defRPr/>
+            </a:pPr>
+            <a:endParaRPr lang="en-US" altLang="ja-JP" sz="1400" dirty="0"/>
+          </a:p>
+          <a:p>
+            <a:pPr lvl="1">
+              <a:defRPr/>
+            </a:pPr>
+            <a:r>
+              <a:rPr lang="en-US" altLang="ja-JP" sz="1400" dirty="0"/>
+              <a:t>This key extends to two lines when the hybrid PES is specified for the </a:t>
+            </a:r>
+            <a:r>
+              <a:rPr lang="en-US" altLang="ja-JP" sz="1400" dirty="0" err="1"/>
+              <a:t>runtyp</a:t>
+            </a:r>
+            <a:r>
+              <a:rPr lang="en-US" altLang="ja-JP" sz="1400" dirty="0"/>
+              <a:t>. The first and the second lines specify the quantum chemistry calculations for the QFF and Grid PES generation, respectively. In this case, the input would look like, </a:t>
+            </a:r>
+          </a:p>
+          <a:p>
+            <a:pPr lvl="1">
+              <a:defRPr/>
+            </a:pPr>
+            <a:endParaRPr lang="en-US" altLang="ja-JP" sz="1400" dirty="0"/>
+          </a:p>
+          <a:p>
+            <a:pPr lvl="2">
+              <a:defRPr/>
+            </a:pPr>
+            <a:r>
+              <a:rPr lang="en-US" altLang="ja-JP" sz="1200" dirty="0">
+                <a:latin typeface="Courier" charset="0"/>
+                <a:ea typeface="Courier" charset="0"/>
+                <a:cs typeface="Courier" charset="0"/>
+              </a:rPr>
+              <a:t>&lt;entry key="</a:t>
+            </a:r>
+            <a:r>
+              <a:rPr lang="en-US" altLang="ja-JP" sz="1200" dirty="0" err="1">
+                <a:latin typeface="Courier" charset="0"/>
+                <a:ea typeface="Courier" charset="0"/>
+                <a:cs typeface="Courier" charset="0"/>
+              </a:rPr>
+              <a:t>qchem</a:t>
+            </a:r>
+            <a:r>
+              <a:rPr lang="en-US" altLang="ja-JP" sz="1200" dirty="0">
+                <a:latin typeface="Courier" charset="0"/>
+                <a:ea typeface="Courier" charset="0"/>
+                <a:cs typeface="Courier" charset="0"/>
+              </a:rPr>
+              <a:t>"&gt; </a:t>
+            </a:r>
+          </a:p>
+          <a:p>
+            <a:pPr lvl="2">
+              <a:defRPr/>
+            </a:pPr>
+            <a:r>
+              <a:rPr lang="en-US" altLang="ja-JP" sz="1200" dirty="0">
+                <a:latin typeface="Courier" charset="0"/>
+                <a:ea typeface="Courier" charset="0"/>
+                <a:cs typeface="Courier" charset="0"/>
+              </a:rPr>
+              <a:t>Gaussian, MP2Input.xml, MP2/cc-</a:t>
+            </a:r>
+            <a:r>
+              <a:rPr lang="en-US" altLang="ja-JP" sz="1200" dirty="0" err="1">
+                <a:latin typeface="Courier" charset="0"/>
+                <a:ea typeface="Courier" charset="0"/>
+                <a:cs typeface="Courier" charset="0"/>
+              </a:rPr>
+              <a:t>pVDZ</a:t>
+            </a:r>
+            <a:r>
+              <a:rPr lang="en-US" altLang="ja-JP" sz="1200" dirty="0">
+                <a:latin typeface="Courier" charset="0"/>
+                <a:ea typeface="Courier" charset="0"/>
+                <a:cs typeface="Courier" charset="0"/>
+              </a:rPr>
+              <a:t> </a:t>
+            </a:r>
+          </a:p>
+          <a:p>
+            <a:pPr lvl="2">
+              <a:defRPr/>
+            </a:pPr>
+            <a:r>
+              <a:rPr lang="en-US" altLang="ja-JP" sz="1200" dirty="0">
+                <a:latin typeface="Courier" charset="0"/>
+                <a:ea typeface="Courier" charset="0"/>
+                <a:cs typeface="Courier" charset="0"/>
+              </a:rPr>
+              <a:t>Gaussian, </a:t>
+            </a:r>
+            <a:r>
+              <a:rPr lang="en-US" altLang="ja-JP" sz="1200" dirty="0" err="1">
+                <a:latin typeface="Courier" charset="0"/>
+                <a:ea typeface="Courier" charset="0"/>
+                <a:cs typeface="Courier" charset="0"/>
+              </a:rPr>
+              <a:t>CCInput.xml</a:t>
+            </a:r>
+            <a:r>
+              <a:rPr lang="en-US" altLang="ja-JP" sz="1200" dirty="0">
+                <a:latin typeface="Courier" charset="0"/>
+                <a:ea typeface="Courier" charset="0"/>
+                <a:cs typeface="Courier" charset="0"/>
+              </a:rPr>
+              <a:t>, CCSD(T)/</a:t>
+            </a:r>
+            <a:r>
+              <a:rPr lang="en-US" altLang="ja-JP" sz="1200" dirty="0" err="1">
+                <a:latin typeface="Courier" charset="0"/>
+                <a:ea typeface="Courier" charset="0"/>
+                <a:cs typeface="Courier" charset="0"/>
+              </a:rPr>
+              <a:t>aug</a:t>
+            </a:r>
+            <a:r>
+              <a:rPr lang="en-US" altLang="ja-JP" sz="1200" dirty="0">
+                <a:latin typeface="Courier" charset="0"/>
+                <a:ea typeface="Courier" charset="0"/>
+                <a:cs typeface="Courier" charset="0"/>
+              </a:rPr>
+              <a:t>-cc-</a:t>
+            </a:r>
+            <a:r>
+              <a:rPr lang="en-US" altLang="ja-JP" sz="1200" dirty="0" err="1">
+                <a:latin typeface="Courier" charset="0"/>
+                <a:ea typeface="Courier" charset="0"/>
+                <a:cs typeface="Courier" charset="0"/>
+              </a:rPr>
+              <a:t>pVTZ</a:t>
+            </a:r>
+            <a:r>
+              <a:rPr lang="en-US" altLang="ja-JP" sz="1200" dirty="0">
+                <a:latin typeface="Courier" charset="0"/>
+                <a:ea typeface="Courier" charset="0"/>
+                <a:cs typeface="Courier" charset="0"/>
+              </a:rPr>
+              <a:t> (11) </a:t>
+            </a:r>
+          </a:p>
+          <a:p>
+            <a:pPr lvl="2">
+              <a:defRPr/>
+            </a:pPr>
+            <a:r>
+              <a:rPr lang="en-US" altLang="ja-JP" sz="1200" dirty="0">
+                <a:latin typeface="Courier" charset="0"/>
+                <a:ea typeface="Courier" charset="0"/>
+                <a:cs typeface="Courier" charset="0"/>
+              </a:rPr>
+              <a:t>&lt;/entry&gt; </a:t>
+            </a:r>
+          </a:p>
+          <a:p>
+            <a:pPr lvl="1">
+              <a:defRPr/>
+            </a:pPr>
+            <a:endParaRPr lang="en-US" altLang="ja-JP" sz="1400" dirty="0"/>
+          </a:p>
+          <a:p>
+            <a:pPr lvl="1">
+              <a:defRPr/>
+            </a:pPr>
+            <a:r>
+              <a:rPr lang="en-US" altLang="ja-JP" sz="1400" dirty="0"/>
+              <a:t>When the first value is specified as “generic”, </a:t>
+            </a:r>
+            <a:r>
+              <a:rPr lang="en-US" altLang="ja-JP" sz="1400" dirty="0" err="1"/>
+              <a:t>MakePES</a:t>
+            </a:r>
+            <a:r>
+              <a:rPr lang="en-US" altLang="ja-JP" sz="1400" dirty="0"/>
+              <a:t> creates a file (ending with .xyz), which contains the xyz coordinates of all grid points. This option is intended for users who want to create input files in their own way for the electronic structure calculation. In this case, the work flow is the following, </a:t>
+            </a:r>
+          </a:p>
+          <a:p>
+            <a:pPr lvl="1">
+              <a:defRPr/>
+            </a:pPr>
+            <a:endParaRPr lang="en-US" altLang="ja-JP" sz="1400" dirty="0"/>
+          </a:p>
+          <a:p>
+            <a:pPr marL="800100" lvl="1" indent="-342900">
+              <a:buFont typeface="+mj-lt"/>
+              <a:buAutoNum type="arabicPeriod"/>
+              <a:defRPr/>
+            </a:pPr>
+            <a:r>
+              <a:rPr lang="en-US" altLang="ja-JP" sz="1400" dirty="0"/>
+              <a:t>Execute </a:t>
+            </a:r>
+            <a:r>
+              <a:rPr lang="en-US" altLang="ja-JP" sz="1400" dirty="0" err="1"/>
+              <a:t>RunMakePES</a:t>
+            </a:r>
+            <a:r>
+              <a:rPr lang="en-US" altLang="ja-JP" sz="1400" dirty="0"/>
+              <a:t> with </a:t>
+            </a:r>
+            <a:r>
+              <a:rPr lang="en-US" altLang="ja-JP" sz="1400" dirty="0" err="1"/>
+              <a:t>qchem</a:t>
+            </a:r>
+            <a:r>
+              <a:rPr lang="en-US" altLang="ja-JP" sz="1400" dirty="0"/>
+              <a:t> = generic to create a xyz file.  </a:t>
+            </a:r>
+          </a:p>
+          <a:p>
+            <a:pPr marL="800100" lvl="1" indent="-342900">
+              <a:buFont typeface="+mj-lt"/>
+              <a:buAutoNum type="arabicPeriod"/>
+              <a:defRPr/>
+            </a:pPr>
+            <a:r>
+              <a:rPr lang="en-US" altLang="ja-JP" sz="1400" dirty="0"/>
+              <a:t>Get the grid ID and xyz coordinates from the xyz file, and create by yourself input files for the electronic structure program. </a:t>
+            </a:r>
+          </a:p>
+          <a:p>
+            <a:pPr marL="800100" lvl="1" indent="-342900">
+              <a:buFont typeface="+mj-lt"/>
+              <a:buAutoNum type="arabicPeriod"/>
+              <a:defRPr/>
+            </a:pPr>
+            <a:r>
+              <a:rPr lang="en-US" altLang="ja-JP" sz="1400" dirty="0"/>
+              <a:t>Run the electronic structure calculations. </a:t>
+            </a:r>
+          </a:p>
+          <a:p>
+            <a:pPr marL="800100" lvl="1" indent="-342900">
+              <a:buFont typeface="+mj-lt"/>
+              <a:buAutoNum type="arabicPeriod"/>
+              <a:defRPr/>
+            </a:pPr>
+            <a:r>
+              <a:rPr lang="en-US" altLang="ja-JP" sz="1400" dirty="0"/>
+              <a:t>Convert by yourself the output information to a </a:t>
+            </a:r>
+            <a:r>
+              <a:rPr lang="en-US" altLang="ja-JP" sz="1400" dirty="0" err="1"/>
+              <a:t>minfo</a:t>
+            </a:r>
+            <a:r>
+              <a:rPr lang="en-US" altLang="ja-JP" sz="1400" dirty="0"/>
+              <a:t> format, and save as (grid ID).</a:t>
+            </a:r>
+            <a:r>
+              <a:rPr lang="en-US" altLang="ja-JP" sz="1400" dirty="0" err="1"/>
+              <a:t>minfo</a:t>
+            </a:r>
+            <a:r>
+              <a:rPr lang="en-US" altLang="ja-JP" sz="1400" dirty="0"/>
+              <a:t>. Note that only the [ Electronic Data ] section is needed. </a:t>
+            </a:r>
+          </a:p>
+          <a:p>
+            <a:pPr marL="800100" lvl="1" indent="-342900">
+              <a:buFont typeface="+mj-lt"/>
+              <a:buAutoNum type="arabicPeriod"/>
+              <a:defRPr/>
+            </a:pPr>
+            <a:r>
+              <a:rPr lang="en-US" altLang="ja-JP" sz="1400" dirty="0"/>
+              <a:t>Place the </a:t>
+            </a:r>
+            <a:r>
+              <a:rPr lang="en-US" altLang="ja-JP" sz="1400" dirty="0" err="1"/>
+              <a:t>minfo</a:t>
+            </a:r>
+            <a:r>
+              <a:rPr lang="en-US" altLang="ja-JP" sz="1400" dirty="0"/>
+              <a:t> files to </a:t>
+            </a:r>
+            <a:r>
+              <a:rPr lang="en-US" altLang="ja-JP" sz="1400" dirty="0" err="1"/>
+              <a:t>minfo.files</a:t>
+            </a:r>
+            <a:r>
+              <a:rPr lang="en-US" altLang="ja-JP" sz="1400" dirty="0"/>
+              <a:t> folder. </a:t>
+            </a:r>
+          </a:p>
+          <a:p>
+            <a:pPr marL="800100" lvl="1" indent="-342900">
+              <a:buFont typeface="+mj-lt"/>
+              <a:buAutoNum type="arabicPeriod"/>
+              <a:defRPr/>
+            </a:pPr>
+            <a:r>
+              <a:rPr lang="en-US" altLang="ja-JP" sz="1400" dirty="0"/>
+              <a:t>Re-run </a:t>
+            </a:r>
+            <a:r>
+              <a:rPr lang="en-US" altLang="ja-JP" sz="1400" dirty="0" err="1"/>
+              <a:t>RunMakePES</a:t>
+            </a:r>
+            <a:r>
+              <a:rPr lang="en-US" altLang="ja-JP" sz="1400" dirty="0"/>
+              <a:t>. </a:t>
+            </a:r>
+          </a:p>
+          <a:p>
+            <a:pPr lvl="1">
+              <a:defRPr/>
+            </a:pPr>
+            <a:endParaRPr lang="en-US" altLang="ja-JP" sz="1400" dirty="0"/>
+          </a:p>
+          <a:p>
+            <a:pPr lvl="1">
+              <a:defRPr/>
+            </a:pPr>
+            <a:r>
+              <a:rPr lang="en-US" altLang="ja-JP" sz="1400" dirty="0"/>
+              <a:t>Then, one should obtain the mop file and pot files for QFF and Grid, respectively. </a:t>
+            </a:r>
+          </a:p>
+          <a:p>
+            <a:pPr lvl="1">
+              <a:defRPr/>
+            </a:pPr>
+            <a:endParaRPr lang="en-US" altLang="ja-JP" sz="1400" dirty="0"/>
+          </a:p>
+        </p:txBody>
+      </p:sp>
+      <p:sp>
+        <p:nvSpPr>
+          <p:cNvPr id="4" name="スライド番号プレースホルダー 3"/>
           <p:cNvSpPr>
             <a:spLocks noGrp="1"/>
           </p:cNvSpPr>
@@ -4011,425 +4651,10 @@
           </a:p>
         </p:txBody>
       </p:sp>
-      <p:sp>
-        <p:nvSpPr>
-          <p:cNvPr id="3" name="テキスト ボックス 2"/>
-          <p:cNvSpPr txBox="1"/>
-          <p:nvPr/>
-        </p:nvSpPr>
-        <p:spPr>
-          <a:xfrm>
-            <a:off x="914401" y="117693"/>
-            <a:ext cx="7827665" cy="6740307"/>
-          </a:xfrm>
-          <a:prstGeom prst="rect">
-            <a:avLst/>
-          </a:prstGeom>
-          <a:noFill/>
-        </p:spPr>
-        <p:txBody>
-          <a:bodyPr wrap="square">
-            <a:spAutoFit/>
-          </a:bodyPr>
-          <a:lstStyle/>
-          <a:p>
-            <a:pPr>
-              <a:defRPr/>
-            </a:pPr>
-            <a:r>
-              <a:rPr lang="en-US" altLang="ja-JP" dirty="0" smtClean="0"/>
-              <a:t>GRID </a:t>
-            </a:r>
-            <a:r>
-              <a:rPr lang="en-US" altLang="ja-JP" dirty="0"/>
-              <a:t>keys</a:t>
-            </a:r>
-          </a:p>
-          <a:p>
-            <a:pPr>
-              <a:defRPr/>
-            </a:pPr>
-            <a:endParaRPr lang="en-US" altLang="ja-JP" sz="1800" dirty="0">
-              <a:latin typeface="+mn-lt"/>
-            </a:endParaRPr>
-          </a:p>
-          <a:p>
-            <a:pPr marL="285750" indent="-285750">
-              <a:buFont typeface="Arial" charset="0"/>
-              <a:buChar char="•"/>
-              <a:defRPr/>
-            </a:pPr>
-            <a:r>
-              <a:rPr lang="en-US" altLang="ja-JP" sz="1400" dirty="0" err="1" smtClean="0"/>
-              <a:t>ngrid</a:t>
-            </a:r>
-            <a:r>
-              <a:rPr lang="en-US" altLang="ja-JP" sz="1400" dirty="0" smtClean="0"/>
-              <a:t>: integer number</a:t>
-            </a:r>
-            <a:endParaRPr lang="en-US" altLang="ja-JP" sz="1400" dirty="0"/>
-          </a:p>
-          <a:p>
-            <a:pPr lvl="1">
-              <a:defRPr/>
-            </a:pPr>
-            <a:r>
-              <a:rPr lang="en-US" altLang="ja-JP" sz="1400" dirty="0"/>
-              <a:t>The number of grid points along each </a:t>
-            </a:r>
-            <a:r>
-              <a:rPr lang="en-US" altLang="ja-JP" sz="1400" dirty="0" smtClean="0"/>
-              <a:t>coordinates. </a:t>
-            </a:r>
-            <a:r>
-              <a:rPr lang="en-US" altLang="ja-JP" sz="1400" dirty="0"/>
-              <a:t>(default = </a:t>
-            </a:r>
-            <a:r>
-              <a:rPr lang="en-US" altLang="ja-JP" sz="1400" dirty="0" smtClean="0"/>
-              <a:t>11)  </a:t>
-            </a:r>
-          </a:p>
-          <a:p>
-            <a:pPr lvl="2">
-              <a:defRPr/>
-            </a:pPr>
-            <a:endParaRPr lang="en-US" altLang="ja-JP" sz="1400" dirty="0"/>
-          </a:p>
-          <a:p>
-            <a:pPr marL="285750" indent="-285750">
-              <a:buFont typeface="Arial" charset="0"/>
-              <a:buChar char="•"/>
-              <a:defRPr/>
-            </a:pPr>
-            <a:r>
-              <a:rPr lang="en-US" altLang="ja-JP" sz="1400" dirty="0" err="1" smtClean="0"/>
-              <a:t>fullmc</a:t>
-            </a:r>
-            <a:r>
-              <a:rPr lang="en-US" altLang="ja-JP" sz="1400" dirty="0" smtClean="0"/>
-              <a:t>:  true/false</a:t>
-            </a:r>
-            <a:endParaRPr lang="en-US" altLang="ja-JP" sz="1400" dirty="0"/>
-          </a:p>
-          <a:p>
-            <a:pPr lvl="1">
-              <a:defRPr/>
-            </a:pPr>
-            <a:r>
-              <a:rPr lang="en-US" altLang="ja-JP" sz="1400" dirty="0"/>
-              <a:t>All the mode coupling up to the MR-</a:t>
-            </a:r>
-            <a:r>
-              <a:rPr lang="en-US" altLang="ja-JP" sz="1400" dirty="0" err="1"/>
-              <a:t>th</a:t>
-            </a:r>
-            <a:r>
-              <a:rPr lang="en-US" altLang="ja-JP" sz="1400" dirty="0"/>
-              <a:t> order is generated, when true. (default = false) </a:t>
-            </a:r>
-          </a:p>
-          <a:p>
-            <a:pPr lvl="2">
-              <a:defRPr/>
-            </a:pPr>
-            <a:endParaRPr lang="en-US" altLang="ja-JP" sz="1400" dirty="0"/>
-          </a:p>
-          <a:p>
-            <a:pPr marL="285750" indent="-285750">
-              <a:buFont typeface="Arial" charset="0"/>
-              <a:buChar char="•"/>
-              <a:defRPr/>
-            </a:pPr>
-            <a:r>
-              <a:rPr lang="en-US" altLang="ja-JP" sz="1400" dirty="0" smtClean="0"/>
-              <a:t>mc1, mc2, mc3: string of mode </a:t>
-            </a:r>
-            <a:r>
-              <a:rPr lang="en-US" altLang="ja-JP" sz="1400" dirty="0"/>
-              <a:t>index</a:t>
-            </a:r>
-          </a:p>
-          <a:p>
-            <a:pPr lvl="1">
-              <a:defRPr/>
-            </a:pPr>
-            <a:r>
-              <a:rPr lang="en-US" altLang="ja-JP" sz="1400" dirty="0"/>
-              <a:t>The </a:t>
-            </a:r>
-            <a:r>
-              <a:rPr lang="en-US" altLang="ja-JP" sz="1400" dirty="0" smtClean="0"/>
-              <a:t>1, 2, or 3MR </a:t>
-            </a:r>
-            <a:r>
-              <a:rPr lang="en-US" altLang="ja-JP" sz="1400" dirty="0"/>
-              <a:t>terms separated by </a:t>
-            </a:r>
-            <a:r>
-              <a:rPr lang="en-US" altLang="ja-JP" sz="1400" dirty="0" err="1"/>
-              <a:t>camma</a:t>
-            </a:r>
-            <a:r>
-              <a:rPr lang="en-US" altLang="ja-JP" sz="1400" dirty="0"/>
-              <a:t> or space. </a:t>
-            </a:r>
-            <a:r>
-              <a:rPr lang="en-US" altLang="ja-JP" sz="1400" dirty="0" smtClean="0"/>
-              <a:t>For example,</a:t>
-            </a:r>
-          </a:p>
-          <a:p>
-            <a:pPr lvl="1">
-              <a:defRPr/>
-            </a:pPr>
-            <a:endParaRPr lang="en-US" altLang="ja-JP" sz="1400" dirty="0"/>
-          </a:p>
-          <a:p>
-            <a:pPr lvl="1">
-              <a:defRPr/>
-            </a:pPr>
-            <a:r>
-              <a:rPr lang="en-US" altLang="ja-JP" sz="1400" dirty="0" smtClean="0"/>
-              <a:t>mc1: </a:t>
-            </a:r>
-          </a:p>
-          <a:p>
-            <a:pPr lvl="2">
-              <a:defRPr/>
-            </a:pPr>
-            <a:r>
-              <a:rPr lang="en-US" altLang="ja-JP" sz="1200" dirty="0" smtClean="0">
-                <a:latin typeface="Courier" charset="0"/>
-                <a:ea typeface="Courier" charset="0"/>
-                <a:cs typeface="Courier" charset="0"/>
-              </a:rPr>
-              <a:t>&lt;</a:t>
-            </a:r>
-            <a:r>
-              <a:rPr lang="en-US" altLang="ja-JP" sz="1200" dirty="0">
-                <a:latin typeface="Courier" charset="0"/>
-                <a:ea typeface="Courier" charset="0"/>
-                <a:cs typeface="Courier" charset="0"/>
-              </a:rPr>
-              <a:t>entry key="mc1"&gt; 1,2,3,5 &lt;/entry&gt; </a:t>
-            </a:r>
-            <a:endParaRPr lang="en-US" altLang="ja-JP" sz="1400" dirty="0"/>
-          </a:p>
-          <a:p>
-            <a:pPr lvl="1">
-              <a:defRPr/>
-            </a:pPr>
-            <a:r>
-              <a:rPr lang="en-US" altLang="ja-JP" sz="1400" dirty="0" smtClean="0"/>
-              <a:t>or </a:t>
-            </a:r>
-          </a:p>
-          <a:p>
-            <a:pPr lvl="2">
-              <a:defRPr/>
-            </a:pPr>
-            <a:r>
-              <a:rPr lang="en-US" altLang="ja-JP" sz="1200" dirty="0" smtClean="0">
-                <a:latin typeface="Courier" charset="0"/>
-                <a:ea typeface="Courier" charset="0"/>
-                <a:cs typeface="Courier" charset="0"/>
-              </a:rPr>
-              <a:t>&lt;</a:t>
-            </a:r>
-            <a:r>
-              <a:rPr lang="en-US" altLang="ja-JP" sz="1200" dirty="0">
-                <a:latin typeface="Courier" charset="0"/>
-                <a:ea typeface="Courier" charset="0"/>
-                <a:cs typeface="Courier" charset="0"/>
-              </a:rPr>
-              <a:t>entry key="mc1"&gt; 1-3 5 &lt;/entry&gt; </a:t>
-            </a:r>
-            <a:endParaRPr lang="en-US" altLang="ja-JP" sz="1200" dirty="0" smtClean="0">
-              <a:latin typeface="Courier" charset="0"/>
-              <a:ea typeface="Courier" charset="0"/>
-              <a:cs typeface="Courier" charset="0"/>
-            </a:endParaRPr>
-          </a:p>
-          <a:p>
-            <a:pPr lvl="1">
-              <a:defRPr/>
-            </a:pPr>
-            <a:endParaRPr lang="en-US" altLang="ja-JP" sz="1400" dirty="0"/>
-          </a:p>
-          <a:p>
-            <a:pPr lvl="1">
-              <a:defRPr/>
-            </a:pPr>
-            <a:r>
-              <a:rPr lang="en-US" altLang="ja-JP" sz="1400" dirty="0" smtClean="0"/>
-              <a:t>generates grid </a:t>
-            </a:r>
-            <a:r>
-              <a:rPr lang="en-US" altLang="ja-JP" sz="1400" dirty="0"/>
-              <a:t>points for Q1,Q2,Q3, and Q5. </a:t>
-            </a:r>
-            <a:endParaRPr lang="en-US" altLang="ja-JP" sz="1400" dirty="0" smtClean="0"/>
-          </a:p>
-          <a:p>
-            <a:pPr lvl="1">
-              <a:defRPr/>
-            </a:pPr>
-            <a:endParaRPr lang="en-US" altLang="ja-JP" sz="1400" dirty="0" smtClean="0"/>
-          </a:p>
-          <a:p>
-            <a:pPr lvl="1">
-              <a:defRPr/>
-            </a:pPr>
-            <a:r>
-              <a:rPr lang="en-US" altLang="ja-JP" sz="1400" dirty="0" smtClean="0"/>
-              <a:t>mc2:</a:t>
-            </a:r>
-          </a:p>
-          <a:p>
-            <a:pPr lvl="2">
-              <a:defRPr/>
-            </a:pPr>
-            <a:r>
-              <a:rPr lang="en-US" altLang="ja-JP" sz="1200" dirty="0">
-                <a:latin typeface="Courier" charset="0"/>
-                <a:ea typeface="Courier" charset="0"/>
-                <a:cs typeface="Courier" charset="0"/>
-              </a:rPr>
-              <a:t>&lt;entry key="mc2"&gt; 1,2, 1,4, 2,4, 3,4 &lt;/entry&gt; </a:t>
-            </a:r>
-            <a:r>
-              <a:rPr lang="en-US" altLang="ja-JP" sz="1200" dirty="0" smtClean="0">
-                <a:latin typeface="Courier" charset="0"/>
-                <a:ea typeface="Courier" charset="0"/>
-                <a:cs typeface="Courier" charset="0"/>
-              </a:rPr>
-              <a:t> </a:t>
-            </a:r>
-            <a:endParaRPr lang="en-US" altLang="ja-JP" sz="1400" dirty="0"/>
-          </a:p>
-          <a:p>
-            <a:pPr lvl="1">
-              <a:defRPr/>
-            </a:pPr>
-            <a:r>
-              <a:rPr lang="en-US" altLang="ja-JP" sz="1400" dirty="0" smtClean="0"/>
-              <a:t>or</a:t>
-            </a:r>
-            <a:endParaRPr lang="en-US" altLang="ja-JP" sz="1400" dirty="0"/>
-          </a:p>
-          <a:p>
-            <a:pPr lvl="2">
-              <a:defRPr/>
-            </a:pPr>
-            <a:r>
-              <a:rPr lang="en-US" altLang="ja-JP" sz="1200" dirty="0">
-                <a:latin typeface="Courier" charset="0"/>
-                <a:ea typeface="Courier" charset="0"/>
-                <a:cs typeface="Courier" charset="0"/>
-              </a:rPr>
-              <a:t>&lt;entry key="mc2"&gt; 1,2, 1-3,4 &lt;/entry&gt; </a:t>
-            </a:r>
-            <a:endParaRPr lang="en-US" altLang="ja-JP" sz="1200" dirty="0" smtClean="0">
-              <a:latin typeface="Courier" charset="0"/>
-              <a:ea typeface="Courier" charset="0"/>
-              <a:cs typeface="Courier" charset="0"/>
-            </a:endParaRPr>
-          </a:p>
-          <a:p>
-            <a:pPr lvl="1">
-              <a:defRPr/>
-            </a:pPr>
-            <a:endParaRPr lang="en-US" altLang="ja-JP" sz="1400" dirty="0" smtClean="0"/>
-          </a:p>
-          <a:p>
-            <a:pPr lvl="1">
-              <a:defRPr/>
-            </a:pPr>
-            <a:r>
-              <a:rPr lang="en-US" altLang="ja-JP" sz="1400" dirty="0" smtClean="0"/>
-              <a:t>generates </a:t>
-            </a:r>
-            <a:r>
-              <a:rPr lang="en-US" altLang="ja-JP" sz="1400" dirty="0"/>
-              <a:t>the grid points for (Q2, Q1),(Q4, Q1),(Q4, Q2), and (Q4, Q3). </a:t>
-            </a:r>
-            <a:endParaRPr lang="en-US" altLang="ja-JP" sz="1400" dirty="0" smtClean="0"/>
-          </a:p>
-          <a:p>
-            <a:pPr lvl="1">
-              <a:defRPr/>
-            </a:pPr>
-            <a:endParaRPr lang="en-US" altLang="ja-JP" sz="1400" dirty="0" smtClean="0"/>
-          </a:p>
-          <a:p>
-            <a:pPr lvl="1">
-              <a:defRPr/>
-            </a:pPr>
-            <a:r>
-              <a:rPr lang="en-US" altLang="ja-JP" sz="1400" dirty="0" smtClean="0"/>
-              <a:t>mc3</a:t>
-            </a:r>
-            <a:r>
-              <a:rPr lang="en-US" altLang="ja-JP" sz="1400" dirty="0"/>
-              <a:t>:</a:t>
-            </a:r>
-          </a:p>
-          <a:p>
-            <a:pPr lvl="2">
-              <a:defRPr/>
-            </a:pPr>
-            <a:r>
-              <a:rPr lang="en-US" altLang="ja-JP" sz="1200" dirty="0">
-                <a:latin typeface="Courier" charset="0"/>
-                <a:ea typeface="Courier" charset="0"/>
-                <a:cs typeface="Courier" charset="0"/>
-              </a:rPr>
-              <a:t>&lt;entry key="mc3"&gt; 1,2,3, 1,2,4 &lt;/entry&gt; </a:t>
-            </a:r>
-          </a:p>
-          <a:p>
-            <a:pPr lvl="1">
-              <a:defRPr/>
-            </a:pPr>
-            <a:endParaRPr lang="en-US" altLang="ja-JP" sz="1400" dirty="0"/>
-          </a:p>
-          <a:p>
-            <a:pPr lvl="1">
-              <a:defRPr/>
-            </a:pPr>
-            <a:r>
-              <a:rPr lang="en-US" altLang="ja-JP" sz="1400" dirty="0"/>
-              <a:t>generates the grid points for (Q3, Q2, Q1) and (Q4, Q2, Q1).</a:t>
-            </a:r>
-            <a:br>
-              <a:rPr lang="en-US" altLang="ja-JP" sz="1400" dirty="0"/>
-            </a:br>
-            <a:endParaRPr lang="en-US" altLang="ja-JP" sz="1400" dirty="0"/>
-          </a:p>
-          <a:p>
-            <a:pPr>
-              <a:defRPr/>
-            </a:pPr>
-            <a:r>
-              <a:rPr lang="en-US" altLang="ja-JP" sz="1400" dirty="0"/>
-              <a:t>NOTE: One of </a:t>
-            </a:r>
-            <a:r>
-              <a:rPr lang="en-US" altLang="ja-JP" sz="1400" dirty="0" err="1"/>
-              <a:t>fullmc</a:t>
-            </a:r>
-            <a:r>
-              <a:rPr lang="en-US" altLang="ja-JP" sz="1400" dirty="0"/>
-              <a:t>, mc1, mc2, or mc3 must be present in the input file. </a:t>
-            </a:r>
-          </a:p>
-        </p:txBody>
-      </p:sp>
     </p:spTree>
     <p:extLst>
       <p:ext uri="{BB962C8B-B14F-4D97-AF65-F5344CB8AC3E}">
-        <p14:creationId xmlns:p14="http://schemas.microsoft.com/office/powerpoint/2010/main" val="694449296"/>
+        <p14:creationId xmlns:p14="http://schemas.microsoft.com/office/powerpoint/2010/main" val="1860810041"/>
       </p:ext>
     </p:extLst>
   </p:cSld>
@@ -4456,6 +4681,391 @@
           <a:chExt cx="0" cy="0"/>
         </a:xfrm>
       </p:grpSpPr>
+      <mc:AlternateContent xmlns:mc="http://schemas.openxmlformats.org/markup-compatibility/2006" xmlns:a14="http://schemas.microsoft.com/office/drawing/2010/main">
+        <mc:Choice Requires="a14">
+          <p:sp>
+            <p:nvSpPr>
+              <p:cNvPr id="2" name="テキスト ボックス 1"/>
+              <p:cNvSpPr txBox="1"/>
+              <p:nvPr/>
+            </p:nvSpPr>
+            <p:spPr>
+              <a:xfrm>
+                <a:off x="914401" y="232637"/>
+                <a:ext cx="7827665" cy="6077882"/>
+              </a:xfrm>
+              <a:prstGeom prst="rect">
+                <a:avLst/>
+              </a:prstGeom>
+              <a:noFill/>
+            </p:spPr>
+            <p:txBody>
+              <a:bodyPr wrap="square">
+                <a:spAutoFit/>
+              </a:bodyPr>
+              <a:lstStyle/>
+              <a:p>
+                <a:pPr>
+                  <a:defRPr/>
+                </a:pPr>
+                <a:r>
+                  <a:rPr lang="en-US" altLang="ja-JP" sz="1800" dirty="0">
+                    <a:latin typeface="+mn-lt"/>
+                  </a:rPr>
+                  <a:t>QFF keys</a:t>
+                </a:r>
+              </a:p>
+              <a:p>
+                <a:pPr>
+                  <a:defRPr/>
+                </a:pPr>
+                <a:endParaRPr lang="en-US" altLang="ja-JP" sz="1800" dirty="0">
+                  <a:latin typeface="+mn-lt"/>
+                </a:endParaRPr>
+              </a:p>
+              <a:p>
+                <a:pPr marL="285750" indent="-285750">
+                  <a:buFont typeface="Arial" charset="0"/>
+                  <a:buChar char="•"/>
+                  <a:defRPr/>
+                </a:pPr>
+                <a:r>
+                  <a:rPr lang="en-US" altLang="ja-JP" sz="1400" dirty="0" err="1"/>
+                  <a:t>stepsize</a:t>
+                </a:r>
+                <a:r>
+                  <a:rPr lang="en-US" altLang="ja-JP" sz="1400" dirty="0"/>
+                  <a:t>: real number</a:t>
+                </a:r>
+              </a:p>
+              <a:p>
+                <a:pPr lvl="1">
+                  <a:defRPr/>
+                </a:pPr>
+                <a:r>
+                  <a:rPr lang="en-US" altLang="ja-JP" sz="1400" dirty="0"/>
+                  <a:t>The step size for numerical differentiations in dimensionless unit (</a:t>
+                </a:r>
+                <a14:m>
+                  <m:oMath xmlns:m="http://schemas.openxmlformats.org/officeDocument/2006/math">
+                    <m:rad>
+                      <m:radPr>
+                        <m:degHide m:val="on"/>
+                        <m:ctrlPr>
+                          <a:rPr lang="en-US" altLang="ja-JP" sz="1400" i="1" smtClean="0">
+                            <a:latin typeface="Cambria Math" panose="02040503050406030204" pitchFamily="18" charset="0"/>
+                          </a:rPr>
+                        </m:ctrlPr>
+                      </m:radPr>
+                      <m:deg/>
+                      <m:e>
+                        <m:r>
+                          <a:rPr lang="en-US" altLang="ja-JP" sz="1400" b="0" i="1" smtClean="0">
+                            <a:latin typeface="Cambria Math" charset="0"/>
+                          </a:rPr>
+                          <m:t>𝜔</m:t>
+                        </m:r>
+                        <m:r>
+                          <a:rPr lang="en-US" altLang="ja-JP" sz="1400" b="0" i="1" smtClean="0">
+                            <a:latin typeface="Cambria Math" charset="0"/>
+                          </a:rPr>
+                          <m:t>/ℏ</m:t>
+                        </m:r>
+                      </m:e>
+                    </m:rad>
+                  </m:oMath>
+                </a14:m>
+                <a:r>
+                  <a:rPr lang="en-US" altLang="ja-JP" sz="1400" dirty="0"/>
+                  <a:t> ∗ Q). (default = 0.5)  </a:t>
+                </a:r>
+              </a:p>
+              <a:p>
+                <a:pPr lvl="2">
+                  <a:defRPr/>
+                </a:pPr>
+                <a:endParaRPr lang="en-US" altLang="ja-JP" sz="1400" dirty="0"/>
+              </a:p>
+              <a:p>
+                <a:pPr marL="285750" indent="-285750">
+                  <a:buFont typeface="Arial" charset="0"/>
+                  <a:buChar char="•"/>
+                  <a:defRPr/>
+                </a:pPr>
+                <a:r>
+                  <a:rPr lang="en-US" altLang="ja-JP" sz="1400" dirty="0" err="1"/>
+                  <a:t>ndifftype</a:t>
+                </a:r>
+                <a:r>
+                  <a:rPr lang="en-US" altLang="ja-JP" sz="1400" dirty="0"/>
+                  <a:t>:  grad/</a:t>
+                </a:r>
+                <a:r>
+                  <a:rPr lang="en-US" altLang="ja-JP" sz="1400" dirty="0" err="1"/>
+                  <a:t>hess</a:t>
+                </a:r>
+                <a:endParaRPr lang="en-US" altLang="ja-JP" sz="1400" dirty="0"/>
+              </a:p>
+              <a:p>
+                <a:pPr lvl="1">
+                  <a:defRPr/>
+                </a:pPr>
+                <a:r>
+                  <a:rPr lang="en-US" altLang="ja-JP" sz="1400" dirty="0"/>
+                  <a:t>The type of numerical differentiations.</a:t>
+                </a:r>
+              </a:p>
+              <a:p>
+                <a:pPr lvl="2">
+                  <a:defRPr/>
+                </a:pPr>
+                <a:r>
+                  <a:rPr lang="en-US" altLang="ja-JP" sz="1400" dirty="0"/>
+                  <a:t>grad : Numerical 3rd-order diff. of gradient. </a:t>
+                </a:r>
+              </a:p>
+              <a:p>
+                <a:pPr lvl="2">
+                  <a:defRPr/>
+                </a:pPr>
+                <a:r>
+                  <a:rPr lang="en-US" altLang="ja-JP" sz="1400" dirty="0" err="1"/>
+                  <a:t>hess</a:t>
+                </a:r>
+                <a:r>
+                  <a:rPr lang="en-US" altLang="ja-JP" sz="1400" dirty="0"/>
+                  <a:t> (default) : Numerical 2nd-order diff. of hessian. </a:t>
+                </a:r>
+              </a:p>
+              <a:p>
+                <a:pPr lvl="2">
+                  <a:defRPr/>
+                </a:pPr>
+                <a:endParaRPr lang="en-US" altLang="ja-JP" sz="1400" dirty="0"/>
+              </a:p>
+              <a:p>
+                <a:pPr marL="285750" indent="-285750">
+                  <a:buFont typeface="Arial" charset="0"/>
+                  <a:buChar char="•"/>
+                  <a:defRPr/>
+                </a:pPr>
+                <a:r>
+                  <a:rPr lang="en-US" altLang="ja-JP" sz="1400" dirty="0" err="1"/>
+                  <a:t>mopfile</a:t>
+                </a:r>
+                <a:r>
+                  <a:rPr lang="en-US" altLang="ja-JP" sz="1400" dirty="0"/>
+                  <a:t>: file name</a:t>
+                </a:r>
+              </a:p>
+              <a:p>
+                <a:pPr lvl="1">
+                  <a:defRPr/>
+                </a:pPr>
+                <a:r>
+                  <a:rPr lang="en-US" altLang="ja-JP" sz="1400" dirty="0"/>
+                  <a:t>The name of mop file, in which the QFF coefficients are written. (default = prop_no_1.mop) This format is compatible with the MIDAS software developed by Christiansen and coworkers.  </a:t>
+                </a:r>
+              </a:p>
+              <a:p>
+                <a:pPr lvl="2">
+                  <a:defRPr/>
+                </a:pPr>
+                <a:endParaRPr lang="en-US" altLang="ja-JP" sz="1400" dirty="0"/>
+              </a:p>
+              <a:p>
+                <a:pPr marL="285750" indent="-285750">
+                  <a:buFont typeface="Arial" charset="0"/>
+                  <a:buChar char="•"/>
+                  <a:defRPr/>
+                </a:pPr>
+                <a:r>
+                  <a:rPr lang="en-US" altLang="ja-JP" sz="1400" dirty="0"/>
+                  <a:t>gradient and hessian: input/current</a:t>
+                </a:r>
+              </a:p>
+              <a:p>
+                <a:pPr lvl="1">
+                  <a:defRPr/>
+                </a:pPr>
+                <a:r>
+                  <a:rPr lang="en-US" altLang="ja-JP" sz="1400" dirty="0"/>
+                  <a:t>Specifies where the gradient and Hessian are retrieved. </a:t>
+                </a:r>
+              </a:p>
+              <a:p>
+                <a:pPr lvl="2">
+                  <a:defRPr/>
+                </a:pPr>
+                <a:r>
+                  <a:rPr lang="en-US" altLang="ja-JP" sz="1400" dirty="0"/>
+                  <a:t>input (default) : From the input </a:t>
+                </a:r>
+                <a:r>
+                  <a:rPr lang="en-US" altLang="ja-JP" sz="1400" dirty="0" err="1"/>
+                  <a:t>minfo</a:t>
+                </a:r>
+                <a:r>
+                  <a:rPr lang="en-US" altLang="ja-JP" sz="1400" dirty="0"/>
+                  <a:t> file.</a:t>
+                </a:r>
+                <a:br>
+                  <a:rPr lang="en-US" altLang="ja-JP" sz="1400" dirty="0"/>
+                </a:br>
+                <a:r>
+                  <a:rPr lang="en-US" altLang="ja-JP" sz="1400" dirty="0"/>
+                  <a:t>current : From the current calculation. (</a:t>
+                </a:r>
+                <a:r>
+                  <a:rPr lang="en-US" altLang="ja-JP" sz="1400" dirty="0" err="1"/>
+                  <a:t>mkqff-eq.minfo</a:t>
+                </a:r>
+                <a:r>
+                  <a:rPr lang="en-US" altLang="ja-JP" sz="1400" dirty="0"/>
+                  <a:t>) </a:t>
+                </a:r>
+              </a:p>
+              <a:p>
+                <a:pPr lvl="2">
+                  <a:defRPr/>
+                </a:pPr>
+                <a:endParaRPr lang="en-US" altLang="ja-JP" sz="1400" dirty="0"/>
+              </a:p>
+              <a:p>
+                <a:pPr lvl="1">
+                  <a:defRPr/>
+                </a:pPr>
+                <a:r>
+                  <a:rPr lang="en-US" altLang="ja-JP" sz="1400" dirty="0"/>
+                  <a:t>“input” is useful for combining accurate geometry, gradient, and Hessian, read from the input </a:t>
+                </a:r>
+                <a:r>
+                  <a:rPr lang="en-US" altLang="ja-JP" sz="1400" dirty="0" err="1"/>
+                  <a:t>minfo</a:t>
+                </a:r>
+                <a:r>
+                  <a:rPr lang="en-US" altLang="ja-JP" sz="1400" dirty="0"/>
+                  <a:t> file, with lower-level cubic and quartic terms, which are calculated by </a:t>
+                </a:r>
+                <a:r>
+                  <a:rPr lang="en-US" altLang="ja-JP" sz="1400" dirty="0" err="1"/>
+                  <a:t>MakePES</a:t>
+                </a:r>
+                <a:r>
+                  <a:rPr lang="en-US" altLang="ja-JP" sz="1400" dirty="0"/>
+                  <a:t> module. </a:t>
+                </a:r>
+              </a:p>
+              <a:p>
+                <a:pPr lvl="1">
+                  <a:defRPr/>
+                </a:pPr>
+                <a:endParaRPr lang="en-US" altLang="ja-JP" sz="1400" dirty="0"/>
+              </a:p>
+              <a:p>
+                <a:pPr lvl="1">
+                  <a:defRPr/>
+                </a:pPr>
+                <a:r>
+                  <a:rPr lang="en-US" altLang="ja-JP" sz="1400" dirty="0"/>
+                  <a:t>On the other hand, one might think of another strategy, where the geometry and coordinates are derived from a low-level of theory, and the QFF at a higher-level of theory. In that case, this option should be set to “current”, which incorporates the gradient and Hessian obtained from the current calculation. </a:t>
+                </a:r>
+              </a:p>
+            </p:txBody>
+          </p:sp>
+        </mc:Choice>
+        <mc:Fallback xmlns="">
+          <p:sp>
+            <p:nvSpPr>
+              <p:cNvPr id="2" name="テキスト ボックス 1"/>
+              <p:cNvSpPr txBox="1">
+                <a:spLocks noRot="1" noChangeAspect="1" noMove="1" noResize="1" noEditPoints="1" noAdjustHandles="1" noChangeArrowheads="1" noChangeShapeType="1" noTextEdit="1"/>
+              </p:cNvSpPr>
+              <p:nvPr/>
+            </p:nvSpPr>
+            <p:spPr>
+              <a:xfrm>
+                <a:off x="914401" y="232637"/>
+                <a:ext cx="7827665" cy="6077882"/>
+              </a:xfrm>
+              <a:prstGeom prst="rect">
+                <a:avLst/>
+              </a:prstGeom>
+              <a:blipFill rotWithShape="0">
+                <a:blip r:embed="rId2"/>
+                <a:stretch>
+                  <a:fillRect l="-623" t="-502"/>
+                </a:stretch>
+              </a:blipFill>
+            </p:spPr>
+            <p:txBody>
+              <a:bodyPr/>
+              <a:lstStyle/>
+              <a:p>
+                <a:r>
+                  <a:rPr lang="ja-JP" altLang="en-US">
+                    <a:noFill/>
+                  </a:rPr>
+                  <a:t> </a:t>
+                </a:r>
+              </a:p>
+            </p:txBody>
+          </p:sp>
+        </mc:Fallback>
+      </mc:AlternateContent>
+      <p:sp>
+        <p:nvSpPr>
+          <p:cNvPr id="3" name="スライド番号プレースホルダー 2"/>
+          <p:cNvSpPr>
+            <a:spLocks noGrp="1"/>
+          </p:cNvSpPr>
+          <p:nvPr>
+            <p:ph type="sldNum" sz="quarter" idx="12"/>
+          </p:nvPr>
+        </p:nvSpPr>
+        <p:spPr/>
+        <p:txBody>
+          <a:bodyPr/>
+          <a:lstStyle/>
+          <a:p>
+            <a:fld id="{7D34BB6B-1E1A-9541-9560-488905BF54FF}" type="slidenum">
+              <a:rPr kumimoji="1" lang="ja-JP" altLang="en-US" smtClean="0"/>
+              <a:t>11</a:t>
+            </a:fld>
+            <a:endParaRPr kumimoji="1" lang="ja-JP" altLang="en-US"/>
+          </a:p>
+        </p:txBody>
+      </p:sp>
+    </p:spTree>
+    <p:extLst>
+      <p:ext uri="{BB962C8B-B14F-4D97-AF65-F5344CB8AC3E}">
+        <p14:creationId xmlns:p14="http://schemas.microsoft.com/office/powerpoint/2010/main" val="1524324311"/>
+      </p:ext>
+    </p:extLst>
+  </p:cSld>
+  <p:clrMapOvr>
+    <a:masterClrMapping/>
+  </p:clrMapOvr>
+</p:sld>
+</file>
+
+<file path=ppt/slides/slide13.xml><?xml version="1.0" encoding="utf-8"?>
+<p:sld xmlns:a="http://schemas.openxmlformats.org/drawingml/2006/main" xmlns:r="http://schemas.openxmlformats.org/officeDocument/2006/relationships" xmlns:p="http://schemas.openxmlformats.org/presentationml/2006/main">
+  <p:cSld>
+    <p:spTree>
+      <p:nvGrpSpPr>
+        <p:cNvPr id="1" name=""/>
+        <p:cNvGrpSpPr/>
+        <p:nvPr/>
+      </p:nvGrpSpPr>
+      <p:grpSpPr>
+        <a:xfrm>
+          <a:off x="0" y="0"/>
+          <a:ext cx="0" cy="0"/>
+          <a:chOff x="0" y="0"/>
+          <a:chExt cx="0" cy="0"/>
+        </a:xfrm>
+      </p:grpSpPr>
       <p:sp>
         <p:nvSpPr>
           <p:cNvPr id="2" name="スライド番号プレースホルダー 1"/>
@@ -4473,7 +5083,545 @@
           <a:p>
             <a:fld id="{7D34BB6B-1E1A-9541-9560-488905BF54FF}" type="slidenum">
               <a:rPr kumimoji="1" lang="ja-JP" altLang="en-US" smtClean="0"/>
-              <a:t>11</a:t>
+              <a:t>12</a:t>
+            </a:fld>
+            <a:endParaRPr kumimoji="1" lang="ja-JP" altLang="en-US"/>
+          </a:p>
+        </p:txBody>
+      </p:sp>
+      <p:sp>
+        <p:nvSpPr>
+          <p:cNvPr id="4" name="テキスト ボックス 3"/>
+          <p:cNvSpPr txBox="1"/>
+          <p:nvPr/>
+        </p:nvSpPr>
+        <p:spPr>
+          <a:xfrm>
+            <a:off x="914401" y="334237"/>
+            <a:ext cx="7827665" cy="2092881"/>
+          </a:xfrm>
+          <a:prstGeom prst="rect">
+            <a:avLst/>
+          </a:prstGeom>
+          <a:noFill/>
+        </p:spPr>
+        <p:txBody>
+          <a:bodyPr wrap="square">
+            <a:spAutoFit/>
+          </a:bodyPr>
+          <a:lstStyle/>
+          <a:p>
+            <a:pPr marL="285750" indent="-285750">
+              <a:buFont typeface="Arial" charset="0"/>
+              <a:buChar char="•"/>
+              <a:defRPr/>
+            </a:pPr>
+            <a:r>
+              <a:rPr lang="en-US" altLang="ja-JP" sz="1400" dirty="0" err="1"/>
+              <a:t>interdomain_hc</a:t>
+            </a:r>
+            <a:r>
+              <a:rPr lang="en-US" altLang="ja-JP" sz="1400" dirty="0"/>
+              <a:t>: true/false</a:t>
+            </a:r>
+          </a:p>
+          <a:p>
+            <a:pPr lvl="1">
+              <a:defRPr/>
+            </a:pPr>
+            <a:r>
+              <a:rPr lang="en-US" altLang="ja-JP" sz="1400" dirty="0"/>
+              <a:t>Prints the harmonic coupling, when true. (default = true)</a:t>
+            </a:r>
+          </a:p>
+          <a:p>
+            <a:pPr marL="285750" indent="-285750">
+              <a:buFont typeface="Arial" charset="0"/>
+              <a:buChar char="•"/>
+              <a:defRPr/>
+            </a:pPr>
+            <a:endParaRPr lang="en-US" altLang="ja-JP" sz="1400" dirty="0"/>
+          </a:p>
+          <a:p>
+            <a:pPr marL="285750" indent="-285750">
+              <a:buFont typeface="Arial" charset="0"/>
+              <a:buChar char="•"/>
+              <a:defRPr/>
+            </a:pPr>
+            <a:r>
+              <a:rPr lang="en-US" altLang="ja-JP" sz="1400" dirty="0" err="1"/>
+              <a:t>genhs</a:t>
+            </a:r>
+            <a:r>
+              <a:rPr lang="en-US" altLang="ja-JP" sz="1400" dirty="0"/>
+              <a:t>: true/false</a:t>
+            </a:r>
+          </a:p>
+          <a:p>
+            <a:pPr lvl="1">
+              <a:defRPr/>
+            </a:pPr>
+            <a:r>
+              <a:rPr lang="en-US" altLang="ja-JP" sz="1400" dirty="0"/>
+              <a:t>Generate the 001.hs file</a:t>
+            </a:r>
+            <a:r>
+              <a:rPr lang="en-US" altLang="ja-JP" sz="1400"/>
+              <a:t>, when true. </a:t>
+            </a:r>
+            <a:r>
+              <a:rPr lang="en-US" altLang="ja-JP" sz="1400" dirty="0"/>
+              <a:t>(default = false)</a:t>
+            </a:r>
+            <a:br>
+              <a:rPr lang="en-US" altLang="ja-JP" sz="1400" dirty="0"/>
+            </a:br>
+            <a:r>
+              <a:rPr lang="en-US" altLang="ja-JP" sz="1400" dirty="0"/>
+              <a:t>001.hs is a file which contains the QFF coefficients in the old format; however, this format is deprecated and not recommended to use unless for a debugging purpose to compare the result with the previous version of SINDO. </a:t>
+            </a:r>
+          </a:p>
+          <a:p>
+            <a:pPr>
+              <a:defRPr/>
+            </a:pPr>
+            <a:endParaRPr lang="en-US" altLang="ja-JP" dirty="0"/>
+          </a:p>
+        </p:txBody>
+      </p:sp>
+    </p:spTree>
+    <p:extLst>
+      <p:ext uri="{BB962C8B-B14F-4D97-AF65-F5344CB8AC3E}">
+        <p14:creationId xmlns:p14="http://schemas.microsoft.com/office/powerpoint/2010/main" val="891480015"/>
+      </p:ext>
+    </p:extLst>
+  </p:cSld>
+  <p:clrMapOvr>
+    <a:masterClrMapping/>
+  </p:clrMapOvr>
+</p:sld>
+</file>
+
+<file path=ppt/slides/slide14.xml><?xml version="1.0" encoding="utf-8"?>
+<p:sld xmlns:a="http://schemas.openxmlformats.org/drawingml/2006/main" xmlns:r="http://schemas.openxmlformats.org/officeDocument/2006/relationships" xmlns:p="http://schemas.openxmlformats.org/presentationml/2006/main">
+  <p:cSld>
+    <p:spTree>
+      <p:nvGrpSpPr>
+        <p:cNvPr id="1" name=""/>
+        <p:cNvGrpSpPr/>
+        <p:nvPr/>
+      </p:nvGrpSpPr>
+      <p:grpSpPr>
+        <a:xfrm>
+          <a:off x="0" y="0"/>
+          <a:ext cx="0" cy="0"/>
+          <a:chOff x="0" y="0"/>
+          <a:chExt cx="0" cy="0"/>
+        </a:xfrm>
+      </p:grpSpPr>
+      <p:sp>
+        <p:nvSpPr>
+          <p:cNvPr id="2" name="スライド番号プレースホルダー 1"/>
+          <p:cNvSpPr>
+            <a:spLocks noGrp="1"/>
+          </p:cNvSpPr>
+          <p:nvPr>
+            <p:ph type="sldNum" sz="quarter" idx="12"/>
+          </p:nvPr>
+        </p:nvSpPr>
+        <p:spPr/>
+        <p:txBody>
+          <a:bodyPr/>
+          <a:lstStyle/>
+          <a:p>
+            <a:fld id="{7D34BB6B-1E1A-9541-9560-488905BF54FF}" type="slidenum">
+              <a:rPr kumimoji="1" lang="ja-JP" altLang="en-US" smtClean="0"/>
+              <a:t>13</a:t>
+            </a:fld>
+            <a:endParaRPr kumimoji="1" lang="ja-JP" altLang="en-US"/>
+          </a:p>
+        </p:txBody>
+      </p:sp>
+      <p:sp>
+        <p:nvSpPr>
+          <p:cNvPr id="3" name="テキスト ボックス 2"/>
+          <p:cNvSpPr txBox="1"/>
+          <p:nvPr/>
+        </p:nvSpPr>
+        <p:spPr>
+          <a:xfrm>
+            <a:off x="914401" y="117693"/>
+            <a:ext cx="7827665" cy="6740307"/>
+          </a:xfrm>
+          <a:prstGeom prst="rect">
+            <a:avLst/>
+          </a:prstGeom>
+          <a:noFill/>
+        </p:spPr>
+        <p:txBody>
+          <a:bodyPr wrap="square">
+            <a:spAutoFit/>
+          </a:bodyPr>
+          <a:lstStyle/>
+          <a:p>
+            <a:pPr>
+              <a:defRPr/>
+            </a:pPr>
+            <a:r>
+              <a:rPr lang="en-US" altLang="ja-JP" dirty="0"/>
+              <a:t>GRID keys</a:t>
+            </a:r>
+          </a:p>
+          <a:p>
+            <a:pPr>
+              <a:defRPr/>
+            </a:pPr>
+            <a:endParaRPr lang="en-US" altLang="ja-JP" sz="1800" dirty="0">
+              <a:latin typeface="+mn-lt"/>
+            </a:endParaRPr>
+          </a:p>
+          <a:p>
+            <a:pPr marL="285750" indent="-285750">
+              <a:buFont typeface="Arial" charset="0"/>
+              <a:buChar char="•"/>
+              <a:defRPr/>
+            </a:pPr>
+            <a:r>
+              <a:rPr lang="en-US" altLang="ja-JP" sz="1400" dirty="0" err="1"/>
+              <a:t>ngrid</a:t>
+            </a:r>
+            <a:r>
+              <a:rPr lang="en-US" altLang="ja-JP" sz="1400" dirty="0"/>
+              <a:t>: integer number</a:t>
+            </a:r>
+          </a:p>
+          <a:p>
+            <a:pPr lvl="1">
+              <a:defRPr/>
+            </a:pPr>
+            <a:r>
+              <a:rPr lang="en-US" altLang="ja-JP" sz="1400" dirty="0"/>
+              <a:t>The number of grid points along each coordinates. (default = 11)  </a:t>
+            </a:r>
+          </a:p>
+          <a:p>
+            <a:pPr lvl="2">
+              <a:defRPr/>
+            </a:pPr>
+            <a:endParaRPr lang="en-US" altLang="ja-JP" sz="1400" dirty="0"/>
+          </a:p>
+          <a:p>
+            <a:pPr marL="285750" indent="-285750">
+              <a:buFont typeface="Arial" charset="0"/>
+              <a:buChar char="•"/>
+              <a:defRPr/>
+            </a:pPr>
+            <a:r>
+              <a:rPr lang="en-US" altLang="ja-JP" sz="1400" dirty="0" err="1"/>
+              <a:t>fullmc</a:t>
+            </a:r>
+            <a:r>
+              <a:rPr lang="en-US" altLang="ja-JP" sz="1400" dirty="0"/>
+              <a:t>:  true/false</a:t>
+            </a:r>
+          </a:p>
+          <a:p>
+            <a:pPr lvl="1">
+              <a:defRPr/>
+            </a:pPr>
+            <a:r>
+              <a:rPr lang="en-US" altLang="ja-JP" sz="1400" dirty="0"/>
+              <a:t>All the mode coupling up to the MR-</a:t>
+            </a:r>
+            <a:r>
+              <a:rPr lang="en-US" altLang="ja-JP" sz="1400" dirty="0" err="1"/>
+              <a:t>th</a:t>
+            </a:r>
+            <a:r>
+              <a:rPr lang="en-US" altLang="ja-JP" sz="1400" dirty="0"/>
+              <a:t> order is generated, when true. (default = false) </a:t>
+            </a:r>
+          </a:p>
+          <a:p>
+            <a:pPr lvl="2">
+              <a:defRPr/>
+            </a:pPr>
+            <a:endParaRPr lang="en-US" altLang="ja-JP" sz="1400" dirty="0"/>
+          </a:p>
+          <a:p>
+            <a:pPr marL="285750" indent="-285750">
+              <a:buFont typeface="Arial" charset="0"/>
+              <a:buChar char="•"/>
+              <a:defRPr/>
+            </a:pPr>
+            <a:r>
+              <a:rPr lang="en-US" altLang="ja-JP" sz="1400" dirty="0"/>
+              <a:t>mc1, mc2, mc3: string of mode index</a:t>
+            </a:r>
+          </a:p>
+          <a:p>
+            <a:pPr lvl="1">
+              <a:defRPr/>
+            </a:pPr>
+            <a:r>
+              <a:rPr lang="en-US" altLang="ja-JP" sz="1400" dirty="0"/>
+              <a:t>The 1, 2, or 3MR terms separated by </a:t>
+            </a:r>
+            <a:r>
+              <a:rPr lang="en-US" altLang="ja-JP" sz="1400" dirty="0" err="1"/>
+              <a:t>camma</a:t>
+            </a:r>
+            <a:r>
+              <a:rPr lang="en-US" altLang="ja-JP" sz="1400" dirty="0"/>
+              <a:t> or space. For example,</a:t>
+            </a:r>
+          </a:p>
+          <a:p>
+            <a:pPr lvl="1">
+              <a:defRPr/>
+            </a:pPr>
+            <a:endParaRPr lang="en-US" altLang="ja-JP" sz="1400" dirty="0"/>
+          </a:p>
+          <a:p>
+            <a:pPr lvl="1">
+              <a:defRPr/>
+            </a:pPr>
+            <a:r>
+              <a:rPr lang="en-US" altLang="ja-JP" sz="1400" dirty="0"/>
+              <a:t>mc1: </a:t>
+            </a:r>
+          </a:p>
+          <a:p>
+            <a:pPr lvl="2">
+              <a:defRPr/>
+            </a:pPr>
+            <a:r>
+              <a:rPr lang="en-US" altLang="ja-JP" sz="1200" dirty="0">
+                <a:latin typeface="Courier" charset="0"/>
+                <a:ea typeface="Courier" charset="0"/>
+                <a:cs typeface="Courier" charset="0"/>
+              </a:rPr>
+              <a:t>&lt;entry key="mc1"&gt; 1,2,3,5 &lt;/entry&gt; </a:t>
+            </a:r>
+            <a:endParaRPr lang="en-US" altLang="ja-JP" sz="1400" dirty="0"/>
+          </a:p>
+          <a:p>
+            <a:pPr lvl="1">
+              <a:defRPr/>
+            </a:pPr>
+            <a:r>
+              <a:rPr lang="en-US" altLang="ja-JP" sz="1400" dirty="0"/>
+              <a:t>or </a:t>
+            </a:r>
+          </a:p>
+          <a:p>
+            <a:pPr lvl="2">
+              <a:defRPr/>
+            </a:pPr>
+            <a:r>
+              <a:rPr lang="en-US" altLang="ja-JP" sz="1200" dirty="0">
+                <a:latin typeface="Courier" charset="0"/>
+                <a:ea typeface="Courier" charset="0"/>
+                <a:cs typeface="Courier" charset="0"/>
+              </a:rPr>
+              <a:t>&lt;entry key="mc1"&gt; 1-3 5 &lt;/entry&gt; </a:t>
+            </a:r>
+          </a:p>
+          <a:p>
+            <a:pPr lvl="1">
+              <a:defRPr/>
+            </a:pPr>
+            <a:endParaRPr lang="en-US" altLang="ja-JP" sz="1400" dirty="0"/>
+          </a:p>
+          <a:p>
+            <a:pPr lvl="1">
+              <a:defRPr/>
+            </a:pPr>
+            <a:r>
+              <a:rPr lang="en-US" altLang="ja-JP" sz="1400" dirty="0"/>
+              <a:t>generates grid points for Q1,Q2,Q3, and Q5. </a:t>
+            </a:r>
+          </a:p>
+          <a:p>
+            <a:pPr lvl="1">
+              <a:defRPr/>
+            </a:pPr>
+            <a:endParaRPr lang="en-US" altLang="ja-JP" sz="1400" dirty="0"/>
+          </a:p>
+          <a:p>
+            <a:pPr lvl="1">
+              <a:defRPr/>
+            </a:pPr>
+            <a:r>
+              <a:rPr lang="en-US" altLang="ja-JP" sz="1400" dirty="0"/>
+              <a:t>mc2:</a:t>
+            </a:r>
+          </a:p>
+          <a:p>
+            <a:pPr lvl="2">
+              <a:defRPr/>
+            </a:pPr>
+            <a:r>
+              <a:rPr lang="en-US" altLang="ja-JP" sz="1200" dirty="0">
+                <a:latin typeface="Courier" charset="0"/>
+                <a:ea typeface="Courier" charset="0"/>
+                <a:cs typeface="Courier" charset="0"/>
+              </a:rPr>
+              <a:t>&lt;entry key="mc2"&gt; 1,2, 1,4, 2,4, 3,4 &lt;/entry&gt;  </a:t>
+            </a:r>
+            <a:endParaRPr lang="en-US" altLang="ja-JP" sz="1400" dirty="0"/>
+          </a:p>
+          <a:p>
+            <a:pPr lvl="1">
+              <a:defRPr/>
+            </a:pPr>
+            <a:r>
+              <a:rPr lang="en-US" altLang="ja-JP" sz="1400" dirty="0"/>
+              <a:t>or</a:t>
+            </a:r>
+          </a:p>
+          <a:p>
+            <a:pPr lvl="2">
+              <a:defRPr/>
+            </a:pPr>
+            <a:r>
+              <a:rPr lang="en-US" altLang="ja-JP" sz="1200" dirty="0">
+                <a:latin typeface="Courier" charset="0"/>
+                <a:ea typeface="Courier" charset="0"/>
+                <a:cs typeface="Courier" charset="0"/>
+              </a:rPr>
+              <a:t>&lt;entry key="mc2"&gt; 1,2, 1-3,4 &lt;/entry&gt; </a:t>
+            </a:r>
+          </a:p>
+          <a:p>
+            <a:pPr lvl="1">
+              <a:defRPr/>
+            </a:pPr>
+            <a:endParaRPr lang="en-US" altLang="ja-JP" sz="1400" dirty="0"/>
+          </a:p>
+          <a:p>
+            <a:pPr lvl="1">
+              <a:defRPr/>
+            </a:pPr>
+            <a:r>
+              <a:rPr lang="en-US" altLang="ja-JP" sz="1400" dirty="0"/>
+              <a:t>generates the grid points for (Q2, Q1),(Q4, Q1),(Q4, Q2), and (Q4, Q3). </a:t>
+            </a:r>
+          </a:p>
+          <a:p>
+            <a:pPr lvl="1">
+              <a:defRPr/>
+            </a:pPr>
+            <a:endParaRPr lang="en-US" altLang="ja-JP" sz="1400" dirty="0"/>
+          </a:p>
+          <a:p>
+            <a:pPr lvl="1">
+              <a:defRPr/>
+            </a:pPr>
+            <a:r>
+              <a:rPr lang="en-US" altLang="ja-JP" sz="1400" dirty="0"/>
+              <a:t>mc3:</a:t>
+            </a:r>
+          </a:p>
+          <a:p>
+            <a:pPr lvl="2">
+              <a:defRPr/>
+            </a:pPr>
+            <a:r>
+              <a:rPr lang="en-US" altLang="ja-JP" sz="1200" dirty="0">
+                <a:latin typeface="Courier" charset="0"/>
+                <a:ea typeface="Courier" charset="0"/>
+                <a:cs typeface="Courier" charset="0"/>
+              </a:rPr>
+              <a:t>&lt;entry key="mc3"&gt; 1,2,3, 1,2,4 &lt;/entry&gt; </a:t>
+            </a:r>
+          </a:p>
+          <a:p>
+            <a:pPr lvl="1">
+              <a:defRPr/>
+            </a:pPr>
+            <a:endParaRPr lang="en-US" altLang="ja-JP" sz="1400" dirty="0"/>
+          </a:p>
+          <a:p>
+            <a:pPr lvl="1">
+              <a:defRPr/>
+            </a:pPr>
+            <a:r>
+              <a:rPr lang="en-US" altLang="ja-JP" sz="1400" dirty="0"/>
+              <a:t>generates the grid points for (Q3, Q2, Q1) and (Q4, Q2, Q1).</a:t>
+            </a:r>
+            <a:br>
+              <a:rPr lang="en-US" altLang="ja-JP" sz="1400" dirty="0"/>
+            </a:br>
+            <a:endParaRPr lang="en-US" altLang="ja-JP" sz="1400" dirty="0"/>
+          </a:p>
+          <a:p>
+            <a:pPr>
+              <a:defRPr/>
+            </a:pPr>
+            <a:r>
+              <a:rPr lang="en-US" altLang="ja-JP" sz="1400" dirty="0"/>
+              <a:t>NOTE: One of </a:t>
+            </a:r>
+            <a:r>
+              <a:rPr lang="en-US" altLang="ja-JP" sz="1400" dirty="0" err="1"/>
+              <a:t>fullmc</a:t>
+            </a:r>
+            <a:r>
+              <a:rPr lang="en-US" altLang="ja-JP" sz="1400" dirty="0"/>
+              <a:t>, mc1, mc2, or mc3 must be present in the input file. </a:t>
+            </a:r>
+          </a:p>
+        </p:txBody>
+      </p:sp>
+    </p:spTree>
+    <p:extLst>
+      <p:ext uri="{BB962C8B-B14F-4D97-AF65-F5344CB8AC3E}">
+        <p14:creationId xmlns:p14="http://schemas.microsoft.com/office/powerpoint/2010/main" val="694449296"/>
+      </p:ext>
+    </p:extLst>
+  </p:cSld>
+  <p:clrMapOvr>
+    <a:masterClrMapping/>
+  </p:clrMapOvr>
+</p:sld>
+</file>
+
+<file path=ppt/slides/slide15.xml><?xml version="1.0" encoding="utf-8"?>
+<p:sld xmlns:a="http://schemas.openxmlformats.org/drawingml/2006/main" xmlns:r="http://schemas.openxmlformats.org/officeDocument/2006/relationships" xmlns:p="http://schemas.openxmlformats.org/presentationml/2006/main">
+  <p:cSld>
+    <p:spTree>
+      <p:nvGrpSpPr>
+        <p:cNvPr id="1" name=""/>
+        <p:cNvGrpSpPr/>
+        <p:nvPr/>
+      </p:nvGrpSpPr>
+      <p:grpSpPr>
+        <a:xfrm>
+          <a:off x="0" y="0"/>
+          <a:ext cx="0" cy="0"/>
+          <a:chOff x="0" y="0"/>
+          <a:chExt cx="0" cy="0"/>
+        </a:xfrm>
+      </p:grpSpPr>
+      <p:sp>
+        <p:nvSpPr>
+          <p:cNvPr id="2" name="スライド番号プレースホルダー 1"/>
+          <p:cNvSpPr>
+            <a:spLocks noGrp="1"/>
+          </p:cNvSpPr>
+          <p:nvPr>
+            <p:ph type="sldNum" sz="quarter" idx="12"/>
+          </p:nvPr>
+        </p:nvSpPr>
+        <p:spPr/>
+        <p:txBody>
+          <a:bodyPr/>
+          <a:lstStyle/>
+          <a:p>
+            <a:fld id="{7D34BB6B-1E1A-9541-9560-488905BF54FF}" type="slidenum">
+              <a:rPr kumimoji="1" lang="ja-JP" altLang="en-US" smtClean="0"/>
+              <a:t>14</a:t>
             </a:fld>
             <a:endParaRPr kumimoji="1" lang="ja-JP" altLang="en-US"/>
           </a:p>
@@ -4507,12 +5655,8 @@
                   <a:defRPr/>
                 </a:pPr>
                 <a:r>
-                  <a:rPr lang="en-US" altLang="ja-JP" dirty="0" smtClean="0"/>
-                  <a:t>HYBRID </a:t>
-                </a:r>
-                <a:r>
                   <a:rPr lang="en-US" altLang="ja-JP" dirty="0"/>
-                  <a:t>keys</a:t>
+                  <a:t>HYBRID keys</a:t>
                 </a:r>
               </a:p>
               <a:p>
@@ -4547,7 +5691,7 @@
                         <m:degHide m:val="on"/>
                         <m:ctrlPr>
                           <a:rPr lang="en-US" altLang="ja-JP" sz="1400" i="1">
-                            <a:latin typeface="Cambria Math" charset="0"/>
+                            <a:latin typeface="Cambria Math" panose="02040503050406030204" pitchFamily="18" charset="0"/>
                           </a:rPr>
                         </m:ctrlPr>
                       </m:radPr>
@@ -4617,7 +5761,7 @@
                   <a:defRPr/>
                 </a:pPr>
                 <a:r>
-                  <a:rPr lang="en-US" altLang="ja-JP" sz="1400" dirty="0" err="1" smtClean="0"/>
+                  <a:rPr lang="en-US" altLang="ja-JP" sz="1400" dirty="0" err="1"/>
                   <a:t>ngrid</a:t>
                 </a:r>
                 <a:r>
@@ -4633,7 +5777,6 @@
                   <a:rPr lang="en-US" altLang="ja-JP" sz="1400" dirty="0"/>
                   <a:t>The number of grid points along each coordinates. (default = 11)  </a:t>
                 </a:r>
-                <a:endParaRPr lang="en-US" altLang="ja-JP" sz="1400" dirty="0" smtClean="0"/>
               </a:p>
               <a:p>
                 <a:pPr lvl="1">
@@ -4648,14 +5791,13 @@
                   <a:defRPr/>
                 </a:pPr>
                 <a:r>
-                  <a:rPr lang="en-US" altLang="ja-JP" sz="1400" dirty="0" err="1" smtClean="0"/>
+                  <a:rPr lang="en-US" altLang="ja-JP" sz="1400" dirty="0" err="1"/>
                   <a:t>mcsstrength</a:t>
                 </a:r>
                 <a:r>
-                  <a:rPr lang="en-US" altLang="ja-JP" sz="1400" dirty="0" smtClean="0"/>
+                  <a:rPr lang="en-US" altLang="ja-JP" sz="1400" dirty="0"/>
                   <a:t>: real number</a:t>
                 </a:r>
-                <a:endParaRPr lang="en-US" altLang="ja-JP" sz="1400" dirty="0"/>
               </a:p>
               <a:p>
                 <a:pPr lvl="1">
@@ -4678,13 +5820,13 @@
                 <a:pPr lvl="1">
                   <a:defRPr/>
                 </a:pPr>
-                <a:endParaRPr lang="en-US" altLang="ja-JP" sz="1400" dirty="0" smtClean="0"/>
+                <a:endParaRPr lang="en-US" altLang="ja-JP" sz="1400" dirty="0"/>
               </a:p>
               <a:p>
                 <a:pPr lvl="1">
                   <a:defRPr/>
                 </a:pPr>
-                <a:endParaRPr lang="en-US" altLang="ja-JP" sz="1400" dirty="0" smtClean="0"/>
+                <a:endParaRPr lang="en-US" altLang="ja-JP" sz="1400" dirty="0"/>
               </a:p>
               <a:p>
                 <a:pPr>
@@ -4812,8 +5954,8 @@
         </p:nvSpPr>
         <p:spPr>
           <a:xfrm>
-            <a:off x="2285998" y="789708"/>
-            <a:ext cx="5095626" cy="5078313"/>
+            <a:off x="1807026" y="394692"/>
+            <a:ext cx="5339923" cy="6463308"/>
           </a:xfrm>
           <a:prstGeom prst="rect">
             <a:avLst/>
@@ -4830,115 +5972,186 @@
               <a:buAutoNum type="arabicPeriod"/>
             </a:pPr>
             <a:r>
-              <a:rPr lang="ja-JP" altLang="en-US" dirty="0" smtClean="0"/>
-              <a:t>準備：用意</a:t>
+              <a:rPr lang="ja-JP" altLang="en-US"/>
+              <a:t>インストール</a:t>
+            </a:r>
+            <a:endParaRPr lang="en-US" altLang="ja-JP" dirty="0"/>
+          </a:p>
+          <a:p>
+            <a:pPr lvl="1"/>
+            <a:r>
+              <a:rPr lang="en-US" altLang="ja-JP" dirty="0"/>
+              <a:t>java, JAMA, </a:t>
+            </a:r>
+            <a:r>
+              <a:rPr lang="en-US" altLang="ja-JP" dirty="0" err="1"/>
+              <a:t>JSindo</a:t>
+            </a:r>
+            <a:endParaRPr lang="en-US" altLang="ja-JP" dirty="0"/>
+          </a:p>
+          <a:p>
+            <a:pPr lvl="1"/>
+            <a:r>
+              <a:rPr lang="en-US" altLang="ja-JP" dirty="0" err="1"/>
+              <a:t>runGaussian.sh</a:t>
+            </a:r>
+            <a:r>
+              <a:rPr lang="ja-JP" altLang="en-US"/>
+              <a:t>の設定</a:t>
+            </a:r>
+            <a:endParaRPr lang="en-US" altLang="ja-JP" dirty="0"/>
+          </a:p>
+          <a:p>
+            <a:pPr lvl="1"/>
+            <a:endParaRPr lang="en-US" altLang="ja-JP" dirty="0"/>
+          </a:p>
+          <a:p>
+            <a:pPr marL="342900" indent="-342900">
+              <a:buFont typeface="+mj-lt"/>
+              <a:buAutoNum type="arabicPeriod"/>
+            </a:pPr>
+            <a:r>
+              <a:rPr lang="ja-JP" altLang="en-US"/>
+              <a:t>基本的な使い方・・・</a:t>
+            </a:r>
+            <a:r>
+              <a:rPr lang="en-US" altLang="ja-JP" dirty="0"/>
+              <a:t>H2CO</a:t>
+            </a:r>
+            <a:r>
+              <a:rPr lang="ja-JP" altLang="en-US"/>
+              <a:t>の</a:t>
+            </a:r>
+            <a:r>
+              <a:rPr lang="en-US" altLang="ja-JP" dirty="0"/>
+              <a:t>QFF</a:t>
+            </a:r>
+          </a:p>
+          <a:p>
+            <a:pPr lvl="1"/>
+            <a:r>
+              <a:rPr lang="en-US" altLang="ja-JP" dirty="0"/>
+              <a:t>xml</a:t>
+            </a:r>
+            <a:r>
+              <a:rPr kumimoji="1" lang="ja-JP" altLang="en-US" dirty="0"/>
+              <a:t>ファイル</a:t>
             </a:r>
             <a:r>
               <a:rPr lang="ja-JP" altLang="en-US" dirty="0"/>
-              <a:t>する</a:t>
-            </a:r>
-            <a:r>
-              <a:rPr lang="ja-JP" altLang="en-US" dirty="0" smtClean="0"/>
-              <a:t>ファイルと実行</a:t>
-            </a:r>
-            <a:endParaRPr lang="en-US" altLang="ja-JP" dirty="0" smtClean="0"/>
+              <a:t>、コメントアウト</a:t>
+            </a:r>
+            <a:endParaRPr kumimoji="1" lang="en-US" altLang="ja-JP" dirty="0"/>
           </a:p>
           <a:p>
             <a:pPr lvl="1"/>
             <a:r>
-              <a:rPr lang="en-US" altLang="ja-JP" dirty="0" smtClean="0"/>
-              <a:t>xml</a:t>
-            </a:r>
-            <a:r>
-              <a:rPr kumimoji="1" lang="ja-JP" altLang="en-US" dirty="0" smtClean="0"/>
+              <a:rPr lang="en-US" altLang="ja-JP" dirty="0"/>
+              <a:t>QM</a:t>
+            </a:r>
+            <a:r>
+              <a:rPr lang="ja-JP" altLang="en-US" dirty="0"/>
+              <a:t>計算用の</a:t>
+            </a:r>
+            <a:r>
+              <a:rPr lang="en-US" altLang="ja-JP" dirty="0"/>
+              <a:t>Template</a:t>
+            </a:r>
+            <a:r>
+              <a:rPr lang="ja-JP" altLang="en-US"/>
               <a:t>ファイル</a:t>
             </a:r>
-            <a:r>
-              <a:rPr lang="ja-JP" altLang="en-US" dirty="0" smtClean="0"/>
-              <a:t>、コメントアウト</a:t>
-            </a:r>
-            <a:endParaRPr kumimoji="1" lang="en-US" altLang="ja-JP" dirty="0" smtClean="0"/>
+            <a:endParaRPr lang="en-US" altLang="ja-JP" dirty="0"/>
           </a:p>
           <a:p>
             <a:pPr lvl="1"/>
             <a:r>
-              <a:rPr kumimoji="1" lang="en-US" altLang="ja-JP" dirty="0" err="1" smtClean="0"/>
+              <a:rPr lang="ja-JP" altLang="en-US"/>
+              <a:t>並列計算：</a:t>
+            </a:r>
+            <a:r>
+              <a:rPr lang="en-US" altLang="ja-JP" dirty="0" err="1"/>
               <a:t>resources.info</a:t>
             </a:r>
-            <a:endParaRPr kumimoji="1" lang="en-US" altLang="ja-JP" dirty="0" smtClean="0"/>
+            <a:endParaRPr lang="en-US" altLang="ja-JP" dirty="0"/>
           </a:p>
           <a:p>
             <a:pPr lvl="1"/>
             <a:r>
-              <a:rPr lang="en-US" altLang="ja-JP" dirty="0" smtClean="0"/>
-              <a:t>QM</a:t>
-            </a:r>
-            <a:r>
-              <a:rPr lang="ja-JP" altLang="en-US" dirty="0" smtClean="0"/>
-              <a:t>計算用の</a:t>
-            </a:r>
-            <a:r>
-              <a:rPr lang="en-US" altLang="ja-JP" dirty="0" smtClean="0"/>
-              <a:t>Template</a:t>
-            </a:r>
-            <a:r>
-              <a:rPr lang="ja-JP" altLang="en-US" dirty="0" smtClean="0"/>
-              <a:t>ファイル</a:t>
-            </a:r>
-            <a:r>
-              <a:rPr lang="ja-JP" altLang="en-US" dirty="0" smtClean="0"/>
-              <a:t>と</a:t>
-            </a:r>
-            <a:r>
-              <a:rPr lang="ja-JP" altLang="en-US" dirty="0" smtClean="0"/>
-              <a:t>スクリプト</a:t>
-            </a:r>
-            <a:endParaRPr lang="en-US" altLang="ja-JP" dirty="0" smtClean="0"/>
+              <a:rPr lang="en-US" altLang="ja-JP" dirty="0" err="1"/>
+              <a:t>dryrun</a:t>
+            </a:r>
+            <a:endParaRPr lang="en-US" altLang="ja-JP" dirty="0"/>
           </a:p>
           <a:p>
             <a:pPr lvl="1"/>
             <a:r>
-              <a:rPr lang="ja-JP" altLang="en-US" dirty="0" smtClean="0"/>
-              <a:t>実行</a:t>
-            </a:r>
-            <a:endParaRPr lang="en-US" altLang="ja-JP" dirty="0"/>
+              <a:rPr lang="en-US" altLang="ja-JP" dirty="0"/>
+              <a:t>generic</a:t>
+            </a:r>
           </a:p>
           <a:p>
             <a:pPr lvl="1"/>
-            <a:endParaRPr kumimoji="1" lang="en-US" altLang="ja-JP" dirty="0" smtClean="0"/>
+            <a:endParaRPr kumimoji="1" lang="en-US" altLang="ja-JP" dirty="0"/>
           </a:p>
           <a:p>
             <a:pPr marL="342900" indent="-342900">
               <a:buAutoNum type="arabicPeriod"/>
             </a:pPr>
             <a:r>
-              <a:rPr kumimoji="1" lang="en-US" altLang="ja-JP" dirty="0" smtClean="0"/>
+              <a:rPr kumimoji="1" lang="en-US" altLang="ja-JP" dirty="0"/>
               <a:t>H2CO</a:t>
             </a:r>
             <a:r>
-              <a:rPr lang="ja-JP" altLang="en-US" dirty="0" smtClean="0"/>
+              <a:rPr lang="ja-JP" altLang="en-US" dirty="0"/>
               <a:t>・・基本的な使い方</a:t>
             </a:r>
-            <a:endParaRPr lang="en-US" altLang="ja-JP" dirty="0" smtClean="0"/>
+            <a:endParaRPr lang="en-US" altLang="ja-JP" dirty="0"/>
           </a:p>
           <a:p>
             <a:pPr lvl="1"/>
             <a:r>
-              <a:rPr kumimoji="1" lang="en-US" altLang="ja-JP" dirty="0" smtClean="0"/>
+              <a:rPr kumimoji="1" lang="en-US" altLang="ja-JP" dirty="0"/>
               <a:t>QFF</a:t>
             </a:r>
+            <a:r>
+              <a:rPr kumimoji="1" lang="ja-JP" altLang="en-US"/>
+              <a:t>・・インプットと</a:t>
+            </a:r>
+            <a:r>
+              <a:rPr kumimoji="1" lang="en-US" altLang="ja-JP" dirty="0"/>
+              <a:t>mop</a:t>
+            </a:r>
+            <a:r>
+              <a:rPr kumimoji="1" lang="ja-JP" altLang="en-US"/>
+              <a:t>ファイルの形式</a:t>
+            </a:r>
+            <a:endParaRPr kumimoji="1" lang="en-US" altLang="ja-JP" dirty="0"/>
           </a:p>
           <a:p>
             <a:pPr lvl="1"/>
             <a:r>
-              <a:rPr kumimoji="1" lang="en-US" altLang="ja-JP" dirty="0" smtClean="0"/>
+              <a:rPr kumimoji="1" lang="en-US" altLang="ja-JP" dirty="0"/>
               <a:t>3MR-Grid</a:t>
             </a:r>
+            <a:r>
+              <a:rPr kumimoji="1" lang="ja-JP" altLang="en-US"/>
+              <a:t>・・インプットと</a:t>
+            </a:r>
+            <a:r>
+              <a:rPr kumimoji="1" lang="en-US" altLang="ja-JP" dirty="0"/>
+              <a:t>pot</a:t>
+            </a:r>
+            <a:r>
+              <a:rPr kumimoji="1" lang="ja-JP" altLang="en-US"/>
+              <a:t>ファイルの形式</a:t>
+            </a:r>
+            <a:endParaRPr kumimoji="1" lang="en-US" altLang="ja-JP" dirty="0"/>
           </a:p>
           <a:p>
             <a:pPr lvl="1"/>
             <a:r>
-              <a:rPr kumimoji="1" lang="en-US" altLang="ja-JP" dirty="0" smtClean="0"/>
+              <a:rPr kumimoji="1" lang="en-US" altLang="ja-JP" dirty="0"/>
               <a:t>3MR-mrpes</a:t>
             </a:r>
           </a:p>
@@ -4946,50 +6159,50 @@
             <a:pPr marL="342900" indent="-342900">
               <a:buAutoNum type="arabicPeriod"/>
             </a:pPr>
-            <a:endParaRPr kumimoji="1" lang="en-US" altLang="ja-JP" dirty="0" smtClean="0"/>
+            <a:endParaRPr kumimoji="1" lang="en-US" altLang="ja-JP" dirty="0"/>
           </a:p>
           <a:p>
             <a:pPr marL="342900" indent="-342900">
               <a:buAutoNum type="arabicPeriod"/>
             </a:pPr>
             <a:r>
-              <a:rPr lang="en-US" altLang="ja-JP" dirty="0" smtClean="0"/>
+              <a:rPr lang="en-US" altLang="ja-JP" dirty="0"/>
               <a:t>(H2O)6</a:t>
             </a:r>
             <a:r>
-              <a:rPr lang="ja-JP" altLang="en-US" dirty="0" smtClean="0"/>
+              <a:rPr lang="ja-JP" altLang="en-US" dirty="0"/>
               <a:t>・・</a:t>
             </a:r>
             <a:r>
-              <a:rPr lang="en-US" altLang="ja-JP" dirty="0" err="1" smtClean="0"/>
+              <a:rPr lang="en-US" altLang="ja-JP" dirty="0" err="1"/>
               <a:t>activemode</a:t>
             </a:r>
             <a:r>
-              <a:rPr lang="ja-JP" altLang="en-US" dirty="0" smtClean="0"/>
+              <a:rPr lang="ja-JP" altLang="en-US" dirty="0"/>
               <a:t>と</a:t>
             </a:r>
             <a:r>
-              <a:rPr lang="en-US" altLang="ja-JP" dirty="0" smtClean="0"/>
+              <a:rPr lang="en-US" altLang="ja-JP" dirty="0"/>
               <a:t>local mode</a:t>
             </a:r>
             <a:r>
-              <a:rPr lang="ja-JP" altLang="en-US" dirty="0" smtClean="0"/>
+              <a:rPr lang="ja-JP" altLang="en-US" dirty="0"/>
               <a:t>の使い方</a:t>
             </a:r>
-            <a:endParaRPr lang="en-US" altLang="ja-JP" dirty="0" smtClean="0"/>
+            <a:endParaRPr lang="en-US" altLang="ja-JP" dirty="0"/>
           </a:p>
           <a:p>
             <a:pPr lvl="1"/>
             <a:r>
-              <a:rPr lang="en-US" altLang="ja-JP" dirty="0" err="1" smtClean="0"/>
+              <a:rPr lang="en-US" altLang="ja-JP" dirty="0" err="1"/>
               <a:t>QFF_normal</a:t>
             </a:r>
-            <a:endParaRPr lang="en-US" altLang="ja-JP" dirty="0" smtClean="0"/>
+            <a:endParaRPr lang="en-US" altLang="ja-JP" dirty="0"/>
           </a:p>
           <a:p>
             <a:pPr lvl="1"/>
             <a:r>
-              <a:rPr kumimoji="1" lang="en-US" altLang="ja-JP" dirty="0" err="1" smtClean="0"/>
+              <a:rPr kumimoji="1" lang="en-US" altLang="ja-JP" dirty="0" err="1"/>
               <a:t>QFF_local</a:t>
             </a:r>
             <a:endParaRPr kumimoji="1" lang="en-US" altLang="ja-JP" dirty="0"/>
@@ -4998,44 +6211,44 @@
             <a:pPr marL="342900" indent="-342900">
               <a:buAutoNum type="arabicPeriod"/>
             </a:pPr>
-            <a:endParaRPr kumimoji="1" lang="en-US" altLang="ja-JP" dirty="0" smtClean="0"/>
+            <a:endParaRPr kumimoji="1" lang="en-US" altLang="ja-JP" dirty="0"/>
           </a:p>
           <a:p>
             <a:pPr marL="342900" indent="-342900">
               <a:buAutoNum type="arabicPeriod"/>
             </a:pPr>
             <a:r>
-              <a:rPr kumimoji="1" lang="en-US" altLang="ja-JP" dirty="0" err="1" smtClean="0"/>
+              <a:rPr kumimoji="1" lang="en-US" altLang="ja-JP" dirty="0" err="1"/>
               <a:t>bR</a:t>
             </a:r>
             <a:r>
-              <a:rPr kumimoji="1" lang="ja-JP" altLang="en-US" dirty="0" smtClean="0"/>
+              <a:rPr kumimoji="1" lang="ja-JP" altLang="en-US"/>
               <a:t>・・</a:t>
             </a:r>
             <a:r>
-              <a:rPr lang="en-US" altLang="ja-JP" dirty="0" smtClean="0"/>
+              <a:rPr lang="en-US" altLang="ja-JP" dirty="0"/>
               <a:t>GENESIS, QM/MM</a:t>
             </a:r>
             <a:r>
-              <a:rPr lang="ja-JP" altLang="en-US" dirty="0" smtClean="0"/>
+              <a:rPr lang="ja-JP" altLang="en-US"/>
               <a:t>との連携</a:t>
             </a:r>
-            <a:endParaRPr lang="en-US" altLang="ja-JP" dirty="0" smtClean="0"/>
+            <a:endParaRPr lang="en-US" altLang="ja-JP" dirty="0"/>
           </a:p>
           <a:p>
             <a:pPr lvl="1"/>
             <a:r>
-              <a:rPr kumimoji="1" lang="en-US" altLang="ja-JP" dirty="0" smtClean="0"/>
+              <a:rPr kumimoji="1" lang="en-US" altLang="ja-JP" dirty="0"/>
               <a:t>QFF</a:t>
             </a:r>
           </a:p>
           <a:p>
             <a:pPr lvl="1"/>
             <a:r>
-              <a:rPr lang="en-US" altLang="ja-JP" dirty="0" smtClean="0"/>
+              <a:rPr lang="en-US" altLang="ja-JP" dirty="0"/>
               <a:t>GRID</a:t>
             </a:r>
-            <a:endParaRPr kumimoji="1" lang="en-US" altLang="ja-JP" dirty="0" smtClean="0"/>
+            <a:endParaRPr kumimoji="1" lang="en-US" altLang="ja-JP" dirty="0"/>
           </a:p>
         </p:txBody>
       </p:sp>
@@ -5071,7 +6284,35 @@
       </p:grpSpPr>
       <p:sp>
         <p:nvSpPr>
-          <p:cNvPr id="2" name="スライド番号プレースホルダー 1"/>
+          <p:cNvPr id="15361" name="タイトル 2"/>
+          <p:cNvSpPr>
+            <a:spLocks noGrp="1"/>
+          </p:cNvSpPr>
+          <p:nvPr>
+            <p:ph type="title"/>
+          </p:nvPr>
+        </p:nvSpPr>
+        <p:spPr/>
+        <p:txBody>
+          <a:bodyPr/>
+          <a:lstStyle/>
+          <a:p>
+            <a:pPr eaLnBrk="1" hangingPunct="1"/>
+            <a:r>
+              <a:rPr lang="en-US" altLang="ja-JP">
+                <a:cs typeface="メイリオ" charset="-128"/>
+              </a:rPr>
+              <a:t>Contents of Sample Files</a:t>
+            </a:r>
+            <a:endParaRPr lang="ja-JP" altLang="en-US">
+              <a:cs typeface="メイリオ" charset="-128"/>
+            </a:endParaRPr>
+          </a:p>
+        </p:txBody>
+      </p:sp>
+      <p:sp>
+        <p:nvSpPr>
+          <p:cNvPr id="15362" name="スライド番号プレースホルダー 1"/>
           <p:cNvSpPr>
             <a:spLocks noGrp="1"/>
           </p:cNvSpPr>
@@ -5079,29 +6320,813 @@
             <p:ph type="sldNum" sz="quarter" idx="12"/>
           </p:nvPr>
         </p:nvSpPr>
-        <p:spPr/>
-        <p:txBody>
-          <a:bodyPr/>
-          <a:lstStyle/>
-          <a:p>
-            <a:fld id="{7D34BB6B-1E1A-9541-9560-488905BF54FF}" type="slidenum">
-              <a:rPr kumimoji="1" lang="ja-JP" altLang="en-US" smtClean="0"/>
+        <p:spPr bwMode="auto">
+          <a:noFill/>
+          <a:extLst>
+            <a:ext uri="{909E8E84-426E-40DD-AFC4-6F175D3DCCD1}">
+              <a14:hiddenFill xmlns:a14="http://schemas.microsoft.com/office/drawing/2010/main">
+                <a:solidFill>
+                  <a:srgbClr val="FFFFFF"/>
+                </a:solidFill>
+              </a14:hiddenFill>
+            </a:ext>
+            <a:ext uri="{91240B29-F687-4F45-9708-019B960494DF}">
+              <a14:hiddenLine xmlns:a14="http://schemas.microsoft.com/office/drawing/2010/main" w="9525">
+                <a:solidFill>
+                  <a:srgbClr val="000000"/>
+                </a:solidFill>
+                <a:miter lim="800000"/>
+                <a:headEnd/>
+                <a:tailEnd/>
+              </a14:hiddenLine>
+            </a:ext>
+          </a:extLst>
+        </p:spPr>
+        <p:txBody>
+          <a:bodyPr wrap="square" numCol="1" anchorCtr="0" compatLnSpc="1">
+            <a:prstTxWarp prst="textNoShape">
+              <a:avLst/>
+            </a:prstTxWarp>
+          </a:bodyPr>
+          <a:lstStyle>
+            <a:lvl1pPr>
+              <a:lnSpc>
+                <a:spcPct val="90000"/>
+              </a:lnSpc>
+              <a:spcBef>
+                <a:spcPts val="1000"/>
+              </a:spcBef>
+              <a:buFont typeface="Arial" charset="0"/>
+              <a:buChar char="•"/>
+              <a:defRPr kumimoji="1" sz="2800">
+                <a:solidFill>
+                  <a:schemeClr val="tx1"/>
+                </a:solidFill>
+                <a:latin typeface="Calibri" charset="0"/>
+              </a:defRPr>
+            </a:lvl1pPr>
+            <a:lvl2pPr marL="742950" indent="-285750">
+              <a:lnSpc>
+                <a:spcPct val="90000"/>
+              </a:lnSpc>
+              <a:spcBef>
+                <a:spcPts val="500"/>
+              </a:spcBef>
+              <a:buFont typeface="Arial" charset="0"/>
+              <a:buChar char="•"/>
+              <a:defRPr kumimoji="1" sz="2400">
+                <a:solidFill>
+                  <a:schemeClr val="tx1"/>
+                </a:solidFill>
+                <a:latin typeface="Calibri" charset="0"/>
+              </a:defRPr>
+            </a:lvl2pPr>
+            <a:lvl3pPr marL="1143000" indent="-228600">
+              <a:lnSpc>
+                <a:spcPct val="90000"/>
+              </a:lnSpc>
+              <a:spcBef>
+                <a:spcPts val="500"/>
+              </a:spcBef>
+              <a:buFont typeface="Arial" charset="0"/>
+              <a:buChar char="•"/>
+              <a:defRPr kumimoji="1" sz="2000">
+                <a:solidFill>
+                  <a:schemeClr val="tx1"/>
+                </a:solidFill>
+                <a:latin typeface="Calibri" charset="0"/>
+              </a:defRPr>
+            </a:lvl3pPr>
+            <a:lvl4pPr marL="1600200" indent="-228600">
+              <a:lnSpc>
+                <a:spcPct val="90000"/>
+              </a:lnSpc>
+              <a:spcBef>
+                <a:spcPts val="500"/>
+              </a:spcBef>
+              <a:buFont typeface="Arial" charset="0"/>
+              <a:buChar char="•"/>
+              <a:defRPr kumimoji="1">
+                <a:solidFill>
+                  <a:schemeClr val="tx1"/>
+                </a:solidFill>
+                <a:latin typeface="Calibri" charset="0"/>
+              </a:defRPr>
+            </a:lvl4pPr>
+            <a:lvl5pPr marL="2057400" indent="-228600">
+              <a:lnSpc>
+                <a:spcPct val="90000"/>
+              </a:lnSpc>
+              <a:spcBef>
+                <a:spcPts val="500"/>
+              </a:spcBef>
+              <a:buFont typeface="Arial" charset="0"/>
+              <a:buChar char="•"/>
+              <a:defRPr kumimoji="1">
+                <a:solidFill>
+                  <a:schemeClr val="tx1"/>
+                </a:solidFill>
+                <a:latin typeface="Calibri" charset="0"/>
+              </a:defRPr>
+            </a:lvl5pPr>
+            <a:lvl6pPr marL="2514600" indent="-228600" eaLnBrk="0" fontAlgn="base" hangingPunct="0">
+              <a:lnSpc>
+                <a:spcPct val="90000"/>
+              </a:lnSpc>
+              <a:spcBef>
+                <a:spcPts val="500"/>
+              </a:spcBef>
+              <a:spcAft>
+                <a:spcPct val="0"/>
+              </a:spcAft>
+              <a:buFont typeface="Arial" charset="0"/>
+              <a:buChar char="•"/>
+              <a:defRPr kumimoji="1">
+                <a:solidFill>
+                  <a:schemeClr val="tx1"/>
+                </a:solidFill>
+                <a:latin typeface="Calibri" charset="0"/>
+              </a:defRPr>
+            </a:lvl6pPr>
+            <a:lvl7pPr marL="2971800" indent="-228600" eaLnBrk="0" fontAlgn="base" hangingPunct="0">
+              <a:lnSpc>
+                <a:spcPct val="90000"/>
+              </a:lnSpc>
+              <a:spcBef>
+                <a:spcPts val="500"/>
+              </a:spcBef>
+              <a:spcAft>
+                <a:spcPct val="0"/>
+              </a:spcAft>
+              <a:buFont typeface="Arial" charset="0"/>
+              <a:buChar char="•"/>
+              <a:defRPr kumimoji="1">
+                <a:solidFill>
+                  <a:schemeClr val="tx1"/>
+                </a:solidFill>
+                <a:latin typeface="Calibri" charset="0"/>
+              </a:defRPr>
+            </a:lvl7pPr>
+            <a:lvl8pPr marL="3429000" indent="-228600" eaLnBrk="0" fontAlgn="base" hangingPunct="0">
+              <a:lnSpc>
+                <a:spcPct val="90000"/>
+              </a:lnSpc>
+              <a:spcBef>
+                <a:spcPts val="500"/>
+              </a:spcBef>
+              <a:spcAft>
+                <a:spcPct val="0"/>
+              </a:spcAft>
+              <a:buFont typeface="Arial" charset="0"/>
+              <a:buChar char="•"/>
+              <a:defRPr kumimoji="1">
+                <a:solidFill>
+                  <a:schemeClr val="tx1"/>
+                </a:solidFill>
+                <a:latin typeface="Calibri" charset="0"/>
+              </a:defRPr>
+            </a:lvl8pPr>
+            <a:lvl9pPr marL="3886200" indent="-228600" eaLnBrk="0" fontAlgn="base" hangingPunct="0">
+              <a:lnSpc>
+                <a:spcPct val="90000"/>
+              </a:lnSpc>
+              <a:spcBef>
+                <a:spcPts val="500"/>
+              </a:spcBef>
+              <a:spcAft>
+                <a:spcPct val="0"/>
+              </a:spcAft>
+              <a:buFont typeface="Arial" charset="0"/>
+              <a:buChar char="•"/>
+              <a:defRPr kumimoji="1">
+                <a:solidFill>
+                  <a:schemeClr val="tx1"/>
+                </a:solidFill>
+                <a:latin typeface="Calibri" charset="0"/>
+              </a:defRPr>
+            </a:lvl9pPr>
+          </a:lstStyle>
+          <a:p>
+            <a:pPr>
+              <a:lnSpc>
+                <a:spcPct val="100000"/>
+              </a:lnSpc>
+              <a:spcBef>
+                <a:spcPct val="0"/>
+              </a:spcBef>
+              <a:buFontTx/>
+              <a:buNone/>
+            </a:pPr>
+            <a:fld id="{DFF0D86F-A87B-6E43-B631-262A04F89B7F}" type="slidenum">
+              <a:rPr lang="ja-JP" altLang="en-US" sz="1200">
+                <a:solidFill>
+                  <a:srgbClr val="898989"/>
+                </a:solidFill>
+                <a:latin typeface="Arial" charset="0"/>
+              </a:rPr>
+              <a:pPr>
+                <a:lnSpc>
+                  <a:spcPct val="100000"/>
+                </a:lnSpc>
+                <a:spcBef>
+                  <a:spcPct val="0"/>
+                </a:spcBef>
+                <a:buFontTx/>
+                <a:buNone/>
+              </a:pPr>
               <a:t>2</a:t>
             </a:fld>
-            <a:endParaRPr kumimoji="1" lang="ja-JP" altLang="en-US"/>
-          </a:p>
-        </p:txBody>
-      </p:sp>
-      <p:sp>
-        <p:nvSpPr>
-          <p:cNvPr id="3" name="テキスト ボックス 2"/>
+            <a:endParaRPr lang="ja-JP" altLang="en-US" sz="1200">
+              <a:solidFill>
+                <a:srgbClr val="898989"/>
+              </a:solidFill>
+              <a:latin typeface="Arial" charset="0"/>
+            </a:endParaRPr>
+          </a:p>
+        </p:txBody>
+      </p:sp>
+      <p:sp>
+        <p:nvSpPr>
+          <p:cNvPr id="29699" name="テキスト ボックス 5"/>
+          <p:cNvSpPr txBox="1">
+            <a:spLocks noChangeArrowheads="1"/>
+          </p:cNvSpPr>
+          <p:nvPr/>
+        </p:nvSpPr>
+        <p:spPr bwMode="auto">
+          <a:xfrm>
+            <a:off x="1428750" y="1565679"/>
+            <a:ext cx="4313238" cy="647700"/>
+          </a:xfrm>
+          <a:prstGeom prst="rect">
+            <a:avLst/>
+          </a:prstGeom>
+          <a:noFill/>
+          <a:ln>
+            <a:noFill/>
+          </a:ln>
+          <a:extLst>
+            <a:ext uri="{909E8E84-426E-40DD-AFC4-6F175D3DCCD1}">
+              <a14:hiddenFill xmlns:a14="http://schemas.microsoft.com/office/drawing/2010/main">
+                <a:solidFill>
+                  <a:srgbClr val="FFFFFF"/>
+                </a:solidFill>
+              </a14:hiddenFill>
+            </a:ext>
+            <a:ext uri="{91240B29-F687-4F45-9708-019B960494DF}">
+              <a14:hiddenLine xmlns:a14="http://schemas.microsoft.com/office/drawing/2010/main" w="9525">
+                <a:solidFill>
+                  <a:srgbClr val="000000"/>
+                </a:solidFill>
+                <a:miter lim="800000"/>
+                <a:headEnd/>
+                <a:tailEnd/>
+              </a14:hiddenLine>
+            </a:ext>
+          </a:extLst>
+        </p:spPr>
+        <p:txBody>
+          <a:bodyPr wrap="none">
+            <a:spAutoFit/>
+          </a:bodyPr>
+          <a:lstStyle>
+            <a:lvl1pPr>
+              <a:defRPr kumimoji="1" sz="3200">
+                <a:solidFill>
+                  <a:schemeClr val="tx1"/>
+                </a:solidFill>
+                <a:latin typeface="Arial" charset="0"/>
+                <a:ea typeface="ＭＳ Ｐゴシック" charset="-128"/>
+              </a:defRPr>
+            </a:lvl1pPr>
+            <a:lvl2pPr>
+              <a:defRPr kumimoji="1" sz="3200">
+                <a:solidFill>
+                  <a:schemeClr val="tx1"/>
+                </a:solidFill>
+                <a:latin typeface="Arial" charset="0"/>
+                <a:ea typeface="ＭＳ Ｐゴシック" charset="-128"/>
+              </a:defRPr>
+            </a:lvl2pPr>
+            <a:lvl3pPr marL="1143000" indent="-228600">
+              <a:defRPr kumimoji="1" sz="3200">
+                <a:solidFill>
+                  <a:schemeClr val="tx1"/>
+                </a:solidFill>
+                <a:latin typeface="Arial" charset="0"/>
+                <a:ea typeface="ＭＳ Ｐゴシック" charset="-128"/>
+              </a:defRPr>
+            </a:lvl3pPr>
+            <a:lvl4pPr marL="1600200" indent="-228600">
+              <a:defRPr kumimoji="1" sz="3200">
+                <a:solidFill>
+                  <a:schemeClr val="tx1"/>
+                </a:solidFill>
+                <a:latin typeface="Arial" charset="0"/>
+                <a:ea typeface="ＭＳ Ｐゴシック" charset="-128"/>
+              </a:defRPr>
+            </a:lvl4pPr>
+            <a:lvl5pPr marL="2057400" indent="-228600">
+              <a:defRPr kumimoji="1" sz="3200">
+                <a:solidFill>
+                  <a:schemeClr val="tx1"/>
+                </a:solidFill>
+                <a:latin typeface="Arial" charset="0"/>
+                <a:ea typeface="ＭＳ Ｐゴシック" charset="-128"/>
+              </a:defRPr>
+            </a:lvl5pPr>
+            <a:lvl6pPr marL="2514600" indent="-228600" eaLnBrk="0" fontAlgn="base" hangingPunct="0">
+              <a:spcBef>
+                <a:spcPct val="0"/>
+              </a:spcBef>
+              <a:spcAft>
+                <a:spcPct val="0"/>
+              </a:spcAft>
+              <a:defRPr kumimoji="1" sz="3200">
+                <a:solidFill>
+                  <a:schemeClr val="tx1"/>
+                </a:solidFill>
+                <a:latin typeface="Arial" charset="0"/>
+                <a:ea typeface="ＭＳ Ｐゴシック" charset="-128"/>
+              </a:defRPr>
+            </a:lvl6pPr>
+            <a:lvl7pPr marL="2971800" indent="-228600" eaLnBrk="0" fontAlgn="base" hangingPunct="0">
+              <a:spcBef>
+                <a:spcPct val="0"/>
+              </a:spcBef>
+              <a:spcAft>
+                <a:spcPct val="0"/>
+              </a:spcAft>
+              <a:defRPr kumimoji="1" sz="3200">
+                <a:solidFill>
+                  <a:schemeClr val="tx1"/>
+                </a:solidFill>
+                <a:latin typeface="Arial" charset="0"/>
+                <a:ea typeface="ＭＳ Ｐゴシック" charset="-128"/>
+              </a:defRPr>
+            </a:lvl7pPr>
+            <a:lvl8pPr marL="3429000" indent="-228600" eaLnBrk="0" fontAlgn="base" hangingPunct="0">
+              <a:spcBef>
+                <a:spcPct val="0"/>
+              </a:spcBef>
+              <a:spcAft>
+                <a:spcPct val="0"/>
+              </a:spcAft>
+              <a:defRPr kumimoji="1" sz="3200">
+                <a:solidFill>
+                  <a:schemeClr val="tx1"/>
+                </a:solidFill>
+                <a:latin typeface="Arial" charset="0"/>
+                <a:ea typeface="ＭＳ Ｐゴシック" charset="-128"/>
+              </a:defRPr>
+            </a:lvl8pPr>
+            <a:lvl9pPr marL="3886200" indent="-228600" eaLnBrk="0" fontAlgn="base" hangingPunct="0">
+              <a:spcBef>
+                <a:spcPct val="0"/>
+              </a:spcBef>
+              <a:spcAft>
+                <a:spcPct val="0"/>
+              </a:spcAft>
+              <a:defRPr kumimoji="1" sz="3200">
+                <a:solidFill>
+                  <a:schemeClr val="tx1"/>
+                </a:solidFill>
+                <a:latin typeface="Arial" charset="0"/>
+                <a:ea typeface="ＭＳ Ｐゴシック" charset="-128"/>
+              </a:defRPr>
+            </a:lvl9pPr>
+          </a:lstStyle>
+          <a:p>
+            <a:pPr eaLnBrk="1" hangingPunct="1">
+              <a:defRPr/>
+            </a:pPr>
+            <a:r>
+              <a:rPr lang="en-US" altLang="ja-JP" sz="1800" dirty="0">
+                <a:solidFill>
+                  <a:srgbClr val="000000"/>
+                </a:solidFill>
+                <a:latin typeface="+mn-lt"/>
+                <a:ea typeface="メイリオ" charset="-128"/>
+                <a:cs typeface="メイリオ" charset="-128"/>
+              </a:rPr>
+              <a:t>1.basic/</a:t>
+            </a:r>
+          </a:p>
+          <a:p>
+            <a:pPr lvl="1" eaLnBrk="1" hangingPunct="1">
+              <a:defRPr/>
+            </a:pPr>
+            <a:r>
+              <a:rPr lang="en-US" altLang="ja-JP" sz="1800" dirty="0">
+                <a:solidFill>
+                  <a:srgbClr val="000000"/>
+                </a:solidFill>
+                <a:latin typeface="+mn-lt"/>
+                <a:ea typeface="メイリオ" charset="-128"/>
+                <a:cs typeface="メイリオ" charset="-128"/>
+              </a:rPr>
+              <a:t>VSCF, VCI[3]-(8), VMP2-(4), VQDPT2-(4)</a:t>
+            </a:r>
+          </a:p>
+        </p:txBody>
+      </p:sp>
+      <p:sp>
+        <p:nvSpPr>
+          <p:cNvPr id="29700" name="テキスト ボックス 14"/>
+          <p:cNvSpPr txBox="1">
+            <a:spLocks noChangeArrowheads="1"/>
+          </p:cNvSpPr>
+          <p:nvPr/>
+        </p:nvSpPr>
+        <p:spPr bwMode="auto">
+          <a:xfrm>
+            <a:off x="1428750" y="2483254"/>
+            <a:ext cx="3760788" cy="646112"/>
+          </a:xfrm>
+          <a:prstGeom prst="rect">
+            <a:avLst/>
+          </a:prstGeom>
+          <a:noFill/>
+          <a:ln>
+            <a:noFill/>
+          </a:ln>
+          <a:extLst>
+            <a:ext uri="{909E8E84-426E-40DD-AFC4-6F175D3DCCD1}">
+              <a14:hiddenFill xmlns:a14="http://schemas.microsoft.com/office/drawing/2010/main">
+                <a:solidFill>
+                  <a:srgbClr val="FFFFFF"/>
+                </a:solidFill>
+              </a14:hiddenFill>
+            </a:ext>
+            <a:ext uri="{91240B29-F687-4F45-9708-019B960494DF}">
+              <a14:hiddenLine xmlns:a14="http://schemas.microsoft.com/office/drawing/2010/main" w="9525">
+                <a:solidFill>
+                  <a:srgbClr val="000000"/>
+                </a:solidFill>
+                <a:miter lim="800000"/>
+                <a:headEnd/>
+                <a:tailEnd/>
+              </a14:hiddenLine>
+            </a:ext>
+          </a:extLst>
+        </p:spPr>
+        <p:txBody>
+          <a:bodyPr wrap="none">
+            <a:spAutoFit/>
+          </a:bodyPr>
+          <a:lstStyle>
+            <a:lvl1pPr>
+              <a:defRPr kumimoji="1" sz="3200">
+                <a:solidFill>
+                  <a:schemeClr val="tx1"/>
+                </a:solidFill>
+                <a:latin typeface="Arial" charset="0"/>
+                <a:ea typeface="ＭＳ Ｐゴシック" charset="-128"/>
+              </a:defRPr>
+            </a:lvl1pPr>
+            <a:lvl2pPr>
+              <a:defRPr kumimoji="1" sz="3200">
+                <a:solidFill>
+                  <a:schemeClr val="tx1"/>
+                </a:solidFill>
+                <a:latin typeface="Arial" charset="0"/>
+                <a:ea typeface="ＭＳ Ｐゴシック" charset="-128"/>
+              </a:defRPr>
+            </a:lvl2pPr>
+            <a:lvl3pPr marL="1143000" indent="-228600">
+              <a:defRPr kumimoji="1" sz="3200">
+                <a:solidFill>
+                  <a:schemeClr val="tx1"/>
+                </a:solidFill>
+                <a:latin typeface="Arial" charset="0"/>
+                <a:ea typeface="ＭＳ Ｐゴシック" charset="-128"/>
+              </a:defRPr>
+            </a:lvl3pPr>
+            <a:lvl4pPr marL="1600200" indent="-228600">
+              <a:defRPr kumimoji="1" sz="3200">
+                <a:solidFill>
+                  <a:schemeClr val="tx1"/>
+                </a:solidFill>
+                <a:latin typeface="Arial" charset="0"/>
+                <a:ea typeface="ＭＳ Ｐゴシック" charset="-128"/>
+              </a:defRPr>
+            </a:lvl4pPr>
+            <a:lvl5pPr marL="2057400" indent="-228600">
+              <a:defRPr kumimoji="1" sz="3200">
+                <a:solidFill>
+                  <a:schemeClr val="tx1"/>
+                </a:solidFill>
+                <a:latin typeface="Arial" charset="0"/>
+                <a:ea typeface="ＭＳ Ｐゴシック" charset="-128"/>
+              </a:defRPr>
+            </a:lvl5pPr>
+            <a:lvl6pPr marL="2514600" indent="-228600" eaLnBrk="0" fontAlgn="base" hangingPunct="0">
+              <a:spcBef>
+                <a:spcPct val="0"/>
+              </a:spcBef>
+              <a:spcAft>
+                <a:spcPct val="0"/>
+              </a:spcAft>
+              <a:defRPr kumimoji="1" sz="3200">
+                <a:solidFill>
+                  <a:schemeClr val="tx1"/>
+                </a:solidFill>
+                <a:latin typeface="Arial" charset="0"/>
+                <a:ea typeface="ＭＳ Ｐゴシック" charset="-128"/>
+              </a:defRPr>
+            </a:lvl6pPr>
+            <a:lvl7pPr marL="2971800" indent="-228600" eaLnBrk="0" fontAlgn="base" hangingPunct="0">
+              <a:spcBef>
+                <a:spcPct val="0"/>
+              </a:spcBef>
+              <a:spcAft>
+                <a:spcPct val="0"/>
+              </a:spcAft>
+              <a:defRPr kumimoji="1" sz="3200">
+                <a:solidFill>
+                  <a:schemeClr val="tx1"/>
+                </a:solidFill>
+                <a:latin typeface="Arial" charset="0"/>
+                <a:ea typeface="ＭＳ Ｐゴシック" charset="-128"/>
+              </a:defRPr>
+            </a:lvl7pPr>
+            <a:lvl8pPr marL="3429000" indent="-228600" eaLnBrk="0" fontAlgn="base" hangingPunct="0">
+              <a:spcBef>
+                <a:spcPct val="0"/>
+              </a:spcBef>
+              <a:spcAft>
+                <a:spcPct val="0"/>
+              </a:spcAft>
+              <a:defRPr kumimoji="1" sz="3200">
+                <a:solidFill>
+                  <a:schemeClr val="tx1"/>
+                </a:solidFill>
+                <a:latin typeface="Arial" charset="0"/>
+                <a:ea typeface="ＭＳ Ｐゴシック" charset="-128"/>
+              </a:defRPr>
+            </a:lvl8pPr>
+            <a:lvl9pPr marL="3886200" indent="-228600" eaLnBrk="0" fontAlgn="base" hangingPunct="0">
+              <a:spcBef>
+                <a:spcPct val="0"/>
+              </a:spcBef>
+              <a:spcAft>
+                <a:spcPct val="0"/>
+              </a:spcAft>
+              <a:defRPr kumimoji="1" sz="3200">
+                <a:solidFill>
+                  <a:schemeClr val="tx1"/>
+                </a:solidFill>
+                <a:latin typeface="Arial" charset="0"/>
+                <a:ea typeface="ＭＳ Ｐゴシック" charset="-128"/>
+              </a:defRPr>
+            </a:lvl9pPr>
+          </a:lstStyle>
+          <a:p>
+            <a:pPr eaLnBrk="1" hangingPunct="1">
+              <a:defRPr/>
+            </a:pPr>
+            <a:r>
+              <a:rPr lang="en-US" altLang="ja-JP" sz="1800" dirty="0">
+                <a:solidFill>
+                  <a:srgbClr val="000000"/>
+                </a:solidFill>
+                <a:latin typeface="+mn-lt"/>
+                <a:ea typeface="メイリオ" charset="-128"/>
+                <a:cs typeface="メイリオ" charset="-128"/>
+              </a:rPr>
+              <a:t>2.h2co/</a:t>
+            </a:r>
+          </a:p>
+          <a:p>
+            <a:pPr lvl="1" eaLnBrk="1" hangingPunct="1">
+              <a:defRPr/>
+            </a:pPr>
+            <a:r>
+              <a:rPr lang="en-US" altLang="ja-JP" sz="1800" dirty="0">
+                <a:solidFill>
+                  <a:srgbClr val="000000"/>
+                </a:solidFill>
+                <a:latin typeface="+mn-lt"/>
+                <a:ea typeface="メイリオ" charset="-128"/>
+                <a:cs typeface="メイリオ" charset="-128"/>
+              </a:rPr>
+              <a:t>VCI[3]-(6), VMP2-(4), VQDPT2-(4)</a:t>
+            </a:r>
+          </a:p>
+        </p:txBody>
+      </p:sp>
+      <p:sp>
+        <p:nvSpPr>
+          <p:cNvPr id="10" name="テキスト ボックス 16"/>
+          <p:cNvSpPr txBox="1">
+            <a:spLocks noChangeArrowheads="1"/>
+          </p:cNvSpPr>
+          <p:nvPr/>
+        </p:nvSpPr>
+        <p:spPr bwMode="auto">
+          <a:xfrm>
+            <a:off x="1428750" y="3391304"/>
+            <a:ext cx="3336925" cy="646112"/>
+          </a:xfrm>
+          <a:prstGeom prst="rect">
+            <a:avLst/>
+          </a:prstGeom>
+          <a:noFill/>
+          <a:ln>
+            <a:noFill/>
+          </a:ln>
+          <a:extLst>
+            <a:ext uri="{909E8E84-426E-40DD-AFC4-6F175D3DCCD1}">
+              <a14:hiddenFill xmlns:a14="http://schemas.microsoft.com/office/drawing/2010/main">
+                <a:solidFill>
+                  <a:srgbClr val="FFFFFF"/>
+                </a:solidFill>
+              </a14:hiddenFill>
+            </a:ext>
+            <a:ext uri="{91240B29-F687-4F45-9708-019B960494DF}">
+              <a14:hiddenLine xmlns:a14="http://schemas.microsoft.com/office/drawing/2010/main" w="9525">
+                <a:solidFill>
+                  <a:srgbClr val="000000"/>
+                </a:solidFill>
+                <a:miter lim="800000"/>
+                <a:headEnd/>
+                <a:tailEnd/>
+              </a14:hiddenLine>
+            </a:ext>
+          </a:extLst>
+        </p:spPr>
+        <p:txBody>
+          <a:bodyPr wrap="none">
+            <a:spAutoFit/>
+          </a:bodyPr>
+          <a:lstStyle>
+            <a:lvl1pPr>
+              <a:defRPr kumimoji="1" sz="3200">
+                <a:solidFill>
+                  <a:schemeClr val="tx1"/>
+                </a:solidFill>
+                <a:latin typeface="Arial" charset="0"/>
+                <a:ea typeface="ＭＳ Ｐゴシック" charset="-128"/>
+              </a:defRPr>
+            </a:lvl1pPr>
+            <a:lvl2pPr>
+              <a:defRPr kumimoji="1" sz="3200">
+                <a:solidFill>
+                  <a:schemeClr val="tx1"/>
+                </a:solidFill>
+                <a:latin typeface="Arial" charset="0"/>
+                <a:ea typeface="ＭＳ Ｐゴシック" charset="-128"/>
+              </a:defRPr>
+            </a:lvl2pPr>
+            <a:lvl3pPr marL="1143000" indent="-228600">
+              <a:defRPr kumimoji="1" sz="3200">
+                <a:solidFill>
+                  <a:schemeClr val="tx1"/>
+                </a:solidFill>
+                <a:latin typeface="Arial" charset="0"/>
+                <a:ea typeface="ＭＳ Ｐゴシック" charset="-128"/>
+              </a:defRPr>
+            </a:lvl3pPr>
+            <a:lvl4pPr marL="1600200" indent="-228600">
+              <a:defRPr kumimoji="1" sz="3200">
+                <a:solidFill>
+                  <a:schemeClr val="tx1"/>
+                </a:solidFill>
+                <a:latin typeface="Arial" charset="0"/>
+                <a:ea typeface="ＭＳ Ｐゴシック" charset="-128"/>
+              </a:defRPr>
+            </a:lvl4pPr>
+            <a:lvl5pPr marL="2057400" indent="-228600">
+              <a:defRPr kumimoji="1" sz="3200">
+                <a:solidFill>
+                  <a:schemeClr val="tx1"/>
+                </a:solidFill>
+                <a:latin typeface="Arial" charset="0"/>
+                <a:ea typeface="ＭＳ Ｐゴシック" charset="-128"/>
+              </a:defRPr>
+            </a:lvl5pPr>
+            <a:lvl6pPr marL="2514600" indent="-228600" eaLnBrk="0" fontAlgn="base" hangingPunct="0">
+              <a:spcBef>
+                <a:spcPct val="0"/>
+              </a:spcBef>
+              <a:spcAft>
+                <a:spcPct val="0"/>
+              </a:spcAft>
+              <a:defRPr kumimoji="1" sz="3200">
+                <a:solidFill>
+                  <a:schemeClr val="tx1"/>
+                </a:solidFill>
+                <a:latin typeface="Arial" charset="0"/>
+                <a:ea typeface="ＭＳ Ｐゴシック" charset="-128"/>
+              </a:defRPr>
+            </a:lvl6pPr>
+            <a:lvl7pPr marL="2971800" indent="-228600" eaLnBrk="0" fontAlgn="base" hangingPunct="0">
+              <a:spcBef>
+                <a:spcPct val="0"/>
+              </a:spcBef>
+              <a:spcAft>
+                <a:spcPct val="0"/>
+              </a:spcAft>
+              <a:defRPr kumimoji="1" sz="3200">
+                <a:solidFill>
+                  <a:schemeClr val="tx1"/>
+                </a:solidFill>
+                <a:latin typeface="Arial" charset="0"/>
+                <a:ea typeface="ＭＳ Ｐゴシック" charset="-128"/>
+              </a:defRPr>
+            </a:lvl7pPr>
+            <a:lvl8pPr marL="3429000" indent="-228600" eaLnBrk="0" fontAlgn="base" hangingPunct="0">
+              <a:spcBef>
+                <a:spcPct val="0"/>
+              </a:spcBef>
+              <a:spcAft>
+                <a:spcPct val="0"/>
+              </a:spcAft>
+              <a:defRPr kumimoji="1" sz="3200">
+                <a:solidFill>
+                  <a:schemeClr val="tx1"/>
+                </a:solidFill>
+                <a:latin typeface="Arial" charset="0"/>
+                <a:ea typeface="ＭＳ Ｐゴシック" charset="-128"/>
+              </a:defRPr>
+            </a:lvl8pPr>
+            <a:lvl9pPr marL="3886200" indent="-228600" eaLnBrk="0" fontAlgn="base" hangingPunct="0">
+              <a:spcBef>
+                <a:spcPct val="0"/>
+              </a:spcBef>
+              <a:spcAft>
+                <a:spcPct val="0"/>
+              </a:spcAft>
+              <a:defRPr kumimoji="1" sz="3200">
+                <a:solidFill>
+                  <a:schemeClr val="tx1"/>
+                </a:solidFill>
+                <a:latin typeface="Arial" charset="0"/>
+                <a:ea typeface="ＭＳ Ｐゴシック" charset="-128"/>
+              </a:defRPr>
+            </a:lvl9pPr>
+          </a:lstStyle>
+          <a:p>
+            <a:pPr eaLnBrk="1" hangingPunct="1">
+              <a:defRPr/>
+            </a:pPr>
+            <a:r>
+              <a:rPr lang="en-US" altLang="ja-JP" sz="1800" dirty="0">
+                <a:solidFill>
+                  <a:srgbClr val="000000"/>
+                </a:solidFill>
+                <a:latin typeface="+mn-lt"/>
+                <a:ea typeface="メイリオ" charset="-128"/>
+                <a:cs typeface="メイリオ" charset="-128"/>
+              </a:rPr>
+              <a:t>3.water-hexamer/</a:t>
+            </a:r>
+          </a:p>
+          <a:p>
+            <a:pPr lvl="1" eaLnBrk="1" hangingPunct="1">
+              <a:defRPr/>
+            </a:pPr>
+            <a:r>
+              <a:rPr lang="en-US" altLang="ja-JP" sz="1800" dirty="0" err="1">
+                <a:solidFill>
+                  <a:srgbClr val="000000"/>
+                </a:solidFill>
+                <a:latin typeface="+mn-lt"/>
+                <a:ea typeface="メイリオ" charset="-128"/>
+                <a:cs typeface="メイリオ" charset="-128"/>
+              </a:rPr>
+              <a:t>nc</a:t>
+            </a:r>
+            <a:r>
+              <a:rPr lang="en-US" altLang="ja-JP" sz="1800" dirty="0">
+                <a:solidFill>
+                  <a:srgbClr val="000000"/>
+                </a:solidFill>
+                <a:latin typeface="+mn-lt"/>
+                <a:ea typeface="メイリオ" charset="-128"/>
+                <a:cs typeface="メイリオ" charset="-128"/>
+              </a:rPr>
+              <a:t>-VCI[3]-(6), nc-VQDPT2-(4)</a:t>
+            </a:r>
+          </a:p>
+        </p:txBody>
+      </p:sp>
+      <p:sp>
+        <p:nvSpPr>
+          <p:cNvPr id="3" name="テキスト ボックス 2">
+            <a:extLst>
+              <a:ext uri="{FF2B5EF4-FFF2-40B4-BE49-F238E27FC236}">
+                <a16:creationId xmlns:a16="http://schemas.microsoft.com/office/drawing/2014/main" id="{658BF5DC-777B-994D-895E-5FFB1025CE3F}"/>
+              </a:ext>
+            </a:extLst>
+          </p:cNvPr>
           <p:cNvSpPr txBox="1"/>
           <p:nvPr/>
         </p:nvSpPr>
         <p:spPr>
           <a:xfrm>
-            <a:off x="1439333" y="4351868"/>
-            <a:ext cx="620426" cy="338554"/>
+            <a:off x="991892" y="1053884"/>
+            <a:ext cx="6528134" cy="369332"/>
           </a:xfrm>
           <a:prstGeom prst="rect">
             <a:avLst/>
@@ -5115,326 +7140,33 @@
           <a:lstStyle/>
           <a:p>
             <a:r>
-              <a:rPr kumimoji="1" lang="en-US" altLang="ja-JP" sz="1600" dirty="0" smtClean="0"/>
-              <a:t>&lt;</a:t>
-            </a:r>
-            <a:r>
-              <a:rPr kumimoji="1" lang="en-US" altLang="ja-JP" sz="1600" dirty="0" err="1" smtClean="0"/>
-              <a:t>qff</a:t>
-            </a:r>
-            <a:r>
-              <a:rPr kumimoji="1" lang="en-US" altLang="ja-JP" sz="1600" dirty="0" smtClean="0"/>
-              <a:t>&gt;</a:t>
-            </a:r>
-            <a:endParaRPr kumimoji="1" lang="ja-JP" altLang="en-US" sz="1600" dirty="0"/>
-          </a:p>
-        </p:txBody>
-      </p:sp>
-      <p:sp>
-        <p:nvSpPr>
-          <p:cNvPr id="4" name="テキスト ボックス 3"/>
-          <p:cNvSpPr txBox="1"/>
-          <p:nvPr/>
-        </p:nvSpPr>
-        <p:spPr>
-          <a:xfrm>
-            <a:off x="1676400" y="812800"/>
-            <a:ext cx="4131580" cy="338554"/>
-          </a:xfrm>
-          <a:prstGeom prst="rect">
-            <a:avLst/>
-          </a:prstGeom>
-          <a:noFill/>
-        </p:spPr>
-        <p:txBody>
-          <a:bodyPr wrap="none" rtlCol="0">
-            <a:spAutoFit/>
-          </a:bodyPr>
-          <a:lstStyle/>
-          <a:p>
-            <a:r>
-              <a:rPr kumimoji="1" lang="en-US" altLang="ja-JP" sz="1600" dirty="0" smtClean="0"/>
-              <a:t>key and value are case insensitive unless noted.</a:t>
-            </a:r>
-            <a:endParaRPr kumimoji="1" lang="ja-JP" altLang="en-US" sz="1600" dirty="0"/>
-          </a:p>
-        </p:txBody>
-      </p:sp>
-      <p:sp>
-        <p:nvSpPr>
-          <p:cNvPr id="5" name="テキスト ボックス 4"/>
-          <p:cNvSpPr txBox="1"/>
-          <p:nvPr/>
-        </p:nvSpPr>
-        <p:spPr>
-          <a:xfrm>
-            <a:off x="1049867" y="457200"/>
-            <a:ext cx="2053063" cy="338554"/>
-          </a:xfrm>
-          <a:prstGeom prst="rect">
-            <a:avLst/>
-          </a:prstGeom>
-          <a:noFill/>
-        </p:spPr>
-        <p:txBody>
-          <a:bodyPr wrap="none" rtlCol="0">
-            <a:spAutoFit/>
-          </a:bodyPr>
-          <a:lstStyle/>
-          <a:p>
-            <a:r>
-              <a:rPr kumimoji="1" lang="en-US" altLang="ja-JP" sz="1600" dirty="0" smtClean="0"/>
-              <a:t>&lt;key  value=“value” /&gt;</a:t>
-            </a:r>
-            <a:endParaRPr kumimoji="1" lang="ja-JP" altLang="en-US" sz="1600" dirty="0"/>
-          </a:p>
-        </p:txBody>
-      </p:sp>
-      <p:sp>
-        <p:nvSpPr>
-          <p:cNvPr id="6" name="テキスト ボックス 5"/>
-          <p:cNvSpPr txBox="1"/>
-          <p:nvPr/>
-        </p:nvSpPr>
-        <p:spPr>
-          <a:xfrm>
-            <a:off x="1693334" y="2929467"/>
-            <a:ext cx="1142108" cy="338554"/>
-          </a:xfrm>
-          <a:prstGeom prst="rect">
-            <a:avLst/>
-          </a:prstGeom>
-          <a:noFill/>
-        </p:spPr>
-        <p:txBody>
-          <a:bodyPr wrap="none" rtlCol="0">
-            <a:spAutoFit/>
-          </a:bodyPr>
-          <a:lstStyle/>
-          <a:p>
-            <a:r>
-              <a:rPr kumimoji="1" lang="en-US" altLang="ja-JP" sz="1600" dirty="0" smtClean="0"/>
-              <a:t>&lt;template&gt;</a:t>
-            </a:r>
-            <a:endParaRPr kumimoji="1" lang="ja-JP" altLang="en-US" sz="1600" dirty="0"/>
-          </a:p>
-        </p:txBody>
-      </p:sp>
-      <p:sp>
-        <p:nvSpPr>
-          <p:cNvPr id="7" name="テキスト ボックス 6"/>
-          <p:cNvSpPr txBox="1"/>
-          <p:nvPr/>
-        </p:nvSpPr>
-        <p:spPr>
-          <a:xfrm>
-            <a:off x="1964267" y="3183467"/>
-            <a:ext cx="2369559" cy="338554"/>
-          </a:xfrm>
-          <a:prstGeom prst="rect">
-            <a:avLst/>
-          </a:prstGeom>
-          <a:noFill/>
-        </p:spPr>
-        <p:txBody>
-          <a:bodyPr wrap="none" rtlCol="0">
-            <a:spAutoFit/>
-          </a:bodyPr>
-          <a:lstStyle/>
-          <a:p>
-            <a:r>
-              <a:rPr kumimoji="1" lang="en-US" altLang="ja-JP" sz="1600" smtClean="0"/>
-              <a:t>xml: yes or no (default no)</a:t>
-            </a:r>
-            <a:endParaRPr kumimoji="1" lang="ja-JP" altLang="en-US" sz="1600" dirty="0"/>
-          </a:p>
-        </p:txBody>
-      </p:sp>
-      <p:sp>
-        <p:nvSpPr>
-          <p:cNvPr id="8" name="テキスト ボックス 7"/>
-          <p:cNvSpPr txBox="1"/>
-          <p:nvPr/>
-        </p:nvSpPr>
-        <p:spPr>
-          <a:xfrm>
-            <a:off x="1337734" y="2099733"/>
-            <a:ext cx="957313" cy="338554"/>
-          </a:xfrm>
-          <a:prstGeom prst="rect">
-            <a:avLst/>
-          </a:prstGeom>
-          <a:noFill/>
-        </p:spPr>
-        <p:txBody>
-          <a:bodyPr wrap="none" rtlCol="0">
-            <a:spAutoFit/>
-          </a:bodyPr>
-          <a:lstStyle/>
-          <a:p>
-            <a:r>
-              <a:rPr kumimoji="1" lang="en-US" altLang="ja-JP" sz="1600" dirty="0" smtClean="0"/>
-              <a:t>&lt;</a:t>
-            </a:r>
-            <a:r>
-              <a:rPr kumimoji="1" lang="en-US" altLang="ja-JP" sz="1600" dirty="0" err="1" smtClean="0"/>
-              <a:t>qchem</a:t>
-            </a:r>
-            <a:r>
-              <a:rPr kumimoji="1" lang="en-US" altLang="ja-JP" sz="1600" dirty="0" smtClean="0"/>
-              <a:t>&gt;</a:t>
-            </a:r>
-            <a:endParaRPr kumimoji="1" lang="ja-JP" altLang="en-US" sz="1600" dirty="0"/>
-          </a:p>
-        </p:txBody>
-      </p:sp>
-      <p:sp>
-        <p:nvSpPr>
-          <p:cNvPr id="11" name="テキスト ボックス 10"/>
-          <p:cNvSpPr txBox="1"/>
-          <p:nvPr/>
-        </p:nvSpPr>
-        <p:spPr>
-          <a:xfrm>
-            <a:off x="1049867" y="1540934"/>
-            <a:ext cx="1139671" cy="338554"/>
-          </a:xfrm>
-          <a:prstGeom prst="rect">
-            <a:avLst/>
-          </a:prstGeom>
-          <a:noFill/>
-        </p:spPr>
-        <p:txBody>
-          <a:bodyPr wrap="none" rtlCol="0">
-            <a:spAutoFit/>
-          </a:bodyPr>
-          <a:lstStyle/>
-          <a:p>
-            <a:r>
-              <a:rPr kumimoji="1" lang="en-US" altLang="ja-JP" sz="1600" dirty="0" smtClean="0"/>
-              <a:t>&lt;</a:t>
-            </a:r>
-            <a:r>
-              <a:rPr kumimoji="1" lang="en-US" altLang="ja-JP" sz="1600" dirty="0" err="1" smtClean="0"/>
-              <a:t>makePES</a:t>
-            </a:r>
-            <a:r>
-              <a:rPr kumimoji="1" lang="en-US" altLang="ja-JP" sz="1600" dirty="0" smtClean="0"/>
-              <a:t>&gt;</a:t>
-            </a:r>
-            <a:endParaRPr kumimoji="1" lang="ja-JP" altLang="en-US" sz="1600" dirty="0"/>
-          </a:p>
-        </p:txBody>
-      </p:sp>
-      <p:sp>
-        <p:nvSpPr>
-          <p:cNvPr id="13" name="テキスト ボックス 12"/>
-          <p:cNvSpPr txBox="1"/>
-          <p:nvPr/>
-        </p:nvSpPr>
-        <p:spPr>
-          <a:xfrm>
-            <a:off x="1676401" y="2370666"/>
-            <a:ext cx="5439887" cy="338554"/>
-          </a:xfrm>
-          <a:prstGeom prst="rect">
-            <a:avLst/>
-          </a:prstGeom>
-          <a:noFill/>
-        </p:spPr>
-        <p:txBody>
-          <a:bodyPr wrap="none" rtlCol="0">
-            <a:spAutoFit/>
-          </a:bodyPr>
-          <a:lstStyle/>
-          <a:p>
-            <a:r>
-              <a:rPr kumimoji="1" lang="en-US" altLang="ja-JP" sz="1600" dirty="0" smtClean="0"/>
-              <a:t>id: ID of this </a:t>
-            </a:r>
-            <a:r>
-              <a:rPr kumimoji="1" lang="en-US" altLang="ja-JP" sz="1600" dirty="0" err="1" smtClean="0"/>
-              <a:t>qchem</a:t>
-            </a:r>
-            <a:r>
-              <a:rPr kumimoji="1" lang="en-US" altLang="ja-JP" sz="1600" dirty="0" smtClean="0"/>
-              <a:t> (default = the number it appears in the file)</a:t>
-            </a:r>
-          </a:p>
-        </p:txBody>
-      </p:sp>
-      <p:sp>
-        <p:nvSpPr>
-          <p:cNvPr id="16" name="テキスト ボックス 15"/>
-          <p:cNvSpPr txBox="1"/>
-          <p:nvPr/>
-        </p:nvSpPr>
-        <p:spPr>
-          <a:xfrm>
-            <a:off x="1693334" y="3539067"/>
-            <a:ext cx="908326" cy="338554"/>
-          </a:xfrm>
-          <a:prstGeom prst="rect">
-            <a:avLst/>
-          </a:prstGeom>
-          <a:noFill/>
-        </p:spPr>
-        <p:txBody>
-          <a:bodyPr wrap="none" rtlCol="0">
-            <a:spAutoFit/>
-          </a:bodyPr>
-          <a:lstStyle/>
-          <a:p>
-            <a:r>
-              <a:rPr kumimoji="1" lang="en-US" altLang="ja-JP" sz="1600" dirty="0" smtClean="0"/>
-              <a:t>&lt;</a:t>
-            </a:r>
-            <a:r>
-              <a:rPr kumimoji="1" lang="en-US" altLang="ja-JP" sz="1600" dirty="0" err="1" smtClean="0"/>
-              <a:t>xyzfile</a:t>
-            </a:r>
-            <a:r>
-              <a:rPr kumimoji="1" lang="en-US" altLang="ja-JP" sz="1600" dirty="0" smtClean="0"/>
-              <a:t>&gt;</a:t>
-            </a:r>
-            <a:endParaRPr kumimoji="1" lang="ja-JP" altLang="en-US" sz="1600" dirty="0"/>
-          </a:p>
-        </p:txBody>
-      </p:sp>
-      <p:sp>
-        <p:nvSpPr>
-          <p:cNvPr id="17" name="テキスト ボックス 16"/>
-          <p:cNvSpPr txBox="1"/>
-          <p:nvPr/>
-        </p:nvSpPr>
-        <p:spPr>
-          <a:xfrm>
-            <a:off x="1964267" y="3793067"/>
-            <a:ext cx="2369559" cy="338554"/>
-          </a:xfrm>
-          <a:prstGeom prst="rect">
-            <a:avLst/>
-          </a:prstGeom>
-          <a:noFill/>
-        </p:spPr>
-        <p:txBody>
-          <a:bodyPr wrap="none" rtlCol="0">
-            <a:spAutoFit/>
-          </a:bodyPr>
-          <a:lstStyle/>
-          <a:p>
-            <a:r>
-              <a:rPr kumimoji="1" lang="en-US" altLang="ja-JP" sz="1600" smtClean="0"/>
-              <a:t>xml: yes or no (default no)</a:t>
-            </a:r>
-            <a:endParaRPr kumimoji="1" lang="ja-JP" altLang="en-US" sz="1600" dirty="0"/>
+              <a:rPr kumimoji="1" lang="en-US" altLang="ja-JP" dirty="0"/>
+              <a:t>Sample files are found in sindo-4.0/doc/</a:t>
+            </a:r>
+            <a:r>
+              <a:rPr kumimoji="1" lang="en-US" altLang="ja-JP" dirty="0" err="1"/>
+              <a:t>MakePES</a:t>
+            </a:r>
+            <a:r>
+              <a:rPr kumimoji="1" lang="en-US" altLang="ja-JP" dirty="0"/>
+              <a:t>/</a:t>
+            </a:r>
+            <a:r>
+              <a:rPr kumimoji="1" lang="en-US" altLang="ja-JP" dirty="0" err="1"/>
+              <a:t>sample_</a:t>
+            </a:r>
+            <a:r>
+              <a:rPr lang="en-US" altLang="ja-JP" dirty="0" err="1"/>
+              <a:t>MakePES</a:t>
+            </a:r>
+            <a:endParaRPr kumimoji="1" lang="ja-JP" altLang="en-US"/>
           </a:p>
         </p:txBody>
       </p:sp>
     </p:spTree>
     <p:extLst>
       <p:ext uri="{BB962C8B-B14F-4D97-AF65-F5344CB8AC3E}">
-        <p14:creationId xmlns:p14="http://schemas.microsoft.com/office/powerpoint/2010/main" val="250048734"/>
+        <p14:creationId xmlns:p14="http://schemas.microsoft.com/office/powerpoint/2010/main" val="2489109342"/>
       </p:ext>
     </p:extLst>
   </p:cSld>
@@ -5463,12 +7195,18 @@
       </p:grpSpPr>
       <p:sp>
         <p:nvSpPr>
-          <p:cNvPr id="2" name="タイトル 1"/>
+          <p:cNvPr id="2" name="スライド番号プレースホルダー 1">
+            <a:extLst>
+              <a:ext uri="{FF2B5EF4-FFF2-40B4-BE49-F238E27FC236}">
+                <a16:creationId xmlns:a16="http://schemas.microsoft.com/office/drawing/2014/main" id="{507CC799-7421-174C-AB84-232019A4F20F}"/>
+              </a:ext>
+            </a:extLst>
+          </p:cNvPr>
           <p:cNvSpPr>
             <a:spLocks noGrp="1"/>
           </p:cNvSpPr>
           <p:nvPr>
-            <p:ph type="title"/>
+            <p:ph type="sldNum" sz="quarter" idx="12"/>
           </p:nvPr>
         </p:nvSpPr>
         <p:spPr/>
@@ -5476,24 +7214,30 @@
           <a:bodyPr/>
           <a:lstStyle/>
           <a:p>
-            <a:r>
-              <a:rPr kumimoji="1" lang="en-US" altLang="ja-JP" dirty="0" smtClean="0"/>
-              <a:t>1. Basic Usage</a:t>
-            </a:r>
-            <a:endParaRPr kumimoji="1" lang="ja-JP" altLang="en-US" dirty="0"/>
-          </a:p>
-        </p:txBody>
-      </p:sp>
-      <p:sp>
-        <p:nvSpPr>
-          <p:cNvPr id="26" name="テキスト ボックス 25"/>
+            <a:fld id="{7D34BB6B-1E1A-9541-9560-488905BF54FF}" type="slidenum">
+              <a:rPr kumimoji="1" lang="ja-JP" altLang="en-US" smtClean="0"/>
+              <a:t>3</a:t>
+            </a:fld>
+            <a:endParaRPr kumimoji="1" lang="ja-JP" altLang="en-US"/>
+          </a:p>
+        </p:txBody>
+      </p:sp>
+      <p:sp>
+        <p:nvSpPr>
+          <p:cNvPr id="3" name="テキスト ボックス 2">
+            <a:extLst>
+              <a:ext uri="{FF2B5EF4-FFF2-40B4-BE49-F238E27FC236}">
+                <a16:creationId xmlns:a16="http://schemas.microsoft.com/office/drawing/2014/main" id="{E0734C7D-951B-B442-B1D9-63311CD723A3}"/>
+              </a:ext>
+            </a:extLst>
+          </p:cNvPr>
           <p:cNvSpPr txBox="1"/>
           <p:nvPr/>
         </p:nvSpPr>
         <p:spPr>
           <a:xfrm>
-            <a:off x="370551" y="1428868"/>
-            <a:ext cx="8315022" cy="3323987"/>
+            <a:off x="537029" y="827313"/>
+            <a:ext cx="7864022" cy="1477328"/>
           </a:xfrm>
           <a:prstGeom prst="rect">
             <a:avLst/>
@@ -5507,120 +7251,30 @@
           <a:lstStyle/>
           <a:p>
             <a:r>
-              <a:rPr lang="en-US" altLang="ja-JP" sz="1600" dirty="0"/>
-              <a:t>This section lists the keys and values used in </a:t>
-            </a:r>
-            <a:r>
-              <a:rPr lang="en-US" altLang="ja-JP" sz="1600" dirty="0" err="1"/>
-              <a:t>RunMakePES</a:t>
-            </a:r>
-            <a:r>
-              <a:rPr lang="en-US" altLang="ja-JP" sz="1600" dirty="0"/>
-              <a:t> program. They appear in </a:t>
-            </a:r>
-            <a:r>
-              <a:rPr lang="en-US" altLang="ja-JP" sz="1600" dirty="0" err="1"/>
-              <a:t>makePES.xml</a:t>
-            </a:r>
-            <a:r>
-              <a:rPr lang="en-US" altLang="ja-JP" sz="1600" dirty="0"/>
-              <a:t> in the form of, </a:t>
-            </a:r>
-          </a:p>
-          <a:p>
-            <a:endParaRPr kumimoji="1" lang="en-US" altLang="ja-JP" sz="1600" dirty="0" smtClean="0"/>
-          </a:p>
-          <a:p>
-            <a:pPr lvl="1"/>
-            <a:r>
-              <a:rPr lang="en-US" altLang="ja-JP" sz="1200" dirty="0">
-                <a:latin typeface="Courier" charset="0"/>
-                <a:ea typeface="Courier" charset="0"/>
-                <a:cs typeface="Courier" charset="0"/>
-              </a:rPr>
-              <a:t>&lt;entry key=‘‘key’’&gt; key value &lt;/entry&gt; </a:t>
-            </a:r>
-          </a:p>
-          <a:p>
-            <a:endParaRPr kumimoji="1" lang="en-US" altLang="ja-JP" sz="1600" dirty="0" smtClean="0"/>
-          </a:p>
-          <a:p>
-            <a:r>
-              <a:rPr lang="en-US" altLang="ja-JP" sz="1600" dirty="0"/>
-              <a:t>The keys in red indicate that they are mandatory. The values are case insensitive except when it is noted. </a:t>
-            </a:r>
-          </a:p>
-          <a:p>
-            <a:endParaRPr lang="en-US" altLang="ja-JP" sz="1600" dirty="0" smtClean="0"/>
-          </a:p>
-          <a:p>
-            <a:r>
-              <a:rPr lang="en-US" altLang="ja-JP" sz="1600" dirty="0" smtClean="0"/>
-              <a:t>In </a:t>
-            </a:r>
-            <a:r>
-              <a:rPr lang="en-US" altLang="ja-JP" sz="1600" dirty="0"/>
-              <a:t>the following, the keys are divided into four sections. General Keys (Sec. 1.1) are common input for all types of run, while those in QFF Keys (Sec. 1.2), Grid Keys (Sec. 1.3), and Hybrid Keys (Sec. 1.4) are relevant input parameters for generating the QFF, grid potential, and hybrid potential, respectively. </a:t>
-            </a:r>
-          </a:p>
-          <a:p>
-            <a:endParaRPr kumimoji="1" lang="en-US" altLang="ja-JP" sz="1600" dirty="0"/>
-          </a:p>
-        </p:txBody>
-      </p:sp>
-      <p:sp>
-        <p:nvSpPr>
-          <p:cNvPr id="5" name="テキスト ボックス 4"/>
-          <p:cNvSpPr txBox="1"/>
-          <p:nvPr/>
-        </p:nvSpPr>
-        <p:spPr>
-          <a:xfrm>
-            <a:off x="391885" y="914403"/>
-            <a:ext cx="3492495" cy="461665"/>
-          </a:xfrm>
-          <a:prstGeom prst="rect">
-            <a:avLst/>
-          </a:prstGeom>
-          <a:noFill/>
-        </p:spPr>
-        <p:txBody>
-          <a:bodyPr wrap="none" rtlCol="0">
-            <a:spAutoFit/>
-          </a:bodyPr>
-          <a:lstStyle/>
-          <a:p>
-            <a:r>
-              <a:rPr kumimoji="1" lang="en-US" altLang="ja-JP" sz="2400" u="sng" dirty="0" smtClean="0"/>
-              <a:t>1.1. </a:t>
-            </a:r>
-            <a:r>
-              <a:rPr lang="en-US" altLang="ja-JP" sz="2400" u="sng" dirty="0" smtClean="0"/>
-              <a:t>Preparing an input file</a:t>
-            </a:r>
-            <a:endParaRPr kumimoji="1" lang="ja-JP" altLang="en-US" sz="2400" u="sng" dirty="0"/>
-          </a:p>
-        </p:txBody>
-      </p:sp>
-      <p:sp>
-        <p:nvSpPr>
-          <p:cNvPr id="3" name="スライド番号プレースホルダー 2"/>
-          <p:cNvSpPr>
-            <a:spLocks noGrp="1"/>
-          </p:cNvSpPr>
-          <p:nvPr>
-            <p:ph type="sldNum" sz="quarter" idx="12"/>
-          </p:nvPr>
-        </p:nvSpPr>
-        <p:spPr/>
-        <p:txBody>
-          <a:bodyPr/>
-          <a:lstStyle/>
-          <a:p>
-            <a:fld id="{7D34BB6B-1E1A-9541-9560-488905BF54FF}" type="slidenum">
-              <a:rPr kumimoji="1" lang="ja-JP" altLang="en-US" smtClean="0"/>
-              <a:t>3</a:t>
-            </a:fld>
+              <a:rPr kumimoji="1" lang="en-US" altLang="ja-JP" dirty="0"/>
+              <a:t>NOTE</a:t>
+            </a:r>
+          </a:p>
+          <a:p>
+            <a:endParaRPr lang="en-US" altLang="ja-JP" dirty="0"/>
+          </a:p>
+          <a:p>
+            <a:r>
+              <a:rPr kumimoji="1" lang="en-US" altLang="ja-JP" dirty="0" err="1"/>
+              <a:t>MakePES</a:t>
+            </a:r>
+            <a:r>
+              <a:rPr kumimoji="1" lang="en-US" altLang="ja-JP" dirty="0"/>
+              <a:t> is a command line </a:t>
+            </a:r>
+            <a:r>
+              <a:rPr lang="en-US" altLang="ja-JP" dirty="0"/>
+              <a:t>based program. </a:t>
+            </a:r>
+            <a:r>
+              <a:rPr kumimoji="1" lang="en-US" altLang="ja-JP" dirty="0"/>
+              <a:t>This manual assumes that you are familiar with the commands in UNIX, and that you are working on Bourne Shell (bash).</a:t>
+            </a:r>
             <a:endParaRPr kumimoji="1" lang="ja-JP" altLang="en-US"/>
           </a:p>
         </p:txBody>
@@ -5628,7 +7282,7 @@
     </p:spTree>
     <p:extLst>
       <p:ext uri="{BB962C8B-B14F-4D97-AF65-F5344CB8AC3E}">
-        <p14:creationId xmlns:p14="http://schemas.microsoft.com/office/powerpoint/2010/main" val="112085760"/>
+        <p14:creationId xmlns:p14="http://schemas.microsoft.com/office/powerpoint/2010/main" val="211308346"/>
       </p:ext>
     </p:extLst>
   </p:cSld>
@@ -5657,12 +7311,18 @@
       </p:grpSpPr>
       <p:sp>
         <p:nvSpPr>
-          <p:cNvPr id="35841" name="タイトル 2"/>
+          <p:cNvPr id="3" name="スライド番号プレースホルダー 2">
+            <a:extLst>
+              <a:ext uri="{FF2B5EF4-FFF2-40B4-BE49-F238E27FC236}">
+                <a16:creationId xmlns:a16="http://schemas.microsoft.com/office/drawing/2014/main" id="{0D20C032-4C8C-8840-AC98-08743B6AF86B}"/>
+              </a:ext>
+            </a:extLst>
+          </p:cNvPr>
           <p:cNvSpPr>
             <a:spLocks noGrp="1"/>
           </p:cNvSpPr>
           <p:nvPr>
-            <p:ph type="title"/>
+            <p:ph type="sldNum" sz="quarter" idx="12"/>
           </p:nvPr>
         </p:nvSpPr>
         <p:spPr/>
@@ -5670,34 +7330,30 @@
           <a:bodyPr/>
           <a:lstStyle/>
           <a:p>
-            <a:r>
-              <a:rPr lang="en-US" altLang="ja-JP" dirty="0">
-                <a:cs typeface="メイリオ" charset="-128"/>
-              </a:rPr>
-              <a:t>List of all </a:t>
-            </a:r>
-            <a:r>
-              <a:rPr lang="en-US" altLang="ja-JP" dirty="0" smtClean="0">
-                <a:cs typeface="メイリオ" charset="-128"/>
-              </a:rPr>
-              <a:t>keys</a:t>
-            </a:r>
-            <a:endParaRPr lang="ja-JP" altLang="en-US" dirty="0">
-              <a:cs typeface="メイリオ" charset="-128"/>
-            </a:endParaRPr>
-          </a:p>
-        </p:txBody>
-      </p:sp>
-      <p:sp>
-        <p:nvSpPr>
-          <p:cNvPr id="4" name="テキスト ボックス 3"/>
+            <a:fld id="{7D34BB6B-1E1A-9541-9560-488905BF54FF}" type="slidenum">
+              <a:rPr kumimoji="1" lang="ja-JP" altLang="en-US" smtClean="0"/>
+              <a:t>4</a:t>
+            </a:fld>
+            <a:endParaRPr kumimoji="1" lang="ja-JP" altLang="en-US"/>
+          </a:p>
+        </p:txBody>
+      </p:sp>
+      <p:sp>
+        <p:nvSpPr>
+          <p:cNvPr id="5" name="テキスト ボックス 4">
+            <a:extLst>
+              <a:ext uri="{FF2B5EF4-FFF2-40B4-BE49-F238E27FC236}">
+                <a16:creationId xmlns:a16="http://schemas.microsoft.com/office/drawing/2014/main" id="{81FF278B-9D17-B948-A408-B4EA796EEA69}"/>
+              </a:ext>
+            </a:extLst>
+          </p:cNvPr>
           <p:cNvSpPr txBox="1"/>
           <p:nvPr/>
         </p:nvSpPr>
         <p:spPr>
           <a:xfrm>
-            <a:off x="914401" y="887135"/>
-            <a:ext cx="7827665" cy="5970865"/>
+            <a:off x="391885" y="328616"/>
+            <a:ext cx="2245487" cy="461665"/>
           </a:xfrm>
           <a:prstGeom prst="rect">
             <a:avLst/>
@@ -5705,187 +7361,127 @@
           <a:noFill/>
         </p:spPr>
         <p:txBody>
-          <a:bodyPr wrap="square">
+          <a:bodyPr wrap="none" rtlCol="0">
             <a:spAutoFit/>
           </a:bodyPr>
           <a:lstStyle/>
           <a:p>
-            <a:pPr>
-              <a:defRPr/>
-            </a:pPr>
-            <a:r>
-              <a:rPr lang="en-US" altLang="ja-JP" sz="1800" dirty="0" smtClean="0">
-                <a:latin typeface="+mn-lt"/>
+            <a:r>
+              <a:rPr kumimoji="1" lang="en-US" altLang="ja-JP" sz="2400" u="sng" dirty="0"/>
+              <a:t>1. </a:t>
+            </a:r>
+            <a:r>
+              <a:rPr lang="en-US" altLang="ja-JP" sz="2400" u="sng" dirty="0"/>
+              <a:t>Basic example</a:t>
+            </a:r>
+            <a:endParaRPr kumimoji="1" lang="ja-JP" altLang="en-US" sz="2400" u="sng" dirty="0"/>
+          </a:p>
+        </p:txBody>
+      </p:sp>
+      <p:sp>
+        <p:nvSpPr>
+          <p:cNvPr id="6" name="テキスト ボックス 5">
+            <a:extLst>
+              <a:ext uri="{FF2B5EF4-FFF2-40B4-BE49-F238E27FC236}">
+                <a16:creationId xmlns:a16="http://schemas.microsoft.com/office/drawing/2014/main" id="{0C39865C-CA7F-D54E-9A4C-A9E64AB9D05C}"/>
+              </a:ext>
+            </a:extLst>
+          </p:cNvPr>
+          <p:cNvSpPr txBox="1"/>
+          <p:nvPr/>
+        </p:nvSpPr>
+        <p:spPr>
+          <a:xfrm>
+            <a:off x="757239" y="909241"/>
+            <a:ext cx="6372224" cy="369332"/>
+          </a:xfrm>
+          <a:prstGeom prst="rect">
+            <a:avLst/>
+          </a:prstGeom>
+          <a:noFill/>
+        </p:spPr>
+        <p:txBody>
+          <a:bodyPr wrap="square" rtlCol="0">
+            <a:spAutoFit/>
+          </a:bodyPr>
+          <a:lstStyle/>
+          <a:p>
+            <a:r>
+              <a:rPr kumimoji="1" lang="en-US" altLang="ja-JP" dirty="0"/>
+              <a:t>Proceed to 1.basic and find input files,</a:t>
+            </a:r>
+            <a:endParaRPr kumimoji="1" lang="ja-JP" altLang="en-US"/>
+          </a:p>
+        </p:txBody>
+      </p:sp>
+      <p:sp>
+        <p:nvSpPr>
+          <p:cNvPr id="7" name="テキスト ボックス 6">
+            <a:extLst>
+              <a:ext uri="{FF2B5EF4-FFF2-40B4-BE49-F238E27FC236}">
+                <a16:creationId xmlns:a16="http://schemas.microsoft.com/office/drawing/2014/main" id="{6D580501-43B7-4C4A-A132-55236A37F62C}"/>
+              </a:ext>
+            </a:extLst>
+          </p:cNvPr>
+          <p:cNvSpPr txBox="1"/>
+          <p:nvPr/>
+        </p:nvSpPr>
+        <p:spPr>
+          <a:xfrm>
+            <a:off x="1300789" y="1413297"/>
+            <a:ext cx="7250703" cy="646331"/>
+          </a:xfrm>
+          <a:prstGeom prst="rect">
+            <a:avLst/>
+          </a:prstGeom>
+          <a:noFill/>
+          <a:ln>
+            <a:solidFill>
+              <a:srgbClr val="00B050"/>
+            </a:solidFill>
+          </a:ln>
+        </p:spPr>
+        <p:txBody>
+          <a:bodyPr wrap="none" rtlCol="0">
+            <a:spAutoFit/>
+          </a:bodyPr>
+          <a:lstStyle/>
+          <a:p>
+            <a:r>
+              <a:rPr kumimoji="1" lang="en-US" altLang="ja-JP" sz="1200" dirty="0">
+                <a:latin typeface="Courier" charset="0"/>
+                <a:ea typeface="Courier" charset="0"/>
+                <a:cs typeface="Courier" charset="0"/>
               </a:rPr>
-              <a:t>General keys</a:t>
-            </a:r>
-          </a:p>
-          <a:p>
-            <a:pPr>
-              <a:defRPr/>
-            </a:pPr>
-            <a:endParaRPr lang="en-US" altLang="ja-JP" sz="1800" dirty="0">
-              <a:latin typeface="+mn-lt"/>
-            </a:endParaRPr>
-          </a:p>
-          <a:p>
-            <a:pPr marL="285750" indent="-285750">
-              <a:buFont typeface="Arial" charset="0"/>
-              <a:buChar char="•"/>
-              <a:defRPr/>
-            </a:pPr>
-            <a:r>
-              <a:rPr lang="en-US" altLang="ja-JP" sz="1400" dirty="0" err="1" smtClean="0"/>
-              <a:t>runtype</a:t>
-            </a:r>
-            <a:r>
-              <a:rPr lang="en-US" altLang="ja-JP" sz="1400" dirty="0" smtClean="0"/>
-              <a:t>: QFF/GRID/HYBRID</a:t>
-            </a:r>
-            <a:endParaRPr lang="en-US" altLang="ja-JP" sz="1400" dirty="0"/>
-          </a:p>
-          <a:p>
-            <a:pPr lvl="1">
-              <a:defRPr/>
-            </a:pPr>
-            <a:r>
-              <a:rPr lang="en-US" altLang="ja-JP" sz="1400" dirty="0"/>
-              <a:t>The type of run. One of the following must be specified. </a:t>
-            </a:r>
-            <a:endParaRPr lang="en-US" altLang="ja-JP" sz="1400" dirty="0" smtClean="0"/>
-          </a:p>
-          <a:p>
-            <a:pPr lvl="2">
-              <a:defRPr/>
-            </a:pPr>
-            <a:endParaRPr lang="en-US" altLang="ja-JP" sz="1400" dirty="0"/>
-          </a:p>
-          <a:p>
-            <a:pPr marL="285750" indent="-285750">
-              <a:buFont typeface="Arial" charset="0"/>
-              <a:buChar char="•"/>
-              <a:defRPr/>
-            </a:pPr>
-            <a:r>
-              <a:rPr lang="en-US" altLang="ja-JP" sz="1400" dirty="0" smtClean="0"/>
-              <a:t>molecule:  file name</a:t>
-            </a:r>
-            <a:endParaRPr lang="en-US" altLang="ja-JP" sz="1400" dirty="0"/>
-          </a:p>
-          <a:p>
-            <a:pPr lvl="1">
-              <a:defRPr/>
-            </a:pPr>
-            <a:r>
-              <a:rPr lang="en-US" altLang="ja-JP" sz="1400" dirty="0"/>
-              <a:t>The name of </a:t>
-            </a:r>
-            <a:r>
-              <a:rPr lang="en-US" altLang="ja-JP" sz="1400" dirty="0" err="1"/>
-              <a:t>minfo</a:t>
-            </a:r>
-            <a:r>
-              <a:rPr lang="en-US" altLang="ja-JP" sz="1400" dirty="0"/>
-              <a:t> file containing the vibrational data. The value is </a:t>
-            </a:r>
-            <a:r>
-              <a:rPr lang="en-US" altLang="ja-JP" sz="1400" u="sng" dirty="0"/>
-              <a:t>case sensitive</a:t>
-            </a:r>
-            <a:r>
-              <a:rPr lang="en-US" altLang="ja-JP" sz="1400" dirty="0"/>
-              <a:t>. </a:t>
-            </a:r>
-            <a:r>
-              <a:rPr lang="en-US" altLang="ja-JP" sz="1400" dirty="0" smtClean="0"/>
-              <a:t> </a:t>
-            </a:r>
-          </a:p>
-          <a:p>
-            <a:pPr lvl="2">
-              <a:defRPr/>
-            </a:pPr>
-            <a:endParaRPr lang="en-US" altLang="ja-JP" sz="1400" dirty="0"/>
-          </a:p>
-          <a:p>
-            <a:pPr marL="285750" indent="-285750">
-              <a:buFont typeface="Arial" charset="0"/>
-              <a:buChar char="•"/>
-              <a:defRPr/>
-            </a:pPr>
-            <a:r>
-              <a:rPr lang="en-US" altLang="ja-JP" sz="1400" dirty="0" smtClean="0"/>
-              <a:t>MR:  1/2/3</a:t>
-            </a:r>
-            <a:endParaRPr lang="en-US" altLang="ja-JP" sz="1400" dirty="0"/>
-          </a:p>
-          <a:p>
-            <a:pPr lvl="1">
-              <a:defRPr/>
-            </a:pPr>
-            <a:r>
-              <a:rPr lang="en-US" altLang="ja-JP" sz="1400" dirty="0"/>
-              <a:t>The order of mode coupling expansion. Can take 1, 2, or 3. (default = 3) </a:t>
-            </a:r>
-            <a:endParaRPr lang="en-US" altLang="ja-JP" sz="1400" dirty="0" smtClean="0"/>
-          </a:p>
-          <a:p>
-            <a:pPr lvl="2">
-              <a:defRPr/>
-            </a:pPr>
-            <a:endParaRPr lang="en-US" altLang="ja-JP" sz="1400" dirty="0" smtClean="0"/>
-          </a:p>
-          <a:p>
-            <a:pPr marL="285750" indent="-285750">
-              <a:buFont typeface="Arial" charset="0"/>
-              <a:buChar char="•"/>
-              <a:defRPr/>
-            </a:pPr>
-            <a:r>
-              <a:rPr lang="en-US" altLang="ja-JP" sz="1400" dirty="0" err="1" smtClean="0"/>
-              <a:t>activemode</a:t>
-            </a:r>
-            <a:r>
-              <a:rPr lang="en-US" altLang="ja-JP" sz="1400" dirty="0" smtClean="0"/>
-              <a:t>:  string of mode index</a:t>
-            </a:r>
-            <a:endParaRPr lang="en-US" altLang="ja-JP" sz="1400" dirty="0"/>
-          </a:p>
-          <a:p>
-            <a:pPr lvl="1">
-              <a:defRPr/>
-            </a:pPr>
-            <a:r>
-              <a:rPr lang="en-US" altLang="ja-JP" sz="1400" dirty="0"/>
-              <a:t>Specifies active modes for PES generation. All modes are active by default. The mode numbers should be separated by </a:t>
-            </a:r>
-            <a:r>
-              <a:rPr lang="en-US" altLang="ja-JP" sz="1400" dirty="0" err="1"/>
-              <a:t>camma</a:t>
-            </a:r>
-            <a:r>
-              <a:rPr lang="en-US" altLang="ja-JP" sz="1400" dirty="0"/>
-              <a:t> or space. A hyphen can be used for a sequence of mode number. For example, </a:t>
-            </a:r>
-            <a:endParaRPr lang="en-US" altLang="ja-JP" sz="1400" dirty="0" smtClean="0"/>
-          </a:p>
-          <a:p>
-            <a:pPr lvl="1">
-              <a:defRPr/>
-            </a:pPr>
-            <a:endParaRPr lang="en-US" altLang="ja-JP" sz="1400" dirty="0"/>
-          </a:p>
-          <a:p>
-            <a:pPr lvl="2">
-              <a:defRPr/>
-            </a:pPr>
+              <a:t>&gt; cd 1.basic</a:t>
+            </a:r>
+          </a:p>
+          <a:p>
+            <a:r>
+              <a:rPr kumimoji="1" lang="en-US" altLang="ja-JP" sz="1200" dirty="0">
+                <a:latin typeface="Courier" charset="0"/>
+                <a:ea typeface="Courier" charset="0"/>
+                <a:cs typeface="Courier" charset="0"/>
+              </a:rPr>
+              <a:t>&gt; ls</a:t>
+            </a:r>
+          </a:p>
+          <a:p>
+            <a:r>
+              <a:rPr lang="en-US" altLang="ja-JP" sz="1200" dirty="0" err="1">
+                <a:latin typeface="Courier" charset="0"/>
+                <a:ea typeface="Courier" charset="0"/>
+                <a:cs typeface="Courier" charset="0"/>
+              </a:rPr>
+              <a:t>GaussianTemplate</a:t>
+            </a:r>
             <a:r>
               <a:rPr lang="en-US" altLang="ja-JP" sz="1200" dirty="0">
                 <a:latin typeface="Courier" charset="0"/>
                 <a:ea typeface="Courier" charset="0"/>
                 <a:cs typeface="Courier" charset="0"/>
               </a:rPr>
-              <a:t>&lt;entry key="</a:t>
+              <a:t>   h2co-b3lyp-dz.minfo   </a:t>
             </a:r>
             <a:r>
               <a:rPr lang="en-US" altLang="ja-JP" sz="1200" dirty="0" err="1">
@@ -5893,7 +7489,7 @@
                 <a:ea typeface="Courier" charset="0"/>
                 <a:cs typeface="Courier" charset="0"/>
               </a:rPr>
-              <a:t>activemode</a:t>
+              <a:t>makePES.xml</a:t>
             </a:r>
             <a:r>
               <a:rPr lang="en-US" altLang="ja-JP" sz="1200" dirty="0">
@@ -5901,50 +7497,7 @@
                 <a:ea typeface="Courier" charset="0"/>
                 <a:cs typeface="Courier" charset="0"/>
               </a:rPr>
-              <a:t>"&gt; 1,2,3,5 &lt;/entry&gt; </a:t>
-            </a:r>
-          </a:p>
-          <a:p>
-            <a:pPr lvl="1">
-              <a:defRPr/>
-            </a:pPr>
-            <a:endParaRPr lang="en-US" altLang="ja-JP" sz="1400" dirty="0" smtClean="0"/>
-          </a:p>
-          <a:p>
-            <a:pPr lvl="1">
-              <a:defRPr/>
-            </a:pPr>
-            <a:r>
-              <a:rPr lang="en-US" altLang="ja-JP" sz="1400" dirty="0"/>
-              <a:t>is </a:t>
-            </a:r>
-            <a:r>
-              <a:rPr lang="en-US" altLang="ja-JP" sz="1400" dirty="0" err="1"/>
-              <a:t>equivalnet</a:t>
-            </a:r>
-            <a:r>
-              <a:rPr lang="en-US" altLang="ja-JP" sz="1400" dirty="0"/>
-              <a:t> to, </a:t>
-            </a:r>
-            <a:endParaRPr lang="en-US" altLang="ja-JP" sz="1400" dirty="0" smtClean="0"/>
-          </a:p>
-          <a:p>
-            <a:pPr lvl="1">
-              <a:defRPr/>
-            </a:pPr>
-            <a:endParaRPr lang="en-US" altLang="ja-JP" sz="1400" dirty="0"/>
-          </a:p>
-          <a:p>
-            <a:pPr lvl="2">
-              <a:defRPr/>
-            </a:pPr>
-            <a:r>
-              <a:rPr lang="en-US" altLang="ja-JP" sz="1200" dirty="0">
-                <a:latin typeface="Courier" charset="0"/>
-                <a:ea typeface="Courier" charset="0"/>
-                <a:cs typeface="Courier" charset="0"/>
-              </a:rPr>
-              <a:t>&lt;entry key="</a:t>
+              <a:t>   ref/   </a:t>
             </a:r>
             <a:r>
               <a:rPr lang="en-US" altLang="ja-JP" sz="1200" dirty="0" err="1">
@@ -5952,134 +7505,156 @@
                 <a:ea typeface="Courier" charset="0"/>
                 <a:cs typeface="Courier" charset="0"/>
               </a:rPr>
-              <a:t>activemode</a:t>
-            </a:r>
-            <a:r>
-              <a:rPr lang="en-US" altLang="ja-JP" sz="1200" dirty="0">
-                <a:latin typeface="Courier" charset="0"/>
-                <a:ea typeface="Courier" charset="0"/>
-                <a:cs typeface="Courier" charset="0"/>
-              </a:rPr>
-              <a:t>"&gt; 1-3 5 &lt;/entry&gt; </a:t>
-            </a:r>
-            <a:endParaRPr lang="en-US" altLang="ja-JP" sz="1200" dirty="0" smtClean="0">
+              <a:t>resources.info</a:t>
+            </a:r>
+            <a:endParaRPr kumimoji="1" lang="en-US" altLang="ja-JP" sz="1200" dirty="0">
               <a:latin typeface="Courier" charset="0"/>
               <a:ea typeface="Courier" charset="0"/>
               <a:cs typeface="Courier" charset="0"/>
             </a:endParaRPr>
           </a:p>
-          <a:p>
-            <a:pPr lvl="1">
-              <a:defRPr/>
-            </a:pPr>
-            <a:endParaRPr lang="en-US" altLang="ja-JP" sz="1400" dirty="0"/>
-          </a:p>
-          <a:p>
-            <a:pPr lvl="1">
-              <a:defRPr/>
-            </a:pPr>
-            <a:r>
-              <a:rPr lang="en-US" altLang="ja-JP" sz="1400" dirty="0" smtClean="0"/>
-              <a:t>which </a:t>
-            </a:r>
-            <a:r>
-              <a:rPr lang="en-US" altLang="ja-JP" sz="1400" dirty="0"/>
-              <a:t>means Q</a:t>
-            </a:r>
-            <a:r>
-              <a:rPr lang="en-US" altLang="ja-JP" sz="1400" baseline="-25000" dirty="0"/>
-              <a:t>1</a:t>
-            </a:r>
-            <a:r>
-              <a:rPr lang="en-US" altLang="ja-JP" sz="1400" dirty="0"/>
-              <a:t>,Q</a:t>
-            </a:r>
-            <a:r>
-              <a:rPr lang="en-US" altLang="ja-JP" sz="1400" baseline="-25000" dirty="0"/>
-              <a:t>2</a:t>
-            </a:r>
-            <a:r>
-              <a:rPr lang="en-US" altLang="ja-JP" sz="1400" dirty="0"/>
-              <a:t>,Q</a:t>
-            </a:r>
-            <a:r>
-              <a:rPr lang="en-US" altLang="ja-JP" sz="1400" baseline="-25000" dirty="0"/>
-              <a:t>3</a:t>
-            </a:r>
-            <a:r>
-              <a:rPr lang="en-US" altLang="ja-JP" sz="1400" dirty="0"/>
-              <a:t>, and Q</a:t>
-            </a:r>
-            <a:r>
-              <a:rPr lang="en-US" altLang="ja-JP" sz="1400" baseline="-25000" dirty="0"/>
-              <a:t>5</a:t>
-            </a:r>
-            <a:r>
-              <a:rPr lang="en-US" altLang="ja-JP" sz="1400" dirty="0"/>
-              <a:t> are active, and Q</a:t>
-            </a:r>
-            <a:r>
-              <a:rPr lang="en-US" altLang="ja-JP" sz="1400" baseline="-25000" dirty="0"/>
-              <a:t>4</a:t>
-            </a:r>
-            <a:r>
-              <a:rPr lang="en-US" altLang="ja-JP" sz="1400" dirty="0"/>
-              <a:t> isn’t. </a:t>
-            </a:r>
-          </a:p>
+        </p:txBody>
+      </p:sp>
+      <p:sp>
+        <p:nvSpPr>
+          <p:cNvPr id="8" name="テキスト ボックス 7">
+            <a:extLst>
+              <a:ext uri="{FF2B5EF4-FFF2-40B4-BE49-F238E27FC236}">
+                <a16:creationId xmlns:a16="http://schemas.microsoft.com/office/drawing/2014/main" id="{3F348E99-B600-814D-9414-12CE11B4B646}"/>
+              </a:ext>
+            </a:extLst>
+          </p:cNvPr>
+          <p:cNvSpPr txBox="1"/>
+          <p:nvPr/>
+        </p:nvSpPr>
+        <p:spPr>
+          <a:xfrm>
+            <a:off x="757238" y="2276872"/>
+            <a:ext cx="7372349" cy="923330"/>
+          </a:xfrm>
+          <a:prstGeom prst="rect">
+            <a:avLst/>
+          </a:prstGeom>
+          <a:noFill/>
+        </p:spPr>
+        <p:txBody>
+          <a:bodyPr wrap="square" rtlCol="0">
+            <a:spAutoFit/>
+          </a:bodyPr>
+          <a:lstStyle/>
           <a:p>
             <a:pPr marL="285750" indent="-285750">
-              <a:buFont typeface="Arial" charset="0"/>
+              <a:buFont typeface="Arial" panose="020B0604020202020204" pitchFamily="34" charset="0"/>
               <a:buChar char="•"/>
-              <a:defRPr/>
-            </a:pPr>
-            <a:endParaRPr lang="en-US" altLang="ja-JP" sz="1400" dirty="0" smtClean="0"/>
-          </a:p>
-          <a:p>
-            <a:pPr marL="285750" indent="-285750">
-              <a:buFont typeface="Arial" charset="0"/>
-              <a:buChar char="•"/>
-              <a:defRPr/>
-            </a:pPr>
-            <a:r>
-              <a:rPr lang="en-US" altLang="ja-JP" sz="1400" dirty="0" smtClean="0"/>
-              <a:t>dipole</a:t>
-            </a:r>
-            <a:r>
-              <a:rPr lang="en-US" altLang="ja-JP" sz="1400" dirty="0"/>
-              <a:t>: true/false</a:t>
-            </a:r>
-          </a:p>
-          <a:p>
-            <a:pPr lvl="1">
-              <a:defRPr/>
-            </a:pPr>
-            <a:r>
-              <a:rPr lang="en-US" altLang="ja-JP" sz="1400" dirty="0"/>
-              <a:t>Generates the dipole moment surface in addition to the PES, when true. (default = false)  </a:t>
-            </a:r>
-          </a:p>
-        </p:txBody>
-      </p:sp>
-      <p:sp>
-        <p:nvSpPr>
-          <p:cNvPr id="2" name="スライド番号プレースホルダー 1"/>
-          <p:cNvSpPr>
-            <a:spLocks noGrp="1"/>
-          </p:cNvSpPr>
-          <p:nvPr>
-            <p:ph type="sldNum" sz="quarter" idx="12"/>
-          </p:nvPr>
-        </p:nvSpPr>
-        <p:spPr/>
-        <p:txBody>
-          <a:bodyPr/>
-          <a:lstStyle/>
-          <a:p>
-            <a:fld id="{7D34BB6B-1E1A-9541-9560-488905BF54FF}" type="slidenum">
-              <a:rPr kumimoji="1" lang="ja-JP" altLang="en-US" smtClean="0"/>
-              <a:t>4</a:t>
-            </a:fld>
+            </a:pPr>
+            <a:r>
+              <a:rPr kumimoji="1" lang="en-US" altLang="ja-JP" dirty="0"/>
+              <a:t>h2co-b3lyp-dz.minfo</a:t>
+            </a:r>
+          </a:p>
+          <a:p>
+            <a:pPr lvl="1"/>
+            <a:r>
+              <a:rPr lang="en-US" altLang="ja-JP" dirty="0">
+                <a:ea typeface="メイリオ" charset="-128"/>
+                <a:cs typeface="ＭＳ Ｐゴシック" charset="-128"/>
+              </a:rPr>
+              <a:t>Includes the equilibrium geometry, harmonic frequencies, and vibrational displacement vectors.</a:t>
+            </a:r>
+            <a:r>
+              <a:rPr lang="ja-JP" altLang="en-US">
+                <a:ea typeface="メイリオ" charset="-128"/>
+                <a:cs typeface="ＭＳ Ｐゴシック" charset="-128"/>
+              </a:rPr>
+              <a:t> </a:t>
+            </a:r>
+            <a:r>
+              <a:rPr lang="en-US" altLang="ja-JP" dirty="0">
+                <a:ea typeface="メイリオ" charset="-128"/>
+                <a:cs typeface="ＭＳ Ｐゴシック" charset="-128"/>
+              </a:rPr>
+              <a:t>They can be visualized by </a:t>
+            </a:r>
+            <a:r>
+              <a:rPr lang="en-US" altLang="ja-JP" dirty="0" err="1">
+                <a:solidFill>
+                  <a:srgbClr val="000000"/>
+                </a:solidFill>
+                <a:ea typeface="メイリオ" charset="-128"/>
+                <a:cs typeface="メイリオ" charset="-128"/>
+              </a:rPr>
+              <a:t>JSindo</a:t>
+            </a:r>
+            <a:r>
+              <a:rPr lang="en-US" altLang="ja-JP" dirty="0">
+                <a:solidFill>
+                  <a:srgbClr val="000000"/>
+                </a:solidFill>
+                <a:ea typeface="メイリオ" charset="-128"/>
+                <a:cs typeface="メイリオ" charset="-128"/>
+              </a:rPr>
+              <a:t>.</a:t>
+            </a:r>
+            <a:endParaRPr kumimoji="1" lang="ja-JP" altLang="en-US"/>
+          </a:p>
+        </p:txBody>
+      </p:sp>
+      <p:sp>
+        <p:nvSpPr>
+          <p:cNvPr id="2" name="テキスト ボックス 1">
+            <a:extLst>
+              <a:ext uri="{FF2B5EF4-FFF2-40B4-BE49-F238E27FC236}">
+                <a16:creationId xmlns:a16="http://schemas.microsoft.com/office/drawing/2014/main" id="{4DAC536A-B389-A042-BC2F-E054BF5263F0}"/>
+              </a:ext>
+            </a:extLst>
+          </p:cNvPr>
+          <p:cNvSpPr txBox="1"/>
+          <p:nvPr/>
+        </p:nvSpPr>
+        <p:spPr>
+          <a:xfrm>
+            <a:off x="714375" y="4900613"/>
+            <a:ext cx="5863785" cy="369332"/>
+          </a:xfrm>
+          <a:prstGeom prst="rect">
+            <a:avLst/>
+          </a:prstGeom>
+          <a:noFill/>
+        </p:spPr>
+        <p:txBody>
+          <a:bodyPr wrap="none" rtlCol="0">
+            <a:spAutoFit/>
+          </a:bodyPr>
+          <a:lstStyle/>
+          <a:p>
+            <a:r>
+              <a:rPr lang="en-US" altLang="ja-JP" dirty="0"/>
+              <a:t>java -</a:t>
+            </a:r>
+            <a:r>
+              <a:rPr lang="en-US" altLang="ja-JP" dirty="0" err="1"/>
+              <a:t>cp</a:t>
+            </a:r>
+            <a:r>
+              <a:rPr lang="en-US" altLang="ja-JP" dirty="0"/>
+              <a:t> "/Users/</a:t>
+            </a:r>
+            <a:r>
+              <a:rPr lang="en-US" altLang="ja-JP" dirty="0" err="1"/>
+              <a:t>kyagi</a:t>
+            </a:r>
+            <a:r>
+              <a:rPr lang="en-US" altLang="ja-JP" dirty="0"/>
+              <a:t>/</a:t>
+            </a:r>
+            <a:r>
+              <a:rPr lang="en-US" altLang="ja-JP" dirty="0" err="1"/>
+              <a:t>tmp</a:t>
+            </a:r>
+            <a:r>
+              <a:rPr lang="en-US" altLang="ja-JP" dirty="0"/>
+              <a:t>/jar/*" Fchk2Minfo h2co-b3lyp-dz</a:t>
+            </a:r>
             <a:endParaRPr kumimoji="1" lang="ja-JP" altLang="en-US"/>
           </a:p>
         </p:txBody>
@@ -6087,7 +7662,7 @@
     </p:spTree>
     <p:extLst>
       <p:ext uri="{BB962C8B-B14F-4D97-AF65-F5344CB8AC3E}">
-        <p14:creationId xmlns:p14="http://schemas.microsoft.com/office/powerpoint/2010/main" val="1274043496"/>
+        <p14:creationId xmlns:p14="http://schemas.microsoft.com/office/powerpoint/2010/main" val="2736796428"/>
       </p:ext>
     </p:extLst>
   </p:cSld>
@@ -6145,8 +7720,8 @@
         </p:nvSpPr>
         <p:spPr>
           <a:xfrm>
-            <a:off x="914401" y="137872"/>
-            <a:ext cx="7827665" cy="3323987"/>
+            <a:off x="1439333" y="4351868"/>
+            <a:ext cx="620426" cy="338554"/>
           </a:xfrm>
           <a:prstGeom prst="rect">
             <a:avLst/>
@@ -6154,226 +7729,332 @@
           <a:noFill/>
         </p:spPr>
         <p:txBody>
-          <a:bodyPr wrap="square">
+          <a:bodyPr wrap="none" rtlCol="0">
             <a:spAutoFit/>
           </a:bodyPr>
           <a:lstStyle/>
           <a:p>
-            <a:pPr marL="285750" indent="-285750">
-              <a:buFont typeface="Arial" charset="0"/>
-              <a:buChar char="•"/>
-              <a:defRPr/>
-            </a:pPr>
-            <a:r>
-              <a:rPr lang="en-US" altLang="ja-JP" sz="1400" dirty="0" err="1" smtClean="0"/>
-              <a:t>interdomain</a:t>
-            </a:r>
-            <a:r>
-              <a:rPr lang="en-US" altLang="ja-JP" sz="1400" dirty="0" smtClean="0"/>
-              <a:t>: none/harmonic/all</a:t>
-            </a:r>
-            <a:endParaRPr lang="en-US" altLang="ja-JP" sz="1400" dirty="0"/>
-          </a:p>
-          <a:p>
-            <a:pPr lvl="1">
-              <a:defRPr/>
-            </a:pPr>
-            <a:r>
-              <a:rPr lang="en-US" altLang="ja-JP" sz="1400" dirty="0" smtClean="0"/>
-              <a:t>controls the way inter-domain coupling is treated.</a:t>
-            </a:r>
-          </a:p>
-          <a:p>
-            <a:pPr lvl="1">
-              <a:defRPr/>
-            </a:pPr>
-            <a:endParaRPr lang="en-US" altLang="ja-JP" sz="1400" dirty="0"/>
-          </a:p>
-          <a:p>
-            <a:pPr lvl="1">
-              <a:defRPr/>
-            </a:pPr>
-            <a:r>
-              <a:rPr lang="en-US" altLang="ja-JP" sz="1400" dirty="0" smtClean="0"/>
-              <a:t>= none:  no coupling is included.</a:t>
-            </a:r>
-            <a:endParaRPr lang="en-US" altLang="ja-JP" sz="1400" dirty="0"/>
-          </a:p>
-          <a:p>
-            <a:pPr lvl="1">
-              <a:defRPr/>
-            </a:pPr>
-            <a:r>
-              <a:rPr lang="en-US" altLang="ja-JP" sz="1400" dirty="0" smtClean="0"/>
-              <a:t>= harmonic (default): harmonic coupling is included in QFF / no </a:t>
-            </a:r>
-            <a:r>
-              <a:rPr lang="en-US" altLang="ja-JP" sz="1400" dirty="0" err="1" smtClean="0"/>
-              <a:t>couping</a:t>
-            </a:r>
-            <a:r>
-              <a:rPr lang="en-US" altLang="ja-JP" sz="1400" dirty="0" smtClean="0"/>
-              <a:t> in grid PES.</a:t>
-            </a:r>
-          </a:p>
-          <a:p>
-            <a:pPr lvl="1">
-              <a:defRPr/>
-            </a:pPr>
-            <a:r>
-              <a:rPr lang="en-US" altLang="ja-JP" sz="1400" dirty="0" smtClean="0"/>
-              <a:t>= all: all couplings are included</a:t>
-            </a:r>
-            <a:endParaRPr lang="en-US" altLang="ja-JP" sz="1400" dirty="0"/>
-          </a:p>
-          <a:p>
-            <a:pPr lvl="1">
-              <a:defRPr/>
-            </a:pPr>
-            <a:endParaRPr lang="en-US" altLang="ja-JP" sz="1400" dirty="0" smtClean="0"/>
-          </a:p>
-          <a:p>
-            <a:pPr lvl="1">
-              <a:defRPr/>
-            </a:pPr>
-            <a:r>
-              <a:rPr lang="en-US" altLang="ja-JP" sz="1400" dirty="0" smtClean="0"/>
-              <a:t>QFF</a:t>
-            </a:r>
-            <a:r>
-              <a:rPr lang="ja-JP" altLang="en-US" sz="1400" dirty="0" smtClean="0"/>
-              <a:t>計算では、実行された量子化学計算の情報から、</a:t>
-            </a:r>
-            <a:r>
-              <a:rPr lang="en-US" altLang="ja-JP" sz="1400" dirty="0" smtClean="0"/>
-              <a:t>Gradient</a:t>
-            </a:r>
-            <a:r>
-              <a:rPr lang="ja-JP" altLang="en-US" sz="1400" dirty="0"/>
-              <a:t>で数値微分の</a:t>
-            </a:r>
-            <a:r>
-              <a:rPr lang="ja-JP" altLang="en-US" sz="1400" dirty="0" smtClean="0"/>
-              <a:t>場合は</a:t>
-            </a:r>
-            <a:r>
-              <a:rPr lang="en-US" altLang="ja-JP" sz="1400" dirty="0" err="1" smtClean="0"/>
-              <a:t>tiij</a:t>
-            </a:r>
-            <a:r>
-              <a:rPr lang="en-US" altLang="ja-JP" sz="1400" dirty="0" smtClean="0"/>
-              <a:t>, </a:t>
-            </a:r>
-            <a:r>
-              <a:rPr lang="en-US" altLang="ja-JP" sz="1400" dirty="0" err="1" smtClean="0"/>
-              <a:t>uiiij</a:t>
-            </a:r>
-            <a:r>
-              <a:rPr lang="ja-JP" altLang="en-US" sz="1400" dirty="0" smtClean="0"/>
-              <a:t>、</a:t>
-            </a:r>
-            <a:r>
-              <a:rPr lang="en-US" altLang="ja-JP" sz="1400" dirty="0" smtClean="0"/>
-              <a:t>Hessian</a:t>
-            </a:r>
-            <a:r>
-              <a:rPr lang="ja-JP" altLang="en-US" sz="1400" dirty="0" smtClean="0"/>
-              <a:t>で数値微分の場合は</a:t>
-            </a:r>
-            <a:r>
-              <a:rPr lang="en-US" altLang="ja-JP" sz="1400" dirty="0" smtClean="0"/>
-              <a:t>3MR</a:t>
-            </a:r>
-            <a:r>
-              <a:rPr lang="ja-JP" altLang="en-US" sz="1400" dirty="0" smtClean="0"/>
-              <a:t>までドメイン間カップリングが計算可能だが、</a:t>
-            </a:r>
-            <a:r>
-              <a:rPr lang="en-US" altLang="ja-JP" sz="1400" dirty="0" err="1" smtClean="0"/>
-              <a:t>interdomain</a:t>
-            </a:r>
-            <a:r>
-              <a:rPr lang="en-US" altLang="ja-JP" sz="1400" dirty="0" smtClean="0"/>
-              <a:t> = none/harmonic</a:t>
-            </a:r>
-            <a:r>
-              <a:rPr lang="ja-JP" altLang="en-US" sz="1400" dirty="0" smtClean="0"/>
-              <a:t>ではこれらは出力されない。出力したい場合は、</a:t>
-            </a:r>
-            <a:r>
-              <a:rPr lang="en-US" altLang="ja-JP" sz="1400" dirty="0" err="1" smtClean="0"/>
-              <a:t>interdomain</a:t>
-            </a:r>
-            <a:r>
-              <a:rPr lang="en-US" altLang="ja-JP" sz="1400" dirty="0" smtClean="0"/>
-              <a:t>=all</a:t>
-            </a:r>
-            <a:r>
-              <a:rPr lang="ja-JP" altLang="en-US" sz="1400" dirty="0" smtClean="0"/>
-              <a:t>で再計算する。</a:t>
-            </a:r>
-            <a:endParaRPr lang="en-US" altLang="ja-JP" sz="1400" dirty="0" smtClean="0"/>
-          </a:p>
-          <a:p>
-            <a:pPr lvl="1">
-              <a:defRPr/>
-            </a:pPr>
-            <a:endParaRPr lang="en-US" altLang="ja-JP" sz="1400" dirty="0"/>
-          </a:p>
-          <a:p>
-            <a:pPr lvl="1">
-              <a:defRPr/>
-            </a:pPr>
-            <a:r>
-              <a:rPr lang="en-US" altLang="ja-JP" sz="1400" dirty="0" smtClean="0"/>
-              <a:t>Hessian</a:t>
-            </a:r>
-            <a:r>
-              <a:rPr lang="ja-JP" altLang="en-US" sz="1400" dirty="0" smtClean="0"/>
-              <a:t>の場合、</a:t>
-            </a:r>
-            <a:r>
-              <a:rPr lang="en-US" altLang="ja-JP" sz="1400" dirty="0" err="1" smtClean="0"/>
-              <a:t>minfo.files</a:t>
-            </a:r>
-            <a:r>
-              <a:rPr lang="ja-JP" altLang="en-US" sz="1400" dirty="0" smtClean="0"/>
-              <a:t>からデータを読み込めば、追加の量子化学計算なく</a:t>
-            </a:r>
-            <a:r>
-              <a:rPr lang="en-US" altLang="ja-JP" sz="1400" dirty="0" smtClean="0"/>
-              <a:t>3MR</a:t>
-            </a:r>
-            <a:r>
-              <a:rPr lang="ja-JP" altLang="en-US" sz="1400" dirty="0" smtClean="0"/>
-              <a:t>まで計算できため、実は計算負荷の軽減にはならない。</a:t>
-            </a:r>
-            <a:r>
-              <a:rPr lang="en-US" altLang="ja-JP" sz="1400" dirty="0" smtClean="0"/>
-              <a:t>4MR</a:t>
-            </a:r>
-            <a:r>
-              <a:rPr lang="ja-JP" altLang="en-US" sz="1400" dirty="0"/>
-              <a:t>は追加計算が</a:t>
-            </a:r>
-            <a:r>
-              <a:rPr lang="ja-JP" altLang="en-US" sz="1400" dirty="0" smtClean="0"/>
-              <a:t>必要となる。</a:t>
-            </a:r>
-            <a:endParaRPr lang="en-US" altLang="ja-JP" sz="1400" dirty="0" smtClean="0"/>
-          </a:p>
-          <a:p>
-            <a:pPr lvl="1">
-              <a:defRPr/>
-            </a:pPr>
-            <a:endParaRPr lang="en-US" altLang="ja-JP" sz="1400" dirty="0" smtClean="0"/>
+            <a:r>
+              <a:rPr kumimoji="1" lang="en-US" altLang="ja-JP" sz="1600" dirty="0"/>
+              <a:t>&lt;</a:t>
+            </a:r>
+            <a:r>
+              <a:rPr kumimoji="1" lang="en-US" altLang="ja-JP" sz="1600" dirty="0" err="1"/>
+              <a:t>qff</a:t>
+            </a:r>
+            <a:r>
+              <a:rPr kumimoji="1" lang="en-US" altLang="ja-JP" sz="1600" dirty="0"/>
+              <a:t>&gt;</a:t>
+            </a:r>
+            <a:endParaRPr kumimoji="1" lang="ja-JP" altLang="en-US" sz="1600" dirty="0"/>
+          </a:p>
+        </p:txBody>
+      </p:sp>
+      <p:sp>
+        <p:nvSpPr>
+          <p:cNvPr id="4" name="テキスト ボックス 3"/>
+          <p:cNvSpPr txBox="1"/>
+          <p:nvPr/>
+        </p:nvSpPr>
+        <p:spPr>
+          <a:xfrm>
+            <a:off x="1676400" y="812800"/>
+            <a:ext cx="4131580" cy="338554"/>
+          </a:xfrm>
+          <a:prstGeom prst="rect">
+            <a:avLst/>
+          </a:prstGeom>
+          <a:noFill/>
+        </p:spPr>
+        <p:txBody>
+          <a:bodyPr wrap="none" rtlCol="0">
+            <a:spAutoFit/>
+          </a:bodyPr>
+          <a:lstStyle/>
+          <a:p>
+            <a:r>
+              <a:rPr kumimoji="1" lang="en-US" altLang="ja-JP" sz="1600" dirty="0"/>
+              <a:t>key and value are case insensitive unless noted.</a:t>
+            </a:r>
+            <a:endParaRPr kumimoji="1" lang="ja-JP" altLang="en-US" sz="1600" dirty="0"/>
+          </a:p>
+        </p:txBody>
+      </p:sp>
+      <p:sp>
+        <p:nvSpPr>
+          <p:cNvPr id="5" name="テキスト ボックス 4"/>
+          <p:cNvSpPr txBox="1"/>
+          <p:nvPr/>
+        </p:nvSpPr>
+        <p:spPr>
+          <a:xfrm>
+            <a:off x="1049867" y="457200"/>
+            <a:ext cx="2053063" cy="338554"/>
+          </a:xfrm>
+          <a:prstGeom prst="rect">
+            <a:avLst/>
+          </a:prstGeom>
+          <a:noFill/>
+        </p:spPr>
+        <p:txBody>
+          <a:bodyPr wrap="none" rtlCol="0">
+            <a:spAutoFit/>
+          </a:bodyPr>
+          <a:lstStyle/>
+          <a:p>
+            <a:r>
+              <a:rPr kumimoji="1" lang="en-US" altLang="ja-JP" sz="1600" dirty="0"/>
+              <a:t>&lt;key  value=“value” /&gt;</a:t>
+            </a:r>
+            <a:endParaRPr kumimoji="1" lang="ja-JP" altLang="en-US" sz="1600" dirty="0"/>
+          </a:p>
+        </p:txBody>
+      </p:sp>
+      <p:sp>
+        <p:nvSpPr>
+          <p:cNvPr id="6" name="テキスト ボックス 5"/>
+          <p:cNvSpPr txBox="1"/>
+          <p:nvPr/>
+        </p:nvSpPr>
+        <p:spPr>
+          <a:xfrm>
+            <a:off x="1693334" y="2929467"/>
+            <a:ext cx="1142108" cy="338554"/>
+          </a:xfrm>
+          <a:prstGeom prst="rect">
+            <a:avLst/>
+          </a:prstGeom>
+          <a:noFill/>
+        </p:spPr>
+        <p:txBody>
+          <a:bodyPr wrap="none" rtlCol="0">
+            <a:spAutoFit/>
+          </a:bodyPr>
+          <a:lstStyle/>
+          <a:p>
+            <a:r>
+              <a:rPr kumimoji="1" lang="en-US" altLang="ja-JP" sz="1600" dirty="0"/>
+              <a:t>&lt;template&gt;</a:t>
+            </a:r>
+            <a:endParaRPr kumimoji="1" lang="ja-JP" altLang="en-US" sz="1600" dirty="0"/>
+          </a:p>
+        </p:txBody>
+      </p:sp>
+      <p:sp>
+        <p:nvSpPr>
+          <p:cNvPr id="7" name="テキスト ボックス 6"/>
+          <p:cNvSpPr txBox="1"/>
+          <p:nvPr/>
+        </p:nvSpPr>
+        <p:spPr>
+          <a:xfrm>
+            <a:off x="1964267" y="3183467"/>
+            <a:ext cx="2369559" cy="338554"/>
+          </a:xfrm>
+          <a:prstGeom prst="rect">
+            <a:avLst/>
+          </a:prstGeom>
+          <a:noFill/>
+        </p:spPr>
+        <p:txBody>
+          <a:bodyPr wrap="none" rtlCol="0">
+            <a:spAutoFit/>
+          </a:bodyPr>
+          <a:lstStyle/>
+          <a:p>
+            <a:r>
+              <a:rPr kumimoji="1" lang="en-US" altLang="ja-JP" sz="1600"/>
+              <a:t>xml: yes or no (default no)</a:t>
+            </a:r>
+            <a:endParaRPr kumimoji="1" lang="ja-JP" altLang="en-US" sz="1600" dirty="0"/>
+          </a:p>
+        </p:txBody>
+      </p:sp>
+      <p:sp>
+        <p:nvSpPr>
+          <p:cNvPr id="8" name="テキスト ボックス 7"/>
+          <p:cNvSpPr txBox="1"/>
+          <p:nvPr/>
+        </p:nvSpPr>
+        <p:spPr>
+          <a:xfrm>
+            <a:off x="1337734" y="2099733"/>
+            <a:ext cx="957313" cy="338554"/>
+          </a:xfrm>
+          <a:prstGeom prst="rect">
+            <a:avLst/>
+          </a:prstGeom>
+          <a:noFill/>
+        </p:spPr>
+        <p:txBody>
+          <a:bodyPr wrap="none" rtlCol="0">
+            <a:spAutoFit/>
+          </a:bodyPr>
+          <a:lstStyle/>
+          <a:p>
+            <a:r>
+              <a:rPr kumimoji="1" lang="en-US" altLang="ja-JP" sz="1600" dirty="0"/>
+              <a:t>&lt;</a:t>
+            </a:r>
+            <a:r>
+              <a:rPr kumimoji="1" lang="en-US" altLang="ja-JP" sz="1600" dirty="0" err="1"/>
+              <a:t>qchem</a:t>
+            </a:r>
+            <a:r>
+              <a:rPr kumimoji="1" lang="en-US" altLang="ja-JP" sz="1600" dirty="0"/>
+              <a:t>&gt;</a:t>
+            </a:r>
+            <a:endParaRPr kumimoji="1" lang="ja-JP" altLang="en-US" sz="1600" dirty="0"/>
+          </a:p>
+        </p:txBody>
+      </p:sp>
+      <p:sp>
+        <p:nvSpPr>
+          <p:cNvPr id="11" name="テキスト ボックス 10"/>
+          <p:cNvSpPr txBox="1"/>
+          <p:nvPr/>
+        </p:nvSpPr>
+        <p:spPr>
+          <a:xfrm>
+            <a:off x="1049867" y="1540934"/>
+            <a:ext cx="1139671" cy="338554"/>
+          </a:xfrm>
+          <a:prstGeom prst="rect">
+            <a:avLst/>
+          </a:prstGeom>
+          <a:noFill/>
+        </p:spPr>
+        <p:txBody>
+          <a:bodyPr wrap="none" rtlCol="0">
+            <a:spAutoFit/>
+          </a:bodyPr>
+          <a:lstStyle/>
+          <a:p>
+            <a:r>
+              <a:rPr kumimoji="1" lang="en-US" altLang="ja-JP" sz="1600" dirty="0"/>
+              <a:t>&lt;</a:t>
+            </a:r>
+            <a:r>
+              <a:rPr kumimoji="1" lang="en-US" altLang="ja-JP" sz="1600" dirty="0" err="1"/>
+              <a:t>makePES</a:t>
+            </a:r>
+            <a:r>
+              <a:rPr kumimoji="1" lang="en-US" altLang="ja-JP" sz="1600" dirty="0"/>
+              <a:t>&gt;</a:t>
+            </a:r>
+            <a:endParaRPr kumimoji="1" lang="ja-JP" altLang="en-US" sz="1600" dirty="0"/>
+          </a:p>
+        </p:txBody>
+      </p:sp>
+      <p:sp>
+        <p:nvSpPr>
+          <p:cNvPr id="13" name="テキスト ボックス 12"/>
+          <p:cNvSpPr txBox="1"/>
+          <p:nvPr/>
+        </p:nvSpPr>
+        <p:spPr>
+          <a:xfrm>
+            <a:off x="1676401" y="2370666"/>
+            <a:ext cx="5439887" cy="338554"/>
+          </a:xfrm>
+          <a:prstGeom prst="rect">
+            <a:avLst/>
+          </a:prstGeom>
+          <a:noFill/>
+        </p:spPr>
+        <p:txBody>
+          <a:bodyPr wrap="none" rtlCol="0">
+            <a:spAutoFit/>
+          </a:bodyPr>
+          <a:lstStyle/>
+          <a:p>
+            <a:r>
+              <a:rPr kumimoji="1" lang="en-US" altLang="ja-JP" sz="1600" dirty="0"/>
+              <a:t>id: ID of this </a:t>
+            </a:r>
+            <a:r>
+              <a:rPr kumimoji="1" lang="en-US" altLang="ja-JP" sz="1600" dirty="0" err="1"/>
+              <a:t>qchem</a:t>
+            </a:r>
+            <a:r>
+              <a:rPr kumimoji="1" lang="en-US" altLang="ja-JP" sz="1600" dirty="0"/>
+              <a:t> (default = the number it appears in the file)</a:t>
+            </a:r>
+          </a:p>
+        </p:txBody>
+      </p:sp>
+      <p:sp>
+        <p:nvSpPr>
+          <p:cNvPr id="16" name="テキスト ボックス 15"/>
+          <p:cNvSpPr txBox="1"/>
+          <p:nvPr/>
+        </p:nvSpPr>
+        <p:spPr>
+          <a:xfrm>
+            <a:off x="1693334" y="3539067"/>
+            <a:ext cx="908326" cy="338554"/>
+          </a:xfrm>
+          <a:prstGeom prst="rect">
+            <a:avLst/>
+          </a:prstGeom>
+          <a:noFill/>
+        </p:spPr>
+        <p:txBody>
+          <a:bodyPr wrap="none" rtlCol="0">
+            <a:spAutoFit/>
+          </a:bodyPr>
+          <a:lstStyle/>
+          <a:p>
+            <a:r>
+              <a:rPr kumimoji="1" lang="en-US" altLang="ja-JP" sz="1600" dirty="0"/>
+              <a:t>&lt;</a:t>
+            </a:r>
+            <a:r>
+              <a:rPr kumimoji="1" lang="en-US" altLang="ja-JP" sz="1600" dirty="0" err="1"/>
+              <a:t>xyzfile</a:t>
+            </a:r>
+            <a:r>
+              <a:rPr kumimoji="1" lang="en-US" altLang="ja-JP" sz="1600" dirty="0"/>
+              <a:t>&gt;</a:t>
+            </a:r>
+            <a:endParaRPr kumimoji="1" lang="ja-JP" altLang="en-US" sz="1600" dirty="0"/>
+          </a:p>
+        </p:txBody>
+      </p:sp>
+      <p:sp>
+        <p:nvSpPr>
+          <p:cNvPr id="17" name="テキスト ボックス 16"/>
+          <p:cNvSpPr txBox="1"/>
+          <p:nvPr/>
+        </p:nvSpPr>
+        <p:spPr>
+          <a:xfrm>
+            <a:off x="1964267" y="3793067"/>
+            <a:ext cx="2369559" cy="338554"/>
+          </a:xfrm>
+          <a:prstGeom prst="rect">
+            <a:avLst/>
+          </a:prstGeom>
+          <a:noFill/>
+        </p:spPr>
+        <p:txBody>
+          <a:bodyPr wrap="none" rtlCol="0">
+            <a:spAutoFit/>
+          </a:bodyPr>
+          <a:lstStyle/>
+          <a:p>
+            <a:r>
+              <a:rPr kumimoji="1" lang="en-US" altLang="ja-JP" sz="1600"/>
+              <a:t>xml: yes or no (default no)</a:t>
+            </a:r>
+            <a:endParaRPr kumimoji="1" lang="ja-JP" altLang="en-US" sz="1600" dirty="0"/>
           </a:p>
         </p:txBody>
       </p:sp>
     </p:spTree>
     <p:extLst>
       <p:ext uri="{BB962C8B-B14F-4D97-AF65-F5344CB8AC3E}">
-        <p14:creationId xmlns:p14="http://schemas.microsoft.com/office/powerpoint/2010/main" val="962116655"/>
+        <p14:creationId xmlns:p14="http://schemas.microsoft.com/office/powerpoint/2010/main" val="250048734"/>
       </p:ext>
     </p:extLst>
   </p:cSld>
@@ -6402,14 +8083,37 @@
       </p:grpSpPr>
       <p:sp>
         <p:nvSpPr>
-          <p:cNvPr id="4" name="テキスト ボックス 3"/>
+          <p:cNvPr id="2" name="タイトル 1"/>
+          <p:cNvSpPr>
+            <a:spLocks noGrp="1"/>
+          </p:cNvSpPr>
+          <p:nvPr>
+            <p:ph type="title"/>
+          </p:nvPr>
+        </p:nvSpPr>
+        <p:spPr/>
+        <p:txBody>
+          <a:bodyPr/>
+          <a:lstStyle/>
+          <a:p>
+            <a:r>
+              <a:rPr kumimoji="1" lang="en-US" altLang="ja-JP" dirty="0"/>
+              <a:t>1. Basic Usage</a:t>
+            </a:r>
+            <a:endParaRPr kumimoji="1" lang="ja-JP" altLang="en-US" dirty="0"/>
+          </a:p>
+        </p:txBody>
+      </p:sp>
+      <p:sp>
+        <p:nvSpPr>
+          <p:cNvPr id="26" name="テキスト ボックス 25"/>
           <p:cNvSpPr txBox="1"/>
           <p:nvPr/>
         </p:nvSpPr>
         <p:spPr>
           <a:xfrm>
-            <a:off x="914401" y="137872"/>
-            <a:ext cx="7827665" cy="6001643"/>
+            <a:off x="370551" y="1428868"/>
+            <a:ext cx="8315022" cy="3323987"/>
           </a:xfrm>
           <a:prstGeom prst="rect">
             <a:avLst/>
@@ -6417,394 +8121,106 @@
           <a:noFill/>
         </p:spPr>
         <p:txBody>
-          <a:bodyPr wrap="square">
+          <a:bodyPr wrap="square" rtlCol="0">
             <a:spAutoFit/>
           </a:bodyPr>
           <a:lstStyle/>
           <a:p>
-            <a:pPr marL="285750" indent="-285750">
-              <a:buFont typeface="Arial" charset="0"/>
-              <a:buChar char="•"/>
-              <a:defRPr/>
-            </a:pPr>
-            <a:r>
-              <a:rPr lang="en-US" altLang="ja-JP" sz="1400" dirty="0" err="1" smtClean="0"/>
-              <a:t>removefiles</a:t>
-            </a:r>
-            <a:r>
-              <a:rPr lang="en-US" altLang="ja-JP" sz="1400" dirty="0"/>
-              <a:t>: true/false</a:t>
-            </a:r>
-          </a:p>
-          <a:p>
-            <a:pPr lvl="1">
-              <a:defRPr/>
-            </a:pPr>
-            <a:r>
-              <a:rPr lang="en-US" altLang="ja-JP" sz="1400" dirty="0"/>
-              <a:t>Removes the input/output files of the quantum chemistry program, when true. (default = false</a:t>
-            </a:r>
-            <a:r>
-              <a:rPr lang="en-US" altLang="ja-JP" sz="1400" dirty="0" smtClean="0"/>
-              <a:t>)</a:t>
-            </a:r>
-          </a:p>
-          <a:p>
-            <a:pPr lvl="2">
-              <a:defRPr/>
-            </a:pPr>
-            <a:endParaRPr lang="en-US" altLang="ja-JP" sz="1400" dirty="0"/>
-          </a:p>
-          <a:p>
-            <a:pPr marL="285750" indent="-285750">
-              <a:buFont typeface="Arial" charset="0"/>
-              <a:buChar char="•"/>
-              <a:defRPr/>
-            </a:pPr>
-            <a:r>
-              <a:rPr lang="en-US" altLang="ja-JP" sz="1400" dirty="0" err="1" smtClean="0"/>
-              <a:t>dryrun</a:t>
-            </a:r>
-            <a:r>
-              <a:rPr lang="en-US" altLang="ja-JP" sz="1400" dirty="0" smtClean="0"/>
-              <a:t>: true/false</a:t>
-            </a:r>
-            <a:endParaRPr lang="en-US" altLang="ja-JP" sz="1400" dirty="0"/>
-          </a:p>
-          <a:p>
-            <a:pPr lvl="1">
-              <a:defRPr/>
-            </a:pPr>
-            <a:r>
-              <a:rPr lang="en-US" altLang="ja-JP" sz="1400" dirty="0"/>
-              <a:t>Generates the input files for the quantum chemistry program and exit without </a:t>
-            </a:r>
-            <a:r>
-              <a:rPr lang="en-US" altLang="ja-JP" sz="1400" dirty="0" smtClean="0"/>
-              <a:t>execution. </a:t>
-            </a:r>
-            <a:r>
-              <a:rPr lang="en-US" altLang="ja-JP" sz="1400" dirty="0"/>
-              <a:t>(default = false</a:t>
-            </a:r>
-            <a:r>
-              <a:rPr lang="en-US" altLang="ja-JP" sz="1400" dirty="0" smtClean="0"/>
-              <a:t>) </a:t>
-            </a:r>
-          </a:p>
-          <a:p>
-            <a:pPr lvl="1">
-              <a:defRPr/>
-            </a:pPr>
-            <a:endParaRPr lang="en-US" altLang="ja-JP" sz="1400" dirty="0" smtClean="0"/>
-          </a:p>
-          <a:p>
-            <a:pPr marL="285750" indent="-285750">
-              <a:buFont typeface="Arial" charset="0"/>
-              <a:buChar char="•"/>
-              <a:defRPr/>
-            </a:pPr>
-            <a:r>
-              <a:rPr lang="en-US" altLang="ja-JP" sz="1400" dirty="0" err="1"/>
-              <a:t>xyzfile</a:t>
-            </a:r>
-            <a:r>
-              <a:rPr lang="en-US" altLang="ja-JP" sz="1400" dirty="0"/>
-              <a:t>: filename</a:t>
-            </a:r>
-          </a:p>
-          <a:p>
-            <a:pPr lvl="1">
-              <a:defRPr/>
-            </a:pPr>
-            <a:r>
-              <a:rPr lang="en-US" altLang="ja-JP" sz="1400" dirty="0"/>
-              <a:t>Name of a xyz file, where the coordinates are written. (default = </a:t>
-            </a:r>
-            <a:r>
-              <a:rPr lang="en-US" altLang="ja-JP" sz="1400" dirty="0" err="1"/>
-              <a:t>m</a:t>
-            </a:r>
-            <a:r>
-              <a:rPr lang="en-US" altLang="ja-JP" sz="1400" dirty="0" err="1" smtClean="0"/>
-              <a:t>akeQFF</a:t>
-            </a:r>
-            <a:r>
-              <a:rPr lang="en-US" altLang="ja-JP" sz="1400" dirty="0" smtClean="0"/>
-              <a:t> for QFF and </a:t>
-            </a:r>
-            <a:r>
-              <a:rPr lang="en-US" altLang="ja-JP" sz="1400" dirty="0" err="1" smtClean="0"/>
-              <a:t>makeGrid</a:t>
-            </a:r>
-            <a:r>
-              <a:rPr lang="en-US" altLang="ja-JP" sz="1400" dirty="0" smtClean="0"/>
-              <a:t> for GRID)</a:t>
-            </a:r>
-            <a:endParaRPr lang="en-US" altLang="ja-JP" dirty="0"/>
-          </a:p>
-          <a:p>
-            <a:pPr lvl="2">
-              <a:defRPr/>
-            </a:pPr>
-            <a:endParaRPr lang="en-US" altLang="ja-JP" sz="1400" dirty="0"/>
-          </a:p>
-          <a:p>
-            <a:pPr marL="285750" indent="-285750">
-              <a:buFont typeface="Arial" charset="0"/>
-              <a:buChar char="•"/>
-              <a:defRPr/>
-            </a:pPr>
-            <a:r>
-              <a:rPr lang="en-US" altLang="ja-JP" sz="1400" dirty="0" err="1" smtClean="0"/>
-              <a:t>qchem</a:t>
-            </a:r>
-            <a:r>
-              <a:rPr lang="en-US" altLang="ja-JP" sz="1400" dirty="0" smtClean="0"/>
-              <a:t>:  command lines (see below)</a:t>
-            </a:r>
-            <a:endParaRPr lang="en-US" altLang="ja-JP" sz="1400" dirty="0"/>
-          </a:p>
-          <a:p>
-            <a:pPr lvl="1">
-              <a:defRPr/>
-            </a:pPr>
-            <a:r>
-              <a:rPr lang="en-US" altLang="ja-JP" sz="1400" dirty="0"/>
-              <a:t>In each line after the entry tag of this key follows the type of the quantum chemistry program, a template file to generate input files for the program, and a label. The three components may be separated by space or </a:t>
-            </a:r>
-            <a:r>
-              <a:rPr lang="en-US" altLang="ja-JP" sz="1400" dirty="0" err="1"/>
-              <a:t>camma</a:t>
-            </a:r>
-            <a:r>
-              <a:rPr lang="en-US" altLang="ja-JP" sz="1400" dirty="0"/>
-              <a:t>. For example, the input looks like, </a:t>
-            </a:r>
-          </a:p>
-          <a:p>
-            <a:pPr lvl="2">
-              <a:defRPr/>
-            </a:pPr>
-            <a:endParaRPr lang="en-US" altLang="ja-JP" sz="1200" dirty="0" smtClean="0">
-              <a:latin typeface="Courier" charset="0"/>
-              <a:ea typeface="Courier" charset="0"/>
-              <a:cs typeface="Courier" charset="0"/>
-            </a:endParaRPr>
-          </a:p>
-          <a:p>
-            <a:pPr lvl="2">
-              <a:defRPr/>
-            </a:pPr>
-            <a:r>
-              <a:rPr lang="en-US" altLang="ja-JP" sz="1200" dirty="0" smtClean="0">
-                <a:latin typeface="Courier" charset="0"/>
-                <a:ea typeface="Courier" charset="0"/>
-                <a:cs typeface="Courier" charset="0"/>
-              </a:rPr>
-              <a:t>&lt;</a:t>
-            </a:r>
+            <a:r>
+              <a:rPr lang="en-US" altLang="ja-JP" sz="1600" dirty="0"/>
+              <a:t>This section lists the keys and values used in </a:t>
+            </a:r>
+            <a:r>
+              <a:rPr lang="en-US" altLang="ja-JP" sz="1600" dirty="0" err="1"/>
+              <a:t>RunMakePES</a:t>
+            </a:r>
+            <a:r>
+              <a:rPr lang="en-US" altLang="ja-JP" sz="1600" dirty="0"/>
+              <a:t> program. They appear in </a:t>
+            </a:r>
+            <a:r>
+              <a:rPr lang="en-US" altLang="ja-JP" sz="1600" dirty="0" err="1"/>
+              <a:t>makePES.xml</a:t>
+            </a:r>
+            <a:r>
+              <a:rPr lang="en-US" altLang="ja-JP" sz="1600" dirty="0"/>
+              <a:t> in the form of, </a:t>
+            </a:r>
+          </a:p>
+          <a:p>
+            <a:endParaRPr kumimoji="1" lang="en-US" altLang="ja-JP" sz="1600" dirty="0"/>
+          </a:p>
+          <a:p>
+            <a:pPr lvl="1"/>
             <a:r>
               <a:rPr lang="en-US" altLang="ja-JP" sz="1200" dirty="0">
                 <a:latin typeface="Courier" charset="0"/>
                 <a:ea typeface="Courier" charset="0"/>
                 <a:cs typeface="Courier" charset="0"/>
               </a:rPr>
-              <a:t>entry key="</a:t>
-            </a:r>
-            <a:r>
-              <a:rPr lang="en-US" altLang="ja-JP" sz="1200" dirty="0" err="1">
-                <a:latin typeface="Courier" charset="0"/>
-                <a:ea typeface="Courier" charset="0"/>
-                <a:cs typeface="Courier" charset="0"/>
-              </a:rPr>
-              <a:t>qchem</a:t>
-            </a:r>
-            <a:r>
-              <a:rPr lang="en-US" altLang="ja-JP" sz="1200" dirty="0">
-                <a:latin typeface="Courier" charset="0"/>
-                <a:ea typeface="Courier" charset="0"/>
-                <a:cs typeface="Courier" charset="0"/>
-              </a:rPr>
-              <a:t>"&gt; </a:t>
-            </a:r>
-            <a:endParaRPr lang="en-US" altLang="ja-JP" sz="1200" dirty="0" smtClean="0">
-              <a:latin typeface="Courier" charset="0"/>
-              <a:ea typeface="Courier" charset="0"/>
-              <a:cs typeface="Courier" charset="0"/>
-            </a:endParaRPr>
-          </a:p>
-          <a:p>
-            <a:pPr lvl="2">
-              <a:defRPr/>
-            </a:pPr>
-            <a:r>
-              <a:rPr lang="en-US" altLang="ja-JP" sz="1200" dirty="0" smtClean="0">
-                <a:latin typeface="Courier" charset="0"/>
-                <a:ea typeface="Courier" charset="0"/>
-                <a:cs typeface="Courier" charset="0"/>
-              </a:rPr>
-              <a:t>Gaussian </a:t>
-            </a:r>
-            <a:r>
-              <a:rPr lang="en-US" altLang="ja-JP" sz="1200" dirty="0" err="1">
-                <a:latin typeface="Courier" charset="0"/>
-                <a:ea typeface="Courier" charset="0"/>
-                <a:cs typeface="Courier" charset="0"/>
-              </a:rPr>
-              <a:t>GaussianInput.xml</a:t>
-            </a:r>
-            <a:r>
-              <a:rPr lang="en-US" altLang="ja-JP" sz="1200" dirty="0">
-                <a:latin typeface="Courier" charset="0"/>
-                <a:ea typeface="Courier" charset="0"/>
-                <a:cs typeface="Courier" charset="0"/>
-              </a:rPr>
-              <a:t> MP2/</a:t>
-            </a:r>
-            <a:r>
-              <a:rPr lang="en-US" altLang="ja-JP" sz="1200" dirty="0" err="1">
-                <a:latin typeface="Courier" charset="0"/>
-                <a:ea typeface="Courier" charset="0"/>
-                <a:cs typeface="Courier" charset="0"/>
-              </a:rPr>
-              <a:t>aug</a:t>
-            </a:r>
-            <a:r>
-              <a:rPr lang="en-US" altLang="ja-JP" sz="1200" dirty="0">
-                <a:latin typeface="Courier" charset="0"/>
-                <a:ea typeface="Courier" charset="0"/>
-                <a:cs typeface="Courier" charset="0"/>
-              </a:rPr>
-              <a:t>-cc-</a:t>
-            </a:r>
-            <a:r>
-              <a:rPr lang="en-US" altLang="ja-JP" sz="1200" dirty="0" err="1">
-                <a:latin typeface="Courier" charset="0"/>
-                <a:ea typeface="Courier" charset="0"/>
-                <a:cs typeface="Courier" charset="0"/>
-              </a:rPr>
-              <a:t>pVTZ</a:t>
-            </a:r>
-            <a:r>
-              <a:rPr lang="en-US" altLang="ja-JP" sz="1200" dirty="0">
-                <a:latin typeface="Courier" charset="0"/>
-                <a:ea typeface="Courier" charset="0"/>
-                <a:cs typeface="Courier" charset="0"/>
-              </a:rPr>
-              <a:t> (11) </a:t>
-            </a:r>
-            <a:endParaRPr lang="en-US" altLang="ja-JP" sz="1200" dirty="0" smtClean="0">
-              <a:latin typeface="Courier" charset="0"/>
-              <a:ea typeface="Courier" charset="0"/>
-              <a:cs typeface="Courier" charset="0"/>
-            </a:endParaRPr>
-          </a:p>
-          <a:p>
-            <a:pPr lvl="2">
-              <a:defRPr/>
-            </a:pPr>
-            <a:r>
-              <a:rPr lang="en-US" altLang="ja-JP" sz="1200" dirty="0" smtClean="0">
-                <a:latin typeface="Courier" charset="0"/>
-                <a:ea typeface="Courier" charset="0"/>
-                <a:cs typeface="Courier" charset="0"/>
-              </a:rPr>
-              <a:t>&lt;/</a:t>
-            </a:r>
-            <a:r>
-              <a:rPr lang="en-US" altLang="ja-JP" sz="1200" dirty="0">
-                <a:latin typeface="Courier" charset="0"/>
-                <a:ea typeface="Courier" charset="0"/>
-                <a:cs typeface="Courier" charset="0"/>
-              </a:rPr>
-              <a:t>entry&gt; </a:t>
-            </a:r>
-          </a:p>
-          <a:p>
-            <a:pPr lvl="1">
-              <a:defRPr/>
-            </a:pPr>
-            <a:endParaRPr lang="en-US" altLang="ja-JP" sz="1400" dirty="0" smtClean="0"/>
-          </a:p>
-          <a:p>
-            <a:pPr lvl="1">
-              <a:defRPr/>
-            </a:pPr>
-            <a:r>
-              <a:rPr lang="en-US" altLang="ja-JP" sz="1400" dirty="0"/>
-              <a:t>The first value (Gaussian) specifies the quantum chemistry program, which may take one of the following: </a:t>
-            </a:r>
-          </a:p>
-          <a:p>
-            <a:pPr lvl="1">
-              <a:defRPr/>
-            </a:pPr>
-            <a:endParaRPr lang="en-US" altLang="ja-JP" sz="1400" dirty="0" smtClean="0"/>
-          </a:p>
-          <a:p>
-            <a:pPr lvl="2">
-              <a:defRPr/>
-            </a:pPr>
-            <a:r>
-              <a:rPr lang="en-US" altLang="ja-JP" sz="1400" dirty="0" smtClean="0"/>
-              <a:t>Gaussian </a:t>
-            </a:r>
-            <a:r>
-              <a:rPr lang="en-US" altLang="ja-JP" sz="1400" dirty="0"/>
-              <a:t>: </a:t>
-            </a:r>
-            <a:r>
-              <a:rPr lang="en-US" altLang="ja-JP" sz="1400" dirty="0" smtClean="0"/>
-              <a:t>Gaussian03/09/16</a:t>
-            </a:r>
-          </a:p>
-          <a:p>
-            <a:pPr lvl="2">
-              <a:defRPr/>
-            </a:pPr>
-            <a:r>
-              <a:rPr lang="en-US" altLang="ja-JP" sz="1400" dirty="0" smtClean="0"/>
-              <a:t>Generic </a:t>
-            </a:r>
-            <a:r>
-              <a:rPr lang="en-US" altLang="ja-JP" sz="1400" dirty="0"/>
-              <a:t>: Generic (see below) </a:t>
-            </a:r>
-          </a:p>
-          <a:p>
-            <a:pPr lvl="1">
-              <a:defRPr/>
-            </a:pPr>
-            <a:endParaRPr lang="en-US" altLang="ja-JP" sz="1400" dirty="0" smtClean="0"/>
-          </a:p>
-          <a:p>
-            <a:pPr lvl="1">
-              <a:defRPr/>
-            </a:pPr>
-            <a:r>
-              <a:rPr lang="en-US" altLang="ja-JP" sz="1400" dirty="0" smtClean="0"/>
-              <a:t>The </a:t>
-            </a:r>
-            <a:r>
-              <a:rPr lang="en-US" altLang="ja-JP" sz="1400" dirty="0"/>
-              <a:t>second value (</a:t>
-            </a:r>
-            <a:r>
-              <a:rPr lang="en-US" altLang="ja-JP" sz="1400" dirty="0" err="1"/>
-              <a:t>GaussianInput.xml</a:t>
-            </a:r>
-            <a:r>
-              <a:rPr lang="en-US" altLang="ja-JP" sz="1400" dirty="0"/>
-              <a:t>) is the name of the XML file, which contains the information to generate the input files for the program. This value is case sensitive. </a:t>
-            </a:r>
-            <a:endParaRPr lang="en-US" altLang="ja-JP" sz="1400" dirty="0" smtClean="0"/>
-          </a:p>
-        </p:txBody>
-      </p:sp>
-      <p:sp>
-        <p:nvSpPr>
-          <p:cNvPr id="2" name="スライド番号プレースホルダー 1"/>
+              <a:t>&lt;entry key=‘‘key’’&gt; key value &lt;/entry&gt; </a:t>
+            </a:r>
+          </a:p>
+          <a:p>
+            <a:endParaRPr kumimoji="1" lang="en-US" altLang="ja-JP" sz="1600" dirty="0"/>
+          </a:p>
+          <a:p>
+            <a:r>
+              <a:rPr lang="en-US" altLang="ja-JP" sz="1600" dirty="0"/>
+              <a:t>The keys in red indicate that they are mandatory. The values are case insensitive except when it is noted. </a:t>
+            </a:r>
+          </a:p>
+          <a:p>
+            <a:endParaRPr lang="en-US" altLang="ja-JP" sz="1600" dirty="0"/>
+          </a:p>
+          <a:p>
+            <a:r>
+              <a:rPr lang="en-US" altLang="ja-JP" sz="1600" dirty="0"/>
+              <a:t>In the following, the keys are divided into four sections. General Keys (Sec. 1.1) are common input for all types of run, while those in QFF Keys (Sec. 1.2), Grid Keys (Sec. 1.3), and Hybrid Keys (Sec. 1.4) are relevant input parameters for generating the QFF, grid potential, and hybrid potential, respectively. </a:t>
+            </a:r>
+          </a:p>
+          <a:p>
+            <a:endParaRPr kumimoji="1" lang="en-US" altLang="ja-JP" sz="1600" dirty="0"/>
+          </a:p>
+        </p:txBody>
+      </p:sp>
+      <p:sp>
+        <p:nvSpPr>
+          <p:cNvPr id="5" name="テキスト ボックス 4"/>
+          <p:cNvSpPr txBox="1"/>
+          <p:nvPr/>
+        </p:nvSpPr>
+        <p:spPr>
+          <a:xfrm>
+            <a:off x="391885" y="914403"/>
+            <a:ext cx="3492495" cy="461665"/>
+          </a:xfrm>
+          <a:prstGeom prst="rect">
+            <a:avLst/>
+          </a:prstGeom>
+          <a:noFill/>
+        </p:spPr>
+        <p:txBody>
+          <a:bodyPr wrap="none" rtlCol="0">
+            <a:spAutoFit/>
+          </a:bodyPr>
+          <a:lstStyle/>
+          <a:p>
+            <a:r>
+              <a:rPr kumimoji="1" lang="en-US" altLang="ja-JP" sz="2400" u="sng" dirty="0"/>
+              <a:t>1.1. </a:t>
+            </a:r>
+            <a:r>
+              <a:rPr lang="en-US" altLang="ja-JP" sz="2400" u="sng" dirty="0"/>
+              <a:t>Preparing an input file</a:t>
+            </a:r>
+            <a:endParaRPr kumimoji="1" lang="ja-JP" altLang="en-US" sz="2400" u="sng" dirty="0"/>
+          </a:p>
+        </p:txBody>
+      </p:sp>
+      <p:sp>
+        <p:nvSpPr>
+          <p:cNvPr id="3" name="スライド番号プレースホルダー 2"/>
           <p:cNvSpPr>
             <a:spLocks noGrp="1"/>
           </p:cNvSpPr>
@@ -6828,7 +8244,7 @@
     </p:spTree>
     <p:extLst>
       <p:ext uri="{BB962C8B-B14F-4D97-AF65-F5344CB8AC3E}">
-        <p14:creationId xmlns:p14="http://schemas.microsoft.com/office/powerpoint/2010/main" val="1025583675"/>
+        <p14:creationId xmlns:p14="http://schemas.microsoft.com/office/powerpoint/2010/main" val="112085760"/>
       </p:ext>
     </p:extLst>
   </p:cSld>
@@ -6857,14 +8273,41 @@
       </p:grpSpPr>
       <p:sp>
         <p:nvSpPr>
-          <p:cNvPr id="2" name="テキスト ボックス 1"/>
+          <p:cNvPr id="35841" name="タイトル 2"/>
+          <p:cNvSpPr>
+            <a:spLocks noGrp="1"/>
+          </p:cNvSpPr>
+          <p:nvPr>
+            <p:ph type="title"/>
+          </p:nvPr>
+        </p:nvSpPr>
+        <p:spPr/>
+        <p:txBody>
+          <a:bodyPr/>
+          <a:lstStyle/>
+          <a:p>
+            <a:r>
+              <a:rPr lang="en-US" altLang="ja-JP" dirty="0">
+                <a:cs typeface="メイリオ" charset="-128"/>
+              </a:rPr>
+              <a:t>List of all keys</a:t>
+            </a:r>
+            <a:endParaRPr lang="ja-JP" altLang="en-US" dirty="0">
+              <a:cs typeface="メイリオ" charset="-128"/>
+            </a:endParaRPr>
+          </a:p>
+        </p:txBody>
+      </p:sp>
+      <p:sp>
+        <p:nvSpPr>
+          <p:cNvPr id="4" name="テキスト ボックス 3"/>
           <p:cNvSpPr txBox="1"/>
           <p:nvPr/>
         </p:nvSpPr>
         <p:spPr>
           <a:xfrm>
-            <a:off x="914401" y="137872"/>
-            <a:ext cx="7827665" cy="6217087"/>
+            <a:off x="914401" y="887135"/>
+            <a:ext cx="7827665" cy="5970865"/>
           </a:xfrm>
           <a:prstGeom prst="rect">
             <a:avLst/>
@@ -6877,82 +8320,171 @@
           </a:bodyPr>
           <a:lstStyle/>
           <a:p>
+            <a:pPr>
+              <a:defRPr/>
+            </a:pPr>
+            <a:r>
+              <a:rPr lang="en-US" altLang="ja-JP" sz="1800" dirty="0">
+                <a:latin typeface="+mn-lt"/>
+              </a:rPr>
+              <a:t>General keys</a:t>
+            </a:r>
+          </a:p>
+          <a:p>
+            <a:pPr>
+              <a:defRPr/>
+            </a:pPr>
+            <a:endParaRPr lang="en-US" altLang="ja-JP" sz="1800" dirty="0">
+              <a:latin typeface="+mn-lt"/>
+            </a:endParaRPr>
+          </a:p>
+          <a:p>
+            <a:pPr marL="285750" indent="-285750">
+              <a:buFont typeface="Arial" charset="0"/>
+              <a:buChar char="•"/>
+              <a:defRPr/>
+            </a:pPr>
+            <a:r>
+              <a:rPr lang="en-US" altLang="ja-JP" sz="1400" dirty="0" err="1"/>
+              <a:t>runtype</a:t>
+            </a:r>
+            <a:r>
+              <a:rPr lang="en-US" altLang="ja-JP" sz="1400" dirty="0"/>
+              <a:t>: QFF/GRID/HYBRID</a:t>
+            </a:r>
+          </a:p>
+          <a:p>
             <a:pPr lvl="1">
               <a:defRPr/>
             </a:pPr>
             <a:r>
               <a:rPr lang="en-US" altLang="ja-JP" sz="1400" dirty="0"/>
-              <a:t>The third value (MP2/</a:t>
+              <a:t>The type of run. One of the following must be specified. </a:t>
+            </a:r>
+          </a:p>
+          <a:p>
+            <a:pPr lvl="2">
+              <a:defRPr/>
+            </a:pPr>
+            <a:endParaRPr lang="en-US" altLang="ja-JP" sz="1400" dirty="0"/>
+          </a:p>
+          <a:p>
+            <a:pPr marL="285750" indent="-285750">
+              <a:buFont typeface="Arial" charset="0"/>
+              <a:buChar char="•"/>
+              <a:defRPr/>
+            </a:pPr>
+            <a:r>
+              <a:rPr lang="en-US" altLang="ja-JP" sz="1400" dirty="0"/>
+              <a:t>molecule:  file name</a:t>
+            </a:r>
+          </a:p>
+          <a:p>
+            <a:pPr lvl="1">
+              <a:defRPr/>
+            </a:pPr>
+            <a:r>
+              <a:rPr lang="en-US" altLang="ja-JP" sz="1400" dirty="0"/>
+              <a:t>The name of </a:t>
             </a:r>
             <a:r>
               <a:rPr lang="en-US" altLang="ja-JP" sz="1400" dirty="0" err="1"/>
-              <a:t>aug</a:t>
-            </a:r>
-            <a:r>
-              <a:rPr lang="en-US" altLang="ja-JP" sz="1400" dirty="0"/>
-              <a:t>-cc-</a:t>
-            </a:r>
+              <a:t>minfo</a:t>
+            </a:r>
+            <a:r>
+              <a:rPr lang="en-US" altLang="ja-JP" sz="1400" dirty="0"/>
+              <a:t> file containing the vibrational data. The value is </a:t>
+            </a:r>
+            <a:r>
+              <a:rPr lang="en-US" altLang="ja-JP" sz="1400" u="sng" dirty="0"/>
+              <a:t>case sensitive</a:t>
+            </a:r>
+            <a:r>
+              <a:rPr lang="en-US" altLang="ja-JP" sz="1400" dirty="0"/>
+              <a:t>.  </a:t>
+            </a:r>
+          </a:p>
+          <a:p>
+            <a:pPr lvl="2">
+              <a:defRPr/>
+            </a:pPr>
+            <a:endParaRPr lang="en-US" altLang="ja-JP" sz="1400" dirty="0"/>
+          </a:p>
+          <a:p>
+            <a:pPr marL="285750" indent="-285750">
+              <a:buFont typeface="Arial" charset="0"/>
+              <a:buChar char="•"/>
+              <a:defRPr/>
+            </a:pPr>
+            <a:r>
+              <a:rPr lang="en-US" altLang="ja-JP" sz="1400" dirty="0"/>
+              <a:t>MR:  1/2/3</a:t>
+            </a:r>
+          </a:p>
+          <a:p>
+            <a:pPr lvl="1">
+              <a:defRPr/>
+            </a:pPr>
+            <a:r>
+              <a:rPr lang="en-US" altLang="ja-JP" sz="1400" dirty="0"/>
+              <a:t>The order of mode coupling expansion. Can take 1, 2, or 3. (default = 3) </a:t>
+            </a:r>
+          </a:p>
+          <a:p>
+            <a:pPr lvl="2">
+              <a:defRPr/>
+            </a:pPr>
+            <a:endParaRPr lang="en-US" altLang="ja-JP" sz="1400" dirty="0"/>
+          </a:p>
+          <a:p>
+            <a:pPr marL="285750" indent="-285750">
+              <a:buFont typeface="Arial" charset="0"/>
+              <a:buChar char="•"/>
+              <a:defRPr/>
+            </a:pPr>
             <a:r>
               <a:rPr lang="en-US" altLang="ja-JP" sz="1400" dirty="0" err="1"/>
-              <a:t>pVTZ</a:t>
-            </a:r>
-            <a:r>
-              <a:rPr lang="en-US" altLang="ja-JP" sz="1400" dirty="0"/>
-              <a:t> (11)) is a label that is tagged to the PES data files. This name will be printed in the output of SINDO, so it is recommended to give a name, for example, the level of the electronic structure calculation, the number of grid points, etc. </a:t>
+              <a:t>activemode</a:t>
+            </a:r>
+            <a:r>
+              <a:rPr lang="en-US" altLang="ja-JP" sz="1400" dirty="0"/>
+              <a:t>:  string of mode index</a:t>
             </a:r>
           </a:p>
           <a:p>
             <a:pPr lvl="1">
               <a:defRPr/>
             </a:pPr>
-            <a:endParaRPr lang="en-US" altLang="ja-JP" sz="1400" dirty="0" smtClean="0"/>
+            <a:r>
+              <a:rPr lang="en-US" altLang="ja-JP" sz="1400" dirty="0"/>
+              <a:t>Specifies active modes for PES generation. All modes are active by default. The mode numbers should be separated by </a:t>
+            </a:r>
+            <a:r>
+              <a:rPr lang="en-US" altLang="ja-JP" sz="1400" dirty="0" err="1"/>
+              <a:t>camma</a:t>
+            </a:r>
+            <a:r>
+              <a:rPr lang="en-US" altLang="ja-JP" sz="1400" dirty="0"/>
+              <a:t> or space. A hyphen can be used for a sequence of mode number. For example, </a:t>
+            </a:r>
           </a:p>
           <a:p>
             <a:pPr lvl="1">
               <a:defRPr/>
             </a:pPr>
-            <a:r>
-              <a:rPr lang="en-US" altLang="ja-JP" sz="1400" dirty="0" smtClean="0"/>
-              <a:t>This </a:t>
-            </a:r>
-            <a:r>
-              <a:rPr lang="en-US" altLang="ja-JP" sz="1400" dirty="0"/>
-              <a:t>key extends to two lines when the hybrid PES is specified for the </a:t>
-            </a:r>
-            <a:r>
-              <a:rPr lang="en-US" altLang="ja-JP" sz="1400" dirty="0" err="1"/>
-              <a:t>runtyp</a:t>
-            </a:r>
-            <a:r>
-              <a:rPr lang="en-US" altLang="ja-JP" sz="1400" dirty="0"/>
-              <a:t>. The first and the second lines specify the quantum chemistry calculations for the QFF and Grid PES generation, respectively. In this case, the input would look like, </a:t>
-            </a:r>
-          </a:p>
-          <a:p>
-            <a:pPr lvl="1">
-              <a:defRPr/>
-            </a:pPr>
-            <a:endParaRPr lang="en-US" altLang="ja-JP" sz="1400" dirty="0" smtClean="0"/>
+            <a:endParaRPr lang="en-US" altLang="ja-JP" sz="1400" dirty="0"/>
           </a:p>
           <a:p>
             <a:pPr lvl="2">
               <a:defRPr/>
             </a:pPr>
-            <a:r>
-              <a:rPr lang="en-US" altLang="ja-JP" sz="1200" dirty="0" smtClean="0">
-                <a:latin typeface="Courier" charset="0"/>
-                <a:ea typeface="Courier" charset="0"/>
-                <a:cs typeface="Courier" charset="0"/>
-              </a:rPr>
-              <a:t>&lt;</a:t>
-            </a:r>
             <a:r>
               <a:rPr lang="en-US" altLang="ja-JP" sz="1200" dirty="0">
                 <a:latin typeface="Courier" charset="0"/>
                 <a:ea typeface="Courier" charset="0"/>
                 <a:cs typeface="Courier" charset="0"/>
               </a:rPr>
-              <a:t>entry key="</a:t>
+              <a:t>&lt;entry key="</a:t>
             </a:r>
             <a:r>
               <a:rPr lang="en-US" altLang="ja-JP" sz="1200" dirty="0" err="1">
@@ -6960,7 +8492,7 @@
                 <a:ea typeface="Courier" charset="0"/>
                 <a:cs typeface="Courier" charset="0"/>
               </a:rPr>
-              <a:t>qchem</a:t>
+              <a:t>activemode</a:t>
             </a:r>
             <a:r>
               <a:rPr lang="en-US" altLang="ja-JP" sz="1200" dirty="0">
@@ -6968,33 +8500,49 @@
                 <a:ea typeface="Courier" charset="0"/>
                 <a:cs typeface="Courier" charset="0"/>
               </a:rPr>
-              <a:t>"&gt; </a:t>
-            </a:r>
-            <a:endParaRPr lang="en-US" altLang="ja-JP" sz="1200" dirty="0" smtClean="0">
-              <a:latin typeface="Courier" charset="0"/>
-              <a:ea typeface="Courier" charset="0"/>
-              <a:cs typeface="Courier" charset="0"/>
-            </a:endParaRPr>
+              <a:t>"&gt; 1,2,3,5 &lt;/entry&gt; </a:t>
+            </a:r>
+          </a:p>
+          <a:p>
+            <a:pPr lvl="1">
+              <a:defRPr/>
+            </a:pPr>
+            <a:endParaRPr lang="en-US" altLang="ja-JP" sz="1400" dirty="0"/>
+          </a:p>
+          <a:p>
+            <a:pPr lvl="1">
+              <a:defRPr/>
+            </a:pPr>
+            <a:r>
+              <a:rPr lang="en-US" altLang="ja-JP" sz="1400" dirty="0"/>
+              <a:t>is </a:t>
+            </a:r>
+            <a:r>
+              <a:rPr lang="en-US" altLang="ja-JP" sz="1400" dirty="0" err="1"/>
+              <a:t>equivalnet</a:t>
+            </a:r>
+            <a:r>
+              <a:rPr lang="en-US" altLang="ja-JP" sz="1400" dirty="0"/>
+              <a:t> to, </a:t>
+            </a:r>
+          </a:p>
+          <a:p>
+            <a:pPr lvl="1">
+              <a:defRPr/>
+            </a:pPr>
+            <a:endParaRPr lang="en-US" altLang="ja-JP" sz="1400" dirty="0"/>
           </a:p>
           <a:p>
             <a:pPr lvl="2">
               <a:defRPr/>
             </a:pPr>
-            <a:r>
-              <a:rPr lang="en-US" altLang="ja-JP" sz="1200" dirty="0" smtClean="0">
-                <a:latin typeface="Courier" charset="0"/>
-                <a:ea typeface="Courier" charset="0"/>
-                <a:cs typeface="Courier" charset="0"/>
-              </a:rPr>
-              <a:t>Gaussian</a:t>
-            </a:r>
             <a:r>
               <a:rPr lang="en-US" altLang="ja-JP" sz="1200" dirty="0">
                 <a:latin typeface="Courier" charset="0"/>
                 <a:ea typeface="Courier" charset="0"/>
                 <a:cs typeface="Courier" charset="0"/>
               </a:rPr>
-              <a:t>, MP2Input.xml, MP2/cc-</a:t>
+              <a:t>&lt;entry key="</a:t>
             </a:r>
             <a:r>
               <a:rPr lang="en-US" altLang="ja-JP" sz="1200" dirty="0" err="1">
@@ -7002,7 +8550,7 @@
                 <a:ea typeface="Courier" charset="0"/>
                 <a:cs typeface="Courier" charset="0"/>
               </a:rPr>
-              <a:t>pVDZ</a:t>
+              <a:t>activemode</a:t>
             </a:r>
             <a:r>
               <a:rPr lang="en-US" altLang="ja-JP" sz="1200" dirty="0">
@@ -7010,114 +8558,14 @@
                 <a:ea typeface="Courier" charset="0"/>
                 <a:cs typeface="Courier" charset="0"/>
               </a:rPr>
-              <a:t> </a:t>
-            </a:r>
-            <a:endParaRPr lang="en-US" altLang="ja-JP" sz="1200" dirty="0" smtClean="0">
-              <a:latin typeface="Courier" charset="0"/>
-              <a:ea typeface="Courier" charset="0"/>
-              <a:cs typeface="Courier" charset="0"/>
-            </a:endParaRPr>
-          </a:p>
-          <a:p>
-            <a:pPr lvl="2">
-              <a:defRPr/>
-            </a:pPr>
-            <a:r>
-              <a:rPr lang="en-US" altLang="ja-JP" sz="1200" dirty="0" smtClean="0">
-                <a:latin typeface="Courier" charset="0"/>
-                <a:ea typeface="Courier" charset="0"/>
-                <a:cs typeface="Courier" charset="0"/>
-              </a:rPr>
-              <a:t>Gaussian</a:t>
-            </a:r>
-            <a:r>
-              <a:rPr lang="en-US" altLang="ja-JP" sz="1200" dirty="0">
-                <a:latin typeface="Courier" charset="0"/>
-                <a:ea typeface="Courier" charset="0"/>
-                <a:cs typeface="Courier" charset="0"/>
-              </a:rPr>
-              <a:t>, </a:t>
-            </a:r>
-            <a:r>
-              <a:rPr lang="en-US" altLang="ja-JP" sz="1200" dirty="0" err="1">
-                <a:latin typeface="Courier" charset="0"/>
-                <a:ea typeface="Courier" charset="0"/>
-                <a:cs typeface="Courier" charset="0"/>
-              </a:rPr>
-              <a:t>CCInput.xml</a:t>
-            </a:r>
-            <a:r>
-              <a:rPr lang="en-US" altLang="ja-JP" sz="1200" dirty="0">
-                <a:latin typeface="Courier" charset="0"/>
-                <a:ea typeface="Courier" charset="0"/>
-                <a:cs typeface="Courier" charset="0"/>
-              </a:rPr>
-              <a:t>, CCSD(T)/</a:t>
-            </a:r>
-            <a:r>
-              <a:rPr lang="en-US" altLang="ja-JP" sz="1200" dirty="0" err="1">
-                <a:latin typeface="Courier" charset="0"/>
-                <a:ea typeface="Courier" charset="0"/>
-                <a:cs typeface="Courier" charset="0"/>
-              </a:rPr>
-              <a:t>aug</a:t>
-            </a:r>
-            <a:r>
-              <a:rPr lang="en-US" altLang="ja-JP" sz="1200" dirty="0">
-                <a:latin typeface="Courier" charset="0"/>
-                <a:ea typeface="Courier" charset="0"/>
-                <a:cs typeface="Courier" charset="0"/>
-              </a:rPr>
-              <a:t>-cc-</a:t>
-            </a:r>
-            <a:r>
-              <a:rPr lang="en-US" altLang="ja-JP" sz="1200" dirty="0" err="1">
-                <a:latin typeface="Courier" charset="0"/>
-                <a:ea typeface="Courier" charset="0"/>
-                <a:cs typeface="Courier" charset="0"/>
-              </a:rPr>
-              <a:t>pVTZ</a:t>
-            </a:r>
-            <a:r>
-              <a:rPr lang="en-US" altLang="ja-JP" sz="1200" dirty="0">
-                <a:latin typeface="Courier" charset="0"/>
-                <a:ea typeface="Courier" charset="0"/>
-                <a:cs typeface="Courier" charset="0"/>
-              </a:rPr>
-              <a:t> (11) </a:t>
-            </a:r>
-            <a:endParaRPr lang="en-US" altLang="ja-JP" sz="1200" dirty="0" smtClean="0">
-              <a:latin typeface="Courier" charset="0"/>
-              <a:ea typeface="Courier" charset="0"/>
-              <a:cs typeface="Courier" charset="0"/>
-            </a:endParaRPr>
-          </a:p>
-          <a:p>
-            <a:pPr lvl="2">
-              <a:defRPr/>
-            </a:pPr>
-            <a:r>
-              <a:rPr lang="en-US" altLang="ja-JP" sz="1200" dirty="0" smtClean="0">
-                <a:latin typeface="Courier" charset="0"/>
-                <a:ea typeface="Courier" charset="0"/>
-                <a:cs typeface="Courier" charset="0"/>
-              </a:rPr>
-              <a:t>&lt;/</a:t>
-            </a:r>
-            <a:r>
-              <a:rPr lang="en-US" altLang="ja-JP" sz="1200" dirty="0">
-                <a:latin typeface="Courier" charset="0"/>
-                <a:ea typeface="Courier" charset="0"/>
-                <a:cs typeface="Courier" charset="0"/>
-              </a:rPr>
-              <a:t>entry&gt; </a:t>
+              <a:t>"&gt; 1-3 5 &lt;/entry&gt; </a:t>
             </a:r>
           </a:p>
           <a:p>
             <a:pPr lvl="1">
               <a:defRPr/>
             </a:pPr>
-            <a:endParaRPr lang="en-US" altLang="ja-JP" sz="1400" dirty="0" smtClean="0"/>
+            <a:endParaRPr lang="en-US" altLang="ja-JP" sz="1400" dirty="0"/>
           </a:p>
           <a:p>
             <a:pPr lvl="1">
@@ -7125,235 +8573,82 @@
             </a:pPr>
             <a:r>
               <a:rPr lang="en-US" altLang="ja-JP" sz="1400" dirty="0"/>
-              <a:t>When the first value is specified as “generic”, </a:t>
-            </a:r>
-            <a:r>
-              <a:rPr lang="en-US" altLang="ja-JP" sz="1400" dirty="0" err="1"/>
-              <a:t>MakePES</a:t>
-            </a:r>
-            <a:r>
-              <a:rPr lang="en-US" altLang="ja-JP" sz="1400" dirty="0"/>
-              <a:t> creates a file (ending with </a:t>
-            </a:r>
-            <a:r>
-              <a:rPr lang="en-US" altLang="ja-JP" sz="1400" dirty="0" smtClean="0"/>
-              <a:t>.xyz</a:t>
-            </a:r>
-            <a:r>
-              <a:rPr lang="en-US" altLang="ja-JP" sz="1400" dirty="0"/>
-              <a:t>), which contains the xyz coordinates of all grid points. This option is intended for users who want to create input files in their own way for the electronic structure calculation. In this case, the work flow is the following, </a:t>
+              <a:t>which means Q</a:t>
+            </a:r>
+            <a:r>
+              <a:rPr lang="en-US" altLang="ja-JP" sz="1400" baseline="-25000" dirty="0"/>
+              <a:t>1</a:t>
+            </a:r>
+            <a:r>
+              <a:rPr lang="en-US" altLang="ja-JP" sz="1400" dirty="0"/>
+              <a:t>,Q</a:t>
+            </a:r>
+            <a:r>
+              <a:rPr lang="en-US" altLang="ja-JP" sz="1400" baseline="-25000" dirty="0"/>
+              <a:t>2</a:t>
+            </a:r>
+            <a:r>
+              <a:rPr lang="en-US" altLang="ja-JP" sz="1400" dirty="0"/>
+              <a:t>,Q</a:t>
+            </a:r>
+            <a:r>
+              <a:rPr lang="en-US" altLang="ja-JP" sz="1400" baseline="-25000" dirty="0"/>
+              <a:t>3</a:t>
+            </a:r>
+            <a:r>
+              <a:rPr lang="en-US" altLang="ja-JP" sz="1400" dirty="0"/>
+              <a:t>, and Q</a:t>
+            </a:r>
+            <a:r>
+              <a:rPr lang="en-US" altLang="ja-JP" sz="1400" baseline="-25000" dirty="0"/>
+              <a:t>5</a:t>
+            </a:r>
+            <a:r>
+              <a:rPr lang="en-US" altLang="ja-JP" sz="1400" dirty="0"/>
+              <a:t> are active, and Q</a:t>
+            </a:r>
+            <a:r>
+              <a:rPr lang="en-US" altLang="ja-JP" sz="1400" baseline="-25000" dirty="0"/>
+              <a:t>4</a:t>
+            </a:r>
+            <a:r>
+              <a:rPr lang="en-US" altLang="ja-JP" sz="1400" dirty="0"/>
+              <a:t> isn’t. </a:t>
+            </a:r>
+          </a:p>
+          <a:p>
+            <a:pPr marL="285750" indent="-285750">
+              <a:buFont typeface="Arial" charset="0"/>
+              <a:buChar char="•"/>
+              <a:defRPr/>
+            </a:pPr>
+            <a:endParaRPr lang="en-US" altLang="ja-JP" sz="1400" dirty="0"/>
+          </a:p>
+          <a:p>
+            <a:pPr marL="285750" indent="-285750">
+              <a:buFont typeface="Arial" charset="0"/>
+              <a:buChar char="•"/>
+              <a:defRPr/>
+            </a:pPr>
+            <a:r>
+              <a:rPr lang="en-US" altLang="ja-JP" sz="1400" dirty="0"/>
+              <a:t>dipole: true/false</a:t>
             </a:r>
           </a:p>
           <a:p>
             <a:pPr lvl="1">
               <a:defRPr/>
             </a:pPr>
-            <a:endParaRPr lang="en-US" altLang="ja-JP" sz="1400" dirty="0" smtClean="0"/>
-          </a:p>
-          <a:p>
-            <a:pPr marL="800100" lvl="1" indent="-342900">
-              <a:buFont typeface="+mj-lt"/>
-              <a:buAutoNum type="arabicPeriod"/>
-              <a:defRPr/>
-            </a:pPr>
-            <a:r>
-              <a:rPr lang="en-US" altLang="ja-JP" sz="1400" dirty="0" smtClean="0"/>
-              <a:t>Execute </a:t>
-            </a:r>
-            <a:r>
-              <a:rPr lang="en-US" altLang="ja-JP" sz="1400" dirty="0" err="1"/>
-              <a:t>RunMakePES</a:t>
-            </a:r>
-            <a:r>
-              <a:rPr lang="en-US" altLang="ja-JP" sz="1400" dirty="0"/>
-              <a:t> with </a:t>
-            </a:r>
-            <a:r>
-              <a:rPr lang="en-US" altLang="ja-JP" sz="1400" dirty="0" err="1" smtClean="0"/>
-              <a:t>qchem</a:t>
-            </a:r>
-            <a:r>
-              <a:rPr lang="en-US" altLang="ja-JP" sz="1400" dirty="0" smtClean="0"/>
-              <a:t> </a:t>
-            </a:r>
-            <a:r>
-              <a:rPr lang="en-US" altLang="ja-JP" sz="1400" dirty="0"/>
-              <a:t>= generic to create a </a:t>
-            </a:r>
-            <a:r>
-              <a:rPr lang="en-US" altLang="ja-JP" sz="1400" dirty="0" smtClean="0"/>
-              <a:t>xyz </a:t>
-            </a:r>
-            <a:r>
-              <a:rPr lang="en-US" altLang="ja-JP" sz="1400" dirty="0"/>
-              <a:t>file. </a:t>
-            </a:r>
-            <a:r>
-              <a:rPr lang="en-US" altLang="ja-JP" sz="1400" dirty="0" smtClean="0"/>
-              <a:t> </a:t>
-            </a:r>
-          </a:p>
-          <a:p>
-            <a:pPr marL="800100" lvl="1" indent="-342900">
-              <a:buFont typeface="+mj-lt"/>
-              <a:buAutoNum type="arabicPeriod"/>
-              <a:defRPr/>
-            </a:pPr>
-            <a:r>
-              <a:rPr lang="en-US" altLang="ja-JP" sz="1400" dirty="0" smtClean="0"/>
-              <a:t>Get </a:t>
-            </a:r>
-            <a:r>
-              <a:rPr lang="en-US" altLang="ja-JP" sz="1400" dirty="0"/>
-              <a:t>the grid ID and xyz coordinates from the </a:t>
-            </a:r>
-            <a:r>
-              <a:rPr lang="en-US" altLang="ja-JP" sz="1400" dirty="0" smtClean="0"/>
-              <a:t>xyz </a:t>
-            </a:r>
-            <a:r>
-              <a:rPr lang="en-US" altLang="ja-JP" sz="1400" dirty="0"/>
-              <a:t>file, and create by yourself input files for the electronic structure program. </a:t>
-            </a:r>
-          </a:p>
-          <a:p>
-            <a:pPr marL="800100" lvl="1" indent="-342900">
-              <a:buFont typeface="+mj-lt"/>
-              <a:buAutoNum type="arabicPeriod"/>
-              <a:defRPr/>
-            </a:pPr>
-            <a:r>
-              <a:rPr lang="en-US" altLang="ja-JP" sz="1400" dirty="0" smtClean="0"/>
-              <a:t>Run </a:t>
-            </a:r>
-            <a:r>
-              <a:rPr lang="en-US" altLang="ja-JP" sz="1400" dirty="0"/>
-              <a:t>the electronic structure calculations. </a:t>
-            </a:r>
-            <a:endParaRPr lang="en-US" altLang="ja-JP" sz="1400" dirty="0" smtClean="0"/>
-          </a:p>
-          <a:p>
-            <a:pPr marL="800100" lvl="1" indent="-342900">
-              <a:buFont typeface="+mj-lt"/>
-              <a:buAutoNum type="arabicPeriod"/>
-              <a:defRPr/>
-            </a:pPr>
-            <a:r>
-              <a:rPr lang="en-US" altLang="ja-JP" sz="1400" dirty="0" smtClean="0"/>
-              <a:t>Convert </a:t>
-            </a:r>
-            <a:r>
-              <a:rPr lang="en-US" altLang="ja-JP" sz="1400" dirty="0"/>
-              <a:t>by yourself the output information to a </a:t>
-            </a:r>
-            <a:r>
-              <a:rPr lang="en-US" altLang="ja-JP" sz="1400" dirty="0" err="1"/>
-              <a:t>minfo</a:t>
-            </a:r>
-            <a:r>
-              <a:rPr lang="en-US" altLang="ja-JP" sz="1400" dirty="0"/>
-              <a:t> format, and save as (grid ID).</a:t>
-            </a:r>
-            <a:r>
-              <a:rPr lang="en-US" altLang="ja-JP" sz="1400" dirty="0" err="1"/>
-              <a:t>minfo</a:t>
-            </a:r>
-            <a:r>
-              <a:rPr lang="en-US" altLang="ja-JP" sz="1400" dirty="0"/>
-              <a:t>. Note that only the [ Electronic Data ] section is needed. </a:t>
-            </a:r>
-            <a:endParaRPr lang="en-US" altLang="ja-JP" sz="1400" dirty="0" smtClean="0"/>
-          </a:p>
-          <a:p>
-            <a:pPr marL="800100" lvl="1" indent="-342900">
-              <a:buFont typeface="+mj-lt"/>
-              <a:buAutoNum type="arabicPeriod"/>
-              <a:defRPr/>
-            </a:pPr>
-            <a:r>
-              <a:rPr lang="en-US" altLang="ja-JP" sz="1400" dirty="0" smtClean="0"/>
-              <a:t>Place </a:t>
-            </a:r>
-            <a:r>
-              <a:rPr lang="en-US" altLang="ja-JP" sz="1400" dirty="0"/>
-              <a:t>the </a:t>
-            </a:r>
-            <a:r>
-              <a:rPr lang="en-US" altLang="ja-JP" sz="1400" dirty="0" err="1"/>
-              <a:t>minfo</a:t>
-            </a:r>
-            <a:r>
-              <a:rPr lang="en-US" altLang="ja-JP" sz="1400" dirty="0"/>
-              <a:t> files to </a:t>
-            </a:r>
-            <a:r>
-              <a:rPr lang="en-US" altLang="ja-JP" sz="1400" dirty="0" err="1"/>
-              <a:t>minfo.files</a:t>
-            </a:r>
-            <a:r>
-              <a:rPr lang="en-US" altLang="ja-JP" sz="1400" dirty="0"/>
-              <a:t> folder. </a:t>
-            </a:r>
-            <a:endParaRPr lang="en-US" altLang="ja-JP" sz="1400" dirty="0" smtClean="0"/>
-          </a:p>
-          <a:p>
-            <a:pPr marL="800100" lvl="1" indent="-342900">
-              <a:buFont typeface="+mj-lt"/>
-              <a:buAutoNum type="arabicPeriod"/>
-              <a:defRPr/>
-            </a:pPr>
-            <a:r>
-              <a:rPr lang="en-US" altLang="ja-JP" sz="1400" dirty="0" smtClean="0"/>
-              <a:t>Re-run </a:t>
-            </a:r>
-            <a:r>
-              <a:rPr lang="en-US" altLang="ja-JP" sz="1400" dirty="0" err="1" smtClean="0"/>
-              <a:t>RunMakePES</a:t>
-            </a:r>
-            <a:r>
-              <a:rPr lang="en-US" altLang="ja-JP" sz="1400" dirty="0" smtClean="0"/>
-              <a:t>. </a:t>
-            </a:r>
-            <a:endParaRPr lang="en-US" altLang="ja-JP" sz="1400" dirty="0"/>
-          </a:p>
-          <a:p>
-            <a:pPr lvl="1">
-              <a:defRPr/>
-            </a:pPr>
-            <a:endParaRPr lang="en-US" altLang="ja-JP" sz="1400" dirty="0" smtClean="0"/>
-          </a:p>
-          <a:p>
-            <a:pPr lvl="1">
-              <a:defRPr/>
-            </a:pPr>
-            <a:r>
-              <a:rPr lang="en-US" altLang="ja-JP" sz="1400" dirty="0" smtClean="0"/>
-              <a:t>Then</a:t>
-            </a:r>
-            <a:r>
-              <a:rPr lang="en-US" altLang="ja-JP" sz="1400" dirty="0"/>
-              <a:t>, one should obtain the mop file </a:t>
-            </a:r>
-            <a:r>
-              <a:rPr lang="en-US" altLang="ja-JP" sz="1400" dirty="0" smtClean="0"/>
-              <a:t>and </a:t>
-            </a:r>
-            <a:r>
-              <a:rPr lang="en-US" altLang="ja-JP" sz="1400" dirty="0"/>
-              <a:t>pot files for QFF and Grid, respectively. </a:t>
-            </a:r>
-          </a:p>
-          <a:p>
-            <a:pPr lvl="1">
-              <a:defRPr/>
-            </a:pPr>
-            <a:endParaRPr lang="en-US" altLang="ja-JP" sz="1400" dirty="0" smtClean="0"/>
-          </a:p>
-        </p:txBody>
-      </p:sp>
-      <p:sp>
-        <p:nvSpPr>
-          <p:cNvPr id="4" name="スライド番号プレースホルダー 3"/>
+            <a:r>
+              <a:rPr lang="en-US" altLang="ja-JP" sz="1400" dirty="0"/>
+              <a:t>Generates the dipole moment surface in addition to the PES, when true. (default = false)  </a:t>
+            </a:r>
+          </a:p>
+        </p:txBody>
+      </p:sp>
+      <p:sp>
+        <p:nvSpPr>
+          <p:cNvPr id="2" name="スライド番号プレースホルダー 1"/>
           <p:cNvSpPr>
             <a:spLocks noGrp="1"/>
           </p:cNvSpPr>
@@ -7377,7 +8672,7 @@
     </p:spTree>
     <p:extLst>
       <p:ext uri="{BB962C8B-B14F-4D97-AF65-F5344CB8AC3E}">
-        <p14:creationId xmlns:p14="http://schemas.microsoft.com/office/powerpoint/2010/main" val="1860810041"/>
+        <p14:creationId xmlns:p14="http://schemas.microsoft.com/office/powerpoint/2010/main" val="1274043496"/>
       </p:ext>
     </p:extLst>
   </p:cSld>
@@ -7404,442 +8699,9 @@
           <a:chExt cx="0" cy="0"/>
         </a:xfrm>
       </p:grpSpPr>
-      <mc:AlternateContent xmlns:mc="http://schemas.openxmlformats.org/markup-compatibility/2006" xmlns:a14="http://schemas.microsoft.com/office/drawing/2010/main">
-        <mc:Choice Requires="a14">
-          <p:sp>
-            <p:nvSpPr>
-              <p:cNvPr id="2" name="テキスト ボックス 1"/>
-              <p:cNvSpPr txBox="1"/>
-              <p:nvPr/>
-            </p:nvSpPr>
-            <p:spPr>
-              <a:xfrm>
-                <a:off x="914401" y="232637"/>
-                <a:ext cx="7827665" cy="6077882"/>
-              </a:xfrm>
-              <a:prstGeom prst="rect">
-                <a:avLst/>
-              </a:prstGeom>
-              <a:noFill/>
-            </p:spPr>
-            <p:txBody>
-              <a:bodyPr wrap="square">
-                <a:spAutoFit/>
-              </a:bodyPr>
-              <a:lstStyle/>
-              <a:p>
-                <a:pPr>
-                  <a:defRPr/>
-                </a:pPr>
-                <a:r>
-                  <a:rPr lang="en-US" altLang="ja-JP" sz="1800" dirty="0" smtClean="0">
-                    <a:latin typeface="+mn-lt"/>
-                  </a:rPr>
-                  <a:t>QFF keys</a:t>
-                </a:r>
-              </a:p>
-              <a:p>
-                <a:pPr>
-                  <a:defRPr/>
-                </a:pPr>
-                <a:endParaRPr lang="en-US" altLang="ja-JP" sz="1800" dirty="0">
-                  <a:latin typeface="+mn-lt"/>
-                </a:endParaRPr>
-              </a:p>
-              <a:p>
-                <a:pPr marL="285750" indent="-285750">
-                  <a:buFont typeface="Arial" charset="0"/>
-                  <a:buChar char="•"/>
-                  <a:defRPr/>
-                </a:pPr>
-                <a:r>
-                  <a:rPr lang="en-US" altLang="ja-JP" sz="1400" dirty="0" err="1" smtClean="0"/>
-                  <a:t>stepsize</a:t>
-                </a:r>
-                <a:r>
-                  <a:rPr lang="en-US" altLang="ja-JP" sz="1400" dirty="0" smtClean="0"/>
-                  <a:t>: real number</a:t>
-                </a:r>
-                <a:endParaRPr lang="en-US" altLang="ja-JP" sz="1400" dirty="0"/>
-              </a:p>
-              <a:p>
-                <a:pPr lvl="1">
-                  <a:defRPr/>
-                </a:pPr>
-                <a:r>
-                  <a:rPr lang="en-US" altLang="ja-JP" sz="1400" dirty="0"/>
-                  <a:t>The step size for numerical differentiations in dimensionless unit </a:t>
-                </a:r>
-                <a:r>
-                  <a:rPr lang="en-US" altLang="ja-JP" sz="1400" dirty="0" smtClean="0"/>
-                  <a:t>(</a:t>
-                </a:r>
-                <a14:m>
-                  <m:oMath xmlns:m="http://schemas.openxmlformats.org/officeDocument/2006/math">
-                    <m:rad>
-                      <m:radPr>
-                        <m:degHide m:val="on"/>
-                        <m:ctrlPr>
-                          <a:rPr lang="en-US" altLang="ja-JP" sz="1400" i="1" smtClean="0">
-                            <a:latin typeface="Cambria Math" charset="0"/>
-                          </a:rPr>
-                        </m:ctrlPr>
-                      </m:radPr>
-                      <m:deg/>
-                      <m:e>
-                        <m:r>
-                          <a:rPr lang="en-US" altLang="ja-JP" sz="1400" b="0" i="1" smtClean="0">
-                            <a:latin typeface="Cambria Math" charset="0"/>
-                          </a:rPr>
-                          <m:t>𝜔</m:t>
-                        </m:r>
-                        <m:r>
-                          <a:rPr lang="en-US" altLang="ja-JP" sz="1400" b="0" i="1" smtClean="0">
-                            <a:latin typeface="Cambria Math" charset="0"/>
-                          </a:rPr>
-                          <m:t>/ℏ</m:t>
-                        </m:r>
-                      </m:e>
-                    </m:rad>
-                  </m:oMath>
-                </a14:m>
-                <a:r>
-                  <a:rPr lang="en-US" altLang="ja-JP" sz="1400" dirty="0" smtClean="0"/>
-                  <a:t> </a:t>
-                </a:r>
-                <a:r>
-                  <a:rPr lang="en-US" altLang="ja-JP" sz="1400" dirty="0"/>
-                  <a:t>∗ Q). (default = 0.5) </a:t>
-                </a:r>
-                <a:r>
-                  <a:rPr lang="en-US" altLang="ja-JP" sz="1400" dirty="0" smtClean="0"/>
-                  <a:t> </a:t>
-                </a:r>
-              </a:p>
-              <a:p>
-                <a:pPr lvl="2">
-                  <a:defRPr/>
-                </a:pPr>
-                <a:endParaRPr lang="en-US" altLang="ja-JP" sz="1400" dirty="0"/>
-              </a:p>
-              <a:p>
-                <a:pPr marL="285750" indent="-285750">
-                  <a:buFont typeface="Arial" charset="0"/>
-                  <a:buChar char="•"/>
-                  <a:defRPr/>
-                </a:pPr>
-                <a:r>
-                  <a:rPr lang="en-US" altLang="ja-JP" sz="1400" dirty="0" err="1" smtClean="0"/>
-                  <a:t>ndifftype</a:t>
-                </a:r>
-                <a:r>
-                  <a:rPr lang="en-US" altLang="ja-JP" sz="1400" dirty="0" smtClean="0"/>
-                  <a:t>:  grad/</a:t>
-                </a:r>
-                <a:r>
-                  <a:rPr lang="en-US" altLang="ja-JP" sz="1400" dirty="0" err="1" smtClean="0"/>
-                  <a:t>hess</a:t>
-                </a:r>
-                <a:endParaRPr lang="en-US" altLang="ja-JP" sz="1400" dirty="0"/>
-              </a:p>
-              <a:p>
-                <a:pPr lvl="1">
-                  <a:defRPr/>
-                </a:pPr>
-                <a:r>
-                  <a:rPr lang="en-US" altLang="ja-JP" sz="1400" dirty="0"/>
-                  <a:t>The type of numerical differentiations</a:t>
-                </a:r>
-                <a:r>
-                  <a:rPr lang="en-US" altLang="ja-JP" sz="1400" dirty="0" smtClean="0"/>
-                  <a:t>.</a:t>
-                </a:r>
-              </a:p>
-              <a:p>
-                <a:pPr lvl="2">
-                  <a:defRPr/>
-                </a:pPr>
-                <a:r>
-                  <a:rPr lang="en-US" altLang="ja-JP" sz="1400" dirty="0"/>
-                  <a:t>grad : Numerical 3rd-order diff. of gradient. </a:t>
-                </a:r>
-                <a:endParaRPr lang="en-US" altLang="ja-JP" sz="1400" dirty="0" smtClean="0"/>
-              </a:p>
-              <a:p>
-                <a:pPr lvl="2">
-                  <a:defRPr/>
-                </a:pPr>
-                <a:r>
-                  <a:rPr lang="en-US" altLang="ja-JP" sz="1400" dirty="0" err="1" smtClean="0"/>
-                  <a:t>hess</a:t>
-                </a:r>
-                <a:r>
-                  <a:rPr lang="en-US" altLang="ja-JP" sz="1400" dirty="0" smtClean="0"/>
-                  <a:t> (default) : </a:t>
-                </a:r>
-                <a:r>
-                  <a:rPr lang="en-US" altLang="ja-JP" sz="1400" dirty="0"/>
-                  <a:t>Numerical 2nd-order diff. of hessian. </a:t>
-                </a:r>
-              </a:p>
-              <a:p>
-                <a:pPr lvl="2">
-                  <a:defRPr/>
-                </a:pPr>
-                <a:endParaRPr lang="en-US" altLang="ja-JP" sz="1400" dirty="0"/>
-              </a:p>
-              <a:p>
-                <a:pPr marL="285750" indent="-285750">
-                  <a:buFont typeface="Arial" charset="0"/>
-                  <a:buChar char="•"/>
-                  <a:defRPr/>
-                </a:pPr>
-                <a:r>
-                  <a:rPr lang="en-US" altLang="ja-JP" sz="1400" dirty="0" err="1" smtClean="0"/>
-                  <a:t>mopfile</a:t>
-                </a:r>
-                <a:r>
-                  <a:rPr lang="en-US" altLang="ja-JP" sz="1400" dirty="0" smtClean="0"/>
-                  <a:t>: file name</a:t>
-                </a:r>
-                <a:endParaRPr lang="en-US" altLang="ja-JP" sz="1400" dirty="0"/>
-              </a:p>
-              <a:p>
-                <a:pPr lvl="1">
-                  <a:defRPr/>
-                </a:pPr>
-                <a:r>
-                  <a:rPr lang="en-US" altLang="ja-JP" sz="1400" dirty="0"/>
-                  <a:t>The name of mop file, in which the QFF coefficients are written. (default = prop_no_1</a:t>
-                </a:r>
-                <a:r>
-                  <a:rPr lang="en-US" altLang="ja-JP" sz="1400" dirty="0" smtClean="0"/>
-                  <a:t>.mop</a:t>
-                </a:r>
-                <a:r>
-                  <a:rPr lang="en-US" altLang="ja-JP" sz="1400" dirty="0"/>
-                  <a:t>) This format is compatible with the MIDAS software developed by Christiansen and coworkers. </a:t>
-                </a:r>
-                <a:r>
-                  <a:rPr lang="en-US" altLang="ja-JP" sz="1400" dirty="0" smtClean="0"/>
-                  <a:t> </a:t>
-                </a:r>
-              </a:p>
-              <a:p>
-                <a:pPr lvl="2">
-                  <a:defRPr/>
-                </a:pPr>
-                <a:endParaRPr lang="en-US" altLang="ja-JP" sz="1400" dirty="0" smtClean="0"/>
-              </a:p>
-              <a:p>
-                <a:pPr marL="285750" indent="-285750">
-                  <a:buFont typeface="Arial" charset="0"/>
-                  <a:buChar char="•"/>
-                  <a:defRPr/>
-                </a:pPr>
-                <a:r>
-                  <a:rPr lang="en-US" altLang="ja-JP" sz="1400" dirty="0" smtClean="0"/>
-                  <a:t>gradient </a:t>
-                </a:r>
-                <a:r>
-                  <a:rPr lang="en-US" altLang="ja-JP" sz="1400" dirty="0"/>
-                  <a:t>and </a:t>
-                </a:r>
-                <a:r>
-                  <a:rPr lang="en-US" altLang="ja-JP" sz="1400" dirty="0" smtClean="0"/>
-                  <a:t>hessian: input/current</a:t>
-                </a:r>
-              </a:p>
-              <a:p>
-                <a:pPr lvl="1">
-                  <a:defRPr/>
-                </a:pPr>
-                <a:r>
-                  <a:rPr lang="en-US" altLang="ja-JP" sz="1400" dirty="0"/>
-                  <a:t>Specifies where the gradient and Hessian </a:t>
-                </a:r>
-                <a:r>
-                  <a:rPr lang="en-US" altLang="ja-JP" sz="1400" dirty="0" smtClean="0"/>
-                  <a:t>are retrieved. </a:t>
-                </a:r>
-                <a:endParaRPr lang="en-US" altLang="ja-JP" sz="1400" dirty="0"/>
-              </a:p>
-              <a:p>
-                <a:pPr lvl="2">
-                  <a:defRPr/>
-                </a:pPr>
-                <a:r>
-                  <a:rPr lang="en-US" altLang="ja-JP" sz="1400" dirty="0" smtClean="0"/>
-                  <a:t>input (default) </a:t>
-                </a:r>
-                <a:r>
-                  <a:rPr lang="en-US" altLang="ja-JP" sz="1400" dirty="0"/>
-                  <a:t>: From the input </a:t>
-                </a:r>
-                <a:r>
-                  <a:rPr lang="en-US" altLang="ja-JP" sz="1400" dirty="0" err="1"/>
-                  <a:t>minfo</a:t>
-                </a:r>
-                <a:r>
-                  <a:rPr lang="en-US" altLang="ja-JP" sz="1400" dirty="0"/>
-                  <a:t> file.</a:t>
-                </a:r>
-                <a:br>
-                  <a:rPr lang="en-US" altLang="ja-JP" sz="1400" dirty="0"/>
-                </a:br>
-                <a:r>
-                  <a:rPr lang="en-US" altLang="ja-JP" sz="1400" dirty="0"/>
-                  <a:t>current : From the current calculation. (</a:t>
-                </a:r>
-                <a:r>
-                  <a:rPr lang="en-US" altLang="ja-JP" sz="1400" dirty="0" err="1" smtClean="0"/>
-                  <a:t>mkqff-eq.minfo</a:t>
-                </a:r>
-                <a:r>
-                  <a:rPr lang="en-US" altLang="ja-JP" sz="1400" dirty="0"/>
-                  <a:t>) </a:t>
-                </a:r>
-                <a:endParaRPr lang="en-US" altLang="ja-JP" sz="1400" dirty="0" smtClean="0"/>
-              </a:p>
-              <a:p>
-                <a:pPr lvl="2">
-                  <a:defRPr/>
-                </a:pPr>
-                <a:endParaRPr lang="en-US" altLang="ja-JP" sz="1400" dirty="0"/>
-              </a:p>
-              <a:p>
-                <a:pPr lvl="1">
-                  <a:defRPr/>
-                </a:pPr>
-                <a:r>
-                  <a:rPr lang="en-US" altLang="ja-JP" sz="1400" dirty="0" smtClean="0"/>
-                  <a:t>“</a:t>
-                </a:r>
-                <a:r>
-                  <a:rPr lang="en-US" altLang="ja-JP" sz="1400" dirty="0"/>
-                  <a:t>input</a:t>
-                </a:r>
-                <a:r>
-                  <a:rPr lang="en-US" altLang="ja-JP" sz="1400" dirty="0" smtClean="0"/>
-                  <a:t>” </a:t>
-                </a:r>
-                <a:r>
-                  <a:rPr lang="en-US" altLang="ja-JP" sz="1400" dirty="0"/>
-                  <a:t>is </a:t>
-                </a:r>
-                <a:r>
-                  <a:rPr lang="en-US" altLang="ja-JP" sz="1400" dirty="0" smtClean="0"/>
-                  <a:t>useful </a:t>
-                </a:r>
-                <a:r>
-                  <a:rPr lang="en-US" altLang="ja-JP" sz="1400" dirty="0"/>
-                  <a:t>for </a:t>
-                </a:r>
-                <a:r>
-                  <a:rPr lang="en-US" altLang="ja-JP" sz="1400" dirty="0" smtClean="0"/>
-                  <a:t>combining </a:t>
-                </a:r>
-                <a:r>
-                  <a:rPr lang="en-US" altLang="ja-JP" sz="1400" dirty="0"/>
-                  <a:t>accurate geometry, gradient, and Hessian, </a:t>
-                </a:r>
-                <a:r>
-                  <a:rPr lang="en-US" altLang="ja-JP" sz="1400" dirty="0" smtClean="0"/>
-                  <a:t>read </a:t>
-                </a:r>
-                <a:r>
-                  <a:rPr lang="en-US" altLang="ja-JP" sz="1400" dirty="0"/>
-                  <a:t>from the input </a:t>
-                </a:r>
-                <a:r>
-                  <a:rPr lang="en-US" altLang="ja-JP" sz="1400" dirty="0" err="1"/>
-                  <a:t>minfo</a:t>
-                </a:r>
-                <a:r>
-                  <a:rPr lang="en-US" altLang="ja-JP" sz="1400" dirty="0"/>
-                  <a:t> file, with </a:t>
-                </a:r>
-                <a:r>
-                  <a:rPr lang="en-US" altLang="ja-JP" sz="1400" dirty="0" smtClean="0"/>
-                  <a:t>lower-level </a:t>
-                </a:r>
-                <a:r>
-                  <a:rPr lang="en-US" altLang="ja-JP" sz="1400" dirty="0"/>
-                  <a:t>cubic and quartic terms, which are calculated </a:t>
-                </a:r>
-                <a:r>
-                  <a:rPr lang="en-US" altLang="ja-JP" sz="1400" dirty="0" smtClean="0"/>
-                  <a:t>by </a:t>
-                </a:r>
-                <a:r>
-                  <a:rPr lang="en-US" altLang="ja-JP" sz="1400" dirty="0" err="1" smtClean="0"/>
-                  <a:t>MakePES</a:t>
-                </a:r>
-                <a:r>
-                  <a:rPr lang="en-US" altLang="ja-JP" sz="1400" dirty="0" smtClean="0"/>
-                  <a:t> module. </a:t>
-                </a:r>
-              </a:p>
-              <a:p>
-                <a:pPr lvl="1">
-                  <a:defRPr/>
-                </a:pPr>
-                <a:endParaRPr lang="en-US" altLang="ja-JP" sz="1400" dirty="0"/>
-              </a:p>
-              <a:p>
-                <a:pPr lvl="1">
-                  <a:defRPr/>
-                </a:pPr>
-                <a:r>
-                  <a:rPr lang="en-US" altLang="ja-JP" sz="1400" dirty="0"/>
-                  <a:t>On the other hand, one might think of another strategy, where the geometry and coordinates are derived from a low-level of theory, and the QFF at a higher-level of theory. In that case, this option should be set to “current”, which incorporates the gradient and Hessian obtained from the current calculation. </a:t>
-                </a:r>
-              </a:p>
-            </p:txBody>
-          </p:sp>
-        </mc:Choice>
-        <mc:Fallback xmlns="">
-          <p:sp>
-            <p:nvSpPr>
-              <p:cNvPr id="2" name="テキスト ボックス 1"/>
-              <p:cNvSpPr txBox="1">
-                <a:spLocks noRot="1" noChangeAspect="1" noMove="1" noResize="1" noEditPoints="1" noAdjustHandles="1" noChangeArrowheads="1" noChangeShapeType="1" noTextEdit="1"/>
-              </p:cNvSpPr>
-              <p:nvPr/>
-            </p:nvSpPr>
-            <p:spPr>
-              <a:xfrm>
-                <a:off x="914401" y="232637"/>
-                <a:ext cx="7827665" cy="6077882"/>
-              </a:xfrm>
-              <a:prstGeom prst="rect">
-                <a:avLst/>
-              </a:prstGeom>
-              <a:blipFill rotWithShape="0">
-                <a:blip r:embed="rId2"/>
-                <a:stretch>
-                  <a:fillRect l="-623" t="-502"/>
-                </a:stretch>
-              </a:blipFill>
-            </p:spPr>
-            <p:txBody>
-              <a:bodyPr/>
-              <a:lstStyle/>
-              <a:p>
-                <a:r>
-                  <a:rPr lang="ja-JP" altLang="en-US">
-                    <a:noFill/>
-                  </a:rPr>
-                  <a:t> </a:t>
-                </a:r>
-              </a:p>
-            </p:txBody>
-          </p:sp>
-        </mc:Fallback>
-      </mc:AlternateContent>
-      <p:sp>
-        <p:nvSpPr>
-          <p:cNvPr id="3" name="スライド番号プレースホルダー 2"/>
+      <p:sp>
+        <p:nvSpPr>
+          <p:cNvPr id="2" name="スライド番号プレースホルダー 1"/>
           <p:cNvSpPr>
             <a:spLocks noGrp="1"/>
           </p:cNvSpPr>
@@ -7860,10 +8722,187 @@
           </a:p>
         </p:txBody>
       </p:sp>
+      <p:sp>
+        <p:nvSpPr>
+          <p:cNvPr id="3" name="テキスト ボックス 2"/>
+          <p:cNvSpPr txBox="1"/>
+          <p:nvPr/>
+        </p:nvSpPr>
+        <p:spPr>
+          <a:xfrm>
+            <a:off x="914401" y="137872"/>
+            <a:ext cx="7827665" cy="2246769"/>
+          </a:xfrm>
+          <a:prstGeom prst="rect">
+            <a:avLst/>
+          </a:prstGeom>
+          <a:noFill/>
+        </p:spPr>
+        <p:txBody>
+          <a:bodyPr wrap="square">
+            <a:spAutoFit/>
+          </a:bodyPr>
+          <a:lstStyle/>
+          <a:p>
+            <a:pPr marL="285750" indent="-285750">
+              <a:buFont typeface="Arial" charset="0"/>
+              <a:buChar char="•"/>
+              <a:defRPr/>
+            </a:pPr>
+            <a:r>
+              <a:rPr lang="en-US" altLang="ja-JP" sz="1400" dirty="0"/>
+              <a:t>interdomain: true / false</a:t>
+            </a:r>
+          </a:p>
+          <a:p>
+            <a:pPr lvl="1">
+              <a:defRPr/>
+            </a:pPr>
+            <a:r>
+              <a:rPr lang="en-US" altLang="ja-JP" sz="1400" dirty="0"/>
+              <a:t>Calculates inter-domain coupling terms, when true. (default = false)</a:t>
+            </a:r>
+          </a:p>
+          <a:p>
+            <a:pPr lvl="1">
+              <a:defRPr/>
+            </a:pPr>
+            <a:endParaRPr lang="en-US" altLang="ja-JP" sz="1400" dirty="0"/>
+          </a:p>
+          <a:p>
+            <a:pPr lvl="1">
+              <a:defRPr/>
+            </a:pPr>
+            <a:r>
+              <a:rPr lang="en-US" altLang="ja-JP" sz="1400" dirty="0"/>
+              <a:t>QFF</a:t>
+            </a:r>
+            <a:r>
+              <a:rPr lang="ja-JP" altLang="en-US" sz="1400" dirty="0"/>
+              <a:t>計算では、実行された量子化学計算の情報から、</a:t>
+            </a:r>
+            <a:r>
+              <a:rPr lang="en-US" altLang="ja-JP" sz="1400" dirty="0"/>
+              <a:t>Gradient</a:t>
+            </a:r>
+            <a:r>
+              <a:rPr lang="ja-JP" altLang="en-US" sz="1400" dirty="0"/>
+              <a:t>で数値微分の場合は</a:t>
+            </a:r>
+            <a:r>
+              <a:rPr lang="en-US" altLang="ja-JP" sz="1400" dirty="0" err="1"/>
+              <a:t>tiij</a:t>
+            </a:r>
+            <a:r>
+              <a:rPr lang="en-US" altLang="ja-JP" sz="1400" dirty="0"/>
+              <a:t>, </a:t>
+            </a:r>
+            <a:r>
+              <a:rPr lang="en-US" altLang="ja-JP" sz="1400" dirty="0" err="1"/>
+              <a:t>uiiij</a:t>
+            </a:r>
+            <a:r>
+              <a:rPr lang="ja-JP" altLang="en-US" sz="1400" dirty="0"/>
+              <a:t>、</a:t>
+            </a:r>
+            <a:r>
+              <a:rPr lang="en-US" altLang="ja-JP" sz="1400" dirty="0"/>
+              <a:t>Hessian</a:t>
+            </a:r>
+            <a:r>
+              <a:rPr lang="ja-JP" altLang="en-US" sz="1400" dirty="0"/>
+              <a:t>で数値微分の場合は</a:t>
+            </a:r>
+            <a:r>
+              <a:rPr lang="en-US" altLang="ja-JP" sz="1400" dirty="0"/>
+              <a:t>3MR</a:t>
+            </a:r>
+            <a:r>
+              <a:rPr lang="ja-JP" altLang="en-US" sz="1400" dirty="0"/>
+              <a:t>までドメイン間カップリングが計算可能だが、</a:t>
+            </a:r>
+            <a:r>
+              <a:rPr lang="en-US" altLang="ja-JP" sz="1400" dirty="0"/>
+              <a:t>interdomain = false</a:t>
+            </a:r>
+            <a:r>
+              <a:rPr lang="ja-JP" altLang="en-US" sz="1400"/>
+              <a:t>では</a:t>
+            </a:r>
+            <a:r>
+              <a:rPr lang="ja-JP" altLang="en-US" sz="1400" dirty="0"/>
+              <a:t>これらは出力されない。出力したい場合は、</a:t>
+            </a:r>
+            <a:r>
+              <a:rPr lang="en-US" altLang="ja-JP" sz="1400" dirty="0"/>
+              <a:t>interdomain=true</a:t>
+            </a:r>
+            <a:r>
+              <a:rPr lang="ja-JP" altLang="en-US" sz="1400"/>
+              <a:t>で</a:t>
+            </a:r>
+            <a:r>
+              <a:rPr lang="ja-JP" altLang="en-US" sz="1400" dirty="0"/>
+              <a:t>再計算する。</a:t>
+            </a:r>
+            <a:endParaRPr lang="en-US" altLang="ja-JP" sz="1400" dirty="0"/>
+          </a:p>
+          <a:p>
+            <a:pPr lvl="1">
+              <a:defRPr/>
+            </a:pPr>
+            <a:endParaRPr lang="en-US" altLang="ja-JP" sz="1400" dirty="0"/>
+          </a:p>
+          <a:p>
+            <a:pPr lvl="1">
+              <a:defRPr/>
+            </a:pPr>
+            <a:r>
+              <a:rPr lang="en-US" altLang="ja-JP" sz="1400" dirty="0"/>
+              <a:t>Hessian</a:t>
+            </a:r>
+            <a:r>
+              <a:rPr lang="ja-JP" altLang="en-US" sz="1400" dirty="0"/>
+              <a:t>の場合、</a:t>
+            </a:r>
+            <a:r>
+              <a:rPr lang="en-US" altLang="ja-JP" sz="1400" dirty="0" err="1"/>
+              <a:t>minfo.files</a:t>
+            </a:r>
+            <a:r>
+              <a:rPr lang="ja-JP" altLang="en-US" sz="1400" dirty="0"/>
+              <a:t>からデータを読み込めば、追加の量子化学計算なく</a:t>
+            </a:r>
+            <a:r>
+              <a:rPr lang="en-US" altLang="ja-JP" sz="1400" dirty="0"/>
+              <a:t>3MR</a:t>
+            </a:r>
+            <a:r>
+              <a:rPr lang="ja-JP" altLang="en-US" sz="1400" dirty="0"/>
+              <a:t>まで計算できため、実は計算負荷の軽減にはならない。</a:t>
+            </a:r>
+            <a:r>
+              <a:rPr lang="en-US" altLang="ja-JP" sz="1400" dirty="0"/>
+              <a:t>4MR</a:t>
+            </a:r>
+            <a:r>
+              <a:rPr lang="ja-JP" altLang="en-US" sz="1400" dirty="0"/>
+              <a:t>は追加計算が必要となる。</a:t>
+            </a:r>
+            <a:endParaRPr lang="en-US" altLang="ja-JP" sz="1400" dirty="0"/>
+          </a:p>
+          <a:p>
+            <a:pPr lvl="1">
+              <a:defRPr/>
+            </a:pPr>
+            <a:endParaRPr lang="en-US" altLang="ja-JP" sz="1400" dirty="0"/>
+          </a:p>
+        </p:txBody>
+      </p:sp>
     </p:spTree>
     <p:extLst>
       <p:ext uri="{BB962C8B-B14F-4D97-AF65-F5344CB8AC3E}">
-        <p14:creationId xmlns:p14="http://schemas.microsoft.com/office/powerpoint/2010/main" val="1524324311"/>
+        <p14:creationId xmlns:p14="http://schemas.microsoft.com/office/powerpoint/2010/main" val="962116655"/>
       </p:ext>
     </p:extLst>
   </p:cSld>

--- a/doc/MakePES/usage_MakePES.pptx
+++ b/doc/MakePES/usage_MakePES.pptx
@@ -5,24 +5,26 @@
     <p:sldMasterId id="2147483660" r:id="rId1"/>
   </p:sldMasterIdLst>
   <p:notesMasterIdLst>
-    <p:notesMasterId r:id="rId17"/>
+    <p:notesMasterId r:id="rId19"/>
   </p:notesMasterIdLst>
   <p:sldIdLst>
     <p:sldId id="256" r:id="rId2"/>
-    <p:sldId id="281" r:id="rId3"/>
-    <p:sldId id="257" r:id="rId4"/>
-    <p:sldId id="286" r:id="rId5"/>
-    <p:sldId id="290" r:id="rId6"/>
-    <p:sldId id="284" r:id="rId7"/>
-    <p:sldId id="273" r:id="rId8"/>
-    <p:sldId id="274" r:id="rId9"/>
-    <p:sldId id="280" r:id="rId10"/>
-    <p:sldId id="275" r:id="rId11"/>
-    <p:sldId id="276" r:id="rId12"/>
-    <p:sldId id="277" r:id="rId13"/>
-    <p:sldId id="278" r:id="rId14"/>
-    <p:sldId id="282" r:id="rId15"/>
-    <p:sldId id="279" r:id="rId16"/>
+    <p:sldId id="257" r:id="rId3"/>
+    <p:sldId id="286" r:id="rId4"/>
+    <p:sldId id="290" r:id="rId5"/>
+    <p:sldId id="292" r:id="rId6"/>
+    <p:sldId id="291" r:id="rId7"/>
+    <p:sldId id="293" r:id="rId8"/>
+    <p:sldId id="284" r:id="rId9"/>
+    <p:sldId id="273" r:id="rId10"/>
+    <p:sldId id="274" r:id="rId11"/>
+    <p:sldId id="280" r:id="rId12"/>
+    <p:sldId id="275" r:id="rId13"/>
+    <p:sldId id="276" r:id="rId14"/>
+    <p:sldId id="277" r:id="rId15"/>
+    <p:sldId id="278" r:id="rId16"/>
+    <p:sldId id="282" r:id="rId17"/>
+    <p:sldId id="279" r:id="rId18"/>
   </p:sldIdLst>
   <p:sldSz cx="9144000" cy="6858000" type="screen4x3"/>
   <p:notesSz cx="6858000" cy="9144000"/>
@@ -586,7 +588,7 @@
           <a:p>
             <a:fld id="{CB330B12-DA10-564A-B315-552E0E80E3C6}" type="slidenum">
               <a:rPr kumimoji="1" lang="ja-JP" altLang="en-US" smtClean="0"/>
-              <a:t>7</a:t>
+              <a:t>9</a:t>
             </a:fld>
             <a:endParaRPr kumimoji="1" lang="ja-JP" altLang="en-US"/>
           </a:p>
@@ -3859,14 +3861,41 @@
       </p:grpSpPr>
       <p:sp>
         <p:nvSpPr>
+          <p:cNvPr id="35841" name="タイトル 2"/>
+          <p:cNvSpPr>
+            <a:spLocks noGrp="1"/>
+          </p:cNvSpPr>
+          <p:nvPr>
+            <p:ph type="title"/>
+          </p:nvPr>
+        </p:nvSpPr>
+        <p:spPr/>
+        <p:txBody>
+          <a:bodyPr/>
+          <a:lstStyle/>
+          <a:p>
+            <a:r>
+              <a:rPr lang="en-US" altLang="ja-JP" dirty="0">
+                <a:cs typeface="メイリオ" charset="-128"/>
+              </a:rPr>
+              <a:t>List of all keys</a:t>
+            </a:r>
+            <a:endParaRPr lang="ja-JP" altLang="en-US" dirty="0">
+              <a:cs typeface="メイリオ" charset="-128"/>
+            </a:endParaRPr>
+          </a:p>
+        </p:txBody>
+      </p:sp>
+      <p:sp>
+        <p:nvSpPr>
           <p:cNvPr id="4" name="テキスト ボックス 3"/>
           <p:cNvSpPr txBox="1"/>
           <p:nvPr/>
         </p:nvSpPr>
         <p:spPr>
           <a:xfrm>
-            <a:off x="914401" y="137872"/>
-            <a:ext cx="7827665" cy="6001643"/>
+            <a:off x="914401" y="887135"/>
+            <a:ext cx="7827665" cy="5970865"/>
           </a:xfrm>
           <a:prstGeom prst="rect">
             <a:avLst/>
@@ -3879,6 +3908,25 @@
           </a:bodyPr>
           <a:lstStyle/>
           <a:p>
+            <a:pPr>
+              <a:defRPr/>
+            </a:pPr>
+            <a:r>
+              <a:rPr lang="en-US" altLang="ja-JP" sz="1800" dirty="0">
+                <a:latin typeface="+mn-lt"/>
+              </a:rPr>
+              <a:t>General keys</a:t>
+            </a:r>
+          </a:p>
+          <a:p>
+            <a:pPr>
+              <a:defRPr/>
+            </a:pPr>
+            <a:endParaRPr lang="en-US" altLang="ja-JP" sz="1800" dirty="0">
+              <a:latin typeface="+mn-lt"/>
+            </a:endParaRPr>
+          </a:p>
+          <a:p>
             <a:pPr marL="285750" indent="-285750">
               <a:buFont typeface="Arial" charset="0"/>
               <a:buChar char="•"/>
@@ -3886,11 +3934,11 @@
             </a:pPr>
             <a:r>
               <a:rPr lang="en-US" altLang="ja-JP" sz="1400" dirty="0" err="1"/>
-              <a:t>removefiles</a:t>
+              <a:t>runtype</a:t>
             </a:r>
             <a:r>
               <a:rPr lang="en-US" altLang="ja-JP" sz="1400" dirty="0"/>
-              <a:t>: true/false</a:t>
+              <a:t>: QFF/GRID/HYBRID</a:t>
             </a:r>
           </a:p>
           <a:p>
@@ -3899,7 +3947,7 @@
             </a:pPr>
             <a:r>
               <a:rPr lang="en-US" altLang="ja-JP" sz="1400" dirty="0"/>
-              <a:t>Removes the input/output files of the quantum chemistry program, when true. (default = false)</a:t>
+              <a:t>The type of run. One of the following must be specified. </a:t>
             </a:r>
           </a:p>
           <a:p>
@@ -3915,25 +3963,37 @@
               <a:defRPr/>
             </a:pPr>
             <a:r>
+              <a:rPr lang="en-US" altLang="ja-JP" sz="1400" dirty="0"/>
+              <a:t>molecule:  file name</a:t>
+            </a:r>
+          </a:p>
+          <a:p>
+            <a:pPr lvl="1">
+              <a:defRPr/>
+            </a:pPr>
+            <a:r>
+              <a:rPr lang="en-US" altLang="ja-JP" sz="1400" dirty="0"/>
+              <a:t>The name of </a:t>
+            </a:r>
+            <a:r>
               <a:rPr lang="en-US" altLang="ja-JP" sz="1400" dirty="0" err="1"/>
-              <a:t>dryrun</a:t>
+              <a:t>minfo</a:t>
             </a:r>
             <a:r>
               <a:rPr lang="en-US" altLang="ja-JP" sz="1400" dirty="0"/>
-              <a:t>: true/false</a:t>
-            </a:r>
-          </a:p>
-          <a:p>
-            <a:pPr lvl="1">
-              <a:defRPr/>
-            </a:pPr>
+              <a:t> file containing the vibrational data. The value is </a:t>
+            </a:r>
+            <a:r>
+              <a:rPr lang="en-US" altLang="ja-JP" sz="1400" u="sng" dirty="0"/>
+              <a:t>case sensitive</a:t>
+            </a:r>
             <a:r>
               <a:rPr lang="en-US" altLang="ja-JP" sz="1400" dirty="0"/>
-              <a:t>Generates the input files for the quantum chemistry program and exits without execution, when true. (default = false) </a:t>
-            </a:r>
-          </a:p>
-          <a:p>
-            <a:pPr lvl="1">
+              <a:t>.  </a:t>
+            </a:r>
+          </a:p>
+          <a:p>
+            <a:pPr lvl="2">
               <a:defRPr/>
             </a:pPr>
             <a:endParaRPr lang="en-US" altLang="ja-JP" sz="1400" dirty="0"/>
@@ -3945,12 +4005,8 @@
               <a:defRPr/>
             </a:pPr>
             <a:r>
-              <a:rPr lang="en-US" altLang="ja-JP" sz="1400" dirty="0" err="1"/>
-              <a:t>xyzfile</a:t>
-            </a:r>
-            <a:r>
               <a:rPr lang="en-US" altLang="ja-JP" sz="1400" dirty="0"/>
-              <a:t>: filename</a:t>
+              <a:t>MR:  1/2/3</a:t>
             </a:r>
           </a:p>
           <a:p>
@@ -3959,25 +4015,8 @@
             </a:pPr>
             <a:r>
               <a:rPr lang="en-US" altLang="ja-JP" sz="1400" dirty="0"/>
-              <a:t>Name of a xyz file, where the coordinates are written. (default = </a:t>
-            </a:r>
-            <a:r>
-              <a:rPr lang="en-US" altLang="ja-JP" sz="1400" dirty="0" err="1"/>
-              <a:t>makeQFF</a:t>
-            </a:r>
-            <a:r>
-              <a:rPr lang="en-US" altLang="ja-JP" sz="1400" dirty="0"/>
-              <a:t> for QFF and </a:t>
-            </a:r>
-            <a:r>
-              <a:rPr lang="en-US" altLang="ja-JP" sz="1400" dirty="0" err="1"/>
-              <a:t>makeGrid</a:t>
-            </a:r>
-            <a:r>
-              <a:rPr lang="en-US" altLang="ja-JP" sz="1400" dirty="0"/>
-              <a:t> for GRID)</a:t>
-            </a:r>
-            <a:endParaRPr lang="en-US" altLang="ja-JP" dirty="0"/>
+              <a:t>The order of mode coupling expansion. Can take 1, 2, or 3. (default = 3) </a:t>
+            </a:r>
           </a:p>
           <a:p>
             <a:pPr lvl="2">
@@ -3993,11 +4032,11 @@
             </a:pPr>
             <a:r>
               <a:rPr lang="en-US" altLang="ja-JP" sz="1400" dirty="0" err="1"/>
-              <a:t>qchem</a:t>
+              <a:t>activemode</a:t>
             </a:r>
             <a:r>
               <a:rPr lang="en-US" altLang="ja-JP" sz="1400" dirty="0"/>
-              <a:t>:  command lines (see below)</a:t>
+              <a:t>:  string of mode index</a:t>
             </a:r>
           </a:p>
           <a:p>
@@ -4006,7 +4045,7 @@
             </a:pPr>
             <a:r>
               <a:rPr lang="en-US" altLang="ja-JP" sz="1400" dirty="0"/>
-              <a:t>In each line after the entry tag of this key follows the type of the quantum chemistry program, a template file to generate input files for the program, and a label. The three components may be separated by space or </a:t>
+              <a:t>Specifies active modes for PES generation. All modes are active by default. The mode numbers should be separated by </a:t>
             </a:r>
             <a:r>
               <a:rPr lang="en-US" altLang="ja-JP" sz="1400" dirty="0" err="1"/>
@@ -4014,18 +4053,14 @@
             </a:r>
             <a:r>
               <a:rPr lang="en-US" altLang="ja-JP" sz="1400" dirty="0"/>
-              <a:t>. For example, the input looks like, </a:t>
-            </a:r>
-          </a:p>
-          <a:p>
-            <a:pPr lvl="2">
-              <a:defRPr/>
-            </a:pPr>
-            <a:endParaRPr lang="en-US" altLang="ja-JP" sz="1200" dirty="0">
-              <a:latin typeface="Courier" charset="0"/>
-              <a:ea typeface="Courier" charset="0"/>
-              <a:cs typeface="Courier" charset="0"/>
-            </a:endParaRPr>
+              <a:t> or space. A hyphen can be used for a sequence of mode number. For example, </a:t>
+            </a:r>
+          </a:p>
+          <a:p>
+            <a:pPr lvl="1">
+              <a:defRPr/>
+            </a:pPr>
+            <a:endParaRPr lang="en-US" altLang="ja-JP" sz="1400" dirty="0"/>
           </a:p>
           <a:p>
             <a:pPr lvl="2">
@@ -4045,7 +4080,7 @@
                 <a:ea typeface="Courier" charset="0"/>
                 <a:cs typeface="Courier" charset="0"/>
               </a:rPr>
-              <a:t>qchem</a:t>
+              <a:t>activemode</a:t>
             </a:r>
             <a:r>
               <a:rPr lang="en-US" altLang="ja-JP" sz="1200" dirty="0">
@@ -4053,8 +4088,37 @@
                 <a:ea typeface="Courier" charset="0"/>
                 <a:cs typeface="Courier" charset="0"/>
               </a:rPr>
-              <a:t>"&gt; </a:t>
-            </a:r>
+              <a:t>"&gt; 1,2,3,5 &lt;/entry&gt; </a:t>
+            </a:r>
+          </a:p>
+          <a:p>
+            <a:pPr lvl="1">
+              <a:defRPr/>
+            </a:pPr>
+            <a:endParaRPr lang="en-US" altLang="ja-JP" sz="1400" dirty="0"/>
+          </a:p>
+          <a:p>
+            <a:pPr lvl="1">
+              <a:defRPr/>
+            </a:pPr>
+            <a:r>
+              <a:rPr lang="en-US" altLang="ja-JP" sz="1400" dirty="0"/>
+              <a:t>is </a:t>
+            </a:r>
+            <a:r>
+              <a:rPr lang="en-US" altLang="ja-JP" sz="1400" dirty="0" err="1"/>
+              <a:t>equivalnet</a:t>
+            </a:r>
+            <a:r>
+              <a:rPr lang="en-US" altLang="ja-JP" sz="1400" dirty="0"/>
+              <a:t> to, </a:t>
+            </a:r>
+          </a:p>
+          <a:p>
+            <a:pPr lvl="1">
+              <a:defRPr/>
+            </a:pPr>
+            <a:endParaRPr lang="en-US" altLang="ja-JP" sz="1400" dirty="0"/>
           </a:p>
           <a:p>
             <a:pPr lvl="2">
@@ -4066,7 +4130,7 @@
                 <a:ea typeface="Courier" charset="0"/>
                 <a:cs typeface="Courier" charset="0"/>
               </a:rPr>
-              <a:t>Gaussian </a:t>
+              <a:t>&lt;entry key="</a:t>
             </a:r>
             <a:r>
               <a:rPr lang="en-US" altLang="ja-JP" sz="1200" dirty="0" err="1">
@@ -4074,7 +4138,7 @@
                 <a:ea typeface="Courier" charset="0"/>
                 <a:cs typeface="Courier" charset="0"/>
               </a:rPr>
-              <a:t>GaussianInput.xml</a:t>
+              <a:t>activemode</a:t>
             </a:r>
             <a:r>
               <a:rPr lang="en-US" altLang="ja-JP" sz="1200" dirty="0">
@@ -4082,52 +4146,7 @@
                 <a:ea typeface="Courier" charset="0"/>
                 <a:cs typeface="Courier" charset="0"/>
               </a:rPr>
-              <a:t> MP2/</a:t>
-            </a:r>
-            <a:r>
-              <a:rPr lang="en-US" altLang="ja-JP" sz="1200" dirty="0" err="1">
-                <a:latin typeface="Courier" charset="0"/>
-                <a:ea typeface="Courier" charset="0"/>
-                <a:cs typeface="Courier" charset="0"/>
-              </a:rPr>
-              <a:t>aug</a:t>
-            </a:r>
-            <a:r>
-              <a:rPr lang="en-US" altLang="ja-JP" sz="1200" dirty="0">
-                <a:latin typeface="Courier" charset="0"/>
-                <a:ea typeface="Courier" charset="0"/>
-                <a:cs typeface="Courier" charset="0"/>
-              </a:rPr>
-              <a:t>-cc-</a:t>
-            </a:r>
-            <a:r>
-              <a:rPr lang="en-US" altLang="ja-JP" sz="1200" dirty="0" err="1">
-                <a:latin typeface="Courier" charset="0"/>
-                <a:ea typeface="Courier" charset="0"/>
-                <a:cs typeface="Courier" charset="0"/>
-              </a:rPr>
-              <a:t>pVTZ</a:t>
-            </a:r>
-            <a:r>
-              <a:rPr lang="en-US" altLang="ja-JP" sz="1200" dirty="0">
-                <a:latin typeface="Courier" charset="0"/>
-                <a:ea typeface="Courier" charset="0"/>
-                <a:cs typeface="Courier" charset="0"/>
-              </a:rPr>
-              <a:t> (11) </a:t>
-            </a:r>
-          </a:p>
-          <a:p>
-            <a:pPr lvl="2">
-              <a:defRPr/>
-            </a:pPr>
-            <a:r>
-              <a:rPr lang="en-US" altLang="ja-JP" sz="1200" dirty="0">
-                <a:latin typeface="Courier" charset="0"/>
-                <a:ea typeface="Courier" charset="0"/>
-                <a:cs typeface="Courier" charset="0"/>
-              </a:rPr>
-              <a:t>&lt;/entry&gt; </a:t>
+              <a:t>"&gt; 1-3 5 &lt;/entry&gt; </a:t>
             </a:r>
           </a:p>
           <a:p>
@@ -4142,54 +4161,75 @@
             </a:pPr>
             <a:r>
               <a:rPr lang="en-US" altLang="ja-JP" sz="1400" dirty="0"/>
-              <a:t>The first value (Gaussian) specifies the quantum chemistry program, which may take one of the following: </a:t>
+              <a:t>which means Q</a:t>
+            </a:r>
+            <a:r>
+              <a:rPr lang="en-US" altLang="ja-JP" sz="1400" baseline="-25000" dirty="0"/>
+              <a:t>1</a:t>
+            </a:r>
+            <a:r>
+              <a:rPr lang="en-US" altLang="ja-JP" sz="1400" dirty="0"/>
+              <a:t>,Q</a:t>
+            </a:r>
+            <a:r>
+              <a:rPr lang="en-US" altLang="ja-JP" sz="1400" baseline="-25000" dirty="0"/>
+              <a:t>2</a:t>
+            </a:r>
+            <a:r>
+              <a:rPr lang="en-US" altLang="ja-JP" sz="1400" dirty="0"/>
+              <a:t>,Q</a:t>
+            </a:r>
+            <a:r>
+              <a:rPr lang="en-US" altLang="ja-JP" sz="1400" baseline="-25000" dirty="0"/>
+              <a:t>3</a:t>
+            </a:r>
+            <a:r>
+              <a:rPr lang="en-US" altLang="ja-JP" sz="1400" dirty="0"/>
+              <a:t>, and Q</a:t>
+            </a:r>
+            <a:r>
+              <a:rPr lang="en-US" altLang="ja-JP" sz="1400" baseline="-25000" dirty="0"/>
+              <a:t>5</a:t>
+            </a:r>
+            <a:r>
+              <a:rPr lang="en-US" altLang="ja-JP" sz="1400" dirty="0"/>
+              <a:t> are active, and Q</a:t>
+            </a:r>
+            <a:r>
+              <a:rPr lang="en-US" altLang="ja-JP" sz="1400" baseline="-25000" dirty="0"/>
+              <a:t>4</a:t>
+            </a:r>
+            <a:r>
+              <a:rPr lang="en-US" altLang="ja-JP" sz="1400" dirty="0"/>
+              <a:t> isn’t. </a:t>
+            </a:r>
+          </a:p>
+          <a:p>
+            <a:pPr marL="285750" indent="-285750">
+              <a:buFont typeface="Arial" charset="0"/>
+              <a:buChar char="•"/>
+              <a:defRPr/>
+            </a:pPr>
+            <a:endParaRPr lang="en-US" altLang="ja-JP" sz="1400" dirty="0"/>
+          </a:p>
+          <a:p>
+            <a:pPr marL="285750" indent="-285750">
+              <a:buFont typeface="Arial" charset="0"/>
+              <a:buChar char="•"/>
+              <a:defRPr/>
+            </a:pPr>
+            <a:r>
+              <a:rPr lang="en-US" altLang="ja-JP" sz="1400" dirty="0"/>
+              <a:t>dipole: true/false</a:t>
             </a:r>
           </a:p>
           <a:p>
             <a:pPr lvl="1">
               <a:defRPr/>
             </a:pPr>
-            <a:endParaRPr lang="en-US" altLang="ja-JP" sz="1400" dirty="0"/>
-          </a:p>
-          <a:p>
-            <a:pPr lvl="2">
-              <a:defRPr/>
-            </a:pPr>
             <a:r>
               <a:rPr lang="en-US" altLang="ja-JP" sz="1400" dirty="0"/>
-              <a:t>Gaussian : Gaussian03/09/16</a:t>
-            </a:r>
-          </a:p>
-          <a:p>
-            <a:pPr lvl="2">
-              <a:defRPr/>
-            </a:pPr>
-            <a:r>
-              <a:rPr lang="en-US" altLang="ja-JP" sz="1400" dirty="0"/>
-              <a:t>Generic : Generic (see below) </a:t>
-            </a:r>
-          </a:p>
-          <a:p>
-            <a:pPr lvl="1">
-              <a:defRPr/>
-            </a:pPr>
-            <a:endParaRPr lang="en-US" altLang="ja-JP" sz="1400" dirty="0"/>
-          </a:p>
-          <a:p>
-            <a:pPr lvl="1">
-              <a:defRPr/>
-            </a:pPr>
-            <a:r>
-              <a:rPr lang="en-US" altLang="ja-JP" sz="1400" dirty="0"/>
-              <a:t>The second value (</a:t>
-            </a:r>
-            <a:r>
-              <a:rPr lang="en-US" altLang="ja-JP" sz="1400" dirty="0" err="1"/>
-              <a:t>GaussianInput.xml</a:t>
-            </a:r>
-            <a:r>
-              <a:rPr lang="en-US" altLang="ja-JP" sz="1400" dirty="0"/>
-              <a:t>) is the name of the XML file, which contains the information to generate the input files for the program. This value is case sensitive. </a:t>
+              <a:t>Generates the dipole moment surface in addition to the PES, when true. (default = false)  </a:t>
             </a:r>
           </a:p>
         </p:txBody>
@@ -4220,7 +4260,7 @@
     </p:spTree>
     <p:extLst>
       <p:ext uri="{BB962C8B-B14F-4D97-AF65-F5344CB8AC3E}">
-        <p14:creationId xmlns:p14="http://schemas.microsoft.com/office/powerpoint/2010/main" val="1025583675"/>
+        <p14:creationId xmlns:p14="http://schemas.microsoft.com/office/powerpoint/2010/main" val="1274043496"/>
       </p:ext>
     </p:extLst>
   </p:cSld>
@@ -4249,6 +4289,626 @@
       </p:grpSpPr>
       <p:sp>
         <p:nvSpPr>
+          <p:cNvPr id="2" name="スライド番号プレースホルダー 1"/>
+          <p:cNvSpPr>
+            <a:spLocks noGrp="1"/>
+          </p:cNvSpPr>
+          <p:nvPr>
+            <p:ph type="sldNum" sz="quarter" idx="12"/>
+          </p:nvPr>
+        </p:nvSpPr>
+        <p:spPr/>
+        <p:txBody>
+          <a:bodyPr/>
+          <a:lstStyle/>
+          <a:p>
+            <a:fld id="{7D34BB6B-1E1A-9541-9560-488905BF54FF}" type="slidenum">
+              <a:rPr kumimoji="1" lang="ja-JP" altLang="en-US" smtClean="0"/>
+              <a:t>10</a:t>
+            </a:fld>
+            <a:endParaRPr kumimoji="1" lang="ja-JP" altLang="en-US"/>
+          </a:p>
+        </p:txBody>
+      </p:sp>
+      <p:sp>
+        <p:nvSpPr>
+          <p:cNvPr id="3" name="テキスト ボックス 2"/>
+          <p:cNvSpPr txBox="1"/>
+          <p:nvPr/>
+        </p:nvSpPr>
+        <p:spPr>
+          <a:xfrm>
+            <a:off x="914401" y="137872"/>
+            <a:ext cx="7827665" cy="2246769"/>
+          </a:xfrm>
+          <a:prstGeom prst="rect">
+            <a:avLst/>
+          </a:prstGeom>
+          <a:noFill/>
+        </p:spPr>
+        <p:txBody>
+          <a:bodyPr wrap="square">
+            <a:spAutoFit/>
+          </a:bodyPr>
+          <a:lstStyle/>
+          <a:p>
+            <a:pPr marL="285750" indent="-285750">
+              <a:buFont typeface="Arial" charset="0"/>
+              <a:buChar char="•"/>
+              <a:defRPr/>
+            </a:pPr>
+            <a:r>
+              <a:rPr lang="en-US" altLang="ja-JP" sz="1400" dirty="0"/>
+              <a:t>interdomain: true / false</a:t>
+            </a:r>
+          </a:p>
+          <a:p>
+            <a:pPr lvl="1">
+              <a:defRPr/>
+            </a:pPr>
+            <a:r>
+              <a:rPr lang="en-US" altLang="ja-JP" sz="1400" dirty="0"/>
+              <a:t>Calculates inter-domain coupling terms, when true. (default = false)</a:t>
+            </a:r>
+          </a:p>
+          <a:p>
+            <a:pPr lvl="1">
+              <a:defRPr/>
+            </a:pPr>
+            <a:endParaRPr lang="en-US" altLang="ja-JP" sz="1400" dirty="0"/>
+          </a:p>
+          <a:p>
+            <a:pPr lvl="1">
+              <a:defRPr/>
+            </a:pPr>
+            <a:r>
+              <a:rPr lang="en-US" altLang="ja-JP" sz="1400" dirty="0"/>
+              <a:t>QFF</a:t>
+            </a:r>
+            <a:r>
+              <a:rPr lang="ja-JP" altLang="en-US" sz="1400" dirty="0"/>
+              <a:t>計算では、実行された量子化学計算の情報から、</a:t>
+            </a:r>
+            <a:r>
+              <a:rPr lang="en-US" altLang="ja-JP" sz="1400" dirty="0"/>
+              <a:t>Gradient</a:t>
+            </a:r>
+            <a:r>
+              <a:rPr lang="ja-JP" altLang="en-US" sz="1400" dirty="0"/>
+              <a:t>で数値微分の場合は</a:t>
+            </a:r>
+            <a:r>
+              <a:rPr lang="en-US" altLang="ja-JP" sz="1400" dirty="0" err="1"/>
+              <a:t>tiij</a:t>
+            </a:r>
+            <a:r>
+              <a:rPr lang="en-US" altLang="ja-JP" sz="1400" dirty="0"/>
+              <a:t>, </a:t>
+            </a:r>
+            <a:r>
+              <a:rPr lang="en-US" altLang="ja-JP" sz="1400" dirty="0" err="1"/>
+              <a:t>uiiij</a:t>
+            </a:r>
+            <a:r>
+              <a:rPr lang="ja-JP" altLang="en-US" sz="1400" dirty="0"/>
+              <a:t>、</a:t>
+            </a:r>
+            <a:r>
+              <a:rPr lang="en-US" altLang="ja-JP" sz="1400" dirty="0"/>
+              <a:t>Hessian</a:t>
+            </a:r>
+            <a:r>
+              <a:rPr lang="ja-JP" altLang="en-US" sz="1400" dirty="0"/>
+              <a:t>で数値微分の場合は</a:t>
+            </a:r>
+            <a:r>
+              <a:rPr lang="en-US" altLang="ja-JP" sz="1400" dirty="0"/>
+              <a:t>3MR</a:t>
+            </a:r>
+            <a:r>
+              <a:rPr lang="ja-JP" altLang="en-US" sz="1400" dirty="0"/>
+              <a:t>までドメイン間カップリングが計算可能だが、</a:t>
+            </a:r>
+            <a:r>
+              <a:rPr lang="en-US" altLang="ja-JP" sz="1400" dirty="0"/>
+              <a:t>interdomain = false</a:t>
+            </a:r>
+            <a:r>
+              <a:rPr lang="ja-JP" altLang="en-US" sz="1400"/>
+              <a:t>では</a:t>
+            </a:r>
+            <a:r>
+              <a:rPr lang="ja-JP" altLang="en-US" sz="1400" dirty="0"/>
+              <a:t>これらは出力されない。出力したい場合は、</a:t>
+            </a:r>
+            <a:r>
+              <a:rPr lang="en-US" altLang="ja-JP" sz="1400" dirty="0"/>
+              <a:t>interdomain=true</a:t>
+            </a:r>
+            <a:r>
+              <a:rPr lang="ja-JP" altLang="en-US" sz="1400"/>
+              <a:t>で</a:t>
+            </a:r>
+            <a:r>
+              <a:rPr lang="ja-JP" altLang="en-US" sz="1400" dirty="0"/>
+              <a:t>再計算する。</a:t>
+            </a:r>
+            <a:endParaRPr lang="en-US" altLang="ja-JP" sz="1400" dirty="0"/>
+          </a:p>
+          <a:p>
+            <a:pPr lvl="1">
+              <a:defRPr/>
+            </a:pPr>
+            <a:endParaRPr lang="en-US" altLang="ja-JP" sz="1400" dirty="0"/>
+          </a:p>
+          <a:p>
+            <a:pPr lvl="1">
+              <a:defRPr/>
+            </a:pPr>
+            <a:r>
+              <a:rPr lang="en-US" altLang="ja-JP" sz="1400" dirty="0"/>
+              <a:t>Hessian</a:t>
+            </a:r>
+            <a:r>
+              <a:rPr lang="ja-JP" altLang="en-US" sz="1400" dirty="0"/>
+              <a:t>の場合、</a:t>
+            </a:r>
+            <a:r>
+              <a:rPr lang="en-US" altLang="ja-JP" sz="1400" dirty="0" err="1"/>
+              <a:t>minfo.files</a:t>
+            </a:r>
+            <a:r>
+              <a:rPr lang="ja-JP" altLang="en-US" sz="1400" dirty="0"/>
+              <a:t>からデータを読み込めば、追加の量子化学計算なく</a:t>
+            </a:r>
+            <a:r>
+              <a:rPr lang="en-US" altLang="ja-JP" sz="1400" dirty="0"/>
+              <a:t>3MR</a:t>
+            </a:r>
+            <a:r>
+              <a:rPr lang="ja-JP" altLang="en-US" sz="1400" dirty="0"/>
+              <a:t>まで計算できため、実は計算負荷の軽減にはならない。</a:t>
+            </a:r>
+            <a:r>
+              <a:rPr lang="en-US" altLang="ja-JP" sz="1400" dirty="0"/>
+              <a:t>4MR</a:t>
+            </a:r>
+            <a:r>
+              <a:rPr lang="ja-JP" altLang="en-US" sz="1400" dirty="0"/>
+              <a:t>は追加計算が必要となる。</a:t>
+            </a:r>
+            <a:endParaRPr lang="en-US" altLang="ja-JP" sz="1400" dirty="0"/>
+          </a:p>
+          <a:p>
+            <a:pPr lvl="1">
+              <a:defRPr/>
+            </a:pPr>
+            <a:endParaRPr lang="en-US" altLang="ja-JP" sz="1400" dirty="0"/>
+          </a:p>
+        </p:txBody>
+      </p:sp>
+    </p:spTree>
+    <p:extLst>
+      <p:ext uri="{BB962C8B-B14F-4D97-AF65-F5344CB8AC3E}">
+        <p14:creationId xmlns:p14="http://schemas.microsoft.com/office/powerpoint/2010/main" val="962116655"/>
+      </p:ext>
+    </p:extLst>
+  </p:cSld>
+  <p:clrMapOvr>
+    <a:masterClrMapping/>
+  </p:clrMapOvr>
+</p:sld>
+</file>
+
+<file path=ppt/slides/slide12.xml><?xml version="1.0" encoding="utf-8"?>
+<p:sld xmlns:a="http://schemas.openxmlformats.org/drawingml/2006/main" xmlns:r="http://schemas.openxmlformats.org/officeDocument/2006/relationships" xmlns:p="http://schemas.openxmlformats.org/presentationml/2006/main">
+  <p:cSld>
+    <p:spTree>
+      <p:nvGrpSpPr>
+        <p:cNvPr id="1" name=""/>
+        <p:cNvGrpSpPr/>
+        <p:nvPr/>
+      </p:nvGrpSpPr>
+      <p:grpSpPr>
+        <a:xfrm>
+          <a:off x="0" y="0"/>
+          <a:ext cx="0" cy="0"/>
+          <a:chOff x="0" y="0"/>
+          <a:chExt cx="0" cy="0"/>
+        </a:xfrm>
+      </p:grpSpPr>
+      <p:sp>
+        <p:nvSpPr>
+          <p:cNvPr id="4" name="テキスト ボックス 3"/>
+          <p:cNvSpPr txBox="1"/>
+          <p:nvPr/>
+        </p:nvSpPr>
+        <p:spPr>
+          <a:xfrm>
+            <a:off x="914401" y="137872"/>
+            <a:ext cx="7827665" cy="6001643"/>
+          </a:xfrm>
+          <a:prstGeom prst="rect">
+            <a:avLst/>
+          </a:prstGeom>
+          <a:noFill/>
+        </p:spPr>
+        <p:txBody>
+          <a:bodyPr wrap="square">
+            <a:spAutoFit/>
+          </a:bodyPr>
+          <a:lstStyle/>
+          <a:p>
+            <a:pPr marL="285750" indent="-285750">
+              <a:buFont typeface="Arial" charset="0"/>
+              <a:buChar char="•"/>
+              <a:defRPr/>
+            </a:pPr>
+            <a:r>
+              <a:rPr lang="en-US" altLang="ja-JP" sz="1400" dirty="0" err="1"/>
+              <a:t>removefiles</a:t>
+            </a:r>
+            <a:r>
+              <a:rPr lang="en-US" altLang="ja-JP" sz="1400" dirty="0"/>
+              <a:t>: true/false</a:t>
+            </a:r>
+          </a:p>
+          <a:p>
+            <a:pPr lvl="1">
+              <a:defRPr/>
+            </a:pPr>
+            <a:r>
+              <a:rPr lang="en-US" altLang="ja-JP" sz="1400" dirty="0"/>
+              <a:t>Removes the input/output files of the quantum chemistry program, when true. (default = false)</a:t>
+            </a:r>
+          </a:p>
+          <a:p>
+            <a:pPr lvl="2">
+              <a:defRPr/>
+            </a:pPr>
+            <a:endParaRPr lang="en-US" altLang="ja-JP" sz="1400" dirty="0"/>
+          </a:p>
+          <a:p>
+            <a:pPr marL="285750" indent="-285750">
+              <a:buFont typeface="Arial" charset="0"/>
+              <a:buChar char="•"/>
+              <a:defRPr/>
+            </a:pPr>
+            <a:r>
+              <a:rPr lang="en-US" altLang="ja-JP" sz="1400" dirty="0" err="1"/>
+              <a:t>dryrun</a:t>
+            </a:r>
+            <a:r>
+              <a:rPr lang="en-US" altLang="ja-JP" sz="1400" dirty="0"/>
+              <a:t>: true/false</a:t>
+            </a:r>
+          </a:p>
+          <a:p>
+            <a:pPr lvl="1">
+              <a:defRPr/>
+            </a:pPr>
+            <a:r>
+              <a:rPr lang="en-US" altLang="ja-JP" sz="1400" dirty="0"/>
+              <a:t>Generates the input files for the quantum chemistry program and exits without execution, when true. (default = false) </a:t>
+            </a:r>
+          </a:p>
+          <a:p>
+            <a:pPr lvl="1">
+              <a:defRPr/>
+            </a:pPr>
+            <a:endParaRPr lang="en-US" altLang="ja-JP" sz="1400" dirty="0"/>
+          </a:p>
+          <a:p>
+            <a:pPr marL="285750" indent="-285750">
+              <a:buFont typeface="Arial" charset="0"/>
+              <a:buChar char="•"/>
+              <a:defRPr/>
+            </a:pPr>
+            <a:r>
+              <a:rPr lang="en-US" altLang="ja-JP" sz="1400" dirty="0" err="1"/>
+              <a:t>xyzfile</a:t>
+            </a:r>
+            <a:r>
+              <a:rPr lang="en-US" altLang="ja-JP" sz="1400" dirty="0"/>
+              <a:t>: filename</a:t>
+            </a:r>
+          </a:p>
+          <a:p>
+            <a:pPr lvl="1">
+              <a:defRPr/>
+            </a:pPr>
+            <a:r>
+              <a:rPr lang="en-US" altLang="ja-JP" sz="1400" dirty="0"/>
+              <a:t>Name of a xyz file, where the coordinates are written. (default = </a:t>
+            </a:r>
+            <a:r>
+              <a:rPr lang="en-US" altLang="ja-JP" sz="1400" dirty="0" err="1"/>
+              <a:t>makeQFF</a:t>
+            </a:r>
+            <a:r>
+              <a:rPr lang="en-US" altLang="ja-JP" sz="1400" dirty="0"/>
+              <a:t> for QFF and </a:t>
+            </a:r>
+            <a:r>
+              <a:rPr lang="en-US" altLang="ja-JP" sz="1400" dirty="0" err="1"/>
+              <a:t>makeGrid</a:t>
+            </a:r>
+            <a:r>
+              <a:rPr lang="en-US" altLang="ja-JP" sz="1400" dirty="0"/>
+              <a:t> for GRID)</a:t>
+            </a:r>
+            <a:endParaRPr lang="en-US" altLang="ja-JP" dirty="0"/>
+          </a:p>
+          <a:p>
+            <a:pPr lvl="2">
+              <a:defRPr/>
+            </a:pPr>
+            <a:endParaRPr lang="en-US" altLang="ja-JP" sz="1400" dirty="0"/>
+          </a:p>
+          <a:p>
+            <a:pPr marL="285750" indent="-285750">
+              <a:buFont typeface="Arial" charset="0"/>
+              <a:buChar char="•"/>
+              <a:defRPr/>
+            </a:pPr>
+            <a:r>
+              <a:rPr lang="en-US" altLang="ja-JP" sz="1400" dirty="0" err="1"/>
+              <a:t>qchem</a:t>
+            </a:r>
+            <a:r>
+              <a:rPr lang="en-US" altLang="ja-JP" sz="1400" dirty="0"/>
+              <a:t>:  command lines (see below)</a:t>
+            </a:r>
+          </a:p>
+          <a:p>
+            <a:pPr lvl="1">
+              <a:defRPr/>
+            </a:pPr>
+            <a:r>
+              <a:rPr lang="en-US" altLang="ja-JP" sz="1400" dirty="0"/>
+              <a:t>In each line after the entry tag of this key follows the type of the quantum chemistry program, a template file to generate input files for the program, and a label. The three components may be separated by space or </a:t>
+            </a:r>
+            <a:r>
+              <a:rPr lang="en-US" altLang="ja-JP" sz="1400" dirty="0" err="1"/>
+              <a:t>camma</a:t>
+            </a:r>
+            <a:r>
+              <a:rPr lang="en-US" altLang="ja-JP" sz="1400" dirty="0"/>
+              <a:t>. For example, the input looks like, </a:t>
+            </a:r>
+          </a:p>
+          <a:p>
+            <a:pPr lvl="2">
+              <a:defRPr/>
+            </a:pPr>
+            <a:endParaRPr lang="en-US" altLang="ja-JP" sz="1200" dirty="0">
+              <a:latin typeface="Courier" charset="0"/>
+              <a:ea typeface="Courier" charset="0"/>
+              <a:cs typeface="Courier" charset="0"/>
+            </a:endParaRPr>
+          </a:p>
+          <a:p>
+            <a:pPr lvl="2">
+              <a:defRPr/>
+            </a:pPr>
+            <a:r>
+              <a:rPr lang="en-US" altLang="ja-JP" sz="1200" dirty="0">
+                <a:latin typeface="Courier" charset="0"/>
+                <a:ea typeface="Courier" charset="0"/>
+                <a:cs typeface="Courier" charset="0"/>
+              </a:rPr>
+              <a:t>&lt;entry key="</a:t>
+            </a:r>
+            <a:r>
+              <a:rPr lang="en-US" altLang="ja-JP" sz="1200" dirty="0" err="1">
+                <a:latin typeface="Courier" charset="0"/>
+                <a:ea typeface="Courier" charset="0"/>
+                <a:cs typeface="Courier" charset="0"/>
+              </a:rPr>
+              <a:t>qchem</a:t>
+            </a:r>
+            <a:r>
+              <a:rPr lang="en-US" altLang="ja-JP" sz="1200" dirty="0">
+                <a:latin typeface="Courier" charset="0"/>
+                <a:ea typeface="Courier" charset="0"/>
+                <a:cs typeface="Courier" charset="0"/>
+              </a:rPr>
+              <a:t>"&gt; </a:t>
+            </a:r>
+          </a:p>
+          <a:p>
+            <a:pPr lvl="2">
+              <a:defRPr/>
+            </a:pPr>
+            <a:r>
+              <a:rPr lang="en-US" altLang="ja-JP" sz="1200" dirty="0">
+                <a:latin typeface="Courier" charset="0"/>
+                <a:ea typeface="Courier" charset="0"/>
+                <a:cs typeface="Courier" charset="0"/>
+              </a:rPr>
+              <a:t>Gaussian </a:t>
+            </a:r>
+            <a:r>
+              <a:rPr lang="en-US" altLang="ja-JP" sz="1200" dirty="0" err="1">
+                <a:latin typeface="Courier" charset="0"/>
+                <a:ea typeface="Courier" charset="0"/>
+                <a:cs typeface="Courier" charset="0"/>
+              </a:rPr>
+              <a:t>GaussianInput.xml</a:t>
+            </a:r>
+            <a:r>
+              <a:rPr lang="en-US" altLang="ja-JP" sz="1200" dirty="0">
+                <a:latin typeface="Courier" charset="0"/>
+                <a:ea typeface="Courier" charset="0"/>
+                <a:cs typeface="Courier" charset="0"/>
+              </a:rPr>
+              <a:t> MP2/</a:t>
+            </a:r>
+            <a:r>
+              <a:rPr lang="en-US" altLang="ja-JP" sz="1200" dirty="0" err="1">
+                <a:latin typeface="Courier" charset="0"/>
+                <a:ea typeface="Courier" charset="0"/>
+                <a:cs typeface="Courier" charset="0"/>
+              </a:rPr>
+              <a:t>aug</a:t>
+            </a:r>
+            <a:r>
+              <a:rPr lang="en-US" altLang="ja-JP" sz="1200" dirty="0">
+                <a:latin typeface="Courier" charset="0"/>
+                <a:ea typeface="Courier" charset="0"/>
+                <a:cs typeface="Courier" charset="0"/>
+              </a:rPr>
+              <a:t>-cc-</a:t>
+            </a:r>
+            <a:r>
+              <a:rPr lang="en-US" altLang="ja-JP" sz="1200" dirty="0" err="1">
+                <a:latin typeface="Courier" charset="0"/>
+                <a:ea typeface="Courier" charset="0"/>
+                <a:cs typeface="Courier" charset="0"/>
+              </a:rPr>
+              <a:t>pVTZ</a:t>
+            </a:r>
+            <a:r>
+              <a:rPr lang="en-US" altLang="ja-JP" sz="1200" dirty="0">
+                <a:latin typeface="Courier" charset="0"/>
+                <a:ea typeface="Courier" charset="0"/>
+                <a:cs typeface="Courier" charset="0"/>
+              </a:rPr>
+              <a:t> (11) </a:t>
+            </a:r>
+          </a:p>
+          <a:p>
+            <a:pPr lvl="2">
+              <a:defRPr/>
+            </a:pPr>
+            <a:r>
+              <a:rPr lang="en-US" altLang="ja-JP" sz="1200" dirty="0">
+                <a:latin typeface="Courier" charset="0"/>
+                <a:ea typeface="Courier" charset="0"/>
+                <a:cs typeface="Courier" charset="0"/>
+              </a:rPr>
+              <a:t>&lt;/entry&gt; </a:t>
+            </a:r>
+          </a:p>
+          <a:p>
+            <a:pPr lvl="1">
+              <a:defRPr/>
+            </a:pPr>
+            <a:endParaRPr lang="en-US" altLang="ja-JP" sz="1400" dirty="0"/>
+          </a:p>
+          <a:p>
+            <a:pPr lvl="1">
+              <a:defRPr/>
+            </a:pPr>
+            <a:r>
+              <a:rPr lang="en-US" altLang="ja-JP" sz="1400" dirty="0"/>
+              <a:t>The first value (Gaussian) specifies the quantum chemistry program, which may take one of the following: </a:t>
+            </a:r>
+          </a:p>
+          <a:p>
+            <a:pPr lvl="1">
+              <a:defRPr/>
+            </a:pPr>
+            <a:endParaRPr lang="en-US" altLang="ja-JP" sz="1400" dirty="0"/>
+          </a:p>
+          <a:p>
+            <a:pPr lvl="2">
+              <a:defRPr/>
+            </a:pPr>
+            <a:r>
+              <a:rPr lang="en-US" altLang="ja-JP" sz="1400" dirty="0"/>
+              <a:t>Gaussian : Gaussian03/09/16</a:t>
+            </a:r>
+          </a:p>
+          <a:p>
+            <a:pPr lvl="2">
+              <a:defRPr/>
+            </a:pPr>
+            <a:r>
+              <a:rPr lang="en-US" altLang="ja-JP" sz="1400" dirty="0"/>
+              <a:t>Generic : Generic (see below) </a:t>
+            </a:r>
+          </a:p>
+          <a:p>
+            <a:pPr lvl="1">
+              <a:defRPr/>
+            </a:pPr>
+            <a:endParaRPr lang="en-US" altLang="ja-JP" sz="1400" dirty="0"/>
+          </a:p>
+          <a:p>
+            <a:pPr lvl="1">
+              <a:defRPr/>
+            </a:pPr>
+            <a:r>
+              <a:rPr lang="en-US" altLang="ja-JP" sz="1400" dirty="0"/>
+              <a:t>The second value (</a:t>
+            </a:r>
+            <a:r>
+              <a:rPr lang="en-US" altLang="ja-JP" sz="1400" dirty="0" err="1"/>
+              <a:t>GaussianInput.xml</a:t>
+            </a:r>
+            <a:r>
+              <a:rPr lang="en-US" altLang="ja-JP" sz="1400" dirty="0"/>
+              <a:t>) is the name of the XML file, which contains the information to generate the input files for the program. This value is case sensitive. </a:t>
+            </a:r>
+          </a:p>
+        </p:txBody>
+      </p:sp>
+      <p:sp>
+        <p:nvSpPr>
+          <p:cNvPr id="2" name="スライド番号プレースホルダー 1"/>
+          <p:cNvSpPr>
+            <a:spLocks noGrp="1"/>
+          </p:cNvSpPr>
+          <p:nvPr>
+            <p:ph type="sldNum" sz="quarter" idx="12"/>
+          </p:nvPr>
+        </p:nvSpPr>
+        <p:spPr/>
+        <p:txBody>
+          <a:bodyPr/>
+          <a:lstStyle/>
+          <a:p>
+            <a:fld id="{7D34BB6B-1E1A-9541-9560-488905BF54FF}" type="slidenum">
+              <a:rPr kumimoji="1" lang="ja-JP" altLang="en-US" smtClean="0"/>
+              <a:t>11</a:t>
+            </a:fld>
+            <a:endParaRPr kumimoji="1" lang="ja-JP" altLang="en-US"/>
+          </a:p>
+        </p:txBody>
+      </p:sp>
+    </p:spTree>
+    <p:extLst>
+      <p:ext uri="{BB962C8B-B14F-4D97-AF65-F5344CB8AC3E}">
+        <p14:creationId xmlns:p14="http://schemas.microsoft.com/office/powerpoint/2010/main" val="1025583675"/>
+      </p:ext>
+    </p:extLst>
+  </p:cSld>
+  <p:clrMapOvr>
+    <a:masterClrMapping/>
+  </p:clrMapOvr>
+</p:sld>
+</file>
+
+<file path=ppt/slides/slide13.xml><?xml version="1.0" encoding="utf-8"?>
+<p:sld xmlns:a="http://schemas.openxmlformats.org/drawingml/2006/main" xmlns:r="http://schemas.openxmlformats.org/officeDocument/2006/relationships" xmlns:p="http://schemas.openxmlformats.org/presentationml/2006/main">
+  <p:cSld>
+    <p:spTree>
+      <p:nvGrpSpPr>
+        <p:cNvPr id="1" name=""/>
+        <p:cNvGrpSpPr/>
+        <p:nvPr/>
+      </p:nvGrpSpPr>
+      <p:grpSpPr>
+        <a:xfrm>
+          <a:off x="0" y="0"/>
+          <a:ext cx="0" cy="0"/>
+          <a:chOff x="0" y="0"/>
+          <a:chExt cx="0" cy="0"/>
+        </a:xfrm>
+      </p:grpSpPr>
+      <p:sp>
+        <p:nvSpPr>
           <p:cNvPr id="2" name="テキスト ボックス 1"/>
           <p:cNvSpPr txBox="1"/>
           <p:nvPr/>
@@ -4645,7 +5305,7 @@
           <a:p>
             <a:fld id="{7D34BB6B-1E1A-9541-9560-488905BF54FF}" type="slidenum">
               <a:rPr kumimoji="1" lang="ja-JP" altLang="en-US" smtClean="0"/>
-              <a:t>10</a:t>
+              <a:t>12</a:t>
             </a:fld>
             <a:endParaRPr kumimoji="1" lang="ja-JP" altLang="en-US"/>
           </a:p>
@@ -4664,7 +5324,7 @@
 </p:sld>
 </file>
 
-<file path=ppt/slides/slide12.xml><?xml version="1.0" encoding="utf-8"?>
+<file path=ppt/slides/slide14.xml><?xml version="1.0" encoding="utf-8"?>
 <p:sld xmlns:a="http://schemas.openxmlformats.org/drawingml/2006/main" xmlns:r="http://schemas.openxmlformats.org/officeDocument/2006/relationships" xmlns:p="http://schemas.openxmlformats.org/presentationml/2006/main">
   <p:cSld>
     <p:spTree>
@@ -5030,7 +5690,7 @@
           <a:p>
             <a:fld id="{7D34BB6B-1E1A-9541-9560-488905BF54FF}" type="slidenum">
               <a:rPr kumimoji="1" lang="ja-JP" altLang="en-US" smtClean="0"/>
-              <a:t>11</a:t>
+              <a:t>13</a:t>
             </a:fld>
             <a:endParaRPr kumimoji="1" lang="ja-JP" altLang="en-US"/>
           </a:p>
@@ -5040,544 +5700,6 @@
     <p:extLst>
       <p:ext uri="{BB962C8B-B14F-4D97-AF65-F5344CB8AC3E}">
         <p14:creationId xmlns:p14="http://schemas.microsoft.com/office/powerpoint/2010/main" val="1524324311"/>
-      </p:ext>
-    </p:extLst>
-  </p:cSld>
-  <p:clrMapOvr>
-    <a:masterClrMapping/>
-  </p:clrMapOvr>
-</p:sld>
-</file>
-
-<file path=ppt/slides/slide13.xml><?xml version="1.0" encoding="utf-8"?>
-<p:sld xmlns:a="http://schemas.openxmlformats.org/drawingml/2006/main" xmlns:r="http://schemas.openxmlformats.org/officeDocument/2006/relationships" xmlns:p="http://schemas.openxmlformats.org/presentationml/2006/main">
-  <p:cSld>
-    <p:spTree>
-      <p:nvGrpSpPr>
-        <p:cNvPr id="1" name=""/>
-        <p:cNvGrpSpPr/>
-        <p:nvPr/>
-      </p:nvGrpSpPr>
-      <p:grpSpPr>
-        <a:xfrm>
-          <a:off x="0" y="0"/>
-          <a:ext cx="0" cy="0"/>
-          <a:chOff x="0" y="0"/>
-          <a:chExt cx="0" cy="0"/>
-        </a:xfrm>
-      </p:grpSpPr>
-      <p:sp>
-        <p:nvSpPr>
-          <p:cNvPr id="2" name="スライド番号プレースホルダー 1"/>
-          <p:cNvSpPr>
-            <a:spLocks noGrp="1"/>
-          </p:cNvSpPr>
-          <p:nvPr>
-            <p:ph type="sldNum" sz="quarter" idx="12"/>
-          </p:nvPr>
-        </p:nvSpPr>
-        <p:spPr/>
-        <p:txBody>
-          <a:bodyPr/>
-          <a:lstStyle/>
-          <a:p>
-            <a:fld id="{7D34BB6B-1E1A-9541-9560-488905BF54FF}" type="slidenum">
-              <a:rPr kumimoji="1" lang="ja-JP" altLang="en-US" smtClean="0"/>
-              <a:t>12</a:t>
-            </a:fld>
-            <a:endParaRPr kumimoji="1" lang="ja-JP" altLang="en-US"/>
-          </a:p>
-        </p:txBody>
-      </p:sp>
-      <p:sp>
-        <p:nvSpPr>
-          <p:cNvPr id="4" name="テキスト ボックス 3"/>
-          <p:cNvSpPr txBox="1"/>
-          <p:nvPr/>
-        </p:nvSpPr>
-        <p:spPr>
-          <a:xfrm>
-            <a:off x="914401" y="334237"/>
-            <a:ext cx="7827665" cy="2092881"/>
-          </a:xfrm>
-          <a:prstGeom prst="rect">
-            <a:avLst/>
-          </a:prstGeom>
-          <a:noFill/>
-        </p:spPr>
-        <p:txBody>
-          <a:bodyPr wrap="square">
-            <a:spAutoFit/>
-          </a:bodyPr>
-          <a:lstStyle/>
-          <a:p>
-            <a:pPr marL="285750" indent="-285750">
-              <a:buFont typeface="Arial" charset="0"/>
-              <a:buChar char="•"/>
-              <a:defRPr/>
-            </a:pPr>
-            <a:r>
-              <a:rPr lang="en-US" altLang="ja-JP" sz="1400" dirty="0" err="1"/>
-              <a:t>interdomain_hc</a:t>
-            </a:r>
-            <a:r>
-              <a:rPr lang="en-US" altLang="ja-JP" sz="1400" dirty="0"/>
-              <a:t>: true/false</a:t>
-            </a:r>
-          </a:p>
-          <a:p>
-            <a:pPr lvl="1">
-              <a:defRPr/>
-            </a:pPr>
-            <a:r>
-              <a:rPr lang="en-US" altLang="ja-JP" sz="1400" dirty="0"/>
-              <a:t>Prints the harmonic coupling, when true. (default = true)</a:t>
-            </a:r>
-          </a:p>
-          <a:p>
-            <a:pPr marL="285750" indent="-285750">
-              <a:buFont typeface="Arial" charset="0"/>
-              <a:buChar char="•"/>
-              <a:defRPr/>
-            </a:pPr>
-            <a:endParaRPr lang="en-US" altLang="ja-JP" sz="1400" dirty="0"/>
-          </a:p>
-          <a:p>
-            <a:pPr marL="285750" indent="-285750">
-              <a:buFont typeface="Arial" charset="0"/>
-              <a:buChar char="•"/>
-              <a:defRPr/>
-            </a:pPr>
-            <a:r>
-              <a:rPr lang="en-US" altLang="ja-JP" sz="1400" dirty="0" err="1"/>
-              <a:t>genhs</a:t>
-            </a:r>
-            <a:r>
-              <a:rPr lang="en-US" altLang="ja-JP" sz="1400" dirty="0"/>
-              <a:t>: true/false</a:t>
-            </a:r>
-          </a:p>
-          <a:p>
-            <a:pPr lvl="1">
-              <a:defRPr/>
-            </a:pPr>
-            <a:r>
-              <a:rPr lang="en-US" altLang="ja-JP" sz="1400" dirty="0"/>
-              <a:t>Generate the 001.hs file</a:t>
-            </a:r>
-            <a:r>
-              <a:rPr lang="en-US" altLang="ja-JP" sz="1400"/>
-              <a:t>, when true. </a:t>
-            </a:r>
-            <a:r>
-              <a:rPr lang="en-US" altLang="ja-JP" sz="1400" dirty="0"/>
-              <a:t>(default = false)</a:t>
-            </a:r>
-            <a:br>
-              <a:rPr lang="en-US" altLang="ja-JP" sz="1400" dirty="0"/>
-            </a:br>
-            <a:r>
-              <a:rPr lang="en-US" altLang="ja-JP" sz="1400" dirty="0"/>
-              <a:t>001.hs is a file which contains the QFF coefficients in the old format; however, this format is deprecated and not recommended to use unless for a debugging purpose to compare the result with the previous version of SINDO. </a:t>
-            </a:r>
-          </a:p>
-          <a:p>
-            <a:pPr>
-              <a:defRPr/>
-            </a:pPr>
-            <a:endParaRPr lang="en-US" altLang="ja-JP" dirty="0"/>
-          </a:p>
-        </p:txBody>
-      </p:sp>
-    </p:spTree>
-    <p:extLst>
-      <p:ext uri="{BB962C8B-B14F-4D97-AF65-F5344CB8AC3E}">
-        <p14:creationId xmlns:p14="http://schemas.microsoft.com/office/powerpoint/2010/main" val="891480015"/>
-      </p:ext>
-    </p:extLst>
-  </p:cSld>
-  <p:clrMapOvr>
-    <a:masterClrMapping/>
-  </p:clrMapOvr>
-</p:sld>
-</file>
-
-<file path=ppt/slides/slide14.xml><?xml version="1.0" encoding="utf-8"?>
-<p:sld xmlns:a="http://schemas.openxmlformats.org/drawingml/2006/main" xmlns:r="http://schemas.openxmlformats.org/officeDocument/2006/relationships" xmlns:p="http://schemas.openxmlformats.org/presentationml/2006/main">
-  <p:cSld>
-    <p:spTree>
-      <p:nvGrpSpPr>
-        <p:cNvPr id="1" name=""/>
-        <p:cNvGrpSpPr/>
-        <p:nvPr/>
-      </p:nvGrpSpPr>
-      <p:grpSpPr>
-        <a:xfrm>
-          <a:off x="0" y="0"/>
-          <a:ext cx="0" cy="0"/>
-          <a:chOff x="0" y="0"/>
-          <a:chExt cx="0" cy="0"/>
-        </a:xfrm>
-      </p:grpSpPr>
-      <p:sp>
-        <p:nvSpPr>
-          <p:cNvPr id="2" name="スライド番号プレースホルダー 1"/>
-          <p:cNvSpPr>
-            <a:spLocks noGrp="1"/>
-          </p:cNvSpPr>
-          <p:nvPr>
-            <p:ph type="sldNum" sz="quarter" idx="12"/>
-          </p:nvPr>
-        </p:nvSpPr>
-        <p:spPr/>
-        <p:txBody>
-          <a:bodyPr/>
-          <a:lstStyle/>
-          <a:p>
-            <a:fld id="{7D34BB6B-1E1A-9541-9560-488905BF54FF}" type="slidenum">
-              <a:rPr kumimoji="1" lang="ja-JP" altLang="en-US" smtClean="0"/>
-              <a:t>13</a:t>
-            </a:fld>
-            <a:endParaRPr kumimoji="1" lang="ja-JP" altLang="en-US"/>
-          </a:p>
-        </p:txBody>
-      </p:sp>
-      <p:sp>
-        <p:nvSpPr>
-          <p:cNvPr id="3" name="テキスト ボックス 2"/>
-          <p:cNvSpPr txBox="1"/>
-          <p:nvPr/>
-        </p:nvSpPr>
-        <p:spPr>
-          <a:xfrm>
-            <a:off x="914401" y="117693"/>
-            <a:ext cx="7827665" cy="6740307"/>
-          </a:xfrm>
-          <a:prstGeom prst="rect">
-            <a:avLst/>
-          </a:prstGeom>
-          <a:noFill/>
-        </p:spPr>
-        <p:txBody>
-          <a:bodyPr wrap="square">
-            <a:spAutoFit/>
-          </a:bodyPr>
-          <a:lstStyle/>
-          <a:p>
-            <a:pPr>
-              <a:defRPr/>
-            </a:pPr>
-            <a:r>
-              <a:rPr lang="en-US" altLang="ja-JP" dirty="0"/>
-              <a:t>GRID keys</a:t>
-            </a:r>
-          </a:p>
-          <a:p>
-            <a:pPr>
-              <a:defRPr/>
-            </a:pPr>
-            <a:endParaRPr lang="en-US" altLang="ja-JP" sz="1800" dirty="0">
-              <a:latin typeface="+mn-lt"/>
-            </a:endParaRPr>
-          </a:p>
-          <a:p>
-            <a:pPr marL="285750" indent="-285750">
-              <a:buFont typeface="Arial" charset="0"/>
-              <a:buChar char="•"/>
-              <a:defRPr/>
-            </a:pPr>
-            <a:r>
-              <a:rPr lang="en-US" altLang="ja-JP" sz="1400" dirty="0" err="1"/>
-              <a:t>ngrid</a:t>
-            </a:r>
-            <a:r>
-              <a:rPr lang="en-US" altLang="ja-JP" sz="1400" dirty="0"/>
-              <a:t>: integer number</a:t>
-            </a:r>
-          </a:p>
-          <a:p>
-            <a:pPr lvl="1">
-              <a:defRPr/>
-            </a:pPr>
-            <a:r>
-              <a:rPr lang="en-US" altLang="ja-JP" sz="1400" dirty="0"/>
-              <a:t>The number of grid points along each coordinates. (default = 11)  </a:t>
-            </a:r>
-          </a:p>
-          <a:p>
-            <a:pPr lvl="2">
-              <a:defRPr/>
-            </a:pPr>
-            <a:endParaRPr lang="en-US" altLang="ja-JP" sz="1400" dirty="0"/>
-          </a:p>
-          <a:p>
-            <a:pPr marL="285750" indent="-285750">
-              <a:buFont typeface="Arial" charset="0"/>
-              <a:buChar char="•"/>
-              <a:defRPr/>
-            </a:pPr>
-            <a:r>
-              <a:rPr lang="en-US" altLang="ja-JP" sz="1400" dirty="0" err="1"/>
-              <a:t>fullmc</a:t>
-            </a:r>
-            <a:r>
-              <a:rPr lang="en-US" altLang="ja-JP" sz="1400" dirty="0"/>
-              <a:t>:  true/false</a:t>
-            </a:r>
-          </a:p>
-          <a:p>
-            <a:pPr lvl="1">
-              <a:defRPr/>
-            </a:pPr>
-            <a:r>
-              <a:rPr lang="en-US" altLang="ja-JP" sz="1400" dirty="0"/>
-              <a:t>All the mode coupling up to the MR-</a:t>
-            </a:r>
-            <a:r>
-              <a:rPr lang="en-US" altLang="ja-JP" sz="1400" dirty="0" err="1"/>
-              <a:t>th</a:t>
-            </a:r>
-            <a:r>
-              <a:rPr lang="en-US" altLang="ja-JP" sz="1400" dirty="0"/>
-              <a:t> order is generated, when true. (default = false) </a:t>
-            </a:r>
-          </a:p>
-          <a:p>
-            <a:pPr lvl="2">
-              <a:defRPr/>
-            </a:pPr>
-            <a:endParaRPr lang="en-US" altLang="ja-JP" sz="1400" dirty="0"/>
-          </a:p>
-          <a:p>
-            <a:pPr marL="285750" indent="-285750">
-              <a:buFont typeface="Arial" charset="0"/>
-              <a:buChar char="•"/>
-              <a:defRPr/>
-            </a:pPr>
-            <a:r>
-              <a:rPr lang="en-US" altLang="ja-JP" sz="1400" dirty="0"/>
-              <a:t>mc1, mc2, mc3: string of mode index</a:t>
-            </a:r>
-          </a:p>
-          <a:p>
-            <a:pPr lvl="1">
-              <a:defRPr/>
-            </a:pPr>
-            <a:r>
-              <a:rPr lang="en-US" altLang="ja-JP" sz="1400" dirty="0"/>
-              <a:t>The 1, 2, or 3MR terms separated by </a:t>
-            </a:r>
-            <a:r>
-              <a:rPr lang="en-US" altLang="ja-JP" sz="1400" dirty="0" err="1"/>
-              <a:t>camma</a:t>
-            </a:r>
-            <a:r>
-              <a:rPr lang="en-US" altLang="ja-JP" sz="1400" dirty="0"/>
-              <a:t> or space. For example,</a:t>
-            </a:r>
-          </a:p>
-          <a:p>
-            <a:pPr lvl="1">
-              <a:defRPr/>
-            </a:pPr>
-            <a:endParaRPr lang="en-US" altLang="ja-JP" sz="1400" dirty="0"/>
-          </a:p>
-          <a:p>
-            <a:pPr lvl="1">
-              <a:defRPr/>
-            </a:pPr>
-            <a:r>
-              <a:rPr lang="en-US" altLang="ja-JP" sz="1400" dirty="0"/>
-              <a:t>mc1: </a:t>
-            </a:r>
-          </a:p>
-          <a:p>
-            <a:pPr lvl="2">
-              <a:defRPr/>
-            </a:pPr>
-            <a:r>
-              <a:rPr lang="en-US" altLang="ja-JP" sz="1200" dirty="0">
-                <a:latin typeface="Courier" charset="0"/>
-                <a:ea typeface="Courier" charset="0"/>
-                <a:cs typeface="Courier" charset="0"/>
-              </a:rPr>
-              <a:t>&lt;entry key="mc1"&gt; 1,2,3,5 &lt;/entry&gt; </a:t>
-            </a:r>
-            <a:endParaRPr lang="en-US" altLang="ja-JP" sz="1400" dirty="0"/>
-          </a:p>
-          <a:p>
-            <a:pPr lvl="1">
-              <a:defRPr/>
-            </a:pPr>
-            <a:r>
-              <a:rPr lang="en-US" altLang="ja-JP" sz="1400" dirty="0"/>
-              <a:t>or </a:t>
-            </a:r>
-          </a:p>
-          <a:p>
-            <a:pPr lvl="2">
-              <a:defRPr/>
-            </a:pPr>
-            <a:r>
-              <a:rPr lang="en-US" altLang="ja-JP" sz="1200" dirty="0">
-                <a:latin typeface="Courier" charset="0"/>
-                <a:ea typeface="Courier" charset="0"/>
-                <a:cs typeface="Courier" charset="0"/>
-              </a:rPr>
-              <a:t>&lt;entry key="mc1"&gt; 1-3 5 &lt;/entry&gt; </a:t>
-            </a:r>
-          </a:p>
-          <a:p>
-            <a:pPr lvl="1">
-              <a:defRPr/>
-            </a:pPr>
-            <a:endParaRPr lang="en-US" altLang="ja-JP" sz="1400" dirty="0"/>
-          </a:p>
-          <a:p>
-            <a:pPr lvl="1">
-              <a:defRPr/>
-            </a:pPr>
-            <a:r>
-              <a:rPr lang="en-US" altLang="ja-JP" sz="1400" dirty="0"/>
-              <a:t>generates grid points for Q1,Q2,Q3, and Q5. </a:t>
-            </a:r>
-          </a:p>
-          <a:p>
-            <a:pPr lvl="1">
-              <a:defRPr/>
-            </a:pPr>
-            <a:endParaRPr lang="en-US" altLang="ja-JP" sz="1400" dirty="0"/>
-          </a:p>
-          <a:p>
-            <a:pPr lvl="1">
-              <a:defRPr/>
-            </a:pPr>
-            <a:r>
-              <a:rPr lang="en-US" altLang="ja-JP" sz="1400" dirty="0"/>
-              <a:t>mc2:</a:t>
-            </a:r>
-          </a:p>
-          <a:p>
-            <a:pPr lvl="2">
-              <a:defRPr/>
-            </a:pPr>
-            <a:r>
-              <a:rPr lang="en-US" altLang="ja-JP" sz="1200" dirty="0">
-                <a:latin typeface="Courier" charset="0"/>
-                <a:ea typeface="Courier" charset="0"/>
-                <a:cs typeface="Courier" charset="0"/>
-              </a:rPr>
-              <a:t>&lt;entry key="mc2"&gt; 1,2, 1,4, 2,4, 3,4 &lt;/entry&gt;  </a:t>
-            </a:r>
-            <a:endParaRPr lang="en-US" altLang="ja-JP" sz="1400" dirty="0"/>
-          </a:p>
-          <a:p>
-            <a:pPr lvl="1">
-              <a:defRPr/>
-            </a:pPr>
-            <a:r>
-              <a:rPr lang="en-US" altLang="ja-JP" sz="1400" dirty="0"/>
-              <a:t>or</a:t>
-            </a:r>
-          </a:p>
-          <a:p>
-            <a:pPr lvl="2">
-              <a:defRPr/>
-            </a:pPr>
-            <a:r>
-              <a:rPr lang="en-US" altLang="ja-JP" sz="1200" dirty="0">
-                <a:latin typeface="Courier" charset="0"/>
-                <a:ea typeface="Courier" charset="0"/>
-                <a:cs typeface="Courier" charset="0"/>
-              </a:rPr>
-              <a:t>&lt;entry key="mc2"&gt; 1,2, 1-3,4 &lt;/entry&gt; </a:t>
-            </a:r>
-          </a:p>
-          <a:p>
-            <a:pPr lvl="1">
-              <a:defRPr/>
-            </a:pPr>
-            <a:endParaRPr lang="en-US" altLang="ja-JP" sz="1400" dirty="0"/>
-          </a:p>
-          <a:p>
-            <a:pPr lvl="1">
-              <a:defRPr/>
-            </a:pPr>
-            <a:r>
-              <a:rPr lang="en-US" altLang="ja-JP" sz="1400" dirty="0"/>
-              <a:t>generates the grid points for (Q2, Q1),(Q4, Q1),(Q4, Q2), and (Q4, Q3). </a:t>
-            </a:r>
-          </a:p>
-          <a:p>
-            <a:pPr lvl="1">
-              <a:defRPr/>
-            </a:pPr>
-            <a:endParaRPr lang="en-US" altLang="ja-JP" sz="1400" dirty="0"/>
-          </a:p>
-          <a:p>
-            <a:pPr lvl="1">
-              <a:defRPr/>
-            </a:pPr>
-            <a:r>
-              <a:rPr lang="en-US" altLang="ja-JP" sz="1400" dirty="0"/>
-              <a:t>mc3:</a:t>
-            </a:r>
-          </a:p>
-          <a:p>
-            <a:pPr lvl="2">
-              <a:defRPr/>
-            </a:pPr>
-            <a:r>
-              <a:rPr lang="en-US" altLang="ja-JP" sz="1200" dirty="0">
-                <a:latin typeface="Courier" charset="0"/>
-                <a:ea typeface="Courier" charset="0"/>
-                <a:cs typeface="Courier" charset="0"/>
-              </a:rPr>
-              <a:t>&lt;entry key="mc3"&gt; 1,2,3, 1,2,4 &lt;/entry&gt; </a:t>
-            </a:r>
-          </a:p>
-          <a:p>
-            <a:pPr lvl="1">
-              <a:defRPr/>
-            </a:pPr>
-            <a:endParaRPr lang="en-US" altLang="ja-JP" sz="1400" dirty="0"/>
-          </a:p>
-          <a:p>
-            <a:pPr lvl="1">
-              <a:defRPr/>
-            </a:pPr>
-            <a:r>
-              <a:rPr lang="en-US" altLang="ja-JP" sz="1400" dirty="0"/>
-              <a:t>generates the grid points for (Q3, Q2, Q1) and (Q4, Q2, Q1).</a:t>
-            </a:r>
-            <a:br>
-              <a:rPr lang="en-US" altLang="ja-JP" sz="1400" dirty="0"/>
-            </a:br>
-            <a:endParaRPr lang="en-US" altLang="ja-JP" sz="1400" dirty="0"/>
-          </a:p>
-          <a:p>
-            <a:pPr>
-              <a:defRPr/>
-            </a:pPr>
-            <a:r>
-              <a:rPr lang="en-US" altLang="ja-JP" sz="1400" dirty="0"/>
-              <a:t>NOTE: One of </a:t>
-            </a:r>
-            <a:r>
-              <a:rPr lang="en-US" altLang="ja-JP" sz="1400" dirty="0" err="1"/>
-              <a:t>fullmc</a:t>
-            </a:r>
-            <a:r>
-              <a:rPr lang="en-US" altLang="ja-JP" sz="1400" dirty="0"/>
-              <a:t>, mc1, mc2, or mc3 must be present in the input file. </a:t>
-            </a:r>
-          </a:p>
-        </p:txBody>
-      </p:sp>
-    </p:spTree>
-    <p:extLst>
-      <p:ext uri="{BB962C8B-B14F-4D97-AF65-F5344CB8AC3E}">
-        <p14:creationId xmlns:p14="http://schemas.microsoft.com/office/powerpoint/2010/main" val="694449296"/>
       </p:ext>
     </p:extLst>
   </p:cSld>
@@ -5622,6 +5744,544 @@
             <a:fld id="{7D34BB6B-1E1A-9541-9560-488905BF54FF}" type="slidenum">
               <a:rPr kumimoji="1" lang="ja-JP" altLang="en-US" smtClean="0"/>
               <a:t>14</a:t>
+            </a:fld>
+            <a:endParaRPr kumimoji="1" lang="ja-JP" altLang="en-US"/>
+          </a:p>
+        </p:txBody>
+      </p:sp>
+      <p:sp>
+        <p:nvSpPr>
+          <p:cNvPr id="4" name="テキスト ボックス 3"/>
+          <p:cNvSpPr txBox="1"/>
+          <p:nvPr/>
+        </p:nvSpPr>
+        <p:spPr>
+          <a:xfrm>
+            <a:off x="914401" y="334237"/>
+            <a:ext cx="7827665" cy="2092881"/>
+          </a:xfrm>
+          <a:prstGeom prst="rect">
+            <a:avLst/>
+          </a:prstGeom>
+          <a:noFill/>
+        </p:spPr>
+        <p:txBody>
+          <a:bodyPr wrap="square">
+            <a:spAutoFit/>
+          </a:bodyPr>
+          <a:lstStyle/>
+          <a:p>
+            <a:pPr marL="285750" indent="-285750">
+              <a:buFont typeface="Arial" charset="0"/>
+              <a:buChar char="•"/>
+              <a:defRPr/>
+            </a:pPr>
+            <a:r>
+              <a:rPr lang="en-US" altLang="ja-JP" sz="1400" dirty="0" err="1"/>
+              <a:t>interdomain_hc</a:t>
+            </a:r>
+            <a:r>
+              <a:rPr lang="en-US" altLang="ja-JP" sz="1400" dirty="0"/>
+              <a:t>: true/false</a:t>
+            </a:r>
+          </a:p>
+          <a:p>
+            <a:pPr lvl="1">
+              <a:defRPr/>
+            </a:pPr>
+            <a:r>
+              <a:rPr lang="en-US" altLang="ja-JP" sz="1400" dirty="0"/>
+              <a:t>Prints the harmonic coupling, when true. (default = true)</a:t>
+            </a:r>
+          </a:p>
+          <a:p>
+            <a:pPr marL="285750" indent="-285750">
+              <a:buFont typeface="Arial" charset="0"/>
+              <a:buChar char="•"/>
+              <a:defRPr/>
+            </a:pPr>
+            <a:endParaRPr lang="en-US" altLang="ja-JP" sz="1400" dirty="0"/>
+          </a:p>
+          <a:p>
+            <a:pPr marL="285750" indent="-285750">
+              <a:buFont typeface="Arial" charset="0"/>
+              <a:buChar char="•"/>
+              <a:defRPr/>
+            </a:pPr>
+            <a:r>
+              <a:rPr lang="en-US" altLang="ja-JP" sz="1400" dirty="0" err="1"/>
+              <a:t>genhs</a:t>
+            </a:r>
+            <a:r>
+              <a:rPr lang="en-US" altLang="ja-JP" sz="1400" dirty="0"/>
+              <a:t>: true/false</a:t>
+            </a:r>
+          </a:p>
+          <a:p>
+            <a:pPr lvl="1">
+              <a:defRPr/>
+            </a:pPr>
+            <a:r>
+              <a:rPr lang="en-US" altLang="ja-JP" sz="1400" dirty="0"/>
+              <a:t>Generate the 001.hs file</a:t>
+            </a:r>
+            <a:r>
+              <a:rPr lang="en-US" altLang="ja-JP" sz="1400"/>
+              <a:t>, when true. </a:t>
+            </a:r>
+            <a:r>
+              <a:rPr lang="en-US" altLang="ja-JP" sz="1400" dirty="0"/>
+              <a:t>(default = false)</a:t>
+            </a:r>
+            <a:br>
+              <a:rPr lang="en-US" altLang="ja-JP" sz="1400" dirty="0"/>
+            </a:br>
+            <a:r>
+              <a:rPr lang="en-US" altLang="ja-JP" sz="1400" dirty="0"/>
+              <a:t>001.hs is a file which contains the QFF coefficients in the old format; however, this format is deprecated and not recommended to use unless for a debugging purpose to compare the result with the previous version of SINDO. </a:t>
+            </a:r>
+          </a:p>
+          <a:p>
+            <a:pPr>
+              <a:defRPr/>
+            </a:pPr>
+            <a:endParaRPr lang="en-US" altLang="ja-JP" dirty="0"/>
+          </a:p>
+        </p:txBody>
+      </p:sp>
+    </p:spTree>
+    <p:extLst>
+      <p:ext uri="{BB962C8B-B14F-4D97-AF65-F5344CB8AC3E}">
+        <p14:creationId xmlns:p14="http://schemas.microsoft.com/office/powerpoint/2010/main" val="891480015"/>
+      </p:ext>
+    </p:extLst>
+  </p:cSld>
+  <p:clrMapOvr>
+    <a:masterClrMapping/>
+  </p:clrMapOvr>
+</p:sld>
+</file>
+
+<file path=ppt/slides/slide16.xml><?xml version="1.0" encoding="utf-8"?>
+<p:sld xmlns:a="http://schemas.openxmlformats.org/drawingml/2006/main" xmlns:r="http://schemas.openxmlformats.org/officeDocument/2006/relationships" xmlns:p="http://schemas.openxmlformats.org/presentationml/2006/main">
+  <p:cSld>
+    <p:spTree>
+      <p:nvGrpSpPr>
+        <p:cNvPr id="1" name=""/>
+        <p:cNvGrpSpPr/>
+        <p:nvPr/>
+      </p:nvGrpSpPr>
+      <p:grpSpPr>
+        <a:xfrm>
+          <a:off x="0" y="0"/>
+          <a:ext cx="0" cy="0"/>
+          <a:chOff x="0" y="0"/>
+          <a:chExt cx="0" cy="0"/>
+        </a:xfrm>
+      </p:grpSpPr>
+      <p:sp>
+        <p:nvSpPr>
+          <p:cNvPr id="2" name="スライド番号プレースホルダー 1"/>
+          <p:cNvSpPr>
+            <a:spLocks noGrp="1"/>
+          </p:cNvSpPr>
+          <p:nvPr>
+            <p:ph type="sldNum" sz="quarter" idx="12"/>
+          </p:nvPr>
+        </p:nvSpPr>
+        <p:spPr/>
+        <p:txBody>
+          <a:bodyPr/>
+          <a:lstStyle/>
+          <a:p>
+            <a:fld id="{7D34BB6B-1E1A-9541-9560-488905BF54FF}" type="slidenum">
+              <a:rPr kumimoji="1" lang="ja-JP" altLang="en-US" smtClean="0"/>
+              <a:t>15</a:t>
+            </a:fld>
+            <a:endParaRPr kumimoji="1" lang="ja-JP" altLang="en-US"/>
+          </a:p>
+        </p:txBody>
+      </p:sp>
+      <p:sp>
+        <p:nvSpPr>
+          <p:cNvPr id="3" name="テキスト ボックス 2"/>
+          <p:cNvSpPr txBox="1"/>
+          <p:nvPr/>
+        </p:nvSpPr>
+        <p:spPr>
+          <a:xfrm>
+            <a:off x="914401" y="117693"/>
+            <a:ext cx="7827665" cy="6740307"/>
+          </a:xfrm>
+          <a:prstGeom prst="rect">
+            <a:avLst/>
+          </a:prstGeom>
+          <a:noFill/>
+        </p:spPr>
+        <p:txBody>
+          <a:bodyPr wrap="square">
+            <a:spAutoFit/>
+          </a:bodyPr>
+          <a:lstStyle/>
+          <a:p>
+            <a:pPr>
+              <a:defRPr/>
+            </a:pPr>
+            <a:r>
+              <a:rPr lang="en-US" altLang="ja-JP" dirty="0"/>
+              <a:t>GRID keys</a:t>
+            </a:r>
+          </a:p>
+          <a:p>
+            <a:pPr>
+              <a:defRPr/>
+            </a:pPr>
+            <a:endParaRPr lang="en-US" altLang="ja-JP" sz="1800" dirty="0">
+              <a:latin typeface="+mn-lt"/>
+            </a:endParaRPr>
+          </a:p>
+          <a:p>
+            <a:pPr marL="285750" indent="-285750">
+              <a:buFont typeface="Arial" charset="0"/>
+              <a:buChar char="•"/>
+              <a:defRPr/>
+            </a:pPr>
+            <a:r>
+              <a:rPr lang="en-US" altLang="ja-JP" sz="1400" dirty="0" err="1"/>
+              <a:t>ngrid</a:t>
+            </a:r>
+            <a:r>
+              <a:rPr lang="en-US" altLang="ja-JP" sz="1400" dirty="0"/>
+              <a:t>: integer number</a:t>
+            </a:r>
+          </a:p>
+          <a:p>
+            <a:pPr lvl="1">
+              <a:defRPr/>
+            </a:pPr>
+            <a:r>
+              <a:rPr lang="en-US" altLang="ja-JP" sz="1400" dirty="0"/>
+              <a:t>The number of grid points along each coordinates. (default = 11)  </a:t>
+            </a:r>
+          </a:p>
+          <a:p>
+            <a:pPr lvl="2">
+              <a:defRPr/>
+            </a:pPr>
+            <a:endParaRPr lang="en-US" altLang="ja-JP" sz="1400" dirty="0"/>
+          </a:p>
+          <a:p>
+            <a:pPr marL="285750" indent="-285750">
+              <a:buFont typeface="Arial" charset="0"/>
+              <a:buChar char="•"/>
+              <a:defRPr/>
+            </a:pPr>
+            <a:r>
+              <a:rPr lang="en-US" altLang="ja-JP" sz="1400" dirty="0" err="1"/>
+              <a:t>fullmc</a:t>
+            </a:r>
+            <a:r>
+              <a:rPr lang="en-US" altLang="ja-JP" sz="1400" dirty="0"/>
+              <a:t>:  true/false</a:t>
+            </a:r>
+          </a:p>
+          <a:p>
+            <a:pPr lvl="1">
+              <a:defRPr/>
+            </a:pPr>
+            <a:r>
+              <a:rPr lang="en-US" altLang="ja-JP" sz="1400" dirty="0"/>
+              <a:t>All the mode coupling up to the MR-</a:t>
+            </a:r>
+            <a:r>
+              <a:rPr lang="en-US" altLang="ja-JP" sz="1400" dirty="0" err="1"/>
+              <a:t>th</a:t>
+            </a:r>
+            <a:r>
+              <a:rPr lang="en-US" altLang="ja-JP" sz="1400" dirty="0"/>
+              <a:t> order is generated, when true. (default = false) </a:t>
+            </a:r>
+          </a:p>
+          <a:p>
+            <a:pPr lvl="2">
+              <a:defRPr/>
+            </a:pPr>
+            <a:endParaRPr lang="en-US" altLang="ja-JP" sz="1400" dirty="0"/>
+          </a:p>
+          <a:p>
+            <a:pPr marL="285750" indent="-285750">
+              <a:buFont typeface="Arial" charset="0"/>
+              <a:buChar char="•"/>
+              <a:defRPr/>
+            </a:pPr>
+            <a:r>
+              <a:rPr lang="en-US" altLang="ja-JP" sz="1400" dirty="0"/>
+              <a:t>mc1, mc2, mc3: string of mode index</a:t>
+            </a:r>
+          </a:p>
+          <a:p>
+            <a:pPr lvl="1">
+              <a:defRPr/>
+            </a:pPr>
+            <a:r>
+              <a:rPr lang="en-US" altLang="ja-JP" sz="1400" dirty="0"/>
+              <a:t>The 1, 2, or 3MR terms separated by </a:t>
+            </a:r>
+            <a:r>
+              <a:rPr lang="en-US" altLang="ja-JP" sz="1400" dirty="0" err="1"/>
+              <a:t>camma</a:t>
+            </a:r>
+            <a:r>
+              <a:rPr lang="en-US" altLang="ja-JP" sz="1400" dirty="0"/>
+              <a:t> or space. For example,</a:t>
+            </a:r>
+          </a:p>
+          <a:p>
+            <a:pPr lvl="1">
+              <a:defRPr/>
+            </a:pPr>
+            <a:endParaRPr lang="en-US" altLang="ja-JP" sz="1400" dirty="0"/>
+          </a:p>
+          <a:p>
+            <a:pPr lvl="1">
+              <a:defRPr/>
+            </a:pPr>
+            <a:r>
+              <a:rPr lang="en-US" altLang="ja-JP" sz="1400" dirty="0"/>
+              <a:t>mc1: </a:t>
+            </a:r>
+          </a:p>
+          <a:p>
+            <a:pPr lvl="2">
+              <a:defRPr/>
+            </a:pPr>
+            <a:r>
+              <a:rPr lang="en-US" altLang="ja-JP" sz="1200" dirty="0">
+                <a:latin typeface="Courier" charset="0"/>
+                <a:ea typeface="Courier" charset="0"/>
+                <a:cs typeface="Courier" charset="0"/>
+              </a:rPr>
+              <a:t>&lt;entry key="mc1"&gt; 1,2,3,5 &lt;/entry&gt; </a:t>
+            </a:r>
+            <a:endParaRPr lang="en-US" altLang="ja-JP" sz="1400" dirty="0"/>
+          </a:p>
+          <a:p>
+            <a:pPr lvl="1">
+              <a:defRPr/>
+            </a:pPr>
+            <a:r>
+              <a:rPr lang="en-US" altLang="ja-JP" sz="1400" dirty="0"/>
+              <a:t>or </a:t>
+            </a:r>
+          </a:p>
+          <a:p>
+            <a:pPr lvl="2">
+              <a:defRPr/>
+            </a:pPr>
+            <a:r>
+              <a:rPr lang="en-US" altLang="ja-JP" sz="1200" dirty="0">
+                <a:latin typeface="Courier" charset="0"/>
+                <a:ea typeface="Courier" charset="0"/>
+                <a:cs typeface="Courier" charset="0"/>
+              </a:rPr>
+              <a:t>&lt;entry key="mc1"&gt; 1-3 5 &lt;/entry&gt; </a:t>
+            </a:r>
+          </a:p>
+          <a:p>
+            <a:pPr lvl="1">
+              <a:defRPr/>
+            </a:pPr>
+            <a:endParaRPr lang="en-US" altLang="ja-JP" sz="1400" dirty="0"/>
+          </a:p>
+          <a:p>
+            <a:pPr lvl="1">
+              <a:defRPr/>
+            </a:pPr>
+            <a:r>
+              <a:rPr lang="en-US" altLang="ja-JP" sz="1400" dirty="0"/>
+              <a:t>generates grid points for Q1,Q2,Q3, and Q5. </a:t>
+            </a:r>
+          </a:p>
+          <a:p>
+            <a:pPr lvl="1">
+              <a:defRPr/>
+            </a:pPr>
+            <a:endParaRPr lang="en-US" altLang="ja-JP" sz="1400" dirty="0"/>
+          </a:p>
+          <a:p>
+            <a:pPr lvl="1">
+              <a:defRPr/>
+            </a:pPr>
+            <a:r>
+              <a:rPr lang="en-US" altLang="ja-JP" sz="1400" dirty="0"/>
+              <a:t>mc2:</a:t>
+            </a:r>
+          </a:p>
+          <a:p>
+            <a:pPr lvl="2">
+              <a:defRPr/>
+            </a:pPr>
+            <a:r>
+              <a:rPr lang="en-US" altLang="ja-JP" sz="1200" dirty="0">
+                <a:latin typeface="Courier" charset="0"/>
+                <a:ea typeface="Courier" charset="0"/>
+                <a:cs typeface="Courier" charset="0"/>
+              </a:rPr>
+              <a:t>&lt;entry key="mc2"&gt; 1,2, 1,4, 2,4, 3,4 &lt;/entry&gt;  </a:t>
+            </a:r>
+            <a:endParaRPr lang="en-US" altLang="ja-JP" sz="1400" dirty="0"/>
+          </a:p>
+          <a:p>
+            <a:pPr lvl="1">
+              <a:defRPr/>
+            </a:pPr>
+            <a:r>
+              <a:rPr lang="en-US" altLang="ja-JP" sz="1400" dirty="0"/>
+              <a:t>or</a:t>
+            </a:r>
+          </a:p>
+          <a:p>
+            <a:pPr lvl="2">
+              <a:defRPr/>
+            </a:pPr>
+            <a:r>
+              <a:rPr lang="en-US" altLang="ja-JP" sz="1200" dirty="0">
+                <a:latin typeface="Courier" charset="0"/>
+                <a:ea typeface="Courier" charset="0"/>
+                <a:cs typeface="Courier" charset="0"/>
+              </a:rPr>
+              <a:t>&lt;entry key="mc2"&gt; 1,2, 1-3,4 &lt;/entry&gt; </a:t>
+            </a:r>
+          </a:p>
+          <a:p>
+            <a:pPr lvl="1">
+              <a:defRPr/>
+            </a:pPr>
+            <a:endParaRPr lang="en-US" altLang="ja-JP" sz="1400" dirty="0"/>
+          </a:p>
+          <a:p>
+            <a:pPr lvl="1">
+              <a:defRPr/>
+            </a:pPr>
+            <a:r>
+              <a:rPr lang="en-US" altLang="ja-JP" sz="1400" dirty="0"/>
+              <a:t>generates the grid points for (Q2, Q1),(Q4, Q1),(Q4, Q2), and (Q4, Q3). </a:t>
+            </a:r>
+          </a:p>
+          <a:p>
+            <a:pPr lvl="1">
+              <a:defRPr/>
+            </a:pPr>
+            <a:endParaRPr lang="en-US" altLang="ja-JP" sz="1400" dirty="0"/>
+          </a:p>
+          <a:p>
+            <a:pPr lvl="1">
+              <a:defRPr/>
+            </a:pPr>
+            <a:r>
+              <a:rPr lang="en-US" altLang="ja-JP" sz="1400" dirty="0"/>
+              <a:t>mc3:</a:t>
+            </a:r>
+          </a:p>
+          <a:p>
+            <a:pPr lvl="2">
+              <a:defRPr/>
+            </a:pPr>
+            <a:r>
+              <a:rPr lang="en-US" altLang="ja-JP" sz="1200" dirty="0">
+                <a:latin typeface="Courier" charset="0"/>
+                <a:ea typeface="Courier" charset="0"/>
+                <a:cs typeface="Courier" charset="0"/>
+              </a:rPr>
+              <a:t>&lt;entry key="mc3"&gt; 1,2,3, 1,2,4 &lt;/entry&gt; </a:t>
+            </a:r>
+          </a:p>
+          <a:p>
+            <a:pPr lvl="1">
+              <a:defRPr/>
+            </a:pPr>
+            <a:endParaRPr lang="en-US" altLang="ja-JP" sz="1400" dirty="0"/>
+          </a:p>
+          <a:p>
+            <a:pPr lvl="1">
+              <a:defRPr/>
+            </a:pPr>
+            <a:r>
+              <a:rPr lang="en-US" altLang="ja-JP" sz="1400" dirty="0"/>
+              <a:t>generates the grid points for (Q3, Q2, Q1) and (Q4, Q2, Q1).</a:t>
+            </a:r>
+            <a:br>
+              <a:rPr lang="en-US" altLang="ja-JP" sz="1400" dirty="0"/>
+            </a:br>
+            <a:endParaRPr lang="en-US" altLang="ja-JP" sz="1400" dirty="0"/>
+          </a:p>
+          <a:p>
+            <a:pPr>
+              <a:defRPr/>
+            </a:pPr>
+            <a:r>
+              <a:rPr lang="en-US" altLang="ja-JP" sz="1400" dirty="0"/>
+              <a:t>NOTE: One of </a:t>
+            </a:r>
+            <a:r>
+              <a:rPr lang="en-US" altLang="ja-JP" sz="1400" dirty="0" err="1"/>
+              <a:t>fullmc</a:t>
+            </a:r>
+            <a:r>
+              <a:rPr lang="en-US" altLang="ja-JP" sz="1400" dirty="0"/>
+              <a:t>, mc1, mc2, or mc3 must be present in the input file. </a:t>
+            </a:r>
+          </a:p>
+        </p:txBody>
+      </p:sp>
+    </p:spTree>
+    <p:extLst>
+      <p:ext uri="{BB962C8B-B14F-4D97-AF65-F5344CB8AC3E}">
+        <p14:creationId xmlns:p14="http://schemas.microsoft.com/office/powerpoint/2010/main" val="694449296"/>
+      </p:ext>
+    </p:extLst>
+  </p:cSld>
+  <p:clrMapOvr>
+    <a:masterClrMapping/>
+  </p:clrMapOvr>
+</p:sld>
+</file>
+
+<file path=ppt/slides/slide17.xml><?xml version="1.0" encoding="utf-8"?>
+<p:sld xmlns:a="http://schemas.openxmlformats.org/drawingml/2006/main" xmlns:r="http://schemas.openxmlformats.org/officeDocument/2006/relationships" xmlns:p="http://schemas.openxmlformats.org/presentationml/2006/main">
+  <p:cSld>
+    <p:spTree>
+      <p:nvGrpSpPr>
+        <p:cNvPr id="1" name=""/>
+        <p:cNvGrpSpPr/>
+        <p:nvPr/>
+      </p:nvGrpSpPr>
+      <p:grpSpPr>
+        <a:xfrm>
+          <a:off x="0" y="0"/>
+          <a:ext cx="0" cy="0"/>
+          <a:chOff x="0" y="0"/>
+          <a:chExt cx="0" cy="0"/>
+        </a:xfrm>
+      </p:grpSpPr>
+      <p:sp>
+        <p:nvSpPr>
+          <p:cNvPr id="2" name="スライド番号プレースホルダー 1"/>
+          <p:cNvSpPr>
+            <a:spLocks noGrp="1"/>
+          </p:cNvSpPr>
+          <p:nvPr>
+            <p:ph type="sldNum" sz="quarter" idx="12"/>
+          </p:nvPr>
+        </p:nvSpPr>
+        <p:spPr/>
+        <p:txBody>
+          <a:bodyPr/>
+          <a:lstStyle/>
+          <a:p>
+            <a:fld id="{7D34BB6B-1E1A-9541-9560-488905BF54FF}" type="slidenum">
+              <a:rPr kumimoji="1" lang="ja-JP" altLang="en-US" smtClean="0"/>
+              <a:t>16</a:t>
             </a:fld>
             <a:endParaRPr kumimoji="1" lang="ja-JP" altLang="en-US"/>
           </a:p>
@@ -5925,365 +6585,6 @@
       </p:grpSpPr>
       <p:sp>
         <p:nvSpPr>
-          <p:cNvPr id="2" name="スライド番号プレースホルダー 1"/>
-          <p:cNvSpPr>
-            <a:spLocks noGrp="1"/>
-          </p:cNvSpPr>
-          <p:nvPr>
-            <p:ph type="sldNum" sz="quarter" idx="12"/>
-          </p:nvPr>
-        </p:nvSpPr>
-        <p:spPr/>
-        <p:txBody>
-          <a:bodyPr/>
-          <a:lstStyle/>
-          <a:p>
-            <a:fld id="{7D34BB6B-1E1A-9541-9560-488905BF54FF}" type="slidenum">
-              <a:rPr kumimoji="1" lang="ja-JP" altLang="en-US" smtClean="0"/>
-              <a:t>1</a:t>
-            </a:fld>
-            <a:endParaRPr kumimoji="1" lang="ja-JP" altLang="en-US"/>
-          </a:p>
-        </p:txBody>
-      </p:sp>
-      <p:sp>
-        <p:nvSpPr>
-          <p:cNvPr id="3" name="テキスト ボックス 2"/>
-          <p:cNvSpPr txBox="1"/>
-          <p:nvPr/>
-        </p:nvSpPr>
-        <p:spPr>
-          <a:xfrm>
-            <a:off x="1807026" y="394692"/>
-            <a:ext cx="5339923" cy="6463308"/>
-          </a:xfrm>
-          <a:prstGeom prst="rect">
-            <a:avLst/>
-          </a:prstGeom>
-          <a:noFill/>
-        </p:spPr>
-        <p:txBody>
-          <a:bodyPr wrap="none" rtlCol="0">
-            <a:spAutoFit/>
-          </a:bodyPr>
-          <a:lstStyle/>
-          <a:p>
-            <a:pPr marL="342900" indent="-342900">
-              <a:buAutoNum type="arabicPeriod"/>
-            </a:pPr>
-            <a:r>
-              <a:rPr lang="ja-JP" altLang="en-US"/>
-              <a:t>インストール</a:t>
-            </a:r>
-            <a:endParaRPr lang="en-US" altLang="ja-JP" dirty="0"/>
-          </a:p>
-          <a:p>
-            <a:pPr lvl="1"/>
-            <a:r>
-              <a:rPr lang="en-US" altLang="ja-JP" dirty="0"/>
-              <a:t>java, JAMA, </a:t>
-            </a:r>
-            <a:r>
-              <a:rPr lang="en-US" altLang="ja-JP" dirty="0" err="1"/>
-              <a:t>JSindo</a:t>
-            </a:r>
-            <a:endParaRPr lang="en-US" altLang="ja-JP" dirty="0"/>
-          </a:p>
-          <a:p>
-            <a:pPr lvl="1"/>
-            <a:r>
-              <a:rPr lang="en-US" altLang="ja-JP" dirty="0" err="1"/>
-              <a:t>runGaussian.sh</a:t>
-            </a:r>
-            <a:r>
-              <a:rPr lang="ja-JP" altLang="en-US"/>
-              <a:t>の設定</a:t>
-            </a:r>
-            <a:endParaRPr lang="en-US" altLang="ja-JP" dirty="0"/>
-          </a:p>
-          <a:p>
-            <a:pPr lvl="1"/>
-            <a:endParaRPr lang="en-US" altLang="ja-JP" dirty="0"/>
-          </a:p>
-          <a:p>
-            <a:pPr marL="342900" indent="-342900">
-              <a:buFont typeface="+mj-lt"/>
-              <a:buAutoNum type="arabicPeriod"/>
-            </a:pPr>
-            <a:r>
-              <a:rPr lang="ja-JP" altLang="en-US"/>
-              <a:t>基本的な使い方・・・</a:t>
-            </a:r>
-            <a:r>
-              <a:rPr lang="en-US" altLang="ja-JP" dirty="0"/>
-              <a:t>H2CO</a:t>
-            </a:r>
-            <a:r>
-              <a:rPr lang="ja-JP" altLang="en-US"/>
-              <a:t>の</a:t>
-            </a:r>
-            <a:r>
-              <a:rPr lang="en-US" altLang="ja-JP" dirty="0"/>
-              <a:t>QFF</a:t>
-            </a:r>
-          </a:p>
-          <a:p>
-            <a:pPr lvl="1"/>
-            <a:r>
-              <a:rPr lang="en-US" altLang="ja-JP" dirty="0"/>
-              <a:t>xml</a:t>
-            </a:r>
-            <a:r>
-              <a:rPr kumimoji="1" lang="ja-JP" altLang="en-US" dirty="0"/>
-              <a:t>ファイル</a:t>
-            </a:r>
-            <a:r>
-              <a:rPr lang="ja-JP" altLang="en-US" dirty="0"/>
-              <a:t>、コメントアウト</a:t>
-            </a:r>
-            <a:endParaRPr kumimoji="1" lang="en-US" altLang="ja-JP" dirty="0"/>
-          </a:p>
-          <a:p>
-            <a:pPr lvl="1"/>
-            <a:r>
-              <a:rPr lang="en-US" altLang="ja-JP" dirty="0"/>
-              <a:t>QM</a:t>
-            </a:r>
-            <a:r>
-              <a:rPr lang="ja-JP" altLang="en-US" dirty="0"/>
-              <a:t>計算用の</a:t>
-            </a:r>
-            <a:r>
-              <a:rPr lang="en-US" altLang="ja-JP" dirty="0"/>
-              <a:t>Template</a:t>
-            </a:r>
-            <a:r>
-              <a:rPr lang="ja-JP" altLang="en-US"/>
-              <a:t>ファイル</a:t>
-            </a:r>
-            <a:endParaRPr lang="en-US" altLang="ja-JP" dirty="0"/>
-          </a:p>
-          <a:p>
-            <a:pPr lvl="1"/>
-            <a:r>
-              <a:rPr lang="ja-JP" altLang="en-US"/>
-              <a:t>並列計算：</a:t>
-            </a:r>
-            <a:r>
-              <a:rPr lang="en-US" altLang="ja-JP" dirty="0" err="1"/>
-              <a:t>resources.info</a:t>
-            </a:r>
-            <a:endParaRPr lang="en-US" altLang="ja-JP" dirty="0"/>
-          </a:p>
-          <a:p>
-            <a:pPr lvl="1"/>
-            <a:r>
-              <a:rPr lang="en-US" altLang="ja-JP" dirty="0" err="1"/>
-              <a:t>dryrun</a:t>
-            </a:r>
-            <a:endParaRPr lang="en-US" altLang="ja-JP" dirty="0"/>
-          </a:p>
-          <a:p>
-            <a:pPr lvl="1"/>
-            <a:r>
-              <a:rPr lang="en-US" altLang="ja-JP" dirty="0"/>
-              <a:t>generic</a:t>
-            </a:r>
-          </a:p>
-          <a:p>
-            <a:pPr lvl="1"/>
-            <a:endParaRPr kumimoji="1" lang="en-US" altLang="ja-JP" dirty="0"/>
-          </a:p>
-          <a:p>
-            <a:pPr marL="342900" indent="-342900">
-              <a:buAutoNum type="arabicPeriod"/>
-            </a:pPr>
-            <a:r>
-              <a:rPr kumimoji="1" lang="en-US" altLang="ja-JP" dirty="0"/>
-              <a:t>H2CO</a:t>
-            </a:r>
-            <a:r>
-              <a:rPr lang="ja-JP" altLang="en-US" dirty="0"/>
-              <a:t>・・基本的な使い方</a:t>
-            </a:r>
-            <a:endParaRPr lang="en-US" altLang="ja-JP" dirty="0"/>
-          </a:p>
-          <a:p>
-            <a:pPr lvl="1"/>
-            <a:r>
-              <a:rPr kumimoji="1" lang="en-US" altLang="ja-JP" dirty="0"/>
-              <a:t>QFF</a:t>
-            </a:r>
-            <a:r>
-              <a:rPr kumimoji="1" lang="ja-JP" altLang="en-US"/>
-              <a:t>・・インプットと</a:t>
-            </a:r>
-            <a:r>
-              <a:rPr kumimoji="1" lang="en-US" altLang="ja-JP" dirty="0"/>
-              <a:t>mop</a:t>
-            </a:r>
-            <a:r>
-              <a:rPr kumimoji="1" lang="ja-JP" altLang="en-US"/>
-              <a:t>ファイルの形式</a:t>
-            </a:r>
-            <a:endParaRPr kumimoji="1" lang="en-US" altLang="ja-JP" dirty="0"/>
-          </a:p>
-          <a:p>
-            <a:pPr lvl="1"/>
-            <a:r>
-              <a:rPr kumimoji="1" lang="en-US" altLang="ja-JP" dirty="0"/>
-              <a:t>3MR-Grid</a:t>
-            </a:r>
-            <a:r>
-              <a:rPr kumimoji="1" lang="ja-JP" altLang="en-US"/>
-              <a:t>・・インプットと</a:t>
-            </a:r>
-            <a:r>
-              <a:rPr kumimoji="1" lang="en-US" altLang="ja-JP" dirty="0"/>
-              <a:t>pot</a:t>
-            </a:r>
-            <a:r>
-              <a:rPr kumimoji="1" lang="ja-JP" altLang="en-US"/>
-              <a:t>ファイルの形式</a:t>
-            </a:r>
-            <a:endParaRPr kumimoji="1" lang="en-US" altLang="ja-JP" dirty="0"/>
-          </a:p>
-          <a:p>
-            <a:pPr lvl="1"/>
-            <a:r>
-              <a:rPr kumimoji="1" lang="en-US" altLang="ja-JP" dirty="0"/>
-              <a:t>3MR-mrpes</a:t>
-            </a:r>
-          </a:p>
-          <a:p>
-            <a:pPr marL="342900" indent="-342900">
-              <a:buAutoNum type="arabicPeriod"/>
-            </a:pPr>
-            <a:endParaRPr kumimoji="1" lang="en-US" altLang="ja-JP" dirty="0"/>
-          </a:p>
-          <a:p>
-            <a:pPr marL="342900" indent="-342900">
-              <a:buAutoNum type="arabicPeriod"/>
-            </a:pPr>
-            <a:r>
-              <a:rPr lang="en-US" altLang="ja-JP" dirty="0"/>
-              <a:t>(H2O)6</a:t>
-            </a:r>
-            <a:r>
-              <a:rPr lang="ja-JP" altLang="en-US" dirty="0"/>
-              <a:t>・・</a:t>
-            </a:r>
-            <a:r>
-              <a:rPr lang="en-US" altLang="ja-JP" dirty="0" err="1"/>
-              <a:t>activemode</a:t>
-            </a:r>
-            <a:r>
-              <a:rPr lang="ja-JP" altLang="en-US" dirty="0"/>
-              <a:t>と</a:t>
-            </a:r>
-            <a:r>
-              <a:rPr lang="en-US" altLang="ja-JP" dirty="0"/>
-              <a:t>local mode</a:t>
-            </a:r>
-            <a:r>
-              <a:rPr lang="ja-JP" altLang="en-US" dirty="0"/>
-              <a:t>の使い方</a:t>
-            </a:r>
-            <a:endParaRPr lang="en-US" altLang="ja-JP" dirty="0"/>
-          </a:p>
-          <a:p>
-            <a:pPr lvl="1"/>
-            <a:r>
-              <a:rPr lang="en-US" altLang="ja-JP" dirty="0" err="1"/>
-              <a:t>QFF_normal</a:t>
-            </a:r>
-            <a:endParaRPr lang="en-US" altLang="ja-JP" dirty="0"/>
-          </a:p>
-          <a:p>
-            <a:pPr lvl="1"/>
-            <a:r>
-              <a:rPr kumimoji="1" lang="en-US" altLang="ja-JP" dirty="0" err="1"/>
-              <a:t>QFF_local</a:t>
-            </a:r>
-            <a:endParaRPr kumimoji="1" lang="en-US" altLang="ja-JP" dirty="0"/>
-          </a:p>
-          <a:p>
-            <a:pPr marL="342900" indent="-342900">
-              <a:buAutoNum type="arabicPeriod"/>
-            </a:pPr>
-            <a:endParaRPr kumimoji="1" lang="en-US" altLang="ja-JP" dirty="0"/>
-          </a:p>
-          <a:p>
-            <a:pPr marL="342900" indent="-342900">
-              <a:buAutoNum type="arabicPeriod"/>
-            </a:pPr>
-            <a:r>
-              <a:rPr kumimoji="1" lang="en-US" altLang="ja-JP" dirty="0" err="1"/>
-              <a:t>bR</a:t>
-            </a:r>
-            <a:r>
-              <a:rPr kumimoji="1" lang="ja-JP" altLang="en-US"/>
-              <a:t>・・</a:t>
-            </a:r>
-            <a:r>
-              <a:rPr lang="en-US" altLang="ja-JP" dirty="0"/>
-              <a:t>GENESIS, QM/MM</a:t>
-            </a:r>
-            <a:r>
-              <a:rPr lang="ja-JP" altLang="en-US"/>
-              <a:t>との連携</a:t>
-            </a:r>
-            <a:endParaRPr lang="en-US" altLang="ja-JP" dirty="0"/>
-          </a:p>
-          <a:p>
-            <a:pPr lvl="1"/>
-            <a:r>
-              <a:rPr kumimoji="1" lang="en-US" altLang="ja-JP" dirty="0"/>
-              <a:t>QFF</a:t>
-            </a:r>
-          </a:p>
-          <a:p>
-            <a:pPr lvl="1"/>
-            <a:r>
-              <a:rPr lang="en-US" altLang="ja-JP" dirty="0"/>
-              <a:t>GRID</a:t>
-            </a:r>
-            <a:endParaRPr kumimoji="1" lang="en-US" altLang="ja-JP" dirty="0"/>
-          </a:p>
-        </p:txBody>
-      </p:sp>
-    </p:spTree>
-    <p:extLst>
-      <p:ext uri="{BB962C8B-B14F-4D97-AF65-F5344CB8AC3E}">
-        <p14:creationId xmlns:p14="http://schemas.microsoft.com/office/powerpoint/2010/main" val="1233805520"/>
-      </p:ext>
-    </p:extLst>
-  </p:cSld>
-  <p:clrMapOvr>
-    <a:masterClrMapping/>
-  </p:clrMapOvr>
-</p:sld>
-</file>
-
-<file path=ppt/slides/slide3.xml><?xml version="1.0" encoding="utf-8"?>
-<p:sld xmlns:a="http://schemas.openxmlformats.org/drawingml/2006/main" xmlns:r="http://schemas.openxmlformats.org/officeDocument/2006/relationships" xmlns:p="http://schemas.openxmlformats.org/presentationml/2006/main">
-  <p:cSld>
-    <p:spTree>
-      <p:nvGrpSpPr>
-        <p:cNvPr id="1" name=""/>
-        <p:cNvGrpSpPr/>
-        <p:nvPr/>
-      </p:nvGrpSpPr>
-      <p:grpSpPr>
-        <a:xfrm>
-          <a:off x="0" y="0"/>
-          <a:ext cx="0" cy="0"/>
-          <a:chOff x="0" y="0"/>
-          <a:chExt cx="0" cy="0"/>
-        </a:xfrm>
-      </p:grpSpPr>
-      <p:sp>
-        <p:nvSpPr>
           <p:cNvPr id="15361" name="タイトル 2"/>
           <p:cNvSpPr>
             <a:spLocks noGrp="1"/>
@@ -6534,7 +6835,7 @@
                 <a:buFontTx/>
                 <a:buNone/>
               </a:pPr>
-              <a:t>2</a:t>
+              <a:t>1</a:t>
             </a:fld>
             <a:endParaRPr lang="ja-JP" altLang="en-US" sz="1200">
               <a:solidFill>
@@ -6555,8 +6856,8 @@
         </p:nvSpPr>
         <p:spPr bwMode="auto">
           <a:xfrm>
-            <a:off x="1428750" y="1565679"/>
-            <a:ext cx="4313238" cy="647700"/>
+            <a:off x="1757362" y="1502688"/>
+            <a:ext cx="5365571" cy="5909310"/>
           </a:xfrm>
           <a:prstGeom prst="rect">
             <a:avLst/>
@@ -6697,7 +6998,7 @@
             </a:lvl9pPr>
           </a:lstStyle>
           <a:p>
-            <a:pPr eaLnBrk="1" hangingPunct="1">
+            <a:pPr>
               <a:defRPr/>
             </a:pPr>
             <a:r>
@@ -6706,14 +7007,60 @@
                   <a:srgbClr val="000000"/>
                 </a:solidFill>
                 <a:latin typeface="+mn-lt"/>
-                <a:ea typeface="メイリオ" charset="-128"/>
+                <a:ea typeface="+mn-ea"/>
                 <a:cs typeface="メイリオ" charset="-128"/>
               </a:rPr>
-              <a:t>1.basic/</a:t>
-            </a:r>
-          </a:p>
-          <a:p>
-            <a:pPr lvl="1" eaLnBrk="1" hangingPunct="1">
+              <a:t>0.harmonic_h2co</a:t>
+            </a:r>
+          </a:p>
+          <a:p>
+            <a:pPr lvl="1"/>
+            <a:r>
+              <a:rPr lang="en-US" altLang="ja-JP" sz="1800" dirty="0">
+                <a:solidFill>
+                  <a:prstClr val="black"/>
+                </a:solidFill>
+                <a:latin typeface="+mn-lt"/>
+                <a:ea typeface="+mn-ea"/>
+              </a:rPr>
+              <a:t>Generating </a:t>
+            </a:r>
+            <a:r>
+              <a:rPr lang="en-US" altLang="ja-JP" sz="1800" dirty="0" err="1">
+                <a:solidFill>
+                  <a:prstClr val="black"/>
+                </a:solidFill>
+                <a:latin typeface="+mn-lt"/>
+                <a:ea typeface="+mn-ea"/>
+              </a:rPr>
+              <a:t>minfo</a:t>
+            </a:r>
+            <a:r>
+              <a:rPr lang="en-US" altLang="ja-JP" sz="1800" dirty="0">
+                <a:solidFill>
+                  <a:prstClr val="black"/>
+                </a:solidFill>
+                <a:latin typeface="+mn-lt"/>
+                <a:ea typeface="+mn-ea"/>
+              </a:rPr>
+              <a:t> file from Gaussian output.</a:t>
+            </a:r>
+          </a:p>
+          <a:p>
+            <a:pPr>
+              <a:defRPr/>
+            </a:pPr>
+            <a:endParaRPr lang="en-US" altLang="ja-JP" sz="1800" dirty="0">
+              <a:solidFill>
+                <a:srgbClr val="000000"/>
+              </a:solidFill>
+              <a:latin typeface="+mn-lt"/>
+              <a:ea typeface="+mn-ea"/>
+              <a:cs typeface="メイリオ" charset="-128"/>
+            </a:endParaRPr>
+          </a:p>
+          <a:p>
+            <a:pPr eaLnBrk="1" hangingPunct="1">
               <a:defRPr/>
             </a:pPr>
             <a:r>
@@ -6722,167 +7069,14 @@
                   <a:srgbClr val="000000"/>
                 </a:solidFill>
                 <a:latin typeface="+mn-lt"/>
-                <a:ea typeface="メイリオ" charset="-128"/>
+                <a:ea typeface="+mn-ea"/>
                 <a:cs typeface="メイリオ" charset="-128"/>
               </a:rPr>
-              <a:t>VSCF, VCI[3]-(8), VMP2-(4), VQDPT2-(4)</a:t>
-            </a:r>
-          </a:p>
-        </p:txBody>
-      </p:sp>
-      <p:sp>
-        <p:nvSpPr>
-          <p:cNvPr id="29700" name="テキスト ボックス 14"/>
-          <p:cNvSpPr txBox="1">
-            <a:spLocks noChangeArrowheads="1"/>
-          </p:cNvSpPr>
-          <p:nvPr/>
-        </p:nvSpPr>
-        <p:spPr bwMode="auto">
-          <a:xfrm>
-            <a:off x="1428750" y="2483254"/>
-            <a:ext cx="3760788" cy="646112"/>
-          </a:xfrm>
-          <a:prstGeom prst="rect">
-            <a:avLst/>
-          </a:prstGeom>
-          <a:noFill/>
-          <a:ln>
-            <a:noFill/>
-          </a:ln>
-          <a:extLst>
-            <a:ext uri="{909E8E84-426E-40DD-AFC4-6F175D3DCCD1}">
-              <a14:hiddenFill xmlns:a14="http://schemas.microsoft.com/office/drawing/2010/main">
-                <a:solidFill>
-                  <a:srgbClr val="FFFFFF"/>
-                </a:solidFill>
-              </a14:hiddenFill>
-            </a:ext>
-            <a:ext uri="{91240B29-F687-4F45-9708-019B960494DF}">
-              <a14:hiddenLine xmlns:a14="http://schemas.microsoft.com/office/drawing/2010/main" w="9525">
-                <a:solidFill>
-                  <a:srgbClr val="000000"/>
-                </a:solidFill>
-                <a:miter lim="800000"/>
-                <a:headEnd/>
-                <a:tailEnd/>
-              </a14:hiddenLine>
-            </a:ext>
-          </a:extLst>
-        </p:spPr>
-        <p:txBody>
-          <a:bodyPr wrap="none">
-            <a:spAutoFit/>
-          </a:bodyPr>
-          <a:lstStyle>
-            <a:lvl1pPr>
-              <a:defRPr kumimoji="1" sz="3200">
-                <a:solidFill>
-                  <a:schemeClr val="tx1"/>
-                </a:solidFill>
-                <a:latin typeface="Arial" charset="0"/>
-                <a:ea typeface="ＭＳ Ｐゴシック" charset="-128"/>
-              </a:defRPr>
-            </a:lvl1pPr>
-            <a:lvl2pPr>
-              <a:defRPr kumimoji="1" sz="3200">
-                <a:solidFill>
-                  <a:schemeClr val="tx1"/>
-                </a:solidFill>
-                <a:latin typeface="Arial" charset="0"/>
-                <a:ea typeface="ＭＳ Ｐゴシック" charset="-128"/>
-              </a:defRPr>
-            </a:lvl2pPr>
-            <a:lvl3pPr marL="1143000" indent="-228600">
-              <a:defRPr kumimoji="1" sz="3200">
-                <a:solidFill>
-                  <a:schemeClr val="tx1"/>
-                </a:solidFill>
-                <a:latin typeface="Arial" charset="0"/>
-                <a:ea typeface="ＭＳ Ｐゴシック" charset="-128"/>
-              </a:defRPr>
-            </a:lvl3pPr>
-            <a:lvl4pPr marL="1600200" indent="-228600">
-              <a:defRPr kumimoji="1" sz="3200">
-                <a:solidFill>
-                  <a:schemeClr val="tx1"/>
-                </a:solidFill>
-                <a:latin typeface="Arial" charset="0"/>
-                <a:ea typeface="ＭＳ Ｐゴシック" charset="-128"/>
-              </a:defRPr>
-            </a:lvl4pPr>
-            <a:lvl5pPr marL="2057400" indent="-228600">
-              <a:defRPr kumimoji="1" sz="3200">
-                <a:solidFill>
-                  <a:schemeClr val="tx1"/>
-                </a:solidFill>
-                <a:latin typeface="Arial" charset="0"/>
-                <a:ea typeface="ＭＳ Ｐゴシック" charset="-128"/>
-              </a:defRPr>
-            </a:lvl5pPr>
-            <a:lvl6pPr marL="2514600" indent="-228600" eaLnBrk="0" fontAlgn="base" hangingPunct="0">
-              <a:spcBef>
-                <a:spcPct val="0"/>
-              </a:spcBef>
-              <a:spcAft>
-                <a:spcPct val="0"/>
-              </a:spcAft>
-              <a:defRPr kumimoji="1" sz="3200">
-                <a:solidFill>
-                  <a:schemeClr val="tx1"/>
-                </a:solidFill>
-                <a:latin typeface="Arial" charset="0"/>
-                <a:ea typeface="ＭＳ Ｐゴシック" charset="-128"/>
-              </a:defRPr>
-            </a:lvl6pPr>
-            <a:lvl7pPr marL="2971800" indent="-228600" eaLnBrk="0" fontAlgn="base" hangingPunct="0">
-              <a:spcBef>
-                <a:spcPct val="0"/>
-              </a:spcBef>
-              <a:spcAft>
-                <a:spcPct val="0"/>
-              </a:spcAft>
-              <a:defRPr kumimoji="1" sz="3200">
-                <a:solidFill>
-                  <a:schemeClr val="tx1"/>
-                </a:solidFill>
-                <a:latin typeface="Arial" charset="0"/>
-                <a:ea typeface="ＭＳ Ｐゴシック" charset="-128"/>
-              </a:defRPr>
-            </a:lvl7pPr>
-            <a:lvl8pPr marL="3429000" indent="-228600" eaLnBrk="0" fontAlgn="base" hangingPunct="0">
-              <a:spcBef>
-                <a:spcPct val="0"/>
-              </a:spcBef>
-              <a:spcAft>
-                <a:spcPct val="0"/>
-              </a:spcAft>
-              <a:defRPr kumimoji="1" sz="3200">
-                <a:solidFill>
-                  <a:schemeClr val="tx1"/>
-                </a:solidFill>
-                <a:latin typeface="Arial" charset="0"/>
-                <a:ea typeface="ＭＳ Ｐゴシック" charset="-128"/>
-              </a:defRPr>
-            </a:lvl8pPr>
-            <a:lvl9pPr marL="3886200" indent="-228600" eaLnBrk="0" fontAlgn="base" hangingPunct="0">
-              <a:spcBef>
-                <a:spcPct val="0"/>
-              </a:spcBef>
-              <a:spcAft>
-                <a:spcPct val="0"/>
-              </a:spcAft>
-              <a:defRPr kumimoji="1" sz="3200">
-                <a:solidFill>
-                  <a:schemeClr val="tx1"/>
-                </a:solidFill>
-                <a:latin typeface="Arial" charset="0"/>
-                <a:ea typeface="ＭＳ Ｐゴシック" charset="-128"/>
-              </a:defRPr>
-            </a:lvl9pPr>
-          </a:lstStyle>
-          <a:p>
-            <a:pPr eaLnBrk="1" hangingPunct="1">
+              <a:t>1.qff_h2co</a:t>
+            </a:r>
+          </a:p>
+          <a:p>
+            <a:pPr lvl="1">
               <a:defRPr/>
             </a:pPr>
             <a:r>
@@ -6891,211 +7085,303 @@
                   <a:srgbClr val="000000"/>
                 </a:solidFill>
                 <a:latin typeface="+mn-lt"/>
-                <a:ea typeface="メイリオ" charset="-128"/>
+                <a:ea typeface="+mn-ea"/>
                 <a:cs typeface="メイリオ" charset="-128"/>
               </a:rPr>
-              <a:t>2.h2co/</a:t>
-            </a:r>
-          </a:p>
-          <a:p>
-            <a:pPr lvl="1" eaLnBrk="1" hangingPunct="1">
-              <a:defRPr/>
-            </a:pPr>
+              <a:t>Generation of a quartic force field for H</a:t>
+            </a:r>
+            <a:r>
+              <a:rPr lang="en-US" altLang="ja-JP" sz="1800" baseline="-25000" dirty="0">
+                <a:solidFill>
+                  <a:srgbClr val="000000"/>
+                </a:solidFill>
+                <a:latin typeface="+mn-lt"/>
+                <a:ea typeface="+mn-ea"/>
+                <a:cs typeface="メイリオ" charset="-128"/>
+              </a:rPr>
+              <a:t>2</a:t>
+            </a:r>
             <a:r>
               <a:rPr lang="en-US" altLang="ja-JP" sz="1800" dirty="0">
                 <a:solidFill>
                   <a:srgbClr val="000000"/>
                 </a:solidFill>
                 <a:latin typeface="+mn-lt"/>
-                <a:ea typeface="メイリオ" charset="-128"/>
+                <a:ea typeface="+mn-ea"/>
                 <a:cs typeface="メイリオ" charset="-128"/>
               </a:rPr>
-              <a:t>VCI[3]-(6), VMP2-(4), VQDPT2-(4)</a:t>
-            </a:r>
-          </a:p>
-        </p:txBody>
-      </p:sp>
-      <p:sp>
-        <p:nvSpPr>
-          <p:cNvPr id="10" name="テキスト ボックス 16"/>
-          <p:cNvSpPr txBox="1">
-            <a:spLocks noChangeArrowheads="1"/>
-          </p:cNvSpPr>
-          <p:nvPr/>
-        </p:nvSpPr>
-        <p:spPr bwMode="auto">
-          <a:xfrm>
-            <a:off x="1428750" y="3391304"/>
-            <a:ext cx="3336925" cy="646112"/>
-          </a:xfrm>
-          <a:prstGeom prst="rect">
-            <a:avLst/>
-          </a:prstGeom>
-          <a:noFill/>
-          <a:ln>
-            <a:noFill/>
-          </a:ln>
-          <a:extLst>
-            <a:ext uri="{909E8E84-426E-40DD-AFC4-6F175D3DCCD1}">
-              <a14:hiddenFill xmlns:a14="http://schemas.microsoft.com/office/drawing/2010/main">
-                <a:solidFill>
-                  <a:srgbClr val="FFFFFF"/>
-                </a:solidFill>
-              </a14:hiddenFill>
-            </a:ext>
-            <a:ext uri="{91240B29-F687-4F45-9708-019B960494DF}">
-              <a14:hiddenLine xmlns:a14="http://schemas.microsoft.com/office/drawing/2010/main" w="9525">
-                <a:solidFill>
-                  <a:srgbClr val="000000"/>
-                </a:solidFill>
-                <a:miter lim="800000"/>
-                <a:headEnd/>
-                <a:tailEnd/>
-              </a14:hiddenLine>
-            </a:ext>
-          </a:extLst>
-        </p:spPr>
-        <p:txBody>
-          <a:bodyPr wrap="none">
-            <a:spAutoFit/>
-          </a:bodyPr>
-          <a:lstStyle>
-            <a:lvl1pPr>
-              <a:defRPr kumimoji="1" sz="3200">
-                <a:solidFill>
-                  <a:schemeClr val="tx1"/>
-                </a:solidFill>
-                <a:latin typeface="Arial" charset="0"/>
-                <a:ea typeface="ＭＳ Ｐゴシック" charset="-128"/>
-              </a:defRPr>
-            </a:lvl1pPr>
-            <a:lvl2pPr>
-              <a:defRPr kumimoji="1" sz="3200">
-                <a:solidFill>
-                  <a:schemeClr val="tx1"/>
-                </a:solidFill>
-                <a:latin typeface="Arial" charset="0"/>
-                <a:ea typeface="ＭＳ Ｐゴシック" charset="-128"/>
-              </a:defRPr>
-            </a:lvl2pPr>
-            <a:lvl3pPr marL="1143000" indent="-228600">
-              <a:defRPr kumimoji="1" sz="3200">
-                <a:solidFill>
-                  <a:schemeClr val="tx1"/>
-                </a:solidFill>
-                <a:latin typeface="Arial" charset="0"/>
-                <a:ea typeface="ＭＳ Ｐゴシック" charset="-128"/>
-              </a:defRPr>
-            </a:lvl3pPr>
-            <a:lvl4pPr marL="1600200" indent="-228600">
-              <a:defRPr kumimoji="1" sz="3200">
-                <a:solidFill>
-                  <a:schemeClr val="tx1"/>
-                </a:solidFill>
-                <a:latin typeface="Arial" charset="0"/>
-                <a:ea typeface="ＭＳ Ｐゴシック" charset="-128"/>
-              </a:defRPr>
-            </a:lvl4pPr>
-            <a:lvl5pPr marL="2057400" indent="-228600">
-              <a:defRPr kumimoji="1" sz="3200">
-                <a:solidFill>
-                  <a:schemeClr val="tx1"/>
-                </a:solidFill>
-                <a:latin typeface="Arial" charset="0"/>
-                <a:ea typeface="ＭＳ Ｐゴシック" charset="-128"/>
-              </a:defRPr>
-            </a:lvl5pPr>
-            <a:lvl6pPr marL="2514600" indent="-228600" eaLnBrk="0" fontAlgn="base" hangingPunct="0">
-              <a:spcBef>
-                <a:spcPct val="0"/>
-              </a:spcBef>
-              <a:spcAft>
-                <a:spcPct val="0"/>
-              </a:spcAft>
-              <a:defRPr kumimoji="1" sz="3200">
-                <a:solidFill>
-                  <a:schemeClr val="tx1"/>
-                </a:solidFill>
-                <a:latin typeface="Arial" charset="0"/>
-                <a:ea typeface="ＭＳ Ｐゴシック" charset="-128"/>
-              </a:defRPr>
-            </a:lvl6pPr>
-            <a:lvl7pPr marL="2971800" indent="-228600" eaLnBrk="0" fontAlgn="base" hangingPunct="0">
-              <a:spcBef>
-                <a:spcPct val="0"/>
-              </a:spcBef>
-              <a:spcAft>
-                <a:spcPct val="0"/>
-              </a:spcAft>
-              <a:defRPr kumimoji="1" sz="3200">
-                <a:solidFill>
-                  <a:schemeClr val="tx1"/>
-                </a:solidFill>
-                <a:latin typeface="Arial" charset="0"/>
-                <a:ea typeface="ＭＳ Ｐゴシック" charset="-128"/>
-              </a:defRPr>
-            </a:lvl7pPr>
-            <a:lvl8pPr marL="3429000" indent="-228600" eaLnBrk="0" fontAlgn="base" hangingPunct="0">
-              <a:spcBef>
-                <a:spcPct val="0"/>
-              </a:spcBef>
-              <a:spcAft>
-                <a:spcPct val="0"/>
-              </a:spcAft>
-              <a:defRPr kumimoji="1" sz="3200">
-                <a:solidFill>
-                  <a:schemeClr val="tx1"/>
-                </a:solidFill>
-                <a:latin typeface="Arial" charset="0"/>
-                <a:ea typeface="ＭＳ Ｐゴシック" charset="-128"/>
-              </a:defRPr>
-            </a:lvl8pPr>
-            <a:lvl9pPr marL="3886200" indent="-228600" eaLnBrk="0" fontAlgn="base" hangingPunct="0">
-              <a:spcBef>
-                <a:spcPct val="0"/>
-              </a:spcBef>
-              <a:spcAft>
-                <a:spcPct val="0"/>
-              </a:spcAft>
-              <a:defRPr kumimoji="1" sz="3200">
-                <a:solidFill>
-                  <a:schemeClr val="tx1"/>
-                </a:solidFill>
-                <a:latin typeface="Arial" charset="0"/>
-                <a:ea typeface="ＭＳ Ｐゴシック" charset="-128"/>
-              </a:defRPr>
-            </a:lvl9pPr>
-          </a:lstStyle>
-          <a:p>
-            <a:pPr eaLnBrk="1" hangingPunct="1">
-              <a:defRPr/>
-            </a:pPr>
+              <a:t>CO.</a:t>
+            </a:r>
+          </a:p>
+          <a:p>
+            <a:pPr lvl="1"/>
+            <a:r>
+              <a:rPr lang="en-US" altLang="ja-JP" sz="1800" dirty="0">
+                <a:latin typeface="+mn-lt"/>
+                <a:ea typeface="+mn-ea"/>
+              </a:rPr>
+              <a:t>1-1.standard</a:t>
+            </a:r>
+          </a:p>
+          <a:p>
+            <a:pPr lvl="2"/>
+            <a:r>
+              <a:rPr lang="en-US" altLang="ja-JP" sz="1800" dirty="0" err="1">
+                <a:latin typeface="+mn-lt"/>
+                <a:ea typeface="+mn-ea"/>
+              </a:rPr>
+              <a:t>makePES.xml</a:t>
+            </a:r>
+            <a:r>
+              <a:rPr lang="ja-JP" altLang="en-US" sz="1800">
+                <a:latin typeface="+mn-lt"/>
+                <a:ea typeface="+mn-ea"/>
+              </a:rPr>
+              <a:t>、コメントアウト</a:t>
+            </a:r>
+            <a:endParaRPr lang="en-US" altLang="ja-JP" sz="1800" dirty="0">
+              <a:latin typeface="+mn-lt"/>
+              <a:ea typeface="+mn-ea"/>
+            </a:endParaRPr>
+          </a:p>
+          <a:p>
+            <a:pPr lvl="2"/>
+            <a:r>
+              <a:rPr lang="en-US" altLang="ja-JP" sz="1800" dirty="0">
+                <a:latin typeface="+mn-lt"/>
+                <a:ea typeface="+mn-ea"/>
+              </a:rPr>
+              <a:t>QM</a:t>
+            </a:r>
+            <a:r>
+              <a:rPr lang="ja-JP" altLang="en-US" sz="1800">
+                <a:latin typeface="+mn-lt"/>
+                <a:ea typeface="+mn-ea"/>
+              </a:rPr>
+              <a:t>計算用の</a:t>
+            </a:r>
+            <a:r>
+              <a:rPr lang="en-US" altLang="ja-JP" sz="1800" dirty="0">
+                <a:latin typeface="+mn-lt"/>
+                <a:ea typeface="+mn-ea"/>
+              </a:rPr>
+              <a:t>Template</a:t>
+            </a:r>
+            <a:r>
+              <a:rPr lang="ja-JP" altLang="en-US" sz="1800">
+                <a:latin typeface="+mn-lt"/>
+                <a:ea typeface="+mn-ea"/>
+              </a:rPr>
+              <a:t>ファイル</a:t>
+            </a:r>
+            <a:endParaRPr lang="en-US" altLang="ja-JP" sz="1800" dirty="0">
+              <a:latin typeface="+mn-lt"/>
+              <a:ea typeface="+mn-ea"/>
+            </a:endParaRPr>
+          </a:p>
+          <a:p>
+            <a:pPr lvl="2"/>
+            <a:r>
+              <a:rPr lang="ja-JP" altLang="en-US" sz="1800">
+                <a:latin typeface="+mn-lt"/>
+                <a:ea typeface="+mn-ea"/>
+              </a:rPr>
+              <a:t>並列計算：</a:t>
+            </a:r>
+            <a:r>
+              <a:rPr lang="en-US" altLang="ja-JP" sz="1800" dirty="0" err="1">
+                <a:latin typeface="+mn-lt"/>
+                <a:ea typeface="+mn-ea"/>
+              </a:rPr>
+              <a:t>resources.info</a:t>
+            </a:r>
+            <a:endParaRPr lang="en-US" altLang="ja-JP" sz="1800" dirty="0">
+              <a:latin typeface="+mn-lt"/>
+              <a:ea typeface="+mn-ea"/>
+            </a:endParaRPr>
+          </a:p>
+          <a:p>
+            <a:pPr lvl="2"/>
+            <a:r>
+              <a:rPr lang="en-US" altLang="ja-JP" sz="1800" dirty="0">
+                <a:latin typeface="+mn-lt"/>
+                <a:ea typeface="+mn-ea"/>
+              </a:rPr>
+              <a:t>QFF</a:t>
+            </a:r>
+            <a:r>
+              <a:rPr lang="ja-JP" altLang="en-US" sz="1800">
+                <a:latin typeface="+mn-lt"/>
+                <a:ea typeface="+mn-ea"/>
+              </a:rPr>
+              <a:t>・・インプットと</a:t>
+            </a:r>
+            <a:r>
+              <a:rPr lang="en-US" altLang="ja-JP" sz="1800" dirty="0">
+                <a:latin typeface="+mn-lt"/>
+                <a:ea typeface="+mn-ea"/>
+              </a:rPr>
+              <a:t>mop</a:t>
+            </a:r>
+            <a:r>
+              <a:rPr lang="ja-JP" altLang="en-US" sz="1800">
+                <a:latin typeface="+mn-lt"/>
+                <a:ea typeface="+mn-ea"/>
+              </a:rPr>
+              <a:t>ファイルの形式</a:t>
+            </a:r>
+            <a:endParaRPr lang="en-US" altLang="ja-JP" sz="1800" dirty="0">
+              <a:latin typeface="+mn-lt"/>
+              <a:ea typeface="+mn-ea"/>
+            </a:endParaRPr>
+          </a:p>
+          <a:p>
+            <a:pPr lvl="1"/>
+            <a:r>
+              <a:rPr lang="en-US" altLang="ja-JP" sz="1800" dirty="0">
+                <a:latin typeface="+mn-lt"/>
+                <a:ea typeface="+mn-ea"/>
+              </a:rPr>
+              <a:t>1-2. </a:t>
+            </a:r>
+            <a:r>
+              <a:rPr lang="en-US" altLang="ja-JP" sz="1800" dirty="0" err="1">
+                <a:latin typeface="+mn-lt"/>
+                <a:ea typeface="+mn-ea"/>
+              </a:rPr>
+              <a:t>dryrun</a:t>
+            </a:r>
+            <a:endParaRPr lang="en-US" altLang="ja-JP" sz="1800" dirty="0">
+              <a:latin typeface="+mn-lt"/>
+              <a:ea typeface="+mn-ea"/>
+            </a:endParaRPr>
+          </a:p>
+          <a:p>
+            <a:pPr lvl="1"/>
+            <a:r>
+              <a:rPr lang="en-US" altLang="ja-JP" sz="1800" dirty="0">
+                <a:latin typeface="+mn-lt"/>
+                <a:ea typeface="+mn-ea"/>
+              </a:rPr>
+              <a:t>1-3. generic</a:t>
+            </a:r>
+          </a:p>
+          <a:p>
+            <a:pPr lvl="1"/>
+            <a:endParaRPr lang="en-US" altLang="ja-JP" sz="1800" dirty="0">
+              <a:solidFill>
+                <a:srgbClr val="000000"/>
+              </a:solidFill>
+              <a:latin typeface="+mn-lt"/>
+              <a:ea typeface="+mn-ea"/>
+              <a:cs typeface="メイリオ" charset="-128"/>
+            </a:endParaRPr>
+          </a:p>
+          <a:p>
             <a:r>
               <a:rPr lang="en-US" altLang="ja-JP" sz="1800" dirty="0">
                 <a:solidFill>
                   <a:srgbClr val="000000"/>
                 </a:solidFill>
                 <a:latin typeface="+mn-lt"/>
-                <a:ea typeface="メイリオ" charset="-128"/>
+                <a:ea typeface="+mn-ea"/>
                 <a:cs typeface="メイリオ" charset="-128"/>
               </a:rPr>
+              <a:t>2.grid_h2co/</a:t>
+            </a:r>
+          </a:p>
+          <a:p>
+            <a:pPr lvl="1"/>
+            <a:r>
+              <a:rPr lang="en-US" altLang="ja-JP" sz="1800" dirty="0">
+                <a:latin typeface="+mn-lt"/>
+                <a:ea typeface="+mn-ea"/>
+              </a:rPr>
+              <a:t>3MR-Grid</a:t>
+            </a:r>
+            <a:r>
+              <a:rPr lang="ja-JP" altLang="en-US" sz="1800">
+                <a:latin typeface="+mn-lt"/>
+                <a:ea typeface="+mn-ea"/>
+              </a:rPr>
+              <a:t>・・インプットと</a:t>
+            </a:r>
+            <a:r>
+              <a:rPr lang="en-US" altLang="ja-JP" sz="1800" dirty="0">
+                <a:latin typeface="+mn-lt"/>
+                <a:ea typeface="+mn-ea"/>
+              </a:rPr>
+              <a:t>pot</a:t>
+            </a:r>
+            <a:r>
+              <a:rPr lang="ja-JP" altLang="en-US" sz="1800">
+                <a:latin typeface="+mn-lt"/>
+                <a:ea typeface="+mn-ea"/>
+              </a:rPr>
+              <a:t>ファイルの形式</a:t>
+            </a:r>
+            <a:endParaRPr lang="en-US" altLang="ja-JP" sz="1800" dirty="0">
+              <a:latin typeface="+mn-lt"/>
+              <a:ea typeface="+mn-ea"/>
+            </a:endParaRPr>
+          </a:p>
+          <a:p>
+            <a:pPr lvl="1"/>
+            <a:r>
+              <a:rPr lang="en-US" altLang="ja-JP" sz="1800" dirty="0">
+                <a:latin typeface="+mn-lt"/>
+                <a:ea typeface="+mn-ea"/>
+              </a:rPr>
+              <a:t>3MR-mrpes</a:t>
+            </a:r>
+          </a:p>
+          <a:p>
+            <a:pPr lvl="1"/>
+            <a:endParaRPr lang="en-US" altLang="ja-JP" sz="1800" dirty="0">
+              <a:solidFill>
+                <a:srgbClr val="000000"/>
+              </a:solidFill>
+              <a:latin typeface="+mn-lt"/>
+              <a:ea typeface="+mn-ea"/>
+              <a:cs typeface="メイリオ" charset="-128"/>
+            </a:endParaRPr>
+          </a:p>
+          <a:p>
+            <a:r>
+              <a:rPr lang="en-US" altLang="ja-JP" sz="1800" dirty="0">
+                <a:solidFill>
+                  <a:srgbClr val="000000"/>
+                </a:solidFill>
+                <a:latin typeface="+mn-lt"/>
+                <a:ea typeface="+mn-ea"/>
+                <a:cs typeface="メイリオ" charset="-128"/>
+              </a:rPr>
               <a:t>3.water-hexamer/</a:t>
             </a:r>
           </a:p>
           <a:p>
-            <a:pPr lvl="1" eaLnBrk="1" hangingPunct="1">
-              <a:defRPr/>
-            </a:pPr>
+            <a:pPr lvl="1"/>
             <a:r>
               <a:rPr lang="en-US" altLang="ja-JP" sz="1800" dirty="0" err="1">
                 <a:solidFill>
                   <a:srgbClr val="000000"/>
                 </a:solidFill>
                 <a:latin typeface="+mn-lt"/>
-                <a:ea typeface="メイリオ" charset="-128"/>
+                <a:ea typeface="+mn-ea"/>
                 <a:cs typeface="メイリオ" charset="-128"/>
               </a:rPr>
-              <a:t>nc</a:t>
+              <a:t>activemode</a:t>
+            </a:r>
+            <a:r>
+              <a:rPr lang="ja-JP" altLang="en-US" sz="1800">
+                <a:solidFill>
+                  <a:srgbClr val="000000"/>
+                </a:solidFill>
+                <a:latin typeface="+mn-lt"/>
+                <a:ea typeface="+mn-ea"/>
+                <a:cs typeface="メイリオ" charset="-128"/>
+              </a:rPr>
+              <a:t>と</a:t>
             </a:r>
             <a:r>
               <a:rPr lang="en-US" altLang="ja-JP" sz="1800" dirty="0">
@@ -7103,11 +7389,66 @@
                   <a:srgbClr val="000000"/>
                 </a:solidFill>
                 <a:latin typeface="+mn-lt"/>
-                <a:ea typeface="メイリオ" charset="-128"/>
+                <a:ea typeface="+mn-ea"/>
                 <a:cs typeface="メイリオ" charset="-128"/>
               </a:rPr>
-              <a:t>-VCI[3]-(6), nc-VQDPT2-(4)</a:t>
-            </a:r>
+              <a:t>local mode</a:t>
+            </a:r>
+            <a:r>
+              <a:rPr lang="ja-JP" altLang="en-US" sz="1800">
+                <a:solidFill>
+                  <a:srgbClr val="000000"/>
+                </a:solidFill>
+                <a:latin typeface="+mn-lt"/>
+                <a:ea typeface="+mn-ea"/>
+                <a:cs typeface="メイリオ" charset="-128"/>
+              </a:rPr>
+              <a:t>の使い方</a:t>
+            </a:r>
+          </a:p>
+          <a:p>
+            <a:pPr lvl="1"/>
+            <a:r>
+              <a:rPr lang="en-US" altLang="ja-JP" sz="1800" dirty="0" err="1">
+                <a:solidFill>
+                  <a:srgbClr val="000000"/>
+                </a:solidFill>
+                <a:latin typeface="+mn-lt"/>
+                <a:ea typeface="+mn-ea"/>
+                <a:cs typeface="メイリオ" charset="-128"/>
+              </a:rPr>
+              <a:t>QFF_normal</a:t>
+            </a:r>
+            <a:endParaRPr lang="en-US" altLang="ja-JP" sz="1800" dirty="0">
+              <a:solidFill>
+                <a:srgbClr val="000000"/>
+              </a:solidFill>
+              <a:latin typeface="+mn-lt"/>
+              <a:ea typeface="+mn-ea"/>
+              <a:cs typeface="メイリオ" charset="-128"/>
+            </a:endParaRPr>
+          </a:p>
+          <a:p>
+            <a:pPr lvl="1"/>
+            <a:r>
+              <a:rPr lang="en-US" altLang="ja-JP" sz="1800" dirty="0" err="1">
+                <a:solidFill>
+                  <a:srgbClr val="000000"/>
+                </a:solidFill>
+                <a:latin typeface="+mn-lt"/>
+                <a:ea typeface="+mn-ea"/>
+                <a:cs typeface="メイリオ" charset="-128"/>
+              </a:rPr>
+              <a:t>QFF_local</a:t>
+            </a:r>
+            <a:endParaRPr lang="en-US" altLang="ja-JP" sz="1800" dirty="0">
+              <a:solidFill>
+                <a:srgbClr val="000000"/>
+              </a:solidFill>
+              <a:latin typeface="+mn-lt"/>
+              <a:ea typeface="+mn-ea"/>
+              <a:cs typeface="メイリオ" charset="-128"/>
+            </a:endParaRPr>
           </a:p>
         </p:txBody>
       </p:sp>
@@ -7167,6 +7508,122 @@
     <p:extLst>
       <p:ext uri="{BB962C8B-B14F-4D97-AF65-F5344CB8AC3E}">
         <p14:creationId xmlns:p14="http://schemas.microsoft.com/office/powerpoint/2010/main" val="2489109342"/>
+      </p:ext>
+    </p:extLst>
+  </p:cSld>
+  <p:clrMapOvr>
+    <a:masterClrMapping/>
+  </p:clrMapOvr>
+</p:sld>
+</file>
+
+<file path=ppt/slides/slide3.xml><?xml version="1.0" encoding="utf-8"?>
+<p:sld xmlns:a="http://schemas.openxmlformats.org/drawingml/2006/main" xmlns:r="http://schemas.openxmlformats.org/officeDocument/2006/relationships" xmlns:p="http://schemas.openxmlformats.org/presentationml/2006/main">
+  <p:cSld>
+    <p:spTree>
+      <p:nvGrpSpPr>
+        <p:cNvPr id="1" name=""/>
+        <p:cNvGrpSpPr/>
+        <p:nvPr/>
+      </p:nvGrpSpPr>
+      <p:grpSpPr>
+        <a:xfrm>
+          <a:off x="0" y="0"/>
+          <a:ext cx="0" cy="0"/>
+          <a:chOff x="0" y="0"/>
+          <a:chExt cx="0" cy="0"/>
+        </a:xfrm>
+      </p:grpSpPr>
+      <p:sp>
+        <p:nvSpPr>
+          <p:cNvPr id="2" name="スライド番号プレースホルダー 1">
+            <a:extLst>
+              <a:ext uri="{FF2B5EF4-FFF2-40B4-BE49-F238E27FC236}">
+                <a16:creationId xmlns:a16="http://schemas.microsoft.com/office/drawing/2014/main" id="{507CC799-7421-174C-AB84-232019A4F20F}"/>
+              </a:ext>
+            </a:extLst>
+          </p:cNvPr>
+          <p:cNvSpPr>
+            <a:spLocks noGrp="1"/>
+          </p:cNvSpPr>
+          <p:nvPr>
+            <p:ph type="sldNum" sz="quarter" idx="12"/>
+          </p:nvPr>
+        </p:nvSpPr>
+        <p:spPr/>
+        <p:txBody>
+          <a:bodyPr/>
+          <a:lstStyle/>
+          <a:p>
+            <a:fld id="{7D34BB6B-1E1A-9541-9560-488905BF54FF}" type="slidenum">
+              <a:rPr kumimoji="1" lang="ja-JP" altLang="en-US" smtClean="0"/>
+              <a:t>2</a:t>
+            </a:fld>
+            <a:endParaRPr kumimoji="1" lang="ja-JP" altLang="en-US"/>
+          </a:p>
+        </p:txBody>
+      </p:sp>
+      <p:sp>
+        <p:nvSpPr>
+          <p:cNvPr id="3" name="テキスト ボックス 2">
+            <a:extLst>
+              <a:ext uri="{FF2B5EF4-FFF2-40B4-BE49-F238E27FC236}">
+                <a16:creationId xmlns:a16="http://schemas.microsoft.com/office/drawing/2014/main" id="{E0734C7D-951B-B442-B1D9-63311CD723A3}"/>
+              </a:ext>
+            </a:extLst>
+          </p:cNvPr>
+          <p:cNvSpPr txBox="1"/>
+          <p:nvPr/>
+        </p:nvSpPr>
+        <p:spPr>
+          <a:xfrm>
+            <a:off x="537029" y="827313"/>
+            <a:ext cx="7864022" cy="1477328"/>
+          </a:xfrm>
+          <a:prstGeom prst="rect">
+            <a:avLst/>
+          </a:prstGeom>
+          <a:noFill/>
+        </p:spPr>
+        <p:txBody>
+          <a:bodyPr wrap="square" rtlCol="0">
+            <a:spAutoFit/>
+          </a:bodyPr>
+          <a:lstStyle/>
+          <a:p>
+            <a:r>
+              <a:rPr kumimoji="1" lang="en-US" altLang="ja-JP" dirty="0"/>
+              <a:t>NOTE</a:t>
+            </a:r>
+          </a:p>
+          <a:p>
+            <a:endParaRPr lang="en-US" altLang="ja-JP" dirty="0"/>
+          </a:p>
+          <a:p>
+            <a:r>
+              <a:rPr kumimoji="1" lang="en-US" altLang="ja-JP" dirty="0" err="1"/>
+              <a:t>MakePES</a:t>
+            </a:r>
+            <a:r>
+              <a:rPr kumimoji="1" lang="en-US" altLang="ja-JP" dirty="0"/>
+              <a:t> is a command line </a:t>
+            </a:r>
+            <a:r>
+              <a:rPr lang="en-US" altLang="ja-JP" dirty="0"/>
+              <a:t>based program. </a:t>
+            </a:r>
+            <a:r>
+              <a:rPr kumimoji="1" lang="en-US" altLang="ja-JP" dirty="0"/>
+              <a:t>This manual assumes that you are familiar with the commands in UNIX, and that you are working on Bourne Shell (bash).</a:t>
+            </a:r>
+            <a:endParaRPr kumimoji="1" lang="ja-JP" altLang="en-US"/>
+          </a:p>
+        </p:txBody>
+      </p:sp>
+    </p:spTree>
+    <p:extLst>
+      <p:ext uri="{BB962C8B-B14F-4D97-AF65-F5344CB8AC3E}">
+        <p14:creationId xmlns:p14="http://schemas.microsoft.com/office/powerpoint/2010/main" val="211308346"/>
       </p:ext>
     </p:extLst>
   </p:cSld>
@@ -7195,10 +7652,10 @@
       </p:grpSpPr>
       <p:sp>
         <p:nvSpPr>
-          <p:cNvPr id="2" name="スライド番号プレースホルダー 1">
+          <p:cNvPr id="3" name="スライド番号プレースホルダー 2">
             <a:extLst>
               <a:ext uri="{FF2B5EF4-FFF2-40B4-BE49-F238E27FC236}">
-                <a16:creationId xmlns:a16="http://schemas.microsoft.com/office/drawing/2014/main" id="{507CC799-7421-174C-AB84-232019A4F20F}"/>
+                <a16:creationId xmlns:a16="http://schemas.microsoft.com/office/drawing/2014/main" id="{0D20C032-4C8C-8840-AC98-08743B6AF86B}"/>
               </a:ext>
             </a:extLst>
           </p:cNvPr>
@@ -7224,10 +7681,10 @@
       </p:sp>
       <p:sp>
         <p:nvSpPr>
-          <p:cNvPr id="3" name="テキスト ボックス 2">
+          <p:cNvPr id="5" name="テキスト ボックス 4">
             <a:extLst>
               <a:ext uri="{FF2B5EF4-FFF2-40B4-BE49-F238E27FC236}">
-                <a16:creationId xmlns:a16="http://schemas.microsoft.com/office/drawing/2014/main" id="{E0734C7D-951B-B442-B1D9-63311CD723A3}"/>
+                <a16:creationId xmlns:a16="http://schemas.microsoft.com/office/drawing/2014/main" id="{81FF278B-9D17-B948-A408-B4EA796EEA69}"/>
               </a:ext>
             </a:extLst>
           </p:cNvPr>
@@ -7236,8 +7693,8 @@
         </p:nvSpPr>
         <p:spPr>
           <a:xfrm>
-            <a:off x="537029" y="827313"/>
-            <a:ext cx="7864022" cy="1477328"/>
+            <a:off x="391885" y="328616"/>
+            <a:ext cx="2363789" cy="461665"/>
           </a:xfrm>
           <a:prstGeom prst="rect">
             <a:avLst/>
@@ -7245,6 +7702,49 @@
           <a:noFill/>
         </p:spPr>
         <p:txBody>
+          <a:bodyPr wrap="none" rtlCol="0">
+            <a:spAutoFit/>
+          </a:bodyPr>
+          <a:lstStyle/>
+          <a:p>
+            <a:pPr>
+              <a:defRPr/>
+            </a:pPr>
+            <a:r>
+              <a:rPr lang="en-US" altLang="ja-JP" sz="2400" dirty="0">
+                <a:solidFill>
+                  <a:srgbClr val="000000"/>
+                </a:solidFill>
+                <a:cs typeface="メイリオ" charset="-128"/>
+              </a:rPr>
+              <a:t>0.harmonic_h2co</a:t>
+            </a:r>
+          </a:p>
+        </p:txBody>
+      </p:sp>
+      <p:sp>
+        <p:nvSpPr>
+          <p:cNvPr id="6" name="テキスト ボックス 5">
+            <a:extLst>
+              <a:ext uri="{FF2B5EF4-FFF2-40B4-BE49-F238E27FC236}">
+                <a16:creationId xmlns:a16="http://schemas.microsoft.com/office/drawing/2014/main" id="{0C39865C-CA7F-D54E-9A4C-A9E64AB9D05C}"/>
+              </a:ext>
+            </a:extLst>
+          </p:cNvPr>
+          <p:cNvSpPr txBox="1"/>
+          <p:nvPr/>
+        </p:nvSpPr>
+        <p:spPr>
+          <a:xfrm>
+            <a:off x="757238" y="923532"/>
+            <a:ext cx="7943850" cy="646331"/>
+          </a:xfrm>
+          <a:prstGeom prst="rect">
+            <a:avLst/>
+          </a:prstGeom>
+          <a:noFill/>
+        </p:spPr>
+        <p:txBody>
           <a:bodyPr wrap="square" rtlCol="0">
             <a:spAutoFit/>
           </a:bodyPr>
@@ -7252,37 +7752,433 @@
           <a:p>
             <a:r>
               <a:rPr kumimoji="1" lang="en-US" altLang="ja-JP" dirty="0"/>
-              <a:t>NOTE</a:t>
-            </a:r>
-          </a:p>
-          <a:p>
-            <a:endParaRPr lang="en-US" altLang="ja-JP" dirty="0"/>
-          </a:p>
-          <a:p>
-            <a:r>
-              <a:rPr kumimoji="1" lang="en-US" altLang="ja-JP" dirty="0" err="1"/>
-              <a:t>MakePES</a:t>
+              <a:t>Proceed to 0.harmoic_h2co and find an input file to </a:t>
+            </a:r>
+            <a:r>
+              <a:rPr lang="en-US" altLang="ja-JP" dirty="0"/>
+              <a:t>perform harmonic vibrational analysis </a:t>
             </a:r>
             <a:r>
               <a:rPr kumimoji="1" lang="en-US" altLang="ja-JP" dirty="0"/>
-              <a:t> is a command line </a:t>
-            </a:r>
+              <a:t>for formaldehyde using Gaussian.</a:t>
+            </a:r>
+            <a:endParaRPr kumimoji="1" lang="ja-JP" altLang="en-US"/>
+          </a:p>
+        </p:txBody>
+      </p:sp>
+      <p:sp>
+        <p:nvSpPr>
+          <p:cNvPr id="7" name="テキスト ボックス 6">
+            <a:extLst>
+              <a:ext uri="{FF2B5EF4-FFF2-40B4-BE49-F238E27FC236}">
+                <a16:creationId xmlns:a16="http://schemas.microsoft.com/office/drawing/2014/main" id="{6D580501-43B7-4C4A-A132-55236A37F62C}"/>
+              </a:ext>
+            </a:extLst>
+          </p:cNvPr>
+          <p:cNvSpPr txBox="1"/>
+          <p:nvPr/>
+        </p:nvSpPr>
+        <p:spPr>
+          <a:xfrm>
+            <a:off x="1015039" y="1713338"/>
+            <a:ext cx="4742824" cy="646331"/>
+          </a:xfrm>
+          <a:prstGeom prst="rect">
+            <a:avLst/>
+          </a:prstGeom>
+          <a:noFill/>
+          <a:ln>
+            <a:solidFill>
+              <a:srgbClr val="00B050"/>
+            </a:solidFill>
+          </a:ln>
+        </p:spPr>
+        <p:txBody>
+          <a:bodyPr wrap="square" rtlCol="0">
+            <a:spAutoFit/>
+          </a:bodyPr>
+          <a:lstStyle/>
+          <a:p>
+            <a:r>
+              <a:rPr kumimoji="1" lang="en-US" altLang="ja-JP" sz="1200" dirty="0">
+                <a:latin typeface="Courier" charset="0"/>
+                <a:ea typeface="Courier" charset="0"/>
+                <a:cs typeface="Courier" charset="0"/>
+              </a:rPr>
+              <a:t>&gt; cd 0.harmonic_h2co</a:t>
+            </a:r>
+          </a:p>
+          <a:p>
+            <a:r>
+              <a:rPr kumimoji="1" lang="en-US" altLang="ja-JP" sz="1200" dirty="0">
+                <a:latin typeface="Courier" charset="0"/>
+                <a:ea typeface="Courier" charset="0"/>
+                <a:cs typeface="Courier" charset="0"/>
+              </a:rPr>
+              <a:t>&gt; ls</a:t>
+            </a:r>
+          </a:p>
+          <a:p>
+            <a:r>
+              <a:rPr lang="en-US" altLang="ja-JP" sz="1200" dirty="0">
+                <a:latin typeface="Courier" charset="0"/>
+                <a:ea typeface="Courier" charset="0"/>
+                <a:cs typeface="Courier" charset="0"/>
+              </a:rPr>
+              <a:t>h2co-b3lyp-dz.inp    log/</a:t>
+            </a:r>
+            <a:endParaRPr kumimoji="1" lang="en-US" altLang="ja-JP" sz="1200" dirty="0">
+              <a:latin typeface="Courier" charset="0"/>
+              <a:ea typeface="Courier" charset="0"/>
+              <a:cs typeface="Courier" charset="0"/>
+            </a:endParaRPr>
+          </a:p>
+        </p:txBody>
+      </p:sp>
+      <p:sp>
+        <p:nvSpPr>
+          <p:cNvPr id="9" name="テキスト ボックス 8">
+            <a:extLst>
+              <a:ext uri="{FF2B5EF4-FFF2-40B4-BE49-F238E27FC236}">
+                <a16:creationId xmlns:a16="http://schemas.microsoft.com/office/drawing/2014/main" id="{4881D79B-1F64-2642-9865-A00452669ECC}"/>
+              </a:ext>
+            </a:extLst>
+          </p:cNvPr>
+          <p:cNvSpPr txBox="1"/>
+          <p:nvPr/>
+        </p:nvSpPr>
+        <p:spPr>
+          <a:xfrm>
+            <a:off x="757238" y="2908379"/>
+            <a:ext cx="7943850" cy="369332"/>
+          </a:xfrm>
+          <a:prstGeom prst="rect">
+            <a:avLst/>
+          </a:prstGeom>
+          <a:noFill/>
+        </p:spPr>
+        <p:txBody>
+          <a:bodyPr wrap="square" rtlCol="0">
+            <a:spAutoFit/>
+          </a:bodyPr>
+          <a:lstStyle/>
+          <a:p>
             <a:r>
               <a:rPr lang="en-US" altLang="ja-JP" dirty="0"/>
-              <a:t>based program. </a:t>
-            </a:r>
-            <a:r>
-              <a:rPr kumimoji="1" lang="en-US" altLang="ja-JP" dirty="0"/>
-              <a:t>This manual assumes that you are familiar with the commands in UNIX, and that you are working on Bourne Shell (bash).</a:t>
+              <a:t>h2co-b3lyp-dz.inp is the input file. Run Gaussian by the following command:</a:t>
             </a:r>
             <a:endParaRPr kumimoji="1" lang="ja-JP" altLang="en-US"/>
+          </a:p>
+        </p:txBody>
+      </p:sp>
+      <p:sp>
+        <p:nvSpPr>
+          <p:cNvPr id="10" name="テキスト ボックス 9">
+            <a:extLst>
+              <a:ext uri="{FF2B5EF4-FFF2-40B4-BE49-F238E27FC236}">
+                <a16:creationId xmlns:a16="http://schemas.microsoft.com/office/drawing/2014/main" id="{C6F52AA7-4F56-3043-B4B5-860C7E400E8D}"/>
+              </a:ext>
+            </a:extLst>
+          </p:cNvPr>
+          <p:cNvSpPr txBox="1"/>
+          <p:nvPr/>
+        </p:nvSpPr>
+        <p:spPr>
+          <a:xfrm>
+            <a:off x="1015038" y="3370715"/>
+            <a:ext cx="7457450" cy="276999"/>
+          </a:xfrm>
+          <a:prstGeom prst="rect">
+            <a:avLst/>
+          </a:prstGeom>
+          <a:noFill/>
+          <a:ln>
+            <a:solidFill>
+              <a:srgbClr val="00B050"/>
+            </a:solidFill>
+          </a:ln>
+        </p:spPr>
+        <p:txBody>
+          <a:bodyPr wrap="square" rtlCol="0">
+            <a:spAutoFit/>
+          </a:bodyPr>
+          <a:lstStyle/>
+          <a:p>
+            <a:r>
+              <a:rPr lang="en-US" altLang="ja-JP" sz="1200" dirty="0">
+                <a:latin typeface="Courier" charset="0"/>
+                <a:ea typeface="Courier" charset="0"/>
+                <a:cs typeface="Courier" charset="0"/>
+              </a:rPr>
+              <a:t>&gt; </a:t>
+            </a:r>
+            <a:r>
+              <a:rPr lang="en-US" altLang="ja-JP" sz="1200" dirty="0" err="1">
+                <a:latin typeface="Courier" charset="0"/>
+                <a:ea typeface="Courier" charset="0"/>
+                <a:cs typeface="Courier" charset="0"/>
+              </a:rPr>
+              <a:t>runGaussian.sh</a:t>
+            </a:r>
+            <a:r>
+              <a:rPr lang="en-US" altLang="ja-JP" sz="1200" dirty="0">
+                <a:latin typeface="Courier" charset="0"/>
+                <a:ea typeface="Courier" charset="0"/>
+                <a:cs typeface="Courier" charset="0"/>
+              </a:rPr>
+              <a:t> ./ h2co-b3lyp-dz.inp </a:t>
+            </a:r>
+            <a:endParaRPr kumimoji="1" lang="en-US" altLang="ja-JP" sz="1200" dirty="0">
+              <a:latin typeface="Courier" charset="0"/>
+              <a:ea typeface="Courier" charset="0"/>
+              <a:cs typeface="Courier" charset="0"/>
+            </a:endParaRPr>
+          </a:p>
+        </p:txBody>
+      </p:sp>
+      <p:sp>
+        <p:nvSpPr>
+          <p:cNvPr id="11" name="テキスト ボックス 10">
+            <a:extLst>
+              <a:ext uri="{FF2B5EF4-FFF2-40B4-BE49-F238E27FC236}">
+                <a16:creationId xmlns:a16="http://schemas.microsoft.com/office/drawing/2014/main" id="{A8292D94-E2D4-E048-B741-13EDD2E89C70}"/>
+              </a:ext>
+            </a:extLst>
+          </p:cNvPr>
+          <p:cNvSpPr txBox="1"/>
+          <p:nvPr/>
+        </p:nvSpPr>
+        <p:spPr>
+          <a:xfrm>
+            <a:off x="757238" y="4590864"/>
+            <a:ext cx="7943850" cy="369332"/>
+          </a:xfrm>
+          <a:prstGeom prst="rect">
+            <a:avLst/>
+          </a:prstGeom>
+          <a:noFill/>
+        </p:spPr>
+        <p:txBody>
+          <a:bodyPr wrap="square" rtlCol="0">
+            <a:spAutoFit/>
+          </a:bodyPr>
+          <a:lstStyle/>
+          <a:p>
+            <a:r>
+              <a:rPr lang="en-US" altLang="ja-JP" dirty="0"/>
+              <a:t>You will obtain the following output files when the job ends.</a:t>
+            </a:r>
+            <a:endParaRPr kumimoji="1" lang="ja-JP" altLang="en-US"/>
+          </a:p>
+        </p:txBody>
+      </p:sp>
+      <p:sp>
+        <p:nvSpPr>
+          <p:cNvPr id="12" name="テキスト ボックス 11">
+            <a:extLst>
+              <a:ext uri="{FF2B5EF4-FFF2-40B4-BE49-F238E27FC236}">
+                <a16:creationId xmlns:a16="http://schemas.microsoft.com/office/drawing/2014/main" id="{7AE4C306-85BC-7240-8B42-5AE8207C95DC}"/>
+              </a:ext>
+            </a:extLst>
+          </p:cNvPr>
+          <p:cNvSpPr txBox="1"/>
+          <p:nvPr/>
+        </p:nvSpPr>
+        <p:spPr>
+          <a:xfrm>
+            <a:off x="1015038" y="5081774"/>
+            <a:ext cx="7457450" cy="461665"/>
+          </a:xfrm>
+          <a:prstGeom prst="rect">
+            <a:avLst/>
+          </a:prstGeom>
+          <a:noFill/>
+          <a:ln>
+            <a:solidFill>
+              <a:srgbClr val="00B050"/>
+            </a:solidFill>
+          </a:ln>
+        </p:spPr>
+        <p:txBody>
+          <a:bodyPr wrap="square" rtlCol="0">
+            <a:spAutoFit/>
+          </a:bodyPr>
+          <a:lstStyle/>
+          <a:p>
+            <a:r>
+              <a:rPr kumimoji="1" lang="en-US" altLang="ja-JP" sz="1200" dirty="0">
+                <a:latin typeface="Courier" charset="0"/>
+                <a:ea typeface="Courier" charset="0"/>
+                <a:cs typeface="Courier" charset="0"/>
+              </a:rPr>
+              <a:t>&gt; ls </a:t>
+            </a:r>
+            <a:r>
+              <a:rPr lang="en-US" altLang="ja-JP" sz="1200" dirty="0">
+                <a:latin typeface="Courier" charset="0"/>
+                <a:ea typeface="Courier" charset="0"/>
+                <a:cs typeface="Courier" charset="0"/>
+              </a:rPr>
+              <a:t>h2co-b3lyp-dz.*</a:t>
+            </a:r>
+            <a:endParaRPr kumimoji="1" lang="en-US" altLang="ja-JP" sz="1200" dirty="0">
+              <a:latin typeface="Courier" charset="0"/>
+              <a:ea typeface="Courier" charset="0"/>
+              <a:cs typeface="Courier" charset="0"/>
+            </a:endParaRPr>
+          </a:p>
+          <a:p>
+            <a:r>
+              <a:rPr lang="en-US" altLang="ja-JP" sz="1200" dirty="0">
+                <a:latin typeface="Courier" charset="0"/>
+                <a:ea typeface="Courier" charset="0"/>
+                <a:cs typeface="Courier" charset="0"/>
+              </a:rPr>
+              <a:t>h2co-b3lyp-dz.chk   h2co-b3lyp-dz.fchk  h2co-b3lyp-dz.inp   h2co-b3lyp-dz.out</a:t>
+            </a:r>
+            <a:endParaRPr kumimoji="1" lang="en-US" altLang="ja-JP" sz="1200" dirty="0">
+              <a:latin typeface="Courier" charset="0"/>
+              <a:ea typeface="Courier" charset="0"/>
+              <a:cs typeface="Courier" charset="0"/>
+            </a:endParaRPr>
+          </a:p>
+        </p:txBody>
+      </p:sp>
+      <p:sp>
+        <p:nvSpPr>
+          <p:cNvPr id="4" name="テキスト ボックス 3">
+            <a:extLst>
+              <a:ext uri="{FF2B5EF4-FFF2-40B4-BE49-F238E27FC236}">
+                <a16:creationId xmlns:a16="http://schemas.microsoft.com/office/drawing/2014/main" id="{F4BC57C8-B192-9C42-BB38-0C0B1EC7FF0C}"/>
+              </a:ext>
+            </a:extLst>
+          </p:cNvPr>
+          <p:cNvSpPr txBox="1"/>
+          <p:nvPr/>
+        </p:nvSpPr>
+        <p:spPr>
+          <a:xfrm>
+            <a:off x="1314450" y="3771902"/>
+            <a:ext cx="7019742" cy="646331"/>
+          </a:xfrm>
+          <a:prstGeom prst="rect">
+            <a:avLst/>
+          </a:prstGeom>
+          <a:noFill/>
+        </p:spPr>
+        <p:txBody>
+          <a:bodyPr wrap="none" rtlCol="0">
+            <a:spAutoFit/>
+          </a:bodyPr>
+          <a:lstStyle/>
+          <a:p>
+            <a:pPr marL="285750" indent="-285750">
+              <a:buFontTx/>
+              <a:buChar char="-"/>
+            </a:pPr>
+            <a:r>
+              <a:rPr lang="en-US" altLang="ja-JP" dirty="0"/>
+              <a:t>review the installation if you cannot run Gaussian with this command.</a:t>
+            </a:r>
+          </a:p>
+          <a:p>
+            <a:pPr marL="285750" indent="-285750">
+              <a:buFontTx/>
+              <a:buChar char="-"/>
+            </a:pPr>
+            <a:r>
+              <a:rPr lang="en-US" altLang="ja-JP" dirty="0"/>
+              <a:t>the two arguments are (working folder) and (input file), respectively.</a:t>
+            </a:r>
+          </a:p>
+        </p:txBody>
+      </p:sp>
+      <p:sp>
+        <p:nvSpPr>
+          <p:cNvPr id="15" name="テキスト ボックス 14">
+            <a:extLst>
+              <a:ext uri="{FF2B5EF4-FFF2-40B4-BE49-F238E27FC236}">
+                <a16:creationId xmlns:a16="http://schemas.microsoft.com/office/drawing/2014/main" id="{1192CA88-D21E-7642-B874-361ECA833DAA}"/>
+              </a:ext>
+            </a:extLst>
+          </p:cNvPr>
+          <p:cNvSpPr txBox="1"/>
+          <p:nvPr/>
+        </p:nvSpPr>
+        <p:spPr>
+          <a:xfrm>
+            <a:off x="757238" y="5708709"/>
+            <a:ext cx="7943850" cy="646331"/>
+          </a:xfrm>
+          <a:prstGeom prst="rect">
+            <a:avLst/>
+          </a:prstGeom>
+          <a:noFill/>
+        </p:spPr>
+        <p:txBody>
+          <a:bodyPr wrap="square" rtlCol="0">
+            <a:spAutoFit/>
+          </a:bodyPr>
+          <a:lstStyle/>
+          <a:p>
+            <a:r>
+              <a:rPr lang="en-US" altLang="ja-JP" dirty="0"/>
+              <a:t>.</a:t>
+            </a:r>
+            <a:r>
+              <a:rPr lang="en-US" altLang="ja-JP" dirty="0" err="1"/>
+              <a:t>fchk</a:t>
+            </a:r>
+            <a:r>
+              <a:rPr lang="en-US" altLang="ja-JP" dirty="0"/>
+              <a:t> is a formatted check point file, which archives the result of quantum chemistry calculations. </a:t>
+            </a:r>
+          </a:p>
+        </p:txBody>
+      </p:sp>
+      <p:sp>
+        <p:nvSpPr>
+          <p:cNvPr id="16" name="テキスト ボックス 15">
+            <a:extLst>
+              <a:ext uri="{FF2B5EF4-FFF2-40B4-BE49-F238E27FC236}">
+                <a16:creationId xmlns:a16="http://schemas.microsoft.com/office/drawing/2014/main" id="{66F5D3DA-B216-1942-A550-45E7A9F14937}"/>
+              </a:ext>
+            </a:extLst>
+          </p:cNvPr>
+          <p:cNvSpPr txBox="1"/>
+          <p:nvPr/>
+        </p:nvSpPr>
+        <p:spPr>
+          <a:xfrm>
+            <a:off x="1314450" y="2492896"/>
+            <a:ext cx="4310283" cy="369332"/>
+          </a:xfrm>
+          <a:prstGeom prst="rect">
+            <a:avLst/>
+          </a:prstGeom>
+          <a:noFill/>
+        </p:spPr>
+        <p:txBody>
+          <a:bodyPr wrap="none" rtlCol="0">
+            <a:spAutoFit/>
+          </a:bodyPr>
+          <a:lstStyle/>
+          <a:p>
+            <a:pPr marL="285750" indent="-285750">
+              <a:buFontTx/>
+              <a:buChar char="-"/>
+            </a:pPr>
+            <a:r>
+              <a:rPr lang="en-US" altLang="ja-JP" dirty="0"/>
+              <a:t>“log” folder contains sample output files.</a:t>
+            </a:r>
           </a:p>
         </p:txBody>
       </p:sp>
     </p:spTree>
     <p:extLst>
       <p:ext uri="{BB962C8B-B14F-4D97-AF65-F5344CB8AC3E}">
-        <p14:creationId xmlns:p14="http://schemas.microsoft.com/office/powerpoint/2010/main" val="211308346"/>
+        <p14:creationId xmlns:p14="http://schemas.microsoft.com/office/powerpoint/2010/main" val="2736796428"/>
       </p:ext>
     </p:extLst>
   </p:cSld>
@@ -7311,10 +8207,10 @@
       </p:grpSpPr>
       <p:sp>
         <p:nvSpPr>
-          <p:cNvPr id="3" name="スライド番号プレースホルダー 2">
+          <p:cNvPr id="2" name="スライド番号プレースホルダー 1">
             <a:extLst>
               <a:ext uri="{FF2B5EF4-FFF2-40B4-BE49-F238E27FC236}">
-                <a16:creationId xmlns:a16="http://schemas.microsoft.com/office/drawing/2014/main" id="{0D20C032-4C8C-8840-AC98-08743B6AF86B}"/>
+                <a16:creationId xmlns:a16="http://schemas.microsoft.com/office/drawing/2014/main" id="{E4CB5A3C-30D9-7847-9F33-AAC6D828B195}"/>
               </a:ext>
             </a:extLst>
           </p:cNvPr>
@@ -7340,10 +8236,10 @@
       </p:sp>
       <p:sp>
         <p:nvSpPr>
-          <p:cNvPr id="5" name="テキスト ボックス 4">
+          <p:cNvPr id="3" name="テキスト ボックス 2">
             <a:extLst>
               <a:ext uri="{FF2B5EF4-FFF2-40B4-BE49-F238E27FC236}">
-                <a16:creationId xmlns:a16="http://schemas.microsoft.com/office/drawing/2014/main" id="{81FF278B-9D17-B948-A408-B4EA796EEA69}"/>
+                <a16:creationId xmlns:a16="http://schemas.microsoft.com/office/drawing/2014/main" id="{DE38D4BA-26C5-1945-AB3E-6628240BC139}"/>
               </a:ext>
             </a:extLst>
           </p:cNvPr>
@@ -7352,8 +8248,8 @@
         </p:nvSpPr>
         <p:spPr>
           <a:xfrm>
-            <a:off x="391885" y="328616"/>
-            <a:ext cx="2245487" cy="461665"/>
+            <a:off x="857251" y="3391295"/>
+            <a:ext cx="7629524" cy="1200329"/>
           </a:xfrm>
           <a:prstGeom prst="rect">
             <a:avLst/>
@@ -7361,29 +8257,90 @@
           <a:noFill/>
         </p:spPr>
         <p:txBody>
-          <a:bodyPr wrap="none" rtlCol="0">
+          <a:bodyPr wrap="square" rtlCol="0">
             <a:spAutoFit/>
           </a:bodyPr>
           <a:lstStyle/>
           <a:p>
             <a:r>
-              <a:rPr kumimoji="1" lang="en-US" altLang="ja-JP" sz="2400" u="sng" dirty="0"/>
-              <a:t>1. </a:t>
-            </a:r>
-            <a:r>
-              <a:rPr lang="en-US" altLang="ja-JP" sz="2400" u="sng" dirty="0"/>
-              <a:t>Basic example</a:t>
-            </a:r>
-            <a:endParaRPr kumimoji="1" lang="ja-JP" altLang="en-US" sz="2400" u="sng" dirty="0"/>
-          </a:p>
-        </p:txBody>
-      </p:sp>
-      <p:sp>
-        <p:nvSpPr>
-          <p:cNvPr id="6" name="テキスト ボックス 5">
+              <a:rPr lang="en-US" altLang="ja-JP" dirty="0" err="1">
+                <a:ea typeface="メイリオ" charset="-128"/>
+                <a:cs typeface="ＭＳ Ｐゴシック" charset="-128"/>
+              </a:rPr>
+              <a:t>Minfo</a:t>
+            </a:r>
+            <a:r>
+              <a:rPr lang="en-US" altLang="ja-JP" dirty="0">
+                <a:ea typeface="メイリオ" charset="-128"/>
+                <a:cs typeface="ＭＳ Ｐゴシック" charset="-128"/>
+              </a:rPr>
+              <a:t> file includes the equilibrium geometry, harmonic frequencies, and vibrational displacement vectors. The same result can be </a:t>
+            </a:r>
+            <a:r>
+              <a:rPr lang="en-US" altLang="ja-JP" dirty="0" err="1">
+                <a:ea typeface="メイリオ" charset="-128"/>
+                <a:cs typeface="ＭＳ Ｐゴシック" charset="-128"/>
+              </a:rPr>
+              <a:t>obatined</a:t>
+            </a:r>
+            <a:r>
+              <a:rPr lang="en-US" altLang="ja-JP" dirty="0">
+                <a:ea typeface="メイリオ" charset="-128"/>
+                <a:cs typeface="ＭＳ Ｐゴシック" charset="-128"/>
+              </a:rPr>
+              <a:t> by </a:t>
+            </a:r>
+            <a:r>
+              <a:rPr lang="en-US" altLang="ja-JP" dirty="0" err="1">
+                <a:ea typeface="メイリオ" charset="-128"/>
+                <a:cs typeface="ＭＳ Ｐゴシック" charset="-128"/>
+              </a:rPr>
+              <a:t>JSindo</a:t>
+            </a:r>
+            <a:r>
+              <a:rPr lang="en-US" altLang="ja-JP" dirty="0">
+                <a:ea typeface="メイリオ" charset="-128"/>
+                <a:cs typeface="ＭＳ Ｐゴシック" charset="-128"/>
+              </a:rPr>
+              <a:t>; refer to the usage manual of </a:t>
+            </a:r>
+            <a:r>
+              <a:rPr lang="en-US" altLang="ja-JP" dirty="0" err="1">
+                <a:ea typeface="メイリオ" charset="-128"/>
+                <a:cs typeface="ＭＳ Ｐゴシック" charset="-128"/>
+              </a:rPr>
+              <a:t>JSindo</a:t>
+            </a:r>
+            <a:r>
+              <a:rPr lang="en-US" altLang="ja-JP" dirty="0">
+                <a:ea typeface="メイリオ" charset="-128"/>
+                <a:cs typeface="ＭＳ Ｐゴシック" charset="-128"/>
+              </a:rPr>
+              <a:t>. You can find details about the format of </a:t>
+            </a:r>
+            <a:r>
+              <a:rPr lang="en-US" altLang="ja-JP" dirty="0" err="1">
+                <a:ea typeface="メイリオ" charset="-128"/>
+                <a:cs typeface="ＭＳ Ｐゴシック" charset="-128"/>
+              </a:rPr>
+              <a:t>minfo</a:t>
+            </a:r>
+            <a:r>
+              <a:rPr lang="en-US" altLang="ja-JP" dirty="0">
+                <a:ea typeface="メイリオ" charset="-128"/>
+                <a:cs typeface="ＭＳ Ｐゴシック" charset="-128"/>
+              </a:rPr>
+              <a:t> file therein, too.</a:t>
+            </a:r>
+          </a:p>
+        </p:txBody>
+      </p:sp>
+      <p:sp>
+        <p:nvSpPr>
+          <p:cNvPr id="4" name="テキスト ボックス 3">
             <a:extLst>
               <a:ext uri="{FF2B5EF4-FFF2-40B4-BE49-F238E27FC236}">
-                <a16:creationId xmlns:a16="http://schemas.microsoft.com/office/drawing/2014/main" id="{0C39865C-CA7F-D54E-9A4C-A9E64AB9D05C}"/>
+                <a16:creationId xmlns:a16="http://schemas.microsoft.com/office/drawing/2014/main" id="{842C7765-9BAE-EB4B-8178-047D242B9EDD}"/>
               </a:ext>
             </a:extLst>
           </p:cNvPr>
@@ -7392,8 +8349,8 @@
         </p:nvSpPr>
         <p:spPr>
           <a:xfrm>
-            <a:off x="757239" y="909241"/>
-            <a:ext cx="6372224" cy="369332"/>
+            <a:off x="757238" y="508049"/>
+            <a:ext cx="7943850" cy="369332"/>
           </a:xfrm>
           <a:prstGeom prst="rect">
             <a:avLst/>
@@ -7407,19 +8364,34 @@
           <a:lstStyle/>
           <a:p>
             <a:r>
-              <a:rPr kumimoji="1" lang="en-US" altLang="ja-JP" dirty="0"/>
-              <a:t>Proceed to 1.basic and find input files,</a:t>
-            </a:r>
-            <a:endParaRPr kumimoji="1" lang="ja-JP" altLang="en-US"/>
-          </a:p>
-        </p:txBody>
-      </p:sp>
-      <p:sp>
-        <p:nvSpPr>
-          <p:cNvPr id="7" name="テキスト ボックス 6">
+              <a:rPr lang="en-US" altLang="ja-JP" dirty="0"/>
+              <a:t>Let us convert the </a:t>
+            </a:r>
+            <a:r>
+              <a:rPr lang="en-US" altLang="ja-JP" dirty="0" err="1"/>
+              <a:t>fchk</a:t>
+            </a:r>
+            <a:r>
+              <a:rPr lang="en-US" altLang="ja-JP" dirty="0"/>
+              <a:t> file to </a:t>
+            </a:r>
+            <a:r>
+              <a:rPr lang="en-US" altLang="ja-JP" dirty="0" err="1"/>
+              <a:t>minfo</a:t>
+            </a:r>
+            <a:r>
+              <a:rPr lang="en-US" altLang="ja-JP" dirty="0"/>
+              <a:t> file,</a:t>
+            </a:r>
+          </a:p>
+        </p:txBody>
+      </p:sp>
+      <p:sp>
+        <p:nvSpPr>
+          <p:cNvPr id="5" name="テキスト ボックス 4">
             <a:extLst>
               <a:ext uri="{FF2B5EF4-FFF2-40B4-BE49-F238E27FC236}">
-                <a16:creationId xmlns:a16="http://schemas.microsoft.com/office/drawing/2014/main" id="{6D580501-43B7-4C4A-A132-55236A37F62C}"/>
+                <a16:creationId xmlns:a16="http://schemas.microsoft.com/office/drawing/2014/main" id="{FAF93075-48EA-B842-B915-BB584A33E31B}"/>
               </a:ext>
             </a:extLst>
           </p:cNvPr>
@@ -7428,8 +8400,8 @@
         </p:nvSpPr>
         <p:spPr>
           <a:xfrm>
-            <a:off x="1300789" y="1413297"/>
-            <a:ext cx="7250703" cy="646331"/>
+            <a:off x="1015038" y="1028104"/>
+            <a:ext cx="7457450" cy="276999"/>
           </a:xfrm>
           <a:prstGeom prst="rect">
             <a:avLst/>
@@ -7442,38 +8414,26 @@
           </a:ln>
         </p:spPr>
         <p:txBody>
-          <a:bodyPr wrap="none" rtlCol="0">
+          <a:bodyPr wrap="square" rtlCol="0">
             <a:spAutoFit/>
           </a:bodyPr>
           <a:lstStyle/>
           <a:p>
             <a:r>
-              <a:rPr kumimoji="1" lang="en-US" altLang="ja-JP" sz="1200" dirty="0">
+              <a:rPr lang="en-US" altLang="ja-JP" sz="1200" dirty="0">
                 <a:latin typeface="Courier" charset="0"/>
                 <a:ea typeface="Courier" charset="0"/>
                 <a:cs typeface="Courier" charset="0"/>
               </a:rPr>
-              <a:t>&gt; cd 1.basic</a:t>
-            </a:r>
-          </a:p>
-          <a:p>
-            <a:r>
-              <a:rPr kumimoji="1" lang="en-US" altLang="ja-JP" sz="1200" dirty="0">
-                <a:latin typeface="Courier" charset="0"/>
-                <a:ea typeface="Courier" charset="0"/>
-                <a:cs typeface="Courier" charset="0"/>
-              </a:rPr>
-              <a:t>&gt; ls</a:t>
-            </a:r>
-          </a:p>
-          <a:p>
+              <a:t>&gt; java -</a:t>
+            </a:r>
             <a:r>
               <a:rPr lang="en-US" altLang="ja-JP" sz="1200" dirty="0" err="1">
                 <a:latin typeface="Courier" charset="0"/>
                 <a:ea typeface="Courier" charset="0"/>
                 <a:cs typeface="Courier" charset="0"/>
               </a:rPr>
-              <a:t>GaussianTemplate</a:t>
+              <a:t>cp</a:t>
             </a:r>
             <a:r>
               <a:rPr lang="en-US" altLang="ja-JP" sz="1200" dirty="0">
@@ -7481,46 +8441,17 @@
                 <a:ea typeface="Courier" charset="0"/>
                 <a:cs typeface="Courier" charset="0"/>
               </a:rPr>
-              <a:t>   h2co-b3lyp-dz.minfo   </a:t>
-            </a:r>
-            <a:r>
-              <a:rPr lang="en-US" altLang="ja-JP" sz="1200" dirty="0" err="1">
-                <a:latin typeface="Courier" charset="0"/>
-                <a:ea typeface="Courier" charset="0"/>
-                <a:cs typeface="Courier" charset="0"/>
-              </a:rPr>
-              <a:t>makePES.xml</a:t>
-            </a:r>
-            <a:r>
-              <a:rPr lang="en-US" altLang="ja-JP" sz="1200" dirty="0">
-                <a:latin typeface="Courier" charset="0"/>
-                <a:ea typeface="Courier" charset="0"/>
-                <a:cs typeface="Courier" charset="0"/>
-              </a:rPr>
-              <a:t>   ref/   </a:t>
-            </a:r>
-            <a:r>
-              <a:rPr lang="en-US" altLang="ja-JP" sz="1200" dirty="0" err="1">
-                <a:latin typeface="Courier" charset="0"/>
-                <a:ea typeface="Courier" charset="0"/>
-                <a:cs typeface="Courier" charset="0"/>
-              </a:rPr>
-              <a:t>resources.info</a:t>
-            </a:r>
-            <a:endParaRPr kumimoji="1" lang="en-US" altLang="ja-JP" sz="1200" dirty="0">
-              <a:latin typeface="Courier" charset="0"/>
-              <a:ea typeface="Courier" charset="0"/>
-              <a:cs typeface="Courier" charset="0"/>
-            </a:endParaRPr>
-          </a:p>
-        </p:txBody>
-      </p:sp>
-      <p:sp>
-        <p:nvSpPr>
-          <p:cNvPr id="8" name="テキスト ボックス 7">
+              <a:t> "/path/to/sindo-4.0/jar/*" Fchk2Minfo h2co-b3lyp-dz</a:t>
+            </a:r>
+          </a:p>
+        </p:txBody>
+      </p:sp>
+      <p:sp>
+        <p:nvSpPr>
+          <p:cNvPr id="6" name="テキスト ボックス 5">
             <a:extLst>
               <a:ext uri="{FF2B5EF4-FFF2-40B4-BE49-F238E27FC236}">
-                <a16:creationId xmlns:a16="http://schemas.microsoft.com/office/drawing/2014/main" id="{3F348E99-B600-814D-9414-12CE11B4B646}"/>
+                <a16:creationId xmlns:a16="http://schemas.microsoft.com/office/drawing/2014/main" id="{8C4185C9-8067-D14E-9865-91D2C714C761}"/>
               </a:ext>
             </a:extLst>
           </p:cNvPr>
@@ -7529,8 +8460,8 @@
         </p:nvSpPr>
         <p:spPr>
           <a:xfrm>
-            <a:off x="757238" y="2276872"/>
-            <a:ext cx="7372349" cy="923330"/>
+            <a:off x="1314450" y="1385886"/>
+            <a:ext cx="6429132" cy="369332"/>
           </a:xfrm>
           <a:prstGeom prst="rect">
             <a:avLst/>
@@ -7538,73 +8469,36 @@
           <a:noFill/>
         </p:spPr>
         <p:txBody>
-          <a:bodyPr wrap="square" rtlCol="0">
+          <a:bodyPr wrap="none" rtlCol="0">
             <a:spAutoFit/>
           </a:bodyPr>
           <a:lstStyle/>
           <a:p>
             <a:pPr marL="285750" indent="-285750">
-              <a:buFont typeface="Arial" panose="020B0604020202020204" pitchFamily="34" charset="0"/>
-              <a:buChar char="•"/>
-            </a:pPr>
-            <a:r>
-              <a:rPr kumimoji="1" lang="en-US" altLang="ja-JP" dirty="0"/>
-              <a:t>h2co-b3lyp-dz.minfo</a:t>
-            </a:r>
-          </a:p>
-          <a:p>
-            <a:pPr lvl="1"/>
-            <a:r>
-              <a:rPr lang="en-US" altLang="ja-JP" dirty="0">
-                <a:ea typeface="メイリオ" charset="-128"/>
-                <a:cs typeface="ＭＳ Ｐゴシック" charset="-128"/>
-              </a:rPr>
-              <a:t>Includes the equilibrium geometry, harmonic frequencies, and vibrational displacement vectors.</a:t>
-            </a:r>
-            <a:r>
-              <a:rPr lang="ja-JP" altLang="en-US">
-                <a:ea typeface="メイリオ" charset="-128"/>
-                <a:cs typeface="ＭＳ Ｐゴシック" charset="-128"/>
-              </a:rPr>
-              <a:t> </a:t>
-            </a:r>
-            <a:r>
-              <a:rPr lang="en-US" altLang="ja-JP" dirty="0">
-                <a:ea typeface="メイリオ" charset="-128"/>
-                <a:cs typeface="ＭＳ Ｐゴシック" charset="-128"/>
-              </a:rPr>
-              <a:t>They can be visualized by </a:t>
-            </a:r>
-            <a:r>
-              <a:rPr lang="en-US" altLang="ja-JP" dirty="0" err="1">
-                <a:solidFill>
-                  <a:srgbClr val="000000"/>
-                </a:solidFill>
-                <a:ea typeface="メイリオ" charset="-128"/>
-                <a:cs typeface="メイリオ" charset="-128"/>
-              </a:rPr>
-              <a:t>JSindo</a:t>
-            </a:r>
-            <a:r>
-              <a:rPr lang="en-US" altLang="ja-JP" dirty="0">
-                <a:solidFill>
-                  <a:srgbClr val="000000"/>
-                </a:solidFill>
-                <a:ea typeface="メイリオ" charset="-128"/>
-                <a:cs typeface="メイリオ" charset="-128"/>
-              </a:rPr>
-              <a:t>.</a:t>
-            </a:r>
-            <a:endParaRPr kumimoji="1" lang="ja-JP" altLang="en-US"/>
-          </a:p>
-        </p:txBody>
-      </p:sp>
-      <p:sp>
-        <p:nvSpPr>
-          <p:cNvPr id="2" name="テキスト ボックス 1">
+              <a:buFontTx/>
+              <a:buChar char="-"/>
+            </a:pPr>
+            <a:r>
+              <a:rPr lang="en-US" altLang="ja-JP" dirty="0"/>
+              <a:t>the argument after Fchk2Minfo is the </a:t>
+            </a:r>
+            <a:r>
+              <a:rPr lang="en-US" altLang="ja-JP" dirty="0" err="1"/>
+              <a:t>basename</a:t>
+            </a:r>
+            <a:r>
+              <a:rPr lang="en-US" altLang="ja-JP" dirty="0"/>
+              <a:t> of output files.</a:t>
+            </a:r>
+          </a:p>
+        </p:txBody>
+      </p:sp>
+      <p:sp>
+        <p:nvSpPr>
+          <p:cNvPr id="7" name="テキスト ボックス 6">
             <a:extLst>
               <a:ext uri="{FF2B5EF4-FFF2-40B4-BE49-F238E27FC236}">
-                <a16:creationId xmlns:a16="http://schemas.microsoft.com/office/drawing/2014/main" id="{4DAC536A-B389-A042-BC2F-E054BF5263F0}"/>
+                <a16:creationId xmlns:a16="http://schemas.microsoft.com/office/drawing/2014/main" id="{2D749E3E-7087-984D-838C-9940277A9359}"/>
               </a:ext>
             </a:extLst>
           </p:cNvPr>
@@ -7613,8 +8507,96 @@
         </p:nvSpPr>
         <p:spPr>
           <a:xfrm>
-            <a:off x="714375" y="4900613"/>
-            <a:ext cx="5863785" cy="369332"/>
+            <a:off x="1015038" y="2511177"/>
+            <a:ext cx="7457450" cy="646331"/>
+          </a:xfrm>
+          <a:prstGeom prst="rect">
+            <a:avLst/>
+          </a:prstGeom>
+          <a:noFill/>
+          <a:ln>
+            <a:solidFill>
+              <a:srgbClr val="00B050"/>
+            </a:solidFill>
+          </a:ln>
+        </p:spPr>
+        <p:txBody>
+          <a:bodyPr wrap="square" rtlCol="0">
+            <a:spAutoFit/>
+          </a:bodyPr>
+          <a:lstStyle/>
+          <a:p>
+            <a:r>
+              <a:rPr kumimoji="1" lang="en-US" altLang="ja-JP" sz="1200" dirty="0">
+                <a:latin typeface="Courier" charset="0"/>
+                <a:ea typeface="Courier" charset="0"/>
+                <a:cs typeface="Courier" charset="0"/>
+              </a:rPr>
+              <a:t>&gt; ls </a:t>
+            </a:r>
+            <a:r>
+              <a:rPr lang="en-US" altLang="ja-JP" sz="1200" dirty="0">
+                <a:latin typeface="Courier" charset="0"/>
+                <a:ea typeface="Courier" charset="0"/>
+                <a:cs typeface="Courier" charset="0"/>
+              </a:rPr>
+              <a:t>h2co-b3lyp-dz.*</a:t>
+            </a:r>
+            <a:endParaRPr kumimoji="1" lang="en-US" altLang="ja-JP" sz="1200" dirty="0">
+              <a:latin typeface="Courier" charset="0"/>
+              <a:ea typeface="Courier" charset="0"/>
+              <a:cs typeface="Courier" charset="0"/>
+            </a:endParaRPr>
+          </a:p>
+          <a:p>
+            <a:r>
+              <a:rPr lang="en-US" altLang="ja-JP" sz="1200" dirty="0">
+                <a:latin typeface="Courier" charset="0"/>
+                <a:ea typeface="Courier" charset="0"/>
+                <a:cs typeface="Courier" charset="0"/>
+              </a:rPr>
+              <a:t>h2co-b3lyp-dz.chk   h2co-b3lyp-dz.fchk  h2co-b3lyp-dz.inp   h2co-b3lyp-dz.out</a:t>
+            </a:r>
+          </a:p>
+          <a:p>
+            <a:r>
+              <a:rPr lang="en-US" altLang="ja-JP" sz="1200" dirty="0">
+                <a:solidFill>
+                  <a:srgbClr val="FF0000"/>
+                </a:solidFill>
+                <a:latin typeface="Courier" charset="0"/>
+                <a:ea typeface="Courier" charset="0"/>
+                <a:cs typeface="Courier" charset="0"/>
+              </a:rPr>
+              <a:t>h2co-b3lyp-dz.minfo</a:t>
+            </a:r>
+            <a:endParaRPr kumimoji="1" lang="en-US" altLang="ja-JP" sz="1200" dirty="0">
+              <a:solidFill>
+                <a:srgbClr val="FF0000"/>
+              </a:solidFill>
+              <a:latin typeface="Courier" charset="0"/>
+              <a:ea typeface="Courier" charset="0"/>
+              <a:cs typeface="Courier" charset="0"/>
+            </a:endParaRPr>
+          </a:p>
+        </p:txBody>
+      </p:sp>
+      <p:sp>
+        <p:nvSpPr>
+          <p:cNvPr id="8" name="テキスト ボックス 7">
+            <a:extLst>
+              <a:ext uri="{FF2B5EF4-FFF2-40B4-BE49-F238E27FC236}">
+                <a16:creationId xmlns:a16="http://schemas.microsoft.com/office/drawing/2014/main" id="{2F958FFC-C467-7846-B006-20E5D08B15EE}"/>
+              </a:ext>
+            </a:extLst>
+          </p:cNvPr>
+          <p:cNvSpPr txBox="1"/>
+          <p:nvPr/>
+        </p:nvSpPr>
+        <p:spPr>
+          <a:xfrm>
+            <a:off x="757238" y="1988840"/>
+            <a:ext cx="7943850" cy="369332"/>
           </a:xfrm>
           <a:prstGeom prst="rect">
             <a:avLst/>
@@ -7622,47 +8604,30 @@
           <a:noFill/>
         </p:spPr>
         <p:txBody>
-          <a:bodyPr wrap="none" rtlCol="0">
+          <a:bodyPr wrap="square" rtlCol="0">
             <a:spAutoFit/>
           </a:bodyPr>
           <a:lstStyle/>
           <a:p>
             <a:r>
               <a:rPr lang="en-US" altLang="ja-JP" dirty="0"/>
-              <a:t>java -</a:t>
+              <a:t>You will find a </a:t>
             </a:r>
             <a:r>
               <a:rPr lang="en-US" altLang="ja-JP" dirty="0" err="1"/>
-              <a:t>cp</a:t>
+              <a:t>minfo</a:t>
             </a:r>
             <a:r>
               <a:rPr lang="en-US" altLang="ja-JP" dirty="0"/>
-              <a:t> "/Users/</a:t>
-            </a:r>
-            <a:r>
-              <a:rPr lang="en-US" altLang="ja-JP" dirty="0" err="1"/>
-              <a:t>kyagi</a:t>
-            </a:r>
-            <a:r>
-              <a:rPr lang="en-US" altLang="ja-JP" dirty="0"/>
-              <a:t>/</a:t>
-            </a:r>
-            <a:r>
-              <a:rPr lang="en-US" altLang="ja-JP" dirty="0" err="1"/>
-              <a:t>tmp</a:t>
-            </a:r>
-            <a:r>
-              <a:rPr lang="en-US" altLang="ja-JP" dirty="0"/>
-              <a:t>/jar/*" Fchk2Minfo h2co-b3lyp-dz</a:t>
-            </a:r>
-            <a:endParaRPr kumimoji="1" lang="ja-JP" altLang="en-US"/>
+              <a:t> file,</a:t>
+            </a:r>
           </a:p>
         </p:txBody>
       </p:sp>
     </p:spTree>
     <p:extLst>
       <p:ext uri="{BB962C8B-B14F-4D97-AF65-F5344CB8AC3E}">
-        <p14:creationId xmlns:p14="http://schemas.microsoft.com/office/powerpoint/2010/main" val="2736796428"/>
+        <p14:creationId xmlns:p14="http://schemas.microsoft.com/office/powerpoint/2010/main" val="1809705197"/>
       </p:ext>
     </p:extLst>
   </p:cSld>
@@ -7691,7 +8656,13 @@
       </p:grpSpPr>
       <p:sp>
         <p:nvSpPr>
-          <p:cNvPr id="2" name="スライド番号プレースホルダー 1"/>
+          <p:cNvPr id="2" name="スライド番号プレースホルダー 1">
+            <a:extLst>
+              <a:ext uri="{FF2B5EF4-FFF2-40B4-BE49-F238E27FC236}">
+                <a16:creationId xmlns:a16="http://schemas.microsoft.com/office/drawing/2014/main" id="{5C6BE7C4-72BB-0C4D-AC50-C64D67BAD54D}"/>
+              </a:ext>
+            </a:extLst>
+          </p:cNvPr>
           <p:cNvSpPr>
             <a:spLocks noGrp="1"/>
           </p:cNvSpPr>
@@ -7714,14 +8685,20 @@
       </p:sp>
       <p:sp>
         <p:nvSpPr>
-          <p:cNvPr id="3" name="テキスト ボックス 2"/>
+          <p:cNvPr id="3" name="テキスト ボックス 2">
+            <a:extLst>
+              <a:ext uri="{FF2B5EF4-FFF2-40B4-BE49-F238E27FC236}">
+                <a16:creationId xmlns:a16="http://schemas.microsoft.com/office/drawing/2014/main" id="{9399EC92-518B-474E-86D8-A5FA421F0DB6}"/>
+              </a:ext>
+            </a:extLst>
+          </p:cNvPr>
           <p:cNvSpPr txBox="1"/>
           <p:nvPr/>
         </p:nvSpPr>
         <p:spPr>
           <a:xfrm>
-            <a:off x="1439333" y="4351868"/>
-            <a:ext cx="620426" cy="338554"/>
+            <a:off x="391885" y="328616"/>
+            <a:ext cx="1525610" cy="461665"/>
           </a:xfrm>
           <a:prstGeom prst="rect">
             <a:avLst/>
@@ -7734,32 +8711,37 @@
           </a:bodyPr>
           <a:lstStyle/>
           <a:p>
-            <a:r>
-              <a:rPr kumimoji="1" lang="en-US" altLang="ja-JP" sz="1600" dirty="0"/>
-              <a:t>&lt;</a:t>
-            </a:r>
-            <a:r>
-              <a:rPr kumimoji="1" lang="en-US" altLang="ja-JP" sz="1600" dirty="0" err="1"/>
-              <a:t>qff</a:t>
-            </a:r>
-            <a:r>
-              <a:rPr kumimoji="1" lang="en-US" altLang="ja-JP" sz="1600" dirty="0"/>
-              <a:t>&gt;</a:t>
-            </a:r>
-            <a:endParaRPr kumimoji="1" lang="ja-JP" altLang="en-US" sz="1600" dirty="0"/>
-          </a:p>
-        </p:txBody>
-      </p:sp>
-      <p:sp>
-        <p:nvSpPr>
-          <p:cNvPr id="4" name="テキスト ボックス 3"/>
+            <a:pPr>
+              <a:defRPr/>
+            </a:pPr>
+            <a:r>
+              <a:rPr lang="en-US" altLang="ja-JP" sz="2400" dirty="0">
+                <a:solidFill>
+                  <a:srgbClr val="000000"/>
+                </a:solidFill>
+                <a:cs typeface="メイリオ" charset="-128"/>
+              </a:rPr>
+              <a:t>1.qff_h2co</a:t>
+            </a:r>
+          </a:p>
+        </p:txBody>
+      </p:sp>
+      <p:sp>
+        <p:nvSpPr>
+          <p:cNvPr id="4" name="テキスト ボックス 3">
+            <a:extLst>
+              <a:ext uri="{FF2B5EF4-FFF2-40B4-BE49-F238E27FC236}">
+                <a16:creationId xmlns:a16="http://schemas.microsoft.com/office/drawing/2014/main" id="{DA1D859F-B4EC-3647-9AEE-8202554E463D}"/>
+              </a:ext>
+            </a:extLst>
+          </p:cNvPr>
           <p:cNvSpPr txBox="1"/>
           <p:nvPr/>
         </p:nvSpPr>
         <p:spPr>
           <a:xfrm>
-            <a:off x="1676400" y="812800"/>
-            <a:ext cx="4131580" cy="338554"/>
+            <a:off x="757238" y="1321540"/>
+            <a:ext cx="7943850" cy="646331"/>
           </a:xfrm>
           <a:prstGeom prst="rect">
             <a:avLst/>
@@ -7767,29 +8749,173 @@
           <a:noFill/>
         </p:spPr>
         <p:txBody>
-          <a:bodyPr wrap="none" rtlCol="0">
+          <a:bodyPr wrap="square" rtlCol="0">
             <a:spAutoFit/>
           </a:bodyPr>
           <a:lstStyle/>
           <a:p>
             <a:r>
-              <a:rPr kumimoji="1" lang="en-US" altLang="ja-JP" sz="1600" dirty="0"/>
-              <a:t>key and value are case insensitive unless noted.</a:t>
-            </a:r>
-            <a:endParaRPr kumimoji="1" lang="ja-JP" altLang="en-US" sz="1600" dirty="0"/>
-          </a:p>
-        </p:txBody>
-      </p:sp>
-      <p:sp>
-        <p:nvSpPr>
-          <p:cNvPr id="5" name="テキスト ボックス 4"/>
+              <a:rPr kumimoji="1" lang="en-US" altLang="ja-JP" dirty="0"/>
+              <a:t>Proceed to </a:t>
+            </a:r>
+            <a:r>
+              <a:rPr lang="en-US" altLang="ja-JP" dirty="0"/>
+              <a:t>1.qff_h2co/</a:t>
+            </a:r>
+            <a:r>
+              <a:rPr kumimoji="1" lang="en-US" altLang="ja-JP" dirty="0"/>
+              <a:t>1-1.standard to find input files to </a:t>
+            </a:r>
+            <a:r>
+              <a:rPr lang="en-US" altLang="ja-JP" dirty="0"/>
+              <a:t>generate quartic force field (QFF) </a:t>
+            </a:r>
+            <a:r>
+              <a:rPr kumimoji="1" lang="en-US" altLang="ja-JP" dirty="0"/>
+              <a:t>for formaldehyde,</a:t>
+            </a:r>
+            <a:endParaRPr kumimoji="1" lang="ja-JP" altLang="en-US"/>
+          </a:p>
+        </p:txBody>
+      </p:sp>
+      <p:sp>
+        <p:nvSpPr>
+          <p:cNvPr id="5" name="テキスト ボックス 4">
+            <a:extLst>
+              <a:ext uri="{FF2B5EF4-FFF2-40B4-BE49-F238E27FC236}">
+                <a16:creationId xmlns:a16="http://schemas.microsoft.com/office/drawing/2014/main" id="{356AD7A4-BE82-AB44-93F6-C7231A4362A6}"/>
+              </a:ext>
+            </a:extLst>
+          </p:cNvPr>
           <p:cNvSpPr txBox="1"/>
           <p:nvPr/>
         </p:nvSpPr>
         <p:spPr>
           <a:xfrm>
-            <a:off x="1049867" y="457200"/>
-            <a:ext cx="2053063" cy="338554"/>
+            <a:off x="1015038" y="2168497"/>
+            <a:ext cx="6600199" cy="646331"/>
+          </a:xfrm>
+          <a:prstGeom prst="rect">
+            <a:avLst/>
+          </a:prstGeom>
+          <a:noFill/>
+          <a:ln>
+            <a:solidFill>
+              <a:srgbClr val="00B050"/>
+            </a:solidFill>
+          </a:ln>
+        </p:spPr>
+        <p:txBody>
+          <a:bodyPr wrap="square" rtlCol="0">
+            <a:spAutoFit/>
+          </a:bodyPr>
+          <a:lstStyle/>
+          <a:p>
+            <a:r>
+              <a:rPr kumimoji="1" lang="en-US" altLang="ja-JP" sz="1200" dirty="0">
+                <a:latin typeface="Courier" charset="0"/>
+                <a:ea typeface="Courier" charset="0"/>
+                <a:cs typeface="Courier" charset="0"/>
+              </a:rPr>
+              <a:t>&gt; </a:t>
+            </a:r>
+            <a:r>
+              <a:rPr lang="en-US" altLang="ja-JP" sz="1200" dirty="0">
+                <a:latin typeface="Courier" charset="0"/>
+                <a:ea typeface="Courier" charset="0"/>
+                <a:cs typeface="Courier" charset="0"/>
+              </a:rPr>
+              <a:t>cd 1.qff_h2co/1-1.standard</a:t>
+            </a:r>
+            <a:endParaRPr kumimoji="1" lang="en-US" altLang="ja-JP" sz="1200" dirty="0">
+              <a:latin typeface="Courier" charset="0"/>
+              <a:ea typeface="Courier" charset="0"/>
+              <a:cs typeface="Courier" charset="0"/>
+            </a:endParaRPr>
+          </a:p>
+          <a:p>
+            <a:r>
+              <a:rPr kumimoji="1" lang="en-US" altLang="ja-JP" sz="1200" dirty="0">
+                <a:latin typeface="Courier" charset="0"/>
+                <a:ea typeface="Courier" charset="0"/>
+                <a:cs typeface="Courier" charset="0"/>
+              </a:rPr>
+              <a:t>&gt; ls</a:t>
+            </a:r>
+          </a:p>
+          <a:p>
+            <a:r>
+              <a:rPr lang="en-US" altLang="ja-JP" sz="1200" dirty="0" err="1">
+                <a:latin typeface="Courier" charset="0"/>
+                <a:ea typeface="Courier" charset="0"/>
+                <a:cs typeface="Courier" charset="0"/>
+              </a:rPr>
+              <a:t>GaussianTemplate</a:t>
+            </a:r>
+            <a:r>
+              <a:rPr lang="en-US" altLang="ja-JP" sz="1200" dirty="0">
+                <a:latin typeface="Courier" charset="0"/>
+                <a:ea typeface="Courier" charset="0"/>
+                <a:cs typeface="Courier" charset="0"/>
+              </a:rPr>
+              <a:t>         </a:t>
+            </a:r>
+            <a:r>
+              <a:rPr lang="en-US" altLang="ja-JP" sz="1200" dirty="0" err="1">
+                <a:latin typeface="Courier" charset="0"/>
+                <a:ea typeface="Courier" charset="0"/>
+                <a:cs typeface="Courier" charset="0"/>
+              </a:rPr>
+              <a:t>makePES.xml</a:t>
+            </a:r>
+            <a:r>
+              <a:rPr lang="en-US" altLang="ja-JP" sz="1200" dirty="0">
+                <a:latin typeface="Courier" charset="0"/>
+                <a:ea typeface="Courier" charset="0"/>
+                <a:cs typeface="Courier" charset="0"/>
+              </a:rPr>
+              <a:t>       </a:t>
+            </a:r>
+            <a:r>
+              <a:rPr lang="en-US" altLang="ja-JP" sz="1200" dirty="0" err="1">
+                <a:latin typeface="Courier" charset="0"/>
+                <a:ea typeface="Courier" charset="0"/>
+                <a:cs typeface="Courier" charset="0"/>
+              </a:rPr>
+              <a:t>resources.info</a:t>
+            </a:r>
+            <a:r>
+              <a:rPr lang="en-US" altLang="ja-JP" sz="1200" dirty="0">
+                <a:latin typeface="Courier" charset="0"/>
+                <a:ea typeface="Courier" charset="0"/>
+                <a:cs typeface="Courier" charset="0"/>
+              </a:rPr>
+              <a:t>    log/</a:t>
+            </a:r>
+            <a:endParaRPr kumimoji="1" lang="en-US" altLang="ja-JP" sz="1200" dirty="0">
+              <a:latin typeface="Courier" charset="0"/>
+              <a:ea typeface="Courier" charset="0"/>
+              <a:cs typeface="Courier" charset="0"/>
+            </a:endParaRPr>
+          </a:p>
+        </p:txBody>
+      </p:sp>
+      <p:sp>
+        <p:nvSpPr>
+          <p:cNvPr id="6" name="テキスト ボックス 5">
+            <a:extLst>
+              <a:ext uri="{FF2B5EF4-FFF2-40B4-BE49-F238E27FC236}">
+                <a16:creationId xmlns:a16="http://schemas.microsoft.com/office/drawing/2014/main" id="{1DCA2C49-8B6B-5D4E-A654-65FDA3231C80}"/>
+              </a:ext>
+            </a:extLst>
+          </p:cNvPr>
+          <p:cNvSpPr txBox="1"/>
+          <p:nvPr/>
+        </p:nvSpPr>
+        <p:spPr>
+          <a:xfrm>
+            <a:off x="442913" y="980728"/>
+            <a:ext cx="7943850" cy="369332"/>
           </a:xfrm>
           <a:prstGeom prst="rect">
             <a:avLst/>
@@ -7797,29 +8923,35 @@
           <a:noFill/>
         </p:spPr>
         <p:txBody>
-          <a:bodyPr wrap="none" rtlCol="0">
+          <a:bodyPr wrap="square" rtlCol="0">
             <a:spAutoFit/>
           </a:bodyPr>
           <a:lstStyle/>
           <a:p>
             <a:r>
-              <a:rPr kumimoji="1" lang="en-US" altLang="ja-JP" sz="1600" dirty="0"/>
-              <a:t>&lt;key  value=“value” /&gt;</a:t>
-            </a:r>
-            <a:endParaRPr kumimoji="1" lang="ja-JP" altLang="en-US" sz="1600" dirty="0"/>
-          </a:p>
-        </p:txBody>
-      </p:sp>
-      <p:sp>
-        <p:nvSpPr>
-          <p:cNvPr id="6" name="テキスト ボックス 5"/>
+              <a:rPr lang="en-US" altLang="ja-JP" dirty="0"/>
+              <a:t>1-1.standard</a:t>
+            </a:r>
+            <a:endParaRPr kumimoji="1" lang="ja-JP" altLang="en-US"/>
+          </a:p>
+        </p:txBody>
+      </p:sp>
+      <p:sp>
+        <p:nvSpPr>
+          <p:cNvPr id="7" name="テキスト ボックス 6">
+            <a:extLst>
+              <a:ext uri="{FF2B5EF4-FFF2-40B4-BE49-F238E27FC236}">
+                <a16:creationId xmlns:a16="http://schemas.microsoft.com/office/drawing/2014/main" id="{76970B83-7B75-E44F-B6ED-7BB9756F522C}"/>
+              </a:ext>
+            </a:extLst>
+          </p:cNvPr>
           <p:cNvSpPr txBox="1"/>
           <p:nvPr/>
         </p:nvSpPr>
         <p:spPr>
           <a:xfrm>
-            <a:off x="1693334" y="2929467"/>
-            <a:ext cx="1142108" cy="338554"/>
+            <a:off x="436790" y="3052275"/>
+            <a:ext cx="1709058" cy="369332"/>
           </a:xfrm>
           <a:prstGeom prst="rect">
             <a:avLst/>
@@ -7832,24 +8964,34 @@
           </a:bodyPr>
           <a:lstStyle/>
           <a:p>
-            <a:r>
-              <a:rPr kumimoji="1" lang="en-US" altLang="ja-JP" sz="1600" dirty="0"/>
-              <a:t>&lt;template&gt;</a:t>
-            </a:r>
-            <a:endParaRPr kumimoji="1" lang="ja-JP" altLang="en-US" sz="1600" dirty="0"/>
-          </a:p>
-        </p:txBody>
-      </p:sp>
-      <p:sp>
-        <p:nvSpPr>
-          <p:cNvPr id="7" name="テキスト ボックス 6"/>
+            <a:pPr marL="285750" indent="-285750">
+              <a:buFont typeface="Arial" panose="020B0604020202020204" pitchFamily="34" charset="0"/>
+              <a:buChar char="•"/>
+            </a:pPr>
+            <a:r>
+              <a:rPr kumimoji="1" lang="en-US" altLang="ja-JP" dirty="0" err="1"/>
+              <a:t>makePES.xml</a:t>
+            </a:r>
+            <a:endParaRPr kumimoji="1" lang="ja-JP" altLang="en-US"/>
+          </a:p>
+        </p:txBody>
+      </p:sp>
+      <p:sp>
+        <p:nvSpPr>
+          <p:cNvPr id="10" name="テキスト ボックス 9">
+            <a:extLst>
+              <a:ext uri="{FF2B5EF4-FFF2-40B4-BE49-F238E27FC236}">
+                <a16:creationId xmlns:a16="http://schemas.microsoft.com/office/drawing/2014/main" id="{F04D4C65-CC2F-6D44-910B-80E0AE1EB7E0}"/>
+              </a:ext>
+            </a:extLst>
+          </p:cNvPr>
           <p:cNvSpPr txBox="1"/>
           <p:nvPr/>
         </p:nvSpPr>
         <p:spPr>
           <a:xfrm>
-            <a:off x="1964267" y="3183467"/>
-            <a:ext cx="2369559" cy="338554"/>
+            <a:off x="757238" y="3394516"/>
+            <a:ext cx="7943850" cy="3416320"/>
           </a:xfrm>
           <a:prstGeom prst="rect">
             <a:avLst/>
@@ -7857,204 +8999,107 @@
           <a:noFill/>
         </p:spPr>
         <p:txBody>
-          <a:bodyPr wrap="none" rtlCol="0">
+          <a:bodyPr wrap="square" rtlCol="0">
             <a:spAutoFit/>
           </a:bodyPr>
           <a:lstStyle/>
           <a:p>
             <a:r>
-              <a:rPr kumimoji="1" lang="en-US" altLang="ja-JP" sz="1600"/>
-              <a:t>xml: yes or no (default no)</a:t>
-            </a:r>
-            <a:endParaRPr kumimoji="1" lang="ja-JP" altLang="en-US" sz="1600" dirty="0"/>
-          </a:p>
-        </p:txBody>
-      </p:sp>
-      <p:sp>
-        <p:nvSpPr>
-          <p:cNvPr id="8" name="テキスト ボックス 7"/>
-          <p:cNvSpPr txBox="1"/>
-          <p:nvPr/>
-        </p:nvSpPr>
-        <p:spPr>
-          <a:xfrm>
-            <a:off x="1337734" y="2099733"/>
-            <a:ext cx="957313" cy="338554"/>
-          </a:xfrm>
-          <a:prstGeom prst="rect">
-            <a:avLst/>
-          </a:prstGeom>
-          <a:noFill/>
-        </p:spPr>
-        <p:txBody>
-          <a:bodyPr wrap="none" rtlCol="0">
-            <a:spAutoFit/>
-          </a:bodyPr>
-          <a:lstStyle/>
-          <a:p>
-            <a:r>
-              <a:rPr kumimoji="1" lang="en-US" altLang="ja-JP" sz="1600" dirty="0"/>
+              <a:rPr lang="en-US" altLang="ja-JP" dirty="0" err="1"/>
+              <a:t>makePES.xml</a:t>
+            </a:r>
+            <a:r>
+              <a:rPr kumimoji="1" lang="en-US" altLang="ja-JP" dirty="0"/>
+              <a:t> is the main file. </a:t>
+            </a:r>
+            <a:r>
+              <a:rPr lang="en-US" altLang="ja-JP" dirty="0"/>
+              <a:t>The input options are specified in xml format (like in html tags). The section is specified by</a:t>
+            </a:r>
+          </a:p>
+          <a:p>
+            <a:endParaRPr lang="en-US" altLang="ja-JP" dirty="0"/>
+          </a:p>
+          <a:p>
+            <a:r>
+              <a:rPr lang="en-US" altLang="ja-JP" dirty="0"/>
               <a:t>&lt;</a:t>
             </a:r>
             <a:r>
-              <a:rPr kumimoji="1" lang="en-US" altLang="ja-JP" sz="1600" dirty="0" err="1"/>
+              <a:rPr lang="en-US" altLang="ja-JP" dirty="0" err="1"/>
+              <a:t>makePES</a:t>
+            </a:r>
+            <a:r>
+              <a:rPr lang="en-US" altLang="ja-JP" dirty="0"/>
+              <a:t>&gt; … &lt;/</a:t>
+            </a:r>
+            <a:r>
+              <a:rPr lang="en-US" altLang="ja-JP" dirty="0" err="1"/>
+              <a:t>makePES</a:t>
+            </a:r>
+            <a:r>
+              <a:rPr lang="en-US" altLang="ja-JP" dirty="0"/>
+              <a:t>&gt;, &lt;</a:t>
+            </a:r>
+            <a:r>
+              <a:rPr lang="en-US" altLang="ja-JP" dirty="0" err="1"/>
               <a:t>qchem</a:t>
             </a:r>
             <a:r>
-              <a:rPr kumimoji="1" lang="en-US" altLang="ja-JP" sz="1600" dirty="0"/>
+              <a:rPr lang="en-US" altLang="ja-JP" dirty="0"/>
+              <a:t>&gt; … &lt;/</a:t>
+            </a:r>
+            <a:r>
+              <a:rPr lang="en-US" altLang="ja-JP" dirty="0" err="1"/>
+              <a:t>qchem</a:t>
+            </a:r>
+            <a:r>
+              <a:rPr lang="en-US" altLang="ja-JP" dirty="0"/>
               <a:t>&gt;</a:t>
             </a:r>
-            <a:endParaRPr kumimoji="1" lang="ja-JP" altLang="en-US" sz="1600" dirty="0"/>
-          </a:p>
-        </p:txBody>
-      </p:sp>
-      <p:sp>
-        <p:nvSpPr>
-          <p:cNvPr id="11" name="テキスト ボックス 10"/>
-          <p:cNvSpPr txBox="1"/>
-          <p:nvPr/>
-        </p:nvSpPr>
-        <p:spPr>
-          <a:xfrm>
-            <a:off x="1049867" y="1540934"/>
-            <a:ext cx="1139671" cy="338554"/>
-          </a:xfrm>
-          <a:prstGeom prst="rect">
-            <a:avLst/>
-          </a:prstGeom>
-          <a:noFill/>
-        </p:spPr>
-        <p:txBody>
-          <a:bodyPr wrap="none" rtlCol="0">
-            <a:spAutoFit/>
-          </a:bodyPr>
-          <a:lstStyle/>
-          <a:p>
-            <a:r>
-              <a:rPr kumimoji="1" lang="en-US" altLang="ja-JP" sz="1600" dirty="0"/>
-              <a:t>&lt;</a:t>
-            </a:r>
-            <a:r>
-              <a:rPr kumimoji="1" lang="en-US" altLang="ja-JP" sz="1600" dirty="0" err="1"/>
-              <a:t>makePES</a:t>
-            </a:r>
-            <a:r>
-              <a:rPr kumimoji="1" lang="en-US" altLang="ja-JP" sz="1600" dirty="0"/>
-              <a:t>&gt;</a:t>
-            </a:r>
-            <a:endParaRPr kumimoji="1" lang="ja-JP" altLang="en-US" sz="1600" dirty="0"/>
-          </a:p>
-        </p:txBody>
-      </p:sp>
-      <p:sp>
-        <p:nvSpPr>
-          <p:cNvPr id="13" name="テキスト ボックス 12"/>
-          <p:cNvSpPr txBox="1"/>
-          <p:nvPr/>
-        </p:nvSpPr>
-        <p:spPr>
-          <a:xfrm>
-            <a:off x="1676401" y="2370666"/>
-            <a:ext cx="5439887" cy="338554"/>
-          </a:xfrm>
-          <a:prstGeom prst="rect">
-            <a:avLst/>
-          </a:prstGeom>
-          <a:noFill/>
-        </p:spPr>
-        <p:txBody>
-          <a:bodyPr wrap="none" rtlCol="0">
-            <a:spAutoFit/>
-          </a:bodyPr>
-          <a:lstStyle/>
-          <a:p>
-            <a:r>
-              <a:rPr kumimoji="1" lang="en-US" altLang="ja-JP" sz="1600" dirty="0"/>
-              <a:t>id: ID of this </a:t>
-            </a:r>
-            <a:r>
-              <a:rPr kumimoji="1" lang="en-US" altLang="ja-JP" sz="1600" dirty="0" err="1"/>
-              <a:t>qchem</a:t>
-            </a:r>
-            <a:r>
-              <a:rPr kumimoji="1" lang="en-US" altLang="ja-JP" sz="1600" dirty="0"/>
-              <a:t> (default = the number it appears in the file)</a:t>
-            </a:r>
-          </a:p>
-        </p:txBody>
-      </p:sp>
-      <p:sp>
-        <p:nvSpPr>
-          <p:cNvPr id="16" name="テキスト ボックス 15"/>
-          <p:cNvSpPr txBox="1"/>
-          <p:nvPr/>
-        </p:nvSpPr>
-        <p:spPr>
-          <a:xfrm>
-            <a:off x="1693334" y="3539067"/>
-            <a:ext cx="908326" cy="338554"/>
-          </a:xfrm>
-          <a:prstGeom prst="rect">
-            <a:avLst/>
-          </a:prstGeom>
-          <a:noFill/>
-        </p:spPr>
-        <p:txBody>
-          <a:bodyPr wrap="none" rtlCol="0">
-            <a:spAutoFit/>
-          </a:bodyPr>
-          <a:lstStyle/>
-          <a:p>
-            <a:r>
-              <a:rPr kumimoji="1" lang="en-US" altLang="ja-JP" sz="1600" dirty="0"/>
-              <a:t>&lt;</a:t>
-            </a:r>
-            <a:r>
-              <a:rPr kumimoji="1" lang="en-US" altLang="ja-JP" sz="1600" dirty="0" err="1"/>
-              <a:t>xyzfile</a:t>
-            </a:r>
-            <a:r>
-              <a:rPr kumimoji="1" lang="en-US" altLang="ja-JP" sz="1600" dirty="0"/>
-              <a:t>&gt;</a:t>
-            </a:r>
-            <a:endParaRPr kumimoji="1" lang="ja-JP" altLang="en-US" sz="1600" dirty="0"/>
-          </a:p>
-        </p:txBody>
-      </p:sp>
-      <p:sp>
-        <p:nvSpPr>
-          <p:cNvPr id="17" name="テキスト ボックス 16"/>
-          <p:cNvSpPr txBox="1"/>
-          <p:nvPr/>
-        </p:nvSpPr>
-        <p:spPr>
-          <a:xfrm>
-            <a:off x="1964267" y="3793067"/>
-            <a:ext cx="2369559" cy="338554"/>
-          </a:xfrm>
-          <a:prstGeom prst="rect">
-            <a:avLst/>
-          </a:prstGeom>
-          <a:noFill/>
-        </p:spPr>
-        <p:txBody>
-          <a:bodyPr wrap="none" rtlCol="0">
-            <a:spAutoFit/>
-          </a:bodyPr>
-          <a:lstStyle/>
-          <a:p>
-            <a:r>
-              <a:rPr kumimoji="1" lang="en-US" altLang="ja-JP" sz="1600"/>
-              <a:t>xml: yes or no (default no)</a:t>
-            </a:r>
-            <a:endParaRPr kumimoji="1" lang="ja-JP" altLang="en-US" sz="1600" dirty="0"/>
+          </a:p>
+          <a:p>
+            <a:endParaRPr lang="en-US" altLang="ja-JP" dirty="0"/>
+          </a:p>
+          <a:p>
+            <a:r>
+              <a:rPr lang="en-US" altLang="ja-JP" dirty="0"/>
+              <a:t>and so on. The options is specified in each section by,</a:t>
+            </a:r>
+          </a:p>
+          <a:p>
+            <a:endParaRPr lang="en-US" altLang="ja-JP" dirty="0"/>
+          </a:p>
+          <a:p>
+            <a:r>
+              <a:rPr lang="en-US" altLang="ja-JP" dirty="0"/>
+              <a:t>&lt;key  value=“value” /&gt;</a:t>
+            </a:r>
+          </a:p>
+          <a:p>
+            <a:endParaRPr lang="en-US" altLang="ja-JP" dirty="0"/>
+          </a:p>
+          <a:p>
+            <a:r>
+              <a:rPr lang="en-US" altLang="ja-JP" dirty="0"/>
+              <a:t>Comment out is possible by</a:t>
+            </a:r>
+          </a:p>
+          <a:p>
+            <a:endParaRPr lang="en-US" altLang="ja-JP" dirty="0"/>
+          </a:p>
+          <a:p>
+            <a:r>
+              <a:rPr lang="en-US" altLang="ja-JP" dirty="0"/>
+              <a:t>&lt;!-- … --&gt;</a:t>
+            </a:r>
           </a:p>
         </p:txBody>
       </p:sp>
     </p:spTree>
     <p:extLst>
       <p:ext uri="{BB962C8B-B14F-4D97-AF65-F5344CB8AC3E}">
-        <p14:creationId xmlns:p14="http://schemas.microsoft.com/office/powerpoint/2010/main" val="250048734"/>
+        <p14:creationId xmlns:p14="http://schemas.microsoft.com/office/powerpoint/2010/main" val="1208247157"/>
       </p:ext>
     </p:extLst>
   </p:cSld>
@@ -8083,12 +9128,18 @@
       </p:grpSpPr>
       <p:sp>
         <p:nvSpPr>
-          <p:cNvPr id="2" name="タイトル 1"/>
+          <p:cNvPr id="2" name="スライド番号プレースホルダー 1">
+            <a:extLst>
+              <a:ext uri="{FF2B5EF4-FFF2-40B4-BE49-F238E27FC236}">
+                <a16:creationId xmlns:a16="http://schemas.microsoft.com/office/drawing/2014/main" id="{EF5431E4-D871-9E4E-A2E7-02CDA6711B7E}"/>
+              </a:ext>
+            </a:extLst>
+          </p:cNvPr>
           <p:cNvSpPr>
             <a:spLocks noGrp="1"/>
           </p:cNvSpPr>
           <p:nvPr>
-            <p:ph type="title"/>
+            <p:ph type="sldNum" sz="quarter" idx="12"/>
           </p:nvPr>
         </p:nvSpPr>
         <p:spPr/>
@@ -8096,24 +9147,30 @@
           <a:bodyPr/>
           <a:lstStyle/>
           <a:p>
-            <a:r>
-              <a:rPr kumimoji="1" lang="en-US" altLang="ja-JP" dirty="0"/>
-              <a:t>1. Basic Usage</a:t>
-            </a:r>
-            <a:endParaRPr kumimoji="1" lang="ja-JP" altLang="en-US" dirty="0"/>
-          </a:p>
-        </p:txBody>
-      </p:sp>
-      <p:sp>
-        <p:nvSpPr>
-          <p:cNvPr id="26" name="テキスト ボックス 25"/>
+            <a:fld id="{7D34BB6B-1E1A-9541-9560-488905BF54FF}" type="slidenum">
+              <a:rPr kumimoji="1" lang="ja-JP" altLang="en-US" smtClean="0"/>
+              <a:t>6</a:t>
+            </a:fld>
+            <a:endParaRPr kumimoji="1" lang="ja-JP" altLang="en-US"/>
+          </a:p>
+        </p:txBody>
+      </p:sp>
+      <p:sp>
+        <p:nvSpPr>
+          <p:cNvPr id="3" name="テキスト ボックス 2">
+            <a:extLst>
+              <a:ext uri="{FF2B5EF4-FFF2-40B4-BE49-F238E27FC236}">
+                <a16:creationId xmlns:a16="http://schemas.microsoft.com/office/drawing/2014/main" id="{A39CF5E3-54F5-6145-87AD-F043BEF81932}"/>
+              </a:ext>
+            </a:extLst>
+          </p:cNvPr>
           <p:cNvSpPr txBox="1"/>
           <p:nvPr/>
         </p:nvSpPr>
         <p:spPr>
           <a:xfrm>
-            <a:off x="370551" y="1428868"/>
-            <a:ext cx="8315022" cy="3323987"/>
+            <a:off x="1106844" y="1149414"/>
+            <a:ext cx="6620274" cy="4524315"/>
           </a:xfrm>
           <a:prstGeom prst="rect">
             <a:avLst/>
@@ -8121,122 +9178,225 @@
           <a:noFill/>
         </p:spPr>
         <p:txBody>
-          <a:bodyPr wrap="square" rtlCol="0">
-            <a:spAutoFit/>
-          </a:bodyPr>
-          <a:lstStyle/>
-          <a:p>
-            <a:r>
-              <a:rPr lang="en-US" altLang="ja-JP" sz="1600" dirty="0"/>
-              <a:t>This section lists the keys and values used in </a:t>
-            </a:r>
-            <a:r>
-              <a:rPr lang="en-US" altLang="ja-JP" sz="1600" dirty="0" err="1"/>
-              <a:t>RunMakePES</a:t>
-            </a:r>
-            <a:r>
-              <a:rPr lang="en-US" altLang="ja-JP" sz="1600" dirty="0"/>
-              <a:t> program. They appear in </a:t>
-            </a:r>
-            <a:r>
-              <a:rPr lang="en-US" altLang="ja-JP" sz="1600" dirty="0" err="1"/>
-              <a:t>makePES.xml</a:t>
-            </a:r>
-            <a:r>
-              <a:rPr lang="en-US" altLang="ja-JP" sz="1600" dirty="0"/>
-              <a:t> in the form of, </a:t>
-            </a:r>
-          </a:p>
-          <a:p>
-            <a:endParaRPr kumimoji="1" lang="en-US" altLang="ja-JP" sz="1600" dirty="0"/>
-          </a:p>
-          <a:p>
-            <a:pPr lvl="1"/>
-            <a:r>
-              <a:rPr lang="en-US" altLang="ja-JP" sz="1200" dirty="0">
-                <a:latin typeface="Courier" charset="0"/>
-                <a:ea typeface="Courier" charset="0"/>
-                <a:cs typeface="Courier" charset="0"/>
-              </a:rPr>
-              <a:t>&lt;entry key=‘‘key’’&gt; key value &lt;/entry&gt; </a:t>
-            </a:r>
-          </a:p>
-          <a:p>
-            <a:endParaRPr kumimoji="1" lang="en-US" altLang="ja-JP" sz="1600" dirty="0"/>
-          </a:p>
-          <a:p>
-            <a:r>
-              <a:rPr lang="en-US" altLang="ja-JP" sz="1600" dirty="0"/>
-              <a:t>The keys in red indicate that they are mandatory. The values are case insensitive except when it is noted. </a:t>
-            </a:r>
-          </a:p>
-          <a:p>
-            <a:endParaRPr lang="en-US" altLang="ja-JP" sz="1600" dirty="0"/>
-          </a:p>
-          <a:p>
-            <a:r>
-              <a:rPr lang="en-US" altLang="ja-JP" sz="1600" dirty="0"/>
-              <a:t>In the following, the keys are divided into four sections. General Keys (Sec. 1.1) are common input for all types of run, while those in QFF Keys (Sec. 1.2), Grid Keys (Sec. 1.3), and Hybrid Keys (Sec. 1.4) are relevant input parameters for generating the QFF, grid potential, and hybrid potential, respectively. </a:t>
-            </a:r>
-          </a:p>
-          <a:p>
-            <a:endParaRPr kumimoji="1" lang="en-US" altLang="ja-JP" sz="1600" dirty="0"/>
-          </a:p>
-        </p:txBody>
-      </p:sp>
-      <p:sp>
-        <p:nvSpPr>
-          <p:cNvPr id="5" name="テキスト ボックス 4"/>
-          <p:cNvSpPr txBox="1"/>
-          <p:nvPr/>
-        </p:nvSpPr>
-        <p:spPr>
-          <a:xfrm>
-            <a:off x="391885" y="914403"/>
-            <a:ext cx="3492495" cy="461665"/>
-          </a:xfrm>
-          <a:prstGeom prst="rect">
-            <a:avLst/>
-          </a:prstGeom>
-          <a:noFill/>
-        </p:spPr>
-        <p:txBody>
           <a:bodyPr wrap="none" rtlCol="0">
             <a:spAutoFit/>
           </a:bodyPr>
           <a:lstStyle/>
           <a:p>
             <a:r>
-              <a:rPr kumimoji="1" lang="en-US" altLang="ja-JP" sz="2400" u="sng" dirty="0"/>
-              <a:t>1.1. </a:t>
-            </a:r>
-            <a:r>
-              <a:rPr lang="en-US" altLang="ja-JP" sz="2400" u="sng" dirty="0"/>
-              <a:t>Preparing an input file</a:t>
-            </a:r>
-            <a:endParaRPr kumimoji="1" lang="ja-JP" altLang="en-US" sz="2400" u="sng" dirty="0"/>
-          </a:p>
-        </p:txBody>
-      </p:sp>
-      <p:sp>
-        <p:nvSpPr>
-          <p:cNvPr id="3" name="スライド番号プレースホルダー 2"/>
-          <p:cNvSpPr>
-            <a:spLocks noGrp="1"/>
-          </p:cNvSpPr>
-          <p:nvPr>
-            <p:ph type="sldNum" sz="quarter" idx="12"/>
-          </p:nvPr>
-        </p:nvSpPr>
-        <p:spPr/>
-        <p:txBody>
-          <a:bodyPr/>
-          <a:lstStyle/>
-          <a:p>
-            <a:fld id="{7D34BB6B-1E1A-9541-9560-488905BF54FF}" type="slidenum">
-              <a:rPr kumimoji="1" lang="ja-JP" altLang="en-US" smtClean="0"/>
-              <a:t>6</a:t>
-            </a:fld>
+              <a:rPr lang="en-US" altLang="ja-JP" dirty="0"/>
+              <a:t>&lt;</a:t>
+            </a:r>
+            <a:r>
+              <a:rPr lang="en-US" altLang="ja-JP" dirty="0" err="1"/>
+              <a:t>makePES</a:t>
+            </a:r>
+            <a:r>
+              <a:rPr lang="en-US" altLang="ja-JP" dirty="0"/>
+              <a:t>&gt;</a:t>
+            </a:r>
+          </a:p>
+          <a:p>
+            <a:r>
+              <a:rPr lang="en-US" altLang="ja-JP" dirty="0"/>
+              <a:t>   &lt;</a:t>
+            </a:r>
+            <a:r>
+              <a:rPr lang="en-US" altLang="ja-JP" dirty="0" err="1"/>
+              <a:t>minfoFile</a:t>
+            </a:r>
+            <a:r>
+              <a:rPr lang="en-US" altLang="ja-JP" dirty="0"/>
+              <a:t>   value="../../0.harmonic_h2co/h2co-b3lyp-dz.minfo" /&gt;</a:t>
+            </a:r>
+          </a:p>
+          <a:p>
+            <a:r>
+              <a:rPr lang="en-US" altLang="ja-JP" dirty="0"/>
+              <a:t>   &lt;MR          value="3" /&gt;</a:t>
+            </a:r>
+          </a:p>
+          <a:p>
+            <a:r>
+              <a:rPr lang="en-US" altLang="ja-JP" dirty="0"/>
+              <a:t>   &lt;</a:t>
+            </a:r>
+            <a:r>
+              <a:rPr lang="en-US" altLang="ja-JP" dirty="0" err="1"/>
+              <a:t>qchem</a:t>
+            </a:r>
+            <a:r>
+              <a:rPr lang="en-US" altLang="ja-JP" dirty="0"/>
+              <a:t>&gt;</a:t>
+            </a:r>
+          </a:p>
+          <a:p>
+            <a:r>
+              <a:rPr lang="en-US" altLang="ja-JP" dirty="0"/>
+              <a:t>      &lt;program   value="gaussian" /&gt;</a:t>
+            </a:r>
+          </a:p>
+          <a:p>
+            <a:r>
+              <a:rPr lang="en-US" altLang="ja-JP" dirty="0"/>
+              <a:t>      &lt;</a:t>
+            </a:r>
+            <a:r>
+              <a:rPr lang="en-US" altLang="ja-JP" dirty="0" err="1"/>
+              <a:t>dryrun</a:t>
+            </a:r>
+            <a:r>
+              <a:rPr lang="en-US" altLang="ja-JP" dirty="0"/>
+              <a:t>      value="false"/&gt;</a:t>
+            </a:r>
+          </a:p>
+          <a:p>
+            <a:r>
+              <a:rPr lang="en-US" altLang="ja-JP" dirty="0"/>
+              <a:t>      &lt;</a:t>
+            </a:r>
+            <a:r>
+              <a:rPr lang="en-US" altLang="ja-JP" dirty="0" err="1"/>
+              <a:t>removefiles</a:t>
+            </a:r>
+            <a:r>
+              <a:rPr lang="en-US" altLang="ja-JP" dirty="0"/>
+              <a:t> value="true" /&gt;</a:t>
+            </a:r>
+          </a:p>
+          <a:p>
+            <a:r>
+              <a:rPr lang="en-US" altLang="ja-JP" dirty="0"/>
+              <a:t>      &lt;title       value="B3LYP/cc-</a:t>
+            </a:r>
+            <a:r>
+              <a:rPr lang="en-US" altLang="ja-JP" dirty="0" err="1"/>
+              <a:t>pVDZ</a:t>
+            </a:r>
+            <a:r>
+              <a:rPr lang="en-US" altLang="ja-JP" dirty="0"/>
+              <a:t>" /&gt;</a:t>
+            </a:r>
+          </a:p>
+          <a:p>
+            <a:r>
+              <a:rPr lang="en-US" altLang="ja-JP" dirty="0"/>
+              <a:t>      &lt;template    value="</a:t>
+            </a:r>
+            <a:r>
+              <a:rPr lang="en-US" altLang="ja-JP" dirty="0" err="1"/>
+              <a:t>GaussianTemplate</a:t>
+            </a:r>
+            <a:r>
+              <a:rPr lang="en-US" altLang="ja-JP" dirty="0"/>
+              <a:t>" /&gt;</a:t>
+            </a:r>
+          </a:p>
+          <a:p>
+            <a:r>
+              <a:rPr lang="en-US" altLang="ja-JP" dirty="0"/>
+              <a:t>   &lt;/</a:t>
+            </a:r>
+            <a:r>
+              <a:rPr lang="en-US" altLang="ja-JP" dirty="0" err="1"/>
+              <a:t>qchem</a:t>
+            </a:r>
+            <a:r>
+              <a:rPr lang="en-US" altLang="ja-JP" dirty="0"/>
+              <a:t>&gt;</a:t>
+            </a:r>
+          </a:p>
+          <a:p>
+            <a:r>
+              <a:rPr lang="en-US" altLang="ja-JP" dirty="0"/>
+              <a:t>   &lt;</a:t>
+            </a:r>
+            <a:r>
+              <a:rPr lang="en-US" altLang="ja-JP" dirty="0" err="1"/>
+              <a:t>qff</a:t>
+            </a:r>
+            <a:r>
+              <a:rPr lang="en-US" altLang="ja-JP" dirty="0"/>
+              <a:t>&gt;</a:t>
+            </a:r>
+          </a:p>
+          <a:p>
+            <a:r>
+              <a:rPr lang="en-US" altLang="ja-JP" dirty="0"/>
+              <a:t>      &lt;</a:t>
+            </a:r>
+            <a:r>
+              <a:rPr lang="en-US" altLang="ja-JP" dirty="0" err="1"/>
+              <a:t>stepsize</a:t>
+            </a:r>
+            <a:r>
+              <a:rPr lang="en-US" altLang="ja-JP" dirty="0"/>
+              <a:t>  value="0.5" /&gt;</a:t>
+            </a:r>
+          </a:p>
+          <a:p>
+            <a:r>
+              <a:rPr lang="en-US" altLang="ja-JP" dirty="0"/>
+              <a:t>      &lt;</a:t>
+            </a:r>
+            <a:r>
+              <a:rPr lang="en-US" altLang="ja-JP" dirty="0" err="1"/>
+              <a:t>ndifftype</a:t>
+            </a:r>
+            <a:r>
+              <a:rPr lang="en-US" altLang="ja-JP" dirty="0"/>
+              <a:t> value="</a:t>
+            </a:r>
+            <a:r>
+              <a:rPr lang="en-US" altLang="ja-JP" dirty="0" err="1"/>
+              <a:t>hess</a:t>
+            </a:r>
+            <a:r>
+              <a:rPr lang="en-US" altLang="ja-JP" dirty="0"/>
+              <a:t>"/&gt;</a:t>
+            </a:r>
+          </a:p>
+          <a:p>
+            <a:r>
+              <a:rPr lang="en-US" altLang="ja-JP" dirty="0"/>
+              <a:t>      &lt;</a:t>
+            </a:r>
+            <a:r>
+              <a:rPr lang="en-US" altLang="ja-JP" dirty="0" err="1"/>
+              <a:t>mopfile</a:t>
+            </a:r>
+            <a:r>
+              <a:rPr lang="en-US" altLang="ja-JP" dirty="0"/>
+              <a:t>   value="prop_no_1.mop" /&gt;</a:t>
+            </a:r>
+          </a:p>
+          <a:p>
+            <a:r>
+              <a:rPr lang="en-US" altLang="ja-JP" dirty="0"/>
+              <a:t>   &lt;/</a:t>
+            </a:r>
+            <a:r>
+              <a:rPr lang="en-US" altLang="ja-JP" dirty="0" err="1"/>
+              <a:t>qff</a:t>
+            </a:r>
+            <a:r>
+              <a:rPr lang="en-US" altLang="ja-JP" dirty="0"/>
+              <a:t>&gt;</a:t>
+            </a:r>
+          </a:p>
+          <a:p>
+            <a:r>
+              <a:rPr lang="en-US" altLang="ja-JP" dirty="0"/>
+              <a:t>&lt;/</a:t>
+            </a:r>
+            <a:r>
+              <a:rPr lang="en-US" altLang="ja-JP" dirty="0" err="1"/>
+              <a:t>makePES</a:t>
+            </a:r>
+            <a:r>
+              <a:rPr lang="en-US" altLang="ja-JP" dirty="0"/>
+              <a:t>&gt;</a:t>
+            </a:r>
             <a:endParaRPr kumimoji="1" lang="ja-JP" altLang="en-US"/>
           </a:p>
         </p:txBody>
@@ -8244,7 +9404,7 @@
     </p:spTree>
     <p:extLst>
       <p:ext uri="{BB962C8B-B14F-4D97-AF65-F5344CB8AC3E}">
-        <p14:creationId xmlns:p14="http://schemas.microsoft.com/office/powerpoint/2010/main" val="112085760"/>
+        <p14:creationId xmlns:p14="http://schemas.microsoft.com/office/powerpoint/2010/main" val="1049645109"/>
       </p:ext>
     </p:extLst>
   </p:cSld>
@@ -8273,381 +9433,6 @@
       </p:grpSpPr>
       <p:sp>
         <p:nvSpPr>
-          <p:cNvPr id="35841" name="タイトル 2"/>
-          <p:cNvSpPr>
-            <a:spLocks noGrp="1"/>
-          </p:cNvSpPr>
-          <p:nvPr>
-            <p:ph type="title"/>
-          </p:nvPr>
-        </p:nvSpPr>
-        <p:spPr/>
-        <p:txBody>
-          <a:bodyPr/>
-          <a:lstStyle/>
-          <a:p>
-            <a:r>
-              <a:rPr lang="en-US" altLang="ja-JP" dirty="0">
-                <a:cs typeface="メイリオ" charset="-128"/>
-              </a:rPr>
-              <a:t>List of all keys</a:t>
-            </a:r>
-            <a:endParaRPr lang="ja-JP" altLang="en-US" dirty="0">
-              <a:cs typeface="メイリオ" charset="-128"/>
-            </a:endParaRPr>
-          </a:p>
-        </p:txBody>
-      </p:sp>
-      <p:sp>
-        <p:nvSpPr>
-          <p:cNvPr id="4" name="テキスト ボックス 3"/>
-          <p:cNvSpPr txBox="1"/>
-          <p:nvPr/>
-        </p:nvSpPr>
-        <p:spPr>
-          <a:xfrm>
-            <a:off x="914401" y="887135"/>
-            <a:ext cx="7827665" cy="5970865"/>
-          </a:xfrm>
-          <a:prstGeom prst="rect">
-            <a:avLst/>
-          </a:prstGeom>
-          <a:noFill/>
-        </p:spPr>
-        <p:txBody>
-          <a:bodyPr wrap="square">
-            <a:spAutoFit/>
-          </a:bodyPr>
-          <a:lstStyle/>
-          <a:p>
-            <a:pPr>
-              <a:defRPr/>
-            </a:pPr>
-            <a:r>
-              <a:rPr lang="en-US" altLang="ja-JP" sz="1800" dirty="0">
-                <a:latin typeface="+mn-lt"/>
-              </a:rPr>
-              <a:t>General keys</a:t>
-            </a:r>
-          </a:p>
-          <a:p>
-            <a:pPr>
-              <a:defRPr/>
-            </a:pPr>
-            <a:endParaRPr lang="en-US" altLang="ja-JP" sz="1800" dirty="0">
-              <a:latin typeface="+mn-lt"/>
-            </a:endParaRPr>
-          </a:p>
-          <a:p>
-            <a:pPr marL="285750" indent="-285750">
-              <a:buFont typeface="Arial" charset="0"/>
-              <a:buChar char="•"/>
-              <a:defRPr/>
-            </a:pPr>
-            <a:r>
-              <a:rPr lang="en-US" altLang="ja-JP" sz="1400" dirty="0" err="1"/>
-              <a:t>runtype</a:t>
-            </a:r>
-            <a:r>
-              <a:rPr lang="en-US" altLang="ja-JP" sz="1400" dirty="0"/>
-              <a:t>: QFF/GRID/HYBRID</a:t>
-            </a:r>
-          </a:p>
-          <a:p>
-            <a:pPr lvl="1">
-              <a:defRPr/>
-            </a:pPr>
-            <a:r>
-              <a:rPr lang="en-US" altLang="ja-JP" sz="1400" dirty="0"/>
-              <a:t>The type of run. One of the following must be specified. </a:t>
-            </a:r>
-          </a:p>
-          <a:p>
-            <a:pPr lvl="2">
-              <a:defRPr/>
-            </a:pPr>
-            <a:endParaRPr lang="en-US" altLang="ja-JP" sz="1400" dirty="0"/>
-          </a:p>
-          <a:p>
-            <a:pPr marL="285750" indent="-285750">
-              <a:buFont typeface="Arial" charset="0"/>
-              <a:buChar char="•"/>
-              <a:defRPr/>
-            </a:pPr>
-            <a:r>
-              <a:rPr lang="en-US" altLang="ja-JP" sz="1400" dirty="0"/>
-              <a:t>molecule:  file name</a:t>
-            </a:r>
-          </a:p>
-          <a:p>
-            <a:pPr lvl="1">
-              <a:defRPr/>
-            </a:pPr>
-            <a:r>
-              <a:rPr lang="en-US" altLang="ja-JP" sz="1400" dirty="0"/>
-              <a:t>The name of </a:t>
-            </a:r>
-            <a:r>
-              <a:rPr lang="en-US" altLang="ja-JP" sz="1400" dirty="0" err="1"/>
-              <a:t>minfo</a:t>
-            </a:r>
-            <a:r>
-              <a:rPr lang="en-US" altLang="ja-JP" sz="1400" dirty="0"/>
-              <a:t> file containing the vibrational data. The value is </a:t>
-            </a:r>
-            <a:r>
-              <a:rPr lang="en-US" altLang="ja-JP" sz="1400" u="sng" dirty="0"/>
-              <a:t>case sensitive</a:t>
-            </a:r>
-            <a:r>
-              <a:rPr lang="en-US" altLang="ja-JP" sz="1400" dirty="0"/>
-              <a:t>.  </a:t>
-            </a:r>
-          </a:p>
-          <a:p>
-            <a:pPr lvl="2">
-              <a:defRPr/>
-            </a:pPr>
-            <a:endParaRPr lang="en-US" altLang="ja-JP" sz="1400" dirty="0"/>
-          </a:p>
-          <a:p>
-            <a:pPr marL="285750" indent="-285750">
-              <a:buFont typeface="Arial" charset="0"/>
-              <a:buChar char="•"/>
-              <a:defRPr/>
-            </a:pPr>
-            <a:r>
-              <a:rPr lang="en-US" altLang="ja-JP" sz="1400" dirty="0"/>
-              <a:t>MR:  1/2/3</a:t>
-            </a:r>
-          </a:p>
-          <a:p>
-            <a:pPr lvl="1">
-              <a:defRPr/>
-            </a:pPr>
-            <a:r>
-              <a:rPr lang="en-US" altLang="ja-JP" sz="1400" dirty="0"/>
-              <a:t>The order of mode coupling expansion. Can take 1, 2, or 3. (default = 3) </a:t>
-            </a:r>
-          </a:p>
-          <a:p>
-            <a:pPr lvl="2">
-              <a:defRPr/>
-            </a:pPr>
-            <a:endParaRPr lang="en-US" altLang="ja-JP" sz="1400" dirty="0"/>
-          </a:p>
-          <a:p>
-            <a:pPr marL="285750" indent="-285750">
-              <a:buFont typeface="Arial" charset="0"/>
-              <a:buChar char="•"/>
-              <a:defRPr/>
-            </a:pPr>
-            <a:r>
-              <a:rPr lang="en-US" altLang="ja-JP" sz="1400" dirty="0" err="1"/>
-              <a:t>activemode</a:t>
-            </a:r>
-            <a:r>
-              <a:rPr lang="en-US" altLang="ja-JP" sz="1400" dirty="0"/>
-              <a:t>:  string of mode index</a:t>
-            </a:r>
-          </a:p>
-          <a:p>
-            <a:pPr lvl="1">
-              <a:defRPr/>
-            </a:pPr>
-            <a:r>
-              <a:rPr lang="en-US" altLang="ja-JP" sz="1400" dirty="0"/>
-              <a:t>Specifies active modes for PES generation. All modes are active by default. The mode numbers should be separated by </a:t>
-            </a:r>
-            <a:r>
-              <a:rPr lang="en-US" altLang="ja-JP" sz="1400" dirty="0" err="1"/>
-              <a:t>camma</a:t>
-            </a:r>
-            <a:r>
-              <a:rPr lang="en-US" altLang="ja-JP" sz="1400" dirty="0"/>
-              <a:t> or space. A hyphen can be used for a sequence of mode number. For example, </a:t>
-            </a:r>
-          </a:p>
-          <a:p>
-            <a:pPr lvl="1">
-              <a:defRPr/>
-            </a:pPr>
-            <a:endParaRPr lang="en-US" altLang="ja-JP" sz="1400" dirty="0"/>
-          </a:p>
-          <a:p>
-            <a:pPr lvl="2">
-              <a:defRPr/>
-            </a:pPr>
-            <a:r>
-              <a:rPr lang="en-US" altLang="ja-JP" sz="1200" dirty="0">
-                <a:latin typeface="Courier" charset="0"/>
-                <a:ea typeface="Courier" charset="0"/>
-                <a:cs typeface="Courier" charset="0"/>
-              </a:rPr>
-              <a:t>&lt;entry key="</a:t>
-            </a:r>
-            <a:r>
-              <a:rPr lang="en-US" altLang="ja-JP" sz="1200" dirty="0" err="1">
-                <a:latin typeface="Courier" charset="0"/>
-                <a:ea typeface="Courier" charset="0"/>
-                <a:cs typeface="Courier" charset="0"/>
-              </a:rPr>
-              <a:t>activemode</a:t>
-            </a:r>
-            <a:r>
-              <a:rPr lang="en-US" altLang="ja-JP" sz="1200" dirty="0">
-                <a:latin typeface="Courier" charset="0"/>
-                <a:ea typeface="Courier" charset="0"/>
-                <a:cs typeface="Courier" charset="0"/>
-              </a:rPr>
-              <a:t>"&gt; 1,2,3,5 &lt;/entry&gt; </a:t>
-            </a:r>
-          </a:p>
-          <a:p>
-            <a:pPr lvl="1">
-              <a:defRPr/>
-            </a:pPr>
-            <a:endParaRPr lang="en-US" altLang="ja-JP" sz="1400" dirty="0"/>
-          </a:p>
-          <a:p>
-            <a:pPr lvl="1">
-              <a:defRPr/>
-            </a:pPr>
-            <a:r>
-              <a:rPr lang="en-US" altLang="ja-JP" sz="1400" dirty="0"/>
-              <a:t>is </a:t>
-            </a:r>
-            <a:r>
-              <a:rPr lang="en-US" altLang="ja-JP" sz="1400" dirty="0" err="1"/>
-              <a:t>equivalnet</a:t>
-            </a:r>
-            <a:r>
-              <a:rPr lang="en-US" altLang="ja-JP" sz="1400" dirty="0"/>
-              <a:t> to, </a:t>
-            </a:r>
-          </a:p>
-          <a:p>
-            <a:pPr lvl="1">
-              <a:defRPr/>
-            </a:pPr>
-            <a:endParaRPr lang="en-US" altLang="ja-JP" sz="1400" dirty="0"/>
-          </a:p>
-          <a:p>
-            <a:pPr lvl="2">
-              <a:defRPr/>
-            </a:pPr>
-            <a:r>
-              <a:rPr lang="en-US" altLang="ja-JP" sz="1200" dirty="0">
-                <a:latin typeface="Courier" charset="0"/>
-                <a:ea typeface="Courier" charset="0"/>
-                <a:cs typeface="Courier" charset="0"/>
-              </a:rPr>
-              <a:t>&lt;entry key="</a:t>
-            </a:r>
-            <a:r>
-              <a:rPr lang="en-US" altLang="ja-JP" sz="1200" dirty="0" err="1">
-                <a:latin typeface="Courier" charset="0"/>
-                <a:ea typeface="Courier" charset="0"/>
-                <a:cs typeface="Courier" charset="0"/>
-              </a:rPr>
-              <a:t>activemode</a:t>
-            </a:r>
-            <a:r>
-              <a:rPr lang="en-US" altLang="ja-JP" sz="1200" dirty="0">
-                <a:latin typeface="Courier" charset="0"/>
-                <a:ea typeface="Courier" charset="0"/>
-                <a:cs typeface="Courier" charset="0"/>
-              </a:rPr>
-              <a:t>"&gt; 1-3 5 &lt;/entry&gt; </a:t>
-            </a:r>
-          </a:p>
-          <a:p>
-            <a:pPr lvl="1">
-              <a:defRPr/>
-            </a:pPr>
-            <a:endParaRPr lang="en-US" altLang="ja-JP" sz="1400" dirty="0"/>
-          </a:p>
-          <a:p>
-            <a:pPr lvl="1">
-              <a:defRPr/>
-            </a:pPr>
-            <a:r>
-              <a:rPr lang="en-US" altLang="ja-JP" sz="1400" dirty="0"/>
-              <a:t>which means Q</a:t>
-            </a:r>
-            <a:r>
-              <a:rPr lang="en-US" altLang="ja-JP" sz="1400" baseline="-25000" dirty="0"/>
-              <a:t>1</a:t>
-            </a:r>
-            <a:r>
-              <a:rPr lang="en-US" altLang="ja-JP" sz="1400" dirty="0"/>
-              <a:t>,Q</a:t>
-            </a:r>
-            <a:r>
-              <a:rPr lang="en-US" altLang="ja-JP" sz="1400" baseline="-25000" dirty="0"/>
-              <a:t>2</a:t>
-            </a:r>
-            <a:r>
-              <a:rPr lang="en-US" altLang="ja-JP" sz="1400" dirty="0"/>
-              <a:t>,Q</a:t>
-            </a:r>
-            <a:r>
-              <a:rPr lang="en-US" altLang="ja-JP" sz="1400" baseline="-25000" dirty="0"/>
-              <a:t>3</a:t>
-            </a:r>
-            <a:r>
-              <a:rPr lang="en-US" altLang="ja-JP" sz="1400" dirty="0"/>
-              <a:t>, and Q</a:t>
-            </a:r>
-            <a:r>
-              <a:rPr lang="en-US" altLang="ja-JP" sz="1400" baseline="-25000" dirty="0"/>
-              <a:t>5</a:t>
-            </a:r>
-            <a:r>
-              <a:rPr lang="en-US" altLang="ja-JP" sz="1400" dirty="0"/>
-              <a:t> are active, and Q</a:t>
-            </a:r>
-            <a:r>
-              <a:rPr lang="en-US" altLang="ja-JP" sz="1400" baseline="-25000" dirty="0"/>
-              <a:t>4</a:t>
-            </a:r>
-            <a:r>
-              <a:rPr lang="en-US" altLang="ja-JP" sz="1400" dirty="0"/>
-              <a:t> isn’t. </a:t>
-            </a:r>
-          </a:p>
-          <a:p>
-            <a:pPr marL="285750" indent="-285750">
-              <a:buFont typeface="Arial" charset="0"/>
-              <a:buChar char="•"/>
-              <a:defRPr/>
-            </a:pPr>
-            <a:endParaRPr lang="en-US" altLang="ja-JP" sz="1400" dirty="0"/>
-          </a:p>
-          <a:p>
-            <a:pPr marL="285750" indent="-285750">
-              <a:buFont typeface="Arial" charset="0"/>
-              <a:buChar char="•"/>
-              <a:defRPr/>
-            </a:pPr>
-            <a:r>
-              <a:rPr lang="en-US" altLang="ja-JP" sz="1400" dirty="0"/>
-              <a:t>dipole: true/false</a:t>
-            </a:r>
-          </a:p>
-          <a:p>
-            <a:pPr lvl="1">
-              <a:defRPr/>
-            </a:pPr>
-            <a:r>
-              <a:rPr lang="en-US" altLang="ja-JP" sz="1400" dirty="0"/>
-              <a:t>Generates the dipole moment surface in addition to the PES, when true. (default = false)  </a:t>
-            </a:r>
-          </a:p>
-        </p:txBody>
-      </p:sp>
-      <p:sp>
-        <p:nvSpPr>
           <p:cNvPr id="2" name="スライド番号プレースホルダー 1"/>
           <p:cNvSpPr>
             <a:spLocks noGrp="1"/>
@@ -8669,10 +9454,349 @@
           </a:p>
         </p:txBody>
       </p:sp>
+      <p:sp>
+        <p:nvSpPr>
+          <p:cNvPr id="3" name="テキスト ボックス 2"/>
+          <p:cNvSpPr txBox="1"/>
+          <p:nvPr/>
+        </p:nvSpPr>
+        <p:spPr>
+          <a:xfrm>
+            <a:off x="1439333" y="4351868"/>
+            <a:ext cx="620426" cy="338554"/>
+          </a:xfrm>
+          <a:prstGeom prst="rect">
+            <a:avLst/>
+          </a:prstGeom>
+          <a:noFill/>
+        </p:spPr>
+        <p:txBody>
+          <a:bodyPr wrap="none" rtlCol="0">
+            <a:spAutoFit/>
+          </a:bodyPr>
+          <a:lstStyle/>
+          <a:p>
+            <a:r>
+              <a:rPr kumimoji="1" lang="en-US" altLang="ja-JP" sz="1600" dirty="0"/>
+              <a:t>&lt;</a:t>
+            </a:r>
+            <a:r>
+              <a:rPr kumimoji="1" lang="en-US" altLang="ja-JP" sz="1600" dirty="0" err="1"/>
+              <a:t>qff</a:t>
+            </a:r>
+            <a:r>
+              <a:rPr kumimoji="1" lang="en-US" altLang="ja-JP" sz="1600" dirty="0"/>
+              <a:t>&gt;</a:t>
+            </a:r>
+            <a:endParaRPr kumimoji="1" lang="ja-JP" altLang="en-US" sz="1600" dirty="0"/>
+          </a:p>
+        </p:txBody>
+      </p:sp>
+      <p:sp>
+        <p:nvSpPr>
+          <p:cNvPr id="4" name="テキスト ボックス 3"/>
+          <p:cNvSpPr txBox="1"/>
+          <p:nvPr/>
+        </p:nvSpPr>
+        <p:spPr>
+          <a:xfrm>
+            <a:off x="1676400" y="812800"/>
+            <a:ext cx="4131580" cy="338554"/>
+          </a:xfrm>
+          <a:prstGeom prst="rect">
+            <a:avLst/>
+          </a:prstGeom>
+          <a:noFill/>
+        </p:spPr>
+        <p:txBody>
+          <a:bodyPr wrap="none" rtlCol="0">
+            <a:spAutoFit/>
+          </a:bodyPr>
+          <a:lstStyle/>
+          <a:p>
+            <a:r>
+              <a:rPr kumimoji="1" lang="en-US" altLang="ja-JP" sz="1600" dirty="0"/>
+              <a:t>key and value are case insensitive unless noted.</a:t>
+            </a:r>
+            <a:endParaRPr kumimoji="1" lang="ja-JP" altLang="en-US" sz="1600" dirty="0"/>
+          </a:p>
+        </p:txBody>
+      </p:sp>
+      <p:sp>
+        <p:nvSpPr>
+          <p:cNvPr id="5" name="テキスト ボックス 4"/>
+          <p:cNvSpPr txBox="1"/>
+          <p:nvPr/>
+        </p:nvSpPr>
+        <p:spPr>
+          <a:xfrm>
+            <a:off x="1049867" y="457200"/>
+            <a:ext cx="2053063" cy="338554"/>
+          </a:xfrm>
+          <a:prstGeom prst="rect">
+            <a:avLst/>
+          </a:prstGeom>
+          <a:noFill/>
+        </p:spPr>
+        <p:txBody>
+          <a:bodyPr wrap="none" rtlCol="0">
+            <a:spAutoFit/>
+          </a:bodyPr>
+          <a:lstStyle/>
+          <a:p>
+            <a:r>
+              <a:rPr kumimoji="1" lang="en-US" altLang="ja-JP" sz="1600" dirty="0"/>
+              <a:t>&lt;key  value=“value” /&gt;</a:t>
+            </a:r>
+            <a:endParaRPr kumimoji="1" lang="ja-JP" altLang="en-US" sz="1600" dirty="0"/>
+          </a:p>
+        </p:txBody>
+      </p:sp>
+      <p:sp>
+        <p:nvSpPr>
+          <p:cNvPr id="6" name="テキスト ボックス 5"/>
+          <p:cNvSpPr txBox="1"/>
+          <p:nvPr/>
+        </p:nvSpPr>
+        <p:spPr>
+          <a:xfrm>
+            <a:off x="1693334" y="2929467"/>
+            <a:ext cx="1142108" cy="338554"/>
+          </a:xfrm>
+          <a:prstGeom prst="rect">
+            <a:avLst/>
+          </a:prstGeom>
+          <a:noFill/>
+        </p:spPr>
+        <p:txBody>
+          <a:bodyPr wrap="none" rtlCol="0">
+            <a:spAutoFit/>
+          </a:bodyPr>
+          <a:lstStyle/>
+          <a:p>
+            <a:r>
+              <a:rPr kumimoji="1" lang="en-US" altLang="ja-JP" sz="1600" dirty="0"/>
+              <a:t>&lt;template&gt;</a:t>
+            </a:r>
+            <a:endParaRPr kumimoji="1" lang="ja-JP" altLang="en-US" sz="1600" dirty="0"/>
+          </a:p>
+        </p:txBody>
+      </p:sp>
+      <p:sp>
+        <p:nvSpPr>
+          <p:cNvPr id="7" name="テキスト ボックス 6"/>
+          <p:cNvSpPr txBox="1"/>
+          <p:nvPr/>
+        </p:nvSpPr>
+        <p:spPr>
+          <a:xfrm>
+            <a:off x="1964267" y="3183467"/>
+            <a:ext cx="2369559" cy="338554"/>
+          </a:xfrm>
+          <a:prstGeom prst="rect">
+            <a:avLst/>
+          </a:prstGeom>
+          <a:noFill/>
+        </p:spPr>
+        <p:txBody>
+          <a:bodyPr wrap="none" rtlCol="0">
+            <a:spAutoFit/>
+          </a:bodyPr>
+          <a:lstStyle/>
+          <a:p>
+            <a:r>
+              <a:rPr kumimoji="1" lang="en-US" altLang="ja-JP" sz="1600"/>
+              <a:t>xml: yes or no (default no)</a:t>
+            </a:r>
+            <a:endParaRPr kumimoji="1" lang="ja-JP" altLang="en-US" sz="1600" dirty="0"/>
+          </a:p>
+        </p:txBody>
+      </p:sp>
+      <p:sp>
+        <p:nvSpPr>
+          <p:cNvPr id="8" name="テキスト ボックス 7"/>
+          <p:cNvSpPr txBox="1"/>
+          <p:nvPr/>
+        </p:nvSpPr>
+        <p:spPr>
+          <a:xfrm>
+            <a:off x="1337734" y="2099733"/>
+            <a:ext cx="957313" cy="338554"/>
+          </a:xfrm>
+          <a:prstGeom prst="rect">
+            <a:avLst/>
+          </a:prstGeom>
+          <a:noFill/>
+        </p:spPr>
+        <p:txBody>
+          <a:bodyPr wrap="none" rtlCol="0">
+            <a:spAutoFit/>
+          </a:bodyPr>
+          <a:lstStyle/>
+          <a:p>
+            <a:r>
+              <a:rPr kumimoji="1" lang="en-US" altLang="ja-JP" sz="1600" dirty="0"/>
+              <a:t>&lt;</a:t>
+            </a:r>
+            <a:r>
+              <a:rPr kumimoji="1" lang="en-US" altLang="ja-JP" sz="1600" dirty="0" err="1"/>
+              <a:t>qchem</a:t>
+            </a:r>
+            <a:r>
+              <a:rPr kumimoji="1" lang="en-US" altLang="ja-JP" sz="1600" dirty="0"/>
+              <a:t>&gt;</a:t>
+            </a:r>
+            <a:endParaRPr kumimoji="1" lang="ja-JP" altLang="en-US" sz="1600" dirty="0"/>
+          </a:p>
+        </p:txBody>
+      </p:sp>
+      <p:sp>
+        <p:nvSpPr>
+          <p:cNvPr id="11" name="テキスト ボックス 10"/>
+          <p:cNvSpPr txBox="1"/>
+          <p:nvPr/>
+        </p:nvSpPr>
+        <p:spPr>
+          <a:xfrm>
+            <a:off x="1049867" y="1540934"/>
+            <a:ext cx="1139671" cy="338554"/>
+          </a:xfrm>
+          <a:prstGeom prst="rect">
+            <a:avLst/>
+          </a:prstGeom>
+          <a:noFill/>
+        </p:spPr>
+        <p:txBody>
+          <a:bodyPr wrap="none" rtlCol="0">
+            <a:spAutoFit/>
+          </a:bodyPr>
+          <a:lstStyle/>
+          <a:p>
+            <a:r>
+              <a:rPr kumimoji="1" lang="en-US" altLang="ja-JP" sz="1600" dirty="0"/>
+              <a:t>&lt;</a:t>
+            </a:r>
+            <a:r>
+              <a:rPr kumimoji="1" lang="en-US" altLang="ja-JP" sz="1600" dirty="0" err="1"/>
+              <a:t>makePES</a:t>
+            </a:r>
+            <a:r>
+              <a:rPr kumimoji="1" lang="en-US" altLang="ja-JP" sz="1600" dirty="0"/>
+              <a:t>&gt;</a:t>
+            </a:r>
+            <a:endParaRPr kumimoji="1" lang="ja-JP" altLang="en-US" sz="1600" dirty="0"/>
+          </a:p>
+        </p:txBody>
+      </p:sp>
+      <p:sp>
+        <p:nvSpPr>
+          <p:cNvPr id="13" name="テキスト ボックス 12"/>
+          <p:cNvSpPr txBox="1"/>
+          <p:nvPr/>
+        </p:nvSpPr>
+        <p:spPr>
+          <a:xfrm>
+            <a:off x="1676401" y="2370666"/>
+            <a:ext cx="5439887" cy="338554"/>
+          </a:xfrm>
+          <a:prstGeom prst="rect">
+            <a:avLst/>
+          </a:prstGeom>
+          <a:noFill/>
+        </p:spPr>
+        <p:txBody>
+          <a:bodyPr wrap="none" rtlCol="0">
+            <a:spAutoFit/>
+          </a:bodyPr>
+          <a:lstStyle/>
+          <a:p>
+            <a:r>
+              <a:rPr kumimoji="1" lang="en-US" altLang="ja-JP" sz="1600" dirty="0"/>
+              <a:t>id: ID of this </a:t>
+            </a:r>
+            <a:r>
+              <a:rPr kumimoji="1" lang="en-US" altLang="ja-JP" sz="1600" dirty="0" err="1"/>
+              <a:t>qchem</a:t>
+            </a:r>
+            <a:r>
+              <a:rPr kumimoji="1" lang="en-US" altLang="ja-JP" sz="1600" dirty="0"/>
+              <a:t> (default = the number it appears in the file)</a:t>
+            </a:r>
+          </a:p>
+        </p:txBody>
+      </p:sp>
+      <p:sp>
+        <p:nvSpPr>
+          <p:cNvPr id="16" name="テキスト ボックス 15"/>
+          <p:cNvSpPr txBox="1"/>
+          <p:nvPr/>
+        </p:nvSpPr>
+        <p:spPr>
+          <a:xfrm>
+            <a:off x="1693334" y="3539067"/>
+            <a:ext cx="908326" cy="338554"/>
+          </a:xfrm>
+          <a:prstGeom prst="rect">
+            <a:avLst/>
+          </a:prstGeom>
+          <a:noFill/>
+        </p:spPr>
+        <p:txBody>
+          <a:bodyPr wrap="none" rtlCol="0">
+            <a:spAutoFit/>
+          </a:bodyPr>
+          <a:lstStyle/>
+          <a:p>
+            <a:r>
+              <a:rPr kumimoji="1" lang="en-US" altLang="ja-JP" sz="1600" dirty="0"/>
+              <a:t>&lt;</a:t>
+            </a:r>
+            <a:r>
+              <a:rPr kumimoji="1" lang="en-US" altLang="ja-JP" sz="1600" dirty="0" err="1"/>
+              <a:t>xyzfile</a:t>
+            </a:r>
+            <a:r>
+              <a:rPr kumimoji="1" lang="en-US" altLang="ja-JP" sz="1600" dirty="0"/>
+              <a:t>&gt;</a:t>
+            </a:r>
+            <a:endParaRPr kumimoji="1" lang="ja-JP" altLang="en-US" sz="1600" dirty="0"/>
+          </a:p>
+        </p:txBody>
+      </p:sp>
+      <p:sp>
+        <p:nvSpPr>
+          <p:cNvPr id="17" name="テキスト ボックス 16"/>
+          <p:cNvSpPr txBox="1"/>
+          <p:nvPr/>
+        </p:nvSpPr>
+        <p:spPr>
+          <a:xfrm>
+            <a:off x="1964267" y="3793067"/>
+            <a:ext cx="2369559" cy="338554"/>
+          </a:xfrm>
+          <a:prstGeom prst="rect">
+            <a:avLst/>
+          </a:prstGeom>
+          <a:noFill/>
+        </p:spPr>
+        <p:txBody>
+          <a:bodyPr wrap="none" rtlCol="0">
+            <a:spAutoFit/>
+          </a:bodyPr>
+          <a:lstStyle/>
+          <a:p>
+            <a:r>
+              <a:rPr kumimoji="1" lang="en-US" altLang="ja-JP" sz="1600"/>
+              <a:t>xml: yes or no (default no)</a:t>
+            </a:r>
+            <a:endParaRPr kumimoji="1" lang="ja-JP" altLang="en-US" sz="1600" dirty="0"/>
+          </a:p>
+        </p:txBody>
+      </p:sp>
     </p:spTree>
     <p:extLst>
       <p:ext uri="{BB962C8B-B14F-4D97-AF65-F5344CB8AC3E}">
-        <p14:creationId xmlns:p14="http://schemas.microsoft.com/office/powerpoint/2010/main" val="1274043496"/>
+        <p14:creationId xmlns:p14="http://schemas.microsoft.com/office/powerpoint/2010/main" val="250048734"/>
       </p:ext>
     </p:extLst>
   </p:cSld>
@@ -8701,7 +9825,144 @@
       </p:grpSpPr>
       <p:sp>
         <p:nvSpPr>
-          <p:cNvPr id="2" name="スライド番号プレースホルダー 1"/>
+          <p:cNvPr id="2" name="タイトル 1"/>
+          <p:cNvSpPr>
+            <a:spLocks noGrp="1"/>
+          </p:cNvSpPr>
+          <p:nvPr>
+            <p:ph type="title"/>
+          </p:nvPr>
+        </p:nvSpPr>
+        <p:spPr/>
+        <p:txBody>
+          <a:bodyPr/>
+          <a:lstStyle/>
+          <a:p>
+            <a:r>
+              <a:rPr kumimoji="1" lang="en-US" altLang="ja-JP" dirty="0"/>
+              <a:t>1. Basic Usage</a:t>
+            </a:r>
+            <a:endParaRPr kumimoji="1" lang="ja-JP" altLang="en-US" dirty="0"/>
+          </a:p>
+        </p:txBody>
+      </p:sp>
+      <p:sp>
+        <p:nvSpPr>
+          <p:cNvPr id="26" name="テキスト ボックス 25"/>
+          <p:cNvSpPr txBox="1"/>
+          <p:nvPr/>
+        </p:nvSpPr>
+        <p:spPr>
+          <a:xfrm>
+            <a:off x="370551" y="1428868"/>
+            <a:ext cx="8315022" cy="3323987"/>
+          </a:xfrm>
+          <a:prstGeom prst="rect">
+            <a:avLst/>
+          </a:prstGeom>
+          <a:noFill/>
+        </p:spPr>
+        <p:txBody>
+          <a:bodyPr wrap="square" rtlCol="0">
+            <a:spAutoFit/>
+          </a:bodyPr>
+          <a:lstStyle/>
+          <a:p>
+            <a:r>
+              <a:rPr lang="en-US" altLang="ja-JP" sz="1600" dirty="0"/>
+              <a:t>This section lists the keys and values used in </a:t>
+            </a:r>
+            <a:r>
+              <a:rPr lang="en-US" altLang="ja-JP" sz="1600" dirty="0" err="1"/>
+              <a:t>RunMakePES</a:t>
+            </a:r>
+            <a:r>
+              <a:rPr lang="en-US" altLang="ja-JP" sz="1600" dirty="0"/>
+              <a:t> program. They appear in </a:t>
+            </a:r>
+            <a:r>
+              <a:rPr lang="en-US" altLang="ja-JP" sz="1600" dirty="0" err="1"/>
+              <a:t>makePES.xml</a:t>
+            </a:r>
+            <a:r>
+              <a:rPr lang="en-US" altLang="ja-JP" sz="1600" dirty="0"/>
+              <a:t> in the form of, </a:t>
+            </a:r>
+          </a:p>
+          <a:p>
+            <a:endParaRPr kumimoji="1" lang="en-US" altLang="ja-JP" sz="1600" dirty="0"/>
+          </a:p>
+          <a:p>
+            <a:pPr lvl="1"/>
+            <a:r>
+              <a:rPr lang="en-US" altLang="ja-JP" sz="1200" dirty="0">
+                <a:latin typeface="Courier" charset="0"/>
+                <a:ea typeface="Courier" charset="0"/>
+                <a:cs typeface="Courier" charset="0"/>
+              </a:rPr>
+              <a:t>&lt;entry key=‘‘key’’&gt; key value &lt;/entry&gt; </a:t>
+            </a:r>
+          </a:p>
+          <a:p>
+            <a:endParaRPr kumimoji="1" lang="en-US" altLang="ja-JP" sz="1600" dirty="0"/>
+          </a:p>
+          <a:p>
+            <a:r>
+              <a:rPr lang="en-US" altLang="ja-JP" sz="1600" dirty="0"/>
+              <a:t>The keys in red indicate that they are mandatory. The values are case insensitive except when it is noted. </a:t>
+            </a:r>
+          </a:p>
+          <a:p>
+            <a:endParaRPr lang="en-US" altLang="ja-JP" sz="1600" dirty="0"/>
+          </a:p>
+          <a:p>
+            <a:r>
+              <a:rPr lang="en-US" altLang="ja-JP" sz="1600" dirty="0"/>
+              <a:t>In the following, the keys are divided into four sections. General Keys (Sec. 1.1) are common input for all types of run, while those in QFF Keys (Sec. 1.2), Grid Keys (Sec. 1.3), and Hybrid Keys (Sec. 1.4) are relevant input parameters for generating the QFF, grid potential, and hybrid potential, respectively. </a:t>
+            </a:r>
+          </a:p>
+          <a:p>
+            <a:endParaRPr kumimoji="1" lang="en-US" altLang="ja-JP" sz="1600" dirty="0"/>
+          </a:p>
+        </p:txBody>
+      </p:sp>
+      <p:sp>
+        <p:nvSpPr>
+          <p:cNvPr id="5" name="テキスト ボックス 4"/>
+          <p:cNvSpPr txBox="1"/>
+          <p:nvPr/>
+        </p:nvSpPr>
+        <p:spPr>
+          <a:xfrm>
+            <a:off x="391885" y="914403"/>
+            <a:ext cx="3492495" cy="461665"/>
+          </a:xfrm>
+          <a:prstGeom prst="rect">
+            <a:avLst/>
+          </a:prstGeom>
+          <a:noFill/>
+        </p:spPr>
+        <p:txBody>
+          <a:bodyPr wrap="none" rtlCol="0">
+            <a:spAutoFit/>
+          </a:bodyPr>
+          <a:lstStyle/>
+          <a:p>
+            <a:r>
+              <a:rPr kumimoji="1" lang="en-US" altLang="ja-JP" sz="2400" u="sng" dirty="0"/>
+              <a:t>1.1. </a:t>
+            </a:r>
+            <a:r>
+              <a:rPr lang="en-US" altLang="ja-JP" sz="2400" u="sng" dirty="0"/>
+              <a:t>Preparing an input file</a:t>
+            </a:r>
+            <a:endParaRPr kumimoji="1" lang="ja-JP" altLang="en-US" sz="2400" u="sng" dirty="0"/>
+          </a:p>
+        </p:txBody>
+      </p:sp>
+      <p:sp>
+        <p:nvSpPr>
+          <p:cNvPr id="3" name="スライド番号プレースホルダー 2"/>
           <p:cNvSpPr>
             <a:spLocks noGrp="1"/>
           </p:cNvSpPr>
@@ -8722,187 +9983,10 @@
           </a:p>
         </p:txBody>
       </p:sp>
-      <p:sp>
-        <p:nvSpPr>
-          <p:cNvPr id="3" name="テキスト ボックス 2"/>
-          <p:cNvSpPr txBox="1"/>
-          <p:nvPr/>
-        </p:nvSpPr>
-        <p:spPr>
-          <a:xfrm>
-            <a:off x="914401" y="137872"/>
-            <a:ext cx="7827665" cy="2246769"/>
-          </a:xfrm>
-          <a:prstGeom prst="rect">
-            <a:avLst/>
-          </a:prstGeom>
-          <a:noFill/>
-        </p:spPr>
-        <p:txBody>
-          <a:bodyPr wrap="square">
-            <a:spAutoFit/>
-          </a:bodyPr>
-          <a:lstStyle/>
-          <a:p>
-            <a:pPr marL="285750" indent="-285750">
-              <a:buFont typeface="Arial" charset="0"/>
-              <a:buChar char="•"/>
-              <a:defRPr/>
-            </a:pPr>
-            <a:r>
-              <a:rPr lang="en-US" altLang="ja-JP" sz="1400" dirty="0"/>
-              <a:t>interdomain: true / false</a:t>
-            </a:r>
-          </a:p>
-          <a:p>
-            <a:pPr lvl="1">
-              <a:defRPr/>
-            </a:pPr>
-            <a:r>
-              <a:rPr lang="en-US" altLang="ja-JP" sz="1400" dirty="0"/>
-              <a:t>Calculates inter-domain coupling terms, when true. (default = false)</a:t>
-            </a:r>
-          </a:p>
-          <a:p>
-            <a:pPr lvl="1">
-              <a:defRPr/>
-            </a:pPr>
-            <a:endParaRPr lang="en-US" altLang="ja-JP" sz="1400" dirty="0"/>
-          </a:p>
-          <a:p>
-            <a:pPr lvl="1">
-              <a:defRPr/>
-            </a:pPr>
-            <a:r>
-              <a:rPr lang="en-US" altLang="ja-JP" sz="1400" dirty="0"/>
-              <a:t>QFF</a:t>
-            </a:r>
-            <a:r>
-              <a:rPr lang="ja-JP" altLang="en-US" sz="1400" dirty="0"/>
-              <a:t>計算では、実行された量子化学計算の情報から、</a:t>
-            </a:r>
-            <a:r>
-              <a:rPr lang="en-US" altLang="ja-JP" sz="1400" dirty="0"/>
-              <a:t>Gradient</a:t>
-            </a:r>
-            <a:r>
-              <a:rPr lang="ja-JP" altLang="en-US" sz="1400" dirty="0"/>
-              <a:t>で数値微分の場合は</a:t>
-            </a:r>
-            <a:r>
-              <a:rPr lang="en-US" altLang="ja-JP" sz="1400" dirty="0" err="1"/>
-              <a:t>tiij</a:t>
-            </a:r>
-            <a:r>
-              <a:rPr lang="en-US" altLang="ja-JP" sz="1400" dirty="0"/>
-              <a:t>, </a:t>
-            </a:r>
-            <a:r>
-              <a:rPr lang="en-US" altLang="ja-JP" sz="1400" dirty="0" err="1"/>
-              <a:t>uiiij</a:t>
-            </a:r>
-            <a:r>
-              <a:rPr lang="ja-JP" altLang="en-US" sz="1400" dirty="0"/>
-              <a:t>、</a:t>
-            </a:r>
-            <a:r>
-              <a:rPr lang="en-US" altLang="ja-JP" sz="1400" dirty="0"/>
-              <a:t>Hessian</a:t>
-            </a:r>
-            <a:r>
-              <a:rPr lang="ja-JP" altLang="en-US" sz="1400" dirty="0"/>
-              <a:t>で数値微分の場合は</a:t>
-            </a:r>
-            <a:r>
-              <a:rPr lang="en-US" altLang="ja-JP" sz="1400" dirty="0"/>
-              <a:t>3MR</a:t>
-            </a:r>
-            <a:r>
-              <a:rPr lang="ja-JP" altLang="en-US" sz="1400" dirty="0"/>
-              <a:t>までドメイン間カップリングが計算可能だが、</a:t>
-            </a:r>
-            <a:r>
-              <a:rPr lang="en-US" altLang="ja-JP" sz="1400" dirty="0"/>
-              <a:t>interdomain = false</a:t>
-            </a:r>
-            <a:r>
-              <a:rPr lang="ja-JP" altLang="en-US" sz="1400"/>
-              <a:t>では</a:t>
-            </a:r>
-            <a:r>
-              <a:rPr lang="ja-JP" altLang="en-US" sz="1400" dirty="0"/>
-              <a:t>これらは出力されない。出力したい場合は、</a:t>
-            </a:r>
-            <a:r>
-              <a:rPr lang="en-US" altLang="ja-JP" sz="1400" dirty="0"/>
-              <a:t>interdomain=true</a:t>
-            </a:r>
-            <a:r>
-              <a:rPr lang="ja-JP" altLang="en-US" sz="1400"/>
-              <a:t>で</a:t>
-            </a:r>
-            <a:r>
-              <a:rPr lang="ja-JP" altLang="en-US" sz="1400" dirty="0"/>
-              <a:t>再計算する。</a:t>
-            </a:r>
-            <a:endParaRPr lang="en-US" altLang="ja-JP" sz="1400" dirty="0"/>
-          </a:p>
-          <a:p>
-            <a:pPr lvl="1">
-              <a:defRPr/>
-            </a:pPr>
-            <a:endParaRPr lang="en-US" altLang="ja-JP" sz="1400" dirty="0"/>
-          </a:p>
-          <a:p>
-            <a:pPr lvl="1">
-              <a:defRPr/>
-            </a:pPr>
-            <a:r>
-              <a:rPr lang="en-US" altLang="ja-JP" sz="1400" dirty="0"/>
-              <a:t>Hessian</a:t>
-            </a:r>
-            <a:r>
-              <a:rPr lang="ja-JP" altLang="en-US" sz="1400" dirty="0"/>
-              <a:t>の場合、</a:t>
-            </a:r>
-            <a:r>
-              <a:rPr lang="en-US" altLang="ja-JP" sz="1400" dirty="0" err="1"/>
-              <a:t>minfo.files</a:t>
-            </a:r>
-            <a:r>
-              <a:rPr lang="ja-JP" altLang="en-US" sz="1400" dirty="0"/>
-              <a:t>からデータを読み込めば、追加の量子化学計算なく</a:t>
-            </a:r>
-            <a:r>
-              <a:rPr lang="en-US" altLang="ja-JP" sz="1400" dirty="0"/>
-              <a:t>3MR</a:t>
-            </a:r>
-            <a:r>
-              <a:rPr lang="ja-JP" altLang="en-US" sz="1400" dirty="0"/>
-              <a:t>まで計算できため、実は計算負荷の軽減にはならない。</a:t>
-            </a:r>
-            <a:r>
-              <a:rPr lang="en-US" altLang="ja-JP" sz="1400" dirty="0"/>
-              <a:t>4MR</a:t>
-            </a:r>
-            <a:r>
-              <a:rPr lang="ja-JP" altLang="en-US" sz="1400" dirty="0"/>
-              <a:t>は追加計算が必要となる。</a:t>
-            </a:r>
-            <a:endParaRPr lang="en-US" altLang="ja-JP" sz="1400" dirty="0"/>
-          </a:p>
-          <a:p>
-            <a:pPr lvl="1">
-              <a:defRPr/>
-            </a:pPr>
-            <a:endParaRPr lang="en-US" altLang="ja-JP" sz="1400" dirty="0"/>
-          </a:p>
-        </p:txBody>
-      </p:sp>
     </p:spTree>
     <p:extLst>
       <p:ext uri="{BB962C8B-B14F-4D97-AF65-F5344CB8AC3E}">
-        <p14:creationId xmlns:p14="http://schemas.microsoft.com/office/powerpoint/2010/main" val="962116655"/>
+        <p14:creationId xmlns:p14="http://schemas.microsoft.com/office/powerpoint/2010/main" val="112085760"/>
       </p:ext>
     </p:extLst>
   </p:cSld>

--- a/doc/MakePES/usage_MakePES.pptx
+++ b/doc/MakePES/usage_MakePES.pptx
@@ -266,7 +266,7 @@
           <a:p>
             <a:fld id="{E169DC26-B38B-F143-8CF0-891C5D30D367}" type="datetimeFigureOut">
               <a:rPr kumimoji="1" lang="ja-JP" altLang="en-US" smtClean="0"/>
-              <a:t>2019/11/13</a:t>
+              <a:t>2019/12/9</a:t>
             </a:fld>
             <a:endParaRPr kumimoji="1" lang="ja-JP" altLang="en-US"/>
           </a:p>
@@ -780,7 +780,7 @@
           <a:p>
             <a:fld id="{EE7860AB-3E3A-634E-9588-3634E3BE52A0}" type="datetime1">
               <a:rPr kumimoji="1" lang="ja-JP" altLang="en-US" smtClean="0"/>
-              <a:t>2019/11/13</a:t>
+              <a:t>2019/12/9</a:t>
             </a:fld>
             <a:endParaRPr kumimoji="1" lang="ja-JP" altLang="en-US"/>
           </a:p>
@@ -977,7 +977,7 @@
           <a:p>
             <a:fld id="{9F997464-49D2-A046-AC0E-5FDFD3DF665B}" type="datetime1">
               <a:rPr kumimoji="1" lang="ja-JP" altLang="en-US" smtClean="0"/>
-              <a:t>2019/11/13</a:t>
+              <a:t>2019/12/9</a:t>
             </a:fld>
             <a:endParaRPr kumimoji="1" lang="ja-JP" altLang="en-US"/>
           </a:p>
@@ -1184,7 +1184,7 @@
           <a:p>
             <a:fld id="{2CBD1245-BC8C-4342-A14F-D901B9B13210}" type="datetime1">
               <a:rPr kumimoji="1" lang="ja-JP" altLang="en-US" smtClean="0"/>
-              <a:t>2019/11/13</a:t>
+              <a:t>2019/12/9</a:t>
             </a:fld>
             <a:endParaRPr kumimoji="1" lang="ja-JP" altLang="en-US"/>
           </a:p>
@@ -1381,7 +1381,7 @@
           <a:p>
             <a:fld id="{E0FF5DFC-0E6C-E144-A5DD-E851AA0EE050}" type="datetime1">
               <a:rPr kumimoji="1" lang="ja-JP" altLang="en-US" smtClean="0"/>
-              <a:t>2019/11/13</a:t>
+              <a:t>2019/12/9</a:t>
             </a:fld>
             <a:endParaRPr kumimoji="1" lang="ja-JP" altLang="en-US"/>
           </a:p>
@@ -1620,7 +1620,7 @@
           <a:p>
             <a:fld id="{1373E6F4-CB37-3348-B268-694CC61CFDE2}" type="datetime1">
               <a:rPr kumimoji="1" lang="ja-JP" altLang="en-US" smtClean="0"/>
-              <a:t>2019/11/13</a:t>
+              <a:t>2019/12/9</a:t>
             </a:fld>
             <a:endParaRPr kumimoji="1" lang="ja-JP" altLang="en-US"/>
           </a:p>
@@ -1911,7 +1911,7 @@
           <a:p>
             <a:fld id="{83203CE9-A62D-D54F-B5B8-E5081BC50FF5}" type="datetime1">
               <a:rPr kumimoji="1" lang="ja-JP" altLang="en-US" smtClean="0"/>
-              <a:t>2019/11/13</a:t>
+              <a:t>2019/12/9</a:t>
             </a:fld>
             <a:endParaRPr kumimoji="1" lang="ja-JP" altLang="en-US"/>
           </a:p>
@@ -2337,7 +2337,7 @@
           <a:p>
             <a:fld id="{8DF792D3-1EAE-B941-8FA8-A45BDC58D538}" type="datetime1">
               <a:rPr kumimoji="1" lang="ja-JP" altLang="en-US" smtClean="0"/>
-              <a:t>2019/11/13</a:t>
+              <a:t>2019/12/9</a:t>
             </a:fld>
             <a:endParaRPr kumimoji="1" lang="ja-JP" altLang="en-US"/>
           </a:p>
@@ -2450,7 +2450,7 @@
           <a:p>
             <a:fld id="{A2976D4D-D591-7843-A186-DB885C000B62}" type="datetime1">
               <a:rPr kumimoji="1" lang="ja-JP" altLang="en-US" smtClean="0"/>
-              <a:t>2019/11/13</a:t>
+              <a:t>2019/12/9</a:t>
             </a:fld>
             <a:endParaRPr kumimoji="1" lang="ja-JP" altLang="en-US"/>
           </a:p>
@@ -2540,7 +2540,7 @@
           <a:p>
             <a:fld id="{71E10034-284E-534E-87ED-A26A40A9A5A4}" type="datetime1">
               <a:rPr kumimoji="1" lang="ja-JP" altLang="en-US" smtClean="0"/>
-              <a:t>2019/11/13</a:t>
+              <a:t>2019/12/9</a:t>
             </a:fld>
             <a:endParaRPr kumimoji="1" lang="ja-JP" altLang="en-US"/>
           </a:p>
@@ -2844,7 +2844,7 @@
           <a:p>
             <a:fld id="{1FB2FB92-4CFC-BF4B-81B2-16888C599581}" type="datetime1">
               <a:rPr kumimoji="1" lang="ja-JP" altLang="en-US" smtClean="0"/>
-              <a:t>2019/11/13</a:t>
+              <a:t>2019/12/9</a:t>
             </a:fld>
             <a:endParaRPr kumimoji="1" lang="ja-JP" altLang="en-US"/>
           </a:p>
@@ -3096,7 +3096,7 @@
           <a:p>
             <a:fld id="{43AF2432-0CDD-C544-BAB3-85372DA356EC}" type="datetime1">
               <a:rPr kumimoji="1" lang="ja-JP" altLang="en-US" smtClean="0"/>
-              <a:t>2019/11/13</a:t>
+              <a:t>2019/12/9</a:t>
             </a:fld>
             <a:endParaRPr kumimoji="1" lang="ja-JP" altLang="en-US"/>
           </a:p>
@@ -3336,7 +3336,7 @@
           <a:p>
             <a:fld id="{4A801117-FCED-794E-BE88-16E7FC9A3D9F}" type="datetime1">
               <a:rPr kumimoji="1" lang="ja-JP" altLang="en-US" smtClean="0"/>
-              <a:t>2019/11/13</a:t>
+              <a:t>2019/12/9</a:t>
             </a:fld>
             <a:endParaRPr kumimoji="1" lang="ja-JP" altLang="en-US"/>
           </a:p>
@@ -31190,7 +31190,7 @@
         <p:spPr>
           <a:xfrm>
             <a:off x="914401" y="1130023"/>
-            <a:ext cx="7827665" cy="2523768"/>
+            <a:ext cx="7827665" cy="3170099"/>
           </a:xfrm>
           <a:prstGeom prst="rect">
             <a:avLst/>
@@ -31261,6 +31261,54 @@
           </a:p>
           <a:p>
             <a:pPr lvl="2">
+              <a:defRPr/>
+            </a:pPr>
+            <a:endParaRPr lang="en-US" altLang="ja-JP" sz="1400" dirty="0"/>
+          </a:p>
+          <a:p>
+            <a:pPr marL="285750" indent="-285750">
+              <a:buFont typeface="Arial" charset="0"/>
+              <a:buChar char="•"/>
+              <a:defRPr/>
+            </a:pPr>
+            <a:r>
+              <a:rPr lang="en-US" altLang="ja-JP" sz="1400" dirty="0" err="1"/>
+              <a:t>minfo_folder</a:t>
+            </a:r>
+            <a:r>
+              <a:rPr lang="en-US" altLang="ja-JP" sz="1400" dirty="0"/>
+              <a:t>: folder name</a:t>
+            </a:r>
+          </a:p>
+          <a:p>
+            <a:pPr lvl="1">
+              <a:defRPr/>
+            </a:pPr>
+            <a:r>
+              <a:rPr lang="en-US" altLang="ja-JP" sz="1400" dirty="0"/>
+              <a:t>The name of a folder where generated </a:t>
+            </a:r>
+            <a:r>
+              <a:rPr lang="en-US" altLang="ja-JP" sz="1400" dirty="0" err="1"/>
+              <a:t>minfo</a:t>
+            </a:r>
+            <a:r>
+              <a:rPr lang="en-US" altLang="ja-JP" sz="1400" dirty="0"/>
+              <a:t> files will be stored. The value is </a:t>
+            </a:r>
+            <a:r>
+              <a:rPr lang="en-US" altLang="ja-JP" sz="1400" u="sng" dirty="0"/>
+              <a:t>case sensitive</a:t>
+            </a:r>
+            <a:r>
+              <a:rPr lang="en-US" altLang="ja-JP" sz="1400" dirty="0"/>
+              <a:t>.</a:t>
+            </a:r>
+          </a:p>
+          <a:p>
+            <a:pPr marL="285750" indent="-285750">
+              <a:buFont typeface="Arial" charset="0"/>
+              <a:buChar char="•"/>
               <a:defRPr/>
             </a:pPr>
             <a:endParaRPr lang="en-US" altLang="ja-JP" sz="1400" dirty="0"/>
@@ -33033,123 +33081,6 @@
           </a:p>
         </p:txBody>
       </p:sp>
-      <mc:AlternateContent xmlns:mc="http://schemas.openxmlformats.org/markup-compatibility/2006" xmlns:a14="http://schemas.microsoft.com/office/drawing/2010/main">
-        <mc:Choice Requires="a14">
-          <p:sp>
-            <p:nvSpPr>
-              <p:cNvPr id="5" name="テキスト ボックス 4">
-                <a:extLst>
-                  <a:ext uri="{FF2B5EF4-FFF2-40B4-BE49-F238E27FC236}">
-                    <a16:creationId xmlns:a16="http://schemas.microsoft.com/office/drawing/2014/main" id="{29C10D37-BF6B-CE40-9CCA-446B3C8FBA8E}"/>
-                  </a:ext>
-                </a:extLst>
-              </p:cNvPr>
-              <p:cNvSpPr txBox="1"/>
-              <p:nvPr/>
-            </p:nvSpPr>
-            <p:spPr>
-              <a:xfrm>
-                <a:off x="2705100" y="5499100"/>
-                <a:ext cx="224677" cy="474361"/>
-              </a:xfrm>
-              <a:prstGeom prst="rect">
-                <a:avLst/>
-              </a:prstGeom>
-              <a:noFill/>
-            </p:spPr>
-            <p:txBody>
-              <a:bodyPr wrap="none" lIns="0" tIns="0" rIns="0" bIns="0" rtlCol="0">
-                <a:spAutoFit/>
-              </a:bodyPr>
-              <a:lstStyle/>
-              <a:p>
-                <a:pPr/>
-                <a14:m>
-                  <m:oMathPara xmlns:m="http://schemas.openxmlformats.org/officeDocument/2006/math">
-                    <m:oMathParaPr>
-                      <m:jc m:val="centerGroup"/>
-                    </m:oMathParaPr>
-                    <m:oMath xmlns:m="http://schemas.openxmlformats.org/officeDocument/2006/math">
-                      <m:f>
-                        <m:fPr>
-                          <m:ctrlPr>
-                            <a:rPr kumimoji="1" lang="en-US" altLang="ja-JP" i="1" smtClean="0">
-                              <a:latin typeface="Cambria Math" panose="02040503050406030204" pitchFamily="18" charset="0"/>
-                            </a:rPr>
-                          </m:ctrlPr>
-                        </m:fPr>
-                        <m:num>
-                          <m:r>
-                            <a:rPr kumimoji="1" lang="en-US" altLang="ja-JP" i="1" smtClean="0">
-                              <a:latin typeface="Cambria Math" panose="02040503050406030204" pitchFamily="18" charset="0"/>
-                              <a:ea typeface="Cambria Math" panose="02040503050406030204" pitchFamily="18" charset="0"/>
-                            </a:rPr>
-                            <m:t>𝜔</m:t>
-                          </m:r>
-                        </m:num>
-                        <m:den>
-                          <m:r>
-                            <a:rPr kumimoji="1" lang="en-US" altLang="ja-JP" i="1" smtClean="0">
-                              <a:latin typeface="Cambria Math" panose="02040503050406030204" pitchFamily="18" charset="0"/>
-                              <a:ea typeface="Cambria Math" panose="02040503050406030204" pitchFamily="18" charset="0"/>
-                            </a:rPr>
-                            <m:t>ℏ</m:t>
-                          </m:r>
-                        </m:den>
-                      </m:f>
-                    </m:oMath>
-                  </m:oMathPara>
-                </a14:m>
-                <a:endParaRPr kumimoji="1" lang="ja-JP" altLang="en-US"/>
-              </a:p>
-            </p:txBody>
-          </p:sp>
-        </mc:Choice>
-        <mc:Fallback xmlns="">
-          <p:sp>
-            <p:nvSpPr>
-              <p:cNvPr id="5" name="テキスト ボックス 4">
-                <a:extLst>
-                  <a:ext uri="{FF2B5EF4-FFF2-40B4-BE49-F238E27FC236}">
-                    <a16:creationId xmlns:a16="http://schemas.microsoft.com/office/drawing/2014/main" id="{29C10D37-BF6B-CE40-9CCA-446B3C8FBA8E}"/>
-                  </a:ext>
-                </a:extLst>
-              </p:cNvPr>
-              <p:cNvSpPr txBox="1">
-                <a:spLocks noRot="1" noChangeAspect="1" noMove="1" noResize="1" noEditPoints="1" noAdjustHandles="1" noChangeArrowheads="1" noChangeShapeType="1" noTextEdit="1"/>
-              </p:cNvSpPr>
-              <p:nvPr/>
-            </p:nvSpPr>
-            <p:spPr>
-              <a:xfrm>
-                <a:off x="2705100" y="5499100"/>
-                <a:ext cx="224677" cy="474361"/>
-              </a:xfrm>
-              <a:prstGeom prst="rect">
-                <a:avLst/>
-              </a:prstGeom>
-              <a:blipFill>
-                <a:blip r:embed="rId2"/>
-                <a:stretch>
-                  <a:fillRect l="-15789" r="-10526" b="-15789"/>
-                </a:stretch>
-              </a:blipFill>
-            </p:spPr>
-            <p:txBody>
-              <a:bodyPr/>
-              <a:lstStyle/>
-              <a:p>
-                <a:r>
-                  <a:rPr lang="ja-JP" altLang="en-US">
-                    <a:noFill/>
-                  </a:rPr>
-                  <a:t> </a:t>
-                </a:r>
-              </a:p>
-            </p:txBody>
-          </p:sp>
-        </mc:Fallback>
-      </mc:AlternateContent>
     </p:spTree>
     <p:extLst>
       <p:ext uri="{BB962C8B-B14F-4D97-AF65-F5344CB8AC3E}">

--- a/doc/MakePES/usage_MakePES.pptx
+++ b/doc/MakePES/usage_MakePES.pptx
@@ -266,7 +266,7 @@
           <a:p>
             <a:fld id="{E169DC26-B38B-F143-8CF0-891C5D30D367}" type="datetimeFigureOut">
               <a:rPr kumimoji="1" lang="ja-JP" altLang="en-US" smtClean="0"/>
-              <a:t>2019/12/9</a:t>
+              <a:t>2019/12/10</a:t>
             </a:fld>
             <a:endParaRPr kumimoji="1" lang="ja-JP" altLang="en-US"/>
           </a:p>
@@ -780,7 +780,7 @@
           <a:p>
             <a:fld id="{EE7860AB-3E3A-634E-9588-3634E3BE52A0}" type="datetime1">
               <a:rPr kumimoji="1" lang="ja-JP" altLang="en-US" smtClean="0"/>
-              <a:t>2019/12/9</a:t>
+              <a:t>2019/12/10</a:t>
             </a:fld>
             <a:endParaRPr kumimoji="1" lang="ja-JP" altLang="en-US"/>
           </a:p>
@@ -977,7 +977,7 @@
           <a:p>
             <a:fld id="{9F997464-49D2-A046-AC0E-5FDFD3DF665B}" type="datetime1">
               <a:rPr kumimoji="1" lang="ja-JP" altLang="en-US" smtClean="0"/>
-              <a:t>2019/12/9</a:t>
+              <a:t>2019/12/10</a:t>
             </a:fld>
             <a:endParaRPr kumimoji="1" lang="ja-JP" altLang="en-US"/>
           </a:p>
@@ -1184,7 +1184,7 @@
           <a:p>
             <a:fld id="{2CBD1245-BC8C-4342-A14F-D901B9B13210}" type="datetime1">
               <a:rPr kumimoji="1" lang="ja-JP" altLang="en-US" smtClean="0"/>
-              <a:t>2019/12/9</a:t>
+              <a:t>2019/12/10</a:t>
             </a:fld>
             <a:endParaRPr kumimoji="1" lang="ja-JP" altLang="en-US"/>
           </a:p>
@@ -1381,7 +1381,7 @@
           <a:p>
             <a:fld id="{E0FF5DFC-0E6C-E144-A5DD-E851AA0EE050}" type="datetime1">
               <a:rPr kumimoji="1" lang="ja-JP" altLang="en-US" smtClean="0"/>
-              <a:t>2019/12/9</a:t>
+              <a:t>2019/12/10</a:t>
             </a:fld>
             <a:endParaRPr kumimoji="1" lang="ja-JP" altLang="en-US"/>
           </a:p>
@@ -1620,7 +1620,7 @@
           <a:p>
             <a:fld id="{1373E6F4-CB37-3348-B268-694CC61CFDE2}" type="datetime1">
               <a:rPr kumimoji="1" lang="ja-JP" altLang="en-US" smtClean="0"/>
-              <a:t>2019/12/9</a:t>
+              <a:t>2019/12/10</a:t>
             </a:fld>
             <a:endParaRPr kumimoji="1" lang="ja-JP" altLang="en-US"/>
           </a:p>
@@ -1911,7 +1911,7 @@
           <a:p>
             <a:fld id="{83203CE9-A62D-D54F-B5B8-E5081BC50FF5}" type="datetime1">
               <a:rPr kumimoji="1" lang="ja-JP" altLang="en-US" smtClean="0"/>
-              <a:t>2019/12/9</a:t>
+              <a:t>2019/12/10</a:t>
             </a:fld>
             <a:endParaRPr kumimoji="1" lang="ja-JP" altLang="en-US"/>
           </a:p>
@@ -2337,7 +2337,7 @@
           <a:p>
             <a:fld id="{8DF792D3-1EAE-B941-8FA8-A45BDC58D538}" type="datetime1">
               <a:rPr kumimoji="1" lang="ja-JP" altLang="en-US" smtClean="0"/>
-              <a:t>2019/12/9</a:t>
+              <a:t>2019/12/10</a:t>
             </a:fld>
             <a:endParaRPr kumimoji="1" lang="ja-JP" altLang="en-US"/>
           </a:p>
@@ -2450,7 +2450,7 @@
           <a:p>
             <a:fld id="{A2976D4D-D591-7843-A186-DB885C000B62}" type="datetime1">
               <a:rPr kumimoji="1" lang="ja-JP" altLang="en-US" smtClean="0"/>
-              <a:t>2019/12/9</a:t>
+              <a:t>2019/12/10</a:t>
             </a:fld>
             <a:endParaRPr kumimoji="1" lang="ja-JP" altLang="en-US"/>
           </a:p>
@@ -2540,7 +2540,7 @@
           <a:p>
             <a:fld id="{71E10034-284E-534E-87ED-A26A40A9A5A4}" type="datetime1">
               <a:rPr kumimoji="1" lang="ja-JP" altLang="en-US" smtClean="0"/>
-              <a:t>2019/12/9</a:t>
+              <a:t>2019/12/10</a:t>
             </a:fld>
             <a:endParaRPr kumimoji="1" lang="ja-JP" altLang="en-US"/>
           </a:p>
@@ -2844,7 +2844,7 @@
           <a:p>
             <a:fld id="{1FB2FB92-4CFC-BF4B-81B2-16888C599581}" type="datetime1">
               <a:rPr kumimoji="1" lang="ja-JP" altLang="en-US" smtClean="0"/>
-              <a:t>2019/12/9</a:t>
+              <a:t>2019/12/10</a:t>
             </a:fld>
             <a:endParaRPr kumimoji="1" lang="ja-JP" altLang="en-US"/>
           </a:p>
@@ -3096,7 +3096,7 @@
           <a:p>
             <a:fld id="{43AF2432-0CDD-C544-BAB3-85372DA356EC}" type="datetime1">
               <a:rPr kumimoji="1" lang="ja-JP" altLang="en-US" smtClean="0"/>
-              <a:t>2019/12/9</a:t>
+              <a:t>2019/12/10</a:t>
             </a:fld>
             <a:endParaRPr kumimoji="1" lang="ja-JP" altLang="en-US"/>
           </a:p>
@@ -3336,7 +3336,7 @@
           <a:p>
             <a:fld id="{4A801117-FCED-794E-BE88-16E7FC9A3D9F}" type="datetime1">
               <a:rPr kumimoji="1" lang="ja-JP" altLang="en-US" smtClean="0"/>
-              <a:t>2019/12/9</a:t>
+              <a:t>2019/12/10</a:t>
             </a:fld>
             <a:endParaRPr kumimoji="1" lang="ja-JP" altLang="en-US"/>
           </a:p>
@@ -33760,7 +33760,7 @@
             </a:pPr>
             <a:r>
               <a:rPr lang="en-US" altLang="ja-JP" sz="1400" dirty="0" err="1"/>
-              <a:t>mcsstrength</a:t>
+              <a:t>mcstrength</a:t>
             </a:r>
             <a:r>
               <a:rPr lang="en-US" altLang="ja-JP" sz="1400" dirty="0"/>
@@ -33839,8 +33839,8 @@
               <a:t>, mc1, mc2, mc3, or </a:t>
             </a:r>
             <a:r>
-              <a:rPr lang="en-US" altLang="ja-JP" sz="1400" dirty="0" err="1"/>
-              <a:t>mcsstrength</a:t>
+              <a:rPr lang="en-US" altLang="ja-JP" sz="1400"/>
+              <a:t>mcstrength</a:t>
             </a:r>
             <a:r>
               <a:rPr lang="en-US" altLang="ja-JP" sz="1400" dirty="0"/>

--- a/doc/MakePES/usage_MakePES.pptx
+++ b/doc/MakePES/usage_MakePES.pptx
@@ -5,7 +5,7 @@
     <p:sldMasterId id="2147483660" r:id="rId1"/>
   </p:sldMasterIdLst>
   <p:notesMasterIdLst>
-    <p:notesMasterId r:id="rId56"/>
+    <p:notesMasterId r:id="rId57"/>
   </p:notesMasterIdLst>
   <p:sldIdLst>
     <p:sldId id="256" r:id="rId2"/>
@@ -53,15 +53,16 @@
     <p:sldId id="335" r:id="rId44"/>
     <p:sldId id="337" r:id="rId45"/>
     <p:sldId id="330" r:id="rId46"/>
-    <p:sldId id="332" r:id="rId47"/>
-    <p:sldId id="274" r:id="rId48"/>
-    <p:sldId id="338" r:id="rId49"/>
-    <p:sldId id="280" r:id="rId50"/>
-    <p:sldId id="275" r:id="rId51"/>
-    <p:sldId id="277" r:id="rId52"/>
-    <p:sldId id="278" r:id="rId53"/>
-    <p:sldId id="282" r:id="rId54"/>
-    <p:sldId id="279" r:id="rId55"/>
+    <p:sldId id="339" r:id="rId47"/>
+    <p:sldId id="332" r:id="rId48"/>
+    <p:sldId id="274" r:id="rId49"/>
+    <p:sldId id="338" r:id="rId50"/>
+    <p:sldId id="280" r:id="rId51"/>
+    <p:sldId id="275" r:id="rId52"/>
+    <p:sldId id="277" r:id="rId53"/>
+    <p:sldId id="278" r:id="rId54"/>
+    <p:sldId id="282" r:id="rId55"/>
+    <p:sldId id="279" r:id="rId56"/>
   </p:sldIdLst>
   <p:sldSz cx="9144000" cy="6858000" type="screen4x3"/>
   <p:notesSz cx="6858000" cy="9144000"/>
@@ -266,7 +267,7 @@
           <a:p>
             <a:fld id="{E169DC26-B38B-F143-8CF0-891C5D30D367}" type="datetimeFigureOut">
               <a:rPr kumimoji="1" lang="ja-JP" altLang="en-US" smtClean="0"/>
-              <a:t>2019/12/10</a:t>
+              <a:t>2019/12/13</a:t>
             </a:fld>
             <a:endParaRPr kumimoji="1" lang="ja-JP" altLang="en-US"/>
           </a:p>
@@ -630,7 +631,7 @@
           <a:p>
             <a:fld id="{CB330B12-DA10-564A-B315-552E0E80E3C6}" type="slidenum">
               <a:rPr kumimoji="1" lang="ja-JP" altLang="en-US" smtClean="0"/>
-              <a:t>46</a:t>
+              <a:t>47</a:t>
             </a:fld>
             <a:endParaRPr kumimoji="1" lang="ja-JP" altLang="en-US"/>
           </a:p>
@@ -780,7 +781,7 @@
           <a:p>
             <a:fld id="{EE7860AB-3E3A-634E-9588-3634E3BE52A0}" type="datetime1">
               <a:rPr kumimoji="1" lang="ja-JP" altLang="en-US" smtClean="0"/>
-              <a:t>2019/12/10</a:t>
+              <a:t>2019/12/13</a:t>
             </a:fld>
             <a:endParaRPr kumimoji="1" lang="ja-JP" altLang="en-US"/>
           </a:p>
@@ -977,7 +978,7 @@
           <a:p>
             <a:fld id="{9F997464-49D2-A046-AC0E-5FDFD3DF665B}" type="datetime1">
               <a:rPr kumimoji="1" lang="ja-JP" altLang="en-US" smtClean="0"/>
-              <a:t>2019/12/10</a:t>
+              <a:t>2019/12/13</a:t>
             </a:fld>
             <a:endParaRPr kumimoji="1" lang="ja-JP" altLang="en-US"/>
           </a:p>
@@ -1184,7 +1185,7 @@
           <a:p>
             <a:fld id="{2CBD1245-BC8C-4342-A14F-D901B9B13210}" type="datetime1">
               <a:rPr kumimoji="1" lang="ja-JP" altLang="en-US" smtClean="0"/>
-              <a:t>2019/12/10</a:t>
+              <a:t>2019/12/13</a:t>
             </a:fld>
             <a:endParaRPr kumimoji="1" lang="ja-JP" altLang="en-US"/>
           </a:p>
@@ -1381,7 +1382,7 @@
           <a:p>
             <a:fld id="{E0FF5DFC-0E6C-E144-A5DD-E851AA0EE050}" type="datetime1">
               <a:rPr kumimoji="1" lang="ja-JP" altLang="en-US" smtClean="0"/>
-              <a:t>2019/12/10</a:t>
+              <a:t>2019/12/13</a:t>
             </a:fld>
             <a:endParaRPr kumimoji="1" lang="ja-JP" altLang="en-US"/>
           </a:p>
@@ -1620,7 +1621,7 @@
           <a:p>
             <a:fld id="{1373E6F4-CB37-3348-B268-694CC61CFDE2}" type="datetime1">
               <a:rPr kumimoji="1" lang="ja-JP" altLang="en-US" smtClean="0"/>
-              <a:t>2019/12/10</a:t>
+              <a:t>2019/12/13</a:t>
             </a:fld>
             <a:endParaRPr kumimoji="1" lang="ja-JP" altLang="en-US"/>
           </a:p>
@@ -1911,7 +1912,7 @@
           <a:p>
             <a:fld id="{83203CE9-A62D-D54F-B5B8-E5081BC50FF5}" type="datetime1">
               <a:rPr kumimoji="1" lang="ja-JP" altLang="en-US" smtClean="0"/>
-              <a:t>2019/12/10</a:t>
+              <a:t>2019/12/13</a:t>
             </a:fld>
             <a:endParaRPr kumimoji="1" lang="ja-JP" altLang="en-US"/>
           </a:p>
@@ -2337,7 +2338,7 @@
           <a:p>
             <a:fld id="{8DF792D3-1EAE-B941-8FA8-A45BDC58D538}" type="datetime1">
               <a:rPr kumimoji="1" lang="ja-JP" altLang="en-US" smtClean="0"/>
-              <a:t>2019/12/10</a:t>
+              <a:t>2019/12/13</a:t>
             </a:fld>
             <a:endParaRPr kumimoji="1" lang="ja-JP" altLang="en-US"/>
           </a:p>
@@ -2450,7 +2451,7 @@
           <a:p>
             <a:fld id="{A2976D4D-D591-7843-A186-DB885C000B62}" type="datetime1">
               <a:rPr kumimoji="1" lang="ja-JP" altLang="en-US" smtClean="0"/>
-              <a:t>2019/12/10</a:t>
+              <a:t>2019/12/13</a:t>
             </a:fld>
             <a:endParaRPr kumimoji="1" lang="ja-JP" altLang="en-US"/>
           </a:p>
@@ -2540,7 +2541,7 @@
           <a:p>
             <a:fld id="{71E10034-284E-534E-87ED-A26A40A9A5A4}" type="datetime1">
               <a:rPr kumimoji="1" lang="ja-JP" altLang="en-US" smtClean="0"/>
-              <a:t>2019/12/10</a:t>
+              <a:t>2019/12/13</a:t>
             </a:fld>
             <a:endParaRPr kumimoji="1" lang="ja-JP" altLang="en-US"/>
           </a:p>
@@ -2844,7 +2845,7 @@
           <a:p>
             <a:fld id="{1FB2FB92-4CFC-BF4B-81B2-16888C599581}" type="datetime1">
               <a:rPr kumimoji="1" lang="ja-JP" altLang="en-US" smtClean="0"/>
-              <a:t>2019/12/10</a:t>
+              <a:t>2019/12/13</a:t>
             </a:fld>
             <a:endParaRPr kumimoji="1" lang="ja-JP" altLang="en-US"/>
           </a:p>
@@ -3096,7 +3097,7 @@
           <a:p>
             <a:fld id="{43AF2432-0CDD-C544-BAB3-85372DA356EC}" type="datetime1">
               <a:rPr kumimoji="1" lang="ja-JP" altLang="en-US" smtClean="0"/>
-              <a:t>2019/12/10</a:t>
+              <a:t>2019/12/13</a:t>
             </a:fld>
             <a:endParaRPr kumimoji="1" lang="ja-JP" altLang="en-US"/>
           </a:p>
@@ -3336,7 +3337,7 @@
           <a:p>
             <a:fld id="{4A801117-FCED-794E-BE88-16E7FC9A3D9F}" type="datetime1">
               <a:rPr kumimoji="1" lang="ja-JP" altLang="en-US" smtClean="0"/>
-              <a:t>2019/12/10</a:t>
+              <a:t>2019/12/13</a:t>
             </a:fld>
             <a:endParaRPr kumimoji="1" lang="ja-JP" altLang="en-US"/>
           </a:p>
@@ -30378,7 +30379,7 @@
         </p:nvSpPr>
         <p:spPr>
           <a:xfrm>
-            <a:off x="1015039" y="1919680"/>
+            <a:off x="1015039" y="2148280"/>
             <a:ext cx="6300162" cy="307777"/>
           </a:xfrm>
           <a:prstGeom prst="rect">
@@ -30422,7 +30423,7 @@
         </p:nvSpPr>
         <p:spPr>
           <a:xfrm>
-            <a:off x="735011" y="1245066"/>
+            <a:off x="735011" y="1473666"/>
             <a:ext cx="7581902" cy="646331"/>
           </a:xfrm>
           <a:prstGeom prst="rect">
@@ -30458,7 +30459,7 @@
         </p:nvSpPr>
         <p:spPr>
           <a:xfrm>
-            <a:off x="792163" y="2271382"/>
+            <a:off x="792163" y="2499982"/>
             <a:ext cx="7488237" cy="1754326"/>
           </a:xfrm>
           <a:prstGeom prst="rect">
@@ -30499,10 +30500,10 @@
       </p:sp>
       <p:sp>
         <p:nvSpPr>
-          <p:cNvPr id="8" name="テキスト ボックス 7">
-            <a:extLst>
-              <a:ext uri="{FF2B5EF4-FFF2-40B4-BE49-F238E27FC236}">
-                <a16:creationId xmlns:a16="http://schemas.microsoft.com/office/drawing/2014/main" id="{FA503598-1525-BE44-9C83-93001A56A151}"/>
+          <p:cNvPr id="9" name="テキスト ボックス 8">
+            <a:extLst>
+              <a:ext uri="{FF2B5EF4-FFF2-40B4-BE49-F238E27FC236}">
+                <a16:creationId xmlns:a16="http://schemas.microsoft.com/office/drawing/2014/main" id="{0FF33FBD-831C-FA4C-AEBC-A6600DE38194}"/>
               </a:ext>
             </a:extLst>
           </p:cNvPr>
@@ -30511,96 +30512,7 @@
         </p:nvSpPr>
         <p:spPr>
           <a:xfrm>
-            <a:off x="757238" y="4587548"/>
-            <a:ext cx="7523162" cy="1754326"/>
-          </a:xfrm>
-          <a:prstGeom prst="rect">
-            <a:avLst/>
-          </a:prstGeom>
-          <a:noFill/>
-        </p:spPr>
-        <p:txBody>
-          <a:bodyPr wrap="square" rtlCol="0">
-            <a:spAutoFit/>
-          </a:bodyPr>
-          <a:lstStyle/>
-          <a:p>
-            <a:r>
-              <a:rPr lang="en-US" altLang="ja-JP" dirty="0" err="1"/>
-              <a:t>MakePES</a:t>
-            </a:r>
-            <a:r>
-              <a:rPr lang="en-US" altLang="ja-JP" dirty="0"/>
-              <a:t> looks for PES data (pot files and </a:t>
-            </a:r>
-            <a:r>
-              <a:rPr lang="en-US" altLang="ja-JP" dirty="0" err="1"/>
-              <a:t>mopfile</a:t>
-            </a:r>
-            <a:r>
-              <a:rPr lang="en-US" altLang="ja-JP" dirty="0"/>
-              <a:t>) and </a:t>
-            </a:r>
-            <a:r>
-              <a:rPr lang="en-US" altLang="ja-JP" dirty="0" err="1"/>
-              <a:t>minfo</a:t>
-            </a:r>
-            <a:r>
-              <a:rPr lang="en-US" altLang="ja-JP" dirty="0"/>
-              <a:t> files in a “</a:t>
-            </a:r>
-            <a:r>
-              <a:rPr lang="en-US" altLang="ja-JP" dirty="0" err="1"/>
-              <a:t>minfo.files</a:t>
-            </a:r>
-            <a:r>
-              <a:rPr lang="en-US" altLang="ja-JP" dirty="0"/>
-              <a:t>” directory before starting electronic structure jobs. The job is skipped if a </a:t>
-            </a:r>
-            <a:r>
-              <a:rPr lang="en-US" altLang="ja-JP" dirty="0" err="1"/>
-              <a:t>minfo</a:t>
-            </a:r>
-            <a:r>
-              <a:rPr lang="en-US" altLang="ja-JP" dirty="0"/>
-              <a:t> file is found, and starts from a point where it ended before. </a:t>
-            </a:r>
-          </a:p>
-          <a:p>
-            <a:endParaRPr lang="en-US" altLang="ja-JP" dirty="0"/>
-          </a:p>
-          <a:p>
-            <a:r>
-              <a:rPr lang="en-US" altLang="ja-JP" dirty="0"/>
-              <a:t>Note that, for this reason, you have to move the PES data and the “</a:t>
-            </a:r>
-            <a:r>
-              <a:rPr lang="en-US" altLang="ja-JP" dirty="0" err="1"/>
-              <a:t>minfo.files</a:t>
-            </a:r>
-            <a:r>
-              <a:rPr lang="en-US" altLang="ja-JP" dirty="0"/>
-              <a:t>” directory to start a fresh new job.</a:t>
-            </a:r>
-            <a:endParaRPr lang="ja-JP" altLang="en-US"/>
-          </a:p>
-        </p:txBody>
-      </p:sp>
-      <p:sp>
-        <p:nvSpPr>
-          <p:cNvPr id="9" name="テキスト ボックス 8">
-            <a:extLst>
-              <a:ext uri="{FF2B5EF4-FFF2-40B4-BE49-F238E27FC236}">
-                <a16:creationId xmlns:a16="http://schemas.microsoft.com/office/drawing/2014/main" id="{0FF33FBD-831C-FA4C-AEBC-A6600DE38194}"/>
-              </a:ext>
-            </a:extLst>
-          </p:cNvPr>
-          <p:cNvSpPr txBox="1"/>
-          <p:nvPr/>
-        </p:nvSpPr>
-        <p:spPr>
-          <a:xfrm>
-            <a:off x="754063" y="822325"/>
+            <a:off x="754063" y="1050925"/>
             <a:ext cx="2744469" cy="369332"/>
           </a:xfrm>
           <a:prstGeom prst="rect">
@@ -30617,42 +30529,6 @@
             <a:r>
               <a:rPr lang="en-US" altLang="ja-JP" dirty="0"/>
               <a:t>4.1. How to terminate jobs.</a:t>
-            </a:r>
-            <a:endParaRPr kumimoji="1" lang="ja-JP" altLang="en-US"/>
-          </a:p>
-        </p:txBody>
-      </p:sp>
-      <p:sp>
-        <p:nvSpPr>
-          <p:cNvPr id="10" name="テキスト ボックス 9">
-            <a:extLst>
-              <a:ext uri="{FF2B5EF4-FFF2-40B4-BE49-F238E27FC236}">
-                <a16:creationId xmlns:a16="http://schemas.microsoft.com/office/drawing/2014/main" id="{5BB2942E-21A1-3E4B-9CB8-2ED38CCEC265}"/>
-              </a:ext>
-            </a:extLst>
-          </p:cNvPr>
-          <p:cNvSpPr txBox="1"/>
-          <p:nvPr/>
-        </p:nvSpPr>
-        <p:spPr>
-          <a:xfrm>
-            <a:off x="754063" y="4221212"/>
-            <a:ext cx="2717090" cy="369332"/>
-          </a:xfrm>
-          <a:prstGeom prst="rect">
-            <a:avLst/>
-          </a:prstGeom>
-          <a:noFill/>
-        </p:spPr>
-        <p:txBody>
-          <a:bodyPr wrap="none" rtlCol="0">
-            <a:spAutoFit/>
-          </a:bodyPr>
-          <a:lstStyle/>
-          <a:p>
-            <a:r>
-              <a:rPr lang="en-US" altLang="ja-JP" dirty="0"/>
-              <a:t>4.2. How to restart the job.</a:t>
             </a:r>
             <a:endParaRPr kumimoji="1" lang="ja-JP" altLang="en-US"/>
           </a:p>
@@ -30693,7 +30569,7 @@
           <p:cNvPr id="2" name="スライド番号プレースホルダー 1">
             <a:extLst>
               <a:ext uri="{FF2B5EF4-FFF2-40B4-BE49-F238E27FC236}">
-                <a16:creationId xmlns:a16="http://schemas.microsoft.com/office/drawing/2014/main" id="{184497B3-0618-6243-88FD-E4131942530C}"/>
+                <a16:creationId xmlns:a16="http://schemas.microsoft.com/office/drawing/2014/main" id="{D9C0B2B2-10B2-A840-8304-837297A6A0E0}"/>
               </a:ext>
             </a:extLst>
           </p:cNvPr>
@@ -30719,10 +30595,10 @@
       </p:sp>
       <p:sp>
         <p:nvSpPr>
-          <p:cNvPr id="3" name="テキスト ボックス 2">
-            <a:extLst>
-              <a:ext uri="{FF2B5EF4-FFF2-40B4-BE49-F238E27FC236}">
-                <a16:creationId xmlns:a16="http://schemas.microsoft.com/office/drawing/2014/main" id="{DFB52E3E-5FD7-6A42-BFB3-426259C1D2EF}"/>
+          <p:cNvPr id="4" name="テキスト ボックス 3">
+            <a:extLst>
+              <a:ext uri="{FF2B5EF4-FFF2-40B4-BE49-F238E27FC236}">
+                <a16:creationId xmlns:a16="http://schemas.microsoft.com/office/drawing/2014/main" id="{285D9A96-58E6-4348-A2E6-A9BBE1AABE5F}"/>
               </a:ext>
             </a:extLst>
           </p:cNvPr>
@@ -30731,8 +30607,146 @@
         </p:nvSpPr>
         <p:spPr>
           <a:xfrm>
-            <a:off x="391885" y="171448"/>
-            <a:ext cx="1862433" cy="461665"/>
+            <a:off x="757238" y="815648"/>
+            <a:ext cx="7523162" cy="3693319"/>
+          </a:xfrm>
+          <a:prstGeom prst="rect">
+            <a:avLst/>
+          </a:prstGeom>
+          <a:noFill/>
+        </p:spPr>
+        <p:txBody>
+          <a:bodyPr wrap="square" rtlCol="0">
+            <a:spAutoFit/>
+          </a:bodyPr>
+          <a:lstStyle/>
+          <a:p>
+            <a:r>
+              <a:rPr lang="en-US" altLang="ja-JP" dirty="0" err="1"/>
+              <a:t>MakePES</a:t>
+            </a:r>
+            <a:r>
+              <a:rPr lang="en-US" altLang="ja-JP" dirty="0"/>
+              <a:t> looks for PES data (pot files and </a:t>
+            </a:r>
+            <a:r>
+              <a:rPr lang="en-US" altLang="ja-JP" dirty="0" err="1"/>
+              <a:t>mopfile</a:t>
+            </a:r>
+            <a:r>
+              <a:rPr lang="en-US" altLang="ja-JP" dirty="0"/>
+              <a:t>) and </a:t>
+            </a:r>
+            <a:r>
+              <a:rPr lang="en-US" altLang="ja-JP" dirty="0" err="1"/>
+              <a:t>minfo</a:t>
+            </a:r>
+            <a:r>
+              <a:rPr lang="en-US" altLang="ja-JP" dirty="0"/>
+              <a:t> files in a “</a:t>
+            </a:r>
+            <a:r>
+              <a:rPr lang="en-US" altLang="ja-JP" dirty="0" err="1"/>
+              <a:t>minfo.files</a:t>
+            </a:r>
+            <a:r>
+              <a:rPr lang="en-US" altLang="ja-JP" dirty="0"/>
+              <a:t>” directory before starting electronic structure jobs. The job is skipped if a </a:t>
+            </a:r>
+            <a:r>
+              <a:rPr lang="en-US" altLang="ja-JP" dirty="0" err="1"/>
+              <a:t>minfo</a:t>
+            </a:r>
+            <a:r>
+              <a:rPr lang="en-US" altLang="ja-JP" dirty="0"/>
+              <a:t> file is found, and starts from a point where it ended before. </a:t>
+            </a:r>
+          </a:p>
+          <a:p>
+            <a:endParaRPr lang="en-US" altLang="ja-JP" dirty="0"/>
+          </a:p>
+          <a:p>
+            <a:r>
+              <a:rPr lang="en-US" altLang="ja-JP" dirty="0"/>
+              <a:t>The same logic applies to a generic mode. </a:t>
+            </a:r>
+            <a:r>
+              <a:rPr lang="en-US" altLang="ja-JP" dirty="0" err="1"/>
+              <a:t>MakePES</a:t>
+            </a:r>
+            <a:r>
+              <a:rPr lang="en-US" altLang="ja-JP" dirty="0"/>
+              <a:t> looks for PES data, </a:t>
+            </a:r>
+            <a:r>
+              <a:rPr lang="en-US" altLang="ja-JP" dirty="0" err="1"/>
+              <a:t>minfo</a:t>
+            </a:r>
+            <a:r>
+              <a:rPr lang="en-US" altLang="ja-JP" dirty="0"/>
+              <a:t> files, and a grid data file (e.g., </a:t>
+            </a:r>
+            <a:r>
+              <a:rPr lang="en-US" altLang="ja-JP" dirty="0" err="1"/>
+              <a:t>makeGrid.dat</a:t>
+            </a:r>
+            <a:r>
+              <a:rPr lang="en-US" altLang="ja-JP" dirty="0"/>
+              <a:t>), and writes to a </a:t>
+            </a:r>
+            <a:r>
+              <a:rPr lang="en-US" altLang="ja-JP" dirty="0" err="1"/>
+              <a:t>xyz</a:t>
+            </a:r>
+            <a:r>
+              <a:rPr lang="en-US" altLang="ja-JP" dirty="0"/>
+              <a:t> file the coordinates of grid points that still need to calculate the energy, gradient, etc. Note that the </a:t>
+            </a:r>
+            <a:r>
+              <a:rPr lang="en-US" altLang="ja-JP" dirty="0" err="1"/>
+              <a:t>xyz</a:t>
+            </a:r>
+            <a:r>
+              <a:rPr lang="en-US" altLang="ja-JP" dirty="0"/>
+              <a:t> file, if exists, will be saved with an extension of xyz_0. In a generic mode, the PES data (mop/pot files) are generated only when the information of all grid points are provided.</a:t>
+            </a:r>
+          </a:p>
+          <a:p>
+            <a:endParaRPr lang="en-US" altLang="ja-JP" dirty="0"/>
+          </a:p>
+          <a:p>
+            <a:r>
+              <a:rPr lang="en-US" altLang="ja-JP" dirty="0"/>
+              <a:t>Note that, for this reason, you have to remove the PES </a:t>
+            </a:r>
+            <a:r>
+              <a:rPr lang="en-US" altLang="ja-JP"/>
+              <a:t>data to </a:t>
+            </a:r>
+            <a:r>
+              <a:rPr lang="en-US" altLang="ja-JP" dirty="0"/>
+              <a:t>start a fresh new job.</a:t>
+            </a:r>
+            <a:endParaRPr lang="ja-JP" altLang="en-US"/>
+          </a:p>
+        </p:txBody>
+      </p:sp>
+      <p:sp>
+        <p:nvSpPr>
+          <p:cNvPr id="5" name="テキスト ボックス 4">
+            <a:extLst>
+              <a:ext uri="{FF2B5EF4-FFF2-40B4-BE49-F238E27FC236}">
+                <a16:creationId xmlns:a16="http://schemas.microsoft.com/office/drawing/2014/main" id="{B67B15FE-5D93-A14E-82D0-7543B9499CA7}"/>
+              </a:ext>
+            </a:extLst>
+          </p:cNvPr>
+          <p:cNvSpPr txBox="1"/>
+          <p:nvPr/>
+        </p:nvSpPr>
+        <p:spPr>
+          <a:xfrm>
+            <a:off x="754063" y="449312"/>
+            <a:ext cx="2513509" cy="369332"/>
           </a:xfrm>
           <a:prstGeom prst="rect">
             <a:avLst/>
@@ -30745,389 +30759,18 @@
           </a:bodyPr>
           <a:lstStyle/>
           <a:p>
-            <a:pPr>
-              <a:defRPr/>
-            </a:pPr>
-            <a:r>
-              <a:rPr lang="en-US" altLang="ja-JP" sz="2400" dirty="0">
-                <a:solidFill>
-                  <a:srgbClr val="000000"/>
-                </a:solidFill>
-                <a:cs typeface="メイリオ" charset="-128"/>
-              </a:rPr>
-              <a:t>5. References</a:t>
-            </a:r>
-          </a:p>
-        </p:txBody>
-      </p:sp>
-      <p:cxnSp>
-        <p:nvCxnSpPr>
-          <p:cNvPr id="4" name="直線コネクタ 3">
-            <a:extLst>
-              <a:ext uri="{FF2B5EF4-FFF2-40B4-BE49-F238E27FC236}">
-                <a16:creationId xmlns:a16="http://schemas.microsoft.com/office/drawing/2014/main" id="{100E2B2A-9268-9145-A2F7-C52DBBC13E81}"/>
-              </a:ext>
-            </a:extLst>
-          </p:cNvPr>
-          <p:cNvCxnSpPr>
-            <a:cxnSpLocks/>
-          </p:cNvCxnSpPr>
-          <p:nvPr/>
-        </p:nvCxnSpPr>
-        <p:spPr>
-          <a:xfrm>
-            <a:off x="257175" y="700082"/>
-            <a:ext cx="8415338" cy="0"/>
-          </a:xfrm>
-          <a:prstGeom prst="line">
-            <a:avLst/>
-          </a:prstGeom>
-          <a:ln>
-            <a:solidFill>
-              <a:schemeClr val="tx1"/>
-            </a:solidFill>
-          </a:ln>
-        </p:spPr>
-        <p:style>
-          <a:lnRef idx="1">
-            <a:schemeClr val="accent1"/>
-          </a:lnRef>
-          <a:fillRef idx="0">
-            <a:schemeClr val="accent1"/>
-          </a:fillRef>
-          <a:effectRef idx="0">
-            <a:schemeClr val="accent1"/>
-          </a:effectRef>
-          <a:fontRef idx="minor">
-            <a:schemeClr val="tx1"/>
-          </a:fontRef>
-        </p:style>
-      </p:cxnSp>
-      <p:sp>
-        <p:nvSpPr>
-          <p:cNvPr id="5" name="テキスト ボックス 4">
-            <a:extLst>
-              <a:ext uri="{FF2B5EF4-FFF2-40B4-BE49-F238E27FC236}">
-                <a16:creationId xmlns:a16="http://schemas.microsoft.com/office/drawing/2014/main" id="{9CF4F37D-0626-A14D-9F47-9FF472093F47}"/>
-              </a:ext>
-            </a:extLst>
-          </p:cNvPr>
-          <p:cNvSpPr txBox="1"/>
-          <p:nvPr/>
-        </p:nvSpPr>
-        <p:spPr>
-          <a:xfrm>
-            <a:off x="792163" y="757234"/>
-            <a:ext cx="7524750" cy="5632311"/>
-          </a:xfrm>
-          <a:prstGeom prst="rect">
-            <a:avLst/>
-          </a:prstGeom>
-          <a:noFill/>
-        </p:spPr>
-        <p:txBody>
-          <a:bodyPr wrap="square" rtlCol="0">
-            <a:spAutoFit/>
-          </a:bodyPr>
-          <a:lstStyle/>
-          <a:p>
             <a:r>
               <a:rPr lang="en-US" altLang="ja-JP" dirty="0"/>
-              <a:t>QFF</a:t>
-            </a:r>
-          </a:p>
-          <a:p>
-            <a:pPr marL="312738" indent="-312738"/>
-            <a:r>
-              <a:rPr lang="en-US" altLang="ja-JP" dirty="0"/>
-              <a:t>[1] Ab initio vibrational state </a:t>
-            </a:r>
-            <a:r>
-              <a:rPr lang="en-US" altLang="ja-JP" dirty="0" err="1"/>
-              <a:t>caluclations</a:t>
-            </a:r>
-            <a:r>
-              <a:rPr lang="en-US" altLang="ja-JP" dirty="0"/>
-              <a:t> with a quartic force field: Applications to H</a:t>
-            </a:r>
-            <a:r>
-              <a:rPr lang="en-US" altLang="ja-JP" baseline="-25000" dirty="0"/>
-              <a:t>2</a:t>
-            </a:r>
-            <a:r>
-              <a:rPr lang="en-US" altLang="ja-JP" dirty="0"/>
-              <a:t>CO, C</a:t>
-            </a:r>
-            <a:r>
-              <a:rPr lang="en-US" altLang="ja-JP" baseline="-25000" dirty="0"/>
-              <a:t>2</a:t>
-            </a:r>
-            <a:r>
-              <a:rPr lang="en-US" altLang="ja-JP" dirty="0"/>
-              <a:t>H</a:t>
-            </a:r>
-            <a:r>
-              <a:rPr lang="en-US" altLang="ja-JP" baseline="-25000" dirty="0"/>
-              <a:t>4</a:t>
-            </a:r>
-            <a:r>
-              <a:rPr lang="en-US" altLang="ja-JP" dirty="0"/>
-              <a:t>, CH</a:t>
-            </a:r>
-            <a:r>
-              <a:rPr lang="en-US" altLang="ja-JP" baseline="-25000" dirty="0"/>
-              <a:t>3</a:t>
-            </a:r>
-            <a:r>
-              <a:rPr lang="en-US" altLang="ja-JP" dirty="0"/>
-              <a:t>OH, CH</a:t>
-            </a:r>
-            <a:r>
-              <a:rPr lang="en-US" altLang="ja-JP" baseline="-25000" dirty="0"/>
-              <a:t>3</a:t>
-            </a:r>
-            <a:r>
-              <a:rPr lang="en-US" altLang="ja-JP" dirty="0"/>
-              <a:t>CCH, and C</a:t>
-            </a:r>
-            <a:r>
-              <a:rPr lang="en-US" altLang="ja-JP" baseline="-25000" dirty="0"/>
-              <a:t>6</a:t>
-            </a:r>
-            <a:r>
-              <a:rPr lang="en-US" altLang="ja-JP" dirty="0"/>
-              <a:t>H</a:t>
-            </a:r>
-            <a:r>
-              <a:rPr lang="en-US" altLang="ja-JP" baseline="-25000" dirty="0"/>
-              <a:t>6</a:t>
-            </a:r>
-            <a:r>
-              <a:rPr lang="en-US" altLang="ja-JP" dirty="0"/>
-              <a:t>,</a:t>
-            </a:r>
-            <a:br>
-              <a:rPr lang="en-US" altLang="ja-JP" dirty="0"/>
-            </a:br>
-            <a:r>
-              <a:rPr lang="en-US" altLang="ja-JP" dirty="0"/>
-              <a:t>K. Yagi, K. </a:t>
-            </a:r>
-            <a:r>
-              <a:rPr lang="en-US" altLang="ja-JP" dirty="0" err="1"/>
-              <a:t>Hirao</a:t>
-            </a:r>
-            <a:r>
-              <a:rPr lang="en-US" altLang="ja-JP" dirty="0"/>
-              <a:t>, T. </a:t>
-            </a:r>
-            <a:r>
-              <a:rPr lang="en-US" altLang="ja-JP" dirty="0" err="1"/>
-              <a:t>Taketsugu</a:t>
-            </a:r>
-            <a:r>
-              <a:rPr lang="en-US" altLang="ja-JP" dirty="0"/>
-              <a:t>, M. W. Schmidt, and M. S. Gordon, </a:t>
-            </a:r>
-            <a:br>
-              <a:rPr lang="en-US" altLang="ja-JP" dirty="0"/>
-            </a:br>
-            <a:r>
-              <a:rPr lang="en-US" altLang="ja-JP" dirty="0"/>
-              <a:t>J. Chem. Phys. </a:t>
-            </a:r>
-            <a:r>
-              <a:rPr lang="en-US" altLang="ja-JP" b="1" dirty="0"/>
-              <a:t>121</a:t>
-            </a:r>
-            <a:r>
-              <a:rPr lang="en-US" altLang="ja-JP" dirty="0"/>
-              <a:t>, 1383 (2004).</a:t>
-            </a:r>
-          </a:p>
-          <a:p>
-            <a:endParaRPr lang="en-US" altLang="ja-JP" dirty="0"/>
-          </a:p>
-          <a:p>
-            <a:r>
-              <a:rPr lang="en-US" altLang="ja-JP" dirty="0"/>
-              <a:t>Grid-PES</a:t>
-            </a:r>
-          </a:p>
-          <a:p>
-            <a:pPr marL="312738" indent="-312738"/>
-            <a:r>
-              <a:rPr lang="en-US" altLang="ja-JP" dirty="0"/>
-              <a:t>[2] Direct vibrational self-consistent field method: Applications to H</a:t>
-            </a:r>
-            <a:r>
-              <a:rPr lang="en-US" altLang="ja-JP" baseline="-25000" dirty="0"/>
-              <a:t>2</a:t>
-            </a:r>
-            <a:r>
-              <a:rPr lang="en-US" altLang="ja-JP" dirty="0"/>
-              <a:t>O and H</a:t>
-            </a:r>
-            <a:r>
-              <a:rPr lang="en-US" altLang="ja-JP" baseline="-25000" dirty="0"/>
-              <a:t>2</a:t>
-            </a:r>
-            <a:r>
-              <a:rPr lang="en-US" altLang="ja-JP" dirty="0"/>
-              <a:t>CO,</a:t>
-            </a:r>
-            <a:br>
-              <a:rPr lang="en-US" altLang="ja-JP" dirty="0"/>
-            </a:br>
-            <a:r>
-              <a:rPr lang="en-US" altLang="ja-JP" dirty="0"/>
-              <a:t>K. Yagi, T. </a:t>
-            </a:r>
-            <a:r>
-              <a:rPr lang="en-US" altLang="ja-JP" dirty="0" err="1"/>
-              <a:t>Taketsugu</a:t>
-            </a:r>
-            <a:r>
-              <a:rPr lang="en-US" altLang="ja-JP" dirty="0"/>
-              <a:t>, K. </a:t>
-            </a:r>
-            <a:r>
-              <a:rPr lang="en-US" altLang="ja-JP" dirty="0" err="1"/>
-              <a:t>Hirao</a:t>
-            </a:r>
-            <a:r>
-              <a:rPr lang="en-US" altLang="ja-JP" dirty="0"/>
-              <a:t>, and M. S. Gordon,</a:t>
-            </a:r>
-            <a:br>
-              <a:rPr lang="en-US" altLang="ja-JP" dirty="0"/>
-            </a:br>
-            <a:r>
-              <a:rPr lang="en-US" altLang="ja-JP" dirty="0"/>
-              <a:t>J. Chem. Phys. </a:t>
-            </a:r>
-            <a:r>
-              <a:rPr lang="en-US" altLang="ja-JP" b="1" dirty="0"/>
-              <a:t>113</a:t>
-            </a:r>
-            <a:r>
-              <a:rPr lang="en-US" altLang="ja-JP" dirty="0"/>
-              <a:t>, 1005 (2000).</a:t>
-            </a:r>
-          </a:p>
-          <a:p>
-            <a:endParaRPr kumimoji="1" lang="en-US" altLang="ja-JP" dirty="0"/>
-          </a:p>
-          <a:p>
-            <a:r>
-              <a:rPr lang="en-US" altLang="ja-JP" dirty="0"/>
-              <a:t>Multiresolution PES</a:t>
-            </a:r>
-          </a:p>
-          <a:p>
-            <a:pPr marL="312738" indent="-312738"/>
-            <a:r>
-              <a:rPr kumimoji="1" lang="en-US" altLang="ja-JP" dirty="0"/>
-              <a:t>[3] Multiresolution potential energy surfaces for </a:t>
-            </a:r>
-            <a:r>
-              <a:rPr lang="en-US" altLang="ja-JP" dirty="0"/>
-              <a:t>vibrational state calculations,</a:t>
-            </a:r>
-            <a:br>
-              <a:rPr lang="en-US" altLang="ja-JP" dirty="0"/>
-            </a:br>
-            <a:r>
-              <a:rPr lang="en-US" altLang="ja-JP" dirty="0"/>
-              <a:t>K. Yagi, S. Hirata, and K. </a:t>
-            </a:r>
-            <a:r>
-              <a:rPr lang="en-US" altLang="ja-JP" dirty="0" err="1"/>
-              <a:t>Hirao</a:t>
-            </a:r>
-            <a:r>
-              <a:rPr lang="en-US" altLang="ja-JP" dirty="0"/>
-              <a:t>,</a:t>
-            </a:r>
-            <a:br>
-              <a:rPr lang="en-US" altLang="ja-JP" dirty="0"/>
-            </a:br>
-            <a:r>
-              <a:rPr lang="en-US" altLang="ja-JP" dirty="0" err="1"/>
-              <a:t>Theor</a:t>
-            </a:r>
-            <a:r>
-              <a:rPr lang="en-US" altLang="ja-JP" dirty="0"/>
-              <a:t>. Chem. Acc. </a:t>
-            </a:r>
-            <a:r>
-              <a:rPr lang="en-US" altLang="ja-JP" b="1" dirty="0"/>
-              <a:t>118</a:t>
-            </a:r>
-            <a:r>
-              <a:rPr lang="en-US" altLang="ja-JP" dirty="0"/>
-              <a:t>, 681 (2007).</a:t>
-            </a:r>
-          </a:p>
-          <a:p>
-            <a:pPr marL="312738" indent="-312738"/>
-            <a:r>
-              <a:rPr kumimoji="1" lang="en-US" altLang="ja-JP" dirty="0"/>
-              <a:t>[4] On the coupling strength in potential energy surfaces for vibrational calculations,</a:t>
-            </a:r>
-            <a:br>
-              <a:rPr kumimoji="1" lang="en-US" altLang="ja-JP" dirty="0"/>
-            </a:br>
-            <a:r>
-              <a:rPr lang="en-US" altLang="ja-JP" dirty="0"/>
-              <a:t>P. Seidler, T. </a:t>
-            </a:r>
-            <a:r>
-              <a:rPr lang="en-US" altLang="ja-JP" dirty="0" err="1"/>
-              <a:t>Kaga</a:t>
-            </a:r>
-            <a:r>
-              <a:rPr lang="en-US" altLang="ja-JP" dirty="0"/>
-              <a:t>, K. Yagi, O. </a:t>
-            </a:r>
-            <a:r>
-              <a:rPr lang="en-US" altLang="ja-JP" dirty="0" err="1"/>
-              <a:t>Christianse</a:t>
-            </a:r>
-            <a:r>
-              <a:rPr lang="en-US" altLang="ja-JP" dirty="0"/>
-              <a:t>, and K. </a:t>
-            </a:r>
-            <a:r>
-              <a:rPr lang="en-US" altLang="ja-JP" dirty="0" err="1"/>
-              <a:t>Hirao</a:t>
-            </a:r>
-            <a:r>
-              <a:rPr lang="en-US" altLang="ja-JP" dirty="0"/>
-              <a:t>,</a:t>
-            </a:r>
-            <a:br>
-              <a:rPr lang="en-US" altLang="ja-JP" dirty="0"/>
-            </a:br>
-            <a:r>
-              <a:rPr lang="en-US" altLang="ja-JP" dirty="0"/>
-              <a:t>Chem. Phys. Lett. </a:t>
-            </a:r>
-            <a:r>
-              <a:rPr lang="en-US" altLang="ja-JP" b="1" dirty="0"/>
-              <a:t>483</a:t>
-            </a:r>
-            <a:r>
-              <a:rPr lang="en-US" altLang="ja-JP" dirty="0"/>
-              <a:t>, 138 (2009).</a:t>
-            </a:r>
+              <a:t>4.2. How to restart a job.</a:t>
+            </a:r>
+            <a:endParaRPr kumimoji="1" lang="ja-JP" altLang="en-US"/>
           </a:p>
         </p:txBody>
       </p:sp>
     </p:spTree>
     <p:extLst>
       <p:ext uri="{BB962C8B-B14F-4D97-AF65-F5344CB8AC3E}">
-        <p14:creationId xmlns:p14="http://schemas.microsoft.com/office/powerpoint/2010/main" val="1072963333"/>
+        <p14:creationId xmlns:p14="http://schemas.microsoft.com/office/powerpoint/2010/main" val="113946232"/>
       </p:ext>
     </p:extLst>
   </p:cSld>
@@ -31156,220 +30799,13 @@
       </p:grpSpPr>
       <p:sp>
         <p:nvSpPr>
-          <p:cNvPr id="35841" name="タイトル 2"/>
-          <p:cNvSpPr>
-            <a:spLocks noGrp="1"/>
-          </p:cNvSpPr>
-          <p:nvPr>
-            <p:ph type="title"/>
-          </p:nvPr>
-        </p:nvSpPr>
-        <p:spPr/>
-        <p:txBody>
-          <a:bodyPr/>
-          <a:lstStyle/>
-          <a:p>
-            <a:r>
-              <a:rPr lang="en-US" altLang="ja-JP" dirty="0">
-                <a:cs typeface="メイリオ" charset="-128"/>
-              </a:rPr>
-              <a:t>Appendix: List of all keys</a:t>
-            </a:r>
-            <a:endParaRPr lang="ja-JP" altLang="en-US" dirty="0">
-              <a:cs typeface="メイリオ" charset="-128"/>
-            </a:endParaRPr>
-          </a:p>
-        </p:txBody>
-      </p:sp>
-      <p:sp>
-        <p:nvSpPr>
-          <p:cNvPr id="4" name="テキスト ボックス 3"/>
-          <p:cNvSpPr txBox="1"/>
-          <p:nvPr/>
-        </p:nvSpPr>
-        <p:spPr>
-          <a:xfrm>
-            <a:off x="914401" y="1130023"/>
-            <a:ext cx="7827665" cy="3170099"/>
-          </a:xfrm>
-          <a:prstGeom prst="rect">
-            <a:avLst/>
-          </a:prstGeom>
-          <a:noFill/>
-        </p:spPr>
-        <p:txBody>
-          <a:bodyPr wrap="square">
-            <a:spAutoFit/>
-          </a:bodyPr>
-          <a:lstStyle/>
-          <a:p>
-            <a:pPr>
-              <a:defRPr/>
-            </a:pPr>
-            <a:r>
-              <a:rPr lang="en-US" altLang="ja-JP" sz="1800" dirty="0">
-                <a:latin typeface="+mn-lt"/>
-              </a:rPr>
-              <a:t>General keys</a:t>
-            </a:r>
-          </a:p>
-          <a:p>
-            <a:pPr lvl="2">
-              <a:defRPr/>
-            </a:pPr>
-            <a:endParaRPr lang="en-US" altLang="ja-JP" sz="1400" dirty="0"/>
-          </a:p>
-          <a:p>
-            <a:pPr marL="285750" indent="-285750">
-              <a:buFont typeface="Arial" charset="0"/>
-              <a:buChar char="•"/>
-              <a:defRPr/>
-            </a:pPr>
-            <a:r>
-              <a:rPr lang="en-US" altLang="ja-JP" sz="1400" dirty="0" err="1"/>
-              <a:t>minfoFile</a:t>
-            </a:r>
-            <a:r>
-              <a:rPr lang="en-US" altLang="ja-JP" sz="1400" dirty="0"/>
-              <a:t>:  file name</a:t>
-            </a:r>
-          </a:p>
-          <a:p>
-            <a:pPr lvl="1">
-              <a:defRPr/>
-            </a:pPr>
-            <a:r>
-              <a:rPr lang="en-US" altLang="ja-JP" sz="1400" dirty="0"/>
-              <a:t>The name of </a:t>
-            </a:r>
-            <a:r>
-              <a:rPr lang="en-US" altLang="ja-JP" sz="1400" dirty="0" err="1"/>
-              <a:t>minfo</a:t>
-            </a:r>
-            <a:r>
-              <a:rPr lang="en-US" altLang="ja-JP" sz="1400" dirty="0"/>
-              <a:t> file containing the vibrational data. The value is </a:t>
-            </a:r>
-            <a:r>
-              <a:rPr lang="en-US" altLang="ja-JP" sz="1400" u="sng" dirty="0"/>
-              <a:t>case sensitive</a:t>
-            </a:r>
-            <a:r>
-              <a:rPr lang="en-US" altLang="ja-JP" sz="1400" dirty="0"/>
-              <a:t>.  </a:t>
-            </a:r>
-          </a:p>
-          <a:p>
-            <a:pPr lvl="2">
-              <a:defRPr/>
-            </a:pPr>
-            <a:endParaRPr lang="en-US" altLang="ja-JP" sz="1400" dirty="0"/>
-          </a:p>
-          <a:p>
-            <a:pPr marL="285750" indent="-285750">
-              <a:buFont typeface="Arial" charset="0"/>
-              <a:buChar char="•"/>
-              <a:defRPr/>
-            </a:pPr>
-            <a:r>
-              <a:rPr lang="en-US" altLang="ja-JP" sz="1400" dirty="0" err="1"/>
-              <a:t>minfo_folder</a:t>
-            </a:r>
-            <a:r>
-              <a:rPr lang="en-US" altLang="ja-JP" sz="1400" dirty="0"/>
-              <a:t>: folder name</a:t>
-            </a:r>
-          </a:p>
-          <a:p>
-            <a:pPr lvl="1">
-              <a:defRPr/>
-            </a:pPr>
-            <a:r>
-              <a:rPr lang="en-US" altLang="ja-JP" sz="1400" dirty="0"/>
-              <a:t>The name of a folder where generated </a:t>
-            </a:r>
-            <a:r>
-              <a:rPr lang="en-US" altLang="ja-JP" sz="1400" dirty="0" err="1"/>
-              <a:t>minfo</a:t>
-            </a:r>
-            <a:r>
-              <a:rPr lang="en-US" altLang="ja-JP" sz="1400" dirty="0"/>
-              <a:t> files will be stored. The value is </a:t>
-            </a:r>
-            <a:r>
-              <a:rPr lang="en-US" altLang="ja-JP" sz="1400" u="sng" dirty="0"/>
-              <a:t>case sensitive</a:t>
-            </a:r>
-            <a:r>
-              <a:rPr lang="en-US" altLang="ja-JP" sz="1400" dirty="0"/>
-              <a:t>.</a:t>
-            </a:r>
-          </a:p>
-          <a:p>
-            <a:pPr marL="285750" indent="-285750">
-              <a:buFont typeface="Arial" charset="0"/>
-              <a:buChar char="•"/>
-              <a:defRPr/>
-            </a:pPr>
-            <a:endParaRPr lang="en-US" altLang="ja-JP" sz="1400" dirty="0"/>
-          </a:p>
-          <a:p>
-            <a:pPr marL="285750" indent="-285750">
-              <a:buFont typeface="Arial" charset="0"/>
-              <a:buChar char="•"/>
-              <a:defRPr/>
-            </a:pPr>
-            <a:r>
-              <a:rPr lang="en-US" altLang="ja-JP" sz="1400" dirty="0"/>
-              <a:t>MR:  1/2/3</a:t>
-            </a:r>
-          </a:p>
-          <a:p>
-            <a:pPr lvl="1">
-              <a:defRPr/>
-            </a:pPr>
-            <a:r>
-              <a:rPr lang="en-US" altLang="ja-JP" sz="1400" dirty="0"/>
-              <a:t>The order of mode coupling expansion. Can take 1, 2, or 3. (default = 3) </a:t>
-            </a:r>
-          </a:p>
-          <a:p>
-            <a:pPr lvl="2">
-              <a:defRPr/>
-            </a:pPr>
-            <a:endParaRPr lang="en-US" altLang="ja-JP" sz="1400" dirty="0"/>
-          </a:p>
-          <a:p>
-            <a:pPr marL="285750" indent="-285750">
-              <a:buFont typeface="Arial" charset="0"/>
-              <a:buChar char="•"/>
-              <a:defRPr/>
-            </a:pPr>
-            <a:r>
-              <a:rPr lang="en-US" altLang="ja-JP" sz="1400" dirty="0"/>
-              <a:t>dipole: true/false</a:t>
-            </a:r>
-          </a:p>
-          <a:p>
-            <a:pPr lvl="1">
-              <a:defRPr/>
-            </a:pPr>
-            <a:r>
-              <a:rPr lang="en-US" altLang="ja-JP" sz="1400" dirty="0"/>
-              <a:t>Generates the dipole moment surface in addition to the PES, when true. (default = false)  </a:t>
-            </a:r>
-          </a:p>
-          <a:p>
-            <a:pPr lvl="1">
-              <a:defRPr/>
-            </a:pPr>
-            <a:endParaRPr lang="en-US" altLang="ja-JP" sz="1400" dirty="0"/>
-          </a:p>
-        </p:txBody>
-      </p:sp>
-      <p:sp>
-        <p:nvSpPr>
-          <p:cNvPr id="2" name="スライド番号プレースホルダー 1"/>
+          <p:cNvPr id="2" name="スライド番号プレースホルダー 1">
+            <a:extLst>
+              <a:ext uri="{FF2B5EF4-FFF2-40B4-BE49-F238E27FC236}">
+                <a16:creationId xmlns:a16="http://schemas.microsoft.com/office/drawing/2014/main" id="{184497B3-0618-6243-88FD-E4131942530C}"/>
+              </a:ext>
+            </a:extLst>
+          </p:cNvPr>
           <p:cNvSpPr>
             <a:spLocks noGrp="1"/>
           </p:cNvSpPr>
@@ -31390,10 +30826,417 @@
           </a:p>
         </p:txBody>
       </p:sp>
+      <p:sp>
+        <p:nvSpPr>
+          <p:cNvPr id="3" name="テキスト ボックス 2">
+            <a:extLst>
+              <a:ext uri="{FF2B5EF4-FFF2-40B4-BE49-F238E27FC236}">
+                <a16:creationId xmlns:a16="http://schemas.microsoft.com/office/drawing/2014/main" id="{DFB52E3E-5FD7-6A42-BFB3-426259C1D2EF}"/>
+              </a:ext>
+            </a:extLst>
+          </p:cNvPr>
+          <p:cNvSpPr txBox="1"/>
+          <p:nvPr/>
+        </p:nvSpPr>
+        <p:spPr>
+          <a:xfrm>
+            <a:off x="391885" y="171448"/>
+            <a:ext cx="1862433" cy="461665"/>
+          </a:xfrm>
+          <a:prstGeom prst="rect">
+            <a:avLst/>
+          </a:prstGeom>
+          <a:noFill/>
+        </p:spPr>
+        <p:txBody>
+          <a:bodyPr wrap="none" rtlCol="0">
+            <a:spAutoFit/>
+          </a:bodyPr>
+          <a:lstStyle/>
+          <a:p>
+            <a:pPr>
+              <a:defRPr/>
+            </a:pPr>
+            <a:r>
+              <a:rPr lang="en-US" altLang="ja-JP" sz="2400" dirty="0">
+                <a:solidFill>
+                  <a:srgbClr val="000000"/>
+                </a:solidFill>
+                <a:cs typeface="メイリオ" charset="-128"/>
+              </a:rPr>
+              <a:t>5. References</a:t>
+            </a:r>
+          </a:p>
+        </p:txBody>
+      </p:sp>
+      <p:cxnSp>
+        <p:nvCxnSpPr>
+          <p:cNvPr id="4" name="直線コネクタ 3">
+            <a:extLst>
+              <a:ext uri="{FF2B5EF4-FFF2-40B4-BE49-F238E27FC236}">
+                <a16:creationId xmlns:a16="http://schemas.microsoft.com/office/drawing/2014/main" id="{100E2B2A-9268-9145-A2F7-C52DBBC13E81}"/>
+              </a:ext>
+            </a:extLst>
+          </p:cNvPr>
+          <p:cNvCxnSpPr>
+            <a:cxnSpLocks/>
+          </p:cNvCxnSpPr>
+          <p:nvPr/>
+        </p:nvCxnSpPr>
+        <p:spPr>
+          <a:xfrm>
+            <a:off x="257175" y="700082"/>
+            <a:ext cx="8415338" cy="0"/>
+          </a:xfrm>
+          <a:prstGeom prst="line">
+            <a:avLst/>
+          </a:prstGeom>
+          <a:ln>
+            <a:solidFill>
+              <a:schemeClr val="tx1"/>
+            </a:solidFill>
+          </a:ln>
+        </p:spPr>
+        <p:style>
+          <a:lnRef idx="1">
+            <a:schemeClr val="accent1"/>
+          </a:lnRef>
+          <a:fillRef idx="0">
+            <a:schemeClr val="accent1"/>
+          </a:fillRef>
+          <a:effectRef idx="0">
+            <a:schemeClr val="accent1"/>
+          </a:effectRef>
+          <a:fontRef idx="minor">
+            <a:schemeClr val="tx1"/>
+          </a:fontRef>
+        </p:style>
+      </p:cxnSp>
+      <p:sp>
+        <p:nvSpPr>
+          <p:cNvPr id="5" name="テキスト ボックス 4">
+            <a:extLst>
+              <a:ext uri="{FF2B5EF4-FFF2-40B4-BE49-F238E27FC236}">
+                <a16:creationId xmlns:a16="http://schemas.microsoft.com/office/drawing/2014/main" id="{9CF4F37D-0626-A14D-9F47-9FF472093F47}"/>
+              </a:ext>
+            </a:extLst>
+          </p:cNvPr>
+          <p:cNvSpPr txBox="1"/>
+          <p:nvPr/>
+        </p:nvSpPr>
+        <p:spPr>
+          <a:xfrm>
+            <a:off x="792163" y="757234"/>
+            <a:ext cx="7524750" cy="5632311"/>
+          </a:xfrm>
+          <a:prstGeom prst="rect">
+            <a:avLst/>
+          </a:prstGeom>
+          <a:noFill/>
+        </p:spPr>
+        <p:txBody>
+          <a:bodyPr wrap="square" rtlCol="0">
+            <a:spAutoFit/>
+          </a:bodyPr>
+          <a:lstStyle/>
+          <a:p>
+            <a:r>
+              <a:rPr lang="en-US" altLang="ja-JP" dirty="0"/>
+              <a:t>QFF</a:t>
+            </a:r>
+          </a:p>
+          <a:p>
+            <a:pPr marL="312738" indent="-312738"/>
+            <a:r>
+              <a:rPr lang="en-US" altLang="ja-JP" dirty="0"/>
+              <a:t>[1] Ab initio vibrational state </a:t>
+            </a:r>
+            <a:r>
+              <a:rPr lang="en-US" altLang="ja-JP" dirty="0" err="1"/>
+              <a:t>caluclations</a:t>
+            </a:r>
+            <a:r>
+              <a:rPr lang="en-US" altLang="ja-JP" dirty="0"/>
+              <a:t> with a quartic force field: Applications to H</a:t>
+            </a:r>
+            <a:r>
+              <a:rPr lang="en-US" altLang="ja-JP" baseline="-25000" dirty="0"/>
+              <a:t>2</a:t>
+            </a:r>
+            <a:r>
+              <a:rPr lang="en-US" altLang="ja-JP" dirty="0"/>
+              <a:t>CO, C</a:t>
+            </a:r>
+            <a:r>
+              <a:rPr lang="en-US" altLang="ja-JP" baseline="-25000" dirty="0"/>
+              <a:t>2</a:t>
+            </a:r>
+            <a:r>
+              <a:rPr lang="en-US" altLang="ja-JP" dirty="0"/>
+              <a:t>H</a:t>
+            </a:r>
+            <a:r>
+              <a:rPr lang="en-US" altLang="ja-JP" baseline="-25000" dirty="0"/>
+              <a:t>4</a:t>
+            </a:r>
+            <a:r>
+              <a:rPr lang="en-US" altLang="ja-JP" dirty="0"/>
+              <a:t>, CH</a:t>
+            </a:r>
+            <a:r>
+              <a:rPr lang="en-US" altLang="ja-JP" baseline="-25000" dirty="0"/>
+              <a:t>3</a:t>
+            </a:r>
+            <a:r>
+              <a:rPr lang="en-US" altLang="ja-JP" dirty="0"/>
+              <a:t>OH, CH</a:t>
+            </a:r>
+            <a:r>
+              <a:rPr lang="en-US" altLang="ja-JP" baseline="-25000" dirty="0"/>
+              <a:t>3</a:t>
+            </a:r>
+            <a:r>
+              <a:rPr lang="en-US" altLang="ja-JP" dirty="0"/>
+              <a:t>CCH, and C</a:t>
+            </a:r>
+            <a:r>
+              <a:rPr lang="en-US" altLang="ja-JP" baseline="-25000" dirty="0"/>
+              <a:t>6</a:t>
+            </a:r>
+            <a:r>
+              <a:rPr lang="en-US" altLang="ja-JP" dirty="0"/>
+              <a:t>H</a:t>
+            </a:r>
+            <a:r>
+              <a:rPr lang="en-US" altLang="ja-JP" baseline="-25000" dirty="0"/>
+              <a:t>6</a:t>
+            </a:r>
+            <a:r>
+              <a:rPr lang="en-US" altLang="ja-JP" dirty="0"/>
+              <a:t>,</a:t>
+            </a:r>
+            <a:br>
+              <a:rPr lang="en-US" altLang="ja-JP" dirty="0"/>
+            </a:br>
+            <a:r>
+              <a:rPr lang="en-US" altLang="ja-JP" dirty="0"/>
+              <a:t>K. Yagi, K. </a:t>
+            </a:r>
+            <a:r>
+              <a:rPr lang="en-US" altLang="ja-JP" dirty="0" err="1"/>
+              <a:t>Hirao</a:t>
+            </a:r>
+            <a:r>
+              <a:rPr lang="en-US" altLang="ja-JP" dirty="0"/>
+              <a:t>, T. </a:t>
+            </a:r>
+            <a:r>
+              <a:rPr lang="en-US" altLang="ja-JP" dirty="0" err="1"/>
+              <a:t>Taketsugu</a:t>
+            </a:r>
+            <a:r>
+              <a:rPr lang="en-US" altLang="ja-JP" dirty="0"/>
+              <a:t>, M. W. Schmidt, and M. S. Gordon, </a:t>
+            </a:r>
+            <a:br>
+              <a:rPr lang="en-US" altLang="ja-JP" dirty="0"/>
+            </a:br>
+            <a:r>
+              <a:rPr lang="en-US" altLang="ja-JP" dirty="0"/>
+              <a:t>J. Chem. Phys. </a:t>
+            </a:r>
+            <a:r>
+              <a:rPr lang="en-US" altLang="ja-JP" b="1" dirty="0"/>
+              <a:t>121</a:t>
+            </a:r>
+            <a:r>
+              <a:rPr lang="en-US" altLang="ja-JP" dirty="0"/>
+              <a:t>, 1383 (2004).</a:t>
+            </a:r>
+          </a:p>
+          <a:p>
+            <a:endParaRPr lang="en-US" altLang="ja-JP" dirty="0"/>
+          </a:p>
+          <a:p>
+            <a:r>
+              <a:rPr lang="en-US" altLang="ja-JP" dirty="0"/>
+              <a:t>Grid-PES</a:t>
+            </a:r>
+          </a:p>
+          <a:p>
+            <a:pPr marL="312738" indent="-312738"/>
+            <a:r>
+              <a:rPr lang="en-US" altLang="ja-JP" dirty="0"/>
+              <a:t>[2] Direct vibrational self-consistent field method: Applications to H</a:t>
+            </a:r>
+            <a:r>
+              <a:rPr lang="en-US" altLang="ja-JP" baseline="-25000" dirty="0"/>
+              <a:t>2</a:t>
+            </a:r>
+            <a:r>
+              <a:rPr lang="en-US" altLang="ja-JP" dirty="0"/>
+              <a:t>O and H</a:t>
+            </a:r>
+            <a:r>
+              <a:rPr lang="en-US" altLang="ja-JP" baseline="-25000" dirty="0"/>
+              <a:t>2</a:t>
+            </a:r>
+            <a:r>
+              <a:rPr lang="en-US" altLang="ja-JP" dirty="0"/>
+              <a:t>CO,</a:t>
+            </a:r>
+            <a:br>
+              <a:rPr lang="en-US" altLang="ja-JP" dirty="0"/>
+            </a:br>
+            <a:r>
+              <a:rPr lang="en-US" altLang="ja-JP" dirty="0"/>
+              <a:t>K. Yagi, T. </a:t>
+            </a:r>
+            <a:r>
+              <a:rPr lang="en-US" altLang="ja-JP" dirty="0" err="1"/>
+              <a:t>Taketsugu</a:t>
+            </a:r>
+            <a:r>
+              <a:rPr lang="en-US" altLang="ja-JP" dirty="0"/>
+              <a:t>, K. </a:t>
+            </a:r>
+            <a:r>
+              <a:rPr lang="en-US" altLang="ja-JP" dirty="0" err="1"/>
+              <a:t>Hirao</a:t>
+            </a:r>
+            <a:r>
+              <a:rPr lang="en-US" altLang="ja-JP" dirty="0"/>
+              <a:t>, and M. S. Gordon,</a:t>
+            </a:r>
+            <a:br>
+              <a:rPr lang="en-US" altLang="ja-JP" dirty="0"/>
+            </a:br>
+            <a:r>
+              <a:rPr lang="en-US" altLang="ja-JP" dirty="0"/>
+              <a:t>J. Chem. Phys. </a:t>
+            </a:r>
+            <a:r>
+              <a:rPr lang="en-US" altLang="ja-JP" b="1" dirty="0"/>
+              <a:t>113</a:t>
+            </a:r>
+            <a:r>
+              <a:rPr lang="en-US" altLang="ja-JP" dirty="0"/>
+              <a:t>, 1005 (2000).</a:t>
+            </a:r>
+          </a:p>
+          <a:p>
+            <a:endParaRPr kumimoji="1" lang="en-US" altLang="ja-JP" dirty="0"/>
+          </a:p>
+          <a:p>
+            <a:r>
+              <a:rPr lang="en-US" altLang="ja-JP" dirty="0"/>
+              <a:t>Multiresolution PES</a:t>
+            </a:r>
+          </a:p>
+          <a:p>
+            <a:pPr marL="312738" indent="-312738"/>
+            <a:r>
+              <a:rPr kumimoji="1" lang="en-US" altLang="ja-JP" dirty="0"/>
+              <a:t>[3] Multiresolution potential energy surfaces for </a:t>
+            </a:r>
+            <a:r>
+              <a:rPr lang="en-US" altLang="ja-JP" dirty="0"/>
+              <a:t>vibrational state calculations,</a:t>
+            </a:r>
+            <a:br>
+              <a:rPr lang="en-US" altLang="ja-JP" dirty="0"/>
+            </a:br>
+            <a:r>
+              <a:rPr lang="en-US" altLang="ja-JP" dirty="0"/>
+              <a:t>K. Yagi, S. Hirata, and K. </a:t>
+            </a:r>
+            <a:r>
+              <a:rPr lang="en-US" altLang="ja-JP" dirty="0" err="1"/>
+              <a:t>Hirao</a:t>
+            </a:r>
+            <a:r>
+              <a:rPr lang="en-US" altLang="ja-JP" dirty="0"/>
+              <a:t>,</a:t>
+            </a:r>
+            <a:br>
+              <a:rPr lang="en-US" altLang="ja-JP" dirty="0"/>
+            </a:br>
+            <a:r>
+              <a:rPr lang="en-US" altLang="ja-JP" dirty="0" err="1"/>
+              <a:t>Theor</a:t>
+            </a:r>
+            <a:r>
+              <a:rPr lang="en-US" altLang="ja-JP" dirty="0"/>
+              <a:t>. Chem. Acc. </a:t>
+            </a:r>
+            <a:r>
+              <a:rPr lang="en-US" altLang="ja-JP" b="1" dirty="0"/>
+              <a:t>118</a:t>
+            </a:r>
+            <a:r>
+              <a:rPr lang="en-US" altLang="ja-JP" dirty="0"/>
+              <a:t>, 681 (2007).</a:t>
+            </a:r>
+          </a:p>
+          <a:p>
+            <a:pPr marL="312738" indent="-312738"/>
+            <a:r>
+              <a:rPr kumimoji="1" lang="en-US" altLang="ja-JP" dirty="0"/>
+              <a:t>[4] On the coupling strength in potential energy surfaces for vibrational calculations,</a:t>
+            </a:r>
+            <a:br>
+              <a:rPr kumimoji="1" lang="en-US" altLang="ja-JP" dirty="0"/>
+            </a:br>
+            <a:r>
+              <a:rPr lang="en-US" altLang="ja-JP" dirty="0"/>
+              <a:t>P. Seidler, T. </a:t>
+            </a:r>
+            <a:r>
+              <a:rPr lang="en-US" altLang="ja-JP" dirty="0" err="1"/>
+              <a:t>Kaga</a:t>
+            </a:r>
+            <a:r>
+              <a:rPr lang="en-US" altLang="ja-JP" dirty="0"/>
+              <a:t>, K. Yagi, O. </a:t>
+            </a:r>
+            <a:r>
+              <a:rPr lang="en-US" altLang="ja-JP" dirty="0" err="1"/>
+              <a:t>Christianse</a:t>
+            </a:r>
+            <a:r>
+              <a:rPr lang="en-US" altLang="ja-JP" dirty="0"/>
+              <a:t>, and K. </a:t>
+            </a:r>
+            <a:r>
+              <a:rPr lang="en-US" altLang="ja-JP" dirty="0" err="1"/>
+              <a:t>Hirao</a:t>
+            </a:r>
+            <a:r>
+              <a:rPr lang="en-US" altLang="ja-JP" dirty="0"/>
+              <a:t>,</a:t>
+            </a:r>
+            <a:br>
+              <a:rPr lang="en-US" altLang="ja-JP" dirty="0"/>
+            </a:br>
+            <a:r>
+              <a:rPr lang="en-US" altLang="ja-JP" dirty="0"/>
+              <a:t>Chem. Phys. Lett. </a:t>
+            </a:r>
+            <a:r>
+              <a:rPr lang="en-US" altLang="ja-JP" b="1" dirty="0"/>
+              <a:t>483</a:t>
+            </a:r>
+            <a:r>
+              <a:rPr lang="en-US" altLang="ja-JP" dirty="0"/>
+              <a:t>, 138 (2009).</a:t>
+            </a:r>
+          </a:p>
+        </p:txBody>
+      </p:sp>
     </p:spTree>
     <p:extLst>
       <p:ext uri="{BB962C8B-B14F-4D97-AF65-F5344CB8AC3E}">
-        <p14:creationId xmlns:p14="http://schemas.microsoft.com/office/powerpoint/2010/main" val="1274043496"/>
+        <p14:creationId xmlns:p14="http://schemas.microsoft.com/office/powerpoint/2010/main" val="1072963333"/>
       </p:ext>
     </p:extLst>
   </p:cSld>
@@ -31422,13 +31265,228 @@
       </p:grpSpPr>
       <p:sp>
         <p:nvSpPr>
-          <p:cNvPr id="3" name="スライド番号プレースホルダー 2">
-            <a:extLst>
-              <a:ext uri="{FF2B5EF4-FFF2-40B4-BE49-F238E27FC236}">
-                <a16:creationId xmlns:a16="http://schemas.microsoft.com/office/drawing/2014/main" id="{82D5D5FA-6D11-6849-A82A-EBE0756979F0}"/>
-              </a:ext>
-            </a:extLst>
-          </p:cNvPr>
+          <p:cNvPr id="35841" name="タイトル 2"/>
+          <p:cNvSpPr>
+            <a:spLocks noGrp="1"/>
+          </p:cNvSpPr>
+          <p:nvPr>
+            <p:ph type="title"/>
+          </p:nvPr>
+        </p:nvSpPr>
+        <p:spPr/>
+        <p:txBody>
+          <a:bodyPr/>
+          <a:lstStyle/>
+          <a:p>
+            <a:r>
+              <a:rPr lang="en-US" altLang="ja-JP" dirty="0">
+                <a:cs typeface="メイリオ" charset="-128"/>
+              </a:rPr>
+              <a:t>Appendix: List of all keys</a:t>
+            </a:r>
+            <a:endParaRPr lang="ja-JP" altLang="en-US" dirty="0">
+              <a:cs typeface="メイリオ" charset="-128"/>
+            </a:endParaRPr>
+          </a:p>
+        </p:txBody>
+      </p:sp>
+      <p:sp>
+        <p:nvSpPr>
+          <p:cNvPr id="4" name="テキスト ボックス 3"/>
+          <p:cNvSpPr txBox="1"/>
+          <p:nvPr/>
+        </p:nvSpPr>
+        <p:spPr>
+          <a:xfrm>
+            <a:off x="914401" y="1130023"/>
+            <a:ext cx="7827665" cy="3385542"/>
+          </a:xfrm>
+          <a:prstGeom prst="rect">
+            <a:avLst/>
+          </a:prstGeom>
+          <a:noFill/>
+        </p:spPr>
+        <p:txBody>
+          <a:bodyPr wrap="square">
+            <a:spAutoFit/>
+          </a:bodyPr>
+          <a:lstStyle/>
+          <a:p>
+            <a:pPr>
+              <a:defRPr/>
+            </a:pPr>
+            <a:r>
+              <a:rPr lang="en-US" altLang="ja-JP" sz="1800" dirty="0">
+                <a:latin typeface="+mn-lt"/>
+              </a:rPr>
+              <a:t>General keys</a:t>
+            </a:r>
+          </a:p>
+          <a:p>
+            <a:pPr lvl="2">
+              <a:defRPr/>
+            </a:pPr>
+            <a:endParaRPr lang="en-US" altLang="ja-JP" sz="1400" dirty="0"/>
+          </a:p>
+          <a:p>
+            <a:pPr marL="285750" indent="-285750">
+              <a:buFont typeface="Arial" charset="0"/>
+              <a:buChar char="•"/>
+              <a:defRPr/>
+            </a:pPr>
+            <a:r>
+              <a:rPr lang="en-US" altLang="ja-JP" sz="1400" dirty="0" err="1"/>
+              <a:t>minfoFile</a:t>
+            </a:r>
+            <a:r>
+              <a:rPr lang="en-US" altLang="ja-JP" sz="1400" dirty="0"/>
+              <a:t>:  file name</a:t>
+            </a:r>
+          </a:p>
+          <a:p>
+            <a:pPr lvl="1">
+              <a:defRPr/>
+            </a:pPr>
+            <a:r>
+              <a:rPr lang="en-US" altLang="ja-JP" sz="1400" dirty="0"/>
+              <a:t>The name of </a:t>
+            </a:r>
+            <a:r>
+              <a:rPr lang="en-US" altLang="ja-JP" sz="1400" dirty="0" err="1"/>
+              <a:t>minfo</a:t>
+            </a:r>
+            <a:r>
+              <a:rPr lang="en-US" altLang="ja-JP" sz="1400" dirty="0"/>
+              <a:t> file containing the vibrational data. The value is </a:t>
+            </a:r>
+            <a:r>
+              <a:rPr lang="en-US" altLang="ja-JP" sz="1400" u="sng" dirty="0"/>
+              <a:t>case sensitive</a:t>
+            </a:r>
+            <a:r>
+              <a:rPr lang="en-US" altLang="ja-JP" sz="1400" dirty="0"/>
+              <a:t>.  </a:t>
+            </a:r>
+          </a:p>
+          <a:p>
+            <a:pPr lvl="2">
+              <a:defRPr/>
+            </a:pPr>
+            <a:endParaRPr lang="en-US" altLang="ja-JP" sz="1400" dirty="0"/>
+          </a:p>
+          <a:p>
+            <a:pPr marL="285750" indent="-285750">
+              <a:buFont typeface="Arial" charset="0"/>
+              <a:buChar char="•"/>
+              <a:defRPr/>
+            </a:pPr>
+            <a:r>
+              <a:rPr lang="en-US" altLang="ja-JP" sz="1400" dirty="0" err="1"/>
+              <a:t>minfo_folder</a:t>
+            </a:r>
+            <a:r>
+              <a:rPr lang="en-US" altLang="ja-JP" sz="1400" dirty="0"/>
+              <a:t>: folder name</a:t>
+            </a:r>
+          </a:p>
+          <a:p>
+            <a:pPr lvl="1">
+              <a:defRPr/>
+            </a:pPr>
+            <a:r>
+              <a:rPr lang="en-US" altLang="ja-JP" sz="1400" dirty="0"/>
+              <a:t>The name of a folder where generated </a:t>
+            </a:r>
+            <a:r>
+              <a:rPr lang="en-US" altLang="ja-JP" sz="1400" dirty="0" err="1"/>
+              <a:t>minfo</a:t>
+            </a:r>
+            <a:r>
+              <a:rPr lang="en-US" altLang="ja-JP" sz="1400" dirty="0"/>
+              <a:t> files will be stored. The value is </a:t>
+            </a:r>
+            <a:r>
+              <a:rPr lang="en-US" altLang="ja-JP" sz="1400" u="sng" dirty="0"/>
+              <a:t>case sensitive</a:t>
+            </a:r>
+            <a:r>
+              <a:rPr lang="en-US" altLang="ja-JP" sz="1400" dirty="0"/>
+              <a:t>. (default = </a:t>
+            </a:r>
+            <a:r>
+              <a:rPr lang="en-US" altLang="ja-JP" sz="1400" dirty="0" err="1"/>
+              <a:t>minfo.files</a:t>
+            </a:r>
+            <a:r>
+              <a:rPr lang="en-US" altLang="ja-JP" sz="1400" dirty="0"/>
+              <a:t>)</a:t>
+            </a:r>
+          </a:p>
+          <a:p>
+            <a:pPr marL="285750" indent="-285750">
+              <a:buFont typeface="Arial" charset="0"/>
+              <a:buChar char="•"/>
+              <a:defRPr/>
+            </a:pPr>
+            <a:endParaRPr lang="en-US" altLang="ja-JP" sz="1400" dirty="0"/>
+          </a:p>
+          <a:p>
+            <a:pPr marL="285750" indent="-285750">
+              <a:buFont typeface="Arial" charset="0"/>
+              <a:buChar char="•"/>
+              <a:defRPr/>
+            </a:pPr>
+            <a:r>
+              <a:rPr lang="en-US" altLang="ja-JP" sz="1400" dirty="0"/>
+              <a:t>MR:  1/2/3</a:t>
+            </a:r>
+          </a:p>
+          <a:p>
+            <a:pPr lvl="1">
+              <a:defRPr/>
+            </a:pPr>
+            <a:r>
+              <a:rPr lang="en-US" altLang="ja-JP" sz="1400" dirty="0"/>
+              <a:t>The order of mode coupling expansion. Can take 1, 2, or 3. (default = 3) </a:t>
+            </a:r>
+          </a:p>
+          <a:p>
+            <a:pPr lvl="2">
+              <a:defRPr/>
+            </a:pPr>
+            <a:endParaRPr lang="en-US" altLang="ja-JP" sz="1400" dirty="0"/>
+          </a:p>
+          <a:p>
+            <a:pPr marL="285750" indent="-285750">
+              <a:buFont typeface="Arial" charset="0"/>
+              <a:buChar char="•"/>
+              <a:defRPr/>
+            </a:pPr>
+            <a:r>
+              <a:rPr lang="en-US" altLang="ja-JP" sz="1400" dirty="0"/>
+              <a:t>dipole: true/false</a:t>
+            </a:r>
+          </a:p>
+          <a:p>
+            <a:pPr lvl="1">
+              <a:defRPr/>
+            </a:pPr>
+            <a:r>
+              <a:rPr lang="en-US" altLang="ja-JP" sz="1400" dirty="0"/>
+              <a:t>Generates the dipole moment surface in addition to the PES, when true. (default = false)  </a:t>
+            </a:r>
+          </a:p>
+          <a:p>
+            <a:pPr lvl="1">
+              <a:defRPr/>
+            </a:pPr>
+            <a:endParaRPr lang="en-US" altLang="ja-JP" sz="1400" dirty="0"/>
+          </a:p>
+        </p:txBody>
+      </p:sp>
+      <p:sp>
+        <p:nvSpPr>
+          <p:cNvPr id="2" name="スライド番号プレースホルダー 1"/>
           <p:cNvSpPr>
             <a:spLocks noGrp="1"/>
           </p:cNvSpPr>
@@ -31449,262 +31507,10 @@
           </a:p>
         </p:txBody>
       </p:sp>
-      <p:sp>
-        <p:nvSpPr>
-          <p:cNvPr id="7" name="テキスト ボックス 6">
-            <a:extLst>
-              <a:ext uri="{FF2B5EF4-FFF2-40B4-BE49-F238E27FC236}">
-                <a16:creationId xmlns:a16="http://schemas.microsoft.com/office/drawing/2014/main" id="{84BD23E4-3B86-7647-ABA3-83B5F415E03B}"/>
-              </a:ext>
-            </a:extLst>
-          </p:cNvPr>
-          <p:cNvSpPr txBox="1"/>
-          <p:nvPr/>
-        </p:nvSpPr>
-        <p:spPr>
-          <a:xfrm>
-            <a:off x="914402" y="317223"/>
-            <a:ext cx="7402512" cy="4339650"/>
-          </a:xfrm>
-          <a:prstGeom prst="rect">
-            <a:avLst/>
-          </a:prstGeom>
-          <a:noFill/>
-        </p:spPr>
-        <p:txBody>
-          <a:bodyPr wrap="square">
-            <a:spAutoFit/>
-          </a:bodyPr>
-          <a:lstStyle/>
-          <a:p>
-            <a:pPr marL="285750" indent="-285750">
-              <a:buFont typeface="Arial" charset="0"/>
-              <a:buChar char="•"/>
-              <a:defRPr/>
-            </a:pPr>
-            <a:r>
-              <a:rPr lang="en-US" altLang="ja-JP" sz="1400" dirty="0" err="1"/>
-              <a:t>activemode</a:t>
-            </a:r>
-            <a:r>
-              <a:rPr lang="en-US" altLang="ja-JP" sz="1400" dirty="0"/>
-              <a:t>:  string of mode index</a:t>
-            </a:r>
-          </a:p>
-          <a:p>
-            <a:pPr lvl="1">
-              <a:defRPr/>
-            </a:pPr>
-            <a:r>
-              <a:rPr lang="en-US" altLang="ja-JP" sz="1400" dirty="0"/>
-              <a:t>Specifies active modes for PES generation. All modes are active by default. The mode numbers should be separated by </a:t>
-            </a:r>
-            <a:r>
-              <a:rPr lang="en-US" altLang="ja-JP" sz="1400" dirty="0" err="1"/>
-              <a:t>camma</a:t>
-            </a:r>
-            <a:r>
-              <a:rPr lang="en-US" altLang="ja-JP" sz="1400" dirty="0"/>
-              <a:t> or space. A hyphen can be used for a sequence of mode number. For example, </a:t>
-            </a:r>
-          </a:p>
-          <a:p>
-            <a:pPr lvl="1">
-              <a:defRPr/>
-            </a:pPr>
-            <a:endParaRPr lang="en-US" altLang="ja-JP" sz="1400" dirty="0"/>
-          </a:p>
-          <a:p>
-            <a:pPr lvl="2">
-              <a:defRPr/>
-            </a:pPr>
-            <a:r>
-              <a:rPr lang="en-US" altLang="ja-JP" sz="1200" dirty="0">
-                <a:latin typeface="Courier" charset="0"/>
-                <a:ea typeface="Courier" charset="0"/>
-                <a:cs typeface="Courier" charset="0"/>
-              </a:rPr>
-              <a:t>&lt;</a:t>
-            </a:r>
-            <a:r>
-              <a:rPr lang="en-US" altLang="ja-JP" sz="1200" dirty="0" err="1">
-                <a:latin typeface="Courier" charset="0"/>
-                <a:ea typeface="Courier" charset="0"/>
-                <a:cs typeface="Courier" charset="0"/>
-              </a:rPr>
-              <a:t>activemode</a:t>
-            </a:r>
-            <a:r>
-              <a:rPr lang="en-US" altLang="ja-JP" sz="1200" dirty="0">
-                <a:latin typeface="Courier" charset="0"/>
-                <a:ea typeface="Courier" charset="0"/>
-                <a:cs typeface="Courier" charset="0"/>
-              </a:rPr>
-              <a:t>  value="1,2,3,5”&gt; </a:t>
-            </a:r>
-          </a:p>
-          <a:p>
-            <a:pPr lvl="1">
-              <a:defRPr/>
-            </a:pPr>
-            <a:endParaRPr lang="en-US" altLang="ja-JP" sz="1400" dirty="0"/>
-          </a:p>
-          <a:p>
-            <a:pPr lvl="1">
-              <a:defRPr/>
-            </a:pPr>
-            <a:r>
-              <a:rPr lang="en-US" altLang="ja-JP" sz="1400" dirty="0"/>
-              <a:t>is </a:t>
-            </a:r>
-            <a:r>
-              <a:rPr lang="en-US" altLang="ja-JP" sz="1400" dirty="0" err="1"/>
-              <a:t>equivalnet</a:t>
-            </a:r>
-            <a:r>
-              <a:rPr lang="en-US" altLang="ja-JP" sz="1400" dirty="0"/>
-              <a:t> to, </a:t>
-            </a:r>
-          </a:p>
-          <a:p>
-            <a:pPr lvl="1">
-              <a:defRPr/>
-            </a:pPr>
-            <a:endParaRPr lang="en-US" altLang="ja-JP" sz="1400" dirty="0"/>
-          </a:p>
-          <a:p>
-            <a:pPr lvl="2">
-              <a:defRPr/>
-            </a:pPr>
-            <a:r>
-              <a:rPr lang="en-US" altLang="ja-JP" sz="1200" dirty="0">
-                <a:latin typeface="Courier" charset="0"/>
-                <a:ea typeface="Courier" charset="0"/>
-                <a:cs typeface="Courier" charset="0"/>
-              </a:rPr>
-              <a:t>&lt;</a:t>
-            </a:r>
-            <a:r>
-              <a:rPr lang="en-US" altLang="ja-JP" sz="1200" dirty="0" err="1">
-                <a:latin typeface="Courier" charset="0"/>
-                <a:ea typeface="Courier" charset="0"/>
-                <a:cs typeface="Courier" charset="0"/>
-              </a:rPr>
-              <a:t>activemode</a:t>
-            </a:r>
-            <a:r>
-              <a:rPr lang="en-US" altLang="ja-JP" sz="1200" dirty="0">
-                <a:latin typeface="Courier" charset="0"/>
-                <a:ea typeface="Courier" charset="0"/>
-                <a:cs typeface="Courier" charset="0"/>
-              </a:rPr>
-              <a:t>  value=“1-3 5”&gt; </a:t>
-            </a:r>
-          </a:p>
-          <a:p>
-            <a:pPr lvl="1">
-              <a:defRPr/>
-            </a:pPr>
-            <a:endParaRPr lang="en-US" altLang="ja-JP" sz="1400" dirty="0"/>
-          </a:p>
-          <a:p>
-            <a:pPr lvl="1">
-              <a:defRPr/>
-            </a:pPr>
-            <a:r>
-              <a:rPr lang="en-US" altLang="ja-JP" sz="1400" dirty="0"/>
-              <a:t>which means Q</a:t>
-            </a:r>
-            <a:r>
-              <a:rPr lang="en-US" altLang="ja-JP" sz="1400" baseline="-25000" dirty="0"/>
-              <a:t>1</a:t>
-            </a:r>
-            <a:r>
-              <a:rPr lang="en-US" altLang="ja-JP" sz="1400" dirty="0"/>
-              <a:t>,Q</a:t>
-            </a:r>
-            <a:r>
-              <a:rPr lang="en-US" altLang="ja-JP" sz="1400" baseline="-25000" dirty="0"/>
-              <a:t>2</a:t>
-            </a:r>
-            <a:r>
-              <a:rPr lang="en-US" altLang="ja-JP" sz="1400" dirty="0"/>
-              <a:t>,Q</a:t>
-            </a:r>
-            <a:r>
-              <a:rPr lang="en-US" altLang="ja-JP" sz="1400" baseline="-25000" dirty="0"/>
-              <a:t>3</a:t>
-            </a:r>
-            <a:r>
-              <a:rPr lang="en-US" altLang="ja-JP" sz="1400" dirty="0"/>
-              <a:t>, and Q</a:t>
-            </a:r>
-            <a:r>
-              <a:rPr lang="en-US" altLang="ja-JP" sz="1400" baseline="-25000" dirty="0"/>
-              <a:t>5</a:t>
-            </a:r>
-            <a:r>
-              <a:rPr lang="en-US" altLang="ja-JP" sz="1400" dirty="0"/>
-              <a:t> are active, and Q</a:t>
-            </a:r>
-            <a:r>
-              <a:rPr lang="en-US" altLang="ja-JP" sz="1400" baseline="-25000" dirty="0"/>
-              <a:t>4</a:t>
-            </a:r>
-            <a:r>
-              <a:rPr lang="en-US" altLang="ja-JP" sz="1400" dirty="0"/>
-              <a:t> isn’t. </a:t>
-            </a:r>
-          </a:p>
-          <a:p>
-            <a:pPr lvl="1">
-              <a:defRPr/>
-            </a:pPr>
-            <a:endParaRPr lang="en-US" altLang="ja-JP" sz="1400" dirty="0"/>
-          </a:p>
-          <a:p>
-            <a:pPr lvl="1">
-              <a:defRPr/>
-            </a:pPr>
-            <a:r>
-              <a:rPr lang="en-US" altLang="ja-JP" sz="1400" dirty="0"/>
-              <a:t>Note that the modes can be set to inactive later in the vibrational calculations. Therefore, it is recommended to include as many modes as possible during the PES generation step. </a:t>
-            </a:r>
-          </a:p>
-          <a:p>
-            <a:pPr lvl="1">
-              <a:defRPr/>
-            </a:pPr>
-            <a:endParaRPr lang="en-US" altLang="ja-JP" sz="1400" dirty="0"/>
-          </a:p>
-          <a:p>
-            <a:pPr lvl="1">
-              <a:defRPr/>
-            </a:pPr>
-            <a:r>
-              <a:rPr lang="en-US" altLang="ja-JP" sz="1400" dirty="0"/>
-              <a:t>Nevertheless, there are obvious cases where we want to select vibrational modes. For example, a solute in solvent, ligands in a protein, etc. A model that separates the inter- and intra-molecular modes is often used for cluster systems. &lt;</a:t>
-            </a:r>
-            <a:r>
-              <a:rPr lang="en-US" altLang="ja-JP" sz="1400" dirty="0" err="1"/>
-              <a:t>activemode</a:t>
-            </a:r>
-            <a:r>
-              <a:rPr lang="en-US" altLang="ja-JP" sz="1400" dirty="0"/>
-              <a:t>&gt; is useful for such </a:t>
-            </a:r>
-            <a:r>
-              <a:rPr lang="en-US" altLang="ja-JP" sz="1400"/>
-              <a:t>purposes.</a:t>
-            </a:r>
-            <a:endParaRPr lang="en-US" altLang="ja-JP" sz="1400" dirty="0"/>
-          </a:p>
-        </p:txBody>
-      </p:sp>
     </p:spTree>
     <p:extLst>
       <p:ext uri="{BB962C8B-B14F-4D97-AF65-F5344CB8AC3E}">
-        <p14:creationId xmlns:p14="http://schemas.microsoft.com/office/powerpoint/2010/main" val="3516281104"/>
+        <p14:creationId xmlns:p14="http://schemas.microsoft.com/office/powerpoint/2010/main" val="1274043496"/>
       </p:ext>
     </p:extLst>
   </p:cSld>
@@ -31733,7 +31539,13 @@
       </p:grpSpPr>
       <p:sp>
         <p:nvSpPr>
-          <p:cNvPr id="2" name="スライド番号プレースホルダー 1"/>
+          <p:cNvPr id="3" name="スライド番号プレースホルダー 2">
+            <a:extLst>
+              <a:ext uri="{FF2B5EF4-FFF2-40B4-BE49-F238E27FC236}">
+                <a16:creationId xmlns:a16="http://schemas.microsoft.com/office/drawing/2014/main" id="{82D5D5FA-6D11-6849-A82A-EBE0756979F0}"/>
+              </a:ext>
+            </a:extLst>
+          </p:cNvPr>
           <p:cNvSpPr>
             <a:spLocks noGrp="1"/>
           </p:cNvSpPr>
@@ -31756,14 +31568,20 @@
       </p:sp>
       <p:sp>
         <p:nvSpPr>
-          <p:cNvPr id="3" name="テキスト ボックス 2"/>
+          <p:cNvPr id="7" name="テキスト ボックス 6">
+            <a:extLst>
+              <a:ext uri="{FF2B5EF4-FFF2-40B4-BE49-F238E27FC236}">
+                <a16:creationId xmlns:a16="http://schemas.microsoft.com/office/drawing/2014/main" id="{84BD23E4-3B86-7647-ABA3-83B5F415E03B}"/>
+              </a:ext>
+            </a:extLst>
+          </p:cNvPr>
           <p:cNvSpPr txBox="1"/>
           <p:nvPr/>
         </p:nvSpPr>
         <p:spPr>
           <a:xfrm>
-            <a:off x="914401" y="395047"/>
-            <a:ext cx="7365999" cy="2462213"/>
+            <a:off x="914402" y="317223"/>
+            <a:ext cx="7402512" cy="4339650"/>
           </a:xfrm>
           <a:prstGeom prst="rect">
             <a:avLst/>
@@ -31782,8 +31600,12 @@
               <a:defRPr/>
             </a:pPr>
             <a:r>
-              <a:rPr lang="en-US" altLang="ja-JP" sz="1400" dirty="0"/>
-              <a:t>interdomain: true / false</a:t>
+              <a:rPr lang="en-US" altLang="ja-JP" sz="1400" dirty="0" err="1"/>
+              <a:t>activemode</a:t>
+            </a:r>
+            <a:r>
+              <a:rPr lang="en-US" altLang="ja-JP" sz="1400" dirty="0"/>
+              <a:t>:  string of mode index</a:t>
             </a:r>
           </a:p>
           <a:p>
@@ -31792,7 +31614,15 @@
             </a:pPr>
             <a:r>
               <a:rPr lang="en-US" altLang="ja-JP" sz="1400" dirty="0"/>
-              <a:t>Calculates inter-domain coupling terms, when true. (default = false)</a:t>
+              <a:t>Specifies active modes for PES generation. All modes are active by default. The mode numbers should be separated by </a:t>
+            </a:r>
+            <a:r>
+              <a:rPr lang="en-US" altLang="ja-JP" sz="1400" dirty="0" err="1"/>
+              <a:t>camma</a:t>
+            </a:r>
+            <a:r>
+              <a:rPr lang="en-US" altLang="ja-JP" sz="1400" dirty="0"/>
+              <a:t> or space. A hyphen can be used for a sequence of mode number. For example, </a:t>
             </a:r>
           </a:p>
           <a:p>
@@ -31802,82 +31632,33 @@
             <a:endParaRPr lang="en-US" altLang="ja-JP" sz="1400" dirty="0"/>
           </a:p>
           <a:p>
-            <a:pPr lvl="1">
+            <a:pPr lvl="2">
               <a:defRPr/>
             </a:pPr>
             <a:r>
-              <a:rPr lang="en-US" altLang="ja-JP" sz="1400" dirty="0"/>
-              <a:t>QFF</a:t>
-            </a:r>
-            <a:r>
-              <a:rPr lang="ja-JP" altLang="en-US" sz="1400" dirty="0"/>
-              <a:t>計算では、実行された量子化学計算の情報から、</a:t>
-            </a:r>
-            <a:r>
-              <a:rPr lang="en-US" altLang="ja-JP" sz="1400" dirty="0"/>
-              <a:t>Gradient</a:t>
-            </a:r>
-            <a:r>
-              <a:rPr lang="ja-JP" altLang="en-US" sz="1400" dirty="0"/>
-              <a:t>で数値微分の場合は</a:t>
-            </a:r>
-            <a:r>
-              <a:rPr lang="en-US" altLang="ja-JP" sz="1400" dirty="0" err="1"/>
-              <a:t>tiij</a:t>
-            </a:r>
-            <a:r>
-              <a:rPr lang="en-US" altLang="ja-JP" sz="1400" dirty="0"/>
-              <a:t>, </a:t>
-            </a:r>
-            <a:r>
-              <a:rPr lang="en-US" altLang="ja-JP" sz="1400" dirty="0" err="1"/>
-              <a:t>uiiij</a:t>
-            </a:r>
-            <a:r>
-              <a:rPr lang="ja-JP" altLang="en-US" sz="1400" dirty="0"/>
-              <a:t>、</a:t>
-            </a:r>
-            <a:r>
-              <a:rPr lang="en-US" altLang="ja-JP" sz="1400" dirty="0"/>
-              <a:t>Hessian</a:t>
-            </a:r>
-            <a:r>
-              <a:rPr lang="ja-JP" altLang="en-US" sz="1400" dirty="0"/>
-              <a:t>で数値微分の場合は</a:t>
-            </a:r>
-            <a:r>
-              <a:rPr lang="en-US" altLang="ja-JP" sz="1400" dirty="0"/>
-              <a:t>3MR</a:t>
-            </a:r>
-            <a:r>
-              <a:rPr lang="ja-JP" altLang="en-US" sz="1400" dirty="0"/>
-              <a:t>までドメイン間カップリングが計算可能だが、</a:t>
-            </a:r>
-            <a:r>
-              <a:rPr lang="en-US" altLang="ja-JP" sz="1400" dirty="0"/>
-              <a:t>interdomain = false</a:t>
-            </a:r>
-            <a:r>
-              <a:rPr lang="ja-JP" altLang="en-US" sz="1400"/>
-              <a:t>では</a:t>
-            </a:r>
-            <a:r>
-              <a:rPr lang="ja-JP" altLang="en-US" sz="1400" dirty="0"/>
-              <a:t>これらは出力されない。出力したい場合は、</a:t>
-            </a:r>
-            <a:r>
-              <a:rPr lang="en-US" altLang="ja-JP" sz="1400" dirty="0"/>
-              <a:t>interdomain=true</a:t>
-            </a:r>
-            <a:r>
-              <a:rPr lang="ja-JP" altLang="en-US" sz="1400"/>
-              <a:t>で</a:t>
-            </a:r>
-            <a:r>
-              <a:rPr lang="ja-JP" altLang="en-US" sz="1400" dirty="0"/>
-              <a:t>再計算する。</a:t>
-            </a:r>
-            <a:endParaRPr lang="en-US" altLang="ja-JP" sz="1400" dirty="0"/>
+              <a:rPr lang="en-US" altLang="ja-JP" sz="1200" dirty="0">
+                <a:latin typeface="Courier" charset="0"/>
+                <a:ea typeface="Courier" charset="0"/>
+                <a:cs typeface="Courier" charset="0"/>
+              </a:rPr>
+              <a:t>&lt;</a:t>
+            </a:r>
+            <a:r>
+              <a:rPr lang="en-US" altLang="ja-JP" sz="1200" dirty="0" err="1">
+                <a:latin typeface="Courier" charset="0"/>
+                <a:ea typeface="Courier" charset="0"/>
+                <a:cs typeface="Courier" charset="0"/>
+              </a:rPr>
+              <a:t>activemode</a:t>
+            </a:r>
+            <a:r>
+              <a:rPr lang="en-US" altLang="ja-JP" sz="1200" dirty="0">
+                <a:latin typeface="Courier" charset="0"/>
+                <a:ea typeface="Courier" charset="0"/>
+                <a:cs typeface="Courier" charset="0"/>
+              </a:rPr>
+              <a:t>  value="1,2,3,5”&gt; </a:t>
+            </a:r>
           </a:p>
           <a:p>
             <a:pPr lvl="1">
@@ -31891,37 +31672,16 @@
             </a:pPr>
             <a:r>
               <a:rPr lang="en-US" altLang="ja-JP" sz="1400" dirty="0"/>
-              <a:t>Hessian</a:t>
-            </a:r>
-            <a:r>
-              <a:rPr lang="ja-JP" altLang="en-US" sz="1400" dirty="0"/>
-              <a:t>の場合、</a:t>
+              <a:t>is </a:t>
             </a:r>
             <a:r>
               <a:rPr lang="en-US" altLang="ja-JP" sz="1400" dirty="0" err="1"/>
-              <a:t>minfo.files</a:t>
-            </a:r>
-            <a:r>
-              <a:rPr lang="ja-JP" altLang="en-US" sz="1400" dirty="0"/>
-              <a:t>からデータを読み込めば、追加の量子化学計算なく</a:t>
-            </a:r>
-            <a:r>
-              <a:rPr lang="en-US" altLang="ja-JP" sz="1400" dirty="0"/>
-              <a:t>3MR</a:t>
-            </a:r>
-            <a:r>
-              <a:rPr lang="ja-JP" altLang="en-US" sz="1400" dirty="0"/>
-              <a:t>まで計算できため、実は計算負荷の軽減にはならない。</a:t>
-            </a:r>
-            <a:r>
-              <a:rPr lang="en-US" altLang="ja-JP" sz="1400" dirty="0"/>
-              <a:t>4MR</a:t>
-            </a:r>
-            <a:r>
-              <a:rPr lang="ja-JP" altLang="en-US" sz="1400" dirty="0"/>
-              <a:t>は追加計算が必要となる。</a:t>
-            </a:r>
-            <a:endParaRPr lang="en-US" altLang="ja-JP" sz="1400" dirty="0"/>
+              <a:t>equivalnet</a:t>
+            </a:r>
+            <a:r>
+              <a:rPr lang="en-US" altLang="ja-JP" sz="1400" dirty="0"/>
+              <a:t> to, </a:t>
+            </a:r>
           </a:p>
           <a:p>
             <a:pPr lvl="1">
@@ -31929,12 +31689,139 @@
             </a:pPr>
             <a:endParaRPr lang="en-US" altLang="ja-JP" sz="1400" dirty="0"/>
           </a:p>
+          <a:p>
+            <a:pPr lvl="2">
+              <a:defRPr/>
+            </a:pPr>
+            <a:r>
+              <a:rPr lang="en-US" altLang="ja-JP" sz="1200" dirty="0">
+                <a:latin typeface="Courier" charset="0"/>
+                <a:ea typeface="Courier" charset="0"/>
+                <a:cs typeface="Courier" charset="0"/>
+              </a:rPr>
+              <a:t>&lt;</a:t>
+            </a:r>
+            <a:r>
+              <a:rPr lang="en-US" altLang="ja-JP" sz="1200" dirty="0" err="1">
+                <a:latin typeface="Courier" charset="0"/>
+                <a:ea typeface="Courier" charset="0"/>
+                <a:cs typeface="Courier" charset="0"/>
+              </a:rPr>
+              <a:t>activemode</a:t>
+            </a:r>
+            <a:r>
+              <a:rPr lang="en-US" altLang="ja-JP" sz="1200" dirty="0">
+                <a:latin typeface="Courier" charset="0"/>
+                <a:ea typeface="Courier" charset="0"/>
+                <a:cs typeface="Courier" charset="0"/>
+              </a:rPr>
+              <a:t>  value=“1-3 5”&gt; </a:t>
+            </a:r>
+          </a:p>
+          <a:p>
+            <a:pPr lvl="1">
+              <a:defRPr/>
+            </a:pPr>
+            <a:endParaRPr lang="en-US" altLang="ja-JP" sz="1400" dirty="0"/>
+          </a:p>
+          <a:p>
+            <a:pPr lvl="1">
+              <a:defRPr/>
+            </a:pPr>
+            <a:r>
+              <a:rPr lang="en-US" altLang="ja-JP" sz="1400" dirty="0"/>
+              <a:t>which means Q</a:t>
+            </a:r>
+            <a:r>
+              <a:rPr lang="en-US" altLang="ja-JP" sz="1400" baseline="-25000" dirty="0"/>
+              <a:t>1</a:t>
+            </a:r>
+            <a:r>
+              <a:rPr lang="en-US" altLang="ja-JP" sz="1400" dirty="0"/>
+              <a:t>,Q</a:t>
+            </a:r>
+            <a:r>
+              <a:rPr lang="en-US" altLang="ja-JP" sz="1400" baseline="-25000" dirty="0"/>
+              <a:t>2</a:t>
+            </a:r>
+            <a:r>
+              <a:rPr lang="en-US" altLang="ja-JP" sz="1400" dirty="0"/>
+              <a:t>,Q</a:t>
+            </a:r>
+            <a:r>
+              <a:rPr lang="en-US" altLang="ja-JP" sz="1400" baseline="-25000" dirty="0"/>
+              <a:t>3</a:t>
+            </a:r>
+            <a:r>
+              <a:rPr lang="en-US" altLang="ja-JP" sz="1400" dirty="0"/>
+              <a:t>, and Q</a:t>
+            </a:r>
+            <a:r>
+              <a:rPr lang="en-US" altLang="ja-JP" sz="1400" baseline="-25000" dirty="0"/>
+              <a:t>5</a:t>
+            </a:r>
+            <a:r>
+              <a:rPr lang="en-US" altLang="ja-JP" sz="1400" dirty="0"/>
+              <a:t> are active, and Q</a:t>
+            </a:r>
+            <a:r>
+              <a:rPr lang="en-US" altLang="ja-JP" sz="1400" baseline="-25000" dirty="0"/>
+              <a:t>4</a:t>
+            </a:r>
+            <a:r>
+              <a:rPr lang="en-US" altLang="ja-JP" sz="1400" dirty="0"/>
+              <a:t> isn’t. </a:t>
+            </a:r>
+          </a:p>
+          <a:p>
+            <a:pPr lvl="1">
+              <a:defRPr/>
+            </a:pPr>
+            <a:endParaRPr lang="en-US" altLang="ja-JP" sz="1400" dirty="0"/>
+          </a:p>
+          <a:p>
+            <a:pPr lvl="1">
+              <a:defRPr/>
+            </a:pPr>
+            <a:r>
+              <a:rPr lang="en-US" altLang="ja-JP" sz="1400" dirty="0"/>
+              <a:t>Note that the modes can be set to inactive later in the vibrational calculations. Therefore, it is recommended to include as many modes as possible during the PES generation step. </a:t>
+            </a:r>
+          </a:p>
+          <a:p>
+            <a:pPr lvl="1">
+              <a:defRPr/>
+            </a:pPr>
+            <a:endParaRPr lang="en-US" altLang="ja-JP" sz="1400" dirty="0"/>
+          </a:p>
+          <a:p>
+            <a:pPr lvl="1">
+              <a:defRPr/>
+            </a:pPr>
+            <a:r>
+              <a:rPr lang="en-US" altLang="ja-JP" sz="1400" dirty="0"/>
+              <a:t>Nevertheless, there are obvious cases where we want to select vibrational modes. For example, a solute in solvent, ligands in a protein, etc. A model that separates the inter- and intra-molecular modes is often used for cluster systems. &lt;</a:t>
+            </a:r>
+            <a:r>
+              <a:rPr lang="en-US" altLang="ja-JP" sz="1400" dirty="0" err="1"/>
+              <a:t>activemode</a:t>
+            </a:r>
+            <a:r>
+              <a:rPr lang="en-US" altLang="ja-JP" sz="1400" dirty="0"/>
+              <a:t>&gt; is useful for such </a:t>
+            </a:r>
+            <a:r>
+              <a:rPr lang="en-US" altLang="ja-JP" sz="1400"/>
+              <a:t>purposes.</a:t>
+            </a:r>
+            <a:endParaRPr lang="en-US" altLang="ja-JP" sz="1400" dirty="0"/>
+          </a:p>
         </p:txBody>
       </p:sp>
     </p:spTree>
     <p:extLst>
       <p:ext uri="{BB962C8B-B14F-4D97-AF65-F5344CB8AC3E}">
-        <p14:creationId xmlns:p14="http://schemas.microsoft.com/office/powerpoint/2010/main" val="962116655"/>
+        <p14:creationId xmlns:p14="http://schemas.microsoft.com/office/powerpoint/2010/main" val="3516281104"/>
       </p:ext>
     </p:extLst>
   </p:cSld>
@@ -32461,325 +32348,6 @@
       </p:grpSpPr>
       <p:sp>
         <p:nvSpPr>
-          <p:cNvPr id="4" name="テキスト ボックス 3"/>
-          <p:cNvSpPr txBox="1"/>
-          <p:nvPr/>
-        </p:nvSpPr>
-        <p:spPr>
-          <a:xfrm>
-            <a:off x="914401" y="223598"/>
-            <a:ext cx="7827665" cy="5970865"/>
-          </a:xfrm>
-          <a:prstGeom prst="rect">
-            <a:avLst/>
-          </a:prstGeom>
-          <a:noFill/>
-        </p:spPr>
-        <p:txBody>
-          <a:bodyPr wrap="square">
-            <a:spAutoFit/>
-          </a:bodyPr>
-          <a:lstStyle/>
-          <a:p>
-            <a:pPr>
-              <a:defRPr/>
-            </a:pPr>
-            <a:r>
-              <a:rPr lang="en-US" altLang="ja-JP" dirty="0"/>
-              <a:t>QCHEM section</a:t>
-            </a:r>
-          </a:p>
-          <a:p>
-            <a:pPr>
-              <a:defRPr/>
-            </a:pPr>
-            <a:endParaRPr lang="en-US" altLang="ja-JP" sz="1400" dirty="0"/>
-          </a:p>
-          <a:p>
-            <a:pPr>
-              <a:defRPr/>
-            </a:pPr>
-            <a:r>
-              <a:rPr lang="en-US" altLang="ja-JP" sz="1400" dirty="0"/>
-              <a:t>ID: string</a:t>
-            </a:r>
-          </a:p>
-          <a:p>
-            <a:pPr marL="285750" indent="-285750">
-              <a:buFont typeface="Arial" charset="0"/>
-              <a:buChar char="•"/>
-              <a:defRPr/>
-            </a:pPr>
-            <a:endParaRPr lang="en-US" altLang="ja-JP" sz="1400" dirty="0"/>
-          </a:p>
-          <a:p>
-            <a:pPr marL="285750" indent="-285750">
-              <a:buFont typeface="Arial" charset="0"/>
-              <a:buChar char="•"/>
-              <a:defRPr/>
-            </a:pPr>
-            <a:r>
-              <a:rPr lang="en-US" altLang="ja-JP" sz="1400" dirty="0"/>
-              <a:t>program: string</a:t>
-            </a:r>
-          </a:p>
-          <a:p>
-            <a:pPr lvl="1">
-              <a:defRPr/>
-            </a:pPr>
-            <a:r>
-              <a:rPr lang="en-US" altLang="ja-JP" sz="1400" dirty="0"/>
-              <a:t>gaussian  … Interface with Gaussian </a:t>
-            </a:r>
-          </a:p>
-          <a:p>
-            <a:pPr lvl="1">
-              <a:defRPr/>
-            </a:pPr>
-            <a:r>
-              <a:rPr lang="en-US" altLang="ja-JP" sz="1400" dirty="0"/>
-              <a:t>generic   … Print the coordinates to a </a:t>
-            </a:r>
-            <a:r>
-              <a:rPr lang="en-US" altLang="ja-JP" sz="1400" dirty="0" err="1"/>
-              <a:t>xyz</a:t>
-            </a:r>
-            <a:r>
-              <a:rPr lang="en-US" altLang="ja-JP" sz="1400" dirty="0"/>
-              <a:t> file</a:t>
-            </a:r>
-          </a:p>
-          <a:p>
-            <a:pPr lvl="1">
-              <a:defRPr/>
-            </a:pPr>
-            <a:endParaRPr lang="en-US" altLang="ja-JP" sz="1400" dirty="0"/>
-          </a:p>
-          <a:p>
-            <a:pPr marL="285750" indent="-285750">
-              <a:buFont typeface="Arial" charset="0"/>
-              <a:buChar char="•"/>
-              <a:defRPr/>
-            </a:pPr>
-            <a:r>
-              <a:rPr lang="en-US" altLang="ja-JP" sz="1400" dirty="0"/>
-              <a:t>title: string</a:t>
-            </a:r>
-          </a:p>
-          <a:p>
-            <a:pPr lvl="1">
-              <a:defRPr/>
-            </a:pPr>
-            <a:r>
-              <a:rPr lang="en-US" altLang="ja-JP" sz="1400" dirty="0"/>
-              <a:t>A title line that will be printed to PES files.</a:t>
-            </a:r>
-          </a:p>
-          <a:p>
-            <a:pPr marL="285750" indent="-285750">
-              <a:buFont typeface="Arial" charset="0"/>
-              <a:buChar char="•"/>
-              <a:defRPr/>
-            </a:pPr>
-            <a:endParaRPr lang="en-US" altLang="ja-JP" sz="1400" dirty="0"/>
-          </a:p>
-          <a:p>
-            <a:pPr>
-              <a:defRPr/>
-            </a:pPr>
-            <a:r>
-              <a:rPr lang="en-US" altLang="ja-JP" sz="1400" dirty="0"/>
-              <a:t>options for non-generic (=Gaussian)</a:t>
-            </a:r>
-          </a:p>
-          <a:p>
-            <a:pPr marL="285750" indent="-285750">
-              <a:buFont typeface="Arial" charset="0"/>
-              <a:buChar char="•"/>
-              <a:defRPr/>
-            </a:pPr>
-            <a:r>
-              <a:rPr lang="en-US" altLang="ja-JP" sz="1400" dirty="0" err="1"/>
-              <a:t>removefiles</a:t>
-            </a:r>
-            <a:r>
-              <a:rPr lang="en-US" altLang="ja-JP" sz="1400" dirty="0"/>
-              <a:t>: true/false</a:t>
-            </a:r>
-          </a:p>
-          <a:p>
-            <a:pPr lvl="1">
-              <a:defRPr/>
-            </a:pPr>
-            <a:r>
-              <a:rPr lang="en-US" altLang="ja-JP" sz="1400" dirty="0"/>
-              <a:t>Removes the input/output files of the quantum chemistry program, when true. (default = false)</a:t>
-            </a:r>
-          </a:p>
-          <a:p>
-            <a:pPr lvl="2">
-              <a:defRPr/>
-            </a:pPr>
-            <a:endParaRPr lang="en-US" altLang="ja-JP" sz="1400" dirty="0"/>
-          </a:p>
-          <a:p>
-            <a:pPr marL="285750" indent="-285750">
-              <a:buFont typeface="Arial" charset="0"/>
-              <a:buChar char="•"/>
-              <a:defRPr/>
-            </a:pPr>
-            <a:r>
-              <a:rPr lang="en-US" altLang="ja-JP" sz="1400" dirty="0" err="1"/>
-              <a:t>dryrun</a:t>
-            </a:r>
-            <a:r>
-              <a:rPr lang="en-US" altLang="ja-JP" sz="1400" dirty="0"/>
-              <a:t>: true/false</a:t>
-            </a:r>
-          </a:p>
-          <a:p>
-            <a:pPr lvl="1">
-              <a:defRPr/>
-            </a:pPr>
-            <a:r>
-              <a:rPr lang="en-US" altLang="ja-JP" sz="1400" dirty="0"/>
-              <a:t>Generates the input files for the quantum chemistry program and exits without execution, when true. (default = false) </a:t>
-            </a:r>
-          </a:p>
-          <a:p>
-            <a:pPr lvl="1">
-              <a:defRPr/>
-            </a:pPr>
-            <a:endParaRPr lang="en-US" altLang="ja-JP" sz="1400" dirty="0"/>
-          </a:p>
-          <a:p>
-            <a:pPr marL="285750" indent="-285750">
-              <a:buFont typeface="Arial" charset="0"/>
-              <a:buChar char="•"/>
-              <a:defRPr/>
-            </a:pPr>
-            <a:r>
-              <a:rPr lang="en-US" altLang="ja-JP" sz="1400" dirty="0"/>
-              <a:t>template: file name</a:t>
-            </a:r>
-          </a:p>
-          <a:p>
-            <a:pPr lvl="1">
-              <a:defRPr/>
-            </a:pPr>
-            <a:r>
-              <a:rPr lang="en-US" altLang="ja-JP" sz="1400" dirty="0"/>
-              <a:t>The name of a template file to generate the input files for quantum </a:t>
-            </a:r>
-            <a:r>
-              <a:rPr lang="en-US" altLang="ja-JP" sz="1400" dirty="0" err="1"/>
-              <a:t>chemisty</a:t>
-            </a:r>
-            <a:r>
-              <a:rPr lang="en-US" altLang="ja-JP" sz="1400" dirty="0"/>
-              <a:t> jobs.</a:t>
-            </a:r>
-          </a:p>
-          <a:p>
-            <a:pPr lvl="1">
-              <a:defRPr/>
-            </a:pPr>
-            <a:endParaRPr lang="en-US" altLang="ja-JP" sz="1400" dirty="0"/>
-          </a:p>
-          <a:p>
-            <a:pPr>
-              <a:defRPr/>
-            </a:pPr>
-            <a:r>
-              <a:rPr lang="en-US" altLang="ja-JP" sz="1400" dirty="0"/>
-              <a:t>options for generic</a:t>
-            </a:r>
-          </a:p>
-          <a:p>
-            <a:pPr marL="285750" indent="-285750">
-              <a:buFont typeface="Arial" charset="0"/>
-              <a:buChar char="•"/>
-              <a:defRPr/>
-            </a:pPr>
-            <a:r>
-              <a:rPr lang="en-US" altLang="ja-JP" sz="1400" dirty="0" err="1"/>
-              <a:t>xyzfile</a:t>
-            </a:r>
-            <a:r>
-              <a:rPr lang="en-US" altLang="ja-JP" sz="1400" dirty="0"/>
-              <a:t>: filename</a:t>
-            </a:r>
-          </a:p>
-          <a:p>
-            <a:pPr lvl="1">
-              <a:defRPr/>
-            </a:pPr>
-            <a:r>
-              <a:rPr lang="en-US" altLang="ja-JP" sz="1400" dirty="0" err="1"/>
-              <a:t>Basename</a:t>
-            </a:r>
-            <a:r>
-              <a:rPr lang="en-US" altLang="ja-JP" sz="1400" dirty="0"/>
-              <a:t> of a xyz file, where the coordinates of grid points are written. “.</a:t>
-            </a:r>
-            <a:r>
-              <a:rPr lang="en-US" altLang="ja-JP" sz="1400" dirty="0" err="1"/>
-              <a:t>xyz</a:t>
-            </a:r>
-            <a:r>
-              <a:rPr lang="en-US" altLang="ja-JP" sz="1400" dirty="0"/>
-              <a:t>” is automatically added. The PES data is read from </a:t>
-            </a:r>
-            <a:r>
-              <a:rPr lang="en-US" altLang="ja-JP" sz="1400" dirty="0" err="1"/>
-              <a:t>minfo</a:t>
-            </a:r>
-            <a:r>
-              <a:rPr lang="en-US" altLang="ja-JP" sz="1400" dirty="0"/>
-              <a:t> files in QFF and from a </a:t>
-            </a:r>
-            <a:r>
-              <a:rPr lang="en-US" altLang="ja-JP" sz="1400" dirty="0" err="1"/>
-              <a:t>dat</a:t>
-            </a:r>
-            <a:r>
-              <a:rPr lang="en-US" altLang="ja-JP" sz="1400" dirty="0"/>
-              <a:t> file, </a:t>
-            </a:r>
-            <a:r>
-              <a:rPr lang="en-US" altLang="ja-JP" sz="1400" i="1" dirty="0" err="1"/>
-              <a:t>filename</a:t>
-            </a:r>
-            <a:r>
-              <a:rPr lang="en-US" altLang="ja-JP" sz="1400" dirty="0" err="1"/>
-              <a:t>.dat</a:t>
-            </a:r>
-            <a:r>
-              <a:rPr lang="en-US" altLang="ja-JP" sz="1400" dirty="0"/>
-              <a:t>, in GRID. (default = </a:t>
-            </a:r>
-            <a:r>
-              <a:rPr lang="en-US" altLang="ja-JP" sz="1400" dirty="0" err="1"/>
-              <a:t>makeQFF</a:t>
-            </a:r>
-            <a:r>
-              <a:rPr lang="en-US" altLang="ja-JP" sz="1400" dirty="0"/>
-              <a:t> for QFF and </a:t>
-            </a:r>
-            <a:r>
-              <a:rPr lang="en-US" altLang="ja-JP" sz="1400" dirty="0" err="1"/>
-              <a:t>makeGrid</a:t>
-            </a:r>
-            <a:r>
-              <a:rPr lang="en-US" altLang="ja-JP" sz="1400" dirty="0"/>
-              <a:t> for GRID)</a:t>
-            </a:r>
-            <a:endParaRPr lang="en-US" altLang="ja-JP" dirty="0"/>
-          </a:p>
-        </p:txBody>
-      </p:sp>
-      <p:sp>
-        <p:nvSpPr>
           <p:cNvPr id="2" name="スライド番号プレースホルダー 1"/>
           <p:cNvSpPr>
             <a:spLocks noGrp="1"/>
@@ -32801,10 +32369,187 @@
           </a:p>
         </p:txBody>
       </p:sp>
+      <p:sp>
+        <p:nvSpPr>
+          <p:cNvPr id="3" name="テキスト ボックス 2"/>
+          <p:cNvSpPr txBox="1"/>
+          <p:nvPr/>
+        </p:nvSpPr>
+        <p:spPr>
+          <a:xfrm>
+            <a:off x="914401" y="395047"/>
+            <a:ext cx="7365999" cy="2462213"/>
+          </a:xfrm>
+          <a:prstGeom prst="rect">
+            <a:avLst/>
+          </a:prstGeom>
+          <a:noFill/>
+        </p:spPr>
+        <p:txBody>
+          <a:bodyPr wrap="square">
+            <a:spAutoFit/>
+          </a:bodyPr>
+          <a:lstStyle/>
+          <a:p>
+            <a:pPr marL="285750" indent="-285750">
+              <a:buFont typeface="Arial" charset="0"/>
+              <a:buChar char="•"/>
+              <a:defRPr/>
+            </a:pPr>
+            <a:r>
+              <a:rPr lang="en-US" altLang="ja-JP" sz="1400" dirty="0"/>
+              <a:t>interdomain: true / false</a:t>
+            </a:r>
+          </a:p>
+          <a:p>
+            <a:pPr lvl="1">
+              <a:defRPr/>
+            </a:pPr>
+            <a:r>
+              <a:rPr lang="en-US" altLang="ja-JP" sz="1400" dirty="0"/>
+              <a:t>Calculates inter-domain coupling terms, when true. (default = false)</a:t>
+            </a:r>
+          </a:p>
+          <a:p>
+            <a:pPr lvl="1">
+              <a:defRPr/>
+            </a:pPr>
+            <a:endParaRPr lang="en-US" altLang="ja-JP" sz="1400" dirty="0"/>
+          </a:p>
+          <a:p>
+            <a:pPr lvl="1">
+              <a:defRPr/>
+            </a:pPr>
+            <a:r>
+              <a:rPr lang="en-US" altLang="ja-JP" sz="1400" dirty="0"/>
+              <a:t>QFF</a:t>
+            </a:r>
+            <a:r>
+              <a:rPr lang="ja-JP" altLang="en-US" sz="1400" dirty="0"/>
+              <a:t>計算では、実行された量子化学計算の情報から、</a:t>
+            </a:r>
+            <a:r>
+              <a:rPr lang="en-US" altLang="ja-JP" sz="1400" dirty="0"/>
+              <a:t>Gradient</a:t>
+            </a:r>
+            <a:r>
+              <a:rPr lang="ja-JP" altLang="en-US" sz="1400" dirty="0"/>
+              <a:t>で数値微分の場合は</a:t>
+            </a:r>
+            <a:r>
+              <a:rPr lang="en-US" altLang="ja-JP" sz="1400" dirty="0" err="1"/>
+              <a:t>tiij</a:t>
+            </a:r>
+            <a:r>
+              <a:rPr lang="en-US" altLang="ja-JP" sz="1400" dirty="0"/>
+              <a:t>, </a:t>
+            </a:r>
+            <a:r>
+              <a:rPr lang="en-US" altLang="ja-JP" sz="1400" dirty="0" err="1"/>
+              <a:t>uiiij</a:t>
+            </a:r>
+            <a:r>
+              <a:rPr lang="ja-JP" altLang="en-US" sz="1400" dirty="0"/>
+              <a:t>、</a:t>
+            </a:r>
+            <a:r>
+              <a:rPr lang="en-US" altLang="ja-JP" sz="1400" dirty="0"/>
+              <a:t>Hessian</a:t>
+            </a:r>
+            <a:r>
+              <a:rPr lang="ja-JP" altLang="en-US" sz="1400" dirty="0"/>
+              <a:t>で数値微分の場合は</a:t>
+            </a:r>
+            <a:r>
+              <a:rPr lang="en-US" altLang="ja-JP" sz="1400" dirty="0"/>
+              <a:t>3MR</a:t>
+            </a:r>
+            <a:r>
+              <a:rPr lang="ja-JP" altLang="en-US" sz="1400" dirty="0"/>
+              <a:t>までドメイン間カップリングが計算可能だが、</a:t>
+            </a:r>
+            <a:r>
+              <a:rPr lang="en-US" altLang="ja-JP" sz="1400" dirty="0"/>
+              <a:t>interdomain = false</a:t>
+            </a:r>
+            <a:r>
+              <a:rPr lang="ja-JP" altLang="en-US" sz="1400"/>
+              <a:t>では</a:t>
+            </a:r>
+            <a:r>
+              <a:rPr lang="ja-JP" altLang="en-US" sz="1400" dirty="0"/>
+              <a:t>これらは出力されない。出力したい場合は、</a:t>
+            </a:r>
+            <a:r>
+              <a:rPr lang="en-US" altLang="ja-JP" sz="1400" dirty="0"/>
+              <a:t>interdomain=true</a:t>
+            </a:r>
+            <a:r>
+              <a:rPr lang="ja-JP" altLang="en-US" sz="1400"/>
+              <a:t>で</a:t>
+            </a:r>
+            <a:r>
+              <a:rPr lang="ja-JP" altLang="en-US" sz="1400" dirty="0"/>
+              <a:t>再計算する。</a:t>
+            </a:r>
+            <a:endParaRPr lang="en-US" altLang="ja-JP" sz="1400" dirty="0"/>
+          </a:p>
+          <a:p>
+            <a:pPr lvl="1">
+              <a:defRPr/>
+            </a:pPr>
+            <a:endParaRPr lang="en-US" altLang="ja-JP" sz="1400" dirty="0"/>
+          </a:p>
+          <a:p>
+            <a:pPr lvl="1">
+              <a:defRPr/>
+            </a:pPr>
+            <a:r>
+              <a:rPr lang="en-US" altLang="ja-JP" sz="1400" dirty="0"/>
+              <a:t>Hessian</a:t>
+            </a:r>
+            <a:r>
+              <a:rPr lang="ja-JP" altLang="en-US" sz="1400" dirty="0"/>
+              <a:t>の場合、</a:t>
+            </a:r>
+            <a:r>
+              <a:rPr lang="en-US" altLang="ja-JP" sz="1400" dirty="0" err="1"/>
+              <a:t>minfo.files</a:t>
+            </a:r>
+            <a:r>
+              <a:rPr lang="ja-JP" altLang="en-US" sz="1400" dirty="0"/>
+              <a:t>からデータを読み込めば、追加の量子化学計算なく</a:t>
+            </a:r>
+            <a:r>
+              <a:rPr lang="en-US" altLang="ja-JP" sz="1400" dirty="0"/>
+              <a:t>3MR</a:t>
+            </a:r>
+            <a:r>
+              <a:rPr lang="ja-JP" altLang="en-US" sz="1400" dirty="0"/>
+              <a:t>まで計算できため、実は計算負荷の軽減にはならない。</a:t>
+            </a:r>
+            <a:r>
+              <a:rPr lang="en-US" altLang="ja-JP" sz="1400" dirty="0"/>
+              <a:t>4MR</a:t>
+            </a:r>
+            <a:r>
+              <a:rPr lang="ja-JP" altLang="en-US" sz="1400" dirty="0"/>
+              <a:t>は追加計算が必要となる。</a:t>
+            </a:r>
+            <a:endParaRPr lang="en-US" altLang="ja-JP" sz="1400" dirty="0"/>
+          </a:p>
+          <a:p>
+            <a:pPr lvl="1">
+              <a:defRPr/>
+            </a:pPr>
+            <a:endParaRPr lang="en-US" altLang="ja-JP" sz="1400" dirty="0"/>
+          </a:p>
+        </p:txBody>
+      </p:sp>
     </p:spTree>
     <p:extLst>
       <p:ext uri="{BB962C8B-B14F-4D97-AF65-F5344CB8AC3E}">
-        <p14:creationId xmlns:p14="http://schemas.microsoft.com/office/powerpoint/2010/main" val="1025583675"/>
+        <p14:creationId xmlns:p14="http://schemas.microsoft.com/office/powerpoint/2010/main" val="962116655"/>
       </p:ext>
     </p:extLst>
   </p:cSld>
@@ -32833,14 +32578,14 @@
       </p:grpSpPr>
       <p:sp>
         <p:nvSpPr>
-          <p:cNvPr id="2" name="テキスト ボックス 1"/>
+          <p:cNvPr id="4" name="テキスト ボックス 3"/>
           <p:cNvSpPr txBox="1"/>
           <p:nvPr/>
         </p:nvSpPr>
         <p:spPr>
           <a:xfrm>
-            <a:off x="914401" y="232637"/>
-            <a:ext cx="7365999" cy="4569777"/>
+            <a:off x="914401" y="223598"/>
+            <a:ext cx="7827665" cy="5970865"/>
           </a:xfrm>
           <a:prstGeom prst="rect">
             <a:avLst/>
@@ -32857,46 +32602,23 @@
               <a:defRPr/>
             </a:pPr>
             <a:r>
-              <a:rPr lang="en-US" altLang="ja-JP" sz="1800" dirty="0">
-                <a:latin typeface="+mn-lt"/>
-              </a:rPr>
-              <a:t>QFF section</a:t>
+              <a:rPr lang="en-US" altLang="ja-JP" dirty="0"/>
+              <a:t>QCHEM section</a:t>
             </a:r>
           </a:p>
           <a:p>
             <a:pPr>
               <a:defRPr/>
             </a:pPr>
-            <a:endParaRPr lang="en-US" altLang="ja-JP" sz="1800" dirty="0">
-              <a:latin typeface="+mn-lt"/>
-            </a:endParaRPr>
-          </a:p>
-          <a:p>
-            <a:pPr marL="285750" indent="-285750">
-              <a:buFont typeface="Arial" charset="0"/>
-              <a:buChar char="•"/>
+            <a:endParaRPr lang="en-US" altLang="ja-JP" sz="1400" dirty="0"/>
+          </a:p>
+          <a:p>
+            <a:pPr>
               <a:defRPr/>
             </a:pPr>
             <a:r>
               <a:rPr lang="en-US" altLang="ja-JP" sz="1400" dirty="0"/>
-              <a:t>QCID: string</a:t>
-            </a:r>
-          </a:p>
-          <a:p>
-            <a:pPr lvl="1">
-              <a:defRPr/>
-            </a:pPr>
-            <a:r>
-              <a:rPr lang="en-US" altLang="ja-JP" sz="1400" dirty="0"/>
-              <a:t>The ID of associated &lt;</a:t>
-            </a:r>
-            <a:r>
-              <a:rPr lang="en-US" altLang="ja-JP" sz="1400" dirty="0" err="1"/>
-              <a:t>qchem</a:t>
-            </a:r>
-            <a:r>
-              <a:rPr lang="en-US" altLang="ja-JP" sz="1400" dirty="0"/>
-              <a:t>&gt;</a:t>
+              <a:t>ID: string</a:t>
             </a:r>
           </a:p>
           <a:p>
@@ -32914,12 +32636,8 @@
               <a:defRPr/>
             </a:pPr>
             <a:r>
-              <a:rPr lang="en-US" altLang="ja-JP" sz="1400" dirty="0" err="1"/>
-              <a:t>stepsize</a:t>
-            </a:r>
-            <a:r>
-              <a:rPr lang="en-US" altLang="ja-JP" sz="1400" dirty="0"/>
-              <a:t>: real number</a:t>
+              <a:rPr lang="en-US" altLang="ja-JP" sz="1400" dirty="0"/>
+              <a:t>program: string</a:t>
             </a:r>
           </a:p>
           <a:p>
@@ -32928,11 +32646,28 @@
             </a:pPr>
             <a:r>
               <a:rPr lang="en-US" altLang="ja-JP" sz="1400" dirty="0"/>
-              <a:t>The step size for numerical differentiations in dimensionless unit. (default = 0.5)  </a:t>
-            </a:r>
-          </a:p>
-          <a:p>
-            <a:pPr lvl="2">
+              <a:t>gaussian  … Interface with Gaussian </a:t>
+            </a:r>
+          </a:p>
+          <a:p>
+            <a:pPr lvl="1">
+              <a:defRPr/>
+            </a:pPr>
+            <a:r>
+              <a:rPr lang="en-US" altLang="ja-JP" sz="1400" dirty="0"/>
+              <a:t>generic   … Print the coordinates to a </a:t>
+            </a:r>
+            <a:r>
+              <a:rPr lang="en-US" altLang="ja-JP" sz="1400" dirty="0" err="1"/>
+              <a:t>xyz</a:t>
+            </a:r>
+            <a:r>
+              <a:rPr lang="en-US" altLang="ja-JP" sz="1400" dirty="0"/>
+              <a:t> file</a:t>
+            </a:r>
+          </a:p>
+          <a:p>
+            <a:pPr lvl="1">
               <a:defRPr/>
             </a:pPr>
             <a:endParaRPr lang="en-US" altLang="ja-JP" sz="1400" dirty="0"/>
@@ -32944,18 +32679,9 @@
               <a:defRPr/>
             </a:pPr>
             <a:r>
-              <a:rPr lang="en-US" altLang="ja-JP" sz="1400" dirty="0" err="1"/>
-              <a:t>ndifftype</a:t>
-            </a:r>
-            <a:r>
-              <a:rPr lang="en-US" altLang="ja-JP" sz="1400" dirty="0"/>
-              <a:t>:  grad or </a:t>
-            </a:r>
-            <a:r>
-              <a:rPr lang="en-US" altLang="ja-JP" sz="1400" dirty="0" err="1"/>
-              <a:t>hess</a:t>
-            </a:r>
-            <a:endParaRPr lang="en-US" altLang="ja-JP" sz="1400" dirty="0"/>
+              <a:rPr lang="en-US" altLang="ja-JP" sz="1400" dirty="0"/>
+              <a:t>title: string</a:t>
+            </a:r>
           </a:p>
           <a:p>
             <a:pPr lvl="1">
@@ -32963,89 +32689,7 @@
             </a:pPr>
             <a:r>
               <a:rPr lang="en-US" altLang="ja-JP" sz="1400" dirty="0"/>
-              <a:t>The type of numerical differentiations.</a:t>
-            </a:r>
-          </a:p>
-          <a:p>
-            <a:pPr lvl="2">
-              <a:defRPr/>
-            </a:pPr>
-            <a:r>
-              <a:rPr lang="en-US" altLang="ja-JP" sz="1400" dirty="0"/>
-              <a:t>grad : Numerical 3rd-order diff. of gradient. </a:t>
-            </a:r>
-          </a:p>
-          <a:p>
-            <a:pPr lvl="2">
-              <a:defRPr/>
-            </a:pPr>
-            <a:r>
-              <a:rPr lang="en-US" altLang="ja-JP" sz="1400" dirty="0" err="1"/>
-              <a:t>hess</a:t>
-            </a:r>
-            <a:r>
-              <a:rPr lang="en-US" altLang="ja-JP" sz="1400" dirty="0"/>
-              <a:t> (default) : Numerical 2nd-order diff. of hessian. </a:t>
-            </a:r>
-          </a:p>
-          <a:p>
-            <a:pPr lvl="2">
-              <a:defRPr/>
-            </a:pPr>
-            <a:endParaRPr lang="en-US" altLang="ja-JP" sz="1400" dirty="0"/>
-          </a:p>
-          <a:p>
-            <a:pPr marL="285750" indent="-285750">
-              <a:buFont typeface="Arial" charset="0"/>
-              <a:buChar char="•"/>
-              <a:defRPr/>
-            </a:pPr>
-            <a:r>
-              <a:rPr lang="en-US" altLang="ja-JP" sz="1400" dirty="0" err="1"/>
-              <a:t>mopfile</a:t>
-            </a:r>
-            <a:r>
-              <a:rPr lang="en-US" altLang="ja-JP" sz="1400" dirty="0"/>
-              <a:t>: file name</a:t>
-            </a:r>
-          </a:p>
-          <a:p>
-            <a:pPr lvl="1">
-              <a:defRPr/>
-            </a:pPr>
-            <a:r>
-              <a:rPr lang="en-US" altLang="ja-JP" sz="1400" dirty="0"/>
-              <a:t>The name of mop file, in which the QFF coefficients are written. (default = prop_no_1.mop) This format is compatible with the MIDAS software developed by Christiansen and coworkers.  </a:t>
-            </a:r>
-          </a:p>
-          <a:p>
-            <a:pPr lvl="2">
-              <a:defRPr/>
-            </a:pPr>
-            <a:endParaRPr lang="en-US" altLang="ja-JP" sz="1400" dirty="0"/>
-          </a:p>
-          <a:p>
-            <a:pPr marL="285750" indent="-285750">
-              <a:buFont typeface="Arial" charset="0"/>
-              <a:buChar char="•"/>
-              <a:defRPr/>
-            </a:pPr>
-            <a:r>
-              <a:rPr lang="en-US" altLang="ja-JP" sz="1400" dirty="0" err="1"/>
-              <a:t>interdomain_hc</a:t>
-            </a:r>
-            <a:r>
-              <a:rPr lang="en-US" altLang="ja-JP" sz="1400" dirty="0"/>
-              <a:t>: true/false</a:t>
-            </a:r>
-          </a:p>
-          <a:p>
-            <a:pPr lvl="1">
-              <a:defRPr/>
-            </a:pPr>
-            <a:r>
-              <a:rPr lang="en-US" altLang="ja-JP" sz="1400" dirty="0"/>
-              <a:t>Prints the harmonic coupling, when true. (default = true)</a:t>
+              <a:t>A title line that will be printed to PES files.</a:t>
             </a:r>
           </a:p>
           <a:p>
@@ -33056,11 +32700,204 @@
             </a:pPr>
             <a:endParaRPr lang="en-US" altLang="ja-JP" sz="1400" dirty="0"/>
           </a:p>
-        </p:txBody>
-      </p:sp>
-      <p:sp>
-        <p:nvSpPr>
-          <p:cNvPr id="3" name="スライド番号プレースホルダー 2"/>
+          <a:p>
+            <a:pPr>
+              <a:defRPr/>
+            </a:pPr>
+            <a:r>
+              <a:rPr lang="en-US" altLang="ja-JP" sz="1400" dirty="0"/>
+              <a:t>options for non-generic (=Gaussian)</a:t>
+            </a:r>
+          </a:p>
+          <a:p>
+            <a:pPr marL="285750" indent="-285750">
+              <a:buFont typeface="Arial" charset="0"/>
+              <a:buChar char="•"/>
+              <a:defRPr/>
+            </a:pPr>
+            <a:r>
+              <a:rPr lang="en-US" altLang="ja-JP" sz="1400" dirty="0" err="1"/>
+              <a:t>removefiles</a:t>
+            </a:r>
+            <a:r>
+              <a:rPr lang="en-US" altLang="ja-JP" sz="1400" dirty="0"/>
+              <a:t>: true/false</a:t>
+            </a:r>
+          </a:p>
+          <a:p>
+            <a:pPr lvl="1">
+              <a:defRPr/>
+            </a:pPr>
+            <a:r>
+              <a:rPr lang="en-US" altLang="ja-JP" sz="1400" dirty="0"/>
+              <a:t>Removes the input/output files of the quantum chemistry program, when true. (default = false)</a:t>
+            </a:r>
+          </a:p>
+          <a:p>
+            <a:pPr lvl="2">
+              <a:defRPr/>
+            </a:pPr>
+            <a:endParaRPr lang="en-US" altLang="ja-JP" sz="1400" dirty="0"/>
+          </a:p>
+          <a:p>
+            <a:pPr marL="285750" indent="-285750">
+              <a:buFont typeface="Arial" charset="0"/>
+              <a:buChar char="•"/>
+              <a:defRPr/>
+            </a:pPr>
+            <a:r>
+              <a:rPr lang="en-US" altLang="ja-JP" sz="1400" dirty="0" err="1"/>
+              <a:t>dryrun</a:t>
+            </a:r>
+            <a:r>
+              <a:rPr lang="en-US" altLang="ja-JP" sz="1400" dirty="0"/>
+              <a:t>: true/false</a:t>
+            </a:r>
+          </a:p>
+          <a:p>
+            <a:pPr lvl="1">
+              <a:defRPr/>
+            </a:pPr>
+            <a:r>
+              <a:rPr lang="en-US" altLang="ja-JP" sz="1400" dirty="0"/>
+              <a:t>Generates the input files for the quantum chemistry program and exits without execution, when true. (default = false) </a:t>
+            </a:r>
+          </a:p>
+          <a:p>
+            <a:pPr lvl="1">
+              <a:defRPr/>
+            </a:pPr>
+            <a:endParaRPr lang="en-US" altLang="ja-JP" sz="1400" dirty="0"/>
+          </a:p>
+          <a:p>
+            <a:pPr marL="285750" indent="-285750">
+              <a:buFont typeface="Arial" charset="0"/>
+              <a:buChar char="•"/>
+              <a:defRPr/>
+            </a:pPr>
+            <a:r>
+              <a:rPr lang="en-US" altLang="ja-JP" sz="1400" dirty="0"/>
+              <a:t>template: file name</a:t>
+            </a:r>
+          </a:p>
+          <a:p>
+            <a:pPr lvl="1">
+              <a:defRPr/>
+            </a:pPr>
+            <a:r>
+              <a:rPr lang="en-US" altLang="ja-JP" sz="1400" dirty="0"/>
+              <a:t>The name of a template file to generate the input files for quantum </a:t>
+            </a:r>
+            <a:r>
+              <a:rPr lang="en-US" altLang="ja-JP" sz="1400" dirty="0" err="1"/>
+              <a:t>chemisty</a:t>
+            </a:r>
+            <a:r>
+              <a:rPr lang="en-US" altLang="ja-JP" sz="1400" dirty="0"/>
+              <a:t> jobs.</a:t>
+            </a:r>
+          </a:p>
+          <a:p>
+            <a:pPr lvl="1">
+              <a:defRPr/>
+            </a:pPr>
+            <a:endParaRPr lang="en-US" altLang="ja-JP" sz="1400" dirty="0"/>
+          </a:p>
+          <a:p>
+            <a:pPr>
+              <a:defRPr/>
+            </a:pPr>
+            <a:r>
+              <a:rPr lang="en-US" altLang="ja-JP" sz="1400" dirty="0"/>
+              <a:t>options for generic</a:t>
+            </a:r>
+          </a:p>
+          <a:p>
+            <a:pPr marL="285750" indent="-285750">
+              <a:buFont typeface="Arial" charset="0"/>
+              <a:buChar char="•"/>
+              <a:defRPr/>
+            </a:pPr>
+            <a:r>
+              <a:rPr lang="en-US" altLang="ja-JP" sz="1400" dirty="0" err="1"/>
+              <a:t>xyzfile</a:t>
+            </a:r>
+            <a:r>
+              <a:rPr lang="en-US" altLang="ja-JP" sz="1400" dirty="0"/>
+              <a:t>: filename</a:t>
+            </a:r>
+          </a:p>
+          <a:p>
+            <a:pPr lvl="1">
+              <a:defRPr/>
+            </a:pPr>
+            <a:r>
+              <a:rPr lang="en-US" altLang="ja-JP" sz="1400" dirty="0" err="1"/>
+              <a:t>Basename</a:t>
+            </a:r>
+            <a:r>
+              <a:rPr lang="en-US" altLang="ja-JP" sz="1400" dirty="0"/>
+              <a:t> of a xyz file, where the coordinates of grid points are written. “.</a:t>
+            </a:r>
+            <a:r>
+              <a:rPr lang="en-US" altLang="ja-JP" sz="1400" dirty="0" err="1"/>
+              <a:t>xyz</a:t>
+            </a:r>
+            <a:r>
+              <a:rPr lang="en-US" altLang="ja-JP" sz="1400" dirty="0"/>
+              <a:t>” is automatically added. The PES data is read from </a:t>
+            </a:r>
+            <a:r>
+              <a:rPr lang="en-US" altLang="ja-JP" sz="1400" dirty="0" err="1"/>
+              <a:t>minfo</a:t>
+            </a:r>
+            <a:r>
+              <a:rPr lang="en-US" altLang="ja-JP" sz="1400" dirty="0"/>
+              <a:t> files in QFF and from a </a:t>
+            </a:r>
+            <a:r>
+              <a:rPr lang="en-US" altLang="ja-JP" sz="1400" dirty="0" err="1"/>
+              <a:t>dat</a:t>
+            </a:r>
+            <a:r>
+              <a:rPr lang="en-US" altLang="ja-JP" sz="1400" dirty="0"/>
+              <a:t> file, </a:t>
+            </a:r>
+            <a:r>
+              <a:rPr lang="en-US" altLang="ja-JP" sz="1400" i="1" dirty="0" err="1"/>
+              <a:t>filename</a:t>
+            </a:r>
+            <a:r>
+              <a:rPr lang="en-US" altLang="ja-JP" sz="1400" dirty="0" err="1"/>
+              <a:t>.dat</a:t>
+            </a:r>
+            <a:r>
+              <a:rPr lang="en-US" altLang="ja-JP" sz="1400" dirty="0"/>
+              <a:t>, in GRID. (default = </a:t>
+            </a:r>
+            <a:r>
+              <a:rPr lang="en-US" altLang="ja-JP" sz="1400" dirty="0" err="1"/>
+              <a:t>makeQFF</a:t>
+            </a:r>
+            <a:r>
+              <a:rPr lang="en-US" altLang="ja-JP" sz="1400" dirty="0"/>
+              <a:t> for QFF and </a:t>
+            </a:r>
+            <a:r>
+              <a:rPr lang="en-US" altLang="ja-JP" sz="1400" dirty="0" err="1"/>
+              <a:t>makeGrid</a:t>
+            </a:r>
+            <a:r>
+              <a:rPr lang="en-US" altLang="ja-JP" sz="1400" dirty="0"/>
+              <a:t> for GRID)</a:t>
+            </a:r>
+            <a:endParaRPr lang="en-US" altLang="ja-JP" dirty="0"/>
+          </a:p>
+        </p:txBody>
+      </p:sp>
+      <p:sp>
+        <p:nvSpPr>
+          <p:cNvPr id="2" name="スライド番号プレースホルダー 1"/>
           <p:cNvSpPr>
             <a:spLocks noGrp="1"/>
           </p:cNvSpPr>
@@ -33084,7 +32921,7 @@
     </p:spTree>
     <p:extLst>
       <p:ext uri="{BB962C8B-B14F-4D97-AF65-F5344CB8AC3E}">
-        <p14:creationId xmlns:p14="http://schemas.microsoft.com/office/powerpoint/2010/main" val="1524324311"/>
+        <p14:creationId xmlns:p14="http://schemas.microsoft.com/office/powerpoint/2010/main" val="1025583675"/>
       </p:ext>
     </p:extLst>
   </p:cSld>
@@ -33113,7 +32950,234 @@
       </p:grpSpPr>
       <p:sp>
         <p:nvSpPr>
-          <p:cNvPr id="2" name="スライド番号プレースホルダー 1"/>
+          <p:cNvPr id="2" name="テキスト ボックス 1"/>
+          <p:cNvSpPr txBox="1"/>
+          <p:nvPr/>
+        </p:nvSpPr>
+        <p:spPr>
+          <a:xfrm>
+            <a:off x="914401" y="232637"/>
+            <a:ext cx="7365999" cy="4569777"/>
+          </a:xfrm>
+          <a:prstGeom prst="rect">
+            <a:avLst/>
+          </a:prstGeom>
+          <a:noFill/>
+        </p:spPr>
+        <p:txBody>
+          <a:bodyPr wrap="square">
+            <a:spAutoFit/>
+          </a:bodyPr>
+          <a:lstStyle/>
+          <a:p>
+            <a:pPr>
+              <a:defRPr/>
+            </a:pPr>
+            <a:r>
+              <a:rPr lang="en-US" altLang="ja-JP" sz="1800" dirty="0">
+                <a:latin typeface="+mn-lt"/>
+              </a:rPr>
+              <a:t>QFF section</a:t>
+            </a:r>
+          </a:p>
+          <a:p>
+            <a:pPr>
+              <a:defRPr/>
+            </a:pPr>
+            <a:endParaRPr lang="en-US" altLang="ja-JP" sz="1800" dirty="0">
+              <a:latin typeface="+mn-lt"/>
+            </a:endParaRPr>
+          </a:p>
+          <a:p>
+            <a:pPr marL="285750" indent="-285750">
+              <a:buFont typeface="Arial" charset="0"/>
+              <a:buChar char="•"/>
+              <a:defRPr/>
+            </a:pPr>
+            <a:r>
+              <a:rPr lang="en-US" altLang="ja-JP" sz="1400" dirty="0"/>
+              <a:t>QCID: string</a:t>
+            </a:r>
+          </a:p>
+          <a:p>
+            <a:pPr lvl="1">
+              <a:defRPr/>
+            </a:pPr>
+            <a:r>
+              <a:rPr lang="en-US" altLang="ja-JP" sz="1400" dirty="0"/>
+              <a:t>The ID of associated &lt;</a:t>
+            </a:r>
+            <a:r>
+              <a:rPr lang="en-US" altLang="ja-JP" sz="1400" dirty="0" err="1"/>
+              <a:t>qchem</a:t>
+            </a:r>
+            <a:r>
+              <a:rPr lang="en-US" altLang="ja-JP" sz="1400" dirty="0"/>
+              <a:t>&gt;</a:t>
+            </a:r>
+          </a:p>
+          <a:p>
+            <a:pPr marL="285750" indent="-285750">
+              <a:buFont typeface="Arial" charset="0"/>
+              <a:buChar char="•"/>
+              <a:defRPr/>
+            </a:pPr>
+            <a:endParaRPr lang="en-US" altLang="ja-JP" sz="1400" dirty="0"/>
+          </a:p>
+          <a:p>
+            <a:pPr marL="285750" indent="-285750">
+              <a:buFont typeface="Arial" charset="0"/>
+              <a:buChar char="•"/>
+              <a:defRPr/>
+            </a:pPr>
+            <a:r>
+              <a:rPr lang="en-US" altLang="ja-JP" sz="1400" dirty="0" err="1"/>
+              <a:t>stepsize</a:t>
+            </a:r>
+            <a:r>
+              <a:rPr lang="en-US" altLang="ja-JP" sz="1400" dirty="0"/>
+              <a:t>: real number</a:t>
+            </a:r>
+          </a:p>
+          <a:p>
+            <a:pPr lvl="1">
+              <a:defRPr/>
+            </a:pPr>
+            <a:r>
+              <a:rPr lang="en-US" altLang="ja-JP" sz="1400" dirty="0"/>
+              <a:t>The step size for numerical differentiations in dimensionless unit. (default = 0.5)  </a:t>
+            </a:r>
+          </a:p>
+          <a:p>
+            <a:pPr lvl="2">
+              <a:defRPr/>
+            </a:pPr>
+            <a:endParaRPr lang="en-US" altLang="ja-JP" sz="1400" dirty="0"/>
+          </a:p>
+          <a:p>
+            <a:pPr marL="285750" indent="-285750">
+              <a:buFont typeface="Arial" charset="0"/>
+              <a:buChar char="•"/>
+              <a:defRPr/>
+            </a:pPr>
+            <a:r>
+              <a:rPr lang="en-US" altLang="ja-JP" sz="1400" dirty="0" err="1"/>
+              <a:t>ndifftype</a:t>
+            </a:r>
+            <a:r>
+              <a:rPr lang="en-US" altLang="ja-JP" sz="1400" dirty="0"/>
+              <a:t>:  grad or </a:t>
+            </a:r>
+            <a:r>
+              <a:rPr lang="en-US" altLang="ja-JP" sz="1400" dirty="0" err="1"/>
+              <a:t>hess</a:t>
+            </a:r>
+            <a:endParaRPr lang="en-US" altLang="ja-JP" sz="1400" dirty="0"/>
+          </a:p>
+          <a:p>
+            <a:pPr lvl="1">
+              <a:defRPr/>
+            </a:pPr>
+            <a:r>
+              <a:rPr lang="en-US" altLang="ja-JP" sz="1400" dirty="0"/>
+              <a:t>The type of numerical differentiations.</a:t>
+            </a:r>
+          </a:p>
+          <a:p>
+            <a:pPr lvl="2">
+              <a:defRPr/>
+            </a:pPr>
+            <a:r>
+              <a:rPr lang="en-US" altLang="ja-JP" sz="1400" dirty="0"/>
+              <a:t>grad : Numerical 3rd-order diff. of gradient. </a:t>
+            </a:r>
+          </a:p>
+          <a:p>
+            <a:pPr lvl="2">
+              <a:defRPr/>
+            </a:pPr>
+            <a:r>
+              <a:rPr lang="en-US" altLang="ja-JP" sz="1400" dirty="0" err="1"/>
+              <a:t>hess</a:t>
+            </a:r>
+            <a:r>
+              <a:rPr lang="en-US" altLang="ja-JP" sz="1400" dirty="0"/>
+              <a:t> (default) : Numerical 2nd-order diff. of hessian. </a:t>
+            </a:r>
+          </a:p>
+          <a:p>
+            <a:pPr lvl="2">
+              <a:defRPr/>
+            </a:pPr>
+            <a:endParaRPr lang="en-US" altLang="ja-JP" sz="1400" dirty="0"/>
+          </a:p>
+          <a:p>
+            <a:pPr marL="285750" indent="-285750">
+              <a:buFont typeface="Arial" charset="0"/>
+              <a:buChar char="•"/>
+              <a:defRPr/>
+            </a:pPr>
+            <a:r>
+              <a:rPr lang="en-US" altLang="ja-JP" sz="1400" dirty="0" err="1"/>
+              <a:t>mopfile</a:t>
+            </a:r>
+            <a:r>
+              <a:rPr lang="en-US" altLang="ja-JP" sz="1400" dirty="0"/>
+              <a:t>: file name</a:t>
+            </a:r>
+          </a:p>
+          <a:p>
+            <a:pPr lvl="1">
+              <a:defRPr/>
+            </a:pPr>
+            <a:r>
+              <a:rPr lang="en-US" altLang="ja-JP" sz="1400" dirty="0"/>
+              <a:t>The name of mop file, in which the QFF coefficients are written. (default = prop_no_1.mop) This format is compatible with the MIDAS software developed by Christiansen and coworkers.  </a:t>
+            </a:r>
+          </a:p>
+          <a:p>
+            <a:pPr lvl="2">
+              <a:defRPr/>
+            </a:pPr>
+            <a:endParaRPr lang="en-US" altLang="ja-JP" sz="1400" dirty="0"/>
+          </a:p>
+          <a:p>
+            <a:pPr marL="285750" indent="-285750">
+              <a:buFont typeface="Arial" charset="0"/>
+              <a:buChar char="•"/>
+              <a:defRPr/>
+            </a:pPr>
+            <a:r>
+              <a:rPr lang="en-US" altLang="ja-JP" sz="1400" dirty="0" err="1"/>
+              <a:t>interdomain_hc</a:t>
+            </a:r>
+            <a:r>
+              <a:rPr lang="en-US" altLang="ja-JP" sz="1400" dirty="0"/>
+              <a:t>: true/false</a:t>
+            </a:r>
+          </a:p>
+          <a:p>
+            <a:pPr lvl="1">
+              <a:defRPr/>
+            </a:pPr>
+            <a:r>
+              <a:rPr lang="en-US" altLang="ja-JP" sz="1400" dirty="0"/>
+              <a:t>Prints the harmonic coupling, when true. (default = true)</a:t>
+            </a:r>
+          </a:p>
+          <a:p>
+            <a:pPr marL="285750" indent="-285750">
+              <a:buFont typeface="Arial" charset="0"/>
+              <a:buChar char="•"/>
+              <a:defRPr/>
+            </a:pPr>
+            <a:endParaRPr lang="en-US" altLang="ja-JP" sz="1400" dirty="0"/>
+          </a:p>
+        </p:txBody>
+      </p:sp>
+      <p:sp>
+        <p:nvSpPr>
+          <p:cNvPr id="3" name="スライド番号プレースホルダー 2"/>
           <p:cNvSpPr>
             <a:spLocks noGrp="1"/>
           </p:cNvSpPr>
@@ -33134,176 +33198,10 @@
           </a:p>
         </p:txBody>
       </p:sp>
-      <p:sp>
-        <p:nvSpPr>
-          <p:cNvPr id="4" name="テキスト ボックス 3"/>
-          <p:cNvSpPr txBox="1"/>
-          <p:nvPr/>
-        </p:nvSpPr>
-        <p:spPr>
-          <a:xfrm>
-            <a:off x="914401" y="334237"/>
-            <a:ext cx="7827665" cy="4247317"/>
-          </a:xfrm>
-          <a:prstGeom prst="rect">
-            <a:avLst/>
-          </a:prstGeom>
-          <a:noFill/>
-        </p:spPr>
-        <p:txBody>
-          <a:bodyPr wrap="square">
-            <a:spAutoFit/>
-          </a:bodyPr>
-          <a:lstStyle/>
-          <a:p>
-            <a:pPr marL="285750" indent="-285750">
-              <a:buFont typeface="Arial" charset="0"/>
-              <a:buChar char="•"/>
-              <a:defRPr/>
-            </a:pPr>
-            <a:r>
-              <a:rPr lang="en-US" altLang="ja-JP" sz="1400" dirty="0"/>
-              <a:t>gradient and hessian: input/current</a:t>
-            </a:r>
-          </a:p>
-          <a:p>
-            <a:pPr lvl="1">
-              <a:defRPr/>
-            </a:pPr>
-            <a:r>
-              <a:rPr lang="en-US" altLang="ja-JP" sz="1400" dirty="0"/>
-              <a:t>Specifies where the gradient and Hessian are retrieved. </a:t>
-            </a:r>
-          </a:p>
-          <a:p>
-            <a:pPr lvl="2">
-              <a:defRPr/>
-            </a:pPr>
-            <a:r>
-              <a:rPr lang="en-US" altLang="ja-JP" sz="1400" dirty="0"/>
-              <a:t>input (default) : From the input </a:t>
-            </a:r>
-            <a:r>
-              <a:rPr lang="en-US" altLang="ja-JP" sz="1400" dirty="0" err="1"/>
-              <a:t>minfo</a:t>
-            </a:r>
-            <a:r>
-              <a:rPr lang="en-US" altLang="ja-JP" sz="1400" dirty="0"/>
-              <a:t> file.</a:t>
-            </a:r>
-            <a:br>
-              <a:rPr lang="en-US" altLang="ja-JP" sz="1400" dirty="0"/>
-            </a:br>
-            <a:r>
-              <a:rPr lang="en-US" altLang="ja-JP" sz="1400" dirty="0"/>
-              <a:t>current : From the current calculation. (</a:t>
-            </a:r>
-            <a:r>
-              <a:rPr lang="en-US" altLang="ja-JP" sz="1400" dirty="0" err="1"/>
-              <a:t>mkqff-eq.minfo</a:t>
-            </a:r>
-            <a:r>
-              <a:rPr lang="en-US" altLang="ja-JP" sz="1400" dirty="0"/>
-              <a:t>) </a:t>
-            </a:r>
-          </a:p>
-          <a:p>
-            <a:pPr lvl="2">
-              <a:defRPr/>
-            </a:pPr>
-            <a:endParaRPr lang="en-US" altLang="ja-JP" sz="1400" dirty="0"/>
-          </a:p>
-          <a:p>
-            <a:pPr lvl="1">
-              <a:defRPr/>
-            </a:pPr>
-            <a:r>
-              <a:rPr lang="en-US" altLang="ja-JP" sz="1400" dirty="0"/>
-              <a:t>“input” is useful for combining accurate geometry, gradient, and Hessian, read from the input </a:t>
-            </a:r>
-            <a:r>
-              <a:rPr lang="en-US" altLang="ja-JP" sz="1400" dirty="0" err="1"/>
-              <a:t>minfo</a:t>
-            </a:r>
-            <a:r>
-              <a:rPr lang="en-US" altLang="ja-JP" sz="1400" dirty="0"/>
-              <a:t> file, with lower-level cubic and quartic terms, which are calculated by </a:t>
-            </a:r>
-            <a:r>
-              <a:rPr lang="en-US" altLang="ja-JP" sz="1400" dirty="0" err="1"/>
-              <a:t>MakePES</a:t>
-            </a:r>
-            <a:r>
-              <a:rPr lang="en-US" altLang="ja-JP" sz="1400" dirty="0"/>
-              <a:t> module. </a:t>
-            </a:r>
-          </a:p>
-          <a:p>
-            <a:pPr lvl="1">
-              <a:defRPr/>
-            </a:pPr>
-            <a:endParaRPr lang="en-US" altLang="ja-JP" sz="1400" dirty="0"/>
-          </a:p>
-          <a:p>
-            <a:pPr lvl="1">
-              <a:defRPr/>
-            </a:pPr>
-            <a:r>
-              <a:rPr lang="en-US" altLang="ja-JP" sz="1400" dirty="0"/>
-              <a:t>On the other hand, one might think of another strategy, where the geometry and coordinates are derived from a low-level of theory, and the QFF at a higher-level of theory. In that case, this option should be set to “current”, which incorporates the gradient and Hessian obtained from the current calculation. </a:t>
-            </a:r>
-          </a:p>
-          <a:p>
-            <a:pPr marL="285750" indent="-285750">
-              <a:buFont typeface="Arial" charset="0"/>
-              <a:buChar char="•"/>
-              <a:defRPr/>
-            </a:pPr>
-            <a:endParaRPr lang="en-US" altLang="ja-JP" sz="1400" dirty="0"/>
-          </a:p>
-          <a:p>
-            <a:pPr marL="285750" indent="-285750">
-              <a:buFont typeface="Arial" charset="0"/>
-              <a:buChar char="•"/>
-              <a:defRPr/>
-            </a:pPr>
-            <a:r>
-              <a:rPr lang="en-US" altLang="ja-JP" sz="1400" dirty="0" err="1"/>
-              <a:t>genhs</a:t>
-            </a:r>
-            <a:r>
-              <a:rPr lang="en-US" altLang="ja-JP" sz="1400" dirty="0"/>
-              <a:t>: true/false</a:t>
-            </a:r>
-          </a:p>
-          <a:p>
-            <a:pPr lvl="1">
-              <a:defRPr/>
-            </a:pPr>
-            <a:r>
-              <a:rPr lang="en-US" altLang="ja-JP" sz="1400" dirty="0"/>
-              <a:t>Generate the 001.hs file, when true. (default = false)</a:t>
-            </a:r>
-            <a:br>
-              <a:rPr lang="en-US" altLang="ja-JP" sz="1400" dirty="0"/>
-            </a:br>
-            <a:r>
-              <a:rPr lang="en-US" altLang="ja-JP" sz="1400" dirty="0"/>
-              <a:t>001.hs is a file which contains the QFF coefficients in the old format; however, this format is deprecated and not recommended to use unless for a debugging purpose to compare the result with the previous version of SINDO. </a:t>
-            </a:r>
-          </a:p>
-          <a:p>
-            <a:pPr>
-              <a:defRPr/>
-            </a:pPr>
-            <a:endParaRPr lang="en-US" altLang="ja-JP" dirty="0"/>
-          </a:p>
-        </p:txBody>
-      </p:sp>
     </p:spTree>
     <p:extLst>
       <p:ext uri="{BB962C8B-B14F-4D97-AF65-F5344CB8AC3E}">
-        <p14:creationId xmlns:p14="http://schemas.microsoft.com/office/powerpoint/2010/main" val="891480015"/>
+        <p14:creationId xmlns:p14="http://schemas.microsoft.com/office/powerpoint/2010/main" val="1524324311"/>
       </p:ext>
     </p:extLst>
   </p:cSld>
@@ -33355,14 +33253,14 @@
       </p:sp>
       <p:sp>
         <p:nvSpPr>
-          <p:cNvPr id="3" name="テキスト ボックス 2"/>
+          <p:cNvPr id="4" name="テキスト ボックス 3"/>
           <p:cNvSpPr txBox="1"/>
           <p:nvPr/>
         </p:nvSpPr>
         <p:spPr>
           <a:xfrm>
-            <a:off x="914401" y="213945"/>
-            <a:ext cx="7827665" cy="6217087"/>
+            <a:off x="914401" y="334237"/>
+            <a:ext cx="7827665" cy="4247317"/>
           </a:xfrm>
           <a:prstGeom prst="rect">
             <a:avLst/>
@@ -33374,23 +33272,6 @@
             <a:spAutoFit/>
           </a:bodyPr>
           <a:lstStyle/>
-          <a:p>
-            <a:pPr>
-              <a:defRPr/>
-            </a:pPr>
-            <a:r>
-              <a:rPr lang="en-US" altLang="ja-JP" dirty="0"/>
-              <a:t>GRID section</a:t>
-            </a:r>
-          </a:p>
-          <a:p>
-            <a:pPr>
-              <a:defRPr/>
-            </a:pPr>
-            <a:endParaRPr lang="en-US" altLang="ja-JP" sz="1800" dirty="0">
-              <a:latin typeface="+mn-lt"/>
-            </a:endParaRPr>
-          </a:p>
           <a:p>
             <a:pPr marL="285750" indent="-285750">
               <a:buFont typeface="Arial" charset="0"/>
@@ -33399,7 +33280,7 @@
             </a:pPr>
             <a:r>
               <a:rPr lang="en-US" altLang="ja-JP" sz="1400" dirty="0"/>
-              <a:t>QCID: string</a:t>
+              <a:t>gradient and hessian: input/current</a:t>
             </a:r>
           </a:p>
           <a:p>
@@ -33408,15 +33289,85 @@
             </a:pPr>
             <a:r>
               <a:rPr lang="en-US" altLang="ja-JP" sz="1400" dirty="0"/>
-              <a:t>The ID of associated &lt;</a:t>
+              <a:t>Specifies where the gradient and Hessian are retrieved. </a:t>
+            </a:r>
+          </a:p>
+          <a:p>
+            <a:pPr lvl="2">
+              <a:defRPr/>
+            </a:pPr>
+            <a:r>
+              <a:rPr lang="en-US" altLang="ja-JP" sz="1400" dirty="0"/>
+              <a:t>input (default) : From the input </a:t>
             </a:r>
             <a:r>
               <a:rPr lang="en-US" altLang="ja-JP" sz="1400" dirty="0" err="1"/>
-              <a:t>qchem</a:t>
-            </a:r>
-            <a:r>
-              <a:rPr lang="en-US" altLang="ja-JP" sz="1400" dirty="0"/>
-              <a:t>&gt;</a:t>
+              <a:t>minfo</a:t>
+            </a:r>
+            <a:r>
+              <a:rPr lang="en-US" altLang="ja-JP" sz="1400" dirty="0"/>
+              <a:t> file.</a:t>
+            </a:r>
+            <a:br>
+              <a:rPr lang="en-US" altLang="ja-JP" sz="1400" dirty="0"/>
+            </a:br>
+            <a:r>
+              <a:rPr lang="en-US" altLang="ja-JP" sz="1400" dirty="0"/>
+              <a:t>current : From the current calculation. (</a:t>
+            </a:r>
+            <a:r>
+              <a:rPr lang="en-US" altLang="ja-JP" sz="1400" dirty="0" err="1"/>
+              <a:t>mkqff-eq.minfo</a:t>
+            </a:r>
+            <a:r>
+              <a:rPr lang="en-US" altLang="ja-JP" sz="1400" dirty="0"/>
+              <a:t>) </a:t>
+            </a:r>
+          </a:p>
+          <a:p>
+            <a:pPr lvl="2">
+              <a:defRPr/>
+            </a:pPr>
+            <a:endParaRPr lang="en-US" altLang="ja-JP" sz="1400" dirty="0"/>
+          </a:p>
+          <a:p>
+            <a:pPr lvl="1">
+              <a:defRPr/>
+            </a:pPr>
+            <a:r>
+              <a:rPr lang="en-US" altLang="ja-JP" sz="1400" dirty="0"/>
+              <a:t>“input” is useful for combining accurate geometry, gradient, and Hessian, read from the input </a:t>
+            </a:r>
+            <a:r>
+              <a:rPr lang="en-US" altLang="ja-JP" sz="1400" dirty="0" err="1"/>
+              <a:t>minfo</a:t>
+            </a:r>
+            <a:r>
+              <a:rPr lang="en-US" altLang="ja-JP" sz="1400" dirty="0"/>
+              <a:t> file, with lower-level cubic and quartic terms, which are calculated by </a:t>
+            </a:r>
+            <a:r>
+              <a:rPr lang="en-US" altLang="ja-JP" sz="1400" dirty="0" err="1"/>
+              <a:t>MakePES</a:t>
+            </a:r>
+            <a:r>
+              <a:rPr lang="en-US" altLang="ja-JP" sz="1400" dirty="0"/>
+              <a:t> module. </a:t>
+            </a:r>
+          </a:p>
+          <a:p>
+            <a:pPr lvl="1">
+              <a:defRPr/>
+            </a:pPr>
+            <a:endParaRPr lang="en-US" altLang="ja-JP" sz="1400" dirty="0"/>
+          </a:p>
+          <a:p>
+            <a:pPr lvl="1">
+              <a:defRPr/>
+            </a:pPr>
+            <a:r>
+              <a:rPr lang="en-US" altLang="ja-JP" sz="1400" dirty="0"/>
+              <a:t>On the other hand, one might think of another strategy, where the geometry and coordinates are derived from a low-level of theory, and the QFF at a higher-level of theory. In that case, this option should be set to “current”, which incorporates the gradient and Hessian obtained from the current calculation. </a:t>
             </a:r>
           </a:p>
           <a:p>
@@ -33435,11 +33386,11 @@
             </a:pPr>
             <a:r>
               <a:rPr lang="en-US" altLang="ja-JP" sz="1400" dirty="0" err="1"/>
-              <a:t>ngrid</a:t>
-            </a:r>
-            <a:r>
-              <a:rPr lang="en-US" altLang="ja-JP" sz="1400" dirty="0"/>
-              <a:t>: integer number</a:t>
+              <a:t>genhs</a:t>
+            </a:r>
+            <a:r>
+              <a:rPr lang="en-US" altLang="ja-JP" sz="1400" dirty="0"/>
+              <a:t>: true/false</a:t>
             </a:r>
           </a:p>
           <a:p>
@@ -33448,234 +33399,28 @@
             </a:pPr>
             <a:r>
               <a:rPr lang="en-US" altLang="ja-JP" sz="1400" dirty="0"/>
-              <a:t>The number of grid points along each coordinates. (default = 11)  </a:t>
-            </a:r>
-          </a:p>
-          <a:p>
-            <a:pPr lvl="2">
+              <a:t>Generate the 001.hs file, when true. (default = false)</a:t>
+            </a:r>
+            <a:br>
+              <a:rPr lang="en-US" altLang="ja-JP" sz="1400" dirty="0"/>
+            </a:br>
+            <a:r>
+              <a:rPr lang="en-US" altLang="ja-JP" sz="1400" dirty="0"/>
+              <a:t>001.hs is a file which contains the QFF coefficients in the old format; however, this format is deprecated and not recommended to use unless for a debugging purpose to compare the result with the previous version of SINDO. </a:t>
+            </a:r>
+          </a:p>
+          <a:p>
+            <a:pPr>
               <a:defRPr/>
             </a:pPr>
-            <a:endParaRPr lang="en-US" altLang="ja-JP" sz="1400" dirty="0"/>
-          </a:p>
-          <a:p>
-            <a:pPr marL="285750" indent="-285750">
-              <a:buFont typeface="Arial" charset="0"/>
-              <a:buChar char="•"/>
-              <a:defRPr/>
-            </a:pPr>
-            <a:r>
-              <a:rPr lang="en-US" altLang="ja-JP" sz="1400" dirty="0" err="1"/>
-              <a:t>fullmc</a:t>
-            </a:r>
-            <a:r>
-              <a:rPr lang="en-US" altLang="ja-JP" sz="1400" dirty="0"/>
-              <a:t>:  true/false</a:t>
-            </a:r>
-          </a:p>
-          <a:p>
-            <a:pPr lvl="1">
-              <a:defRPr/>
-            </a:pPr>
-            <a:r>
-              <a:rPr lang="en-US" altLang="ja-JP" sz="1400" dirty="0"/>
-              <a:t>All the mode coupling up to the MR-</a:t>
-            </a:r>
-            <a:r>
-              <a:rPr lang="en-US" altLang="ja-JP" sz="1400" dirty="0" err="1"/>
-              <a:t>th</a:t>
-            </a:r>
-            <a:r>
-              <a:rPr lang="en-US" altLang="ja-JP" sz="1400" dirty="0"/>
-              <a:t> order is generated, when true. (default = false) </a:t>
-            </a:r>
-          </a:p>
-          <a:p>
-            <a:pPr lvl="2">
-              <a:defRPr/>
-            </a:pPr>
-            <a:endParaRPr lang="en-US" altLang="ja-JP" sz="1400" dirty="0"/>
-          </a:p>
-          <a:p>
-            <a:pPr marL="285750" indent="-285750">
-              <a:buFont typeface="Arial" charset="0"/>
-              <a:buChar char="•"/>
-              <a:defRPr/>
-            </a:pPr>
-            <a:r>
-              <a:rPr lang="en-US" altLang="ja-JP" sz="1400" dirty="0"/>
-              <a:t>mc1, mc2, mc3: string of mode index</a:t>
-            </a:r>
-          </a:p>
-          <a:p>
-            <a:pPr lvl="1">
-              <a:defRPr/>
-            </a:pPr>
-            <a:r>
-              <a:rPr lang="en-US" altLang="ja-JP" sz="1400" dirty="0"/>
-              <a:t>The 1, 2, or 3MR terms separated by </a:t>
-            </a:r>
-            <a:r>
-              <a:rPr lang="en-US" altLang="ja-JP" sz="1400" dirty="0" err="1"/>
-              <a:t>camma</a:t>
-            </a:r>
-            <a:r>
-              <a:rPr lang="en-US" altLang="ja-JP" sz="1400" dirty="0"/>
-              <a:t> or space. </a:t>
-            </a:r>
-          </a:p>
-          <a:p>
-            <a:pPr lvl="1">
-              <a:defRPr/>
-            </a:pPr>
-            <a:endParaRPr lang="en-US" altLang="ja-JP" sz="1400" dirty="0"/>
-          </a:p>
-          <a:p>
-            <a:pPr lvl="1">
-              <a:defRPr/>
-            </a:pPr>
-            <a:r>
-              <a:rPr lang="en-US" altLang="ja-JP" sz="1400" dirty="0"/>
-              <a:t>Examples:</a:t>
-            </a:r>
-          </a:p>
-          <a:p>
-            <a:pPr lvl="1">
-              <a:defRPr/>
-            </a:pPr>
-            <a:endParaRPr lang="en-US" altLang="ja-JP" sz="1400" dirty="0"/>
-          </a:p>
-          <a:p>
-            <a:pPr marL="628650" lvl="1" indent="-171450">
-              <a:buFont typeface="Arial" panose="020B0604020202020204" pitchFamily="34" charset="0"/>
-              <a:buChar char="•"/>
-              <a:defRPr/>
-            </a:pPr>
-            <a:r>
-              <a:rPr lang="en-US" altLang="ja-JP" sz="1200" dirty="0">
-                <a:latin typeface="Courier" charset="0"/>
-                <a:ea typeface="Courier" charset="0"/>
-                <a:cs typeface="Courier" charset="0"/>
-              </a:rPr>
-              <a:t>&lt;mc1 value="1,2,3,5” /&gt; </a:t>
-            </a:r>
-            <a:r>
-              <a:rPr lang="en-US" altLang="ja-JP" sz="1400" dirty="0"/>
-              <a:t>or  </a:t>
-            </a:r>
-            <a:r>
-              <a:rPr lang="en-US" altLang="ja-JP" sz="1200" dirty="0">
-                <a:latin typeface="Courier" charset="0"/>
-                <a:ea typeface="Courier" charset="0"/>
-                <a:cs typeface="Courier" charset="0"/>
-              </a:rPr>
-              <a:t>&lt;mc1 value="1-3 5” /&gt; </a:t>
-            </a:r>
-          </a:p>
-          <a:p>
-            <a:pPr lvl="1">
-              <a:defRPr/>
-            </a:pPr>
-            <a:endParaRPr lang="en-US" altLang="ja-JP" sz="1400" dirty="0"/>
-          </a:p>
-          <a:p>
-            <a:pPr lvl="2">
-              <a:defRPr/>
-            </a:pPr>
-            <a:r>
-              <a:rPr lang="en-US" altLang="ja-JP" sz="1400" dirty="0"/>
-              <a:t>generates grid points for Q1,Q2,Q3, and Q5. </a:t>
-            </a:r>
-          </a:p>
-          <a:p>
-            <a:pPr lvl="2">
-              <a:defRPr/>
-            </a:pPr>
-            <a:endParaRPr lang="en-US" altLang="ja-JP" sz="1400" dirty="0"/>
-          </a:p>
-          <a:p>
-            <a:pPr marL="628650" lvl="1" indent="-171450">
-              <a:buFont typeface="Arial" panose="020B0604020202020204" pitchFamily="34" charset="0"/>
-              <a:buChar char="•"/>
-              <a:defRPr/>
-            </a:pPr>
-            <a:r>
-              <a:rPr lang="en-US" altLang="ja-JP" sz="1200" dirty="0">
-                <a:latin typeface="Courier" charset="0"/>
-                <a:ea typeface="Courier" charset="0"/>
-                <a:cs typeface="Courier" charset="0"/>
-              </a:rPr>
-              <a:t>&lt;mc2 value="1,2, 1,4, 2,4, 3,4” /&gt; </a:t>
-            </a:r>
-            <a:r>
-              <a:rPr lang="en-US" altLang="ja-JP" sz="1400" dirty="0"/>
-              <a:t>or </a:t>
-            </a:r>
-            <a:r>
-              <a:rPr lang="en-US" altLang="ja-JP" sz="1200" dirty="0">
-                <a:latin typeface="Courier" charset="0"/>
-                <a:ea typeface="Courier" charset="0"/>
-                <a:cs typeface="Courier" charset="0"/>
-              </a:rPr>
-              <a:t>&lt;mc2 value="1,2, 1-3,4” /&gt; </a:t>
-            </a:r>
-          </a:p>
-          <a:p>
-            <a:pPr lvl="1">
-              <a:defRPr/>
-            </a:pPr>
-            <a:endParaRPr lang="en-US" altLang="ja-JP" sz="1400" dirty="0"/>
-          </a:p>
-          <a:p>
-            <a:pPr lvl="2">
-              <a:defRPr/>
-            </a:pPr>
-            <a:r>
-              <a:rPr lang="en-US" altLang="ja-JP" sz="1400" dirty="0"/>
-              <a:t>generates the grid points for (Q2, Q1),(Q4, Q1),(Q4, Q2), and (Q4, Q3). </a:t>
-            </a:r>
-          </a:p>
-          <a:p>
-            <a:pPr lvl="1">
-              <a:defRPr/>
-            </a:pPr>
-            <a:endParaRPr lang="en-US" altLang="ja-JP" sz="1400" dirty="0"/>
-          </a:p>
-          <a:p>
-            <a:pPr marL="628650" lvl="1" indent="-171450">
-              <a:buFont typeface="Arial" panose="020B0604020202020204" pitchFamily="34" charset="0"/>
-              <a:buChar char="•"/>
-              <a:defRPr/>
-            </a:pPr>
-            <a:r>
-              <a:rPr lang="en-US" altLang="ja-JP" sz="1200" dirty="0">
-                <a:latin typeface="Courier" charset="0"/>
-                <a:ea typeface="Courier" charset="0"/>
-                <a:cs typeface="Courier" charset="0"/>
-              </a:rPr>
-              <a:t>&lt;mc3 value="1,2,3, 1,2,4” /&gt; </a:t>
-            </a:r>
-          </a:p>
-          <a:p>
-            <a:pPr lvl="1">
-              <a:defRPr/>
-            </a:pPr>
-            <a:endParaRPr lang="en-US" altLang="ja-JP" sz="1400" dirty="0"/>
-          </a:p>
-          <a:p>
-            <a:pPr lvl="2">
-              <a:defRPr/>
-            </a:pPr>
-            <a:r>
-              <a:rPr lang="en-US" altLang="ja-JP" sz="1400" dirty="0"/>
-              <a:t>generates the grid points for (Q3, Q2, Q1) and (Q4, Q2, Q1).</a:t>
-            </a:r>
+            <a:endParaRPr lang="en-US" altLang="ja-JP" dirty="0"/>
           </a:p>
         </p:txBody>
       </p:sp>
     </p:spTree>
     <p:extLst>
       <p:ext uri="{BB962C8B-B14F-4D97-AF65-F5344CB8AC3E}">
-        <p14:creationId xmlns:p14="http://schemas.microsoft.com/office/powerpoint/2010/main" val="694449296"/>
+        <p14:creationId xmlns:p14="http://schemas.microsoft.com/office/powerpoint/2010/main" val="891480015"/>
       </p:ext>
     </p:extLst>
   </p:cSld>
@@ -33720,6 +33465,378 @@
             <a:fld id="{7D34BB6B-1E1A-9541-9560-488905BF54FF}" type="slidenum">
               <a:rPr kumimoji="1" lang="ja-JP" altLang="en-US" smtClean="0"/>
               <a:t>53</a:t>
+            </a:fld>
+            <a:endParaRPr kumimoji="1" lang="ja-JP" altLang="en-US"/>
+          </a:p>
+        </p:txBody>
+      </p:sp>
+      <p:sp>
+        <p:nvSpPr>
+          <p:cNvPr id="3" name="テキスト ボックス 2"/>
+          <p:cNvSpPr txBox="1"/>
+          <p:nvPr/>
+        </p:nvSpPr>
+        <p:spPr>
+          <a:xfrm>
+            <a:off x="914401" y="213945"/>
+            <a:ext cx="7827665" cy="6217087"/>
+          </a:xfrm>
+          <a:prstGeom prst="rect">
+            <a:avLst/>
+          </a:prstGeom>
+          <a:noFill/>
+        </p:spPr>
+        <p:txBody>
+          <a:bodyPr wrap="square">
+            <a:spAutoFit/>
+          </a:bodyPr>
+          <a:lstStyle/>
+          <a:p>
+            <a:pPr>
+              <a:defRPr/>
+            </a:pPr>
+            <a:r>
+              <a:rPr lang="en-US" altLang="ja-JP" dirty="0"/>
+              <a:t>GRID section</a:t>
+            </a:r>
+          </a:p>
+          <a:p>
+            <a:pPr>
+              <a:defRPr/>
+            </a:pPr>
+            <a:endParaRPr lang="en-US" altLang="ja-JP" sz="1800" dirty="0">
+              <a:latin typeface="+mn-lt"/>
+            </a:endParaRPr>
+          </a:p>
+          <a:p>
+            <a:pPr marL="285750" indent="-285750">
+              <a:buFont typeface="Arial" charset="0"/>
+              <a:buChar char="•"/>
+              <a:defRPr/>
+            </a:pPr>
+            <a:r>
+              <a:rPr lang="en-US" altLang="ja-JP" sz="1400" dirty="0"/>
+              <a:t>QCID: string</a:t>
+            </a:r>
+          </a:p>
+          <a:p>
+            <a:pPr lvl="1">
+              <a:defRPr/>
+            </a:pPr>
+            <a:r>
+              <a:rPr lang="en-US" altLang="ja-JP" sz="1400" dirty="0"/>
+              <a:t>The ID of associated &lt;</a:t>
+            </a:r>
+            <a:r>
+              <a:rPr lang="en-US" altLang="ja-JP" sz="1400" dirty="0" err="1"/>
+              <a:t>qchem</a:t>
+            </a:r>
+            <a:r>
+              <a:rPr lang="en-US" altLang="ja-JP" sz="1400" dirty="0"/>
+              <a:t>&gt;</a:t>
+            </a:r>
+          </a:p>
+          <a:p>
+            <a:pPr marL="285750" indent="-285750">
+              <a:buFont typeface="Arial" charset="0"/>
+              <a:buChar char="•"/>
+              <a:defRPr/>
+            </a:pPr>
+            <a:endParaRPr lang="en-US" altLang="ja-JP" sz="1400" dirty="0"/>
+          </a:p>
+          <a:p>
+            <a:pPr marL="285750" indent="-285750">
+              <a:buFont typeface="Arial" charset="0"/>
+              <a:buChar char="•"/>
+              <a:defRPr/>
+            </a:pPr>
+            <a:r>
+              <a:rPr lang="en-US" altLang="ja-JP" sz="1400" dirty="0" err="1"/>
+              <a:t>ngrid</a:t>
+            </a:r>
+            <a:r>
+              <a:rPr lang="en-US" altLang="ja-JP" sz="1400" dirty="0"/>
+              <a:t>: integer number</a:t>
+            </a:r>
+          </a:p>
+          <a:p>
+            <a:pPr lvl="1">
+              <a:defRPr/>
+            </a:pPr>
+            <a:r>
+              <a:rPr lang="en-US" altLang="ja-JP" sz="1400" dirty="0"/>
+              <a:t>The number of grid points along each coordinates. (default = 11)  </a:t>
+            </a:r>
+          </a:p>
+          <a:p>
+            <a:pPr lvl="2">
+              <a:defRPr/>
+            </a:pPr>
+            <a:endParaRPr lang="en-US" altLang="ja-JP" sz="1400" dirty="0"/>
+          </a:p>
+          <a:p>
+            <a:pPr marL="285750" indent="-285750">
+              <a:buFont typeface="Arial" charset="0"/>
+              <a:buChar char="•"/>
+              <a:defRPr/>
+            </a:pPr>
+            <a:r>
+              <a:rPr lang="en-US" altLang="ja-JP" sz="1400" dirty="0" err="1"/>
+              <a:t>fullmc</a:t>
+            </a:r>
+            <a:r>
+              <a:rPr lang="en-US" altLang="ja-JP" sz="1400" dirty="0"/>
+              <a:t>:  true/false</a:t>
+            </a:r>
+          </a:p>
+          <a:p>
+            <a:pPr lvl="1">
+              <a:defRPr/>
+            </a:pPr>
+            <a:r>
+              <a:rPr lang="en-US" altLang="ja-JP" sz="1400" dirty="0"/>
+              <a:t>All the mode coupling up to the MR-</a:t>
+            </a:r>
+            <a:r>
+              <a:rPr lang="en-US" altLang="ja-JP" sz="1400" dirty="0" err="1"/>
+              <a:t>th</a:t>
+            </a:r>
+            <a:r>
+              <a:rPr lang="en-US" altLang="ja-JP" sz="1400" dirty="0"/>
+              <a:t> order is generated, when true. (default = false) </a:t>
+            </a:r>
+          </a:p>
+          <a:p>
+            <a:pPr lvl="2">
+              <a:defRPr/>
+            </a:pPr>
+            <a:endParaRPr lang="en-US" altLang="ja-JP" sz="1400" dirty="0"/>
+          </a:p>
+          <a:p>
+            <a:pPr marL="285750" indent="-285750">
+              <a:buFont typeface="Arial" charset="0"/>
+              <a:buChar char="•"/>
+              <a:defRPr/>
+            </a:pPr>
+            <a:r>
+              <a:rPr lang="en-US" altLang="ja-JP" sz="1400" dirty="0"/>
+              <a:t>mc1, mc2, mc3: string of mode index</a:t>
+            </a:r>
+          </a:p>
+          <a:p>
+            <a:pPr lvl="1">
+              <a:defRPr/>
+            </a:pPr>
+            <a:r>
+              <a:rPr lang="en-US" altLang="ja-JP" sz="1400" dirty="0"/>
+              <a:t>The 1, 2, or 3MR terms separated by </a:t>
+            </a:r>
+            <a:r>
+              <a:rPr lang="en-US" altLang="ja-JP" sz="1400" dirty="0" err="1"/>
+              <a:t>camma</a:t>
+            </a:r>
+            <a:r>
+              <a:rPr lang="en-US" altLang="ja-JP" sz="1400" dirty="0"/>
+              <a:t> or space. </a:t>
+            </a:r>
+          </a:p>
+          <a:p>
+            <a:pPr lvl="1">
+              <a:defRPr/>
+            </a:pPr>
+            <a:endParaRPr lang="en-US" altLang="ja-JP" sz="1400" dirty="0"/>
+          </a:p>
+          <a:p>
+            <a:pPr lvl="1">
+              <a:defRPr/>
+            </a:pPr>
+            <a:r>
+              <a:rPr lang="en-US" altLang="ja-JP" sz="1400" dirty="0"/>
+              <a:t>Examples:</a:t>
+            </a:r>
+          </a:p>
+          <a:p>
+            <a:pPr lvl="1">
+              <a:defRPr/>
+            </a:pPr>
+            <a:endParaRPr lang="en-US" altLang="ja-JP" sz="1400" dirty="0"/>
+          </a:p>
+          <a:p>
+            <a:pPr marL="628650" lvl="1" indent="-171450">
+              <a:buFont typeface="Arial" panose="020B0604020202020204" pitchFamily="34" charset="0"/>
+              <a:buChar char="•"/>
+              <a:defRPr/>
+            </a:pPr>
+            <a:r>
+              <a:rPr lang="en-US" altLang="ja-JP" sz="1200" dirty="0">
+                <a:latin typeface="Courier" charset="0"/>
+                <a:ea typeface="Courier" charset="0"/>
+                <a:cs typeface="Courier" charset="0"/>
+              </a:rPr>
+              <a:t>&lt;mc1 value="1,2,3,5” /&gt; </a:t>
+            </a:r>
+            <a:r>
+              <a:rPr lang="en-US" altLang="ja-JP" sz="1400" dirty="0"/>
+              <a:t>or  </a:t>
+            </a:r>
+            <a:r>
+              <a:rPr lang="en-US" altLang="ja-JP" sz="1200" dirty="0">
+                <a:latin typeface="Courier" charset="0"/>
+                <a:ea typeface="Courier" charset="0"/>
+                <a:cs typeface="Courier" charset="0"/>
+              </a:rPr>
+              <a:t>&lt;mc1 value="1-3 5” /&gt; </a:t>
+            </a:r>
+          </a:p>
+          <a:p>
+            <a:pPr lvl="1">
+              <a:defRPr/>
+            </a:pPr>
+            <a:endParaRPr lang="en-US" altLang="ja-JP" sz="1400" dirty="0"/>
+          </a:p>
+          <a:p>
+            <a:pPr lvl="2">
+              <a:defRPr/>
+            </a:pPr>
+            <a:r>
+              <a:rPr lang="en-US" altLang="ja-JP" sz="1400" dirty="0"/>
+              <a:t>generates grid points for Q1,Q2,Q3, and Q5. </a:t>
+            </a:r>
+          </a:p>
+          <a:p>
+            <a:pPr lvl="2">
+              <a:defRPr/>
+            </a:pPr>
+            <a:endParaRPr lang="en-US" altLang="ja-JP" sz="1400" dirty="0"/>
+          </a:p>
+          <a:p>
+            <a:pPr marL="628650" lvl="1" indent="-171450">
+              <a:buFont typeface="Arial" panose="020B0604020202020204" pitchFamily="34" charset="0"/>
+              <a:buChar char="•"/>
+              <a:defRPr/>
+            </a:pPr>
+            <a:r>
+              <a:rPr lang="en-US" altLang="ja-JP" sz="1200" dirty="0">
+                <a:latin typeface="Courier" charset="0"/>
+                <a:ea typeface="Courier" charset="0"/>
+                <a:cs typeface="Courier" charset="0"/>
+              </a:rPr>
+              <a:t>&lt;mc2 value="1,2, 1,4, 2,4, 3,4” /&gt; </a:t>
+            </a:r>
+            <a:r>
+              <a:rPr lang="en-US" altLang="ja-JP" sz="1400" dirty="0"/>
+              <a:t>or </a:t>
+            </a:r>
+            <a:r>
+              <a:rPr lang="en-US" altLang="ja-JP" sz="1200" dirty="0">
+                <a:latin typeface="Courier" charset="0"/>
+                <a:ea typeface="Courier" charset="0"/>
+                <a:cs typeface="Courier" charset="0"/>
+              </a:rPr>
+              <a:t>&lt;mc2 value="1,2, 1-3,4” /&gt; </a:t>
+            </a:r>
+          </a:p>
+          <a:p>
+            <a:pPr lvl="1">
+              <a:defRPr/>
+            </a:pPr>
+            <a:endParaRPr lang="en-US" altLang="ja-JP" sz="1400" dirty="0"/>
+          </a:p>
+          <a:p>
+            <a:pPr lvl="2">
+              <a:defRPr/>
+            </a:pPr>
+            <a:r>
+              <a:rPr lang="en-US" altLang="ja-JP" sz="1400" dirty="0"/>
+              <a:t>generates the grid points for (Q2, Q1),(Q4, Q1),(Q4, Q2), and (Q4, Q3). </a:t>
+            </a:r>
+          </a:p>
+          <a:p>
+            <a:pPr lvl="1">
+              <a:defRPr/>
+            </a:pPr>
+            <a:endParaRPr lang="en-US" altLang="ja-JP" sz="1400" dirty="0"/>
+          </a:p>
+          <a:p>
+            <a:pPr marL="628650" lvl="1" indent="-171450">
+              <a:buFont typeface="Arial" panose="020B0604020202020204" pitchFamily="34" charset="0"/>
+              <a:buChar char="•"/>
+              <a:defRPr/>
+            </a:pPr>
+            <a:r>
+              <a:rPr lang="en-US" altLang="ja-JP" sz="1200" dirty="0">
+                <a:latin typeface="Courier" charset="0"/>
+                <a:ea typeface="Courier" charset="0"/>
+                <a:cs typeface="Courier" charset="0"/>
+              </a:rPr>
+              <a:t>&lt;mc3 value="1,2,3, 1,2,4” /&gt; </a:t>
+            </a:r>
+          </a:p>
+          <a:p>
+            <a:pPr lvl="1">
+              <a:defRPr/>
+            </a:pPr>
+            <a:endParaRPr lang="en-US" altLang="ja-JP" sz="1400" dirty="0"/>
+          </a:p>
+          <a:p>
+            <a:pPr lvl="2">
+              <a:defRPr/>
+            </a:pPr>
+            <a:r>
+              <a:rPr lang="en-US" altLang="ja-JP" sz="1400" dirty="0"/>
+              <a:t>generates the grid points for (Q3, Q2, Q1) and (Q4, Q2, Q1).</a:t>
+            </a:r>
+          </a:p>
+        </p:txBody>
+      </p:sp>
+    </p:spTree>
+    <p:extLst>
+      <p:ext uri="{BB962C8B-B14F-4D97-AF65-F5344CB8AC3E}">
+        <p14:creationId xmlns:p14="http://schemas.microsoft.com/office/powerpoint/2010/main" val="694449296"/>
+      </p:ext>
+    </p:extLst>
+  </p:cSld>
+  <p:clrMapOvr>
+    <a:masterClrMapping/>
+  </p:clrMapOvr>
+</p:sld>
+</file>
+
+<file path=ppt/slides/slide55.xml><?xml version="1.0" encoding="utf-8"?>
+<p:sld xmlns:a="http://schemas.openxmlformats.org/drawingml/2006/main" xmlns:r="http://schemas.openxmlformats.org/officeDocument/2006/relationships" xmlns:p="http://schemas.openxmlformats.org/presentationml/2006/main">
+  <p:cSld>
+    <p:spTree>
+      <p:nvGrpSpPr>
+        <p:cNvPr id="1" name=""/>
+        <p:cNvGrpSpPr/>
+        <p:nvPr/>
+      </p:nvGrpSpPr>
+      <p:grpSpPr>
+        <a:xfrm>
+          <a:off x="0" y="0"/>
+          <a:ext cx="0" cy="0"/>
+          <a:chOff x="0" y="0"/>
+          <a:chExt cx="0" cy="0"/>
+        </a:xfrm>
+      </p:grpSpPr>
+      <p:sp>
+        <p:nvSpPr>
+          <p:cNvPr id="2" name="スライド番号プレースホルダー 1"/>
+          <p:cNvSpPr>
+            <a:spLocks noGrp="1"/>
+          </p:cNvSpPr>
+          <p:nvPr>
+            <p:ph type="sldNum" sz="quarter" idx="12"/>
+          </p:nvPr>
+        </p:nvSpPr>
+        <p:spPr/>
+        <p:txBody>
+          <a:bodyPr/>
+          <a:lstStyle/>
+          <a:p>
+            <a:fld id="{7D34BB6B-1E1A-9541-9560-488905BF54FF}" type="slidenum">
+              <a:rPr kumimoji="1" lang="ja-JP" altLang="en-US" smtClean="0"/>
+              <a:t>54</a:t>
             </a:fld>
             <a:endParaRPr kumimoji="1" lang="ja-JP" altLang="en-US"/>
           </a:p>

--- a/doc/MakePES/usage_MakePES.pptx
+++ b/doc/MakePES/usage_MakePES.pptx
@@ -267,7 +267,7 @@
           <a:p>
             <a:fld id="{E169DC26-B38B-F143-8CF0-891C5D30D367}" type="datetimeFigureOut">
               <a:rPr kumimoji="1" lang="ja-JP" altLang="en-US" smtClean="0"/>
-              <a:t>2019/12/13</a:t>
+              <a:t>2020/4/15</a:t>
             </a:fld>
             <a:endParaRPr kumimoji="1" lang="ja-JP" altLang="en-US"/>
           </a:p>
@@ -781,7 +781,7 @@
           <a:p>
             <a:fld id="{EE7860AB-3E3A-634E-9588-3634E3BE52A0}" type="datetime1">
               <a:rPr kumimoji="1" lang="ja-JP" altLang="en-US" smtClean="0"/>
-              <a:t>2019/12/13</a:t>
+              <a:t>2020/4/15</a:t>
             </a:fld>
             <a:endParaRPr kumimoji="1" lang="ja-JP" altLang="en-US"/>
           </a:p>
@@ -978,7 +978,7 @@
           <a:p>
             <a:fld id="{9F997464-49D2-A046-AC0E-5FDFD3DF665B}" type="datetime1">
               <a:rPr kumimoji="1" lang="ja-JP" altLang="en-US" smtClean="0"/>
-              <a:t>2019/12/13</a:t>
+              <a:t>2020/4/15</a:t>
             </a:fld>
             <a:endParaRPr kumimoji="1" lang="ja-JP" altLang="en-US"/>
           </a:p>
@@ -1185,7 +1185,7 @@
           <a:p>
             <a:fld id="{2CBD1245-BC8C-4342-A14F-D901B9B13210}" type="datetime1">
               <a:rPr kumimoji="1" lang="ja-JP" altLang="en-US" smtClean="0"/>
-              <a:t>2019/12/13</a:t>
+              <a:t>2020/4/15</a:t>
             </a:fld>
             <a:endParaRPr kumimoji="1" lang="ja-JP" altLang="en-US"/>
           </a:p>
@@ -1382,7 +1382,7 @@
           <a:p>
             <a:fld id="{E0FF5DFC-0E6C-E144-A5DD-E851AA0EE050}" type="datetime1">
               <a:rPr kumimoji="1" lang="ja-JP" altLang="en-US" smtClean="0"/>
-              <a:t>2019/12/13</a:t>
+              <a:t>2020/4/15</a:t>
             </a:fld>
             <a:endParaRPr kumimoji="1" lang="ja-JP" altLang="en-US"/>
           </a:p>
@@ -1621,7 +1621,7 @@
           <a:p>
             <a:fld id="{1373E6F4-CB37-3348-B268-694CC61CFDE2}" type="datetime1">
               <a:rPr kumimoji="1" lang="ja-JP" altLang="en-US" smtClean="0"/>
-              <a:t>2019/12/13</a:t>
+              <a:t>2020/4/15</a:t>
             </a:fld>
             <a:endParaRPr kumimoji="1" lang="ja-JP" altLang="en-US"/>
           </a:p>
@@ -1912,7 +1912,7 @@
           <a:p>
             <a:fld id="{83203CE9-A62D-D54F-B5B8-E5081BC50FF5}" type="datetime1">
               <a:rPr kumimoji="1" lang="ja-JP" altLang="en-US" smtClean="0"/>
-              <a:t>2019/12/13</a:t>
+              <a:t>2020/4/15</a:t>
             </a:fld>
             <a:endParaRPr kumimoji="1" lang="ja-JP" altLang="en-US"/>
           </a:p>
@@ -2338,7 +2338,7 @@
           <a:p>
             <a:fld id="{8DF792D3-1EAE-B941-8FA8-A45BDC58D538}" type="datetime1">
               <a:rPr kumimoji="1" lang="ja-JP" altLang="en-US" smtClean="0"/>
-              <a:t>2019/12/13</a:t>
+              <a:t>2020/4/15</a:t>
             </a:fld>
             <a:endParaRPr kumimoji="1" lang="ja-JP" altLang="en-US"/>
           </a:p>
@@ -2451,7 +2451,7 @@
           <a:p>
             <a:fld id="{A2976D4D-D591-7843-A186-DB885C000B62}" type="datetime1">
               <a:rPr kumimoji="1" lang="ja-JP" altLang="en-US" smtClean="0"/>
-              <a:t>2019/12/13</a:t>
+              <a:t>2020/4/15</a:t>
             </a:fld>
             <a:endParaRPr kumimoji="1" lang="ja-JP" altLang="en-US"/>
           </a:p>
@@ -2541,7 +2541,7 @@
           <a:p>
             <a:fld id="{71E10034-284E-534E-87ED-A26A40A9A5A4}" type="datetime1">
               <a:rPr kumimoji="1" lang="ja-JP" altLang="en-US" smtClean="0"/>
-              <a:t>2019/12/13</a:t>
+              <a:t>2020/4/15</a:t>
             </a:fld>
             <a:endParaRPr kumimoji="1" lang="ja-JP" altLang="en-US"/>
           </a:p>
@@ -2845,7 +2845,7 @@
           <a:p>
             <a:fld id="{1FB2FB92-4CFC-BF4B-81B2-16888C599581}" type="datetime1">
               <a:rPr kumimoji="1" lang="ja-JP" altLang="en-US" smtClean="0"/>
-              <a:t>2019/12/13</a:t>
+              <a:t>2020/4/15</a:t>
             </a:fld>
             <a:endParaRPr kumimoji="1" lang="ja-JP" altLang="en-US"/>
           </a:p>
@@ -3097,7 +3097,7 @@
           <a:p>
             <a:fld id="{43AF2432-0CDD-C544-BAB3-85372DA356EC}" type="datetime1">
               <a:rPr kumimoji="1" lang="ja-JP" altLang="en-US" smtClean="0"/>
-              <a:t>2019/12/13</a:t>
+              <a:t>2020/4/15</a:t>
             </a:fld>
             <a:endParaRPr kumimoji="1" lang="ja-JP" altLang="en-US"/>
           </a:p>
@@ -3337,7 +3337,7 @@
           <a:p>
             <a:fld id="{4A801117-FCED-794E-BE88-16E7FC9A3D9F}" type="datetime1">
               <a:rPr kumimoji="1" lang="ja-JP" altLang="en-US" smtClean="0"/>
-              <a:t>2019/12/13</a:t>
+              <a:t>2020/4/15</a:t>
             </a:fld>
             <a:endParaRPr kumimoji="1" lang="ja-JP" altLang="en-US"/>
           </a:p>
@@ -31299,7 +31299,7 @@
         <p:spPr>
           <a:xfrm>
             <a:off x="914401" y="1130023"/>
-            <a:ext cx="7827665" cy="3385542"/>
+            <a:ext cx="7827665" cy="3600986"/>
           </a:xfrm>
           <a:prstGeom prst="rect">
             <a:avLst/>
@@ -31438,7 +31438,7 @@
             </a:pPr>
             <a:r>
               <a:rPr lang="en-US" altLang="ja-JP" sz="1400" dirty="0"/>
-              <a:t>MR:  1/2/3</a:t>
+              <a:t>MR:</a:t>
             </a:r>
           </a:p>
           <a:p>
@@ -31447,8 +31447,21 @@
             </a:pPr>
             <a:r>
               <a:rPr lang="en-US" altLang="ja-JP" sz="1400" dirty="0"/>
-              <a:t>The order of mode coupling expansion. Can take 1, 2, or 3. (default = 3) </a:t>
-            </a:r>
+              <a:t>The order of mode coupling expansion. </a:t>
+            </a:r>
+            <a:r>
+              <a:rPr lang="en-US" altLang="ja-JP" sz="1400"/>
+              <a:t>Each PES type can take its own MR, which precedes the MR here. (</a:t>
+            </a:r>
+            <a:r>
+              <a:rPr lang="en-US" altLang="ja-JP" sz="1400" dirty="0"/>
+              <a:t>default = </a:t>
+            </a:r>
+            <a:r>
+              <a:rPr lang="en-US" altLang="ja-JP" sz="1400"/>
+              <a:t>3)</a:t>
+            </a:r>
+            <a:endParaRPr lang="en-US" altLang="ja-JP" sz="1400" dirty="0"/>
           </a:p>
           <a:p>
             <a:pPr lvl="2">
@@ -32957,7 +32970,7 @@
         <p:spPr>
           <a:xfrm>
             <a:off x="914401" y="232637"/>
-            <a:ext cx="7365999" cy="4569777"/>
+            <a:ext cx="7365999" cy="5170646"/>
           </a:xfrm>
           <a:prstGeom prst="rect">
             <a:avLst/>
@@ -33020,6 +33033,32 @@
             <a:pPr marL="285750" indent="-285750">
               <a:buFont typeface="Arial" charset="0"/>
               <a:buChar char="•"/>
+              <a:defRPr/>
+            </a:pPr>
+            <a:endParaRPr lang="en-US" altLang="ja-JP" sz="1400" dirty="0"/>
+          </a:p>
+          <a:p>
+            <a:pPr marL="285750" indent="-285750">
+              <a:buFont typeface="Arial" charset="0"/>
+              <a:buChar char="•"/>
+              <a:defRPr/>
+            </a:pPr>
+            <a:r>
+              <a:rPr lang="en-US" altLang="ja-JP" sz="1400" dirty="0"/>
+              <a:t>MR:</a:t>
+            </a:r>
+          </a:p>
+          <a:p>
+            <a:pPr lvl="1">
+              <a:defRPr/>
+            </a:pPr>
+            <a:r>
+              <a:rPr lang="en-US" altLang="ja-JP" sz="1400" dirty="0"/>
+              <a:t>The order of mode coupling expansion. Maximum is 4. (default = 3)</a:t>
+            </a:r>
+          </a:p>
+          <a:p>
+            <a:pPr lvl="1">
               <a:defRPr/>
             </a:pPr>
             <a:endParaRPr lang="en-US" altLang="ja-JP" sz="1400" dirty="0"/>

--- a/doc/MakePES/usage_MakePES.pptx
+++ b/doc/MakePES/usage_MakePES.pptx
@@ -267,7 +267,7 @@
           <a:p>
             <a:fld id="{E169DC26-B38B-F143-8CF0-891C5D30D367}" type="datetimeFigureOut">
               <a:rPr kumimoji="1" lang="ja-JP" altLang="en-US" smtClean="0"/>
-              <a:t>2020/4/15</a:t>
+              <a:t>2020/4/19</a:t>
             </a:fld>
             <a:endParaRPr kumimoji="1" lang="ja-JP" altLang="en-US"/>
           </a:p>
@@ -781,7 +781,7 @@
           <a:p>
             <a:fld id="{EE7860AB-3E3A-634E-9588-3634E3BE52A0}" type="datetime1">
               <a:rPr kumimoji="1" lang="ja-JP" altLang="en-US" smtClean="0"/>
-              <a:t>2020/4/15</a:t>
+              <a:t>2020/4/19</a:t>
             </a:fld>
             <a:endParaRPr kumimoji="1" lang="ja-JP" altLang="en-US"/>
           </a:p>
@@ -978,7 +978,7 @@
           <a:p>
             <a:fld id="{9F997464-49D2-A046-AC0E-5FDFD3DF665B}" type="datetime1">
               <a:rPr kumimoji="1" lang="ja-JP" altLang="en-US" smtClean="0"/>
-              <a:t>2020/4/15</a:t>
+              <a:t>2020/4/19</a:t>
             </a:fld>
             <a:endParaRPr kumimoji="1" lang="ja-JP" altLang="en-US"/>
           </a:p>
@@ -1185,7 +1185,7 @@
           <a:p>
             <a:fld id="{2CBD1245-BC8C-4342-A14F-D901B9B13210}" type="datetime1">
               <a:rPr kumimoji="1" lang="ja-JP" altLang="en-US" smtClean="0"/>
-              <a:t>2020/4/15</a:t>
+              <a:t>2020/4/19</a:t>
             </a:fld>
             <a:endParaRPr kumimoji="1" lang="ja-JP" altLang="en-US"/>
           </a:p>
@@ -1382,7 +1382,7 @@
           <a:p>
             <a:fld id="{E0FF5DFC-0E6C-E144-A5DD-E851AA0EE050}" type="datetime1">
               <a:rPr kumimoji="1" lang="ja-JP" altLang="en-US" smtClean="0"/>
-              <a:t>2020/4/15</a:t>
+              <a:t>2020/4/19</a:t>
             </a:fld>
             <a:endParaRPr kumimoji="1" lang="ja-JP" altLang="en-US"/>
           </a:p>
@@ -1621,7 +1621,7 @@
           <a:p>
             <a:fld id="{1373E6F4-CB37-3348-B268-694CC61CFDE2}" type="datetime1">
               <a:rPr kumimoji="1" lang="ja-JP" altLang="en-US" smtClean="0"/>
-              <a:t>2020/4/15</a:t>
+              <a:t>2020/4/19</a:t>
             </a:fld>
             <a:endParaRPr kumimoji="1" lang="ja-JP" altLang="en-US"/>
           </a:p>
@@ -1912,7 +1912,7 @@
           <a:p>
             <a:fld id="{83203CE9-A62D-D54F-B5B8-E5081BC50FF5}" type="datetime1">
               <a:rPr kumimoji="1" lang="ja-JP" altLang="en-US" smtClean="0"/>
-              <a:t>2020/4/15</a:t>
+              <a:t>2020/4/19</a:t>
             </a:fld>
             <a:endParaRPr kumimoji="1" lang="ja-JP" altLang="en-US"/>
           </a:p>
@@ -2338,7 +2338,7 @@
           <a:p>
             <a:fld id="{8DF792D3-1EAE-B941-8FA8-A45BDC58D538}" type="datetime1">
               <a:rPr kumimoji="1" lang="ja-JP" altLang="en-US" smtClean="0"/>
-              <a:t>2020/4/15</a:t>
+              <a:t>2020/4/19</a:t>
             </a:fld>
             <a:endParaRPr kumimoji="1" lang="ja-JP" altLang="en-US"/>
           </a:p>
@@ -2451,7 +2451,7 @@
           <a:p>
             <a:fld id="{A2976D4D-D591-7843-A186-DB885C000B62}" type="datetime1">
               <a:rPr kumimoji="1" lang="ja-JP" altLang="en-US" smtClean="0"/>
-              <a:t>2020/4/15</a:t>
+              <a:t>2020/4/19</a:t>
             </a:fld>
             <a:endParaRPr kumimoji="1" lang="ja-JP" altLang="en-US"/>
           </a:p>
@@ -2541,7 +2541,7 @@
           <a:p>
             <a:fld id="{71E10034-284E-534E-87ED-A26A40A9A5A4}" type="datetime1">
               <a:rPr kumimoji="1" lang="ja-JP" altLang="en-US" smtClean="0"/>
-              <a:t>2020/4/15</a:t>
+              <a:t>2020/4/19</a:t>
             </a:fld>
             <a:endParaRPr kumimoji="1" lang="ja-JP" altLang="en-US"/>
           </a:p>
@@ -2845,7 +2845,7 @@
           <a:p>
             <a:fld id="{1FB2FB92-4CFC-BF4B-81B2-16888C599581}" type="datetime1">
               <a:rPr kumimoji="1" lang="ja-JP" altLang="en-US" smtClean="0"/>
-              <a:t>2020/4/15</a:t>
+              <a:t>2020/4/19</a:t>
             </a:fld>
             <a:endParaRPr kumimoji="1" lang="ja-JP" altLang="en-US"/>
           </a:p>
@@ -3097,7 +3097,7 @@
           <a:p>
             <a:fld id="{43AF2432-0CDD-C544-BAB3-85372DA356EC}" type="datetime1">
               <a:rPr kumimoji="1" lang="ja-JP" altLang="en-US" smtClean="0"/>
-              <a:t>2020/4/15</a:t>
+              <a:t>2020/4/19</a:t>
             </a:fld>
             <a:endParaRPr kumimoji="1" lang="ja-JP" altLang="en-US"/>
           </a:p>
@@ -3337,7 +3337,7 @@
           <a:p>
             <a:fld id="{4A801117-FCED-794E-BE88-16E7FC9A3D9F}" type="datetime1">
               <a:rPr kumimoji="1" lang="ja-JP" altLang="en-US" smtClean="0"/>
-              <a:t>2020/4/15</a:t>
+              <a:t>2020/4/19</a:t>
             </a:fld>
             <a:endParaRPr kumimoji="1" lang="ja-JP" altLang="en-US"/>
           </a:p>
@@ -3828,7 +3828,7 @@
             <a:pPr algn="ctr"/>
             <a:r>
               <a:rPr kumimoji="1" lang="en-US" altLang="ja-JP" dirty="0"/>
-              <a:t>2019/11/12</a:t>
+              <a:t>2020/4/20</a:t>
             </a:r>
             <a:endParaRPr kumimoji="1" lang="ja-JP" altLang="en-US" dirty="0"/>
           </a:p>
